--- a/unbalance/images.pptx
+++ b/unbalance/images.pptx
@@ -13,6 +13,8 @@
     <p:sldId id="265" r:id="rId7"/>
     <p:sldId id="260" r:id="rId8"/>
     <p:sldId id="266" r:id="rId9"/>
+    <p:sldId id="268" r:id="rId10"/>
+    <p:sldId id="267" r:id="rId11"/>
   </p:sldIdLst>
   <p:sldSz cx="21599525" cy="14400213"/>
   <p:notesSz cx="6858000" cy="9144000"/>
@@ -128,6 +130,8 @@
             <p14:sldId id="265"/>
             <p14:sldId id="260"/>
             <p14:sldId id="266"/>
+            <p14:sldId id="268"/>
+            <p14:sldId id="267"/>
           </p14:sldIdLst>
         </p14:section>
       </p14:sectionLst>
@@ -282,7 +286,7 @@
           <a:p>
             <a:fld id="{FB7CF62E-CE0A-4A24-BF36-7EEB5EF31D49}" type="datetimeFigureOut">
               <a:rPr kumimoji="1" lang="ja-JP" altLang="en-US" smtClean="0"/>
-              <a:t>2020/2/8</a:t>
+              <a:t>2020/2/9</a:t>
             </a:fld>
             <a:endParaRPr kumimoji="1" lang="ja-JP" altLang="en-US"/>
           </a:p>
@@ -484,7 +488,7 @@
           <a:p>
             <a:fld id="{FB7CF62E-CE0A-4A24-BF36-7EEB5EF31D49}" type="datetimeFigureOut">
               <a:rPr kumimoji="1" lang="ja-JP" altLang="en-US" smtClean="0"/>
-              <a:t>2020/2/8</a:t>
+              <a:t>2020/2/9</a:t>
             </a:fld>
             <a:endParaRPr kumimoji="1" lang="ja-JP" altLang="en-US"/>
           </a:p>
@@ -696,7 +700,7 @@
           <a:p>
             <a:fld id="{FB7CF62E-CE0A-4A24-BF36-7EEB5EF31D49}" type="datetimeFigureOut">
               <a:rPr kumimoji="1" lang="ja-JP" altLang="en-US" smtClean="0"/>
-              <a:t>2020/2/8</a:t>
+              <a:t>2020/2/9</a:t>
             </a:fld>
             <a:endParaRPr kumimoji="1" lang="ja-JP" altLang="en-US"/>
           </a:p>
@@ -898,7 +902,7 @@
           <a:p>
             <a:fld id="{FB7CF62E-CE0A-4A24-BF36-7EEB5EF31D49}" type="datetimeFigureOut">
               <a:rPr kumimoji="1" lang="ja-JP" altLang="en-US" smtClean="0"/>
-              <a:t>2020/2/8</a:t>
+              <a:t>2020/2/9</a:t>
             </a:fld>
             <a:endParaRPr kumimoji="1" lang="ja-JP" altLang="en-US"/>
           </a:p>
@@ -1142,7 +1146,7 @@
           <a:p>
             <a:fld id="{FB7CF62E-CE0A-4A24-BF36-7EEB5EF31D49}" type="datetimeFigureOut">
               <a:rPr kumimoji="1" lang="ja-JP" altLang="en-US" smtClean="0"/>
-              <a:t>2020/2/8</a:t>
+              <a:t>2020/2/9</a:t>
             </a:fld>
             <a:endParaRPr kumimoji="1" lang="ja-JP" altLang="en-US"/>
           </a:p>
@@ -1438,7 +1442,7 @@
           <a:p>
             <a:fld id="{FB7CF62E-CE0A-4A24-BF36-7EEB5EF31D49}" type="datetimeFigureOut">
               <a:rPr kumimoji="1" lang="ja-JP" altLang="en-US" smtClean="0"/>
-              <a:t>2020/2/8</a:t>
+              <a:t>2020/2/9</a:t>
             </a:fld>
             <a:endParaRPr kumimoji="1" lang="ja-JP" altLang="en-US"/>
           </a:p>
@@ -1869,7 +1873,7 @@
           <a:p>
             <a:fld id="{FB7CF62E-CE0A-4A24-BF36-7EEB5EF31D49}" type="datetimeFigureOut">
               <a:rPr kumimoji="1" lang="ja-JP" altLang="en-US" smtClean="0"/>
-              <a:t>2020/2/8</a:t>
+              <a:t>2020/2/9</a:t>
             </a:fld>
             <a:endParaRPr kumimoji="1" lang="ja-JP" altLang="en-US"/>
           </a:p>
@@ -1987,7 +1991,7 @@
           <a:p>
             <a:fld id="{FB7CF62E-CE0A-4A24-BF36-7EEB5EF31D49}" type="datetimeFigureOut">
               <a:rPr kumimoji="1" lang="ja-JP" altLang="en-US" smtClean="0"/>
-              <a:t>2020/2/8</a:t>
+              <a:t>2020/2/9</a:t>
             </a:fld>
             <a:endParaRPr kumimoji="1" lang="ja-JP" altLang="en-US"/>
           </a:p>
@@ -2082,7 +2086,7 @@
           <a:p>
             <a:fld id="{FB7CF62E-CE0A-4A24-BF36-7EEB5EF31D49}" type="datetimeFigureOut">
               <a:rPr kumimoji="1" lang="ja-JP" altLang="en-US" smtClean="0"/>
-              <a:t>2020/2/8</a:t>
+              <a:t>2020/2/9</a:t>
             </a:fld>
             <a:endParaRPr kumimoji="1" lang="ja-JP" altLang="en-US"/>
           </a:p>
@@ -2391,7 +2395,7 @@
           <a:p>
             <a:fld id="{FB7CF62E-CE0A-4A24-BF36-7EEB5EF31D49}" type="datetimeFigureOut">
               <a:rPr kumimoji="1" lang="ja-JP" altLang="en-US" smtClean="0"/>
-              <a:t>2020/2/8</a:t>
+              <a:t>2020/2/9</a:t>
             </a:fld>
             <a:endParaRPr kumimoji="1" lang="ja-JP" altLang="en-US"/>
           </a:p>
@@ -2648,7 +2652,7 @@
           <a:p>
             <a:fld id="{FB7CF62E-CE0A-4A24-BF36-7EEB5EF31D49}" type="datetimeFigureOut">
               <a:rPr kumimoji="1" lang="ja-JP" altLang="en-US" smtClean="0"/>
-              <a:t>2020/2/8</a:t>
+              <a:t>2020/2/9</a:t>
             </a:fld>
             <a:endParaRPr kumimoji="1" lang="ja-JP" altLang="en-US"/>
           </a:p>
@@ -2893,7 +2897,7 @@
           <a:p>
             <a:fld id="{FB7CF62E-CE0A-4A24-BF36-7EEB5EF31D49}" type="datetimeFigureOut">
               <a:rPr kumimoji="1" lang="ja-JP" altLang="en-US" smtClean="0"/>
-              <a:t>2020/2/8</a:t>
+              <a:t>2020/2/9</a:t>
             </a:fld>
             <a:endParaRPr kumimoji="1" lang="ja-JP" altLang="en-US"/>
           </a:p>
@@ -3361,6 +3365,86 @@
 </p:sld>
 </file>
 
+<file path=ppt/slides/slide10.xml><?xml version="1.0" encoding="utf-8"?>
+<p:sld xmlns:a="http://schemas.openxmlformats.org/drawingml/2006/main" xmlns:r="http://schemas.openxmlformats.org/officeDocument/2006/relationships" xmlns:p="http://schemas.openxmlformats.org/presentationml/2006/main">
+  <p:cSld>
+    <p:spTree>
+      <p:nvGrpSpPr>
+        <p:cNvPr id="1" name=""/>
+        <p:cNvGrpSpPr/>
+        <p:nvPr/>
+      </p:nvGrpSpPr>
+      <p:grpSpPr>
+        <a:xfrm>
+          <a:off x="0" y="0"/>
+          <a:ext cx="0" cy="0"/>
+          <a:chOff x="0" y="0"/>
+          <a:chExt cx="0" cy="0"/>
+        </a:xfrm>
+      </p:grpSpPr>
+      <p:sp>
+        <p:nvSpPr>
+          <p:cNvPr id="2" name="タイトル 1">
+            <a:extLst>
+              <a:ext uri="{FF2B5EF4-FFF2-40B4-BE49-F238E27FC236}">
+                <a16:creationId xmlns:a16="http://schemas.microsoft.com/office/drawing/2014/main" id="{7895F145-AFA2-49B4-8262-CF504D9CA3DC}"/>
+              </a:ext>
+            </a:extLst>
+          </p:cNvPr>
+          <p:cNvSpPr>
+            <a:spLocks noGrp="1"/>
+          </p:cNvSpPr>
+          <p:nvPr>
+            <p:ph type="title"/>
+          </p:nvPr>
+        </p:nvSpPr>
+        <p:spPr/>
+        <p:txBody>
+          <a:bodyPr/>
+          <a:lstStyle/>
+          <a:p>
+            <a:endParaRPr kumimoji="1" lang="ja-JP" altLang="en-US"/>
+          </a:p>
+        </p:txBody>
+      </p:sp>
+      <p:sp>
+        <p:nvSpPr>
+          <p:cNvPr id="3" name="コンテンツ プレースホルダー 2">
+            <a:extLst>
+              <a:ext uri="{FF2B5EF4-FFF2-40B4-BE49-F238E27FC236}">
+                <a16:creationId xmlns:a16="http://schemas.microsoft.com/office/drawing/2014/main" id="{BD5F7E7A-639A-48D8-910B-38F91E648D6E}"/>
+              </a:ext>
+            </a:extLst>
+          </p:cNvPr>
+          <p:cNvSpPr>
+            <a:spLocks noGrp="1"/>
+          </p:cNvSpPr>
+          <p:nvPr>
+            <p:ph idx="1"/>
+          </p:nvPr>
+        </p:nvSpPr>
+        <p:spPr/>
+        <p:txBody>
+          <a:bodyPr/>
+          <a:lstStyle/>
+          <a:p>
+            <a:endParaRPr kumimoji="1" lang="ja-JP" altLang="en-US"/>
+          </a:p>
+        </p:txBody>
+      </p:sp>
+    </p:spTree>
+    <p:extLst>
+      <p:ext uri="{BB962C8B-B14F-4D97-AF65-F5344CB8AC3E}">
+        <p14:creationId xmlns:p14="http://schemas.microsoft.com/office/powerpoint/2010/main" val="3178158607"/>
+      </p:ext>
+    </p:extLst>
+  </p:cSld>
+  <p:clrMapOvr>
+    <a:masterClrMapping/>
+  </p:clrMapOvr>
+</p:sld>
+</file>
+
 <file path=ppt/slides/slide2.xml><?xml version="1.0" encoding="utf-8"?>
 <p:sld xmlns:a="http://schemas.openxmlformats.org/drawingml/2006/main" xmlns:r="http://schemas.openxmlformats.org/officeDocument/2006/relationships" xmlns:p="http://schemas.openxmlformats.org/presentationml/2006/main">
   <p:cSld>
@@ -22738,6 +22822,1235 @@
     <p:extLst>
       <p:ext uri="{BB962C8B-B14F-4D97-AF65-F5344CB8AC3E}">
         <p14:creationId xmlns:p14="http://schemas.microsoft.com/office/powerpoint/2010/main" val="120996336"/>
+      </p:ext>
+    </p:extLst>
+  </p:cSld>
+  <p:clrMapOvr>
+    <a:masterClrMapping/>
+  </p:clrMapOvr>
+</p:sld>
+</file>
+
+<file path=ppt/slides/slide9.xml><?xml version="1.0" encoding="utf-8"?>
+<p:sld xmlns:a="http://schemas.openxmlformats.org/drawingml/2006/main" xmlns:r="http://schemas.openxmlformats.org/officeDocument/2006/relationships" xmlns:p="http://schemas.openxmlformats.org/presentationml/2006/main">
+  <p:cSld>
+    <p:spTree>
+      <p:nvGrpSpPr>
+        <p:cNvPr id="1" name=""/>
+        <p:cNvGrpSpPr/>
+        <p:nvPr/>
+      </p:nvGrpSpPr>
+      <p:grpSpPr>
+        <a:xfrm>
+          <a:off x="0" y="0"/>
+          <a:ext cx="0" cy="0"/>
+          <a:chOff x="0" y="0"/>
+          <a:chExt cx="0" cy="0"/>
+        </a:xfrm>
+      </p:grpSpPr>
+      <p:sp>
+        <p:nvSpPr>
+          <p:cNvPr id="14" name="正方形/長方形 13">
+            <a:extLst>
+              <a:ext uri="{FF2B5EF4-FFF2-40B4-BE49-F238E27FC236}">
+                <a16:creationId xmlns:a16="http://schemas.microsoft.com/office/drawing/2014/main" id="{06AB07B6-9048-4F00-B52D-04797F32EE2E}"/>
+              </a:ext>
+            </a:extLst>
+          </p:cNvPr>
+          <p:cNvSpPr/>
+          <p:nvPr/>
+        </p:nvSpPr>
+        <p:spPr>
+          <a:xfrm>
+            <a:off x="3628890" y="842541"/>
+            <a:ext cx="7744408" cy="7744408"/>
+          </a:xfrm>
+          <a:prstGeom prst="rect">
+            <a:avLst/>
+          </a:prstGeom>
+          <a:noFill/>
+          <a:ln>
+            <a:solidFill>
+              <a:schemeClr val="tx1"/>
+            </a:solidFill>
+          </a:ln>
+        </p:spPr>
+        <p:style>
+          <a:lnRef idx="2">
+            <a:schemeClr val="accent1">
+              <a:shade val="50000"/>
+            </a:schemeClr>
+          </a:lnRef>
+          <a:fillRef idx="1">
+            <a:schemeClr val="accent1"/>
+          </a:fillRef>
+          <a:effectRef idx="0">
+            <a:schemeClr val="accent1"/>
+          </a:effectRef>
+          <a:fontRef idx="minor">
+            <a:schemeClr val="lt1"/>
+          </a:fontRef>
+        </p:style>
+        <p:txBody>
+          <a:bodyPr rtlCol="0" anchor="ctr"/>
+          <a:lstStyle/>
+          <a:p>
+            <a:pPr algn="ctr"/>
+            <a:endParaRPr kumimoji="1" lang="ja-JP" altLang="en-US"/>
+          </a:p>
+        </p:txBody>
+      </p:sp>
+      <p:cxnSp>
+        <p:nvCxnSpPr>
+          <p:cNvPr id="19" name="直線コネクタ 18">
+            <a:extLst>
+              <a:ext uri="{FF2B5EF4-FFF2-40B4-BE49-F238E27FC236}">
+                <a16:creationId xmlns:a16="http://schemas.microsoft.com/office/drawing/2014/main" id="{84EA35AA-A320-449E-89E2-B04AD1C73061}"/>
+              </a:ext>
+            </a:extLst>
+          </p:cNvPr>
+          <p:cNvCxnSpPr/>
+          <p:nvPr/>
+        </p:nvCxnSpPr>
+        <p:spPr>
+          <a:xfrm flipH="1">
+            <a:off x="3628890" y="842541"/>
+            <a:ext cx="7744408" cy="7744408"/>
+          </a:xfrm>
+          <a:prstGeom prst="line">
+            <a:avLst/>
+          </a:prstGeom>
+          <a:ln>
+            <a:solidFill>
+              <a:schemeClr val="tx1"/>
+            </a:solidFill>
+            <a:prstDash val="lgDash"/>
+          </a:ln>
+        </p:spPr>
+        <p:style>
+          <a:lnRef idx="1">
+            <a:schemeClr val="accent1"/>
+          </a:lnRef>
+          <a:fillRef idx="0">
+            <a:schemeClr val="accent1"/>
+          </a:fillRef>
+          <a:effectRef idx="0">
+            <a:schemeClr val="accent1"/>
+          </a:effectRef>
+          <a:fontRef idx="minor">
+            <a:schemeClr val="tx1"/>
+          </a:fontRef>
+        </p:style>
+      </p:cxnSp>
+      <p:sp>
+        <p:nvSpPr>
+          <p:cNvPr id="23" name="フリーフォーム: 図形 22">
+            <a:extLst>
+              <a:ext uri="{FF2B5EF4-FFF2-40B4-BE49-F238E27FC236}">
+                <a16:creationId xmlns:a16="http://schemas.microsoft.com/office/drawing/2014/main" id="{5162D566-07DB-40B3-8117-CEF3710CF7AC}"/>
+              </a:ext>
+            </a:extLst>
+          </p:cNvPr>
+          <p:cNvSpPr/>
+          <p:nvPr/>
+        </p:nvSpPr>
+        <p:spPr>
+          <a:xfrm>
+            <a:off x="12241532" y="769530"/>
+            <a:ext cx="7763069" cy="7707086"/>
+          </a:xfrm>
+          <a:custGeom>
+            <a:avLst/>
+            <a:gdLst>
+              <a:gd name="connsiteX0" fmla="*/ 0 w 7763069"/>
+              <a:gd name="connsiteY0" fmla="*/ 7707086 h 7707086"/>
+              <a:gd name="connsiteX1" fmla="*/ 447869 w 7763069"/>
+              <a:gd name="connsiteY1" fmla="*/ 4572000 h 7707086"/>
+              <a:gd name="connsiteX2" fmla="*/ 2071395 w 7763069"/>
+              <a:gd name="connsiteY2" fmla="*/ 2071396 h 7707086"/>
+              <a:gd name="connsiteX3" fmla="*/ 5113175 w 7763069"/>
+              <a:gd name="connsiteY3" fmla="*/ 541175 h 7707086"/>
+              <a:gd name="connsiteX4" fmla="*/ 7763069 w 7763069"/>
+              <a:gd name="connsiteY4" fmla="*/ 0 h 7707086"/>
+            </a:gdLst>
+            <a:ahLst/>
+            <a:cxnLst>
+              <a:cxn ang="0">
+                <a:pos x="connsiteX0" y="connsiteY0"/>
+              </a:cxn>
+              <a:cxn ang="0">
+                <a:pos x="connsiteX1" y="connsiteY1"/>
+              </a:cxn>
+              <a:cxn ang="0">
+                <a:pos x="connsiteX2" y="connsiteY2"/>
+              </a:cxn>
+              <a:cxn ang="0">
+                <a:pos x="connsiteX3" y="connsiteY3"/>
+              </a:cxn>
+              <a:cxn ang="0">
+                <a:pos x="connsiteX4" y="connsiteY4"/>
+              </a:cxn>
+            </a:cxnLst>
+            <a:rect l="l" t="t" r="r" b="b"/>
+            <a:pathLst>
+              <a:path w="7763069" h="7707086">
+                <a:moveTo>
+                  <a:pt x="0" y="7707086"/>
+                </a:moveTo>
+                <a:cubicBezTo>
+                  <a:pt x="51318" y="6609184"/>
+                  <a:pt x="102637" y="5511282"/>
+                  <a:pt x="447869" y="4572000"/>
+                </a:cubicBezTo>
+                <a:cubicBezTo>
+                  <a:pt x="793102" y="3632718"/>
+                  <a:pt x="1293844" y="2743200"/>
+                  <a:pt x="2071395" y="2071396"/>
+                </a:cubicBezTo>
+                <a:cubicBezTo>
+                  <a:pt x="2848946" y="1399592"/>
+                  <a:pt x="4164563" y="886408"/>
+                  <a:pt x="5113175" y="541175"/>
+                </a:cubicBezTo>
+                <a:cubicBezTo>
+                  <a:pt x="6061787" y="195942"/>
+                  <a:pt x="6912428" y="97971"/>
+                  <a:pt x="7763069" y="0"/>
+                </a:cubicBezTo>
+              </a:path>
+            </a:pathLst>
+          </a:custGeom>
+          <a:noFill/>
+          <a:ln>
+            <a:solidFill>
+              <a:schemeClr val="tx1"/>
+            </a:solidFill>
+          </a:ln>
+        </p:spPr>
+        <p:style>
+          <a:lnRef idx="2">
+            <a:schemeClr val="accent1">
+              <a:shade val="50000"/>
+            </a:schemeClr>
+          </a:lnRef>
+          <a:fillRef idx="1">
+            <a:schemeClr val="accent1"/>
+          </a:fillRef>
+          <a:effectRef idx="0">
+            <a:schemeClr val="accent1"/>
+          </a:effectRef>
+          <a:fontRef idx="minor">
+            <a:schemeClr val="lt1"/>
+          </a:fontRef>
+        </p:style>
+        <p:txBody>
+          <a:bodyPr rtlCol="0" anchor="ctr"/>
+          <a:lstStyle/>
+          <a:p>
+            <a:pPr algn="ctr"/>
+            <a:endParaRPr kumimoji="1" lang="ja-JP" altLang="en-US"/>
+          </a:p>
+        </p:txBody>
+      </p:sp>
+      <p:sp>
+        <p:nvSpPr>
+          <p:cNvPr id="43" name="テキスト ボックス 42">
+            <a:extLst>
+              <a:ext uri="{FF2B5EF4-FFF2-40B4-BE49-F238E27FC236}">
+                <a16:creationId xmlns:a16="http://schemas.microsoft.com/office/drawing/2014/main" id="{B27C3BB0-43EC-4007-9069-3022B6922A65}"/>
+              </a:ext>
+            </a:extLst>
+          </p:cNvPr>
+          <p:cNvSpPr txBox="1"/>
+          <p:nvPr/>
+        </p:nvSpPr>
+        <p:spPr>
+          <a:xfrm>
+            <a:off x="6406824" y="9309512"/>
+            <a:ext cx="1938007" cy="769441"/>
+          </a:xfrm>
+          <a:prstGeom prst="rect">
+            <a:avLst/>
+          </a:prstGeom>
+          <a:noFill/>
+        </p:spPr>
+        <p:txBody>
+          <a:bodyPr wrap="square" rtlCol="0">
+            <a:spAutoFit/>
+          </a:bodyPr>
+          <a:lstStyle/>
+          <a:p>
+            <a:r>
+              <a:rPr kumimoji="1" lang="ja-JP" altLang="en-US" sz="4400" dirty="0"/>
+              <a:t>予測値</a:t>
+            </a:r>
+          </a:p>
+        </p:txBody>
+      </p:sp>
+      <p:sp>
+        <p:nvSpPr>
+          <p:cNvPr id="44" name="テキスト ボックス 43">
+            <a:extLst>
+              <a:ext uri="{FF2B5EF4-FFF2-40B4-BE49-F238E27FC236}">
+                <a16:creationId xmlns:a16="http://schemas.microsoft.com/office/drawing/2014/main" id="{DB6A2A5D-43CC-46BD-905E-7AA7D8F82F6E}"/>
+              </a:ext>
+            </a:extLst>
+          </p:cNvPr>
+          <p:cNvSpPr txBox="1"/>
+          <p:nvPr/>
+        </p:nvSpPr>
+        <p:spPr>
+          <a:xfrm>
+            <a:off x="10991947" y="8522003"/>
+            <a:ext cx="800024" cy="769441"/>
+          </a:xfrm>
+          <a:prstGeom prst="rect">
+            <a:avLst/>
+          </a:prstGeom>
+          <a:noFill/>
+        </p:spPr>
+        <p:txBody>
+          <a:bodyPr wrap="square" rtlCol="0">
+            <a:spAutoFit/>
+          </a:bodyPr>
+          <a:lstStyle/>
+          <a:p>
+            <a:r>
+              <a:rPr kumimoji="1" lang="en-US" altLang="ja-JP" sz="4400" dirty="0"/>
+              <a:t>1</a:t>
+            </a:r>
+            <a:endParaRPr kumimoji="1" lang="ja-JP" altLang="en-US" sz="4400" dirty="0"/>
+          </a:p>
+        </p:txBody>
+      </p:sp>
+      <p:sp>
+        <p:nvSpPr>
+          <p:cNvPr id="45" name="テキスト ボックス 44">
+            <a:extLst>
+              <a:ext uri="{FF2B5EF4-FFF2-40B4-BE49-F238E27FC236}">
+                <a16:creationId xmlns:a16="http://schemas.microsoft.com/office/drawing/2014/main" id="{3EFEF47B-C00E-46E7-8DB8-C6B332E79E49}"/>
+              </a:ext>
+            </a:extLst>
+          </p:cNvPr>
+          <p:cNvSpPr txBox="1"/>
+          <p:nvPr/>
+        </p:nvSpPr>
+        <p:spPr>
+          <a:xfrm>
+            <a:off x="3037712" y="8516724"/>
+            <a:ext cx="925235" cy="769441"/>
+          </a:xfrm>
+          <a:prstGeom prst="rect">
+            <a:avLst/>
+          </a:prstGeom>
+          <a:noFill/>
+        </p:spPr>
+        <p:txBody>
+          <a:bodyPr wrap="square" rtlCol="0">
+            <a:spAutoFit/>
+          </a:bodyPr>
+          <a:lstStyle/>
+          <a:p>
+            <a:r>
+              <a:rPr kumimoji="1" lang="en-US" altLang="ja-JP" sz="4400" dirty="0"/>
+              <a:t>0</a:t>
+            </a:r>
+            <a:r>
+              <a:rPr kumimoji="1" lang="ja-JP" altLang="en-US" sz="4400" dirty="0"/>
+              <a:t> </a:t>
+            </a:r>
+          </a:p>
+        </p:txBody>
+      </p:sp>
+      <p:sp>
+        <p:nvSpPr>
+          <p:cNvPr id="46" name="テキスト ボックス 45">
+            <a:extLst>
+              <a:ext uri="{FF2B5EF4-FFF2-40B4-BE49-F238E27FC236}">
+                <a16:creationId xmlns:a16="http://schemas.microsoft.com/office/drawing/2014/main" id="{D144F723-D5DD-406E-91CD-9F367047FD31}"/>
+              </a:ext>
+            </a:extLst>
+          </p:cNvPr>
+          <p:cNvSpPr txBox="1"/>
+          <p:nvPr/>
+        </p:nvSpPr>
+        <p:spPr>
+          <a:xfrm>
+            <a:off x="3055961" y="467151"/>
+            <a:ext cx="925235" cy="769441"/>
+          </a:xfrm>
+          <a:prstGeom prst="rect">
+            <a:avLst/>
+          </a:prstGeom>
+          <a:noFill/>
+        </p:spPr>
+        <p:txBody>
+          <a:bodyPr wrap="square" rtlCol="0">
+            <a:spAutoFit/>
+          </a:bodyPr>
+          <a:lstStyle/>
+          <a:p>
+            <a:r>
+              <a:rPr kumimoji="1" lang="en-US" altLang="ja-JP" sz="4400" dirty="0"/>
+              <a:t>1</a:t>
+            </a:r>
+            <a:endParaRPr kumimoji="1" lang="ja-JP" altLang="en-US" sz="4400" dirty="0"/>
+          </a:p>
+        </p:txBody>
+      </p:sp>
+      <p:sp>
+        <p:nvSpPr>
+          <p:cNvPr id="47" name="テキスト ボックス 46">
+            <a:extLst>
+              <a:ext uri="{FF2B5EF4-FFF2-40B4-BE49-F238E27FC236}">
+                <a16:creationId xmlns:a16="http://schemas.microsoft.com/office/drawing/2014/main" id="{0C398B56-6C45-4C9D-B47C-73834368F144}"/>
+              </a:ext>
+            </a:extLst>
+          </p:cNvPr>
+          <p:cNvSpPr txBox="1"/>
+          <p:nvPr/>
+        </p:nvSpPr>
+        <p:spPr>
+          <a:xfrm>
+            <a:off x="14558175" y="5278312"/>
+            <a:ext cx="1748032" cy="769441"/>
+          </a:xfrm>
+          <a:prstGeom prst="rect">
+            <a:avLst/>
+          </a:prstGeom>
+          <a:noFill/>
+        </p:spPr>
+        <p:txBody>
+          <a:bodyPr wrap="square" rtlCol="0">
+            <a:spAutoFit/>
+          </a:bodyPr>
+          <a:lstStyle/>
+          <a:p>
+            <a:r>
+              <a:rPr kumimoji="1" lang="en-US" altLang="ja-JP" sz="4400" dirty="0"/>
+              <a:t>TPR</a:t>
+            </a:r>
+            <a:endParaRPr kumimoji="1" lang="ja-JP" altLang="en-US" sz="4400" dirty="0"/>
+          </a:p>
+        </p:txBody>
+      </p:sp>
+      <p:sp>
+        <p:nvSpPr>
+          <p:cNvPr id="48" name="楕円 47">
+            <a:extLst>
+              <a:ext uri="{FF2B5EF4-FFF2-40B4-BE49-F238E27FC236}">
+                <a16:creationId xmlns:a16="http://schemas.microsoft.com/office/drawing/2014/main" id="{694A3F03-42DF-4F4A-A6C5-AAE07B74C593}"/>
+              </a:ext>
+            </a:extLst>
+          </p:cNvPr>
+          <p:cNvSpPr/>
+          <p:nvPr/>
+        </p:nvSpPr>
+        <p:spPr>
+          <a:xfrm>
+            <a:off x="17457167" y="5263844"/>
+            <a:ext cx="261257" cy="261257"/>
+          </a:xfrm>
+          <a:prstGeom prst="ellipse">
+            <a:avLst/>
+          </a:prstGeom>
+          <a:solidFill>
+            <a:schemeClr val="tx1"/>
+          </a:solidFill>
+        </p:spPr>
+        <p:style>
+          <a:lnRef idx="2">
+            <a:schemeClr val="accent1">
+              <a:shade val="50000"/>
+            </a:schemeClr>
+          </a:lnRef>
+          <a:fillRef idx="1">
+            <a:schemeClr val="accent1"/>
+          </a:fillRef>
+          <a:effectRef idx="0">
+            <a:schemeClr val="accent1"/>
+          </a:effectRef>
+          <a:fontRef idx="minor">
+            <a:schemeClr val="lt1"/>
+          </a:fontRef>
+        </p:style>
+        <p:txBody>
+          <a:bodyPr rtlCol="0" anchor="ctr"/>
+          <a:lstStyle/>
+          <a:p>
+            <a:pPr algn="ctr"/>
+            <a:endParaRPr kumimoji="1" lang="ja-JP" altLang="en-US"/>
+          </a:p>
+        </p:txBody>
+      </p:sp>
+      <p:sp>
+        <p:nvSpPr>
+          <p:cNvPr id="49" name="楕円 48">
+            <a:extLst>
+              <a:ext uri="{FF2B5EF4-FFF2-40B4-BE49-F238E27FC236}">
+                <a16:creationId xmlns:a16="http://schemas.microsoft.com/office/drawing/2014/main" id="{53528C93-6059-45FF-8472-F06D776A30B1}"/>
+              </a:ext>
+            </a:extLst>
+          </p:cNvPr>
+          <p:cNvSpPr/>
+          <p:nvPr/>
+        </p:nvSpPr>
+        <p:spPr>
+          <a:xfrm>
+            <a:off x="20266089" y="3036718"/>
+            <a:ext cx="261257" cy="261257"/>
+          </a:xfrm>
+          <a:prstGeom prst="ellipse">
+            <a:avLst/>
+          </a:prstGeom>
+          <a:solidFill>
+            <a:schemeClr val="tx1"/>
+          </a:solidFill>
+        </p:spPr>
+        <p:style>
+          <a:lnRef idx="2">
+            <a:schemeClr val="accent1">
+              <a:shade val="50000"/>
+            </a:schemeClr>
+          </a:lnRef>
+          <a:fillRef idx="1">
+            <a:schemeClr val="accent1"/>
+          </a:fillRef>
+          <a:effectRef idx="0">
+            <a:schemeClr val="accent1"/>
+          </a:effectRef>
+          <a:fontRef idx="minor">
+            <a:schemeClr val="lt1"/>
+          </a:fontRef>
+        </p:style>
+        <p:txBody>
+          <a:bodyPr rtlCol="0" anchor="ctr"/>
+          <a:lstStyle/>
+          <a:p>
+            <a:pPr algn="ctr"/>
+            <a:endParaRPr kumimoji="1" lang="ja-JP" altLang="en-US"/>
+          </a:p>
+        </p:txBody>
+      </p:sp>
+      <p:sp>
+        <p:nvSpPr>
+          <p:cNvPr id="50" name="テキスト ボックス 49">
+            <a:extLst>
+              <a:ext uri="{FF2B5EF4-FFF2-40B4-BE49-F238E27FC236}">
+                <a16:creationId xmlns:a16="http://schemas.microsoft.com/office/drawing/2014/main" id="{0B9C8AB8-B1E6-453F-8EFD-BE22336F42AF}"/>
+              </a:ext>
+            </a:extLst>
+          </p:cNvPr>
+          <p:cNvSpPr txBox="1"/>
+          <p:nvPr/>
+        </p:nvSpPr>
+        <p:spPr>
+          <a:xfrm>
+            <a:off x="17805829" y="5193287"/>
+            <a:ext cx="2022258" cy="707886"/>
+          </a:xfrm>
+          <a:prstGeom prst="rect">
+            <a:avLst/>
+          </a:prstGeom>
+          <a:noFill/>
+        </p:spPr>
+        <p:txBody>
+          <a:bodyPr wrap="square" rtlCol="0">
+            <a:spAutoFit/>
+          </a:bodyPr>
+          <a:lstStyle/>
+          <a:p>
+            <a:r>
+              <a:rPr kumimoji="1" lang="ja-JP" altLang="en-US" sz="4000" dirty="0"/>
+              <a:t>閾値</a:t>
+            </a:r>
+            <a:r>
+              <a:rPr kumimoji="1" lang="en-US" altLang="ja-JP" sz="4000" dirty="0"/>
+              <a:t>0.6</a:t>
+            </a:r>
+            <a:endParaRPr kumimoji="1" lang="ja-JP" altLang="en-US" sz="4000" dirty="0"/>
+          </a:p>
+        </p:txBody>
+      </p:sp>
+      <p:sp>
+        <p:nvSpPr>
+          <p:cNvPr id="51" name="テキスト ボックス 50">
+            <a:extLst>
+              <a:ext uri="{FF2B5EF4-FFF2-40B4-BE49-F238E27FC236}">
+                <a16:creationId xmlns:a16="http://schemas.microsoft.com/office/drawing/2014/main" id="{3131845E-8D66-4ADD-BEAD-D4669DD01ACB}"/>
+              </a:ext>
+            </a:extLst>
+          </p:cNvPr>
+          <p:cNvSpPr txBox="1"/>
+          <p:nvPr/>
+        </p:nvSpPr>
+        <p:spPr>
+          <a:xfrm>
+            <a:off x="11980044" y="842541"/>
+            <a:ext cx="2130809" cy="707886"/>
+          </a:xfrm>
+          <a:prstGeom prst="rect">
+            <a:avLst/>
+          </a:prstGeom>
+          <a:noFill/>
+        </p:spPr>
+        <p:txBody>
+          <a:bodyPr wrap="square" rtlCol="0">
+            <a:spAutoFit/>
+          </a:bodyPr>
+          <a:lstStyle/>
+          <a:p>
+            <a:r>
+              <a:rPr kumimoji="1" lang="ja-JP" altLang="en-US" sz="4000" dirty="0"/>
+              <a:t>閾値</a:t>
+            </a:r>
+            <a:r>
+              <a:rPr kumimoji="1" lang="en-US" altLang="ja-JP" sz="4000" dirty="0"/>
+              <a:t>0.4</a:t>
+            </a:r>
+            <a:endParaRPr kumimoji="1" lang="ja-JP" altLang="en-US" sz="4000" dirty="0"/>
+          </a:p>
+        </p:txBody>
+      </p:sp>
+      <p:cxnSp>
+        <p:nvCxnSpPr>
+          <p:cNvPr id="60" name="直線コネクタ 59">
+            <a:extLst>
+              <a:ext uri="{FF2B5EF4-FFF2-40B4-BE49-F238E27FC236}">
+                <a16:creationId xmlns:a16="http://schemas.microsoft.com/office/drawing/2014/main" id="{5D306776-7D38-4B15-BBE8-BDC22EB03752}"/>
+              </a:ext>
+            </a:extLst>
+          </p:cNvPr>
+          <p:cNvCxnSpPr>
+            <a:cxnSpLocks/>
+          </p:cNvCxnSpPr>
+          <p:nvPr/>
+        </p:nvCxnSpPr>
+        <p:spPr>
+          <a:xfrm>
+            <a:off x="7501094" y="6087861"/>
+            <a:ext cx="0" cy="2503132"/>
+          </a:xfrm>
+          <a:prstGeom prst="line">
+            <a:avLst/>
+          </a:prstGeom>
+          <a:ln>
+            <a:solidFill>
+              <a:schemeClr val="tx1"/>
+            </a:solidFill>
+            <a:prstDash val="dash"/>
+            <a:headEnd type="triangle" w="lg" len="lg"/>
+          </a:ln>
+        </p:spPr>
+        <p:style>
+          <a:lnRef idx="1">
+            <a:schemeClr val="accent1"/>
+          </a:lnRef>
+          <a:fillRef idx="0">
+            <a:schemeClr val="accent1"/>
+          </a:fillRef>
+          <a:effectRef idx="0">
+            <a:schemeClr val="accent1"/>
+          </a:effectRef>
+          <a:fontRef idx="minor">
+            <a:schemeClr val="tx1"/>
+          </a:fontRef>
+        </p:style>
+      </p:cxnSp>
+      <p:cxnSp>
+        <p:nvCxnSpPr>
+          <p:cNvPr id="63" name="直線コネクタ 62">
+            <a:extLst>
+              <a:ext uri="{FF2B5EF4-FFF2-40B4-BE49-F238E27FC236}">
+                <a16:creationId xmlns:a16="http://schemas.microsoft.com/office/drawing/2014/main" id="{0C821BE1-CA13-40F4-97AF-4CA870641336}"/>
+              </a:ext>
+            </a:extLst>
+          </p:cNvPr>
+          <p:cNvCxnSpPr>
+            <a:cxnSpLocks/>
+          </p:cNvCxnSpPr>
+          <p:nvPr/>
+        </p:nvCxnSpPr>
+        <p:spPr>
+          <a:xfrm>
+            <a:off x="3628889" y="6087861"/>
+            <a:ext cx="3872203" cy="0"/>
+          </a:xfrm>
+          <a:prstGeom prst="line">
+            <a:avLst/>
+          </a:prstGeom>
+          <a:ln>
+            <a:solidFill>
+              <a:schemeClr val="tx1"/>
+            </a:solidFill>
+            <a:prstDash val="dash"/>
+            <a:headEnd type="triangle" w="lg" len="lg"/>
+          </a:ln>
+        </p:spPr>
+        <p:style>
+          <a:lnRef idx="1">
+            <a:schemeClr val="accent1"/>
+          </a:lnRef>
+          <a:fillRef idx="0">
+            <a:schemeClr val="accent1"/>
+          </a:fillRef>
+          <a:effectRef idx="0">
+            <a:schemeClr val="accent1"/>
+          </a:effectRef>
+          <a:fontRef idx="minor">
+            <a:schemeClr val="tx1"/>
+          </a:fontRef>
+        </p:style>
+      </p:cxnSp>
+      <p:sp>
+        <p:nvSpPr>
+          <p:cNvPr id="67" name="テキスト ボックス 66">
+            <a:extLst>
+              <a:ext uri="{FF2B5EF4-FFF2-40B4-BE49-F238E27FC236}">
+                <a16:creationId xmlns:a16="http://schemas.microsoft.com/office/drawing/2014/main" id="{38BD8322-B09D-4E73-8B22-824D4978C6E9}"/>
+              </a:ext>
+            </a:extLst>
+          </p:cNvPr>
+          <p:cNvSpPr txBox="1"/>
+          <p:nvPr/>
+        </p:nvSpPr>
+        <p:spPr>
+          <a:xfrm>
+            <a:off x="17151510" y="8835813"/>
+            <a:ext cx="1626401" cy="769441"/>
+          </a:xfrm>
+          <a:prstGeom prst="rect">
+            <a:avLst/>
+          </a:prstGeom>
+          <a:noFill/>
+        </p:spPr>
+        <p:txBody>
+          <a:bodyPr wrap="square" rtlCol="0">
+            <a:spAutoFit/>
+          </a:bodyPr>
+          <a:lstStyle/>
+          <a:p>
+            <a:r>
+              <a:rPr kumimoji="1" lang="en-US" altLang="ja-JP" sz="4400" dirty="0"/>
+              <a:t>0.4</a:t>
+            </a:r>
+            <a:endParaRPr kumimoji="1" lang="ja-JP" altLang="en-US" sz="4400" dirty="0"/>
+          </a:p>
+        </p:txBody>
+      </p:sp>
+      <p:sp>
+        <p:nvSpPr>
+          <p:cNvPr id="68" name="テキスト ボックス 67">
+            <a:extLst>
+              <a:ext uri="{FF2B5EF4-FFF2-40B4-BE49-F238E27FC236}">
+                <a16:creationId xmlns:a16="http://schemas.microsoft.com/office/drawing/2014/main" id="{F253BC19-270E-496F-8C1C-A119B86E7CB3}"/>
+              </a:ext>
+            </a:extLst>
+          </p:cNvPr>
+          <p:cNvSpPr txBox="1"/>
+          <p:nvPr/>
+        </p:nvSpPr>
+        <p:spPr>
+          <a:xfrm>
+            <a:off x="14342588" y="8835812"/>
+            <a:ext cx="1626401" cy="769441"/>
+          </a:xfrm>
+          <a:prstGeom prst="rect">
+            <a:avLst/>
+          </a:prstGeom>
+          <a:noFill/>
+        </p:spPr>
+        <p:txBody>
+          <a:bodyPr wrap="square" rtlCol="0">
+            <a:spAutoFit/>
+          </a:bodyPr>
+          <a:lstStyle/>
+          <a:p>
+            <a:r>
+              <a:rPr kumimoji="1" lang="en-US" altLang="ja-JP" sz="4400" dirty="0"/>
+              <a:t>0.2</a:t>
+            </a:r>
+            <a:endParaRPr kumimoji="1" lang="ja-JP" altLang="en-US" sz="4400" dirty="0"/>
+          </a:p>
+        </p:txBody>
+      </p:sp>
+      <p:sp>
+        <p:nvSpPr>
+          <p:cNvPr id="70" name="テキスト ボックス 69">
+            <a:extLst>
+              <a:ext uri="{FF2B5EF4-FFF2-40B4-BE49-F238E27FC236}">
+                <a16:creationId xmlns:a16="http://schemas.microsoft.com/office/drawing/2014/main" id="{31C78CE6-B7FA-4253-ACF9-6DB5500A9F38}"/>
+              </a:ext>
+            </a:extLst>
+          </p:cNvPr>
+          <p:cNvSpPr txBox="1"/>
+          <p:nvPr/>
+        </p:nvSpPr>
+        <p:spPr>
+          <a:xfrm>
+            <a:off x="15591673" y="2714521"/>
+            <a:ext cx="1626401" cy="769441"/>
+          </a:xfrm>
+          <a:prstGeom prst="rect">
+            <a:avLst/>
+          </a:prstGeom>
+          <a:noFill/>
+        </p:spPr>
+        <p:txBody>
+          <a:bodyPr wrap="square" rtlCol="0">
+            <a:spAutoFit/>
+          </a:bodyPr>
+          <a:lstStyle/>
+          <a:p>
+            <a:r>
+              <a:rPr kumimoji="1" lang="en-US" altLang="ja-JP" sz="4400" dirty="0"/>
+              <a:t>0.8</a:t>
+            </a:r>
+            <a:endParaRPr kumimoji="1" lang="ja-JP" altLang="en-US" sz="4400" dirty="0"/>
+          </a:p>
+        </p:txBody>
+      </p:sp>
+      <p:sp>
+        <p:nvSpPr>
+          <p:cNvPr id="34" name="テキスト ボックス 33">
+            <a:extLst>
+              <a:ext uri="{FF2B5EF4-FFF2-40B4-BE49-F238E27FC236}">
+                <a16:creationId xmlns:a16="http://schemas.microsoft.com/office/drawing/2014/main" id="{54ADBF72-4E20-4809-8A18-3C87E0D55D9F}"/>
+              </a:ext>
+            </a:extLst>
+          </p:cNvPr>
+          <p:cNvSpPr txBox="1"/>
+          <p:nvPr/>
+        </p:nvSpPr>
+        <p:spPr>
+          <a:xfrm>
+            <a:off x="842362" y="3338082"/>
+            <a:ext cx="2483237" cy="769441"/>
+          </a:xfrm>
+          <a:prstGeom prst="rect">
+            <a:avLst/>
+          </a:prstGeom>
+          <a:noFill/>
+        </p:spPr>
+        <p:txBody>
+          <a:bodyPr wrap="square" rtlCol="0">
+            <a:spAutoFit/>
+          </a:bodyPr>
+          <a:lstStyle/>
+          <a:p>
+            <a:r>
+              <a:rPr kumimoji="1" lang="ja-JP" altLang="en-US" sz="4400" dirty="0"/>
+              <a:t>正例割合</a:t>
+            </a:r>
+          </a:p>
+        </p:txBody>
+      </p:sp>
+      <p:cxnSp>
+        <p:nvCxnSpPr>
+          <p:cNvPr id="3" name="直線コネクタ 2">
+            <a:extLst>
+              <a:ext uri="{FF2B5EF4-FFF2-40B4-BE49-F238E27FC236}">
+                <a16:creationId xmlns:a16="http://schemas.microsoft.com/office/drawing/2014/main" id="{94EECB6D-6EF2-4B19-97F9-24C7ABAD3AA1}"/>
+              </a:ext>
+            </a:extLst>
+          </p:cNvPr>
+          <p:cNvCxnSpPr/>
+          <p:nvPr/>
+        </p:nvCxnSpPr>
+        <p:spPr>
+          <a:xfrm flipV="1">
+            <a:off x="3628890" y="3524070"/>
+            <a:ext cx="7744408" cy="5062879"/>
+          </a:xfrm>
+          <a:prstGeom prst="line">
+            <a:avLst/>
+          </a:prstGeom>
+          <a:ln>
+            <a:solidFill>
+              <a:schemeClr val="tx1"/>
+            </a:solidFill>
+          </a:ln>
+        </p:spPr>
+        <p:style>
+          <a:lnRef idx="1">
+            <a:schemeClr val="accent1"/>
+          </a:lnRef>
+          <a:fillRef idx="0">
+            <a:schemeClr val="accent1"/>
+          </a:fillRef>
+          <a:effectRef idx="0">
+            <a:schemeClr val="accent1"/>
+          </a:effectRef>
+          <a:fontRef idx="minor">
+            <a:schemeClr val="tx1"/>
+          </a:fontRef>
+        </p:style>
+      </p:cxnSp>
+      <p:cxnSp>
+        <p:nvCxnSpPr>
+          <p:cNvPr id="35" name="直線コネクタ 34">
+            <a:extLst>
+              <a:ext uri="{FF2B5EF4-FFF2-40B4-BE49-F238E27FC236}">
+                <a16:creationId xmlns:a16="http://schemas.microsoft.com/office/drawing/2014/main" id="{88C78866-85FA-41AB-9F80-7BE394D9E633}"/>
+              </a:ext>
+            </a:extLst>
+          </p:cNvPr>
+          <p:cNvCxnSpPr>
+            <a:cxnSpLocks/>
+          </p:cNvCxnSpPr>
+          <p:nvPr/>
+        </p:nvCxnSpPr>
+        <p:spPr>
+          <a:xfrm flipV="1">
+            <a:off x="3628889" y="882649"/>
+            <a:ext cx="5126917" cy="7634076"/>
+          </a:xfrm>
+          <a:prstGeom prst="line">
+            <a:avLst/>
+          </a:prstGeom>
+          <a:ln>
+            <a:solidFill>
+              <a:schemeClr val="tx1"/>
+            </a:solidFill>
+          </a:ln>
+        </p:spPr>
+        <p:style>
+          <a:lnRef idx="1">
+            <a:schemeClr val="accent1"/>
+          </a:lnRef>
+          <a:fillRef idx="0">
+            <a:schemeClr val="accent1"/>
+          </a:fillRef>
+          <a:effectRef idx="0">
+            <a:schemeClr val="accent1"/>
+          </a:effectRef>
+          <a:fontRef idx="minor">
+            <a:schemeClr val="tx1"/>
+          </a:fontRef>
+        </p:style>
+      </p:cxnSp>
+      <p:sp>
+        <p:nvSpPr>
+          <p:cNvPr id="36" name="テキスト ボックス 35">
+            <a:extLst>
+              <a:ext uri="{FF2B5EF4-FFF2-40B4-BE49-F238E27FC236}">
+                <a16:creationId xmlns:a16="http://schemas.microsoft.com/office/drawing/2014/main" id="{BCEFAB5A-9CE7-4CA7-AC52-5367D7792F1E}"/>
+              </a:ext>
+            </a:extLst>
+          </p:cNvPr>
+          <p:cNvSpPr txBox="1"/>
+          <p:nvPr/>
+        </p:nvSpPr>
+        <p:spPr>
+          <a:xfrm>
+            <a:off x="10533644" y="2953362"/>
+            <a:ext cx="759857" cy="769441"/>
+          </a:xfrm>
+          <a:prstGeom prst="rect">
+            <a:avLst/>
+          </a:prstGeom>
+          <a:noFill/>
+        </p:spPr>
+        <p:txBody>
+          <a:bodyPr wrap="square" rtlCol="0">
+            <a:spAutoFit/>
+          </a:bodyPr>
+          <a:lstStyle/>
+          <a:p>
+            <a:r>
+              <a:rPr kumimoji="1" lang="en-US" altLang="ja-JP" sz="4400" dirty="0"/>
+              <a:t>A</a:t>
+            </a:r>
+            <a:endParaRPr kumimoji="1" lang="ja-JP" altLang="en-US" sz="4400" dirty="0"/>
+          </a:p>
+        </p:txBody>
+      </p:sp>
+      <p:sp>
+        <p:nvSpPr>
+          <p:cNvPr id="37" name="テキスト ボックス 36">
+            <a:extLst>
+              <a:ext uri="{FF2B5EF4-FFF2-40B4-BE49-F238E27FC236}">
+                <a16:creationId xmlns:a16="http://schemas.microsoft.com/office/drawing/2014/main" id="{DB9695FB-5C7D-48F7-B085-530A9E8C41DC}"/>
+              </a:ext>
+            </a:extLst>
+          </p:cNvPr>
+          <p:cNvSpPr txBox="1"/>
+          <p:nvPr/>
+        </p:nvSpPr>
+        <p:spPr>
+          <a:xfrm>
+            <a:off x="7375828" y="1049198"/>
+            <a:ext cx="759857" cy="769441"/>
+          </a:xfrm>
+          <a:prstGeom prst="rect">
+            <a:avLst/>
+          </a:prstGeom>
+          <a:noFill/>
+        </p:spPr>
+        <p:txBody>
+          <a:bodyPr wrap="square" rtlCol="0">
+            <a:spAutoFit/>
+          </a:bodyPr>
+          <a:lstStyle/>
+          <a:p>
+            <a:r>
+              <a:rPr kumimoji="1" lang="en-US" altLang="ja-JP" sz="4400" dirty="0"/>
+              <a:t>B</a:t>
+            </a:r>
+            <a:endParaRPr kumimoji="1" lang="ja-JP" altLang="en-US" sz="4400" dirty="0"/>
+          </a:p>
+        </p:txBody>
+      </p:sp>
+      <p:cxnSp>
+        <p:nvCxnSpPr>
+          <p:cNvPr id="42" name="直線コネクタ 41">
+            <a:extLst>
+              <a:ext uri="{FF2B5EF4-FFF2-40B4-BE49-F238E27FC236}">
+                <a16:creationId xmlns:a16="http://schemas.microsoft.com/office/drawing/2014/main" id="{306D79D2-D31A-437F-83C8-30288C3CA870}"/>
+              </a:ext>
+            </a:extLst>
+          </p:cNvPr>
+          <p:cNvCxnSpPr>
+            <a:cxnSpLocks/>
+          </p:cNvCxnSpPr>
+          <p:nvPr/>
+        </p:nvCxnSpPr>
+        <p:spPr>
+          <a:xfrm>
+            <a:off x="6127033" y="4731648"/>
+            <a:ext cx="0" cy="3859345"/>
+          </a:xfrm>
+          <a:prstGeom prst="line">
+            <a:avLst/>
+          </a:prstGeom>
+          <a:ln>
+            <a:solidFill>
+              <a:schemeClr val="tx1"/>
+            </a:solidFill>
+            <a:prstDash val="dash"/>
+            <a:headEnd type="triangle" w="lg" len="lg"/>
+          </a:ln>
+        </p:spPr>
+        <p:style>
+          <a:lnRef idx="1">
+            <a:schemeClr val="accent1"/>
+          </a:lnRef>
+          <a:fillRef idx="0">
+            <a:schemeClr val="accent1"/>
+          </a:fillRef>
+          <a:effectRef idx="0">
+            <a:schemeClr val="accent1"/>
+          </a:effectRef>
+          <a:fontRef idx="minor">
+            <a:schemeClr val="tx1"/>
+          </a:fontRef>
+        </p:style>
+      </p:cxnSp>
+      <p:cxnSp>
+        <p:nvCxnSpPr>
+          <p:cNvPr id="52" name="直線コネクタ 51">
+            <a:extLst>
+              <a:ext uri="{FF2B5EF4-FFF2-40B4-BE49-F238E27FC236}">
+                <a16:creationId xmlns:a16="http://schemas.microsoft.com/office/drawing/2014/main" id="{D2E3AC65-4336-4A6E-840D-64D9750FCE0E}"/>
+              </a:ext>
+            </a:extLst>
+          </p:cNvPr>
+          <p:cNvCxnSpPr>
+            <a:cxnSpLocks/>
+          </p:cNvCxnSpPr>
+          <p:nvPr/>
+        </p:nvCxnSpPr>
+        <p:spPr>
+          <a:xfrm>
+            <a:off x="3628891" y="4733164"/>
+            <a:ext cx="2498142" cy="0"/>
+          </a:xfrm>
+          <a:prstGeom prst="line">
+            <a:avLst/>
+          </a:prstGeom>
+          <a:ln>
+            <a:solidFill>
+              <a:schemeClr val="tx1"/>
+            </a:solidFill>
+            <a:prstDash val="dash"/>
+            <a:headEnd type="triangle" w="lg" len="lg"/>
+          </a:ln>
+        </p:spPr>
+        <p:style>
+          <a:lnRef idx="1">
+            <a:schemeClr val="accent1"/>
+          </a:lnRef>
+          <a:fillRef idx="0">
+            <a:schemeClr val="accent1"/>
+          </a:fillRef>
+          <a:effectRef idx="0">
+            <a:schemeClr val="accent1"/>
+          </a:effectRef>
+          <a:fontRef idx="minor">
+            <a:schemeClr val="tx1"/>
+          </a:fontRef>
+        </p:style>
+      </p:cxnSp>
+      <p:sp>
+        <p:nvSpPr>
+          <p:cNvPr id="53" name="テキスト ボックス 52">
+            <a:extLst>
+              <a:ext uri="{FF2B5EF4-FFF2-40B4-BE49-F238E27FC236}">
+                <a16:creationId xmlns:a16="http://schemas.microsoft.com/office/drawing/2014/main" id="{2C043853-76C2-4AC4-9940-85787382F030}"/>
+              </a:ext>
+            </a:extLst>
+          </p:cNvPr>
+          <p:cNvSpPr txBox="1"/>
+          <p:nvPr/>
+        </p:nvSpPr>
+        <p:spPr>
+          <a:xfrm>
+            <a:off x="7375828" y="8714637"/>
+            <a:ext cx="1938007" cy="523220"/>
+          </a:xfrm>
+          <a:prstGeom prst="rect">
+            <a:avLst/>
+          </a:prstGeom>
+          <a:noFill/>
+        </p:spPr>
+        <p:txBody>
+          <a:bodyPr wrap="square" rtlCol="0">
+            <a:spAutoFit/>
+          </a:bodyPr>
+          <a:lstStyle/>
+          <a:p>
+            <a:r>
+              <a:rPr kumimoji="1" lang="en-US" altLang="ja-JP" sz="2800" dirty="0"/>
+              <a:t>A</a:t>
+            </a:r>
+            <a:r>
+              <a:rPr kumimoji="1" lang="ja-JP" altLang="en-US" sz="2800" dirty="0"/>
+              <a:t>の予測値</a:t>
+            </a:r>
+          </a:p>
+        </p:txBody>
+      </p:sp>
+      <p:sp>
+        <p:nvSpPr>
+          <p:cNvPr id="54" name="テキスト ボックス 53">
+            <a:extLst>
+              <a:ext uri="{FF2B5EF4-FFF2-40B4-BE49-F238E27FC236}">
+                <a16:creationId xmlns:a16="http://schemas.microsoft.com/office/drawing/2014/main" id="{CDD4CA92-235A-4FDB-A1B0-31852E222B6A}"/>
+              </a:ext>
+            </a:extLst>
+          </p:cNvPr>
+          <p:cNvSpPr txBox="1"/>
+          <p:nvPr/>
+        </p:nvSpPr>
+        <p:spPr>
+          <a:xfrm>
+            <a:off x="5103982" y="8714637"/>
+            <a:ext cx="1938007" cy="523220"/>
+          </a:xfrm>
+          <a:prstGeom prst="rect">
+            <a:avLst/>
+          </a:prstGeom>
+          <a:noFill/>
+        </p:spPr>
+        <p:txBody>
+          <a:bodyPr wrap="square" rtlCol="0">
+            <a:spAutoFit/>
+          </a:bodyPr>
+          <a:lstStyle/>
+          <a:p>
+            <a:r>
+              <a:rPr kumimoji="1" lang="en-US" altLang="ja-JP" sz="2800" dirty="0"/>
+              <a:t>B</a:t>
+            </a:r>
+            <a:r>
+              <a:rPr kumimoji="1" lang="ja-JP" altLang="en-US" sz="2800" dirty="0"/>
+              <a:t>の予測値</a:t>
+            </a:r>
+          </a:p>
+        </p:txBody>
+      </p:sp>
+      <p:sp>
+        <p:nvSpPr>
+          <p:cNvPr id="55" name="テキスト ボックス 54">
+            <a:extLst>
+              <a:ext uri="{FF2B5EF4-FFF2-40B4-BE49-F238E27FC236}">
+                <a16:creationId xmlns:a16="http://schemas.microsoft.com/office/drawing/2014/main" id="{6E1FC0CE-9AEF-47F3-B964-DB77C9E2E35C}"/>
+              </a:ext>
+            </a:extLst>
+          </p:cNvPr>
+          <p:cNvSpPr txBox="1"/>
+          <p:nvPr/>
+        </p:nvSpPr>
+        <p:spPr>
+          <a:xfrm>
+            <a:off x="1392748" y="5841433"/>
+            <a:ext cx="2236140" cy="523205"/>
+          </a:xfrm>
+          <a:prstGeom prst="rect">
+            <a:avLst/>
+          </a:prstGeom>
+          <a:noFill/>
+        </p:spPr>
+        <p:txBody>
+          <a:bodyPr wrap="square" rtlCol="0">
+            <a:spAutoFit/>
+          </a:bodyPr>
+          <a:lstStyle/>
+          <a:p>
+            <a:r>
+              <a:rPr kumimoji="1" lang="en-US" altLang="ja-JP" sz="2800" dirty="0"/>
+              <a:t>A</a:t>
+            </a:r>
+            <a:r>
+              <a:rPr kumimoji="1" lang="ja-JP" altLang="en-US" sz="2800" dirty="0"/>
+              <a:t>の正例割合</a:t>
+            </a:r>
+          </a:p>
+        </p:txBody>
+      </p:sp>
+      <p:sp>
+        <p:nvSpPr>
+          <p:cNvPr id="57" name="テキスト ボックス 56">
+            <a:extLst>
+              <a:ext uri="{FF2B5EF4-FFF2-40B4-BE49-F238E27FC236}">
+                <a16:creationId xmlns:a16="http://schemas.microsoft.com/office/drawing/2014/main" id="{8F6A0EAD-F369-4064-833A-05925C3F3A7D}"/>
+              </a:ext>
+            </a:extLst>
+          </p:cNvPr>
+          <p:cNvSpPr txBox="1"/>
+          <p:nvPr/>
+        </p:nvSpPr>
+        <p:spPr>
+          <a:xfrm>
+            <a:off x="1392748" y="4457372"/>
+            <a:ext cx="2236140" cy="523205"/>
+          </a:xfrm>
+          <a:prstGeom prst="rect">
+            <a:avLst/>
+          </a:prstGeom>
+          <a:noFill/>
+        </p:spPr>
+        <p:txBody>
+          <a:bodyPr wrap="square" rtlCol="0">
+            <a:spAutoFit/>
+          </a:bodyPr>
+          <a:lstStyle/>
+          <a:p>
+            <a:r>
+              <a:rPr kumimoji="1" lang="en-US" altLang="ja-JP" sz="2800" dirty="0"/>
+              <a:t>B</a:t>
+            </a:r>
+            <a:r>
+              <a:rPr kumimoji="1" lang="ja-JP" altLang="en-US" sz="2800" dirty="0"/>
+              <a:t>の正例割合</a:t>
+            </a:r>
+          </a:p>
+        </p:txBody>
+      </p:sp>
+    </p:spTree>
+    <p:extLst>
+      <p:ext uri="{BB962C8B-B14F-4D97-AF65-F5344CB8AC3E}">
+        <p14:creationId xmlns:p14="http://schemas.microsoft.com/office/powerpoint/2010/main" val="767001429"/>
       </p:ext>
     </p:extLst>
   </p:cSld>

--- a/unbalance/images.pptx
+++ b/unbalance/images.pptx
@@ -14,7 +14,10 @@
     <p:sldId id="260" r:id="rId8"/>
     <p:sldId id="266" r:id="rId9"/>
     <p:sldId id="268" r:id="rId10"/>
-    <p:sldId id="267" r:id="rId11"/>
+    <p:sldId id="271" r:id="rId11"/>
+    <p:sldId id="269" r:id="rId12"/>
+    <p:sldId id="272" r:id="rId13"/>
+    <p:sldId id="267" r:id="rId14"/>
   </p:sldIdLst>
   <p:sldSz cx="21599525" cy="14400213"/>
   <p:notesSz cx="6858000" cy="9144000"/>
@@ -131,6 +134,9 @@
             <p14:sldId id="260"/>
             <p14:sldId id="266"/>
             <p14:sldId id="268"/>
+            <p14:sldId id="271"/>
+            <p14:sldId id="269"/>
+            <p14:sldId id="272"/>
             <p14:sldId id="267"/>
           </p14:sldIdLst>
         </p14:section>
@@ -3384,50 +3390,5832 @@
       </p:grpSpPr>
       <p:sp>
         <p:nvSpPr>
-          <p:cNvPr id="2" name="タイトル 1">
-            <a:extLst>
-              <a:ext uri="{FF2B5EF4-FFF2-40B4-BE49-F238E27FC236}">
-                <a16:creationId xmlns:a16="http://schemas.microsoft.com/office/drawing/2014/main" id="{7895F145-AFA2-49B4-8262-CF504D9CA3DC}"/>
-              </a:ext>
-            </a:extLst>
-          </p:cNvPr>
-          <p:cNvSpPr>
-            <a:spLocks noGrp="1"/>
-          </p:cNvSpPr>
-          <p:nvPr>
-            <p:ph type="title"/>
-          </p:nvPr>
-        </p:nvSpPr>
-        <p:spPr/>
-        <p:txBody>
-          <a:bodyPr/>
-          <a:lstStyle/>
-          <a:p>
+          <p:cNvPr id="45" name="テキスト ボックス 44">
+            <a:extLst>
+              <a:ext uri="{FF2B5EF4-FFF2-40B4-BE49-F238E27FC236}">
+                <a16:creationId xmlns:a16="http://schemas.microsoft.com/office/drawing/2014/main" id="{3EFEF47B-C00E-46E7-8DB8-C6B332E79E49}"/>
+              </a:ext>
+            </a:extLst>
+          </p:cNvPr>
+          <p:cNvSpPr txBox="1"/>
+          <p:nvPr/>
+        </p:nvSpPr>
+        <p:spPr>
+          <a:xfrm>
+            <a:off x="1383667" y="5842444"/>
+            <a:ext cx="925235" cy="769441"/>
+          </a:xfrm>
+          <a:prstGeom prst="rect">
+            <a:avLst/>
+          </a:prstGeom>
+          <a:noFill/>
+        </p:spPr>
+        <p:txBody>
+          <a:bodyPr wrap="square" rtlCol="0">
+            <a:spAutoFit/>
+          </a:bodyPr>
+          <a:lstStyle/>
+          <a:p>
+            <a:r>
+              <a:rPr kumimoji="1" lang="en-US" altLang="ja-JP" sz="4400" dirty="0"/>
+              <a:t>0</a:t>
+            </a:r>
+            <a:r>
+              <a:rPr kumimoji="1" lang="ja-JP" altLang="en-US" sz="4400" dirty="0"/>
+              <a:t> </a:t>
+            </a:r>
+          </a:p>
+        </p:txBody>
+      </p:sp>
+      <p:cxnSp>
+        <p:nvCxnSpPr>
+          <p:cNvPr id="60" name="直線コネクタ 59">
+            <a:extLst>
+              <a:ext uri="{FF2B5EF4-FFF2-40B4-BE49-F238E27FC236}">
+                <a16:creationId xmlns:a16="http://schemas.microsoft.com/office/drawing/2014/main" id="{5D306776-7D38-4B15-BBE8-BDC22EB03752}"/>
+              </a:ext>
+            </a:extLst>
+          </p:cNvPr>
+          <p:cNvCxnSpPr>
+            <a:cxnSpLocks/>
+          </p:cNvCxnSpPr>
+          <p:nvPr/>
+        </p:nvCxnSpPr>
+        <p:spPr>
+          <a:xfrm>
+            <a:off x="10115098" y="503639"/>
+            <a:ext cx="0" cy="5620580"/>
+          </a:xfrm>
+          <a:prstGeom prst="line">
+            <a:avLst/>
+          </a:prstGeom>
+          <a:ln>
+            <a:solidFill>
+              <a:schemeClr val="tx1"/>
+            </a:solidFill>
+            <a:prstDash val="dash"/>
+            <a:headEnd type="none" w="lg" len="lg"/>
+          </a:ln>
+        </p:spPr>
+        <p:style>
+          <a:lnRef idx="1">
+            <a:schemeClr val="accent1"/>
+          </a:lnRef>
+          <a:fillRef idx="0">
+            <a:schemeClr val="accent1"/>
+          </a:fillRef>
+          <a:effectRef idx="0">
+            <a:schemeClr val="accent1"/>
+          </a:effectRef>
+          <a:fontRef idx="minor">
+            <a:schemeClr val="tx1"/>
+          </a:fontRef>
+        </p:style>
+      </p:cxnSp>
+      <p:sp>
+        <p:nvSpPr>
+          <p:cNvPr id="53" name="テキスト ボックス 52">
+            <a:extLst>
+              <a:ext uri="{FF2B5EF4-FFF2-40B4-BE49-F238E27FC236}">
+                <a16:creationId xmlns:a16="http://schemas.microsoft.com/office/drawing/2014/main" id="{2C043853-76C2-4AC4-9940-85787382F030}"/>
+              </a:ext>
+            </a:extLst>
+          </p:cNvPr>
+          <p:cNvSpPr txBox="1"/>
+          <p:nvPr/>
+        </p:nvSpPr>
+        <p:spPr>
+          <a:xfrm>
+            <a:off x="14843753" y="7402199"/>
+            <a:ext cx="2484672" cy="954107"/>
+          </a:xfrm>
+          <a:prstGeom prst="rect">
+            <a:avLst/>
+          </a:prstGeom>
+          <a:noFill/>
+        </p:spPr>
+        <p:txBody>
+          <a:bodyPr wrap="square" rtlCol="0">
+            <a:spAutoFit/>
+          </a:bodyPr>
+          <a:lstStyle/>
+          <a:p>
+            <a:r>
+              <a:rPr kumimoji="1" lang="ja-JP" altLang="en-US" sz="2800" dirty="0"/>
+              <a:t>負例の予測値の最大値</a:t>
+            </a:r>
+          </a:p>
+        </p:txBody>
+      </p:sp>
+      <p:cxnSp>
+        <p:nvCxnSpPr>
+          <p:cNvPr id="4" name="直線矢印コネクタ 3">
+            <a:extLst>
+              <a:ext uri="{FF2B5EF4-FFF2-40B4-BE49-F238E27FC236}">
+                <a16:creationId xmlns:a16="http://schemas.microsoft.com/office/drawing/2014/main" id="{6B509E96-59AD-42F3-8543-BBF47B6985BA}"/>
+              </a:ext>
+            </a:extLst>
+          </p:cNvPr>
+          <p:cNvCxnSpPr>
+            <a:cxnSpLocks/>
+          </p:cNvCxnSpPr>
+          <p:nvPr/>
+        </p:nvCxnSpPr>
+        <p:spPr>
+          <a:xfrm flipV="1">
+            <a:off x="1846286" y="242380"/>
+            <a:ext cx="0" cy="5875871"/>
+          </a:xfrm>
+          <a:prstGeom prst="straightConnector1">
+            <a:avLst/>
+          </a:prstGeom>
+          <a:ln>
+            <a:solidFill>
+              <a:schemeClr val="tx1"/>
+            </a:solidFill>
+            <a:tailEnd type="triangle" w="lg" len="lg"/>
+          </a:ln>
+        </p:spPr>
+        <p:style>
+          <a:lnRef idx="1">
+            <a:schemeClr val="accent1"/>
+          </a:lnRef>
+          <a:fillRef idx="0">
+            <a:schemeClr val="accent1"/>
+          </a:fillRef>
+          <a:effectRef idx="0">
+            <a:schemeClr val="accent1"/>
+          </a:effectRef>
+          <a:fontRef idx="minor">
+            <a:schemeClr val="tx1"/>
+          </a:fontRef>
+        </p:style>
+      </p:cxnSp>
+      <p:cxnSp>
+        <p:nvCxnSpPr>
+          <p:cNvPr id="32" name="直線矢印コネクタ 31">
+            <a:extLst>
+              <a:ext uri="{FF2B5EF4-FFF2-40B4-BE49-F238E27FC236}">
+                <a16:creationId xmlns:a16="http://schemas.microsoft.com/office/drawing/2014/main" id="{41B059C8-29B9-4248-A83E-3A53D88B276E}"/>
+              </a:ext>
+            </a:extLst>
+          </p:cNvPr>
+          <p:cNvCxnSpPr>
+            <a:cxnSpLocks/>
+          </p:cNvCxnSpPr>
+          <p:nvPr/>
+        </p:nvCxnSpPr>
+        <p:spPr>
+          <a:xfrm>
+            <a:off x="1846286" y="6118251"/>
+            <a:ext cx="9199984" cy="0"/>
+          </a:xfrm>
+          <a:prstGeom prst="straightConnector1">
+            <a:avLst/>
+          </a:prstGeom>
+          <a:ln>
+            <a:solidFill>
+              <a:schemeClr val="tx1"/>
+            </a:solidFill>
+            <a:tailEnd type="triangle" w="lg" len="lg"/>
+          </a:ln>
+        </p:spPr>
+        <p:style>
+          <a:lnRef idx="1">
+            <a:schemeClr val="accent1"/>
+          </a:lnRef>
+          <a:fillRef idx="0">
+            <a:schemeClr val="accent1"/>
+          </a:fillRef>
+          <a:effectRef idx="0">
+            <a:schemeClr val="accent1"/>
+          </a:effectRef>
+          <a:fontRef idx="minor">
+            <a:schemeClr val="tx1"/>
+          </a:fontRef>
+        </p:style>
+      </p:cxnSp>
+      <p:cxnSp>
+        <p:nvCxnSpPr>
+          <p:cNvPr id="38" name="直線コネクタ 37">
+            <a:extLst>
+              <a:ext uri="{FF2B5EF4-FFF2-40B4-BE49-F238E27FC236}">
+                <a16:creationId xmlns:a16="http://schemas.microsoft.com/office/drawing/2014/main" id="{4C0F582A-74AC-41D6-91FA-9F16332EFE05}"/>
+              </a:ext>
+            </a:extLst>
+          </p:cNvPr>
+          <p:cNvCxnSpPr>
+            <a:cxnSpLocks/>
+          </p:cNvCxnSpPr>
+          <p:nvPr/>
+        </p:nvCxnSpPr>
+        <p:spPr>
+          <a:xfrm>
+            <a:off x="12185779" y="4519869"/>
+            <a:ext cx="8344175" cy="0"/>
+          </a:xfrm>
+          <a:prstGeom prst="line">
+            <a:avLst/>
+          </a:prstGeom>
+          <a:ln>
+            <a:solidFill>
+              <a:schemeClr val="tx1"/>
+            </a:solidFill>
+            <a:prstDash val="dash"/>
+            <a:headEnd type="none" w="lg" len="lg"/>
+          </a:ln>
+        </p:spPr>
+        <p:style>
+          <a:lnRef idx="1">
+            <a:schemeClr val="accent1"/>
+          </a:lnRef>
+          <a:fillRef idx="0">
+            <a:schemeClr val="accent1"/>
+          </a:fillRef>
+          <a:effectRef idx="0">
+            <a:schemeClr val="accent1"/>
+          </a:effectRef>
+          <a:fontRef idx="minor">
+            <a:schemeClr val="tx1"/>
+          </a:fontRef>
+        </p:style>
+      </p:cxnSp>
+      <p:sp>
+        <p:nvSpPr>
+          <p:cNvPr id="11" name="フリーフォーム: 図形 10">
+            <a:extLst>
+              <a:ext uri="{FF2B5EF4-FFF2-40B4-BE49-F238E27FC236}">
+                <a16:creationId xmlns:a16="http://schemas.microsoft.com/office/drawing/2014/main" id="{240E2747-874D-4FA2-A39A-41C9942AAF46}"/>
+              </a:ext>
+            </a:extLst>
+          </p:cNvPr>
+          <p:cNvSpPr/>
+          <p:nvPr/>
+        </p:nvSpPr>
+        <p:spPr>
+          <a:xfrm>
+            <a:off x="1846284" y="7653392"/>
+            <a:ext cx="6774025" cy="5620120"/>
+          </a:xfrm>
+          <a:custGeom>
+            <a:avLst/>
+            <a:gdLst>
+              <a:gd name="connsiteX0" fmla="*/ 0 w 6774025"/>
+              <a:gd name="connsiteY0" fmla="*/ 4407962 h 4445285"/>
+              <a:gd name="connsiteX1" fmla="*/ 1231641 w 6774025"/>
+              <a:gd name="connsiteY1" fmla="*/ 3913 h 4445285"/>
+              <a:gd name="connsiteX2" fmla="*/ 4963886 w 6774025"/>
+              <a:gd name="connsiteY2" fmla="*/ 3642852 h 4445285"/>
+              <a:gd name="connsiteX3" fmla="*/ 6774025 w 6774025"/>
+              <a:gd name="connsiteY3" fmla="*/ 4445285 h 4445285"/>
+            </a:gdLst>
+            <a:ahLst/>
+            <a:cxnLst>
+              <a:cxn ang="0">
+                <a:pos x="connsiteX0" y="connsiteY0"/>
+              </a:cxn>
+              <a:cxn ang="0">
+                <a:pos x="connsiteX1" y="connsiteY1"/>
+              </a:cxn>
+              <a:cxn ang="0">
+                <a:pos x="connsiteX2" y="connsiteY2"/>
+              </a:cxn>
+              <a:cxn ang="0">
+                <a:pos x="connsiteX3" y="connsiteY3"/>
+              </a:cxn>
+            </a:cxnLst>
+            <a:rect l="l" t="t" r="r" b="b"/>
+            <a:pathLst>
+              <a:path w="6774025" h="4445285">
+                <a:moveTo>
+                  <a:pt x="0" y="4407962"/>
+                </a:moveTo>
+                <a:cubicBezTo>
+                  <a:pt x="202163" y="2269696"/>
+                  <a:pt x="404327" y="131431"/>
+                  <a:pt x="1231641" y="3913"/>
+                </a:cubicBezTo>
+                <a:cubicBezTo>
+                  <a:pt x="2058955" y="-123605"/>
+                  <a:pt x="4040155" y="2902623"/>
+                  <a:pt x="4963886" y="3642852"/>
+                </a:cubicBezTo>
+                <a:cubicBezTo>
+                  <a:pt x="5887617" y="4383081"/>
+                  <a:pt x="6330821" y="4414183"/>
+                  <a:pt x="6774025" y="4445285"/>
+                </a:cubicBezTo>
+              </a:path>
+            </a:pathLst>
+          </a:custGeom>
+          <a:noFill/>
+          <a:ln>
+            <a:solidFill>
+              <a:schemeClr val="tx1"/>
+            </a:solidFill>
+          </a:ln>
+        </p:spPr>
+        <p:style>
+          <a:lnRef idx="2">
+            <a:schemeClr val="accent1">
+              <a:shade val="50000"/>
+            </a:schemeClr>
+          </a:lnRef>
+          <a:fillRef idx="1">
+            <a:schemeClr val="accent1"/>
+          </a:fillRef>
+          <a:effectRef idx="0">
+            <a:schemeClr val="accent1"/>
+          </a:effectRef>
+          <a:fontRef idx="minor">
+            <a:schemeClr val="lt1"/>
+          </a:fontRef>
+        </p:style>
+        <p:txBody>
+          <a:bodyPr rtlCol="0" anchor="ctr"/>
+          <a:lstStyle/>
+          <a:p>
+            <a:pPr algn="ctr"/>
             <a:endParaRPr kumimoji="1" lang="ja-JP" altLang="en-US"/>
           </a:p>
         </p:txBody>
       </p:sp>
       <p:sp>
         <p:nvSpPr>
-          <p:cNvPr id="3" name="コンテンツ プレースホルダー 2">
-            <a:extLst>
-              <a:ext uri="{FF2B5EF4-FFF2-40B4-BE49-F238E27FC236}">
-                <a16:creationId xmlns:a16="http://schemas.microsoft.com/office/drawing/2014/main" id="{BD5F7E7A-639A-48D8-910B-38F91E648D6E}"/>
-              </a:ext>
-            </a:extLst>
-          </p:cNvPr>
-          <p:cNvSpPr>
-            <a:spLocks noGrp="1"/>
-          </p:cNvSpPr>
-          <p:nvPr>
-            <p:ph idx="1"/>
-          </p:nvPr>
-        </p:nvSpPr>
-        <p:spPr/>
-        <p:txBody>
-          <a:bodyPr/>
-          <a:lstStyle/>
-          <a:p>
+          <p:cNvPr id="12" name="フリーフォーム: 図形 11">
+            <a:extLst>
+              <a:ext uri="{FF2B5EF4-FFF2-40B4-BE49-F238E27FC236}">
+                <a16:creationId xmlns:a16="http://schemas.microsoft.com/office/drawing/2014/main" id="{6658A04E-4AD0-4647-8736-72001DC25EBB}"/>
+              </a:ext>
+            </a:extLst>
+          </p:cNvPr>
+          <p:cNvSpPr/>
+          <p:nvPr/>
+        </p:nvSpPr>
+        <p:spPr>
+          <a:xfrm>
+            <a:off x="5748371" y="3407381"/>
+            <a:ext cx="4366727" cy="2710870"/>
+          </a:xfrm>
+          <a:custGeom>
+            <a:avLst/>
+            <a:gdLst>
+              <a:gd name="connsiteX0" fmla="*/ 4366727 w 4366727"/>
+              <a:gd name="connsiteY0" fmla="*/ 2670206 h 2710870"/>
+              <a:gd name="connsiteX1" fmla="*/ 2948474 w 4366727"/>
+              <a:gd name="connsiteY1" fmla="*/ 1651 h 2710870"/>
+              <a:gd name="connsiteX2" fmla="*/ 1156996 w 4366727"/>
+              <a:gd name="connsiteY2" fmla="*/ 2278320 h 2710870"/>
+              <a:gd name="connsiteX3" fmla="*/ 0 w 4366727"/>
+              <a:gd name="connsiteY3" fmla="*/ 2707528 h 2710870"/>
+            </a:gdLst>
+            <a:ahLst/>
+            <a:cxnLst>
+              <a:cxn ang="0">
+                <a:pos x="connsiteX0" y="connsiteY0"/>
+              </a:cxn>
+              <a:cxn ang="0">
+                <a:pos x="connsiteX1" y="connsiteY1"/>
+              </a:cxn>
+              <a:cxn ang="0">
+                <a:pos x="connsiteX2" y="connsiteY2"/>
+              </a:cxn>
+              <a:cxn ang="0">
+                <a:pos x="connsiteX3" y="connsiteY3"/>
+              </a:cxn>
+            </a:cxnLst>
+            <a:rect l="l" t="t" r="r" b="b"/>
+            <a:pathLst>
+              <a:path w="4366727" h="2710870">
+                <a:moveTo>
+                  <a:pt x="4366727" y="2670206"/>
+                </a:moveTo>
+                <a:cubicBezTo>
+                  <a:pt x="3925078" y="1368585"/>
+                  <a:pt x="3483429" y="66965"/>
+                  <a:pt x="2948474" y="1651"/>
+                </a:cubicBezTo>
+                <a:cubicBezTo>
+                  <a:pt x="2413519" y="-63663"/>
+                  <a:pt x="1648408" y="1827340"/>
+                  <a:pt x="1156996" y="2278320"/>
+                </a:cubicBezTo>
+                <a:cubicBezTo>
+                  <a:pt x="665584" y="2729300"/>
+                  <a:pt x="332792" y="2718414"/>
+                  <a:pt x="0" y="2707528"/>
+                </a:cubicBezTo>
+              </a:path>
+            </a:pathLst>
+          </a:custGeom>
+          <a:noFill/>
+          <a:ln>
+            <a:solidFill>
+              <a:schemeClr val="tx1"/>
+            </a:solidFill>
+          </a:ln>
+        </p:spPr>
+        <p:style>
+          <a:lnRef idx="2">
+            <a:schemeClr val="accent1">
+              <a:shade val="50000"/>
+            </a:schemeClr>
+          </a:lnRef>
+          <a:fillRef idx="1">
+            <a:schemeClr val="accent1"/>
+          </a:fillRef>
+          <a:effectRef idx="0">
+            <a:schemeClr val="accent1"/>
+          </a:effectRef>
+          <a:fontRef idx="minor">
+            <a:schemeClr val="lt1"/>
+          </a:fontRef>
+        </p:style>
+        <p:txBody>
+          <a:bodyPr rtlCol="0" anchor="ctr"/>
+          <a:lstStyle/>
+          <a:p>
+            <a:pPr algn="ctr"/>
+            <a:endParaRPr kumimoji="1" lang="ja-JP" altLang="en-US"/>
+          </a:p>
+        </p:txBody>
+      </p:sp>
+      <p:cxnSp>
+        <p:nvCxnSpPr>
+          <p:cNvPr id="56" name="直線コネクタ 55">
+            <a:extLst>
+              <a:ext uri="{FF2B5EF4-FFF2-40B4-BE49-F238E27FC236}">
+                <a16:creationId xmlns:a16="http://schemas.microsoft.com/office/drawing/2014/main" id="{1C38B6FF-6432-490F-B69A-9DABEDA74FE1}"/>
+              </a:ext>
+            </a:extLst>
+          </p:cNvPr>
+          <p:cNvCxnSpPr>
+            <a:cxnSpLocks/>
+          </p:cNvCxnSpPr>
+          <p:nvPr/>
+        </p:nvCxnSpPr>
+        <p:spPr>
+          <a:xfrm>
+            <a:off x="14257289" y="503639"/>
+            <a:ext cx="0" cy="7119911"/>
+          </a:xfrm>
+          <a:prstGeom prst="line">
+            <a:avLst/>
+          </a:prstGeom>
+          <a:ln>
+            <a:solidFill>
+              <a:schemeClr val="tx1"/>
+            </a:solidFill>
+            <a:prstDash val="dash"/>
+            <a:headEnd type="none" w="lg" len="lg"/>
+          </a:ln>
+        </p:spPr>
+        <p:style>
+          <a:lnRef idx="1">
+            <a:schemeClr val="accent1"/>
+          </a:lnRef>
+          <a:fillRef idx="0">
+            <a:schemeClr val="accent1"/>
+          </a:fillRef>
+          <a:effectRef idx="0">
+            <a:schemeClr val="accent1"/>
+          </a:effectRef>
+          <a:fontRef idx="minor">
+            <a:schemeClr val="tx1"/>
+          </a:fontRef>
+        </p:style>
+      </p:cxnSp>
+      <p:cxnSp>
+        <p:nvCxnSpPr>
+          <p:cNvPr id="58" name="直線コネクタ 57">
+            <a:extLst>
+              <a:ext uri="{FF2B5EF4-FFF2-40B4-BE49-F238E27FC236}">
+                <a16:creationId xmlns:a16="http://schemas.microsoft.com/office/drawing/2014/main" id="{F911571E-4167-49A6-BD0D-DAC4EA60B027}"/>
+              </a:ext>
+            </a:extLst>
+          </p:cNvPr>
+          <p:cNvCxnSpPr>
+            <a:cxnSpLocks/>
+          </p:cNvCxnSpPr>
+          <p:nvPr/>
+        </p:nvCxnSpPr>
+        <p:spPr>
+          <a:xfrm>
+            <a:off x="14126546" y="759341"/>
+            <a:ext cx="0" cy="7119911"/>
+          </a:xfrm>
+          <a:prstGeom prst="line">
+            <a:avLst/>
+          </a:prstGeom>
+          <a:ln>
+            <a:solidFill>
+              <a:schemeClr val="tx1"/>
+            </a:solidFill>
+            <a:prstDash val="dash"/>
+            <a:headEnd type="none" w="lg" len="lg"/>
+          </a:ln>
+        </p:spPr>
+        <p:style>
+          <a:lnRef idx="1">
+            <a:schemeClr val="accent1"/>
+          </a:lnRef>
+          <a:fillRef idx="0">
+            <a:schemeClr val="accent1"/>
+          </a:fillRef>
+          <a:effectRef idx="0">
+            <a:schemeClr val="accent1"/>
+          </a:effectRef>
+          <a:fontRef idx="minor">
+            <a:schemeClr val="tx1"/>
+          </a:fontRef>
+        </p:style>
+      </p:cxnSp>
+      <p:sp>
+        <p:nvSpPr>
+          <p:cNvPr id="59" name="テキスト ボックス 58">
+            <a:extLst>
+              <a:ext uri="{FF2B5EF4-FFF2-40B4-BE49-F238E27FC236}">
+                <a16:creationId xmlns:a16="http://schemas.microsoft.com/office/drawing/2014/main" id="{1303CE5A-6B59-4A35-90E6-93A658B846F6}"/>
+              </a:ext>
+            </a:extLst>
+          </p:cNvPr>
+          <p:cNvSpPr txBox="1"/>
+          <p:nvPr/>
+        </p:nvSpPr>
+        <p:spPr>
+          <a:xfrm>
+            <a:off x="14507737" y="9580932"/>
+            <a:ext cx="2484672" cy="954107"/>
+          </a:xfrm>
+          <a:prstGeom prst="rect">
+            <a:avLst/>
+          </a:prstGeom>
+          <a:noFill/>
+        </p:spPr>
+        <p:txBody>
+          <a:bodyPr wrap="square" rtlCol="0">
+            <a:spAutoFit/>
+          </a:bodyPr>
+          <a:lstStyle/>
+          <a:p>
+            <a:r>
+              <a:rPr kumimoji="1" lang="ja-JP" altLang="en-US" sz="2800" dirty="0"/>
+              <a:t>正例の予測値の最小値</a:t>
+            </a:r>
+          </a:p>
+        </p:txBody>
+      </p:sp>
+      <p:sp>
+        <p:nvSpPr>
+          <p:cNvPr id="39" name="テキスト ボックス 38">
+            <a:extLst>
+              <a:ext uri="{FF2B5EF4-FFF2-40B4-BE49-F238E27FC236}">
+                <a16:creationId xmlns:a16="http://schemas.microsoft.com/office/drawing/2014/main" id="{12EBC07A-F742-4B72-8747-0C44BC903B77}"/>
+              </a:ext>
+            </a:extLst>
+          </p:cNvPr>
+          <p:cNvSpPr txBox="1"/>
+          <p:nvPr/>
+        </p:nvSpPr>
+        <p:spPr>
+          <a:xfrm>
+            <a:off x="9893186" y="6067019"/>
+            <a:ext cx="925235" cy="769441"/>
+          </a:xfrm>
+          <a:prstGeom prst="rect">
+            <a:avLst/>
+          </a:prstGeom>
+          <a:noFill/>
+        </p:spPr>
+        <p:txBody>
+          <a:bodyPr wrap="square" rtlCol="0">
+            <a:spAutoFit/>
+          </a:bodyPr>
+          <a:lstStyle/>
+          <a:p>
+            <a:r>
+              <a:rPr kumimoji="1" lang="en-US" altLang="ja-JP" sz="4400" dirty="0"/>
+              <a:t>1</a:t>
+            </a:r>
+            <a:r>
+              <a:rPr kumimoji="1" lang="ja-JP" altLang="en-US" sz="4400" dirty="0"/>
+              <a:t> </a:t>
+            </a:r>
+          </a:p>
+        </p:txBody>
+      </p:sp>
+      <p:sp>
+        <p:nvSpPr>
+          <p:cNvPr id="41" name="テキスト ボックス 40">
+            <a:extLst>
+              <a:ext uri="{FF2B5EF4-FFF2-40B4-BE49-F238E27FC236}">
+                <a16:creationId xmlns:a16="http://schemas.microsoft.com/office/drawing/2014/main" id="{EE0DE63A-18BE-458F-9CB2-68F1581714B7}"/>
+              </a:ext>
+            </a:extLst>
+          </p:cNvPr>
+          <p:cNvSpPr txBox="1"/>
+          <p:nvPr/>
+        </p:nvSpPr>
+        <p:spPr>
+          <a:xfrm>
+            <a:off x="4915081" y="6227164"/>
+            <a:ext cx="1938007" cy="769441"/>
+          </a:xfrm>
+          <a:prstGeom prst="rect">
+            <a:avLst/>
+          </a:prstGeom>
+          <a:noFill/>
+        </p:spPr>
+        <p:txBody>
+          <a:bodyPr wrap="square" rtlCol="0">
+            <a:spAutoFit/>
+          </a:bodyPr>
+          <a:lstStyle/>
+          <a:p>
+            <a:r>
+              <a:rPr kumimoji="1" lang="ja-JP" altLang="en-US" sz="4400" dirty="0"/>
+              <a:t>予測値</a:t>
+            </a:r>
+          </a:p>
+        </p:txBody>
+      </p:sp>
+      <p:sp>
+        <p:nvSpPr>
+          <p:cNvPr id="61" name="テキスト ボックス 60">
+            <a:extLst>
+              <a:ext uri="{FF2B5EF4-FFF2-40B4-BE49-F238E27FC236}">
+                <a16:creationId xmlns:a16="http://schemas.microsoft.com/office/drawing/2014/main" id="{396C61B4-F44A-45DA-918E-CEF296BDDC12}"/>
+              </a:ext>
+            </a:extLst>
+          </p:cNvPr>
+          <p:cNvSpPr txBox="1"/>
+          <p:nvPr/>
+        </p:nvSpPr>
+        <p:spPr>
+          <a:xfrm>
+            <a:off x="1383667" y="13003672"/>
+            <a:ext cx="925235" cy="769441"/>
+          </a:xfrm>
+          <a:prstGeom prst="rect">
+            <a:avLst/>
+          </a:prstGeom>
+          <a:noFill/>
+        </p:spPr>
+        <p:txBody>
+          <a:bodyPr wrap="square" rtlCol="0">
+            <a:spAutoFit/>
+          </a:bodyPr>
+          <a:lstStyle/>
+          <a:p>
+            <a:r>
+              <a:rPr kumimoji="1" lang="en-US" altLang="ja-JP" sz="4400" dirty="0"/>
+              <a:t>0</a:t>
+            </a:r>
+            <a:r>
+              <a:rPr kumimoji="1" lang="ja-JP" altLang="en-US" sz="4400" dirty="0"/>
+              <a:t> </a:t>
+            </a:r>
+          </a:p>
+        </p:txBody>
+      </p:sp>
+      <p:cxnSp>
+        <p:nvCxnSpPr>
+          <p:cNvPr id="62" name="直線コネクタ 61">
+            <a:extLst>
+              <a:ext uri="{FF2B5EF4-FFF2-40B4-BE49-F238E27FC236}">
+                <a16:creationId xmlns:a16="http://schemas.microsoft.com/office/drawing/2014/main" id="{9039C54B-6983-4D06-B364-5BD13D1C1B30}"/>
+              </a:ext>
+            </a:extLst>
+          </p:cNvPr>
+          <p:cNvCxnSpPr>
+            <a:cxnSpLocks/>
+          </p:cNvCxnSpPr>
+          <p:nvPr/>
+        </p:nvCxnSpPr>
+        <p:spPr>
+          <a:xfrm>
+            <a:off x="10115098" y="7664867"/>
+            <a:ext cx="0" cy="5620580"/>
+          </a:xfrm>
+          <a:prstGeom prst="line">
+            <a:avLst/>
+          </a:prstGeom>
+          <a:ln>
+            <a:solidFill>
+              <a:schemeClr val="tx1"/>
+            </a:solidFill>
+            <a:prstDash val="dash"/>
+            <a:headEnd type="none" w="lg" len="lg"/>
+          </a:ln>
+        </p:spPr>
+        <p:style>
+          <a:lnRef idx="1">
+            <a:schemeClr val="accent1"/>
+          </a:lnRef>
+          <a:fillRef idx="0">
+            <a:schemeClr val="accent1"/>
+          </a:fillRef>
+          <a:effectRef idx="0">
+            <a:schemeClr val="accent1"/>
+          </a:effectRef>
+          <a:fontRef idx="minor">
+            <a:schemeClr val="tx1"/>
+          </a:fontRef>
+        </p:style>
+      </p:cxnSp>
+      <p:cxnSp>
+        <p:nvCxnSpPr>
+          <p:cNvPr id="64" name="直線矢印コネクタ 63">
+            <a:extLst>
+              <a:ext uri="{FF2B5EF4-FFF2-40B4-BE49-F238E27FC236}">
+                <a16:creationId xmlns:a16="http://schemas.microsoft.com/office/drawing/2014/main" id="{88B46CCD-4E47-47FB-B83A-3EEFF9ACE3AF}"/>
+              </a:ext>
+            </a:extLst>
+          </p:cNvPr>
+          <p:cNvCxnSpPr>
+            <a:cxnSpLocks/>
+          </p:cNvCxnSpPr>
+          <p:nvPr/>
+        </p:nvCxnSpPr>
+        <p:spPr>
+          <a:xfrm flipV="1">
+            <a:off x="1846286" y="7403608"/>
+            <a:ext cx="0" cy="5875871"/>
+          </a:xfrm>
+          <a:prstGeom prst="straightConnector1">
+            <a:avLst/>
+          </a:prstGeom>
+          <a:ln>
+            <a:solidFill>
+              <a:schemeClr val="tx1"/>
+            </a:solidFill>
+            <a:tailEnd type="triangle" w="lg" len="lg"/>
+          </a:ln>
+        </p:spPr>
+        <p:style>
+          <a:lnRef idx="1">
+            <a:schemeClr val="accent1"/>
+          </a:lnRef>
+          <a:fillRef idx="0">
+            <a:schemeClr val="accent1"/>
+          </a:fillRef>
+          <a:effectRef idx="0">
+            <a:schemeClr val="accent1"/>
+          </a:effectRef>
+          <a:fontRef idx="minor">
+            <a:schemeClr val="tx1"/>
+          </a:fontRef>
+        </p:style>
+      </p:cxnSp>
+      <p:cxnSp>
+        <p:nvCxnSpPr>
+          <p:cNvPr id="65" name="直線矢印コネクタ 64">
+            <a:extLst>
+              <a:ext uri="{FF2B5EF4-FFF2-40B4-BE49-F238E27FC236}">
+                <a16:creationId xmlns:a16="http://schemas.microsoft.com/office/drawing/2014/main" id="{BD929DE1-BFA4-41DF-973F-17582D00289A}"/>
+              </a:ext>
+            </a:extLst>
+          </p:cNvPr>
+          <p:cNvCxnSpPr>
+            <a:cxnSpLocks/>
+          </p:cNvCxnSpPr>
+          <p:nvPr/>
+        </p:nvCxnSpPr>
+        <p:spPr>
+          <a:xfrm>
+            <a:off x="1846286" y="13279479"/>
+            <a:ext cx="9199984" cy="0"/>
+          </a:xfrm>
+          <a:prstGeom prst="straightConnector1">
+            <a:avLst/>
+          </a:prstGeom>
+          <a:ln>
+            <a:solidFill>
+              <a:schemeClr val="tx1"/>
+            </a:solidFill>
+            <a:tailEnd type="triangle" w="lg" len="lg"/>
+          </a:ln>
+        </p:spPr>
+        <p:style>
+          <a:lnRef idx="1">
+            <a:schemeClr val="accent1"/>
+          </a:lnRef>
+          <a:fillRef idx="0">
+            <a:schemeClr val="accent1"/>
+          </a:fillRef>
+          <a:effectRef idx="0">
+            <a:schemeClr val="accent1"/>
+          </a:effectRef>
+          <a:fontRef idx="minor">
+            <a:schemeClr val="tx1"/>
+          </a:fontRef>
+        </p:style>
+      </p:cxnSp>
+      <p:sp>
+        <p:nvSpPr>
+          <p:cNvPr id="66" name="フリーフォーム: 図形 65">
+            <a:extLst>
+              <a:ext uri="{FF2B5EF4-FFF2-40B4-BE49-F238E27FC236}">
+                <a16:creationId xmlns:a16="http://schemas.microsoft.com/office/drawing/2014/main" id="{5FA8EFF7-4563-4289-B59D-3D00EF19D0F5}"/>
+              </a:ext>
+            </a:extLst>
+          </p:cNvPr>
+          <p:cNvSpPr/>
+          <p:nvPr/>
+        </p:nvSpPr>
+        <p:spPr>
+          <a:xfrm>
+            <a:off x="12817580" y="6169483"/>
+            <a:ext cx="6774025" cy="5620120"/>
+          </a:xfrm>
+          <a:custGeom>
+            <a:avLst/>
+            <a:gdLst>
+              <a:gd name="connsiteX0" fmla="*/ 0 w 6774025"/>
+              <a:gd name="connsiteY0" fmla="*/ 4407962 h 4445285"/>
+              <a:gd name="connsiteX1" fmla="*/ 1231641 w 6774025"/>
+              <a:gd name="connsiteY1" fmla="*/ 3913 h 4445285"/>
+              <a:gd name="connsiteX2" fmla="*/ 4963886 w 6774025"/>
+              <a:gd name="connsiteY2" fmla="*/ 3642852 h 4445285"/>
+              <a:gd name="connsiteX3" fmla="*/ 6774025 w 6774025"/>
+              <a:gd name="connsiteY3" fmla="*/ 4445285 h 4445285"/>
+            </a:gdLst>
+            <a:ahLst/>
+            <a:cxnLst>
+              <a:cxn ang="0">
+                <a:pos x="connsiteX0" y="connsiteY0"/>
+              </a:cxn>
+              <a:cxn ang="0">
+                <a:pos x="connsiteX1" y="connsiteY1"/>
+              </a:cxn>
+              <a:cxn ang="0">
+                <a:pos x="connsiteX2" y="connsiteY2"/>
+              </a:cxn>
+              <a:cxn ang="0">
+                <a:pos x="connsiteX3" y="connsiteY3"/>
+              </a:cxn>
+            </a:cxnLst>
+            <a:rect l="l" t="t" r="r" b="b"/>
+            <a:pathLst>
+              <a:path w="6774025" h="4445285">
+                <a:moveTo>
+                  <a:pt x="0" y="4407962"/>
+                </a:moveTo>
+                <a:cubicBezTo>
+                  <a:pt x="202163" y="2269696"/>
+                  <a:pt x="404327" y="131431"/>
+                  <a:pt x="1231641" y="3913"/>
+                </a:cubicBezTo>
+                <a:cubicBezTo>
+                  <a:pt x="2058955" y="-123605"/>
+                  <a:pt x="4040155" y="2902623"/>
+                  <a:pt x="4963886" y="3642852"/>
+                </a:cubicBezTo>
+                <a:cubicBezTo>
+                  <a:pt x="5887617" y="4383081"/>
+                  <a:pt x="6330821" y="4414183"/>
+                  <a:pt x="6774025" y="4445285"/>
+                </a:cubicBezTo>
+              </a:path>
+            </a:pathLst>
+          </a:custGeom>
+          <a:noFill/>
+          <a:ln>
+            <a:solidFill>
+              <a:schemeClr val="tx1"/>
+            </a:solidFill>
+          </a:ln>
+        </p:spPr>
+        <p:style>
+          <a:lnRef idx="2">
+            <a:schemeClr val="accent1">
+              <a:shade val="50000"/>
+            </a:schemeClr>
+          </a:lnRef>
+          <a:fillRef idx="1">
+            <a:schemeClr val="accent1"/>
+          </a:fillRef>
+          <a:effectRef idx="0">
+            <a:schemeClr val="accent1"/>
+          </a:effectRef>
+          <a:fontRef idx="minor">
+            <a:schemeClr val="lt1"/>
+          </a:fontRef>
+        </p:style>
+        <p:txBody>
+          <a:bodyPr rtlCol="0" anchor="ctr"/>
+          <a:lstStyle/>
+          <a:p>
+            <a:pPr algn="ctr"/>
+            <a:endParaRPr kumimoji="1" lang="ja-JP" altLang="en-US"/>
+          </a:p>
+        </p:txBody>
+      </p:sp>
+      <p:sp>
+        <p:nvSpPr>
+          <p:cNvPr id="69" name="テキスト ボックス 68">
+            <a:extLst>
+              <a:ext uri="{FF2B5EF4-FFF2-40B4-BE49-F238E27FC236}">
+                <a16:creationId xmlns:a16="http://schemas.microsoft.com/office/drawing/2014/main" id="{836A952D-8ACC-4C7B-8DB5-F029EF37AFCF}"/>
+              </a:ext>
+            </a:extLst>
+          </p:cNvPr>
+          <p:cNvSpPr txBox="1"/>
+          <p:nvPr/>
+        </p:nvSpPr>
+        <p:spPr>
+          <a:xfrm>
+            <a:off x="9893186" y="13228247"/>
+            <a:ext cx="925235" cy="769441"/>
+          </a:xfrm>
+          <a:prstGeom prst="rect">
+            <a:avLst/>
+          </a:prstGeom>
+          <a:noFill/>
+        </p:spPr>
+        <p:txBody>
+          <a:bodyPr wrap="square" rtlCol="0">
+            <a:spAutoFit/>
+          </a:bodyPr>
+          <a:lstStyle/>
+          <a:p>
+            <a:r>
+              <a:rPr kumimoji="1" lang="en-US" altLang="ja-JP" sz="4400" dirty="0"/>
+              <a:t>1</a:t>
+            </a:r>
+            <a:r>
+              <a:rPr kumimoji="1" lang="ja-JP" altLang="en-US" sz="4400" dirty="0"/>
+              <a:t> </a:t>
+            </a:r>
+          </a:p>
+        </p:txBody>
+      </p:sp>
+      <p:sp>
+        <p:nvSpPr>
+          <p:cNvPr id="71" name="テキスト ボックス 70">
+            <a:extLst>
+              <a:ext uri="{FF2B5EF4-FFF2-40B4-BE49-F238E27FC236}">
+                <a16:creationId xmlns:a16="http://schemas.microsoft.com/office/drawing/2014/main" id="{E75082BE-5E3B-4E88-BD56-2026CA22F26B}"/>
+              </a:ext>
+            </a:extLst>
+          </p:cNvPr>
+          <p:cNvSpPr txBox="1"/>
+          <p:nvPr/>
+        </p:nvSpPr>
+        <p:spPr>
+          <a:xfrm>
+            <a:off x="4915081" y="13388392"/>
+            <a:ext cx="1938007" cy="769441"/>
+          </a:xfrm>
+          <a:prstGeom prst="rect">
+            <a:avLst/>
+          </a:prstGeom>
+          <a:noFill/>
+        </p:spPr>
+        <p:txBody>
+          <a:bodyPr wrap="square" rtlCol="0">
+            <a:spAutoFit/>
+          </a:bodyPr>
+          <a:lstStyle/>
+          <a:p>
+            <a:r>
+              <a:rPr kumimoji="1" lang="ja-JP" altLang="en-US" sz="4400" dirty="0"/>
+              <a:t>予測値</a:t>
+            </a:r>
+          </a:p>
+        </p:txBody>
+      </p:sp>
+    </p:spTree>
+    <p:extLst>
+      <p:ext uri="{BB962C8B-B14F-4D97-AF65-F5344CB8AC3E}">
+        <p14:creationId xmlns:p14="http://schemas.microsoft.com/office/powerpoint/2010/main" val="2221001368"/>
+      </p:ext>
+    </p:extLst>
+  </p:cSld>
+  <p:clrMapOvr>
+    <a:masterClrMapping/>
+  </p:clrMapOvr>
+</p:sld>
+</file>
+
+<file path=ppt/slides/slide11.xml><?xml version="1.0" encoding="utf-8"?>
+<p:sld xmlns:a="http://schemas.openxmlformats.org/drawingml/2006/main" xmlns:r="http://schemas.openxmlformats.org/officeDocument/2006/relationships" xmlns:p="http://schemas.openxmlformats.org/presentationml/2006/main">
+  <p:cSld>
+    <p:spTree>
+      <p:nvGrpSpPr>
+        <p:cNvPr id="1" name=""/>
+        <p:cNvGrpSpPr/>
+        <p:nvPr/>
+      </p:nvGrpSpPr>
+      <p:grpSpPr>
+        <a:xfrm>
+          <a:off x="0" y="0"/>
+          <a:ext cx="0" cy="0"/>
+          <a:chOff x="0" y="0"/>
+          <a:chExt cx="0" cy="0"/>
+        </a:xfrm>
+      </p:grpSpPr>
+      <p:sp>
+        <p:nvSpPr>
+          <p:cNvPr id="14" name="正方形/長方形 13">
+            <a:extLst>
+              <a:ext uri="{FF2B5EF4-FFF2-40B4-BE49-F238E27FC236}">
+                <a16:creationId xmlns:a16="http://schemas.microsoft.com/office/drawing/2014/main" id="{06AB07B6-9048-4F00-B52D-04797F32EE2E}"/>
+              </a:ext>
+            </a:extLst>
+          </p:cNvPr>
+          <p:cNvSpPr/>
+          <p:nvPr/>
+        </p:nvSpPr>
+        <p:spPr>
+          <a:xfrm>
+            <a:off x="13090131" y="2175549"/>
+            <a:ext cx="7744408" cy="7744408"/>
+          </a:xfrm>
+          <a:prstGeom prst="rect">
+            <a:avLst/>
+          </a:prstGeom>
+          <a:noFill/>
+          <a:ln>
+            <a:solidFill>
+              <a:schemeClr val="tx1"/>
+            </a:solidFill>
+          </a:ln>
+        </p:spPr>
+        <p:style>
+          <a:lnRef idx="2">
+            <a:schemeClr val="accent1">
+              <a:shade val="50000"/>
+            </a:schemeClr>
+          </a:lnRef>
+          <a:fillRef idx="1">
+            <a:schemeClr val="accent1"/>
+          </a:fillRef>
+          <a:effectRef idx="0">
+            <a:schemeClr val="accent1"/>
+          </a:effectRef>
+          <a:fontRef idx="minor">
+            <a:schemeClr val="lt1"/>
+          </a:fontRef>
+        </p:style>
+        <p:txBody>
+          <a:bodyPr rtlCol="0" anchor="ctr"/>
+          <a:lstStyle/>
+          <a:p>
+            <a:pPr algn="ctr"/>
+            <a:endParaRPr kumimoji="1" lang="ja-JP" altLang="en-US"/>
+          </a:p>
+        </p:txBody>
+      </p:sp>
+      <p:cxnSp>
+        <p:nvCxnSpPr>
+          <p:cNvPr id="19" name="直線コネクタ 18">
+            <a:extLst>
+              <a:ext uri="{FF2B5EF4-FFF2-40B4-BE49-F238E27FC236}">
+                <a16:creationId xmlns:a16="http://schemas.microsoft.com/office/drawing/2014/main" id="{84EA35AA-A320-449E-89E2-B04AD1C73061}"/>
+              </a:ext>
+            </a:extLst>
+          </p:cNvPr>
+          <p:cNvCxnSpPr/>
+          <p:nvPr/>
+        </p:nvCxnSpPr>
+        <p:spPr>
+          <a:xfrm flipH="1">
+            <a:off x="13090131" y="2175549"/>
+            <a:ext cx="7744408" cy="7744408"/>
+          </a:xfrm>
+          <a:prstGeom prst="line">
+            <a:avLst/>
+          </a:prstGeom>
+          <a:ln>
+            <a:solidFill>
+              <a:schemeClr val="tx1"/>
+            </a:solidFill>
+            <a:prstDash val="lgDash"/>
+          </a:ln>
+        </p:spPr>
+        <p:style>
+          <a:lnRef idx="1">
+            <a:schemeClr val="accent1"/>
+          </a:lnRef>
+          <a:fillRef idx="0">
+            <a:schemeClr val="accent1"/>
+          </a:fillRef>
+          <a:effectRef idx="0">
+            <a:schemeClr val="accent1"/>
+          </a:effectRef>
+          <a:fontRef idx="minor">
+            <a:schemeClr val="tx1"/>
+          </a:fontRef>
+        </p:style>
+      </p:cxnSp>
+      <p:sp>
+        <p:nvSpPr>
+          <p:cNvPr id="23" name="フリーフォーム: 図形 22">
+            <a:extLst>
+              <a:ext uri="{FF2B5EF4-FFF2-40B4-BE49-F238E27FC236}">
+                <a16:creationId xmlns:a16="http://schemas.microsoft.com/office/drawing/2014/main" id="{5162D566-07DB-40B3-8117-CEF3710CF7AC}"/>
+              </a:ext>
+            </a:extLst>
+          </p:cNvPr>
+          <p:cNvSpPr/>
+          <p:nvPr/>
+        </p:nvSpPr>
+        <p:spPr>
+          <a:xfrm>
+            <a:off x="12241532" y="769530"/>
+            <a:ext cx="7763069" cy="7707086"/>
+          </a:xfrm>
+          <a:custGeom>
+            <a:avLst/>
+            <a:gdLst>
+              <a:gd name="connsiteX0" fmla="*/ 0 w 7763069"/>
+              <a:gd name="connsiteY0" fmla="*/ 7707086 h 7707086"/>
+              <a:gd name="connsiteX1" fmla="*/ 447869 w 7763069"/>
+              <a:gd name="connsiteY1" fmla="*/ 4572000 h 7707086"/>
+              <a:gd name="connsiteX2" fmla="*/ 2071395 w 7763069"/>
+              <a:gd name="connsiteY2" fmla="*/ 2071396 h 7707086"/>
+              <a:gd name="connsiteX3" fmla="*/ 5113175 w 7763069"/>
+              <a:gd name="connsiteY3" fmla="*/ 541175 h 7707086"/>
+              <a:gd name="connsiteX4" fmla="*/ 7763069 w 7763069"/>
+              <a:gd name="connsiteY4" fmla="*/ 0 h 7707086"/>
+            </a:gdLst>
+            <a:ahLst/>
+            <a:cxnLst>
+              <a:cxn ang="0">
+                <a:pos x="connsiteX0" y="connsiteY0"/>
+              </a:cxn>
+              <a:cxn ang="0">
+                <a:pos x="connsiteX1" y="connsiteY1"/>
+              </a:cxn>
+              <a:cxn ang="0">
+                <a:pos x="connsiteX2" y="connsiteY2"/>
+              </a:cxn>
+              <a:cxn ang="0">
+                <a:pos x="connsiteX3" y="connsiteY3"/>
+              </a:cxn>
+              <a:cxn ang="0">
+                <a:pos x="connsiteX4" y="connsiteY4"/>
+              </a:cxn>
+            </a:cxnLst>
+            <a:rect l="l" t="t" r="r" b="b"/>
+            <a:pathLst>
+              <a:path w="7763069" h="7707086">
+                <a:moveTo>
+                  <a:pt x="0" y="7707086"/>
+                </a:moveTo>
+                <a:cubicBezTo>
+                  <a:pt x="51318" y="6609184"/>
+                  <a:pt x="102637" y="5511282"/>
+                  <a:pt x="447869" y="4572000"/>
+                </a:cubicBezTo>
+                <a:cubicBezTo>
+                  <a:pt x="793102" y="3632718"/>
+                  <a:pt x="1293844" y="2743200"/>
+                  <a:pt x="2071395" y="2071396"/>
+                </a:cubicBezTo>
+                <a:cubicBezTo>
+                  <a:pt x="2848946" y="1399592"/>
+                  <a:pt x="4164563" y="886408"/>
+                  <a:pt x="5113175" y="541175"/>
+                </a:cubicBezTo>
+                <a:cubicBezTo>
+                  <a:pt x="6061787" y="195942"/>
+                  <a:pt x="6912428" y="97971"/>
+                  <a:pt x="7763069" y="0"/>
+                </a:cubicBezTo>
+              </a:path>
+            </a:pathLst>
+          </a:custGeom>
+          <a:noFill/>
+          <a:ln>
+            <a:solidFill>
+              <a:schemeClr val="tx1"/>
+            </a:solidFill>
+          </a:ln>
+        </p:spPr>
+        <p:style>
+          <a:lnRef idx="2">
+            <a:schemeClr val="accent1">
+              <a:shade val="50000"/>
+            </a:schemeClr>
+          </a:lnRef>
+          <a:fillRef idx="1">
+            <a:schemeClr val="accent1"/>
+          </a:fillRef>
+          <a:effectRef idx="0">
+            <a:schemeClr val="accent1"/>
+          </a:effectRef>
+          <a:fontRef idx="minor">
+            <a:schemeClr val="lt1"/>
+          </a:fontRef>
+        </p:style>
+        <p:txBody>
+          <a:bodyPr rtlCol="0" anchor="ctr"/>
+          <a:lstStyle/>
+          <a:p>
+            <a:pPr algn="ctr"/>
+            <a:endParaRPr kumimoji="1" lang="ja-JP" altLang="en-US"/>
+          </a:p>
+        </p:txBody>
+      </p:sp>
+      <p:sp>
+        <p:nvSpPr>
+          <p:cNvPr id="43" name="テキスト ボックス 42">
+            <a:extLst>
+              <a:ext uri="{FF2B5EF4-FFF2-40B4-BE49-F238E27FC236}">
+                <a16:creationId xmlns:a16="http://schemas.microsoft.com/office/drawing/2014/main" id="{B27C3BB0-43EC-4007-9069-3022B6922A65}"/>
+              </a:ext>
+            </a:extLst>
+          </p:cNvPr>
+          <p:cNvSpPr txBox="1"/>
+          <p:nvPr/>
+        </p:nvSpPr>
+        <p:spPr>
+          <a:xfrm>
+            <a:off x="5385970" y="9621459"/>
+            <a:ext cx="1938007" cy="769441"/>
+          </a:xfrm>
+          <a:prstGeom prst="rect">
+            <a:avLst/>
+          </a:prstGeom>
+          <a:noFill/>
+        </p:spPr>
+        <p:txBody>
+          <a:bodyPr wrap="square" rtlCol="0">
+            <a:spAutoFit/>
+          </a:bodyPr>
+          <a:lstStyle/>
+          <a:p>
+            <a:r>
+              <a:rPr kumimoji="1" lang="ja-JP" altLang="en-US" sz="4400" dirty="0"/>
+              <a:t>予測値</a:t>
+            </a:r>
+          </a:p>
+        </p:txBody>
+      </p:sp>
+      <p:sp>
+        <p:nvSpPr>
+          <p:cNvPr id="44" name="テキスト ボックス 43">
+            <a:extLst>
+              <a:ext uri="{FF2B5EF4-FFF2-40B4-BE49-F238E27FC236}">
+                <a16:creationId xmlns:a16="http://schemas.microsoft.com/office/drawing/2014/main" id="{DB6A2A5D-43CC-46BD-905E-7AA7D8F82F6E}"/>
+              </a:ext>
+            </a:extLst>
+          </p:cNvPr>
+          <p:cNvSpPr txBox="1"/>
+          <p:nvPr/>
+        </p:nvSpPr>
+        <p:spPr>
+          <a:xfrm>
+            <a:off x="20453188" y="9855011"/>
+            <a:ext cx="800024" cy="769441"/>
+          </a:xfrm>
+          <a:prstGeom prst="rect">
+            <a:avLst/>
+          </a:prstGeom>
+          <a:noFill/>
+        </p:spPr>
+        <p:txBody>
+          <a:bodyPr wrap="square" rtlCol="0">
+            <a:spAutoFit/>
+          </a:bodyPr>
+          <a:lstStyle/>
+          <a:p>
+            <a:r>
+              <a:rPr kumimoji="1" lang="en-US" altLang="ja-JP" sz="4400" dirty="0"/>
+              <a:t>1</a:t>
+            </a:r>
+            <a:endParaRPr kumimoji="1" lang="ja-JP" altLang="en-US" sz="4400" dirty="0"/>
+          </a:p>
+        </p:txBody>
+      </p:sp>
+      <p:sp>
+        <p:nvSpPr>
+          <p:cNvPr id="45" name="テキスト ボックス 44">
+            <a:extLst>
+              <a:ext uri="{FF2B5EF4-FFF2-40B4-BE49-F238E27FC236}">
+                <a16:creationId xmlns:a16="http://schemas.microsoft.com/office/drawing/2014/main" id="{3EFEF47B-C00E-46E7-8DB8-C6B332E79E49}"/>
+              </a:ext>
+            </a:extLst>
+          </p:cNvPr>
+          <p:cNvSpPr txBox="1"/>
+          <p:nvPr/>
+        </p:nvSpPr>
+        <p:spPr>
+          <a:xfrm>
+            <a:off x="1798671" y="8204564"/>
+            <a:ext cx="925235" cy="769441"/>
+          </a:xfrm>
+          <a:prstGeom prst="rect">
+            <a:avLst/>
+          </a:prstGeom>
+          <a:noFill/>
+        </p:spPr>
+        <p:txBody>
+          <a:bodyPr wrap="square" rtlCol="0">
+            <a:spAutoFit/>
+          </a:bodyPr>
+          <a:lstStyle/>
+          <a:p>
+            <a:r>
+              <a:rPr kumimoji="1" lang="en-US" altLang="ja-JP" sz="4400" dirty="0"/>
+              <a:t>0</a:t>
+            </a:r>
+            <a:r>
+              <a:rPr kumimoji="1" lang="ja-JP" altLang="en-US" sz="4400" dirty="0"/>
+              <a:t> </a:t>
+            </a:r>
+          </a:p>
+        </p:txBody>
+      </p:sp>
+      <p:sp>
+        <p:nvSpPr>
+          <p:cNvPr id="46" name="テキスト ボックス 45">
+            <a:extLst>
+              <a:ext uri="{FF2B5EF4-FFF2-40B4-BE49-F238E27FC236}">
+                <a16:creationId xmlns:a16="http://schemas.microsoft.com/office/drawing/2014/main" id="{D144F723-D5DD-406E-91CD-9F367047FD31}"/>
+              </a:ext>
+            </a:extLst>
+          </p:cNvPr>
+          <p:cNvSpPr txBox="1"/>
+          <p:nvPr/>
+        </p:nvSpPr>
+        <p:spPr>
+          <a:xfrm>
+            <a:off x="1713976" y="3377039"/>
+            <a:ext cx="925235" cy="769441"/>
+          </a:xfrm>
+          <a:prstGeom prst="rect">
+            <a:avLst/>
+          </a:prstGeom>
+          <a:noFill/>
+        </p:spPr>
+        <p:txBody>
+          <a:bodyPr wrap="square" rtlCol="0">
+            <a:spAutoFit/>
+          </a:bodyPr>
+          <a:lstStyle/>
+          <a:p>
+            <a:r>
+              <a:rPr kumimoji="1" lang="en-US" altLang="ja-JP" sz="4400" dirty="0"/>
+              <a:t>1</a:t>
+            </a:r>
+            <a:endParaRPr kumimoji="1" lang="ja-JP" altLang="en-US" sz="4400" dirty="0"/>
+          </a:p>
+        </p:txBody>
+      </p:sp>
+      <p:sp>
+        <p:nvSpPr>
+          <p:cNvPr id="47" name="テキスト ボックス 46">
+            <a:extLst>
+              <a:ext uri="{FF2B5EF4-FFF2-40B4-BE49-F238E27FC236}">
+                <a16:creationId xmlns:a16="http://schemas.microsoft.com/office/drawing/2014/main" id="{0C398B56-6C45-4C9D-B47C-73834368F144}"/>
+              </a:ext>
+            </a:extLst>
+          </p:cNvPr>
+          <p:cNvSpPr txBox="1"/>
+          <p:nvPr/>
+        </p:nvSpPr>
+        <p:spPr>
+          <a:xfrm>
+            <a:off x="14558175" y="5278312"/>
+            <a:ext cx="1748032" cy="769441"/>
+          </a:xfrm>
+          <a:prstGeom prst="rect">
+            <a:avLst/>
+          </a:prstGeom>
+          <a:noFill/>
+        </p:spPr>
+        <p:txBody>
+          <a:bodyPr wrap="square" rtlCol="0">
+            <a:spAutoFit/>
+          </a:bodyPr>
+          <a:lstStyle/>
+          <a:p>
+            <a:r>
+              <a:rPr kumimoji="1" lang="en-US" altLang="ja-JP" sz="4400" dirty="0"/>
+              <a:t>TPR</a:t>
+            </a:r>
+            <a:endParaRPr kumimoji="1" lang="ja-JP" altLang="en-US" sz="4400" dirty="0"/>
+          </a:p>
+        </p:txBody>
+      </p:sp>
+      <p:sp>
+        <p:nvSpPr>
+          <p:cNvPr id="48" name="楕円 47">
+            <a:extLst>
+              <a:ext uri="{FF2B5EF4-FFF2-40B4-BE49-F238E27FC236}">
+                <a16:creationId xmlns:a16="http://schemas.microsoft.com/office/drawing/2014/main" id="{694A3F03-42DF-4F4A-A6C5-AAE07B74C593}"/>
+              </a:ext>
+            </a:extLst>
+          </p:cNvPr>
+          <p:cNvSpPr/>
+          <p:nvPr/>
+        </p:nvSpPr>
+        <p:spPr>
+          <a:xfrm>
+            <a:off x="17457167" y="5263844"/>
+            <a:ext cx="261257" cy="261257"/>
+          </a:xfrm>
+          <a:prstGeom prst="ellipse">
+            <a:avLst/>
+          </a:prstGeom>
+          <a:solidFill>
+            <a:schemeClr val="tx1"/>
+          </a:solidFill>
+        </p:spPr>
+        <p:style>
+          <a:lnRef idx="2">
+            <a:schemeClr val="accent1">
+              <a:shade val="50000"/>
+            </a:schemeClr>
+          </a:lnRef>
+          <a:fillRef idx="1">
+            <a:schemeClr val="accent1"/>
+          </a:fillRef>
+          <a:effectRef idx="0">
+            <a:schemeClr val="accent1"/>
+          </a:effectRef>
+          <a:fontRef idx="minor">
+            <a:schemeClr val="lt1"/>
+          </a:fontRef>
+        </p:style>
+        <p:txBody>
+          <a:bodyPr rtlCol="0" anchor="ctr"/>
+          <a:lstStyle/>
+          <a:p>
+            <a:pPr algn="ctr"/>
+            <a:endParaRPr kumimoji="1" lang="ja-JP" altLang="en-US"/>
+          </a:p>
+        </p:txBody>
+      </p:sp>
+      <p:sp>
+        <p:nvSpPr>
+          <p:cNvPr id="49" name="楕円 48">
+            <a:extLst>
+              <a:ext uri="{FF2B5EF4-FFF2-40B4-BE49-F238E27FC236}">
+                <a16:creationId xmlns:a16="http://schemas.microsoft.com/office/drawing/2014/main" id="{53528C93-6059-45FF-8472-F06D776A30B1}"/>
+              </a:ext>
+            </a:extLst>
+          </p:cNvPr>
+          <p:cNvSpPr/>
+          <p:nvPr/>
+        </p:nvSpPr>
+        <p:spPr>
+          <a:xfrm>
+            <a:off x="20266089" y="3036718"/>
+            <a:ext cx="261257" cy="261257"/>
+          </a:xfrm>
+          <a:prstGeom prst="ellipse">
+            <a:avLst/>
+          </a:prstGeom>
+          <a:solidFill>
+            <a:schemeClr val="tx1"/>
+          </a:solidFill>
+        </p:spPr>
+        <p:style>
+          <a:lnRef idx="2">
+            <a:schemeClr val="accent1">
+              <a:shade val="50000"/>
+            </a:schemeClr>
+          </a:lnRef>
+          <a:fillRef idx="1">
+            <a:schemeClr val="accent1"/>
+          </a:fillRef>
+          <a:effectRef idx="0">
+            <a:schemeClr val="accent1"/>
+          </a:effectRef>
+          <a:fontRef idx="minor">
+            <a:schemeClr val="lt1"/>
+          </a:fontRef>
+        </p:style>
+        <p:txBody>
+          <a:bodyPr rtlCol="0" anchor="ctr"/>
+          <a:lstStyle/>
+          <a:p>
+            <a:pPr algn="ctr"/>
+            <a:endParaRPr kumimoji="1" lang="ja-JP" altLang="en-US"/>
+          </a:p>
+        </p:txBody>
+      </p:sp>
+      <p:sp>
+        <p:nvSpPr>
+          <p:cNvPr id="50" name="テキスト ボックス 49">
+            <a:extLst>
+              <a:ext uri="{FF2B5EF4-FFF2-40B4-BE49-F238E27FC236}">
+                <a16:creationId xmlns:a16="http://schemas.microsoft.com/office/drawing/2014/main" id="{0B9C8AB8-B1E6-453F-8EFD-BE22336F42AF}"/>
+              </a:ext>
+            </a:extLst>
+          </p:cNvPr>
+          <p:cNvSpPr txBox="1"/>
+          <p:nvPr/>
+        </p:nvSpPr>
+        <p:spPr>
+          <a:xfrm>
+            <a:off x="17805829" y="5193287"/>
+            <a:ext cx="2022258" cy="707886"/>
+          </a:xfrm>
+          <a:prstGeom prst="rect">
+            <a:avLst/>
+          </a:prstGeom>
+          <a:noFill/>
+        </p:spPr>
+        <p:txBody>
+          <a:bodyPr wrap="square" rtlCol="0">
+            <a:spAutoFit/>
+          </a:bodyPr>
+          <a:lstStyle/>
+          <a:p>
+            <a:r>
+              <a:rPr kumimoji="1" lang="ja-JP" altLang="en-US" sz="4000" dirty="0"/>
+              <a:t>閾値</a:t>
+            </a:r>
+            <a:r>
+              <a:rPr kumimoji="1" lang="en-US" altLang="ja-JP" sz="4000" dirty="0"/>
+              <a:t>0.6</a:t>
+            </a:r>
+            <a:endParaRPr kumimoji="1" lang="ja-JP" altLang="en-US" sz="4000" dirty="0"/>
+          </a:p>
+        </p:txBody>
+      </p:sp>
+      <p:sp>
+        <p:nvSpPr>
+          <p:cNvPr id="51" name="テキスト ボックス 50">
+            <a:extLst>
+              <a:ext uri="{FF2B5EF4-FFF2-40B4-BE49-F238E27FC236}">
+                <a16:creationId xmlns:a16="http://schemas.microsoft.com/office/drawing/2014/main" id="{3131845E-8D66-4ADD-BEAD-D4669DD01ACB}"/>
+              </a:ext>
+            </a:extLst>
+          </p:cNvPr>
+          <p:cNvSpPr txBox="1"/>
+          <p:nvPr/>
+        </p:nvSpPr>
+        <p:spPr>
+          <a:xfrm>
+            <a:off x="11980044" y="842541"/>
+            <a:ext cx="2130809" cy="707886"/>
+          </a:xfrm>
+          <a:prstGeom prst="rect">
+            <a:avLst/>
+          </a:prstGeom>
+          <a:noFill/>
+        </p:spPr>
+        <p:txBody>
+          <a:bodyPr wrap="square" rtlCol="0">
+            <a:spAutoFit/>
+          </a:bodyPr>
+          <a:lstStyle/>
+          <a:p>
+            <a:r>
+              <a:rPr kumimoji="1" lang="ja-JP" altLang="en-US" sz="4000" dirty="0"/>
+              <a:t>閾値</a:t>
+            </a:r>
+            <a:r>
+              <a:rPr kumimoji="1" lang="en-US" altLang="ja-JP" sz="4000" dirty="0"/>
+              <a:t>0.4</a:t>
+            </a:r>
+            <a:endParaRPr kumimoji="1" lang="ja-JP" altLang="en-US" sz="4000" dirty="0"/>
+          </a:p>
+        </p:txBody>
+      </p:sp>
+      <p:cxnSp>
+        <p:nvCxnSpPr>
+          <p:cNvPr id="60" name="直線コネクタ 59">
+            <a:extLst>
+              <a:ext uri="{FF2B5EF4-FFF2-40B4-BE49-F238E27FC236}">
+                <a16:creationId xmlns:a16="http://schemas.microsoft.com/office/drawing/2014/main" id="{5D306776-7D38-4B15-BBE8-BDC22EB03752}"/>
+              </a:ext>
+            </a:extLst>
+          </p:cNvPr>
+          <p:cNvCxnSpPr>
+            <a:cxnSpLocks/>
+          </p:cNvCxnSpPr>
+          <p:nvPr/>
+        </p:nvCxnSpPr>
+        <p:spPr>
+          <a:xfrm>
+            <a:off x="10644505" y="2463851"/>
+            <a:ext cx="0" cy="6125433"/>
+          </a:xfrm>
+          <a:prstGeom prst="line">
+            <a:avLst/>
+          </a:prstGeom>
+          <a:ln>
+            <a:solidFill>
+              <a:schemeClr val="tx1"/>
+            </a:solidFill>
+            <a:prstDash val="dash"/>
+            <a:headEnd type="none" w="lg" len="lg"/>
+          </a:ln>
+        </p:spPr>
+        <p:style>
+          <a:lnRef idx="1">
+            <a:schemeClr val="accent1"/>
+          </a:lnRef>
+          <a:fillRef idx="0">
+            <a:schemeClr val="accent1"/>
+          </a:fillRef>
+          <a:effectRef idx="0">
+            <a:schemeClr val="accent1"/>
+          </a:effectRef>
+          <a:fontRef idx="minor">
+            <a:schemeClr val="tx1"/>
+          </a:fontRef>
+        </p:style>
+      </p:cxnSp>
+      <p:cxnSp>
+        <p:nvCxnSpPr>
+          <p:cNvPr id="63" name="直線コネクタ 62">
+            <a:extLst>
+              <a:ext uri="{FF2B5EF4-FFF2-40B4-BE49-F238E27FC236}">
+                <a16:creationId xmlns:a16="http://schemas.microsoft.com/office/drawing/2014/main" id="{0C821BE1-CA13-40F4-97AF-4CA870641336}"/>
+              </a:ext>
+            </a:extLst>
+          </p:cNvPr>
+          <p:cNvCxnSpPr>
+            <a:cxnSpLocks/>
+          </p:cNvCxnSpPr>
+          <p:nvPr/>
+        </p:nvCxnSpPr>
+        <p:spPr>
+          <a:xfrm>
+            <a:off x="2375693" y="8589285"/>
+            <a:ext cx="8344175" cy="0"/>
+          </a:xfrm>
+          <a:prstGeom prst="line">
+            <a:avLst/>
+          </a:prstGeom>
+          <a:ln>
+            <a:solidFill>
+              <a:schemeClr val="tx1"/>
+            </a:solidFill>
+            <a:prstDash val="dash"/>
+            <a:headEnd type="none" w="lg" len="lg"/>
+          </a:ln>
+        </p:spPr>
+        <p:style>
+          <a:lnRef idx="1">
+            <a:schemeClr val="accent1"/>
+          </a:lnRef>
+          <a:fillRef idx="0">
+            <a:schemeClr val="accent1"/>
+          </a:fillRef>
+          <a:effectRef idx="0">
+            <a:schemeClr val="accent1"/>
+          </a:effectRef>
+          <a:fontRef idx="minor">
+            <a:schemeClr val="tx1"/>
+          </a:fontRef>
+        </p:style>
+      </p:cxnSp>
+      <p:sp>
+        <p:nvSpPr>
+          <p:cNvPr id="67" name="テキスト ボックス 66">
+            <a:extLst>
+              <a:ext uri="{FF2B5EF4-FFF2-40B4-BE49-F238E27FC236}">
+                <a16:creationId xmlns:a16="http://schemas.microsoft.com/office/drawing/2014/main" id="{38BD8322-B09D-4E73-8B22-824D4978C6E9}"/>
+              </a:ext>
+            </a:extLst>
+          </p:cNvPr>
+          <p:cNvSpPr txBox="1"/>
+          <p:nvPr/>
+        </p:nvSpPr>
+        <p:spPr>
+          <a:xfrm>
+            <a:off x="17151510" y="8835813"/>
+            <a:ext cx="1626401" cy="769441"/>
+          </a:xfrm>
+          <a:prstGeom prst="rect">
+            <a:avLst/>
+          </a:prstGeom>
+          <a:noFill/>
+        </p:spPr>
+        <p:txBody>
+          <a:bodyPr wrap="square" rtlCol="0">
+            <a:spAutoFit/>
+          </a:bodyPr>
+          <a:lstStyle/>
+          <a:p>
+            <a:r>
+              <a:rPr kumimoji="1" lang="en-US" altLang="ja-JP" sz="4400" dirty="0"/>
+              <a:t>0.4</a:t>
+            </a:r>
+            <a:endParaRPr kumimoji="1" lang="ja-JP" altLang="en-US" sz="4400" dirty="0"/>
+          </a:p>
+        </p:txBody>
+      </p:sp>
+      <p:sp>
+        <p:nvSpPr>
+          <p:cNvPr id="68" name="テキスト ボックス 67">
+            <a:extLst>
+              <a:ext uri="{FF2B5EF4-FFF2-40B4-BE49-F238E27FC236}">
+                <a16:creationId xmlns:a16="http://schemas.microsoft.com/office/drawing/2014/main" id="{F253BC19-270E-496F-8C1C-A119B86E7CB3}"/>
+              </a:ext>
+            </a:extLst>
+          </p:cNvPr>
+          <p:cNvSpPr txBox="1"/>
+          <p:nvPr/>
+        </p:nvSpPr>
+        <p:spPr>
+          <a:xfrm>
+            <a:off x="14342588" y="8835812"/>
+            <a:ext cx="1626401" cy="769441"/>
+          </a:xfrm>
+          <a:prstGeom prst="rect">
+            <a:avLst/>
+          </a:prstGeom>
+          <a:noFill/>
+        </p:spPr>
+        <p:txBody>
+          <a:bodyPr wrap="square" rtlCol="0">
+            <a:spAutoFit/>
+          </a:bodyPr>
+          <a:lstStyle/>
+          <a:p>
+            <a:r>
+              <a:rPr kumimoji="1" lang="en-US" altLang="ja-JP" sz="4400" dirty="0"/>
+              <a:t>0.2</a:t>
+            </a:r>
+            <a:endParaRPr kumimoji="1" lang="ja-JP" altLang="en-US" sz="4400" dirty="0"/>
+          </a:p>
+        </p:txBody>
+      </p:sp>
+      <p:sp>
+        <p:nvSpPr>
+          <p:cNvPr id="70" name="テキスト ボックス 69">
+            <a:extLst>
+              <a:ext uri="{FF2B5EF4-FFF2-40B4-BE49-F238E27FC236}">
+                <a16:creationId xmlns:a16="http://schemas.microsoft.com/office/drawing/2014/main" id="{31C78CE6-B7FA-4253-ACF9-6DB5500A9F38}"/>
+              </a:ext>
+            </a:extLst>
+          </p:cNvPr>
+          <p:cNvSpPr txBox="1"/>
+          <p:nvPr/>
+        </p:nvSpPr>
+        <p:spPr>
+          <a:xfrm>
+            <a:off x="15591673" y="2714521"/>
+            <a:ext cx="1626401" cy="769441"/>
+          </a:xfrm>
+          <a:prstGeom prst="rect">
+            <a:avLst/>
+          </a:prstGeom>
+          <a:noFill/>
+        </p:spPr>
+        <p:txBody>
+          <a:bodyPr wrap="square" rtlCol="0">
+            <a:spAutoFit/>
+          </a:bodyPr>
+          <a:lstStyle/>
+          <a:p>
+            <a:r>
+              <a:rPr kumimoji="1" lang="en-US" altLang="ja-JP" sz="4400" dirty="0"/>
+              <a:t>0.8</a:t>
+            </a:r>
+            <a:endParaRPr kumimoji="1" lang="ja-JP" altLang="en-US" sz="4400" dirty="0"/>
+          </a:p>
+        </p:txBody>
+      </p:sp>
+      <p:sp>
+        <p:nvSpPr>
+          <p:cNvPr id="34" name="テキスト ボックス 33">
+            <a:extLst>
+              <a:ext uri="{FF2B5EF4-FFF2-40B4-BE49-F238E27FC236}">
+                <a16:creationId xmlns:a16="http://schemas.microsoft.com/office/drawing/2014/main" id="{54ADBF72-4E20-4809-8A18-3C87E0D55D9F}"/>
+              </a:ext>
+            </a:extLst>
+          </p:cNvPr>
+          <p:cNvSpPr txBox="1"/>
+          <p:nvPr/>
+        </p:nvSpPr>
+        <p:spPr>
+          <a:xfrm>
+            <a:off x="0" y="5210085"/>
+            <a:ext cx="2483237" cy="769441"/>
+          </a:xfrm>
+          <a:prstGeom prst="rect">
+            <a:avLst/>
+          </a:prstGeom>
+          <a:noFill/>
+        </p:spPr>
+        <p:txBody>
+          <a:bodyPr wrap="square" rtlCol="0">
+            <a:spAutoFit/>
+          </a:bodyPr>
+          <a:lstStyle/>
+          <a:p>
+            <a:r>
+              <a:rPr kumimoji="1" lang="ja-JP" altLang="en-US" sz="4400" dirty="0"/>
+              <a:t>正例割合</a:t>
+            </a:r>
+          </a:p>
+        </p:txBody>
+      </p:sp>
+      <p:cxnSp>
+        <p:nvCxnSpPr>
+          <p:cNvPr id="3" name="直線コネクタ 2">
+            <a:extLst>
+              <a:ext uri="{FF2B5EF4-FFF2-40B4-BE49-F238E27FC236}">
+                <a16:creationId xmlns:a16="http://schemas.microsoft.com/office/drawing/2014/main" id="{94EECB6D-6EF2-4B19-97F9-24C7ABAD3AA1}"/>
+              </a:ext>
+            </a:extLst>
+          </p:cNvPr>
+          <p:cNvCxnSpPr/>
+          <p:nvPr/>
+        </p:nvCxnSpPr>
+        <p:spPr>
+          <a:xfrm flipV="1">
+            <a:off x="13090131" y="4857078"/>
+            <a:ext cx="7744408" cy="5062879"/>
+          </a:xfrm>
+          <a:prstGeom prst="line">
+            <a:avLst/>
+          </a:prstGeom>
+          <a:ln>
+            <a:solidFill>
+              <a:schemeClr val="tx1"/>
+            </a:solidFill>
+          </a:ln>
+        </p:spPr>
+        <p:style>
+          <a:lnRef idx="1">
+            <a:schemeClr val="accent1"/>
+          </a:lnRef>
+          <a:fillRef idx="0">
+            <a:schemeClr val="accent1"/>
+          </a:fillRef>
+          <a:effectRef idx="0">
+            <a:schemeClr val="accent1"/>
+          </a:effectRef>
+          <a:fontRef idx="minor">
+            <a:schemeClr val="tx1"/>
+          </a:fontRef>
+        </p:style>
+      </p:cxnSp>
+      <p:cxnSp>
+        <p:nvCxnSpPr>
+          <p:cNvPr id="35" name="直線コネクタ 34">
+            <a:extLst>
+              <a:ext uri="{FF2B5EF4-FFF2-40B4-BE49-F238E27FC236}">
+                <a16:creationId xmlns:a16="http://schemas.microsoft.com/office/drawing/2014/main" id="{88C78866-85FA-41AB-9F80-7BE394D9E633}"/>
+              </a:ext>
+            </a:extLst>
+          </p:cNvPr>
+          <p:cNvCxnSpPr>
+            <a:cxnSpLocks/>
+          </p:cNvCxnSpPr>
+          <p:nvPr/>
+        </p:nvCxnSpPr>
+        <p:spPr>
+          <a:xfrm flipV="1">
+            <a:off x="13090130" y="2215657"/>
+            <a:ext cx="5126917" cy="7634076"/>
+          </a:xfrm>
+          <a:prstGeom prst="line">
+            <a:avLst/>
+          </a:prstGeom>
+          <a:ln>
+            <a:solidFill>
+              <a:schemeClr val="tx1"/>
+            </a:solidFill>
+          </a:ln>
+        </p:spPr>
+        <p:style>
+          <a:lnRef idx="1">
+            <a:schemeClr val="accent1"/>
+          </a:lnRef>
+          <a:fillRef idx="0">
+            <a:schemeClr val="accent1"/>
+          </a:fillRef>
+          <a:effectRef idx="0">
+            <a:schemeClr val="accent1"/>
+          </a:effectRef>
+          <a:fontRef idx="minor">
+            <a:schemeClr val="tx1"/>
+          </a:fontRef>
+        </p:style>
+      </p:cxnSp>
+      <p:sp>
+        <p:nvSpPr>
+          <p:cNvPr id="36" name="テキスト ボックス 35">
+            <a:extLst>
+              <a:ext uri="{FF2B5EF4-FFF2-40B4-BE49-F238E27FC236}">
+                <a16:creationId xmlns:a16="http://schemas.microsoft.com/office/drawing/2014/main" id="{BCEFAB5A-9CE7-4CA7-AC52-5367D7792F1E}"/>
+              </a:ext>
+            </a:extLst>
+          </p:cNvPr>
+          <p:cNvSpPr txBox="1"/>
+          <p:nvPr/>
+        </p:nvSpPr>
+        <p:spPr>
+          <a:xfrm>
+            <a:off x="19994885" y="4286370"/>
+            <a:ext cx="759857" cy="769441"/>
+          </a:xfrm>
+          <a:prstGeom prst="rect">
+            <a:avLst/>
+          </a:prstGeom>
+          <a:noFill/>
+        </p:spPr>
+        <p:txBody>
+          <a:bodyPr wrap="square" rtlCol="0">
+            <a:spAutoFit/>
+          </a:bodyPr>
+          <a:lstStyle/>
+          <a:p>
+            <a:r>
+              <a:rPr kumimoji="1" lang="en-US" altLang="ja-JP" sz="4400" dirty="0"/>
+              <a:t>A</a:t>
+            </a:r>
+            <a:endParaRPr kumimoji="1" lang="ja-JP" altLang="en-US" sz="4400" dirty="0"/>
+          </a:p>
+        </p:txBody>
+      </p:sp>
+      <p:sp>
+        <p:nvSpPr>
+          <p:cNvPr id="37" name="テキスト ボックス 36">
+            <a:extLst>
+              <a:ext uri="{FF2B5EF4-FFF2-40B4-BE49-F238E27FC236}">
+                <a16:creationId xmlns:a16="http://schemas.microsoft.com/office/drawing/2014/main" id="{DB9695FB-5C7D-48F7-B085-530A9E8C41DC}"/>
+              </a:ext>
+            </a:extLst>
+          </p:cNvPr>
+          <p:cNvSpPr txBox="1"/>
+          <p:nvPr/>
+        </p:nvSpPr>
+        <p:spPr>
+          <a:xfrm>
+            <a:off x="16837069" y="2382206"/>
+            <a:ext cx="759857" cy="769441"/>
+          </a:xfrm>
+          <a:prstGeom prst="rect">
+            <a:avLst/>
+          </a:prstGeom>
+          <a:noFill/>
+        </p:spPr>
+        <p:txBody>
+          <a:bodyPr wrap="square" rtlCol="0">
+            <a:spAutoFit/>
+          </a:bodyPr>
+          <a:lstStyle/>
+          <a:p>
+            <a:r>
+              <a:rPr kumimoji="1" lang="en-US" altLang="ja-JP" sz="4400" dirty="0"/>
+              <a:t>B</a:t>
+            </a:r>
+            <a:endParaRPr kumimoji="1" lang="ja-JP" altLang="en-US" sz="4400" dirty="0"/>
+          </a:p>
+        </p:txBody>
+      </p:sp>
+      <p:cxnSp>
+        <p:nvCxnSpPr>
+          <p:cNvPr id="42" name="直線コネクタ 41">
+            <a:extLst>
+              <a:ext uri="{FF2B5EF4-FFF2-40B4-BE49-F238E27FC236}">
+                <a16:creationId xmlns:a16="http://schemas.microsoft.com/office/drawing/2014/main" id="{306D79D2-D31A-437F-83C8-30288C3CA870}"/>
+              </a:ext>
+            </a:extLst>
+          </p:cNvPr>
+          <p:cNvCxnSpPr>
+            <a:cxnSpLocks/>
+          </p:cNvCxnSpPr>
+          <p:nvPr/>
+        </p:nvCxnSpPr>
+        <p:spPr>
+          <a:xfrm>
+            <a:off x="15588274" y="6064656"/>
+            <a:ext cx="0" cy="3859345"/>
+          </a:xfrm>
+          <a:prstGeom prst="line">
+            <a:avLst/>
+          </a:prstGeom>
+          <a:ln>
+            <a:solidFill>
+              <a:schemeClr val="tx1"/>
+            </a:solidFill>
+            <a:prstDash val="dash"/>
+            <a:headEnd type="triangle" w="lg" len="lg"/>
+          </a:ln>
+        </p:spPr>
+        <p:style>
+          <a:lnRef idx="1">
+            <a:schemeClr val="accent1"/>
+          </a:lnRef>
+          <a:fillRef idx="0">
+            <a:schemeClr val="accent1"/>
+          </a:fillRef>
+          <a:effectRef idx="0">
+            <a:schemeClr val="accent1"/>
+          </a:effectRef>
+          <a:fontRef idx="minor">
+            <a:schemeClr val="tx1"/>
+          </a:fontRef>
+        </p:style>
+      </p:cxnSp>
+      <p:cxnSp>
+        <p:nvCxnSpPr>
+          <p:cNvPr id="52" name="直線コネクタ 51">
+            <a:extLst>
+              <a:ext uri="{FF2B5EF4-FFF2-40B4-BE49-F238E27FC236}">
+                <a16:creationId xmlns:a16="http://schemas.microsoft.com/office/drawing/2014/main" id="{D2E3AC65-4336-4A6E-840D-64D9750FCE0E}"/>
+              </a:ext>
+            </a:extLst>
+          </p:cNvPr>
+          <p:cNvCxnSpPr>
+            <a:cxnSpLocks/>
+          </p:cNvCxnSpPr>
+          <p:nvPr/>
+        </p:nvCxnSpPr>
+        <p:spPr>
+          <a:xfrm>
+            <a:off x="13090132" y="6066172"/>
+            <a:ext cx="2498142" cy="0"/>
+          </a:xfrm>
+          <a:prstGeom prst="line">
+            <a:avLst/>
+          </a:prstGeom>
+          <a:ln>
+            <a:solidFill>
+              <a:schemeClr val="tx1"/>
+            </a:solidFill>
+            <a:prstDash val="dash"/>
+            <a:headEnd type="triangle" w="lg" len="lg"/>
+          </a:ln>
+        </p:spPr>
+        <p:style>
+          <a:lnRef idx="1">
+            <a:schemeClr val="accent1"/>
+          </a:lnRef>
+          <a:fillRef idx="0">
+            <a:schemeClr val="accent1"/>
+          </a:fillRef>
+          <a:effectRef idx="0">
+            <a:schemeClr val="accent1"/>
+          </a:effectRef>
+          <a:fontRef idx="minor">
+            <a:schemeClr val="tx1"/>
+          </a:fontRef>
+        </p:style>
+      </p:cxnSp>
+      <p:sp>
+        <p:nvSpPr>
+          <p:cNvPr id="53" name="テキスト ボックス 52">
+            <a:extLst>
+              <a:ext uri="{FF2B5EF4-FFF2-40B4-BE49-F238E27FC236}">
+                <a16:creationId xmlns:a16="http://schemas.microsoft.com/office/drawing/2014/main" id="{2C043853-76C2-4AC4-9940-85787382F030}"/>
+              </a:ext>
+            </a:extLst>
+          </p:cNvPr>
+          <p:cNvSpPr txBox="1"/>
+          <p:nvPr/>
+        </p:nvSpPr>
+        <p:spPr>
+          <a:xfrm>
+            <a:off x="7950206" y="8713473"/>
+            <a:ext cx="2484672" cy="954107"/>
+          </a:xfrm>
+          <a:prstGeom prst="rect">
+            <a:avLst/>
+          </a:prstGeom>
+          <a:noFill/>
+        </p:spPr>
+        <p:txBody>
+          <a:bodyPr wrap="square" rtlCol="0">
+            <a:spAutoFit/>
+          </a:bodyPr>
+          <a:lstStyle/>
+          <a:p>
+            <a:r>
+              <a:rPr kumimoji="1" lang="ja-JP" altLang="en-US" sz="2800" dirty="0"/>
+              <a:t>負例の予測値の最大値</a:t>
+            </a:r>
+          </a:p>
+        </p:txBody>
+      </p:sp>
+      <p:sp>
+        <p:nvSpPr>
+          <p:cNvPr id="54" name="テキスト ボックス 53">
+            <a:extLst>
+              <a:ext uri="{FF2B5EF4-FFF2-40B4-BE49-F238E27FC236}">
+                <a16:creationId xmlns:a16="http://schemas.microsoft.com/office/drawing/2014/main" id="{CDD4CA92-235A-4FDB-A1B0-31852E222B6A}"/>
+              </a:ext>
+            </a:extLst>
+          </p:cNvPr>
+          <p:cNvSpPr txBox="1"/>
+          <p:nvPr/>
+        </p:nvSpPr>
+        <p:spPr>
+          <a:xfrm>
+            <a:off x="14565223" y="10047645"/>
+            <a:ext cx="1938007" cy="523220"/>
+          </a:xfrm>
+          <a:prstGeom prst="rect">
+            <a:avLst/>
+          </a:prstGeom>
+          <a:noFill/>
+        </p:spPr>
+        <p:txBody>
+          <a:bodyPr wrap="square" rtlCol="0">
+            <a:spAutoFit/>
+          </a:bodyPr>
+          <a:lstStyle/>
+          <a:p>
+            <a:r>
+              <a:rPr kumimoji="1" lang="en-US" altLang="ja-JP" sz="2800" dirty="0"/>
+              <a:t>B</a:t>
+            </a:r>
+            <a:r>
+              <a:rPr kumimoji="1" lang="ja-JP" altLang="en-US" sz="2800" dirty="0"/>
+              <a:t>の予測値</a:t>
+            </a:r>
+          </a:p>
+        </p:txBody>
+      </p:sp>
+      <p:sp>
+        <p:nvSpPr>
+          <p:cNvPr id="55" name="テキスト ボックス 54">
+            <a:extLst>
+              <a:ext uri="{FF2B5EF4-FFF2-40B4-BE49-F238E27FC236}">
+                <a16:creationId xmlns:a16="http://schemas.microsoft.com/office/drawing/2014/main" id="{6E1FC0CE-9AEF-47F3-B964-DB77C9E2E35C}"/>
+              </a:ext>
+            </a:extLst>
+          </p:cNvPr>
+          <p:cNvSpPr txBox="1"/>
+          <p:nvPr/>
+        </p:nvSpPr>
+        <p:spPr>
+          <a:xfrm>
+            <a:off x="16418451" y="6848020"/>
+            <a:ext cx="2236140" cy="523205"/>
+          </a:xfrm>
+          <a:prstGeom prst="rect">
+            <a:avLst/>
+          </a:prstGeom>
+          <a:noFill/>
+        </p:spPr>
+        <p:txBody>
+          <a:bodyPr wrap="square" rtlCol="0">
+            <a:spAutoFit/>
+          </a:bodyPr>
+          <a:lstStyle/>
+          <a:p>
+            <a:r>
+              <a:rPr kumimoji="1" lang="en-US" altLang="ja-JP" sz="2800" dirty="0"/>
+              <a:t>A</a:t>
+            </a:r>
+            <a:r>
+              <a:rPr kumimoji="1" lang="ja-JP" altLang="en-US" sz="2800" dirty="0"/>
+              <a:t>の正例割合</a:t>
+            </a:r>
+          </a:p>
+        </p:txBody>
+      </p:sp>
+      <p:sp>
+        <p:nvSpPr>
+          <p:cNvPr id="57" name="テキスト ボックス 56">
+            <a:extLst>
+              <a:ext uri="{FF2B5EF4-FFF2-40B4-BE49-F238E27FC236}">
+                <a16:creationId xmlns:a16="http://schemas.microsoft.com/office/drawing/2014/main" id="{8F6A0EAD-F369-4064-833A-05925C3F3A7D}"/>
+              </a:ext>
+            </a:extLst>
+          </p:cNvPr>
+          <p:cNvSpPr txBox="1"/>
+          <p:nvPr/>
+        </p:nvSpPr>
+        <p:spPr>
+          <a:xfrm>
+            <a:off x="16418451" y="5463959"/>
+            <a:ext cx="2236140" cy="523205"/>
+          </a:xfrm>
+          <a:prstGeom prst="rect">
+            <a:avLst/>
+          </a:prstGeom>
+          <a:noFill/>
+        </p:spPr>
+        <p:txBody>
+          <a:bodyPr wrap="square" rtlCol="0">
+            <a:spAutoFit/>
+          </a:bodyPr>
+          <a:lstStyle/>
+          <a:p>
+            <a:r>
+              <a:rPr kumimoji="1" lang="en-US" altLang="ja-JP" sz="2800" dirty="0"/>
+              <a:t>B</a:t>
+            </a:r>
+            <a:r>
+              <a:rPr kumimoji="1" lang="ja-JP" altLang="en-US" sz="2800" dirty="0"/>
+              <a:t>の正例割合</a:t>
+            </a:r>
+          </a:p>
+        </p:txBody>
+      </p:sp>
+      <p:cxnSp>
+        <p:nvCxnSpPr>
+          <p:cNvPr id="4" name="直線矢印コネクタ 3">
+            <a:extLst>
+              <a:ext uri="{FF2B5EF4-FFF2-40B4-BE49-F238E27FC236}">
+                <a16:creationId xmlns:a16="http://schemas.microsoft.com/office/drawing/2014/main" id="{6B509E96-59AD-42F3-8543-BBF47B6985BA}"/>
+              </a:ext>
+            </a:extLst>
+          </p:cNvPr>
+          <p:cNvCxnSpPr>
+            <a:cxnSpLocks/>
+          </p:cNvCxnSpPr>
+          <p:nvPr/>
+        </p:nvCxnSpPr>
+        <p:spPr>
+          <a:xfrm flipV="1">
+            <a:off x="2375693" y="1457996"/>
+            <a:ext cx="0" cy="7144697"/>
+          </a:xfrm>
+          <a:prstGeom prst="straightConnector1">
+            <a:avLst/>
+          </a:prstGeom>
+          <a:ln>
+            <a:solidFill>
+              <a:schemeClr val="tx1"/>
+            </a:solidFill>
+            <a:tailEnd type="triangle" w="lg" len="lg"/>
+          </a:ln>
+        </p:spPr>
+        <p:style>
+          <a:lnRef idx="1">
+            <a:schemeClr val="accent1"/>
+          </a:lnRef>
+          <a:fillRef idx="0">
+            <a:schemeClr val="accent1"/>
+          </a:fillRef>
+          <a:effectRef idx="0">
+            <a:schemeClr val="accent1"/>
+          </a:effectRef>
+          <a:fontRef idx="minor">
+            <a:schemeClr val="tx1"/>
+          </a:fontRef>
+        </p:style>
+      </p:cxnSp>
+      <p:cxnSp>
+        <p:nvCxnSpPr>
+          <p:cNvPr id="32" name="直線矢印コネクタ 31">
+            <a:extLst>
+              <a:ext uri="{FF2B5EF4-FFF2-40B4-BE49-F238E27FC236}">
+                <a16:creationId xmlns:a16="http://schemas.microsoft.com/office/drawing/2014/main" id="{41B059C8-29B9-4248-A83E-3A53D88B276E}"/>
+              </a:ext>
+            </a:extLst>
+          </p:cNvPr>
+          <p:cNvCxnSpPr>
+            <a:cxnSpLocks/>
+          </p:cNvCxnSpPr>
+          <p:nvPr/>
+        </p:nvCxnSpPr>
+        <p:spPr>
+          <a:xfrm>
+            <a:off x="2392579" y="8602693"/>
+            <a:ext cx="9199984" cy="0"/>
+          </a:xfrm>
+          <a:prstGeom prst="straightConnector1">
+            <a:avLst/>
+          </a:prstGeom>
+          <a:ln>
+            <a:solidFill>
+              <a:schemeClr val="tx1"/>
+            </a:solidFill>
+            <a:tailEnd type="triangle" w="lg" len="lg"/>
+          </a:ln>
+        </p:spPr>
+        <p:style>
+          <a:lnRef idx="1">
+            <a:schemeClr val="accent1"/>
+          </a:lnRef>
+          <a:fillRef idx="0">
+            <a:schemeClr val="accent1"/>
+          </a:fillRef>
+          <a:effectRef idx="0">
+            <a:schemeClr val="accent1"/>
+          </a:effectRef>
+          <a:fontRef idx="minor">
+            <a:schemeClr val="tx1"/>
+          </a:fontRef>
+        </p:style>
+      </p:cxnSp>
+      <p:cxnSp>
+        <p:nvCxnSpPr>
+          <p:cNvPr id="38" name="直線コネクタ 37">
+            <a:extLst>
+              <a:ext uri="{FF2B5EF4-FFF2-40B4-BE49-F238E27FC236}">
+                <a16:creationId xmlns:a16="http://schemas.microsoft.com/office/drawing/2014/main" id="{4C0F582A-74AC-41D6-91FA-9F16332EFE05}"/>
+              </a:ext>
+            </a:extLst>
+          </p:cNvPr>
+          <p:cNvCxnSpPr>
+            <a:cxnSpLocks/>
+          </p:cNvCxnSpPr>
+          <p:nvPr/>
+        </p:nvCxnSpPr>
+        <p:spPr>
+          <a:xfrm>
+            <a:off x="2375693" y="3761759"/>
+            <a:ext cx="8344175" cy="0"/>
+          </a:xfrm>
+          <a:prstGeom prst="line">
+            <a:avLst/>
+          </a:prstGeom>
+          <a:ln>
+            <a:solidFill>
+              <a:schemeClr val="tx1"/>
+            </a:solidFill>
+            <a:prstDash val="dash"/>
+            <a:headEnd type="none" w="lg" len="lg"/>
+          </a:ln>
+        </p:spPr>
+        <p:style>
+          <a:lnRef idx="1">
+            <a:schemeClr val="accent1"/>
+          </a:lnRef>
+          <a:fillRef idx="0">
+            <a:schemeClr val="accent1"/>
+          </a:fillRef>
+          <a:effectRef idx="0">
+            <a:schemeClr val="accent1"/>
+          </a:effectRef>
+          <a:fontRef idx="minor">
+            <a:schemeClr val="tx1"/>
+          </a:fontRef>
+        </p:style>
+      </p:cxnSp>
+      <p:sp>
+        <p:nvSpPr>
+          <p:cNvPr id="11" name="フリーフォーム: 図形 10">
+            <a:extLst>
+              <a:ext uri="{FF2B5EF4-FFF2-40B4-BE49-F238E27FC236}">
+                <a16:creationId xmlns:a16="http://schemas.microsoft.com/office/drawing/2014/main" id="{240E2747-874D-4FA2-A39A-41C9942AAF46}"/>
+              </a:ext>
+            </a:extLst>
+          </p:cNvPr>
+          <p:cNvSpPr/>
+          <p:nvPr/>
+        </p:nvSpPr>
+        <p:spPr>
+          <a:xfrm>
+            <a:off x="2392579" y="4145240"/>
+            <a:ext cx="6774025" cy="4445285"/>
+          </a:xfrm>
+          <a:custGeom>
+            <a:avLst/>
+            <a:gdLst>
+              <a:gd name="connsiteX0" fmla="*/ 0 w 6774025"/>
+              <a:gd name="connsiteY0" fmla="*/ 4407962 h 4445285"/>
+              <a:gd name="connsiteX1" fmla="*/ 1231641 w 6774025"/>
+              <a:gd name="connsiteY1" fmla="*/ 3913 h 4445285"/>
+              <a:gd name="connsiteX2" fmla="*/ 4963886 w 6774025"/>
+              <a:gd name="connsiteY2" fmla="*/ 3642852 h 4445285"/>
+              <a:gd name="connsiteX3" fmla="*/ 6774025 w 6774025"/>
+              <a:gd name="connsiteY3" fmla="*/ 4445285 h 4445285"/>
+            </a:gdLst>
+            <a:ahLst/>
+            <a:cxnLst>
+              <a:cxn ang="0">
+                <a:pos x="connsiteX0" y="connsiteY0"/>
+              </a:cxn>
+              <a:cxn ang="0">
+                <a:pos x="connsiteX1" y="connsiteY1"/>
+              </a:cxn>
+              <a:cxn ang="0">
+                <a:pos x="connsiteX2" y="connsiteY2"/>
+              </a:cxn>
+              <a:cxn ang="0">
+                <a:pos x="connsiteX3" y="connsiteY3"/>
+              </a:cxn>
+            </a:cxnLst>
+            <a:rect l="l" t="t" r="r" b="b"/>
+            <a:pathLst>
+              <a:path w="6774025" h="4445285">
+                <a:moveTo>
+                  <a:pt x="0" y="4407962"/>
+                </a:moveTo>
+                <a:cubicBezTo>
+                  <a:pt x="202163" y="2269696"/>
+                  <a:pt x="404327" y="131431"/>
+                  <a:pt x="1231641" y="3913"/>
+                </a:cubicBezTo>
+                <a:cubicBezTo>
+                  <a:pt x="2058955" y="-123605"/>
+                  <a:pt x="4040155" y="2902623"/>
+                  <a:pt x="4963886" y="3642852"/>
+                </a:cubicBezTo>
+                <a:cubicBezTo>
+                  <a:pt x="5887617" y="4383081"/>
+                  <a:pt x="6330821" y="4414183"/>
+                  <a:pt x="6774025" y="4445285"/>
+                </a:cubicBezTo>
+              </a:path>
+            </a:pathLst>
+          </a:custGeom>
+          <a:noFill/>
+          <a:ln w="25400">
+            <a:solidFill>
+              <a:schemeClr val="tx1"/>
+            </a:solidFill>
+            <a:prstDash val="lgDashDot"/>
+          </a:ln>
+        </p:spPr>
+        <p:style>
+          <a:lnRef idx="2">
+            <a:schemeClr val="accent1">
+              <a:shade val="50000"/>
+            </a:schemeClr>
+          </a:lnRef>
+          <a:fillRef idx="1">
+            <a:schemeClr val="accent1"/>
+          </a:fillRef>
+          <a:effectRef idx="0">
+            <a:schemeClr val="accent1"/>
+          </a:effectRef>
+          <a:fontRef idx="minor">
+            <a:schemeClr val="lt1"/>
+          </a:fontRef>
+        </p:style>
+        <p:txBody>
+          <a:bodyPr rtlCol="0" anchor="ctr"/>
+          <a:lstStyle/>
+          <a:p>
+            <a:pPr algn="ctr"/>
+            <a:endParaRPr kumimoji="1" lang="ja-JP" altLang="en-US"/>
+          </a:p>
+        </p:txBody>
+      </p:sp>
+      <p:sp>
+        <p:nvSpPr>
+          <p:cNvPr id="12" name="フリーフォーム: 図形 11">
+            <a:extLst>
+              <a:ext uri="{FF2B5EF4-FFF2-40B4-BE49-F238E27FC236}">
+                <a16:creationId xmlns:a16="http://schemas.microsoft.com/office/drawing/2014/main" id="{6658A04E-4AD0-4647-8736-72001DC25EBB}"/>
+              </a:ext>
+            </a:extLst>
+          </p:cNvPr>
+          <p:cNvSpPr/>
+          <p:nvPr/>
+        </p:nvSpPr>
+        <p:spPr>
+          <a:xfrm>
+            <a:off x="6262616" y="5891823"/>
+            <a:ext cx="4366727" cy="2710870"/>
+          </a:xfrm>
+          <a:custGeom>
+            <a:avLst/>
+            <a:gdLst>
+              <a:gd name="connsiteX0" fmla="*/ 4366727 w 4366727"/>
+              <a:gd name="connsiteY0" fmla="*/ 2670206 h 2710870"/>
+              <a:gd name="connsiteX1" fmla="*/ 2948474 w 4366727"/>
+              <a:gd name="connsiteY1" fmla="*/ 1651 h 2710870"/>
+              <a:gd name="connsiteX2" fmla="*/ 1156996 w 4366727"/>
+              <a:gd name="connsiteY2" fmla="*/ 2278320 h 2710870"/>
+              <a:gd name="connsiteX3" fmla="*/ 0 w 4366727"/>
+              <a:gd name="connsiteY3" fmla="*/ 2707528 h 2710870"/>
+            </a:gdLst>
+            <a:ahLst/>
+            <a:cxnLst>
+              <a:cxn ang="0">
+                <a:pos x="connsiteX0" y="connsiteY0"/>
+              </a:cxn>
+              <a:cxn ang="0">
+                <a:pos x="connsiteX1" y="connsiteY1"/>
+              </a:cxn>
+              <a:cxn ang="0">
+                <a:pos x="connsiteX2" y="connsiteY2"/>
+              </a:cxn>
+              <a:cxn ang="0">
+                <a:pos x="connsiteX3" y="connsiteY3"/>
+              </a:cxn>
+            </a:cxnLst>
+            <a:rect l="l" t="t" r="r" b="b"/>
+            <a:pathLst>
+              <a:path w="4366727" h="2710870">
+                <a:moveTo>
+                  <a:pt x="4366727" y="2670206"/>
+                </a:moveTo>
+                <a:cubicBezTo>
+                  <a:pt x="3925078" y="1368585"/>
+                  <a:pt x="3483429" y="66965"/>
+                  <a:pt x="2948474" y="1651"/>
+                </a:cubicBezTo>
+                <a:cubicBezTo>
+                  <a:pt x="2413519" y="-63663"/>
+                  <a:pt x="1648408" y="1827340"/>
+                  <a:pt x="1156996" y="2278320"/>
+                </a:cubicBezTo>
+                <a:cubicBezTo>
+                  <a:pt x="665584" y="2729300"/>
+                  <a:pt x="332792" y="2718414"/>
+                  <a:pt x="0" y="2707528"/>
+                </a:cubicBezTo>
+              </a:path>
+            </a:pathLst>
+          </a:custGeom>
+          <a:noFill/>
+          <a:ln w="25400">
+            <a:solidFill>
+              <a:schemeClr val="tx1"/>
+            </a:solidFill>
+            <a:prstDash val="lgDashDot"/>
+          </a:ln>
+        </p:spPr>
+        <p:style>
+          <a:lnRef idx="2">
+            <a:schemeClr val="accent1">
+              <a:shade val="50000"/>
+            </a:schemeClr>
+          </a:lnRef>
+          <a:fillRef idx="1">
+            <a:schemeClr val="accent1"/>
+          </a:fillRef>
+          <a:effectRef idx="0">
+            <a:schemeClr val="accent1"/>
+          </a:effectRef>
+          <a:fontRef idx="minor">
+            <a:schemeClr val="lt1"/>
+          </a:fontRef>
+        </p:style>
+        <p:txBody>
+          <a:bodyPr rtlCol="0" anchor="ctr"/>
+          <a:lstStyle/>
+          <a:p>
+            <a:pPr algn="ctr"/>
+            <a:endParaRPr kumimoji="1" lang="ja-JP" altLang="en-US"/>
+          </a:p>
+        </p:txBody>
+      </p:sp>
+      <p:cxnSp>
+        <p:nvCxnSpPr>
+          <p:cNvPr id="56" name="直線コネクタ 55">
+            <a:extLst>
+              <a:ext uri="{FF2B5EF4-FFF2-40B4-BE49-F238E27FC236}">
+                <a16:creationId xmlns:a16="http://schemas.microsoft.com/office/drawing/2014/main" id="{1C38B6FF-6432-490F-B69A-9DABEDA74FE1}"/>
+              </a:ext>
+            </a:extLst>
+          </p:cNvPr>
+          <p:cNvCxnSpPr>
+            <a:cxnSpLocks/>
+          </p:cNvCxnSpPr>
+          <p:nvPr/>
+        </p:nvCxnSpPr>
+        <p:spPr>
+          <a:xfrm>
+            <a:off x="9205815" y="2463851"/>
+            <a:ext cx="0" cy="6138842"/>
+          </a:xfrm>
+          <a:prstGeom prst="line">
+            <a:avLst/>
+          </a:prstGeom>
+          <a:ln>
+            <a:solidFill>
+              <a:schemeClr val="tx1"/>
+            </a:solidFill>
+            <a:prstDash val="dash"/>
+            <a:headEnd type="none" w="lg" len="lg"/>
+          </a:ln>
+        </p:spPr>
+        <p:style>
+          <a:lnRef idx="1">
+            <a:schemeClr val="accent1"/>
+          </a:lnRef>
+          <a:fillRef idx="0">
+            <a:schemeClr val="accent1"/>
+          </a:fillRef>
+          <a:effectRef idx="0">
+            <a:schemeClr val="accent1"/>
+          </a:effectRef>
+          <a:fontRef idx="minor">
+            <a:schemeClr val="tx1"/>
+          </a:fontRef>
+        </p:style>
+      </p:cxnSp>
+      <p:cxnSp>
+        <p:nvCxnSpPr>
+          <p:cNvPr id="58" name="直線コネクタ 57">
+            <a:extLst>
+              <a:ext uri="{FF2B5EF4-FFF2-40B4-BE49-F238E27FC236}">
+                <a16:creationId xmlns:a16="http://schemas.microsoft.com/office/drawing/2014/main" id="{F911571E-4167-49A6-BD0D-DAC4EA60B027}"/>
+              </a:ext>
+            </a:extLst>
+          </p:cNvPr>
+          <p:cNvCxnSpPr>
+            <a:cxnSpLocks/>
+          </p:cNvCxnSpPr>
+          <p:nvPr/>
+        </p:nvCxnSpPr>
+        <p:spPr>
+          <a:xfrm>
+            <a:off x="6275889" y="2654883"/>
+            <a:ext cx="0" cy="5903378"/>
+          </a:xfrm>
+          <a:prstGeom prst="line">
+            <a:avLst/>
+          </a:prstGeom>
+          <a:ln>
+            <a:solidFill>
+              <a:schemeClr val="tx1"/>
+            </a:solidFill>
+            <a:prstDash val="dash"/>
+            <a:headEnd type="none" w="lg" len="lg"/>
+          </a:ln>
+        </p:spPr>
+        <p:style>
+          <a:lnRef idx="1">
+            <a:schemeClr val="accent1"/>
+          </a:lnRef>
+          <a:fillRef idx="0">
+            <a:schemeClr val="accent1"/>
+          </a:fillRef>
+          <a:effectRef idx="0">
+            <a:schemeClr val="accent1"/>
+          </a:effectRef>
+          <a:fontRef idx="minor">
+            <a:schemeClr val="tx1"/>
+          </a:fontRef>
+        </p:style>
+      </p:cxnSp>
+      <p:sp>
+        <p:nvSpPr>
+          <p:cNvPr id="59" name="テキスト ボックス 58">
+            <a:extLst>
+              <a:ext uri="{FF2B5EF4-FFF2-40B4-BE49-F238E27FC236}">
+                <a16:creationId xmlns:a16="http://schemas.microsoft.com/office/drawing/2014/main" id="{1303CE5A-6B59-4A35-90E6-93A658B846F6}"/>
+              </a:ext>
+            </a:extLst>
+          </p:cNvPr>
+          <p:cNvSpPr txBox="1"/>
+          <p:nvPr/>
+        </p:nvSpPr>
+        <p:spPr>
+          <a:xfrm>
+            <a:off x="5020280" y="8736994"/>
+            <a:ext cx="2484672" cy="954107"/>
+          </a:xfrm>
+          <a:prstGeom prst="rect">
+            <a:avLst/>
+          </a:prstGeom>
+          <a:noFill/>
+        </p:spPr>
+        <p:txBody>
+          <a:bodyPr wrap="square" rtlCol="0">
+            <a:spAutoFit/>
+          </a:bodyPr>
+          <a:lstStyle/>
+          <a:p>
+            <a:r>
+              <a:rPr kumimoji="1" lang="ja-JP" altLang="en-US" sz="2800" dirty="0"/>
+              <a:t>正例の予測値の最小値</a:t>
+            </a:r>
+          </a:p>
+        </p:txBody>
+      </p:sp>
+      <p:grpSp>
+        <p:nvGrpSpPr>
+          <p:cNvPr id="21" name="グループ化 20">
+            <a:extLst>
+              <a:ext uri="{FF2B5EF4-FFF2-40B4-BE49-F238E27FC236}">
+                <a16:creationId xmlns:a16="http://schemas.microsoft.com/office/drawing/2014/main" id="{E96EF358-AB69-4D7D-B0CF-A855C030F15B}"/>
+              </a:ext>
+            </a:extLst>
+          </p:cNvPr>
+          <p:cNvGrpSpPr/>
+          <p:nvPr/>
+        </p:nvGrpSpPr>
+        <p:grpSpPr>
+          <a:xfrm>
+            <a:off x="2375693" y="3773928"/>
+            <a:ext cx="8266923" cy="4817994"/>
+            <a:chOff x="1959428" y="3692283"/>
+            <a:chExt cx="8266923" cy="4817994"/>
+          </a:xfrm>
+        </p:grpSpPr>
+        <p:sp>
+          <p:nvSpPr>
+            <p:cNvPr id="16" name="フリーフォーム: 図形 15">
+              <a:extLst>
+                <a:ext uri="{FF2B5EF4-FFF2-40B4-BE49-F238E27FC236}">
+                  <a16:creationId xmlns:a16="http://schemas.microsoft.com/office/drawing/2014/main" id="{DB606377-8952-483F-9A6D-B4C8830208EE}"/>
+                </a:ext>
+              </a:extLst>
+            </p:cNvPr>
+            <p:cNvSpPr/>
+            <p:nvPr/>
+          </p:nvSpPr>
+          <p:spPr>
+            <a:xfrm>
+              <a:off x="5859624" y="3692283"/>
+              <a:ext cx="2929813" cy="4817994"/>
+            </a:xfrm>
+            <a:custGeom>
+              <a:avLst/>
+              <a:gdLst>
+                <a:gd name="connsiteX0" fmla="*/ 0 w 2929813"/>
+                <a:gd name="connsiteY0" fmla="*/ 4817235 h 4817994"/>
+                <a:gd name="connsiteX1" fmla="*/ 727788 w 2929813"/>
+                <a:gd name="connsiteY1" fmla="*/ 4126770 h 4817994"/>
+                <a:gd name="connsiteX2" fmla="*/ 2202025 w 2929813"/>
+                <a:gd name="connsiteY2" fmla="*/ 618460 h 4817994"/>
+                <a:gd name="connsiteX3" fmla="*/ 2929813 w 2929813"/>
+                <a:gd name="connsiteY3" fmla="*/ 21301 h 4817994"/>
+              </a:gdLst>
+              <a:ahLst/>
+              <a:cxnLst>
+                <a:cxn ang="0">
+                  <a:pos x="connsiteX0" y="connsiteY0"/>
+                </a:cxn>
+                <a:cxn ang="0">
+                  <a:pos x="connsiteX1" y="connsiteY1"/>
+                </a:cxn>
+                <a:cxn ang="0">
+                  <a:pos x="connsiteX2" y="connsiteY2"/>
+                </a:cxn>
+                <a:cxn ang="0">
+                  <a:pos x="connsiteX3" y="connsiteY3"/>
+                </a:cxn>
+              </a:cxnLst>
+              <a:rect l="l" t="t" r="r" b="b"/>
+              <a:pathLst>
+                <a:path w="2929813" h="4817994">
+                  <a:moveTo>
+                    <a:pt x="0" y="4817235"/>
+                  </a:moveTo>
+                  <a:cubicBezTo>
+                    <a:pt x="180392" y="4821900"/>
+                    <a:pt x="360784" y="4826566"/>
+                    <a:pt x="727788" y="4126770"/>
+                  </a:cubicBezTo>
+                  <a:cubicBezTo>
+                    <a:pt x="1094792" y="3426974"/>
+                    <a:pt x="1835021" y="1302705"/>
+                    <a:pt x="2202025" y="618460"/>
+                  </a:cubicBezTo>
+                  <a:cubicBezTo>
+                    <a:pt x="2569029" y="-65785"/>
+                    <a:pt x="2749421" y="-22242"/>
+                    <a:pt x="2929813" y="21301"/>
+                  </a:cubicBezTo>
+                </a:path>
+              </a:pathLst>
+            </a:custGeom>
+            <a:noFill/>
+            <a:ln w="31750">
+              <a:solidFill>
+                <a:schemeClr val="tx1"/>
+              </a:solidFill>
+            </a:ln>
+          </p:spPr>
+          <p:style>
+            <a:lnRef idx="2">
+              <a:schemeClr val="accent1">
+                <a:shade val="50000"/>
+              </a:schemeClr>
+            </a:lnRef>
+            <a:fillRef idx="1">
+              <a:schemeClr val="accent1"/>
+            </a:fillRef>
+            <a:effectRef idx="0">
+              <a:schemeClr val="accent1"/>
+            </a:effectRef>
+            <a:fontRef idx="minor">
+              <a:schemeClr val="lt1"/>
+            </a:fontRef>
+          </p:style>
+          <p:txBody>
+            <a:bodyPr rtlCol="0" anchor="ctr"/>
+            <a:lstStyle/>
+            <a:p>
+              <a:pPr algn="ctr"/>
+              <a:endParaRPr kumimoji="1" lang="ja-JP" altLang="en-US"/>
+            </a:p>
+          </p:txBody>
+        </p:sp>
+        <p:cxnSp>
+          <p:nvCxnSpPr>
+            <p:cNvPr id="18" name="直線コネクタ 17">
+              <a:extLst>
+                <a:ext uri="{FF2B5EF4-FFF2-40B4-BE49-F238E27FC236}">
+                  <a16:creationId xmlns:a16="http://schemas.microsoft.com/office/drawing/2014/main" id="{B728ED34-9816-4FB3-8291-AD90F1F04F3A}"/>
+                </a:ext>
+              </a:extLst>
+            </p:cNvPr>
+            <p:cNvCxnSpPr/>
+            <p:nvPr/>
+          </p:nvCxnSpPr>
+          <p:spPr>
+            <a:xfrm>
+              <a:off x="8602824" y="3692283"/>
+              <a:ext cx="1623527" cy="0"/>
+            </a:xfrm>
+            <a:prstGeom prst="line">
+              <a:avLst/>
+            </a:prstGeom>
+            <a:ln w="31750">
+              <a:solidFill>
+                <a:schemeClr val="tx1"/>
+              </a:solidFill>
+            </a:ln>
+          </p:spPr>
+          <p:style>
+            <a:lnRef idx="1">
+              <a:schemeClr val="accent1"/>
+            </a:lnRef>
+            <a:fillRef idx="0">
+              <a:schemeClr val="accent1"/>
+            </a:fillRef>
+            <a:effectRef idx="0">
+              <a:schemeClr val="accent1"/>
+            </a:effectRef>
+            <a:fontRef idx="minor">
+              <a:schemeClr val="tx1"/>
+            </a:fontRef>
+          </p:style>
+        </p:cxnSp>
+        <p:cxnSp>
+          <p:nvCxnSpPr>
+            <p:cNvPr id="61" name="直線コネクタ 60">
+              <a:extLst>
+                <a:ext uri="{FF2B5EF4-FFF2-40B4-BE49-F238E27FC236}">
+                  <a16:creationId xmlns:a16="http://schemas.microsoft.com/office/drawing/2014/main" id="{B618A652-F8D7-435B-9263-BEAD9A8C7774}"/>
+                </a:ext>
+              </a:extLst>
+            </p:cNvPr>
+            <p:cNvCxnSpPr>
+              <a:cxnSpLocks/>
+            </p:cNvCxnSpPr>
+            <p:nvPr/>
+          </p:nvCxnSpPr>
+          <p:spPr>
+            <a:xfrm>
+              <a:off x="1959428" y="8507640"/>
+              <a:ext cx="4086808" cy="0"/>
+            </a:xfrm>
+            <a:prstGeom prst="line">
+              <a:avLst/>
+            </a:prstGeom>
+            <a:ln w="31750">
+              <a:solidFill>
+                <a:schemeClr val="tx1"/>
+              </a:solidFill>
+            </a:ln>
+          </p:spPr>
+          <p:style>
+            <a:lnRef idx="1">
+              <a:schemeClr val="accent1"/>
+            </a:lnRef>
+            <a:fillRef idx="0">
+              <a:schemeClr val="accent1"/>
+            </a:fillRef>
+            <a:effectRef idx="0">
+              <a:schemeClr val="accent1"/>
+            </a:effectRef>
+            <a:fontRef idx="minor">
+              <a:schemeClr val="tx1"/>
+            </a:fontRef>
+          </p:style>
+        </p:cxnSp>
+      </p:grpSp>
+      <p:sp>
+        <p:nvSpPr>
+          <p:cNvPr id="62" name="テキスト ボックス 61">
+            <a:extLst>
+              <a:ext uri="{FF2B5EF4-FFF2-40B4-BE49-F238E27FC236}">
+                <a16:creationId xmlns:a16="http://schemas.microsoft.com/office/drawing/2014/main" id="{DB01ED8A-310A-4874-8572-3AA780D32BF7}"/>
+              </a:ext>
+            </a:extLst>
+          </p:cNvPr>
+          <p:cNvSpPr txBox="1"/>
+          <p:nvPr/>
+        </p:nvSpPr>
+        <p:spPr>
+          <a:xfrm>
+            <a:off x="10509482" y="8644001"/>
+            <a:ext cx="925235" cy="769441"/>
+          </a:xfrm>
+          <a:prstGeom prst="rect">
+            <a:avLst/>
+          </a:prstGeom>
+          <a:noFill/>
+        </p:spPr>
+        <p:txBody>
+          <a:bodyPr wrap="square" rtlCol="0">
+            <a:spAutoFit/>
+          </a:bodyPr>
+          <a:lstStyle/>
+          <a:p>
+            <a:r>
+              <a:rPr kumimoji="1" lang="en-US" altLang="ja-JP" sz="4400" dirty="0"/>
+              <a:t>1</a:t>
+            </a:r>
+            <a:endParaRPr kumimoji="1" lang="ja-JP" altLang="en-US" sz="4400" dirty="0"/>
+          </a:p>
+        </p:txBody>
+      </p:sp>
+    </p:spTree>
+    <p:extLst>
+      <p:ext uri="{BB962C8B-B14F-4D97-AF65-F5344CB8AC3E}">
+        <p14:creationId xmlns:p14="http://schemas.microsoft.com/office/powerpoint/2010/main" val="2165971539"/>
+      </p:ext>
+    </p:extLst>
+  </p:cSld>
+  <p:clrMapOvr>
+    <a:masterClrMapping/>
+  </p:clrMapOvr>
+</p:sld>
+</file>
+
+<file path=ppt/slides/slide12.xml><?xml version="1.0" encoding="utf-8"?>
+<p:sld xmlns:a="http://schemas.openxmlformats.org/drawingml/2006/main" xmlns:r="http://schemas.openxmlformats.org/officeDocument/2006/relationships" xmlns:p="http://schemas.openxmlformats.org/presentationml/2006/main">
+  <p:cSld>
+    <p:spTree>
+      <p:nvGrpSpPr>
+        <p:cNvPr id="1" name=""/>
+        <p:cNvGrpSpPr/>
+        <p:nvPr/>
+      </p:nvGrpSpPr>
+      <p:grpSpPr>
+        <a:xfrm>
+          <a:off x="0" y="0"/>
+          <a:ext cx="0" cy="0"/>
+          <a:chOff x="0" y="0"/>
+          <a:chExt cx="0" cy="0"/>
+        </a:xfrm>
+      </p:grpSpPr>
+      <p:sp>
+        <p:nvSpPr>
+          <p:cNvPr id="45" name="テキスト ボックス 44">
+            <a:extLst>
+              <a:ext uri="{FF2B5EF4-FFF2-40B4-BE49-F238E27FC236}">
+                <a16:creationId xmlns:a16="http://schemas.microsoft.com/office/drawing/2014/main" id="{3EFEF47B-C00E-46E7-8DB8-C6B332E79E49}"/>
+              </a:ext>
+            </a:extLst>
+          </p:cNvPr>
+          <p:cNvSpPr txBox="1"/>
+          <p:nvPr/>
+        </p:nvSpPr>
+        <p:spPr>
+          <a:xfrm>
+            <a:off x="1383667" y="5842444"/>
+            <a:ext cx="925235" cy="769441"/>
+          </a:xfrm>
+          <a:prstGeom prst="rect">
+            <a:avLst/>
+          </a:prstGeom>
+          <a:noFill/>
+        </p:spPr>
+        <p:txBody>
+          <a:bodyPr wrap="square" rtlCol="0">
+            <a:spAutoFit/>
+          </a:bodyPr>
+          <a:lstStyle/>
+          <a:p>
+            <a:r>
+              <a:rPr kumimoji="1" lang="en-US" altLang="ja-JP" sz="4400" dirty="0"/>
+              <a:t>0</a:t>
+            </a:r>
+            <a:r>
+              <a:rPr kumimoji="1" lang="ja-JP" altLang="en-US" sz="4400" dirty="0"/>
+              <a:t> </a:t>
+            </a:r>
+          </a:p>
+        </p:txBody>
+      </p:sp>
+      <p:cxnSp>
+        <p:nvCxnSpPr>
+          <p:cNvPr id="60" name="直線コネクタ 59">
+            <a:extLst>
+              <a:ext uri="{FF2B5EF4-FFF2-40B4-BE49-F238E27FC236}">
+                <a16:creationId xmlns:a16="http://schemas.microsoft.com/office/drawing/2014/main" id="{5D306776-7D38-4B15-BBE8-BDC22EB03752}"/>
+              </a:ext>
+            </a:extLst>
+          </p:cNvPr>
+          <p:cNvCxnSpPr>
+            <a:cxnSpLocks/>
+          </p:cNvCxnSpPr>
+          <p:nvPr/>
+        </p:nvCxnSpPr>
+        <p:spPr>
+          <a:xfrm>
+            <a:off x="10115098" y="503639"/>
+            <a:ext cx="0" cy="5620580"/>
+          </a:xfrm>
+          <a:prstGeom prst="line">
+            <a:avLst/>
+          </a:prstGeom>
+          <a:ln>
+            <a:solidFill>
+              <a:schemeClr val="tx1"/>
+            </a:solidFill>
+            <a:prstDash val="dash"/>
+            <a:headEnd type="none" w="lg" len="lg"/>
+          </a:ln>
+        </p:spPr>
+        <p:style>
+          <a:lnRef idx="1">
+            <a:schemeClr val="accent1"/>
+          </a:lnRef>
+          <a:fillRef idx="0">
+            <a:schemeClr val="accent1"/>
+          </a:fillRef>
+          <a:effectRef idx="0">
+            <a:schemeClr val="accent1"/>
+          </a:effectRef>
+          <a:fontRef idx="minor">
+            <a:schemeClr val="tx1"/>
+          </a:fontRef>
+        </p:style>
+      </p:cxnSp>
+      <p:cxnSp>
+        <p:nvCxnSpPr>
+          <p:cNvPr id="4" name="直線矢印コネクタ 3">
+            <a:extLst>
+              <a:ext uri="{FF2B5EF4-FFF2-40B4-BE49-F238E27FC236}">
+                <a16:creationId xmlns:a16="http://schemas.microsoft.com/office/drawing/2014/main" id="{6B509E96-59AD-42F3-8543-BBF47B6985BA}"/>
+              </a:ext>
+            </a:extLst>
+          </p:cNvPr>
+          <p:cNvCxnSpPr>
+            <a:cxnSpLocks/>
+          </p:cNvCxnSpPr>
+          <p:nvPr/>
+        </p:nvCxnSpPr>
+        <p:spPr>
+          <a:xfrm flipV="1">
+            <a:off x="1846286" y="242380"/>
+            <a:ext cx="0" cy="5875871"/>
+          </a:xfrm>
+          <a:prstGeom prst="straightConnector1">
+            <a:avLst/>
+          </a:prstGeom>
+          <a:ln>
+            <a:solidFill>
+              <a:schemeClr val="tx1"/>
+            </a:solidFill>
+            <a:tailEnd type="triangle" w="lg" len="lg"/>
+          </a:ln>
+        </p:spPr>
+        <p:style>
+          <a:lnRef idx="1">
+            <a:schemeClr val="accent1"/>
+          </a:lnRef>
+          <a:fillRef idx="0">
+            <a:schemeClr val="accent1"/>
+          </a:fillRef>
+          <a:effectRef idx="0">
+            <a:schemeClr val="accent1"/>
+          </a:effectRef>
+          <a:fontRef idx="minor">
+            <a:schemeClr val="tx1"/>
+          </a:fontRef>
+        </p:style>
+      </p:cxnSp>
+      <p:cxnSp>
+        <p:nvCxnSpPr>
+          <p:cNvPr id="32" name="直線矢印コネクタ 31">
+            <a:extLst>
+              <a:ext uri="{FF2B5EF4-FFF2-40B4-BE49-F238E27FC236}">
+                <a16:creationId xmlns:a16="http://schemas.microsoft.com/office/drawing/2014/main" id="{41B059C8-29B9-4248-A83E-3A53D88B276E}"/>
+              </a:ext>
+            </a:extLst>
+          </p:cNvPr>
+          <p:cNvCxnSpPr>
+            <a:cxnSpLocks/>
+          </p:cNvCxnSpPr>
+          <p:nvPr/>
+        </p:nvCxnSpPr>
+        <p:spPr>
+          <a:xfrm>
+            <a:off x="1846286" y="6118251"/>
+            <a:ext cx="9199984" cy="0"/>
+          </a:xfrm>
+          <a:prstGeom prst="straightConnector1">
+            <a:avLst/>
+          </a:prstGeom>
+          <a:ln>
+            <a:solidFill>
+              <a:schemeClr val="tx1"/>
+            </a:solidFill>
+            <a:tailEnd type="triangle" w="lg" len="lg"/>
+          </a:ln>
+        </p:spPr>
+        <p:style>
+          <a:lnRef idx="1">
+            <a:schemeClr val="accent1"/>
+          </a:lnRef>
+          <a:fillRef idx="0">
+            <a:schemeClr val="accent1"/>
+          </a:fillRef>
+          <a:effectRef idx="0">
+            <a:schemeClr val="accent1"/>
+          </a:effectRef>
+          <a:fontRef idx="minor">
+            <a:schemeClr val="tx1"/>
+          </a:fontRef>
+        </p:style>
+      </p:cxnSp>
+      <p:sp>
+        <p:nvSpPr>
+          <p:cNvPr id="11" name="フリーフォーム: 図形 10">
+            <a:extLst>
+              <a:ext uri="{FF2B5EF4-FFF2-40B4-BE49-F238E27FC236}">
+                <a16:creationId xmlns:a16="http://schemas.microsoft.com/office/drawing/2014/main" id="{240E2747-874D-4FA2-A39A-41C9942AAF46}"/>
+              </a:ext>
+            </a:extLst>
+          </p:cNvPr>
+          <p:cNvSpPr/>
+          <p:nvPr/>
+        </p:nvSpPr>
+        <p:spPr>
+          <a:xfrm>
+            <a:off x="1846284" y="7653392"/>
+            <a:ext cx="6774025" cy="5620120"/>
+          </a:xfrm>
+          <a:custGeom>
+            <a:avLst/>
+            <a:gdLst>
+              <a:gd name="connsiteX0" fmla="*/ 0 w 6774025"/>
+              <a:gd name="connsiteY0" fmla="*/ 4407962 h 4445285"/>
+              <a:gd name="connsiteX1" fmla="*/ 1231641 w 6774025"/>
+              <a:gd name="connsiteY1" fmla="*/ 3913 h 4445285"/>
+              <a:gd name="connsiteX2" fmla="*/ 4963886 w 6774025"/>
+              <a:gd name="connsiteY2" fmla="*/ 3642852 h 4445285"/>
+              <a:gd name="connsiteX3" fmla="*/ 6774025 w 6774025"/>
+              <a:gd name="connsiteY3" fmla="*/ 4445285 h 4445285"/>
+            </a:gdLst>
+            <a:ahLst/>
+            <a:cxnLst>
+              <a:cxn ang="0">
+                <a:pos x="connsiteX0" y="connsiteY0"/>
+              </a:cxn>
+              <a:cxn ang="0">
+                <a:pos x="connsiteX1" y="connsiteY1"/>
+              </a:cxn>
+              <a:cxn ang="0">
+                <a:pos x="connsiteX2" y="connsiteY2"/>
+              </a:cxn>
+              <a:cxn ang="0">
+                <a:pos x="connsiteX3" y="connsiteY3"/>
+              </a:cxn>
+            </a:cxnLst>
+            <a:rect l="l" t="t" r="r" b="b"/>
+            <a:pathLst>
+              <a:path w="6774025" h="4445285">
+                <a:moveTo>
+                  <a:pt x="0" y="4407962"/>
+                </a:moveTo>
+                <a:cubicBezTo>
+                  <a:pt x="202163" y="2269696"/>
+                  <a:pt x="404327" y="131431"/>
+                  <a:pt x="1231641" y="3913"/>
+                </a:cubicBezTo>
+                <a:cubicBezTo>
+                  <a:pt x="2058955" y="-123605"/>
+                  <a:pt x="4040155" y="2902623"/>
+                  <a:pt x="4963886" y="3642852"/>
+                </a:cubicBezTo>
+                <a:cubicBezTo>
+                  <a:pt x="5887617" y="4383081"/>
+                  <a:pt x="6330821" y="4414183"/>
+                  <a:pt x="6774025" y="4445285"/>
+                </a:cubicBezTo>
+              </a:path>
+            </a:pathLst>
+          </a:custGeom>
+          <a:noFill/>
+          <a:ln>
+            <a:solidFill>
+              <a:schemeClr val="tx1"/>
+            </a:solidFill>
+          </a:ln>
+        </p:spPr>
+        <p:style>
+          <a:lnRef idx="2">
+            <a:schemeClr val="accent1">
+              <a:shade val="50000"/>
+            </a:schemeClr>
+          </a:lnRef>
+          <a:fillRef idx="1">
+            <a:schemeClr val="accent1"/>
+          </a:fillRef>
+          <a:effectRef idx="0">
+            <a:schemeClr val="accent1"/>
+          </a:effectRef>
+          <a:fontRef idx="minor">
+            <a:schemeClr val="lt1"/>
+          </a:fontRef>
+        </p:style>
+        <p:txBody>
+          <a:bodyPr rtlCol="0" anchor="ctr"/>
+          <a:lstStyle/>
+          <a:p>
+            <a:pPr algn="ctr"/>
+            <a:endParaRPr kumimoji="1" lang="ja-JP" altLang="en-US"/>
+          </a:p>
+        </p:txBody>
+      </p:sp>
+      <p:sp>
+        <p:nvSpPr>
+          <p:cNvPr id="12" name="フリーフォーム: 図形 11">
+            <a:extLst>
+              <a:ext uri="{FF2B5EF4-FFF2-40B4-BE49-F238E27FC236}">
+                <a16:creationId xmlns:a16="http://schemas.microsoft.com/office/drawing/2014/main" id="{6658A04E-4AD0-4647-8736-72001DC25EBB}"/>
+              </a:ext>
+            </a:extLst>
+          </p:cNvPr>
+          <p:cNvSpPr/>
+          <p:nvPr/>
+        </p:nvSpPr>
+        <p:spPr>
+          <a:xfrm>
+            <a:off x="5748371" y="3407381"/>
+            <a:ext cx="4366727" cy="2710870"/>
+          </a:xfrm>
+          <a:custGeom>
+            <a:avLst/>
+            <a:gdLst>
+              <a:gd name="connsiteX0" fmla="*/ 4366727 w 4366727"/>
+              <a:gd name="connsiteY0" fmla="*/ 2670206 h 2710870"/>
+              <a:gd name="connsiteX1" fmla="*/ 2948474 w 4366727"/>
+              <a:gd name="connsiteY1" fmla="*/ 1651 h 2710870"/>
+              <a:gd name="connsiteX2" fmla="*/ 1156996 w 4366727"/>
+              <a:gd name="connsiteY2" fmla="*/ 2278320 h 2710870"/>
+              <a:gd name="connsiteX3" fmla="*/ 0 w 4366727"/>
+              <a:gd name="connsiteY3" fmla="*/ 2707528 h 2710870"/>
+            </a:gdLst>
+            <a:ahLst/>
+            <a:cxnLst>
+              <a:cxn ang="0">
+                <a:pos x="connsiteX0" y="connsiteY0"/>
+              </a:cxn>
+              <a:cxn ang="0">
+                <a:pos x="connsiteX1" y="connsiteY1"/>
+              </a:cxn>
+              <a:cxn ang="0">
+                <a:pos x="connsiteX2" y="connsiteY2"/>
+              </a:cxn>
+              <a:cxn ang="0">
+                <a:pos x="connsiteX3" y="connsiteY3"/>
+              </a:cxn>
+            </a:cxnLst>
+            <a:rect l="l" t="t" r="r" b="b"/>
+            <a:pathLst>
+              <a:path w="4366727" h="2710870">
+                <a:moveTo>
+                  <a:pt x="4366727" y="2670206"/>
+                </a:moveTo>
+                <a:cubicBezTo>
+                  <a:pt x="3925078" y="1368585"/>
+                  <a:pt x="3483429" y="66965"/>
+                  <a:pt x="2948474" y="1651"/>
+                </a:cubicBezTo>
+                <a:cubicBezTo>
+                  <a:pt x="2413519" y="-63663"/>
+                  <a:pt x="1648408" y="1827340"/>
+                  <a:pt x="1156996" y="2278320"/>
+                </a:cubicBezTo>
+                <a:cubicBezTo>
+                  <a:pt x="665584" y="2729300"/>
+                  <a:pt x="332792" y="2718414"/>
+                  <a:pt x="0" y="2707528"/>
+                </a:cubicBezTo>
+              </a:path>
+            </a:pathLst>
+          </a:custGeom>
+          <a:noFill/>
+          <a:ln>
+            <a:solidFill>
+              <a:schemeClr val="tx1"/>
+            </a:solidFill>
+          </a:ln>
+        </p:spPr>
+        <p:style>
+          <a:lnRef idx="2">
+            <a:schemeClr val="accent1">
+              <a:shade val="50000"/>
+            </a:schemeClr>
+          </a:lnRef>
+          <a:fillRef idx="1">
+            <a:schemeClr val="accent1"/>
+          </a:fillRef>
+          <a:effectRef idx="0">
+            <a:schemeClr val="accent1"/>
+          </a:effectRef>
+          <a:fontRef idx="minor">
+            <a:schemeClr val="lt1"/>
+          </a:fontRef>
+        </p:style>
+        <p:txBody>
+          <a:bodyPr rtlCol="0" anchor="ctr"/>
+          <a:lstStyle/>
+          <a:p>
+            <a:pPr algn="ctr"/>
+            <a:endParaRPr kumimoji="1" lang="ja-JP" altLang="en-US"/>
+          </a:p>
+        </p:txBody>
+      </p:sp>
+      <p:sp>
+        <p:nvSpPr>
+          <p:cNvPr id="39" name="テキスト ボックス 38">
+            <a:extLst>
+              <a:ext uri="{FF2B5EF4-FFF2-40B4-BE49-F238E27FC236}">
+                <a16:creationId xmlns:a16="http://schemas.microsoft.com/office/drawing/2014/main" id="{12EBC07A-F742-4B72-8747-0C44BC903B77}"/>
+              </a:ext>
+            </a:extLst>
+          </p:cNvPr>
+          <p:cNvSpPr txBox="1"/>
+          <p:nvPr/>
+        </p:nvSpPr>
+        <p:spPr>
+          <a:xfrm>
+            <a:off x="9893186" y="6067019"/>
+            <a:ext cx="925235" cy="769441"/>
+          </a:xfrm>
+          <a:prstGeom prst="rect">
+            <a:avLst/>
+          </a:prstGeom>
+          <a:noFill/>
+        </p:spPr>
+        <p:txBody>
+          <a:bodyPr wrap="square" rtlCol="0">
+            <a:spAutoFit/>
+          </a:bodyPr>
+          <a:lstStyle/>
+          <a:p>
+            <a:r>
+              <a:rPr kumimoji="1" lang="en-US" altLang="ja-JP" sz="4400" dirty="0"/>
+              <a:t>1</a:t>
+            </a:r>
+            <a:r>
+              <a:rPr kumimoji="1" lang="ja-JP" altLang="en-US" sz="4400" dirty="0"/>
+              <a:t> </a:t>
+            </a:r>
+          </a:p>
+        </p:txBody>
+      </p:sp>
+      <p:sp>
+        <p:nvSpPr>
+          <p:cNvPr id="41" name="テキスト ボックス 40">
+            <a:extLst>
+              <a:ext uri="{FF2B5EF4-FFF2-40B4-BE49-F238E27FC236}">
+                <a16:creationId xmlns:a16="http://schemas.microsoft.com/office/drawing/2014/main" id="{EE0DE63A-18BE-458F-9CB2-68F1581714B7}"/>
+              </a:ext>
+            </a:extLst>
+          </p:cNvPr>
+          <p:cNvSpPr txBox="1"/>
+          <p:nvPr/>
+        </p:nvSpPr>
+        <p:spPr>
+          <a:xfrm>
+            <a:off x="4915081" y="6227164"/>
+            <a:ext cx="1938007" cy="769441"/>
+          </a:xfrm>
+          <a:prstGeom prst="rect">
+            <a:avLst/>
+          </a:prstGeom>
+          <a:noFill/>
+        </p:spPr>
+        <p:txBody>
+          <a:bodyPr wrap="square" rtlCol="0">
+            <a:spAutoFit/>
+          </a:bodyPr>
+          <a:lstStyle/>
+          <a:p>
+            <a:r>
+              <a:rPr kumimoji="1" lang="ja-JP" altLang="en-US" sz="4400" dirty="0"/>
+              <a:t>予測値</a:t>
+            </a:r>
+          </a:p>
+        </p:txBody>
+      </p:sp>
+      <p:sp>
+        <p:nvSpPr>
+          <p:cNvPr id="61" name="テキスト ボックス 60">
+            <a:extLst>
+              <a:ext uri="{FF2B5EF4-FFF2-40B4-BE49-F238E27FC236}">
+                <a16:creationId xmlns:a16="http://schemas.microsoft.com/office/drawing/2014/main" id="{396C61B4-F44A-45DA-918E-CEF296BDDC12}"/>
+              </a:ext>
+            </a:extLst>
+          </p:cNvPr>
+          <p:cNvSpPr txBox="1"/>
+          <p:nvPr/>
+        </p:nvSpPr>
+        <p:spPr>
+          <a:xfrm>
+            <a:off x="1383667" y="13003672"/>
+            <a:ext cx="925235" cy="769441"/>
+          </a:xfrm>
+          <a:prstGeom prst="rect">
+            <a:avLst/>
+          </a:prstGeom>
+          <a:noFill/>
+        </p:spPr>
+        <p:txBody>
+          <a:bodyPr wrap="square" rtlCol="0">
+            <a:spAutoFit/>
+          </a:bodyPr>
+          <a:lstStyle/>
+          <a:p>
+            <a:r>
+              <a:rPr kumimoji="1" lang="en-US" altLang="ja-JP" sz="4400" dirty="0"/>
+              <a:t>0</a:t>
+            </a:r>
+            <a:r>
+              <a:rPr kumimoji="1" lang="ja-JP" altLang="en-US" sz="4400" dirty="0"/>
+              <a:t> </a:t>
+            </a:r>
+          </a:p>
+        </p:txBody>
+      </p:sp>
+      <p:cxnSp>
+        <p:nvCxnSpPr>
+          <p:cNvPr id="62" name="直線コネクタ 61">
+            <a:extLst>
+              <a:ext uri="{FF2B5EF4-FFF2-40B4-BE49-F238E27FC236}">
+                <a16:creationId xmlns:a16="http://schemas.microsoft.com/office/drawing/2014/main" id="{9039C54B-6983-4D06-B364-5BD13D1C1B30}"/>
+              </a:ext>
+            </a:extLst>
+          </p:cNvPr>
+          <p:cNvCxnSpPr>
+            <a:cxnSpLocks/>
+          </p:cNvCxnSpPr>
+          <p:nvPr/>
+        </p:nvCxnSpPr>
+        <p:spPr>
+          <a:xfrm>
+            <a:off x="10115098" y="7664867"/>
+            <a:ext cx="0" cy="5620580"/>
+          </a:xfrm>
+          <a:prstGeom prst="line">
+            <a:avLst/>
+          </a:prstGeom>
+          <a:ln>
+            <a:solidFill>
+              <a:schemeClr val="tx1"/>
+            </a:solidFill>
+            <a:prstDash val="dash"/>
+            <a:headEnd type="none" w="lg" len="lg"/>
+          </a:ln>
+        </p:spPr>
+        <p:style>
+          <a:lnRef idx="1">
+            <a:schemeClr val="accent1"/>
+          </a:lnRef>
+          <a:fillRef idx="0">
+            <a:schemeClr val="accent1"/>
+          </a:fillRef>
+          <a:effectRef idx="0">
+            <a:schemeClr val="accent1"/>
+          </a:effectRef>
+          <a:fontRef idx="minor">
+            <a:schemeClr val="tx1"/>
+          </a:fontRef>
+        </p:style>
+      </p:cxnSp>
+      <p:cxnSp>
+        <p:nvCxnSpPr>
+          <p:cNvPr id="64" name="直線矢印コネクタ 63">
+            <a:extLst>
+              <a:ext uri="{FF2B5EF4-FFF2-40B4-BE49-F238E27FC236}">
+                <a16:creationId xmlns:a16="http://schemas.microsoft.com/office/drawing/2014/main" id="{88B46CCD-4E47-47FB-B83A-3EEFF9ACE3AF}"/>
+              </a:ext>
+            </a:extLst>
+          </p:cNvPr>
+          <p:cNvCxnSpPr>
+            <a:cxnSpLocks/>
+          </p:cNvCxnSpPr>
+          <p:nvPr/>
+        </p:nvCxnSpPr>
+        <p:spPr>
+          <a:xfrm flipV="1">
+            <a:off x="1846286" y="7403608"/>
+            <a:ext cx="0" cy="5875871"/>
+          </a:xfrm>
+          <a:prstGeom prst="straightConnector1">
+            <a:avLst/>
+          </a:prstGeom>
+          <a:ln>
+            <a:solidFill>
+              <a:schemeClr val="tx1"/>
+            </a:solidFill>
+            <a:tailEnd type="triangle" w="lg" len="lg"/>
+          </a:ln>
+        </p:spPr>
+        <p:style>
+          <a:lnRef idx="1">
+            <a:schemeClr val="accent1"/>
+          </a:lnRef>
+          <a:fillRef idx="0">
+            <a:schemeClr val="accent1"/>
+          </a:fillRef>
+          <a:effectRef idx="0">
+            <a:schemeClr val="accent1"/>
+          </a:effectRef>
+          <a:fontRef idx="minor">
+            <a:schemeClr val="tx1"/>
+          </a:fontRef>
+        </p:style>
+      </p:cxnSp>
+      <p:cxnSp>
+        <p:nvCxnSpPr>
+          <p:cNvPr id="65" name="直線矢印コネクタ 64">
+            <a:extLst>
+              <a:ext uri="{FF2B5EF4-FFF2-40B4-BE49-F238E27FC236}">
+                <a16:creationId xmlns:a16="http://schemas.microsoft.com/office/drawing/2014/main" id="{BD929DE1-BFA4-41DF-973F-17582D00289A}"/>
+              </a:ext>
+            </a:extLst>
+          </p:cNvPr>
+          <p:cNvCxnSpPr>
+            <a:cxnSpLocks/>
+          </p:cNvCxnSpPr>
+          <p:nvPr/>
+        </p:nvCxnSpPr>
+        <p:spPr>
+          <a:xfrm>
+            <a:off x="1846286" y="13279479"/>
+            <a:ext cx="9199984" cy="0"/>
+          </a:xfrm>
+          <a:prstGeom prst="straightConnector1">
+            <a:avLst/>
+          </a:prstGeom>
+          <a:ln>
+            <a:solidFill>
+              <a:schemeClr val="tx1"/>
+            </a:solidFill>
+            <a:tailEnd type="triangle" w="lg" len="lg"/>
+          </a:ln>
+        </p:spPr>
+        <p:style>
+          <a:lnRef idx="1">
+            <a:schemeClr val="accent1"/>
+          </a:lnRef>
+          <a:fillRef idx="0">
+            <a:schemeClr val="accent1"/>
+          </a:fillRef>
+          <a:effectRef idx="0">
+            <a:schemeClr val="accent1"/>
+          </a:effectRef>
+          <a:fontRef idx="minor">
+            <a:schemeClr val="tx1"/>
+          </a:fontRef>
+        </p:style>
+      </p:cxnSp>
+      <p:sp>
+        <p:nvSpPr>
+          <p:cNvPr id="69" name="テキスト ボックス 68">
+            <a:extLst>
+              <a:ext uri="{FF2B5EF4-FFF2-40B4-BE49-F238E27FC236}">
+                <a16:creationId xmlns:a16="http://schemas.microsoft.com/office/drawing/2014/main" id="{836A952D-8ACC-4C7B-8DB5-F029EF37AFCF}"/>
+              </a:ext>
+            </a:extLst>
+          </p:cNvPr>
+          <p:cNvSpPr txBox="1"/>
+          <p:nvPr/>
+        </p:nvSpPr>
+        <p:spPr>
+          <a:xfrm>
+            <a:off x="9893186" y="13228247"/>
+            <a:ext cx="925235" cy="769441"/>
+          </a:xfrm>
+          <a:prstGeom prst="rect">
+            <a:avLst/>
+          </a:prstGeom>
+          <a:noFill/>
+        </p:spPr>
+        <p:txBody>
+          <a:bodyPr wrap="square" rtlCol="0">
+            <a:spAutoFit/>
+          </a:bodyPr>
+          <a:lstStyle/>
+          <a:p>
+            <a:r>
+              <a:rPr kumimoji="1" lang="en-US" altLang="ja-JP" sz="4400" dirty="0"/>
+              <a:t>1</a:t>
+            </a:r>
+            <a:r>
+              <a:rPr kumimoji="1" lang="ja-JP" altLang="en-US" sz="4400" dirty="0"/>
+              <a:t> </a:t>
+            </a:r>
+          </a:p>
+        </p:txBody>
+      </p:sp>
+      <p:sp>
+        <p:nvSpPr>
+          <p:cNvPr id="71" name="テキスト ボックス 70">
+            <a:extLst>
+              <a:ext uri="{FF2B5EF4-FFF2-40B4-BE49-F238E27FC236}">
+                <a16:creationId xmlns:a16="http://schemas.microsoft.com/office/drawing/2014/main" id="{E75082BE-5E3B-4E88-BD56-2026CA22F26B}"/>
+              </a:ext>
+            </a:extLst>
+          </p:cNvPr>
+          <p:cNvSpPr txBox="1"/>
+          <p:nvPr/>
+        </p:nvSpPr>
+        <p:spPr>
+          <a:xfrm>
+            <a:off x="4915081" y="13388392"/>
+            <a:ext cx="1938007" cy="769441"/>
+          </a:xfrm>
+          <a:prstGeom prst="rect">
+            <a:avLst/>
+          </a:prstGeom>
+          <a:noFill/>
+        </p:spPr>
+        <p:txBody>
+          <a:bodyPr wrap="square" rtlCol="0">
+            <a:spAutoFit/>
+          </a:bodyPr>
+          <a:lstStyle/>
+          <a:p>
+            <a:r>
+              <a:rPr kumimoji="1" lang="ja-JP" altLang="en-US" sz="4400" dirty="0"/>
+              <a:t>予測値</a:t>
+            </a:r>
+          </a:p>
+        </p:txBody>
+      </p:sp>
+      <p:sp>
+        <p:nvSpPr>
+          <p:cNvPr id="22" name="テキスト ボックス 21">
+            <a:extLst>
+              <a:ext uri="{FF2B5EF4-FFF2-40B4-BE49-F238E27FC236}">
+                <a16:creationId xmlns:a16="http://schemas.microsoft.com/office/drawing/2014/main" id="{A8621C3C-2CC3-43D9-8B00-2EC9CEFDBF9C}"/>
+              </a:ext>
+            </a:extLst>
+          </p:cNvPr>
+          <p:cNvSpPr txBox="1"/>
+          <p:nvPr/>
+        </p:nvSpPr>
+        <p:spPr>
+          <a:xfrm>
+            <a:off x="11569122" y="9671801"/>
+            <a:ext cx="925235" cy="769441"/>
+          </a:xfrm>
+          <a:prstGeom prst="rect">
+            <a:avLst/>
+          </a:prstGeom>
+          <a:noFill/>
+        </p:spPr>
+        <p:txBody>
+          <a:bodyPr wrap="square" rtlCol="0">
+            <a:spAutoFit/>
+          </a:bodyPr>
+          <a:lstStyle/>
+          <a:p>
+            <a:r>
+              <a:rPr kumimoji="1" lang="en-US" altLang="ja-JP" sz="4400" dirty="0"/>
+              <a:t>0</a:t>
+            </a:r>
+            <a:r>
+              <a:rPr kumimoji="1" lang="ja-JP" altLang="en-US" sz="4400" dirty="0"/>
+              <a:t> </a:t>
+            </a:r>
+          </a:p>
+        </p:txBody>
+      </p:sp>
+      <p:sp>
+        <p:nvSpPr>
+          <p:cNvPr id="23" name="テキスト ボックス 22">
+            <a:extLst>
+              <a:ext uri="{FF2B5EF4-FFF2-40B4-BE49-F238E27FC236}">
+                <a16:creationId xmlns:a16="http://schemas.microsoft.com/office/drawing/2014/main" id="{4C8649CE-6618-4303-AE31-B76938709255}"/>
+              </a:ext>
+            </a:extLst>
+          </p:cNvPr>
+          <p:cNvSpPr txBox="1"/>
+          <p:nvPr/>
+        </p:nvSpPr>
+        <p:spPr>
+          <a:xfrm>
+            <a:off x="11484427" y="4844276"/>
+            <a:ext cx="925235" cy="769441"/>
+          </a:xfrm>
+          <a:prstGeom prst="rect">
+            <a:avLst/>
+          </a:prstGeom>
+          <a:noFill/>
+        </p:spPr>
+        <p:txBody>
+          <a:bodyPr wrap="square" rtlCol="0">
+            <a:spAutoFit/>
+          </a:bodyPr>
+          <a:lstStyle/>
+          <a:p>
+            <a:r>
+              <a:rPr kumimoji="1" lang="en-US" altLang="ja-JP" sz="4400" dirty="0"/>
+              <a:t>1</a:t>
+            </a:r>
+            <a:endParaRPr kumimoji="1" lang="ja-JP" altLang="en-US" sz="4400" dirty="0"/>
+          </a:p>
+        </p:txBody>
+      </p:sp>
+      <p:cxnSp>
+        <p:nvCxnSpPr>
+          <p:cNvPr id="24" name="直線コネクタ 23">
+            <a:extLst>
+              <a:ext uri="{FF2B5EF4-FFF2-40B4-BE49-F238E27FC236}">
+                <a16:creationId xmlns:a16="http://schemas.microsoft.com/office/drawing/2014/main" id="{D0F730C2-A9D9-4A94-B4FC-A59A35E105B9}"/>
+              </a:ext>
+            </a:extLst>
+          </p:cNvPr>
+          <p:cNvCxnSpPr>
+            <a:cxnSpLocks/>
+          </p:cNvCxnSpPr>
+          <p:nvPr/>
+        </p:nvCxnSpPr>
+        <p:spPr>
+          <a:xfrm>
+            <a:off x="20414956" y="3931088"/>
+            <a:ext cx="0" cy="7119911"/>
+          </a:xfrm>
+          <a:prstGeom prst="line">
+            <a:avLst/>
+          </a:prstGeom>
+          <a:ln>
+            <a:solidFill>
+              <a:schemeClr val="tx1"/>
+            </a:solidFill>
+            <a:prstDash val="dash"/>
+            <a:headEnd type="none" w="lg" len="lg"/>
+          </a:ln>
+        </p:spPr>
+        <p:style>
+          <a:lnRef idx="1">
+            <a:schemeClr val="accent1"/>
+          </a:lnRef>
+          <a:fillRef idx="0">
+            <a:schemeClr val="accent1"/>
+          </a:fillRef>
+          <a:effectRef idx="0">
+            <a:schemeClr val="accent1"/>
+          </a:effectRef>
+          <a:fontRef idx="minor">
+            <a:schemeClr val="tx1"/>
+          </a:fontRef>
+        </p:style>
+      </p:cxnSp>
+      <p:cxnSp>
+        <p:nvCxnSpPr>
+          <p:cNvPr id="25" name="直線コネクタ 24">
+            <a:extLst>
+              <a:ext uri="{FF2B5EF4-FFF2-40B4-BE49-F238E27FC236}">
+                <a16:creationId xmlns:a16="http://schemas.microsoft.com/office/drawing/2014/main" id="{64DE6D60-E49A-4A87-9A3D-9D1FE29D145D}"/>
+              </a:ext>
+            </a:extLst>
+          </p:cNvPr>
+          <p:cNvCxnSpPr>
+            <a:cxnSpLocks/>
+          </p:cNvCxnSpPr>
+          <p:nvPr/>
+        </p:nvCxnSpPr>
+        <p:spPr>
+          <a:xfrm>
+            <a:off x="12146144" y="10056522"/>
+            <a:ext cx="8344175" cy="0"/>
+          </a:xfrm>
+          <a:prstGeom prst="line">
+            <a:avLst/>
+          </a:prstGeom>
+          <a:ln>
+            <a:solidFill>
+              <a:schemeClr val="tx1"/>
+            </a:solidFill>
+            <a:prstDash val="dash"/>
+            <a:headEnd type="none" w="lg" len="lg"/>
+          </a:ln>
+        </p:spPr>
+        <p:style>
+          <a:lnRef idx="1">
+            <a:schemeClr val="accent1"/>
+          </a:lnRef>
+          <a:fillRef idx="0">
+            <a:schemeClr val="accent1"/>
+          </a:fillRef>
+          <a:effectRef idx="0">
+            <a:schemeClr val="accent1"/>
+          </a:effectRef>
+          <a:fontRef idx="minor">
+            <a:schemeClr val="tx1"/>
+          </a:fontRef>
+        </p:style>
+      </p:cxnSp>
+      <p:sp>
+        <p:nvSpPr>
+          <p:cNvPr id="26" name="テキスト ボックス 25">
+            <a:extLst>
+              <a:ext uri="{FF2B5EF4-FFF2-40B4-BE49-F238E27FC236}">
+                <a16:creationId xmlns:a16="http://schemas.microsoft.com/office/drawing/2014/main" id="{127A8E6E-AA21-46C3-9E9F-1BF01B61A3AE}"/>
+              </a:ext>
+            </a:extLst>
+          </p:cNvPr>
+          <p:cNvSpPr txBox="1"/>
+          <p:nvPr/>
+        </p:nvSpPr>
+        <p:spPr>
+          <a:xfrm>
+            <a:off x="17733930" y="11171767"/>
+            <a:ext cx="2484672" cy="954107"/>
+          </a:xfrm>
+          <a:prstGeom prst="rect">
+            <a:avLst/>
+          </a:prstGeom>
+          <a:noFill/>
+        </p:spPr>
+        <p:txBody>
+          <a:bodyPr wrap="square" rtlCol="0">
+            <a:spAutoFit/>
+          </a:bodyPr>
+          <a:lstStyle/>
+          <a:p>
+            <a:r>
+              <a:rPr kumimoji="1" lang="ja-JP" altLang="en-US" sz="2800" dirty="0"/>
+              <a:t>負例の予測値の最大値</a:t>
+            </a:r>
+          </a:p>
+        </p:txBody>
+      </p:sp>
+      <p:cxnSp>
+        <p:nvCxnSpPr>
+          <p:cNvPr id="27" name="直線矢印コネクタ 26">
+            <a:extLst>
+              <a:ext uri="{FF2B5EF4-FFF2-40B4-BE49-F238E27FC236}">
+                <a16:creationId xmlns:a16="http://schemas.microsoft.com/office/drawing/2014/main" id="{741F1EA3-32DE-4389-A34C-80BF5B0FB983}"/>
+              </a:ext>
+            </a:extLst>
+          </p:cNvPr>
+          <p:cNvCxnSpPr/>
+          <p:nvPr/>
+        </p:nvCxnSpPr>
+        <p:spPr>
+          <a:xfrm flipV="1">
+            <a:off x="12146144" y="2925233"/>
+            <a:ext cx="0" cy="8119798"/>
+          </a:xfrm>
+          <a:prstGeom prst="straightConnector1">
+            <a:avLst/>
+          </a:prstGeom>
+          <a:ln>
+            <a:solidFill>
+              <a:schemeClr val="tx1"/>
+            </a:solidFill>
+            <a:tailEnd type="triangle" w="lg" len="lg"/>
+          </a:ln>
+        </p:spPr>
+        <p:style>
+          <a:lnRef idx="1">
+            <a:schemeClr val="accent1"/>
+          </a:lnRef>
+          <a:fillRef idx="0">
+            <a:schemeClr val="accent1"/>
+          </a:fillRef>
+          <a:effectRef idx="0">
+            <a:schemeClr val="accent1"/>
+          </a:effectRef>
+          <a:fontRef idx="minor">
+            <a:schemeClr val="tx1"/>
+          </a:fontRef>
+        </p:style>
+      </p:cxnSp>
+      <p:cxnSp>
+        <p:nvCxnSpPr>
+          <p:cNvPr id="28" name="直線矢印コネクタ 27">
+            <a:extLst>
+              <a:ext uri="{FF2B5EF4-FFF2-40B4-BE49-F238E27FC236}">
+                <a16:creationId xmlns:a16="http://schemas.microsoft.com/office/drawing/2014/main" id="{FDF2F7A9-3074-4AD5-89FF-9D9BC56C2F93}"/>
+              </a:ext>
+            </a:extLst>
+          </p:cNvPr>
+          <p:cNvCxnSpPr>
+            <a:cxnSpLocks/>
+          </p:cNvCxnSpPr>
+          <p:nvPr/>
+        </p:nvCxnSpPr>
+        <p:spPr>
+          <a:xfrm>
+            <a:off x="12146144" y="11045031"/>
+            <a:ext cx="9199984" cy="0"/>
+          </a:xfrm>
+          <a:prstGeom prst="straightConnector1">
+            <a:avLst/>
+          </a:prstGeom>
+          <a:ln>
+            <a:solidFill>
+              <a:schemeClr val="tx1"/>
+            </a:solidFill>
+            <a:tailEnd type="triangle" w="lg" len="lg"/>
+          </a:ln>
+        </p:spPr>
+        <p:style>
+          <a:lnRef idx="1">
+            <a:schemeClr val="accent1"/>
+          </a:lnRef>
+          <a:fillRef idx="0">
+            <a:schemeClr val="accent1"/>
+          </a:fillRef>
+          <a:effectRef idx="0">
+            <a:schemeClr val="accent1"/>
+          </a:effectRef>
+          <a:fontRef idx="minor">
+            <a:schemeClr val="tx1"/>
+          </a:fontRef>
+        </p:style>
+      </p:cxnSp>
+      <p:cxnSp>
+        <p:nvCxnSpPr>
+          <p:cNvPr id="29" name="直線コネクタ 28">
+            <a:extLst>
+              <a:ext uri="{FF2B5EF4-FFF2-40B4-BE49-F238E27FC236}">
+                <a16:creationId xmlns:a16="http://schemas.microsoft.com/office/drawing/2014/main" id="{E851E6D5-F7E1-40F8-8EEB-BD0446FD0A3E}"/>
+              </a:ext>
+            </a:extLst>
+          </p:cNvPr>
+          <p:cNvCxnSpPr>
+            <a:cxnSpLocks/>
+          </p:cNvCxnSpPr>
+          <p:nvPr/>
+        </p:nvCxnSpPr>
+        <p:spPr>
+          <a:xfrm>
+            <a:off x="12146144" y="5228996"/>
+            <a:ext cx="8344175" cy="0"/>
+          </a:xfrm>
+          <a:prstGeom prst="line">
+            <a:avLst/>
+          </a:prstGeom>
+          <a:ln>
+            <a:solidFill>
+              <a:schemeClr val="tx1"/>
+            </a:solidFill>
+            <a:prstDash val="dash"/>
+            <a:headEnd type="none" w="lg" len="lg"/>
+          </a:ln>
+        </p:spPr>
+        <p:style>
+          <a:lnRef idx="1">
+            <a:schemeClr val="accent1"/>
+          </a:lnRef>
+          <a:fillRef idx="0">
+            <a:schemeClr val="accent1"/>
+          </a:fillRef>
+          <a:effectRef idx="0">
+            <a:schemeClr val="accent1"/>
+          </a:effectRef>
+          <a:fontRef idx="minor">
+            <a:schemeClr val="tx1"/>
+          </a:fontRef>
+        </p:style>
+      </p:cxnSp>
+      <p:sp>
+        <p:nvSpPr>
+          <p:cNvPr id="30" name="フリーフォーム: 図形 29">
+            <a:extLst>
+              <a:ext uri="{FF2B5EF4-FFF2-40B4-BE49-F238E27FC236}">
+                <a16:creationId xmlns:a16="http://schemas.microsoft.com/office/drawing/2014/main" id="{E060FE21-0C44-4845-8FC2-72DFA1A47D0C}"/>
+              </a:ext>
+            </a:extLst>
+          </p:cNvPr>
+          <p:cNvSpPr/>
+          <p:nvPr/>
+        </p:nvSpPr>
+        <p:spPr>
+          <a:xfrm>
+            <a:off x="12163030" y="5612477"/>
+            <a:ext cx="6774025" cy="4445285"/>
+          </a:xfrm>
+          <a:custGeom>
+            <a:avLst/>
+            <a:gdLst>
+              <a:gd name="connsiteX0" fmla="*/ 0 w 6774025"/>
+              <a:gd name="connsiteY0" fmla="*/ 4407962 h 4445285"/>
+              <a:gd name="connsiteX1" fmla="*/ 1231641 w 6774025"/>
+              <a:gd name="connsiteY1" fmla="*/ 3913 h 4445285"/>
+              <a:gd name="connsiteX2" fmla="*/ 4963886 w 6774025"/>
+              <a:gd name="connsiteY2" fmla="*/ 3642852 h 4445285"/>
+              <a:gd name="connsiteX3" fmla="*/ 6774025 w 6774025"/>
+              <a:gd name="connsiteY3" fmla="*/ 4445285 h 4445285"/>
+            </a:gdLst>
+            <a:ahLst/>
+            <a:cxnLst>
+              <a:cxn ang="0">
+                <a:pos x="connsiteX0" y="connsiteY0"/>
+              </a:cxn>
+              <a:cxn ang="0">
+                <a:pos x="connsiteX1" y="connsiteY1"/>
+              </a:cxn>
+              <a:cxn ang="0">
+                <a:pos x="connsiteX2" y="connsiteY2"/>
+              </a:cxn>
+              <a:cxn ang="0">
+                <a:pos x="connsiteX3" y="connsiteY3"/>
+              </a:cxn>
+            </a:cxnLst>
+            <a:rect l="l" t="t" r="r" b="b"/>
+            <a:pathLst>
+              <a:path w="6774025" h="4445285">
+                <a:moveTo>
+                  <a:pt x="0" y="4407962"/>
+                </a:moveTo>
+                <a:cubicBezTo>
+                  <a:pt x="202163" y="2269696"/>
+                  <a:pt x="404327" y="131431"/>
+                  <a:pt x="1231641" y="3913"/>
+                </a:cubicBezTo>
+                <a:cubicBezTo>
+                  <a:pt x="2058955" y="-123605"/>
+                  <a:pt x="4040155" y="2902623"/>
+                  <a:pt x="4963886" y="3642852"/>
+                </a:cubicBezTo>
+                <a:cubicBezTo>
+                  <a:pt x="5887617" y="4383081"/>
+                  <a:pt x="6330821" y="4414183"/>
+                  <a:pt x="6774025" y="4445285"/>
+                </a:cubicBezTo>
+              </a:path>
+            </a:pathLst>
+          </a:custGeom>
+          <a:noFill/>
+          <a:ln>
+            <a:solidFill>
+              <a:schemeClr val="tx1"/>
+            </a:solidFill>
+          </a:ln>
+        </p:spPr>
+        <p:style>
+          <a:lnRef idx="2">
+            <a:schemeClr val="accent1">
+              <a:shade val="50000"/>
+            </a:schemeClr>
+          </a:lnRef>
+          <a:fillRef idx="1">
+            <a:schemeClr val="accent1"/>
+          </a:fillRef>
+          <a:effectRef idx="0">
+            <a:schemeClr val="accent1"/>
+          </a:effectRef>
+          <a:fontRef idx="minor">
+            <a:schemeClr val="lt1"/>
+          </a:fontRef>
+        </p:style>
+        <p:txBody>
+          <a:bodyPr rtlCol="0" anchor="ctr"/>
+          <a:lstStyle/>
+          <a:p>
+            <a:pPr algn="ctr"/>
+            <a:endParaRPr kumimoji="1" lang="ja-JP" altLang="en-US"/>
+          </a:p>
+        </p:txBody>
+      </p:sp>
+      <p:sp>
+        <p:nvSpPr>
+          <p:cNvPr id="31" name="フリーフォーム: 図形 30">
+            <a:extLst>
+              <a:ext uri="{FF2B5EF4-FFF2-40B4-BE49-F238E27FC236}">
+                <a16:creationId xmlns:a16="http://schemas.microsoft.com/office/drawing/2014/main" id="{1D58E5BE-8747-4E6A-BEB8-3CE7EF03032A}"/>
+              </a:ext>
+            </a:extLst>
+          </p:cNvPr>
+          <p:cNvSpPr/>
+          <p:nvPr/>
+        </p:nvSpPr>
+        <p:spPr>
+          <a:xfrm>
+            <a:off x="16046340" y="2536276"/>
+            <a:ext cx="4366727" cy="2710870"/>
+          </a:xfrm>
+          <a:custGeom>
+            <a:avLst/>
+            <a:gdLst>
+              <a:gd name="connsiteX0" fmla="*/ 4366727 w 4366727"/>
+              <a:gd name="connsiteY0" fmla="*/ 2670206 h 2710870"/>
+              <a:gd name="connsiteX1" fmla="*/ 2948474 w 4366727"/>
+              <a:gd name="connsiteY1" fmla="*/ 1651 h 2710870"/>
+              <a:gd name="connsiteX2" fmla="*/ 1156996 w 4366727"/>
+              <a:gd name="connsiteY2" fmla="*/ 2278320 h 2710870"/>
+              <a:gd name="connsiteX3" fmla="*/ 0 w 4366727"/>
+              <a:gd name="connsiteY3" fmla="*/ 2707528 h 2710870"/>
+            </a:gdLst>
+            <a:ahLst/>
+            <a:cxnLst>
+              <a:cxn ang="0">
+                <a:pos x="connsiteX0" y="connsiteY0"/>
+              </a:cxn>
+              <a:cxn ang="0">
+                <a:pos x="connsiteX1" y="connsiteY1"/>
+              </a:cxn>
+              <a:cxn ang="0">
+                <a:pos x="connsiteX2" y="connsiteY2"/>
+              </a:cxn>
+              <a:cxn ang="0">
+                <a:pos x="connsiteX3" y="connsiteY3"/>
+              </a:cxn>
+            </a:cxnLst>
+            <a:rect l="l" t="t" r="r" b="b"/>
+            <a:pathLst>
+              <a:path w="4366727" h="2710870">
+                <a:moveTo>
+                  <a:pt x="4366727" y="2670206"/>
+                </a:moveTo>
+                <a:cubicBezTo>
+                  <a:pt x="3925078" y="1368585"/>
+                  <a:pt x="3483429" y="66965"/>
+                  <a:pt x="2948474" y="1651"/>
+                </a:cubicBezTo>
+                <a:cubicBezTo>
+                  <a:pt x="2413519" y="-63663"/>
+                  <a:pt x="1648408" y="1827340"/>
+                  <a:pt x="1156996" y="2278320"/>
+                </a:cubicBezTo>
+                <a:cubicBezTo>
+                  <a:pt x="665584" y="2729300"/>
+                  <a:pt x="332792" y="2718414"/>
+                  <a:pt x="0" y="2707528"/>
+                </a:cubicBezTo>
+              </a:path>
+            </a:pathLst>
+          </a:custGeom>
+          <a:noFill/>
+          <a:ln>
+            <a:solidFill>
+              <a:schemeClr val="tx1"/>
+            </a:solidFill>
+          </a:ln>
+        </p:spPr>
+        <p:style>
+          <a:lnRef idx="2">
+            <a:schemeClr val="accent1">
+              <a:shade val="50000"/>
+            </a:schemeClr>
+          </a:lnRef>
+          <a:fillRef idx="1">
+            <a:schemeClr val="accent1"/>
+          </a:fillRef>
+          <a:effectRef idx="0">
+            <a:schemeClr val="accent1"/>
+          </a:effectRef>
+          <a:fontRef idx="minor">
+            <a:schemeClr val="lt1"/>
+          </a:fontRef>
+        </p:style>
+        <p:txBody>
+          <a:bodyPr rtlCol="0" anchor="ctr"/>
+          <a:lstStyle/>
+          <a:p>
+            <a:pPr algn="ctr"/>
+            <a:endParaRPr kumimoji="1" lang="ja-JP" altLang="en-US"/>
+          </a:p>
+        </p:txBody>
+      </p:sp>
+      <p:cxnSp>
+        <p:nvCxnSpPr>
+          <p:cNvPr id="33" name="直線コネクタ 32">
+            <a:extLst>
+              <a:ext uri="{FF2B5EF4-FFF2-40B4-BE49-F238E27FC236}">
+                <a16:creationId xmlns:a16="http://schemas.microsoft.com/office/drawing/2014/main" id="{D60E0694-02A7-4CC3-A379-6A442045C36A}"/>
+              </a:ext>
+            </a:extLst>
+          </p:cNvPr>
+          <p:cNvCxnSpPr>
+            <a:cxnSpLocks/>
+          </p:cNvCxnSpPr>
+          <p:nvPr/>
+        </p:nvCxnSpPr>
+        <p:spPr>
+          <a:xfrm>
+            <a:off x="18976266" y="3931088"/>
+            <a:ext cx="0" cy="7119911"/>
+          </a:xfrm>
+          <a:prstGeom prst="line">
+            <a:avLst/>
+          </a:prstGeom>
+          <a:ln>
+            <a:solidFill>
+              <a:schemeClr val="tx1"/>
+            </a:solidFill>
+            <a:prstDash val="dash"/>
+            <a:headEnd type="none" w="lg" len="lg"/>
+          </a:ln>
+        </p:spPr>
+        <p:style>
+          <a:lnRef idx="1">
+            <a:schemeClr val="accent1"/>
+          </a:lnRef>
+          <a:fillRef idx="0">
+            <a:schemeClr val="accent1"/>
+          </a:fillRef>
+          <a:effectRef idx="0">
+            <a:schemeClr val="accent1"/>
+          </a:effectRef>
+          <a:fontRef idx="minor">
+            <a:schemeClr val="tx1"/>
+          </a:fontRef>
+        </p:style>
+      </p:cxnSp>
+      <p:cxnSp>
+        <p:nvCxnSpPr>
+          <p:cNvPr id="34" name="直線コネクタ 33">
+            <a:extLst>
+              <a:ext uri="{FF2B5EF4-FFF2-40B4-BE49-F238E27FC236}">
+                <a16:creationId xmlns:a16="http://schemas.microsoft.com/office/drawing/2014/main" id="{45EB95F9-02DE-476E-AAA8-91400F0B2F8C}"/>
+              </a:ext>
+            </a:extLst>
+          </p:cNvPr>
+          <p:cNvCxnSpPr>
+            <a:cxnSpLocks/>
+          </p:cNvCxnSpPr>
+          <p:nvPr/>
+        </p:nvCxnSpPr>
+        <p:spPr>
+          <a:xfrm>
+            <a:off x="16046340" y="3931088"/>
+            <a:ext cx="0" cy="7119911"/>
+          </a:xfrm>
+          <a:prstGeom prst="line">
+            <a:avLst/>
+          </a:prstGeom>
+          <a:ln>
+            <a:solidFill>
+              <a:schemeClr val="tx1"/>
+            </a:solidFill>
+            <a:prstDash val="dash"/>
+            <a:headEnd type="none" w="lg" len="lg"/>
+          </a:ln>
+        </p:spPr>
+        <p:style>
+          <a:lnRef idx="1">
+            <a:schemeClr val="accent1"/>
+          </a:lnRef>
+          <a:fillRef idx="0">
+            <a:schemeClr val="accent1"/>
+          </a:fillRef>
+          <a:effectRef idx="0">
+            <a:schemeClr val="accent1"/>
+          </a:effectRef>
+          <a:fontRef idx="minor">
+            <a:schemeClr val="tx1"/>
+          </a:fontRef>
+        </p:style>
+      </p:cxnSp>
+      <p:sp>
+        <p:nvSpPr>
+          <p:cNvPr id="35" name="テキスト ボックス 34">
+            <a:extLst>
+              <a:ext uri="{FF2B5EF4-FFF2-40B4-BE49-F238E27FC236}">
+                <a16:creationId xmlns:a16="http://schemas.microsoft.com/office/drawing/2014/main" id="{448A2B56-C048-4B72-8D6C-0479E376D7F3}"/>
+              </a:ext>
+            </a:extLst>
+          </p:cNvPr>
+          <p:cNvSpPr txBox="1"/>
+          <p:nvPr/>
+        </p:nvSpPr>
+        <p:spPr>
+          <a:xfrm>
+            <a:off x="3803085" y="7561584"/>
+            <a:ext cx="953475" cy="523220"/>
+          </a:xfrm>
+          <a:prstGeom prst="rect">
+            <a:avLst/>
+          </a:prstGeom>
+          <a:noFill/>
+        </p:spPr>
+        <p:txBody>
+          <a:bodyPr wrap="square" rtlCol="0">
+            <a:spAutoFit/>
+          </a:bodyPr>
+          <a:lstStyle/>
+          <a:p>
+            <a:r>
+              <a:rPr kumimoji="1" lang="ja-JP" altLang="en-US" sz="2800" dirty="0"/>
+              <a:t>負例</a:t>
+            </a:r>
+          </a:p>
+        </p:txBody>
+      </p:sp>
+      <p:sp>
+        <p:nvSpPr>
+          <p:cNvPr id="36" name="フリーフォーム: 図形 35">
+            <a:extLst>
+              <a:ext uri="{FF2B5EF4-FFF2-40B4-BE49-F238E27FC236}">
+                <a16:creationId xmlns:a16="http://schemas.microsoft.com/office/drawing/2014/main" id="{5F526E38-53BF-442B-9F3B-AD8BEA0B6F61}"/>
+              </a:ext>
+            </a:extLst>
+          </p:cNvPr>
+          <p:cNvSpPr/>
+          <p:nvPr/>
+        </p:nvSpPr>
+        <p:spPr>
+          <a:xfrm>
+            <a:off x="5729597" y="10574577"/>
+            <a:ext cx="4366727" cy="2710870"/>
+          </a:xfrm>
+          <a:custGeom>
+            <a:avLst/>
+            <a:gdLst>
+              <a:gd name="connsiteX0" fmla="*/ 4366727 w 4366727"/>
+              <a:gd name="connsiteY0" fmla="*/ 2670206 h 2710870"/>
+              <a:gd name="connsiteX1" fmla="*/ 2948474 w 4366727"/>
+              <a:gd name="connsiteY1" fmla="*/ 1651 h 2710870"/>
+              <a:gd name="connsiteX2" fmla="*/ 1156996 w 4366727"/>
+              <a:gd name="connsiteY2" fmla="*/ 2278320 h 2710870"/>
+              <a:gd name="connsiteX3" fmla="*/ 0 w 4366727"/>
+              <a:gd name="connsiteY3" fmla="*/ 2707528 h 2710870"/>
+            </a:gdLst>
+            <a:ahLst/>
+            <a:cxnLst>
+              <a:cxn ang="0">
+                <a:pos x="connsiteX0" y="connsiteY0"/>
+              </a:cxn>
+              <a:cxn ang="0">
+                <a:pos x="connsiteX1" y="connsiteY1"/>
+              </a:cxn>
+              <a:cxn ang="0">
+                <a:pos x="connsiteX2" y="connsiteY2"/>
+              </a:cxn>
+              <a:cxn ang="0">
+                <a:pos x="connsiteX3" y="connsiteY3"/>
+              </a:cxn>
+            </a:cxnLst>
+            <a:rect l="l" t="t" r="r" b="b"/>
+            <a:pathLst>
+              <a:path w="4366727" h="2710870">
+                <a:moveTo>
+                  <a:pt x="4366727" y="2670206"/>
+                </a:moveTo>
+                <a:cubicBezTo>
+                  <a:pt x="3925078" y="1368585"/>
+                  <a:pt x="3483429" y="66965"/>
+                  <a:pt x="2948474" y="1651"/>
+                </a:cubicBezTo>
+                <a:cubicBezTo>
+                  <a:pt x="2413519" y="-63663"/>
+                  <a:pt x="1648408" y="1827340"/>
+                  <a:pt x="1156996" y="2278320"/>
+                </a:cubicBezTo>
+                <a:cubicBezTo>
+                  <a:pt x="665584" y="2729300"/>
+                  <a:pt x="332792" y="2718414"/>
+                  <a:pt x="0" y="2707528"/>
+                </a:cubicBezTo>
+              </a:path>
+            </a:pathLst>
+          </a:custGeom>
+          <a:noFill/>
+          <a:ln>
+            <a:solidFill>
+              <a:schemeClr val="tx1"/>
+            </a:solidFill>
+          </a:ln>
+        </p:spPr>
+        <p:style>
+          <a:lnRef idx="2">
+            <a:schemeClr val="accent1">
+              <a:shade val="50000"/>
+            </a:schemeClr>
+          </a:lnRef>
+          <a:fillRef idx="1">
+            <a:schemeClr val="accent1"/>
+          </a:fillRef>
+          <a:effectRef idx="0">
+            <a:schemeClr val="accent1"/>
+          </a:effectRef>
+          <a:fontRef idx="minor">
+            <a:schemeClr val="lt1"/>
+          </a:fontRef>
+        </p:style>
+        <p:txBody>
+          <a:bodyPr rtlCol="0" anchor="ctr"/>
+          <a:lstStyle/>
+          <a:p>
+            <a:pPr algn="ctr"/>
+            <a:endParaRPr kumimoji="1" lang="ja-JP" altLang="en-US"/>
+          </a:p>
+        </p:txBody>
+      </p:sp>
+      <p:sp>
+        <p:nvSpPr>
+          <p:cNvPr id="37" name="テキスト ボックス 36">
+            <a:extLst>
+              <a:ext uri="{FF2B5EF4-FFF2-40B4-BE49-F238E27FC236}">
+                <a16:creationId xmlns:a16="http://schemas.microsoft.com/office/drawing/2014/main" id="{8BD808C0-AC66-4297-85D9-B47CD8714FC5}"/>
+              </a:ext>
+            </a:extLst>
+          </p:cNvPr>
+          <p:cNvSpPr txBox="1"/>
+          <p:nvPr/>
+        </p:nvSpPr>
+        <p:spPr>
+          <a:xfrm>
+            <a:off x="8546141" y="10005453"/>
+            <a:ext cx="953475" cy="523220"/>
+          </a:xfrm>
+          <a:prstGeom prst="rect">
+            <a:avLst/>
+          </a:prstGeom>
+          <a:noFill/>
+        </p:spPr>
+        <p:txBody>
+          <a:bodyPr wrap="square" rtlCol="0">
+            <a:spAutoFit/>
+          </a:bodyPr>
+          <a:lstStyle/>
+          <a:p>
+            <a:r>
+              <a:rPr kumimoji="1" lang="ja-JP" altLang="en-US" sz="2800" dirty="0"/>
+              <a:t>正例</a:t>
+            </a:r>
+          </a:p>
+        </p:txBody>
+      </p:sp>
+    </p:spTree>
+    <p:extLst>
+      <p:ext uri="{BB962C8B-B14F-4D97-AF65-F5344CB8AC3E}">
+        <p14:creationId xmlns:p14="http://schemas.microsoft.com/office/powerpoint/2010/main" val="2181250631"/>
+      </p:ext>
+    </p:extLst>
+  </p:cSld>
+  <p:clrMapOvr>
+    <a:masterClrMapping/>
+  </p:clrMapOvr>
+</p:sld>
+</file>
+
+<file path=ppt/slides/slide13.xml><?xml version="1.0" encoding="utf-8"?>
+<p:sld xmlns:a="http://schemas.openxmlformats.org/drawingml/2006/main" xmlns:r="http://schemas.openxmlformats.org/officeDocument/2006/relationships" xmlns:p="http://schemas.openxmlformats.org/presentationml/2006/main">
+  <p:cSld>
+    <p:spTree>
+      <p:nvGrpSpPr>
+        <p:cNvPr id="1" name=""/>
+        <p:cNvGrpSpPr/>
+        <p:nvPr/>
+      </p:nvGrpSpPr>
+      <p:grpSpPr>
+        <a:xfrm>
+          <a:off x="0" y="0"/>
+          <a:ext cx="0" cy="0"/>
+          <a:chOff x="0" y="0"/>
+          <a:chExt cx="0" cy="0"/>
+        </a:xfrm>
+      </p:grpSpPr>
+      <p:sp>
+        <p:nvSpPr>
+          <p:cNvPr id="4" name="楕円 3">
+            <a:extLst>
+              <a:ext uri="{FF2B5EF4-FFF2-40B4-BE49-F238E27FC236}">
+                <a16:creationId xmlns:a16="http://schemas.microsoft.com/office/drawing/2014/main" id="{324CA9FF-6B32-482A-B8AF-65449990F25E}"/>
+              </a:ext>
+            </a:extLst>
+          </p:cNvPr>
+          <p:cNvSpPr/>
+          <p:nvPr/>
+        </p:nvSpPr>
+        <p:spPr>
+          <a:xfrm>
+            <a:off x="2444621" y="1362270"/>
+            <a:ext cx="1231641" cy="1231641"/>
+          </a:xfrm>
+          <a:prstGeom prst="ellipse">
+            <a:avLst/>
+          </a:prstGeom>
+          <a:noFill/>
+          <a:ln>
+            <a:solidFill>
+              <a:schemeClr val="tx1"/>
+            </a:solidFill>
+          </a:ln>
+        </p:spPr>
+        <p:style>
+          <a:lnRef idx="2">
+            <a:schemeClr val="accent1">
+              <a:shade val="50000"/>
+            </a:schemeClr>
+          </a:lnRef>
+          <a:fillRef idx="1">
+            <a:schemeClr val="accent1"/>
+          </a:fillRef>
+          <a:effectRef idx="0">
+            <a:schemeClr val="accent1"/>
+          </a:effectRef>
+          <a:fontRef idx="minor">
+            <a:schemeClr val="lt1"/>
+          </a:fontRef>
+        </p:style>
+        <p:txBody>
+          <a:bodyPr rtlCol="0" anchor="ctr"/>
+          <a:lstStyle/>
+          <a:p>
+            <a:pPr algn="ctr"/>
+            <a:r>
+              <a:rPr kumimoji="1" lang="en-US" altLang="ja-JP" sz="4000" dirty="0">
+                <a:solidFill>
+                  <a:schemeClr val="tx1"/>
+                </a:solidFill>
+              </a:rPr>
+              <a:t>X</a:t>
+            </a:r>
+            <a:endParaRPr kumimoji="1" lang="ja-JP" altLang="en-US" sz="4000" dirty="0">
+              <a:solidFill>
+                <a:schemeClr val="tx1"/>
+              </a:solidFill>
+            </a:endParaRPr>
+          </a:p>
+        </p:txBody>
+      </p:sp>
+      <p:cxnSp>
+        <p:nvCxnSpPr>
+          <p:cNvPr id="6" name="直線矢印コネクタ 5">
+            <a:extLst>
+              <a:ext uri="{FF2B5EF4-FFF2-40B4-BE49-F238E27FC236}">
+                <a16:creationId xmlns:a16="http://schemas.microsoft.com/office/drawing/2014/main" id="{5D436BC9-CDC5-4FFB-A4F8-6087EE77EC50}"/>
+              </a:ext>
+            </a:extLst>
+          </p:cNvPr>
+          <p:cNvCxnSpPr>
+            <a:cxnSpLocks/>
+            <a:stCxn id="4" idx="6"/>
+            <a:endCxn id="7" idx="2"/>
+          </p:cNvCxnSpPr>
+          <p:nvPr/>
+        </p:nvCxnSpPr>
+        <p:spPr>
+          <a:xfrm>
+            <a:off x="3676262" y="1978091"/>
+            <a:ext cx="1088525" cy="0"/>
+          </a:xfrm>
+          <a:prstGeom prst="straightConnector1">
+            <a:avLst/>
+          </a:prstGeom>
+          <a:ln>
+            <a:solidFill>
+              <a:schemeClr val="tx1"/>
+            </a:solidFill>
+            <a:tailEnd type="triangle" w="lg" len="lg"/>
+          </a:ln>
+        </p:spPr>
+        <p:style>
+          <a:lnRef idx="1">
+            <a:schemeClr val="accent1"/>
+          </a:lnRef>
+          <a:fillRef idx="0">
+            <a:schemeClr val="accent1"/>
+          </a:fillRef>
+          <a:effectRef idx="0">
+            <a:schemeClr val="accent1"/>
+          </a:effectRef>
+          <a:fontRef idx="minor">
+            <a:schemeClr val="tx1"/>
+          </a:fontRef>
+        </p:style>
+      </p:cxnSp>
+      <p:sp>
+        <p:nvSpPr>
+          <p:cNvPr id="7" name="楕円 6">
+            <a:extLst>
+              <a:ext uri="{FF2B5EF4-FFF2-40B4-BE49-F238E27FC236}">
+                <a16:creationId xmlns:a16="http://schemas.microsoft.com/office/drawing/2014/main" id="{E23AE44C-58A2-49CA-A5DB-2D092F2A41C0}"/>
+              </a:ext>
+            </a:extLst>
+          </p:cNvPr>
+          <p:cNvSpPr/>
+          <p:nvPr/>
+        </p:nvSpPr>
+        <p:spPr>
+          <a:xfrm>
+            <a:off x="4764787" y="1362270"/>
+            <a:ext cx="1231641" cy="1231641"/>
+          </a:xfrm>
+          <a:prstGeom prst="ellipse">
+            <a:avLst/>
+          </a:prstGeom>
+          <a:noFill/>
+          <a:ln>
+            <a:solidFill>
+              <a:schemeClr val="tx1"/>
+            </a:solidFill>
+          </a:ln>
+        </p:spPr>
+        <p:style>
+          <a:lnRef idx="2">
+            <a:schemeClr val="accent1">
+              <a:shade val="50000"/>
+            </a:schemeClr>
+          </a:lnRef>
+          <a:fillRef idx="1">
+            <a:schemeClr val="accent1"/>
+          </a:fillRef>
+          <a:effectRef idx="0">
+            <a:schemeClr val="accent1"/>
+          </a:effectRef>
+          <a:fontRef idx="minor">
+            <a:schemeClr val="lt1"/>
+          </a:fontRef>
+        </p:style>
+        <p:txBody>
+          <a:bodyPr rtlCol="0" anchor="ctr"/>
+          <a:lstStyle/>
+          <a:p>
+            <a:pPr algn="ctr"/>
+            <a:r>
+              <a:rPr kumimoji="1" lang="en-US" altLang="ja-JP" sz="4000" dirty="0">
+                <a:solidFill>
+                  <a:schemeClr val="tx1"/>
+                </a:solidFill>
+              </a:rPr>
+              <a:t>M</a:t>
+            </a:r>
+            <a:endParaRPr kumimoji="1" lang="ja-JP" altLang="en-US" sz="4000" dirty="0">
+              <a:solidFill>
+                <a:schemeClr val="tx1"/>
+              </a:solidFill>
+            </a:endParaRPr>
+          </a:p>
+        </p:txBody>
+      </p:sp>
+      <p:cxnSp>
+        <p:nvCxnSpPr>
+          <p:cNvPr id="10" name="直線矢印コネクタ 9">
+            <a:extLst>
+              <a:ext uri="{FF2B5EF4-FFF2-40B4-BE49-F238E27FC236}">
+                <a16:creationId xmlns:a16="http://schemas.microsoft.com/office/drawing/2014/main" id="{AC8F7600-8DC5-40A7-8CB8-78BE46EED713}"/>
+              </a:ext>
+            </a:extLst>
+          </p:cNvPr>
+          <p:cNvCxnSpPr>
+            <a:cxnSpLocks/>
+            <a:stCxn id="7" idx="6"/>
+            <a:endCxn id="16" idx="2"/>
+          </p:cNvCxnSpPr>
+          <p:nvPr/>
+        </p:nvCxnSpPr>
+        <p:spPr>
+          <a:xfrm flipV="1">
+            <a:off x="5996428" y="1978090"/>
+            <a:ext cx="883320" cy="1"/>
+          </a:xfrm>
+          <a:prstGeom prst="straightConnector1">
+            <a:avLst/>
+          </a:prstGeom>
+          <a:ln>
+            <a:solidFill>
+              <a:schemeClr val="tx1"/>
+            </a:solidFill>
+            <a:tailEnd type="triangle" w="lg" len="lg"/>
+          </a:ln>
+        </p:spPr>
+        <p:style>
+          <a:lnRef idx="1">
+            <a:schemeClr val="accent1"/>
+          </a:lnRef>
+          <a:fillRef idx="0">
+            <a:schemeClr val="accent1"/>
+          </a:fillRef>
+          <a:effectRef idx="0">
+            <a:schemeClr val="accent1"/>
+          </a:effectRef>
+          <a:fontRef idx="minor">
+            <a:schemeClr val="tx1"/>
+          </a:fontRef>
+        </p:style>
+      </p:cxnSp>
+      <p:cxnSp>
+        <p:nvCxnSpPr>
+          <p:cNvPr id="13" name="直線矢印コネクタ 12">
+            <a:extLst>
+              <a:ext uri="{FF2B5EF4-FFF2-40B4-BE49-F238E27FC236}">
+                <a16:creationId xmlns:a16="http://schemas.microsoft.com/office/drawing/2014/main" id="{1863CC4C-95DE-44EB-A56E-35863388291A}"/>
+              </a:ext>
+            </a:extLst>
+          </p:cNvPr>
+          <p:cNvCxnSpPr>
+            <a:cxnSpLocks/>
+            <a:stCxn id="23" idx="6"/>
+            <a:endCxn id="38" idx="2"/>
+          </p:cNvCxnSpPr>
+          <p:nvPr/>
+        </p:nvCxnSpPr>
+        <p:spPr>
+          <a:xfrm>
+            <a:off x="9831309" y="1978089"/>
+            <a:ext cx="733189" cy="0"/>
+          </a:xfrm>
+          <a:prstGeom prst="straightConnector1">
+            <a:avLst/>
+          </a:prstGeom>
+          <a:ln>
+            <a:solidFill>
+              <a:schemeClr val="tx1"/>
+            </a:solidFill>
+            <a:tailEnd type="triangle" w="lg" len="lg"/>
+          </a:ln>
+        </p:spPr>
+        <p:style>
+          <a:lnRef idx="1">
+            <a:schemeClr val="accent1"/>
+          </a:lnRef>
+          <a:fillRef idx="0">
+            <a:schemeClr val="accent1"/>
+          </a:fillRef>
+          <a:effectRef idx="0">
+            <a:schemeClr val="accent1"/>
+          </a:effectRef>
+          <a:fontRef idx="minor">
+            <a:schemeClr val="tx1"/>
+          </a:fontRef>
+        </p:style>
+      </p:cxnSp>
+      <p:sp>
+        <p:nvSpPr>
+          <p:cNvPr id="15" name="楕円 14">
+            <a:extLst>
+              <a:ext uri="{FF2B5EF4-FFF2-40B4-BE49-F238E27FC236}">
+                <a16:creationId xmlns:a16="http://schemas.microsoft.com/office/drawing/2014/main" id="{DFD51639-0222-44B3-A71F-BFA666F9FC72}"/>
+              </a:ext>
+            </a:extLst>
+          </p:cNvPr>
+          <p:cNvSpPr/>
+          <p:nvPr/>
+        </p:nvSpPr>
+        <p:spPr>
+          <a:xfrm>
+            <a:off x="5290457" y="10611985"/>
+            <a:ext cx="1231641" cy="1231641"/>
+          </a:xfrm>
+          <a:prstGeom prst="ellipse">
+            <a:avLst/>
+          </a:prstGeom>
+          <a:noFill/>
+          <a:ln>
+            <a:solidFill>
+              <a:schemeClr val="tx1"/>
+            </a:solidFill>
+          </a:ln>
+        </p:spPr>
+        <p:style>
+          <a:lnRef idx="2">
+            <a:schemeClr val="accent1">
+              <a:shade val="50000"/>
+            </a:schemeClr>
+          </a:lnRef>
+          <a:fillRef idx="1">
+            <a:schemeClr val="accent1"/>
+          </a:fillRef>
+          <a:effectRef idx="0">
+            <a:schemeClr val="accent1"/>
+          </a:effectRef>
+          <a:fontRef idx="minor">
+            <a:schemeClr val="lt1"/>
+          </a:fontRef>
+        </p:style>
+        <p:txBody>
+          <a:bodyPr rtlCol="0" anchor="ctr"/>
+          <a:lstStyle/>
+          <a:p>
+            <a:pPr algn="ctr"/>
+            <a:r>
+              <a:rPr kumimoji="1" lang="en-US" altLang="ja-JP" sz="4000" dirty="0">
+                <a:solidFill>
+                  <a:schemeClr val="tx1"/>
+                </a:solidFill>
+              </a:rPr>
+              <a:t>M</a:t>
+            </a:r>
+            <a:endParaRPr kumimoji="1" lang="ja-JP" altLang="en-US" sz="4000" dirty="0">
+              <a:solidFill>
+                <a:schemeClr val="tx1"/>
+              </a:solidFill>
+            </a:endParaRPr>
+          </a:p>
+        </p:txBody>
+      </p:sp>
+      <p:sp>
+        <p:nvSpPr>
+          <p:cNvPr id="16" name="楕円 15">
+            <a:extLst>
+              <a:ext uri="{FF2B5EF4-FFF2-40B4-BE49-F238E27FC236}">
+                <a16:creationId xmlns:a16="http://schemas.microsoft.com/office/drawing/2014/main" id="{65213C8C-C227-4825-8BC8-F0CFB3A42220}"/>
+              </a:ext>
+            </a:extLst>
+          </p:cNvPr>
+          <p:cNvSpPr/>
+          <p:nvPr/>
+        </p:nvSpPr>
+        <p:spPr>
+          <a:xfrm>
+            <a:off x="6879748" y="1362269"/>
+            <a:ext cx="1231641" cy="1231641"/>
+          </a:xfrm>
+          <a:prstGeom prst="ellipse">
+            <a:avLst/>
+          </a:prstGeom>
+          <a:noFill/>
+          <a:ln>
+            <a:solidFill>
+              <a:schemeClr val="tx1"/>
+            </a:solidFill>
+          </a:ln>
+        </p:spPr>
+        <p:style>
+          <a:lnRef idx="2">
+            <a:schemeClr val="accent1">
+              <a:shade val="50000"/>
+            </a:schemeClr>
+          </a:lnRef>
+          <a:fillRef idx="1">
+            <a:schemeClr val="accent1"/>
+          </a:fillRef>
+          <a:effectRef idx="0">
+            <a:schemeClr val="accent1"/>
+          </a:effectRef>
+          <a:fontRef idx="minor">
+            <a:schemeClr val="lt1"/>
+          </a:fontRef>
+        </p:style>
+        <p:txBody>
+          <a:bodyPr rtlCol="0" anchor="ctr"/>
+          <a:lstStyle/>
+          <a:p>
+            <a:pPr algn="ctr"/>
+            <a:r>
+              <a:rPr kumimoji="1" lang="en-US" altLang="ja-JP" sz="4000" dirty="0">
+                <a:solidFill>
+                  <a:schemeClr val="tx1"/>
+                </a:solidFill>
+              </a:rPr>
+              <a:t>S</a:t>
+            </a:r>
+            <a:endParaRPr kumimoji="1" lang="ja-JP" altLang="en-US" sz="4000" dirty="0">
+              <a:solidFill>
+                <a:schemeClr val="tx1"/>
+              </a:solidFill>
+            </a:endParaRPr>
+          </a:p>
+        </p:txBody>
+      </p:sp>
+      <p:sp>
+        <p:nvSpPr>
+          <p:cNvPr id="18" name="楕円 17">
+            <a:extLst>
+              <a:ext uri="{FF2B5EF4-FFF2-40B4-BE49-F238E27FC236}">
+                <a16:creationId xmlns:a16="http://schemas.microsoft.com/office/drawing/2014/main" id="{924B6C48-ADD1-45D7-AAAB-504A5229D7E5}"/>
+              </a:ext>
+            </a:extLst>
+          </p:cNvPr>
+          <p:cNvSpPr/>
+          <p:nvPr/>
+        </p:nvSpPr>
+        <p:spPr>
+          <a:xfrm>
+            <a:off x="2444621" y="2967134"/>
+            <a:ext cx="1231641" cy="1231641"/>
+          </a:xfrm>
+          <a:prstGeom prst="ellipse">
+            <a:avLst/>
+          </a:prstGeom>
+          <a:noFill/>
+          <a:ln>
+            <a:solidFill>
+              <a:schemeClr val="tx1"/>
+            </a:solidFill>
+          </a:ln>
+        </p:spPr>
+        <p:style>
+          <a:lnRef idx="2">
+            <a:schemeClr val="accent1">
+              <a:shade val="50000"/>
+            </a:schemeClr>
+          </a:lnRef>
+          <a:fillRef idx="1">
+            <a:schemeClr val="accent1"/>
+          </a:fillRef>
+          <a:effectRef idx="0">
+            <a:schemeClr val="accent1"/>
+          </a:effectRef>
+          <a:fontRef idx="minor">
+            <a:schemeClr val="lt1"/>
+          </a:fontRef>
+        </p:style>
+        <p:txBody>
+          <a:bodyPr rtlCol="0" anchor="ctr"/>
+          <a:lstStyle/>
+          <a:p>
+            <a:pPr algn="ctr"/>
+            <a:r>
+              <a:rPr kumimoji="1" lang="en-US" altLang="ja-JP" sz="4000" dirty="0">
+                <a:solidFill>
+                  <a:schemeClr val="tx1"/>
+                </a:solidFill>
+              </a:rPr>
+              <a:t>T</a:t>
+            </a:r>
+            <a:endParaRPr kumimoji="1" lang="ja-JP" altLang="en-US" sz="4000" dirty="0">
+              <a:solidFill>
+                <a:schemeClr val="tx1"/>
+              </a:solidFill>
+            </a:endParaRPr>
+          </a:p>
+        </p:txBody>
+      </p:sp>
+      <p:cxnSp>
+        <p:nvCxnSpPr>
+          <p:cNvPr id="19" name="直線矢印コネクタ 18">
+            <a:extLst>
+              <a:ext uri="{FF2B5EF4-FFF2-40B4-BE49-F238E27FC236}">
+                <a16:creationId xmlns:a16="http://schemas.microsoft.com/office/drawing/2014/main" id="{70E95385-FDE2-4441-90B0-7B10D05E312B}"/>
+              </a:ext>
+            </a:extLst>
+          </p:cNvPr>
+          <p:cNvCxnSpPr>
+            <a:cxnSpLocks/>
+          </p:cNvCxnSpPr>
+          <p:nvPr/>
+        </p:nvCxnSpPr>
+        <p:spPr>
+          <a:xfrm flipV="1">
+            <a:off x="8599668" y="11221597"/>
+            <a:ext cx="1691928" cy="1169414"/>
+          </a:xfrm>
+          <a:prstGeom prst="straightConnector1">
+            <a:avLst/>
+          </a:prstGeom>
+          <a:ln>
+            <a:solidFill>
+              <a:schemeClr val="tx1"/>
+            </a:solidFill>
+            <a:tailEnd type="triangle" w="lg" len="lg"/>
+          </a:ln>
+        </p:spPr>
+        <p:style>
+          <a:lnRef idx="1">
+            <a:schemeClr val="accent1"/>
+          </a:lnRef>
+          <a:fillRef idx="0">
+            <a:schemeClr val="accent1"/>
+          </a:fillRef>
+          <a:effectRef idx="0">
+            <a:schemeClr val="accent1"/>
+          </a:effectRef>
+          <a:fontRef idx="minor">
+            <a:schemeClr val="tx1"/>
+          </a:fontRef>
+        </p:style>
+      </p:cxnSp>
+      <p:sp>
+        <p:nvSpPr>
+          <p:cNvPr id="23" name="楕円 22">
+            <a:extLst>
+              <a:ext uri="{FF2B5EF4-FFF2-40B4-BE49-F238E27FC236}">
+                <a16:creationId xmlns:a16="http://schemas.microsoft.com/office/drawing/2014/main" id="{3959A334-1E75-48FF-8B5C-E5CC6D796F65}"/>
+              </a:ext>
+            </a:extLst>
+          </p:cNvPr>
+          <p:cNvSpPr/>
+          <p:nvPr/>
+        </p:nvSpPr>
+        <p:spPr>
+          <a:xfrm>
+            <a:off x="8599668" y="1362268"/>
+            <a:ext cx="1231641" cy="1231641"/>
+          </a:xfrm>
+          <a:prstGeom prst="ellipse">
+            <a:avLst/>
+          </a:prstGeom>
+          <a:noFill/>
+          <a:ln>
+            <a:solidFill>
+              <a:schemeClr val="tx1"/>
+            </a:solidFill>
+          </a:ln>
+        </p:spPr>
+        <p:style>
+          <a:lnRef idx="2">
+            <a:schemeClr val="accent1">
+              <a:shade val="50000"/>
+            </a:schemeClr>
+          </a:lnRef>
+          <a:fillRef idx="1">
+            <a:schemeClr val="accent1"/>
+          </a:fillRef>
+          <a:effectRef idx="0">
+            <a:schemeClr val="accent1"/>
+          </a:effectRef>
+          <a:fontRef idx="minor">
+            <a:schemeClr val="lt1"/>
+          </a:fontRef>
+        </p:style>
+        <p:txBody>
+          <a:bodyPr rtlCol="0" anchor="ctr"/>
+          <a:lstStyle/>
+          <a:p>
+            <a:pPr algn="ctr"/>
+            <a:r>
+              <a:rPr kumimoji="1" lang="en-US" altLang="ja-JP" sz="4000" dirty="0">
+                <a:solidFill>
+                  <a:schemeClr val="tx1"/>
+                </a:solidFill>
+              </a:rPr>
+              <a:t>C</a:t>
+            </a:r>
+            <a:endParaRPr kumimoji="1" lang="ja-JP" altLang="en-US" sz="4000" dirty="0">
+              <a:solidFill>
+                <a:schemeClr val="tx1"/>
+              </a:solidFill>
+            </a:endParaRPr>
+          </a:p>
+        </p:txBody>
+      </p:sp>
+      <p:cxnSp>
+        <p:nvCxnSpPr>
+          <p:cNvPr id="24" name="直線矢印コネクタ 23">
+            <a:extLst>
+              <a:ext uri="{FF2B5EF4-FFF2-40B4-BE49-F238E27FC236}">
+                <a16:creationId xmlns:a16="http://schemas.microsoft.com/office/drawing/2014/main" id="{2824B40C-8D99-4BB5-9254-D758BE169506}"/>
+              </a:ext>
+            </a:extLst>
+          </p:cNvPr>
+          <p:cNvCxnSpPr>
+            <a:cxnSpLocks/>
+            <a:stCxn id="16" idx="6"/>
+            <a:endCxn id="23" idx="2"/>
+          </p:cNvCxnSpPr>
+          <p:nvPr/>
+        </p:nvCxnSpPr>
+        <p:spPr>
+          <a:xfrm flipV="1">
+            <a:off x="8111389" y="1978089"/>
+            <a:ext cx="488279" cy="1"/>
+          </a:xfrm>
+          <a:prstGeom prst="straightConnector1">
+            <a:avLst/>
+          </a:prstGeom>
+          <a:ln>
+            <a:solidFill>
+              <a:schemeClr val="tx1"/>
+            </a:solidFill>
+            <a:tailEnd type="triangle" w="lg" len="lg"/>
+          </a:ln>
+        </p:spPr>
+        <p:style>
+          <a:lnRef idx="1">
+            <a:schemeClr val="accent1"/>
+          </a:lnRef>
+          <a:fillRef idx="0">
+            <a:schemeClr val="accent1"/>
+          </a:fillRef>
+          <a:effectRef idx="0">
+            <a:schemeClr val="accent1"/>
+          </a:effectRef>
+          <a:fontRef idx="minor">
+            <a:schemeClr val="tx1"/>
+          </a:fontRef>
+        </p:style>
+      </p:cxnSp>
+      <p:cxnSp>
+        <p:nvCxnSpPr>
+          <p:cNvPr id="30" name="コネクタ: カギ線 29">
+            <a:extLst>
+              <a:ext uri="{FF2B5EF4-FFF2-40B4-BE49-F238E27FC236}">
+                <a16:creationId xmlns:a16="http://schemas.microsoft.com/office/drawing/2014/main" id="{0FDF7BCF-F089-4CE1-A6A9-2CB7BFDD80C8}"/>
+              </a:ext>
+            </a:extLst>
+          </p:cNvPr>
+          <p:cNvCxnSpPr>
+            <a:cxnSpLocks/>
+            <a:stCxn id="18" idx="7"/>
+            <a:endCxn id="7" idx="3"/>
+          </p:cNvCxnSpPr>
+          <p:nvPr/>
+        </p:nvCxnSpPr>
+        <p:spPr>
+          <a:xfrm rot="5400000" flipH="1" flipV="1">
+            <a:off x="3853543" y="2055891"/>
+            <a:ext cx="733963" cy="1449265"/>
+          </a:xfrm>
+          <a:prstGeom prst="bentConnector3">
+            <a:avLst>
+              <a:gd name="adj1" fmla="val 50000"/>
+            </a:avLst>
+          </a:prstGeom>
+          <a:ln>
+            <a:solidFill>
+              <a:schemeClr val="tx1"/>
+            </a:solidFill>
+            <a:tailEnd type="triangle" w="lg" len="lg"/>
+          </a:ln>
+        </p:spPr>
+        <p:style>
+          <a:lnRef idx="1">
+            <a:schemeClr val="accent1"/>
+          </a:lnRef>
+          <a:fillRef idx="0">
+            <a:schemeClr val="accent1"/>
+          </a:fillRef>
+          <a:effectRef idx="0">
+            <a:schemeClr val="accent1"/>
+          </a:effectRef>
+          <a:fontRef idx="minor">
+            <a:schemeClr val="tx1"/>
+          </a:fontRef>
+        </p:style>
+      </p:cxnSp>
+      <p:cxnSp>
+        <p:nvCxnSpPr>
+          <p:cNvPr id="33" name="コネクタ: カギ線 32">
+            <a:extLst>
+              <a:ext uri="{FF2B5EF4-FFF2-40B4-BE49-F238E27FC236}">
+                <a16:creationId xmlns:a16="http://schemas.microsoft.com/office/drawing/2014/main" id="{01E9CCAB-5174-4620-99FF-C6BB2A34EFDE}"/>
+              </a:ext>
+            </a:extLst>
+          </p:cNvPr>
+          <p:cNvCxnSpPr>
+            <a:cxnSpLocks/>
+            <a:stCxn id="18" idx="6"/>
+            <a:endCxn id="23" idx="4"/>
+          </p:cNvCxnSpPr>
+          <p:nvPr/>
+        </p:nvCxnSpPr>
+        <p:spPr>
+          <a:xfrm flipV="1">
+            <a:off x="3676262" y="2593909"/>
+            <a:ext cx="5539227" cy="989046"/>
+          </a:xfrm>
+          <a:prstGeom prst="bentConnector2">
+            <a:avLst/>
+          </a:prstGeom>
+          <a:ln>
+            <a:solidFill>
+              <a:schemeClr val="tx1"/>
+            </a:solidFill>
+            <a:tailEnd type="triangle" w="lg" len="lg"/>
+          </a:ln>
+        </p:spPr>
+        <p:style>
+          <a:lnRef idx="1">
+            <a:schemeClr val="accent1"/>
+          </a:lnRef>
+          <a:fillRef idx="0">
+            <a:schemeClr val="accent1"/>
+          </a:fillRef>
+          <a:effectRef idx="0">
+            <a:schemeClr val="accent1"/>
+          </a:effectRef>
+          <a:fontRef idx="minor">
+            <a:schemeClr val="tx1"/>
+          </a:fontRef>
+        </p:style>
+      </p:cxnSp>
+      <p:sp>
+        <p:nvSpPr>
+          <p:cNvPr id="38" name="楕円 37">
+            <a:extLst>
+              <a:ext uri="{FF2B5EF4-FFF2-40B4-BE49-F238E27FC236}">
+                <a16:creationId xmlns:a16="http://schemas.microsoft.com/office/drawing/2014/main" id="{B34CA475-3F09-465C-A28B-CED0506281E5}"/>
+              </a:ext>
+            </a:extLst>
+          </p:cNvPr>
+          <p:cNvSpPr/>
+          <p:nvPr/>
+        </p:nvSpPr>
+        <p:spPr>
+          <a:xfrm>
+            <a:off x="10564498" y="1362268"/>
+            <a:ext cx="1231641" cy="1231641"/>
+          </a:xfrm>
+          <a:prstGeom prst="ellipse">
+            <a:avLst/>
+          </a:prstGeom>
+          <a:noFill/>
+          <a:ln>
+            <a:solidFill>
+              <a:schemeClr val="tx1"/>
+            </a:solidFill>
+          </a:ln>
+        </p:spPr>
+        <p:style>
+          <a:lnRef idx="2">
+            <a:schemeClr val="accent1">
+              <a:shade val="50000"/>
+            </a:schemeClr>
+          </a:lnRef>
+          <a:fillRef idx="1">
+            <a:schemeClr val="accent1"/>
+          </a:fillRef>
+          <a:effectRef idx="0">
+            <a:schemeClr val="accent1"/>
+          </a:effectRef>
+          <a:fontRef idx="minor">
+            <a:schemeClr val="lt1"/>
+          </a:fontRef>
+        </p:style>
+        <p:txBody>
+          <a:bodyPr rtlCol="0" anchor="ctr"/>
+          <a:lstStyle/>
+          <a:p>
+            <a:pPr algn="ctr"/>
+            <a:r>
+              <a:rPr kumimoji="1" lang="en-US" altLang="ja-JP" sz="4000" dirty="0">
+                <a:solidFill>
+                  <a:schemeClr val="tx1"/>
+                </a:solidFill>
+              </a:rPr>
+              <a:t>Y</a:t>
+            </a:r>
+            <a:endParaRPr kumimoji="1" lang="ja-JP" altLang="en-US" sz="4000" dirty="0">
+              <a:solidFill>
+                <a:schemeClr val="tx1"/>
+              </a:solidFill>
+            </a:endParaRPr>
+          </a:p>
+        </p:txBody>
+      </p:sp>
+      <p:cxnSp>
+        <p:nvCxnSpPr>
+          <p:cNvPr id="41" name="コネクタ: カギ線 40">
+            <a:extLst>
+              <a:ext uri="{FF2B5EF4-FFF2-40B4-BE49-F238E27FC236}">
+                <a16:creationId xmlns:a16="http://schemas.microsoft.com/office/drawing/2014/main" id="{7A060C84-113B-4FE9-87BB-DFB2030F13A8}"/>
+              </a:ext>
+            </a:extLst>
+          </p:cNvPr>
+          <p:cNvCxnSpPr>
+            <a:cxnSpLocks/>
+            <a:stCxn id="16" idx="0"/>
+            <a:endCxn id="38" idx="0"/>
+          </p:cNvCxnSpPr>
+          <p:nvPr/>
+        </p:nvCxnSpPr>
+        <p:spPr>
+          <a:xfrm rot="5400000" flipH="1" flipV="1">
+            <a:off x="9337944" y="-480106"/>
+            <a:ext cx="1" cy="3684750"/>
+          </a:xfrm>
+          <a:prstGeom prst="bentConnector3">
+            <a:avLst>
+              <a:gd name="adj1" fmla="val 22860100000"/>
+            </a:avLst>
+          </a:prstGeom>
+          <a:ln>
+            <a:solidFill>
+              <a:schemeClr val="tx1"/>
+            </a:solidFill>
+            <a:tailEnd type="triangle" w="lg" len="lg"/>
+          </a:ln>
+        </p:spPr>
+        <p:style>
+          <a:lnRef idx="1">
+            <a:schemeClr val="accent1"/>
+          </a:lnRef>
+          <a:fillRef idx="0">
+            <a:schemeClr val="accent1"/>
+          </a:fillRef>
+          <a:effectRef idx="0">
+            <a:schemeClr val="accent1"/>
+          </a:effectRef>
+          <a:fontRef idx="minor">
+            <a:schemeClr val="tx1"/>
+          </a:fontRef>
+        </p:style>
+      </p:cxnSp>
+      <p:sp>
+        <p:nvSpPr>
+          <p:cNvPr id="48" name="楕円 47">
+            <a:extLst>
+              <a:ext uri="{FF2B5EF4-FFF2-40B4-BE49-F238E27FC236}">
+                <a16:creationId xmlns:a16="http://schemas.microsoft.com/office/drawing/2014/main" id="{9805DEEA-9EE6-4B6E-916B-2E37DE542C57}"/>
+              </a:ext>
+            </a:extLst>
+          </p:cNvPr>
+          <p:cNvSpPr/>
+          <p:nvPr/>
+        </p:nvSpPr>
+        <p:spPr>
+          <a:xfrm>
+            <a:off x="2457039" y="5690143"/>
+            <a:ext cx="1231641" cy="1231641"/>
+          </a:xfrm>
+          <a:prstGeom prst="ellipse">
+            <a:avLst/>
+          </a:prstGeom>
+          <a:noFill/>
+          <a:ln>
+            <a:solidFill>
+              <a:schemeClr val="tx1"/>
+            </a:solidFill>
+          </a:ln>
+        </p:spPr>
+        <p:style>
+          <a:lnRef idx="2">
+            <a:schemeClr val="accent1">
+              <a:shade val="50000"/>
+            </a:schemeClr>
+          </a:lnRef>
+          <a:fillRef idx="1">
+            <a:schemeClr val="accent1"/>
+          </a:fillRef>
+          <a:effectRef idx="0">
+            <a:schemeClr val="accent1"/>
+          </a:effectRef>
+          <a:fontRef idx="minor">
+            <a:schemeClr val="lt1"/>
+          </a:fontRef>
+        </p:style>
+        <p:txBody>
+          <a:bodyPr rtlCol="0" anchor="ctr"/>
+          <a:lstStyle/>
+          <a:p>
+            <a:pPr algn="ctr"/>
+            <a:r>
+              <a:rPr kumimoji="1" lang="en-US" altLang="ja-JP" sz="4000" dirty="0">
+                <a:solidFill>
+                  <a:schemeClr val="tx1"/>
+                </a:solidFill>
+              </a:rPr>
+              <a:t>X’</a:t>
+            </a:r>
+            <a:endParaRPr kumimoji="1" lang="ja-JP" altLang="en-US" sz="4000" dirty="0">
+              <a:solidFill>
+                <a:schemeClr val="tx1"/>
+              </a:solidFill>
+            </a:endParaRPr>
+          </a:p>
+        </p:txBody>
+      </p:sp>
+      <p:sp>
+        <p:nvSpPr>
+          <p:cNvPr id="51" name="楕円 50">
+            <a:extLst>
+              <a:ext uri="{FF2B5EF4-FFF2-40B4-BE49-F238E27FC236}">
+                <a16:creationId xmlns:a16="http://schemas.microsoft.com/office/drawing/2014/main" id="{16B8B4E9-77A7-4194-B897-060A09FD38A2}"/>
+              </a:ext>
+            </a:extLst>
+          </p:cNvPr>
+          <p:cNvSpPr/>
+          <p:nvPr/>
+        </p:nvSpPr>
+        <p:spPr>
+          <a:xfrm>
+            <a:off x="2444621" y="7322960"/>
+            <a:ext cx="1231641" cy="1231641"/>
+          </a:xfrm>
+          <a:prstGeom prst="ellipse">
+            <a:avLst/>
+          </a:prstGeom>
+          <a:noFill/>
+          <a:ln>
+            <a:solidFill>
+              <a:schemeClr val="tx1"/>
+            </a:solidFill>
+          </a:ln>
+        </p:spPr>
+        <p:style>
+          <a:lnRef idx="2">
+            <a:schemeClr val="accent1">
+              <a:shade val="50000"/>
+            </a:schemeClr>
+          </a:lnRef>
+          <a:fillRef idx="1">
+            <a:schemeClr val="accent1"/>
+          </a:fillRef>
+          <a:effectRef idx="0">
+            <a:schemeClr val="accent1"/>
+          </a:effectRef>
+          <a:fontRef idx="minor">
+            <a:schemeClr val="lt1"/>
+          </a:fontRef>
+        </p:style>
+        <p:txBody>
+          <a:bodyPr rtlCol="0" anchor="ctr"/>
+          <a:lstStyle/>
+          <a:p>
+            <a:pPr algn="ctr"/>
+            <a:r>
+              <a:rPr kumimoji="1" lang="en-US" altLang="ja-JP" sz="4000" dirty="0">
+                <a:solidFill>
+                  <a:schemeClr val="tx1"/>
+                </a:solidFill>
+              </a:rPr>
+              <a:t>T’</a:t>
+            </a:r>
+            <a:endParaRPr kumimoji="1" lang="ja-JP" altLang="en-US" sz="4000" dirty="0">
+              <a:solidFill>
+                <a:schemeClr val="tx1"/>
+              </a:solidFill>
+            </a:endParaRPr>
+          </a:p>
+        </p:txBody>
+      </p:sp>
+      <p:sp>
+        <p:nvSpPr>
+          <p:cNvPr id="54" name="楕円 53">
+            <a:extLst>
+              <a:ext uri="{FF2B5EF4-FFF2-40B4-BE49-F238E27FC236}">
+                <a16:creationId xmlns:a16="http://schemas.microsoft.com/office/drawing/2014/main" id="{0F74B760-DAC3-4608-B9B1-1E2BEC0F2906}"/>
+              </a:ext>
+            </a:extLst>
+          </p:cNvPr>
+          <p:cNvSpPr/>
+          <p:nvPr/>
+        </p:nvSpPr>
+        <p:spPr>
+          <a:xfrm>
+            <a:off x="10757285" y="5690142"/>
+            <a:ext cx="1231641" cy="1231641"/>
+          </a:xfrm>
+          <a:prstGeom prst="ellipse">
+            <a:avLst/>
+          </a:prstGeom>
+          <a:noFill/>
+          <a:ln>
+            <a:solidFill>
+              <a:schemeClr val="tx1"/>
+            </a:solidFill>
+          </a:ln>
+        </p:spPr>
+        <p:style>
+          <a:lnRef idx="2">
+            <a:schemeClr val="accent1">
+              <a:shade val="50000"/>
+            </a:schemeClr>
+          </a:lnRef>
+          <a:fillRef idx="1">
+            <a:schemeClr val="accent1"/>
+          </a:fillRef>
+          <a:effectRef idx="0">
+            <a:schemeClr val="accent1"/>
+          </a:effectRef>
+          <a:fontRef idx="minor">
+            <a:schemeClr val="lt1"/>
+          </a:fontRef>
+        </p:style>
+        <p:txBody>
+          <a:bodyPr rtlCol="0" anchor="ctr"/>
+          <a:lstStyle/>
+          <a:p>
+            <a:pPr algn="ctr"/>
+            <a:r>
+              <a:rPr kumimoji="1" lang="en-US" altLang="ja-JP" sz="4000" dirty="0">
+                <a:solidFill>
+                  <a:schemeClr val="tx1"/>
+                </a:solidFill>
+              </a:rPr>
+              <a:t>Y’</a:t>
+            </a:r>
+            <a:endParaRPr kumimoji="1" lang="ja-JP" altLang="en-US" sz="4000" dirty="0">
+              <a:solidFill>
+                <a:schemeClr val="tx1"/>
+              </a:solidFill>
+            </a:endParaRPr>
+          </a:p>
+        </p:txBody>
+      </p:sp>
+      <p:sp>
+        <p:nvSpPr>
+          <p:cNvPr id="57" name="楕円 56">
+            <a:extLst>
+              <a:ext uri="{FF2B5EF4-FFF2-40B4-BE49-F238E27FC236}">
+                <a16:creationId xmlns:a16="http://schemas.microsoft.com/office/drawing/2014/main" id="{E2478982-00B5-4D23-9CAA-E40F7CEF7C3E}"/>
+              </a:ext>
+            </a:extLst>
+          </p:cNvPr>
+          <p:cNvSpPr/>
+          <p:nvPr/>
+        </p:nvSpPr>
+        <p:spPr>
+          <a:xfrm>
+            <a:off x="7072536" y="5690143"/>
+            <a:ext cx="1231641" cy="1231641"/>
+          </a:xfrm>
+          <a:prstGeom prst="ellipse">
+            <a:avLst/>
+          </a:prstGeom>
+          <a:noFill/>
+          <a:ln>
+            <a:solidFill>
+              <a:schemeClr val="tx1"/>
+            </a:solidFill>
+          </a:ln>
+        </p:spPr>
+        <p:style>
+          <a:lnRef idx="2">
+            <a:schemeClr val="accent1">
+              <a:shade val="50000"/>
+            </a:schemeClr>
+          </a:lnRef>
+          <a:fillRef idx="1">
+            <a:schemeClr val="accent1"/>
+          </a:fillRef>
+          <a:effectRef idx="0">
+            <a:schemeClr val="accent1"/>
+          </a:effectRef>
+          <a:fontRef idx="minor">
+            <a:schemeClr val="lt1"/>
+          </a:fontRef>
+        </p:style>
+        <p:txBody>
+          <a:bodyPr rtlCol="0" anchor="ctr"/>
+          <a:lstStyle/>
+          <a:p>
+            <a:pPr algn="ctr"/>
+            <a:r>
+              <a:rPr kumimoji="1" lang="en-US" altLang="ja-JP" sz="4000" dirty="0">
+                <a:solidFill>
+                  <a:schemeClr val="tx1"/>
+                </a:solidFill>
+              </a:rPr>
+              <a:t>S’</a:t>
+            </a:r>
+            <a:endParaRPr kumimoji="1" lang="ja-JP" altLang="en-US" sz="4000" dirty="0">
+              <a:solidFill>
+                <a:schemeClr val="tx1"/>
+              </a:solidFill>
+            </a:endParaRPr>
+          </a:p>
+        </p:txBody>
+      </p:sp>
+      <p:cxnSp>
+        <p:nvCxnSpPr>
+          <p:cNvPr id="58" name="直線矢印コネクタ 57">
+            <a:extLst>
+              <a:ext uri="{FF2B5EF4-FFF2-40B4-BE49-F238E27FC236}">
+                <a16:creationId xmlns:a16="http://schemas.microsoft.com/office/drawing/2014/main" id="{E407AF7B-916B-47E7-9B2C-9E18CD0A80A0}"/>
+              </a:ext>
+            </a:extLst>
+          </p:cNvPr>
+          <p:cNvCxnSpPr>
+            <a:cxnSpLocks/>
+            <a:stCxn id="48" idx="6"/>
+            <a:endCxn id="57" idx="2"/>
+          </p:cNvCxnSpPr>
+          <p:nvPr/>
+        </p:nvCxnSpPr>
+        <p:spPr>
+          <a:xfrm>
+            <a:off x="3688680" y="6305964"/>
+            <a:ext cx="3383856" cy="0"/>
+          </a:xfrm>
+          <a:prstGeom prst="straightConnector1">
+            <a:avLst/>
+          </a:prstGeom>
+          <a:ln>
+            <a:solidFill>
+              <a:schemeClr val="tx1"/>
+            </a:solidFill>
+            <a:tailEnd type="triangle" w="lg" len="lg"/>
+          </a:ln>
+        </p:spPr>
+        <p:style>
+          <a:lnRef idx="1">
+            <a:schemeClr val="accent1"/>
+          </a:lnRef>
+          <a:fillRef idx="0">
+            <a:schemeClr val="accent1"/>
+          </a:fillRef>
+          <a:effectRef idx="0">
+            <a:schemeClr val="accent1"/>
+          </a:effectRef>
+          <a:fontRef idx="minor">
+            <a:schemeClr val="tx1"/>
+          </a:fontRef>
+        </p:style>
+      </p:cxnSp>
+      <p:cxnSp>
+        <p:nvCxnSpPr>
+          <p:cNvPr id="61" name="直線矢印コネクタ 60">
+            <a:extLst>
+              <a:ext uri="{FF2B5EF4-FFF2-40B4-BE49-F238E27FC236}">
+                <a16:creationId xmlns:a16="http://schemas.microsoft.com/office/drawing/2014/main" id="{DF4BBB80-F899-43A0-82E1-2597F4D265C3}"/>
+              </a:ext>
+            </a:extLst>
+          </p:cNvPr>
+          <p:cNvCxnSpPr>
+            <a:cxnSpLocks/>
+            <a:stCxn id="57" idx="6"/>
+            <a:endCxn id="54" idx="2"/>
+          </p:cNvCxnSpPr>
+          <p:nvPr/>
+        </p:nvCxnSpPr>
+        <p:spPr>
+          <a:xfrm flipV="1">
+            <a:off x="8304177" y="6305963"/>
+            <a:ext cx="2453108" cy="1"/>
+          </a:xfrm>
+          <a:prstGeom prst="straightConnector1">
+            <a:avLst/>
+          </a:prstGeom>
+          <a:ln>
+            <a:solidFill>
+              <a:schemeClr val="tx1"/>
+            </a:solidFill>
+            <a:tailEnd type="triangle" w="lg" len="lg"/>
+          </a:ln>
+        </p:spPr>
+        <p:style>
+          <a:lnRef idx="1">
+            <a:schemeClr val="accent1"/>
+          </a:lnRef>
+          <a:fillRef idx="0">
+            <a:schemeClr val="accent1"/>
+          </a:fillRef>
+          <a:effectRef idx="0">
+            <a:schemeClr val="accent1"/>
+          </a:effectRef>
+          <a:fontRef idx="minor">
+            <a:schemeClr val="tx1"/>
+          </a:fontRef>
+        </p:style>
+      </p:cxnSp>
+      <p:cxnSp>
+        <p:nvCxnSpPr>
+          <p:cNvPr id="65" name="コネクタ: カギ線 64">
+            <a:extLst>
+              <a:ext uri="{FF2B5EF4-FFF2-40B4-BE49-F238E27FC236}">
+                <a16:creationId xmlns:a16="http://schemas.microsoft.com/office/drawing/2014/main" id="{BB72C998-C5EC-4064-9003-C8DA17CA7288}"/>
+              </a:ext>
+            </a:extLst>
+          </p:cNvPr>
+          <p:cNvCxnSpPr>
+            <a:cxnSpLocks/>
+            <a:stCxn id="23" idx="5"/>
+            <a:endCxn id="54" idx="0"/>
+          </p:cNvCxnSpPr>
+          <p:nvPr/>
+        </p:nvCxnSpPr>
+        <p:spPr>
+          <a:xfrm rot="16200000" flipH="1">
+            <a:off x="8873721" y="3190756"/>
+            <a:ext cx="3276603" cy="1722167"/>
+          </a:xfrm>
+          <a:prstGeom prst="bentConnector3">
+            <a:avLst>
+              <a:gd name="adj1" fmla="val 50000"/>
+            </a:avLst>
+          </a:prstGeom>
+          <a:ln>
+            <a:solidFill>
+              <a:schemeClr val="tx1"/>
+            </a:solidFill>
+            <a:tailEnd type="triangle" w="lg" len="lg"/>
+          </a:ln>
+        </p:spPr>
+        <p:style>
+          <a:lnRef idx="1">
+            <a:schemeClr val="accent1"/>
+          </a:lnRef>
+          <a:fillRef idx="0">
+            <a:schemeClr val="accent1"/>
+          </a:fillRef>
+          <a:effectRef idx="0">
+            <a:schemeClr val="accent1"/>
+          </a:effectRef>
+          <a:fontRef idx="minor">
+            <a:schemeClr val="tx1"/>
+          </a:fontRef>
+        </p:style>
+      </p:cxnSp>
+      <p:cxnSp>
+        <p:nvCxnSpPr>
+          <p:cNvPr id="68" name="コネクタ: カギ線 67">
+            <a:extLst>
+              <a:ext uri="{FF2B5EF4-FFF2-40B4-BE49-F238E27FC236}">
+                <a16:creationId xmlns:a16="http://schemas.microsoft.com/office/drawing/2014/main" id="{CB11BB53-FA7A-4466-8F3B-D4FE18AA1D95}"/>
+              </a:ext>
+            </a:extLst>
+          </p:cNvPr>
+          <p:cNvCxnSpPr>
+            <a:cxnSpLocks/>
+            <a:stCxn id="7" idx="5"/>
+            <a:endCxn id="57" idx="0"/>
+          </p:cNvCxnSpPr>
+          <p:nvPr/>
+        </p:nvCxnSpPr>
+        <p:spPr>
+          <a:xfrm rot="16200000" flipH="1">
+            <a:off x="5113906" y="3115692"/>
+            <a:ext cx="3276602" cy="1872299"/>
+          </a:xfrm>
+          <a:prstGeom prst="bentConnector3">
+            <a:avLst>
+              <a:gd name="adj1" fmla="val 50000"/>
+            </a:avLst>
+          </a:prstGeom>
+          <a:ln>
+            <a:solidFill>
+              <a:schemeClr val="tx1"/>
+            </a:solidFill>
+            <a:tailEnd type="triangle" w="lg" len="lg"/>
+          </a:ln>
+        </p:spPr>
+        <p:style>
+          <a:lnRef idx="1">
+            <a:schemeClr val="accent1"/>
+          </a:lnRef>
+          <a:fillRef idx="0">
+            <a:schemeClr val="accent1"/>
+          </a:fillRef>
+          <a:effectRef idx="0">
+            <a:schemeClr val="accent1"/>
+          </a:effectRef>
+          <a:fontRef idx="minor">
+            <a:schemeClr val="tx1"/>
+          </a:fontRef>
+        </p:style>
+      </p:cxnSp>
+      <p:sp>
+        <p:nvSpPr>
+          <p:cNvPr id="74" name="四角形: 角を丸くする 73">
+            <a:extLst>
+              <a:ext uri="{FF2B5EF4-FFF2-40B4-BE49-F238E27FC236}">
+                <a16:creationId xmlns:a16="http://schemas.microsoft.com/office/drawing/2014/main" id="{39F78658-109C-44C2-82D1-F631B055C9FB}"/>
+              </a:ext>
+            </a:extLst>
+          </p:cNvPr>
+          <p:cNvSpPr/>
+          <p:nvPr/>
+        </p:nvSpPr>
+        <p:spPr>
+          <a:xfrm>
+            <a:off x="2211775" y="1182727"/>
+            <a:ext cx="1722167" cy="3276582"/>
+          </a:xfrm>
+          <a:prstGeom prst="roundRect">
+            <a:avLst/>
+          </a:prstGeom>
+          <a:noFill/>
+          <a:ln>
+            <a:solidFill>
+              <a:schemeClr val="tx1"/>
+            </a:solidFill>
+          </a:ln>
+        </p:spPr>
+        <p:style>
+          <a:lnRef idx="2">
+            <a:schemeClr val="accent1">
+              <a:shade val="50000"/>
+            </a:schemeClr>
+          </a:lnRef>
+          <a:fillRef idx="1">
+            <a:schemeClr val="accent1"/>
+          </a:fillRef>
+          <a:effectRef idx="0">
+            <a:schemeClr val="accent1"/>
+          </a:effectRef>
+          <a:fontRef idx="minor">
+            <a:schemeClr val="lt1"/>
+          </a:fontRef>
+        </p:style>
+        <p:txBody>
+          <a:bodyPr rtlCol="0" anchor="ctr"/>
+          <a:lstStyle/>
+          <a:p>
+            <a:pPr algn="ctr"/>
+            <a:endParaRPr kumimoji="1" lang="ja-JP" altLang="en-US"/>
+          </a:p>
+        </p:txBody>
+      </p:sp>
+      <p:sp>
+        <p:nvSpPr>
+          <p:cNvPr id="75" name="四角形: 角を丸くする 74">
+            <a:extLst>
+              <a:ext uri="{FF2B5EF4-FFF2-40B4-BE49-F238E27FC236}">
+                <a16:creationId xmlns:a16="http://schemas.microsoft.com/office/drawing/2014/main" id="{21D86808-F346-41CF-A6E4-470514D87A51}"/>
+              </a:ext>
+            </a:extLst>
+          </p:cNvPr>
+          <p:cNvSpPr/>
+          <p:nvPr/>
+        </p:nvSpPr>
+        <p:spPr>
+          <a:xfrm>
+            <a:off x="2199357" y="5510580"/>
+            <a:ext cx="1722167" cy="3276582"/>
+          </a:xfrm>
+          <a:prstGeom prst="roundRect">
+            <a:avLst/>
+          </a:prstGeom>
+          <a:noFill/>
+          <a:ln>
+            <a:solidFill>
+              <a:schemeClr val="tx1"/>
+            </a:solidFill>
+          </a:ln>
+        </p:spPr>
+        <p:style>
+          <a:lnRef idx="2">
+            <a:schemeClr val="accent1">
+              <a:shade val="50000"/>
+            </a:schemeClr>
+          </a:lnRef>
+          <a:fillRef idx="1">
+            <a:schemeClr val="accent1"/>
+          </a:fillRef>
+          <a:effectRef idx="0">
+            <a:schemeClr val="accent1"/>
+          </a:effectRef>
+          <a:fontRef idx="minor">
+            <a:schemeClr val="lt1"/>
+          </a:fontRef>
+        </p:style>
+        <p:txBody>
+          <a:bodyPr rtlCol="0" anchor="ctr"/>
+          <a:lstStyle/>
+          <a:p>
+            <a:pPr algn="ctr"/>
             <a:endParaRPr kumimoji="1" lang="ja-JP" altLang="en-US"/>
           </a:p>
         </p:txBody>

--- a/unbalance/images.pptx
+++ b/unbalance/images.pptx
@@ -292,7 +292,7 @@
           <a:p>
             <a:fld id="{FB7CF62E-CE0A-4A24-BF36-7EEB5EF31D49}" type="datetimeFigureOut">
               <a:rPr kumimoji="1" lang="ja-JP" altLang="en-US" smtClean="0"/>
-              <a:t>2020/2/9</a:t>
+              <a:t>2020/2/10</a:t>
             </a:fld>
             <a:endParaRPr kumimoji="1" lang="ja-JP" altLang="en-US"/>
           </a:p>
@@ -494,7 +494,7 @@
           <a:p>
             <a:fld id="{FB7CF62E-CE0A-4A24-BF36-7EEB5EF31D49}" type="datetimeFigureOut">
               <a:rPr kumimoji="1" lang="ja-JP" altLang="en-US" smtClean="0"/>
-              <a:t>2020/2/9</a:t>
+              <a:t>2020/2/10</a:t>
             </a:fld>
             <a:endParaRPr kumimoji="1" lang="ja-JP" altLang="en-US"/>
           </a:p>
@@ -706,7 +706,7 @@
           <a:p>
             <a:fld id="{FB7CF62E-CE0A-4A24-BF36-7EEB5EF31D49}" type="datetimeFigureOut">
               <a:rPr kumimoji="1" lang="ja-JP" altLang="en-US" smtClean="0"/>
-              <a:t>2020/2/9</a:t>
+              <a:t>2020/2/10</a:t>
             </a:fld>
             <a:endParaRPr kumimoji="1" lang="ja-JP" altLang="en-US"/>
           </a:p>
@@ -908,7 +908,7 @@
           <a:p>
             <a:fld id="{FB7CF62E-CE0A-4A24-BF36-7EEB5EF31D49}" type="datetimeFigureOut">
               <a:rPr kumimoji="1" lang="ja-JP" altLang="en-US" smtClean="0"/>
-              <a:t>2020/2/9</a:t>
+              <a:t>2020/2/10</a:t>
             </a:fld>
             <a:endParaRPr kumimoji="1" lang="ja-JP" altLang="en-US"/>
           </a:p>
@@ -1152,7 +1152,7 @@
           <a:p>
             <a:fld id="{FB7CF62E-CE0A-4A24-BF36-7EEB5EF31D49}" type="datetimeFigureOut">
               <a:rPr kumimoji="1" lang="ja-JP" altLang="en-US" smtClean="0"/>
-              <a:t>2020/2/9</a:t>
+              <a:t>2020/2/10</a:t>
             </a:fld>
             <a:endParaRPr kumimoji="1" lang="ja-JP" altLang="en-US"/>
           </a:p>
@@ -1448,7 +1448,7 @@
           <a:p>
             <a:fld id="{FB7CF62E-CE0A-4A24-BF36-7EEB5EF31D49}" type="datetimeFigureOut">
               <a:rPr kumimoji="1" lang="ja-JP" altLang="en-US" smtClean="0"/>
-              <a:t>2020/2/9</a:t>
+              <a:t>2020/2/10</a:t>
             </a:fld>
             <a:endParaRPr kumimoji="1" lang="ja-JP" altLang="en-US"/>
           </a:p>
@@ -1879,7 +1879,7 @@
           <a:p>
             <a:fld id="{FB7CF62E-CE0A-4A24-BF36-7EEB5EF31D49}" type="datetimeFigureOut">
               <a:rPr kumimoji="1" lang="ja-JP" altLang="en-US" smtClean="0"/>
-              <a:t>2020/2/9</a:t>
+              <a:t>2020/2/10</a:t>
             </a:fld>
             <a:endParaRPr kumimoji="1" lang="ja-JP" altLang="en-US"/>
           </a:p>
@@ -1997,7 +1997,7 @@
           <a:p>
             <a:fld id="{FB7CF62E-CE0A-4A24-BF36-7EEB5EF31D49}" type="datetimeFigureOut">
               <a:rPr kumimoji="1" lang="ja-JP" altLang="en-US" smtClean="0"/>
-              <a:t>2020/2/9</a:t>
+              <a:t>2020/2/10</a:t>
             </a:fld>
             <a:endParaRPr kumimoji="1" lang="ja-JP" altLang="en-US"/>
           </a:p>
@@ -2092,7 +2092,7 @@
           <a:p>
             <a:fld id="{FB7CF62E-CE0A-4A24-BF36-7EEB5EF31D49}" type="datetimeFigureOut">
               <a:rPr kumimoji="1" lang="ja-JP" altLang="en-US" smtClean="0"/>
-              <a:t>2020/2/9</a:t>
+              <a:t>2020/2/10</a:t>
             </a:fld>
             <a:endParaRPr kumimoji="1" lang="ja-JP" altLang="en-US"/>
           </a:p>
@@ -2401,7 +2401,7 @@
           <a:p>
             <a:fld id="{FB7CF62E-CE0A-4A24-BF36-7EEB5EF31D49}" type="datetimeFigureOut">
               <a:rPr kumimoji="1" lang="ja-JP" altLang="en-US" smtClean="0"/>
-              <a:t>2020/2/9</a:t>
+              <a:t>2020/2/10</a:t>
             </a:fld>
             <a:endParaRPr kumimoji="1" lang="ja-JP" altLang="en-US"/>
           </a:p>
@@ -2658,7 +2658,7 @@
           <a:p>
             <a:fld id="{FB7CF62E-CE0A-4A24-BF36-7EEB5EF31D49}" type="datetimeFigureOut">
               <a:rPr kumimoji="1" lang="ja-JP" altLang="en-US" smtClean="0"/>
-              <a:t>2020/2/9</a:t>
+              <a:t>2020/2/10</a:t>
             </a:fld>
             <a:endParaRPr kumimoji="1" lang="ja-JP" altLang="en-US"/>
           </a:p>
@@ -2903,7 +2903,7 @@
           <a:p>
             <a:fld id="{FB7CF62E-CE0A-4A24-BF36-7EEB5EF31D49}" type="datetimeFigureOut">
               <a:rPr kumimoji="1" lang="ja-JP" altLang="en-US" smtClean="0"/>
-              <a:t>2020/2/9</a:t>
+              <a:t>2020/2/10</a:t>
             </a:fld>
             <a:endParaRPr kumimoji="1" lang="ja-JP" altLang="en-US"/>
           </a:p>
@@ -8122,10 +8122,10 @@
       </p:cxnSp>
       <p:sp>
         <p:nvSpPr>
-          <p:cNvPr id="15" name="楕円 14">
-            <a:extLst>
-              <a:ext uri="{FF2B5EF4-FFF2-40B4-BE49-F238E27FC236}">
-                <a16:creationId xmlns:a16="http://schemas.microsoft.com/office/drawing/2014/main" id="{DFD51639-0222-44B3-A71F-BFA666F9FC72}"/>
+          <p:cNvPr id="16" name="楕円 15">
+            <a:extLst>
+              <a:ext uri="{FF2B5EF4-FFF2-40B4-BE49-F238E27FC236}">
+                <a16:creationId xmlns:a16="http://schemas.microsoft.com/office/drawing/2014/main" id="{65213C8C-C227-4825-8BC8-F0CFB3A42220}"/>
               </a:ext>
             </a:extLst>
           </p:cNvPr>
@@ -8134,7 +8134,7 @@
         </p:nvSpPr>
         <p:spPr>
           <a:xfrm>
-            <a:off x="5290457" y="10611985"/>
+            <a:off x="6879748" y="1362269"/>
             <a:ext cx="1231641" cy="1231641"/>
           </a:xfrm>
           <a:prstGeom prst="ellipse">
@@ -8174,7 +8174,7 @@
                   <a:schemeClr val="tx1"/>
                 </a:solidFill>
               </a:rPr>
-              <a:t>M</a:t>
+              <a:t>S</a:t>
             </a:r>
             <a:endParaRPr kumimoji="1" lang="ja-JP" altLang="en-US" sz="4000" dirty="0">
               <a:solidFill>
@@ -8186,10 +8186,10 @@
       </p:sp>
       <p:sp>
         <p:nvSpPr>
-          <p:cNvPr id="16" name="楕円 15">
-            <a:extLst>
-              <a:ext uri="{FF2B5EF4-FFF2-40B4-BE49-F238E27FC236}">
-                <a16:creationId xmlns:a16="http://schemas.microsoft.com/office/drawing/2014/main" id="{65213C8C-C227-4825-8BC8-F0CFB3A42220}"/>
+          <p:cNvPr id="18" name="楕円 17">
+            <a:extLst>
+              <a:ext uri="{FF2B5EF4-FFF2-40B4-BE49-F238E27FC236}">
+                <a16:creationId xmlns:a16="http://schemas.microsoft.com/office/drawing/2014/main" id="{924B6C48-ADD1-45D7-AAAB-504A5229D7E5}"/>
               </a:ext>
             </a:extLst>
           </p:cNvPr>
@@ -8198,7 +8198,7 @@
         </p:nvSpPr>
         <p:spPr>
           <a:xfrm>
-            <a:off x="6879748" y="1362269"/>
+            <a:off x="2444621" y="2967134"/>
             <a:ext cx="1231641" cy="1231641"/>
           </a:xfrm>
           <a:prstGeom prst="ellipse">
@@ -8238,7 +8238,7 @@
                   <a:schemeClr val="tx1"/>
                 </a:solidFill>
               </a:rPr>
-              <a:t>S</a:t>
+              <a:t>T</a:t>
             </a:r>
             <a:endParaRPr kumimoji="1" lang="ja-JP" altLang="en-US" sz="4000" dirty="0">
               <a:solidFill>
@@ -8248,114 +8248,6 @@
           </a:p>
         </p:txBody>
       </p:sp>
-      <p:sp>
-        <p:nvSpPr>
-          <p:cNvPr id="18" name="楕円 17">
-            <a:extLst>
-              <a:ext uri="{FF2B5EF4-FFF2-40B4-BE49-F238E27FC236}">
-                <a16:creationId xmlns:a16="http://schemas.microsoft.com/office/drawing/2014/main" id="{924B6C48-ADD1-45D7-AAAB-504A5229D7E5}"/>
-              </a:ext>
-            </a:extLst>
-          </p:cNvPr>
-          <p:cNvSpPr/>
-          <p:nvPr/>
-        </p:nvSpPr>
-        <p:spPr>
-          <a:xfrm>
-            <a:off x="2444621" y="2967134"/>
-            <a:ext cx="1231641" cy="1231641"/>
-          </a:xfrm>
-          <a:prstGeom prst="ellipse">
-            <a:avLst/>
-          </a:prstGeom>
-          <a:noFill/>
-          <a:ln>
-            <a:solidFill>
-              <a:schemeClr val="tx1"/>
-            </a:solidFill>
-          </a:ln>
-        </p:spPr>
-        <p:style>
-          <a:lnRef idx="2">
-            <a:schemeClr val="accent1">
-              <a:shade val="50000"/>
-            </a:schemeClr>
-          </a:lnRef>
-          <a:fillRef idx="1">
-            <a:schemeClr val="accent1"/>
-          </a:fillRef>
-          <a:effectRef idx="0">
-            <a:schemeClr val="accent1"/>
-          </a:effectRef>
-          <a:fontRef idx="minor">
-            <a:schemeClr val="lt1"/>
-          </a:fontRef>
-        </p:style>
-        <p:txBody>
-          <a:bodyPr rtlCol="0" anchor="ctr"/>
-          <a:lstStyle/>
-          <a:p>
-            <a:pPr algn="ctr"/>
-            <a:r>
-              <a:rPr kumimoji="1" lang="en-US" altLang="ja-JP" sz="4000" dirty="0">
-                <a:solidFill>
-                  <a:schemeClr val="tx1"/>
-                </a:solidFill>
-              </a:rPr>
-              <a:t>T</a:t>
-            </a:r>
-            <a:endParaRPr kumimoji="1" lang="ja-JP" altLang="en-US" sz="4000" dirty="0">
-              <a:solidFill>
-                <a:schemeClr val="tx1"/>
-              </a:solidFill>
-            </a:endParaRPr>
-          </a:p>
-        </p:txBody>
-      </p:sp>
-      <p:cxnSp>
-        <p:nvCxnSpPr>
-          <p:cNvPr id="19" name="直線矢印コネクタ 18">
-            <a:extLst>
-              <a:ext uri="{FF2B5EF4-FFF2-40B4-BE49-F238E27FC236}">
-                <a16:creationId xmlns:a16="http://schemas.microsoft.com/office/drawing/2014/main" id="{70E95385-FDE2-4441-90B0-7B10D05E312B}"/>
-              </a:ext>
-            </a:extLst>
-          </p:cNvPr>
-          <p:cNvCxnSpPr>
-            <a:cxnSpLocks/>
-          </p:cNvCxnSpPr>
-          <p:nvPr/>
-        </p:nvCxnSpPr>
-        <p:spPr>
-          <a:xfrm flipV="1">
-            <a:off x="8599668" y="11221597"/>
-            <a:ext cx="1691928" cy="1169414"/>
-          </a:xfrm>
-          <a:prstGeom prst="straightConnector1">
-            <a:avLst/>
-          </a:prstGeom>
-          <a:ln>
-            <a:solidFill>
-              <a:schemeClr val="tx1"/>
-            </a:solidFill>
-            <a:tailEnd type="triangle" w="lg" len="lg"/>
-          </a:ln>
-        </p:spPr>
-        <p:style>
-          <a:lnRef idx="1">
-            <a:schemeClr val="accent1"/>
-          </a:lnRef>
-          <a:fillRef idx="0">
-            <a:schemeClr val="accent1"/>
-          </a:fillRef>
-          <a:effectRef idx="0">
-            <a:schemeClr val="accent1"/>
-          </a:effectRef>
-          <a:fontRef idx="minor">
-            <a:schemeClr val="tx1"/>
-          </a:fontRef>
-        </p:style>
-      </p:cxnSp>
       <p:sp>
         <p:nvSpPr>
           <p:cNvPr id="23" name="楕円 22">

--- a/unbalance/images.pptx
+++ b/unbalance/images.pptx
@@ -17,7 +17,7 @@
     <p:sldId id="271" r:id="rId11"/>
     <p:sldId id="269" r:id="rId12"/>
     <p:sldId id="272" r:id="rId13"/>
-    <p:sldId id="267" r:id="rId14"/>
+    <p:sldId id="273" r:id="rId14"/>
   </p:sldIdLst>
   <p:sldSz cx="21599525" cy="14400213"/>
   <p:notesSz cx="6858000" cy="9144000"/>
@@ -137,7 +137,7 @@
             <p14:sldId id="271"/>
             <p14:sldId id="269"/>
             <p14:sldId id="272"/>
-            <p14:sldId id="267"/>
+            <p14:sldId id="273"/>
           </p14:sldIdLst>
         </p14:section>
       </p14:sectionLst>
@@ -292,7 +292,7 @@
           <a:p>
             <a:fld id="{FB7CF62E-CE0A-4A24-BF36-7EEB5EF31D49}" type="datetimeFigureOut">
               <a:rPr kumimoji="1" lang="ja-JP" altLang="en-US" smtClean="0"/>
-              <a:t>2020/2/10</a:t>
+              <a:t>2020/2/11</a:t>
             </a:fld>
             <a:endParaRPr kumimoji="1" lang="ja-JP" altLang="en-US"/>
           </a:p>
@@ -494,7 +494,7 @@
           <a:p>
             <a:fld id="{FB7CF62E-CE0A-4A24-BF36-7EEB5EF31D49}" type="datetimeFigureOut">
               <a:rPr kumimoji="1" lang="ja-JP" altLang="en-US" smtClean="0"/>
-              <a:t>2020/2/10</a:t>
+              <a:t>2020/2/11</a:t>
             </a:fld>
             <a:endParaRPr kumimoji="1" lang="ja-JP" altLang="en-US"/>
           </a:p>
@@ -706,7 +706,7 @@
           <a:p>
             <a:fld id="{FB7CF62E-CE0A-4A24-BF36-7EEB5EF31D49}" type="datetimeFigureOut">
               <a:rPr kumimoji="1" lang="ja-JP" altLang="en-US" smtClean="0"/>
-              <a:t>2020/2/10</a:t>
+              <a:t>2020/2/11</a:t>
             </a:fld>
             <a:endParaRPr kumimoji="1" lang="ja-JP" altLang="en-US"/>
           </a:p>
@@ -908,7 +908,7 @@
           <a:p>
             <a:fld id="{FB7CF62E-CE0A-4A24-BF36-7EEB5EF31D49}" type="datetimeFigureOut">
               <a:rPr kumimoji="1" lang="ja-JP" altLang="en-US" smtClean="0"/>
-              <a:t>2020/2/10</a:t>
+              <a:t>2020/2/11</a:t>
             </a:fld>
             <a:endParaRPr kumimoji="1" lang="ja-JP" altLang="en-US"/>
           </a:p>
@@ -1152,7 +1152,7 @@
           <a:p>
             <a:fld id="{FB7CF62E-CE0A-4A24-BF36-7EEB5EF31D49}" type="datetimeFigureOut">
               <a:rPr kumimoji="1" lang="ja-JP" altLang="en-US" smtClean="0"/>
-              <a:t>2020/2/10</a:t>
+              <a:t>2020/2/11</a:t>
             </a:fld>
             <a:endParaRPr kumimoji="1" lang="ja-JP" altLang="en-US"/>
           </a:p>
@@ -1448,7 +1448,7 @@
           <a:p>
             <a:fld id="{FB7CF62E-CE0A-4A24-BF36-7EEB5EF31D49}" type="datetimeFigureOut">
               <a:rPr kumimoji="1" lang="ja-JP" altLang="en-US" smtClean="0"/>
-              <a:t>2020/2/10</a:t>
+              <a:t>2020/2/11</a:t>
             </a:fld>
             <a:endParaRPr kumimoji="1" lang="ja-JP" altLang="en-US"/>
           </a:p>
@@ -1879,7 +1879,7 @@
           <a:p>
             <a:fld id="{FB7CF62E-CE0A-4A24-BF36-7EEB5EF31D49}" type="datetimeFigureOut">
               <a:rPr kumimoji="1" lang="ja-JP" altLang="en-US" smtClean="0"/>
-              <a:t>2020/2/10</a:t>
+              <a:t>2020/2/11</a:t>
             </a:fld>
             <a:endParaRPr kumimoji="1" lang="ja-JP" altLang="en-US"/>
           </a:p>
@@ -1997,7 +1997,7 @@
           <a:p>
             <a:fld id="{FB7CF62E-CE0A-4A24-BF36-7EEB5EF31D49}" type="datetimeFigureOut">
               <a:rPr kumimoji="1" lang="ja-JP" altLang="en-US" smtClean="0"/>
-              <a:t>2020/2/10</a:t>
+              <a:t>2020/2/11</a:t>
             </a:fld>
             <a:endParaRPr kumimoji="1" lang="ja-JP" altLang="en-US"/>
           </a:p>
@@ -2092,7 +2092,7 @@
           <a:p>
             <a:fld id="{FB7CF62E-CE0A-4A24-BF36-7EEB5EF31D49}" type="datetimeFigureOut">
               <a:rPr kumimoji="1" lang="ja-JP" altLang="en-US" smtClean="0"/>
-              <a:t>2020/2/10</a:t>
+              <a:t>2020/2/11</a:t>
             </a:fld>
             <a:endParaRPr kumimoji="1" lang="ja-JP" altLang="en-US"/>
           </a:p>
@@ -2401,7 +2401,7 @@
           <a:p>
             <a:fld id="{FB7CF62E-CE0A-4A24-BF36-7EEB5EF31D49}" type="datetimeFigureOut">
               <a:rPr kumimoji="1" lang="ja-JP" altLang="en-US" smtClean="0"/>
-              <a:t>2020/2/10</a:t>
+              <a:t>2020/2/11</a:t>
             </a:fld>
             <a:endParaRPr kumimoji="1" lang="ja-JP" altLang="en-US"/>
           </a:p>
@@ -2658,7 +2658,7 @@
           <a:p>
             <a:fld id="{FB7CF62E-CE0A-4A24-BF36-7EEB5EF31D49}" type="datetimeFigureOut">
               <a:rPr kumimoji="1" lang="ja-JP" altLang="en-US" smtClean="0"/>
-              <a:t>2020/2/10</a:t>
+              <a:t>2020/2/11</a:t>
             </a:fld>
             <a:endParaRPr kumimoji="1" lang="ja-JP" altLang="en-US"/>
           </a:p>
@@ -2903,7 +2903,7 @@
           <a:p>
             <a:fld id="{FB7CF62E-CE0A-4A24-BF36-7EEB5EF31D49}" type="datetimeFigureOut">
               <a:rPr kumimoji="1" lang="ja-JP" altLang="en-US" smtClean="0"/>
-              <a:t>2020/2/10</a:t>
+              <a:t>2020/2/11</a:t>
             </a:fld>
             <a:endParaRPr kumimoji="1" lang="ja-JP" altLang="en-US"/>
           </a:p>
@@ -9112,10 +9112,1612 @@
           </a:p>
         </p:txBody>
       </p:sp>
+      <p:sp>
+        <p:nvSpPr>
+          <p:cNvPr id="29" name="楕円 28">
+            <a:extLst>
+              <a:ext uri="{FF2B5EF4-FFF2-40B4-BE49-F238E27FC236}">
+                <a16:creationId xmlns:a16="http://schemas.microsoft.com/office/drawing/2014/main" id="{FBAC4256-B906-4036-991A-55790746AE97}"/>
+              </a:ext>
+            </a:extLst>
+          </p:cNvPr>
+          <p:cNvSpPr/>
+          <p:nvPr/>
+        </p:nvSpPr>
+        <p:spPr>
+          <a:xfrm>
+            <a:off x="16218918" y="1413505"/>
+            <a:ext cx="1231641" cy="1231641"/>
+          </a:xfrm>
+          <a:prstGeom prst="ellipse">
+            <a:avLst/>
+          </a:prstGeom>
+          <a:noFill/>
+          <a:ln>
+            <a:solidFill>
+              <a:schemeClr val="tx1"/>
+            </a:solidFill>
+          </a:ln>
+        </p:spPr>
+        <p:style>
+          <a:lnRef idx="2">
+            <a:schemeClr val="accent1">
+              <a:shade val="50000"/>
+            </a:schemeClr>
+          </a:lnRef>
+          <a:fillRef idx="1">
+            <a:schemeClr val="accent1"/>
+          </a:fillRef>
+          <a:effectRef idx="0">
+            <a:schemeClr val="accent1"/>
+          </a:effectRef>
+          <a:fontRef idx="minor">
+            <a:schemeClr val="lt1"/>
+          </a:fontRef>
+        </p:style>
+        <p:txBody>
+          <a:bodyPr rtlCol="0" anchor="ctr"/>
+          <a:lstStyle/>
+          <a:p>
+            <a:pPr algn="ctr"/>
+            <a:r>
+              <a:rPr kumimoji="1" lang="en-US" altLang="ja-JP" sz="4000" dirty="0">
+                <a:solidFill>
+                  <a:schemeClr val="tx1"/>
+                </a:solidFill>
+              </a:rPr>
+              <a:t>X</a:t>
+            </a:r>
+            <a:endParaRPr kumimoji="1" lang="ja-JP" altLang="en-US" sz="4000" dirty="0">
+              <a:solidFill>
+                <a:schemeClr val="tx1"/>
+              </a:solidFill>
+            </a:endParaRPr>
+          </a:p>
+        </p:txBody>
+      </p:sp>
+      <p:sp>
+        <p:nvSpPr>
+          <p:cNvPr id="31" name="楕円 30">
+            <a:extLst>
+              <a:ext uri="{FF2B5EF4-FFF2-40B4-BE49-F238E27FC236}">
+                <a16:creationId xmlns:a16="http://schemas.microsoft.com/office/drawing/2014/main" id="{B005D3AD-B373-4C1F-BA12-295CDA12D927}"/>
+              </a:ext>
+            </a:extLst>
+          </p:cNvPr>
+          <p:cNvSpPr/>
+          <p:nvPr/>
+        </p:nvSpPr>
+        <p:spPr>
+          <a:xfrm>
+            <a:off x="16218918" y="3018369"/>
+            <a:ext cx="1231641" cy="1231641"/>
+          </a:xfrm>
+          <a:prstGeom prst="ellipse">
+            <a:avLst/>
+          </a:prstGeom>
+          <a:noFill/>
+          <a:ln>
+            <a:solidFill>
+              <a:schemeClr val="tx1"/>
+            </a:solidFill>
+          </a:ln>
+        </p:spPr>
+        <p:style>
+          <a:lnRef idx="2">
+            <a:schemeClr val="accent1">
+              <a:shade val="50000"/>
+            </a:schemeClr>
+          </a:lnRef>
+          <a:fillRef idx="1">
+            <a:schemeClr val="accent1"/>
+          </a:fillRef>
+          <a:effectRef idx="0">
+            <a:schemeClr val="accent1"/>
+          </a:effectRef>
+          <a:fontRef idx="minor">
+            <a:schemeClr val="lt1"/>
+          </a:fontRef>
+        </p:style>
+        <p:txBody>
+          <a:bodyPr rtlCol="0" anchor="ctr"/>
+          <a:lstStyle/>
+          <a:p>
+            <a:pPr algn="ctr"/>
+            <a:r>
+              <a:rPr kumimoji="1" lang="en-US" altLang="ja-JP" sz="4000" dirty="0">
+                <a:solidFill>
+                  <a:schemeClr val="tx1"/>
+                </a:solidFill>
+              </a:rPr>
+              <a:t>T</a:t>
+            </a:r>
+            <a:endParaRPr kumimoji="1" lang="ja-JP" altLang="en-US" sz="4000" dirty="0">
+              <a:solidFill>
+                <a:schemeClr val="tx1"/>
+              </a:solidFill>
+            </a:endParaRPr>
+          </a:p>
+        </p:txBody>
+      </p:sp>
+      <p:sp>
+        <p:nvSpPr>
+          <p:cNvPr id="32" name="楕円 31">
+            <a:extLst>
+              <a:ext uri="{FF2B5EF4-FFF2-40B4-BE49-F238E27FC236}">
+                <a16:creationId xmlns:a16="http://schemas.microsoft.com/office/drawing/2014/main" id="{3E544D70-5604-4007-9D22-535AC7845294}"/>
+              </a:ext>
+            </a:extLst>
+          </p:cNvPr>
+          <p:cNvSpPr/>
+          <p:nvPr/>
+        </p:nvSpPr>
+        <p:spPr>
+          <a:xfrm>
+            <a:off x="18451601" y="1362290"/>
+            <a:ext cx="1231641" cy="1231641"/>
+          </a:xfrm>
+          <a:prstGeom prst="ellipse">
+            <a:avLst/>
+          </a:prstGeom>
+          <a:noFill/>
+          <a:ln>
+            <a:solidFill>
+              <a:schemeClr val="tx1"/>
+            </a:solidFill>
+          </a:ln>
+        </p:spPr>
+        <p:style>
+          <a:lnRef idx="2">
+            <a:schemeClr val="accent1">
+              <a:shade val="50000"/>
+            </a:schemeClr>
+          </a:lnRef>
+          <a:fillRef idx="1">
+            <a:schemeClr val="accent1"/>
+          </a:fillRef>
+          <a:effectRef idx="0">
+            <a:schemeClr val="accent1"/>
+          </a:effectRef>
+          <a:fontRef idx="minor">
+            <a:schemeClr val="lt1"/>
+          </a:fontRef>
+        </p:style>
+        <p:txBody>
+          <a:bodyPr rtlCol="0" anchor="ctr"/>
+          <a:lstStyle/>
+          <a:p>
+            <a:pPr algn="ctr"/>
+            <a:r>
+              <a:rPr kumimoji="1" lang="en-US" altLang="ja-JP" sz="4000" dirty="0">
+                <a:solidFill>
+                  <a:schemeClr val="tx1"/>
+                </a:solidFill>
+              </a:rPr>
+              <a:t>X’</a:t>
+            </a:r>
+            <a:endParaRPr kumimoji="1" lang="ja-JP" altLang="en-US" sz="4000" dirty="0">
+              <a:solidFill>
+                <a:schemeClr val="tx1"/>
+              </a:solidFill>
+            </a:endParaRPr>
+          </a:p>
+        </p:txBody>
+      </p:sp>
+      <p:sp>
+        <p:nvSpPr>
+          <p:cNvPr id="34" name="楕円 33">
+            <a:extLst>
+              <a:ext uri="{FF2B5EF4-FFF2-40B4-BE49-F238E27FC236}">
+                <a16:creationId xmlns:a16="http://schemas.microsoft.com/office/drawing/2014/main" id="{D719739E-8211-4CEB-BDAB-D03FB7310F2B}"/>
+              </a:ext>
+            </a:extLst>
+          </p:cNvPr>
+          <p:cNvSpPr/>
+          <p:nvPr/>
+        </p:nvSpPr>
+        <p:spPr>
+          <a:xfrm>
+            <a:off x="18439183" y="2995107"/>
+            <a:ext cx="1231641" cy="1231641"/>
+          </a:xfrm>
+          <a:prstGeom prst="ellipse">
+            <a:avLst/>
+          </a:prstGeom>
+          <a:noFill/>
+          <a:ln>
+            <a:solidFill>
+              <a:schemeClr val="tx1"/>
+            </a:solidFill>
+          </a:ln>
+        </p:spPr>
+        <p:style>
+          <a:lnRef idx="2">
+            <a:schemeClr val="accent1">
+              <a:shade val="50000"/>
+            </a:schemeClr>
+          </a:lnRef>
+          <a:fillRef idx="1">
+            <a:schemeClr val="accent1"/>
+          </a:fillRef>
+          <a:effectRef idx="0">
+            <a:schemeClr val="accent1"/>
+          </a:effectRef>
+          <a:fontRef idx="minor">
+            <a:schemeClr val="lt1"/>
+          </a:fontRef>
+        </p:style>
+        <p:txBody>
+          <a:bodyPr rtlCol="0" anchor="ctr"/>
+          <a:lstStyle/>
+          <a:p>
+            <a:pPr algn="ctr"/>
+            <a:r>
+              <a:rPr kumimoji="1" lang="en-US" altLang="ja-JP" sz="4000" dirty="0">
+                <a:solidFill>
+                  <a:schemeClr val="tx1"/>
+                </a:solidFill>
+              </a:rPr>
+              <a:t>T’</a:t>
+            </a:r>
+            <a:endParaRPr kumimoji="1" lang="ja-JP" altLang="en-US" sz="4000" dirty="0">
+              <a:solidFill>
+                <a:schemeClr val="tx1"/>
+              </a:solidFill>
+            </a:endParaRPr>
+          </a:p>
+        </p:txBody>
+      </p:sp>
+      <p:sp>
+        <p:nvSpPr>
+          <p:cNvPr id="35" name="四角形: 角を丸くする 34">
+            <a:extLst>
+              <a:ext uri="{FF2B5EF4-FFF2-40B4-BE49-F238E27FC236}">
+                <a16:creationId xmlns:a16="http://schemas.microsoft.com/office/drawing/2014/main" id="{B4D53B4A-C3A9-4EB0-B540-085575320E53}"/>
+              </a:ext>
+            </a:extLst>
+          </p:cNvPr>
+          <p:cNvSpPr/>
+          <p:nvPr/>
+        </p:nvSpPr>
+        <p:spPr>
+          <a:xfrm>
+            <a:off x="15986072" y="1233962"/>
+            <a:ext cx="1722167" cy="3276582"/>
+          </a:xfrm>
+          <a:prstGeom prst="roundRect">
+            <a:avLst/>
+          </a:prstGeom>
+          <a:noFill/>
+          <a:ln>
+            <a:solidFill>
+              <a:schemeClr val="tx1"/>
+            </a:solidFill>
+          </a:ln>
+        </p:spPr>
+        <p:style>
+          <a:lnRef idx="2">
+            <a:schemeClr val="accent1">
+              <a:shade val="50000"/>
+            </a:schemeClr>
+          </a:lnRef>
+          <a:fillRef idx="1">
+            <a:schemeClr val="accent1"/>
+          </a:fillRef>
+          <a:effectRef idx="0">
+            <a:schemeClr val="accent1"/>
+          </a:effectRef>
+          <a:fontRef idx="minor">
+            <a:schemeClr val="lt1"/>
+          </a:fontRef>
+        </p:style>
+        <p:txBody>
+          <a:bodyPr rtlCol="0" anchor="ctr"/>
+          <a:lstStyle/>
+          <a:p>
+            <a:pPr algn="ctr"/>
+            <a:endParaRPr kumimoji="1" lang="ja-JP" altLang="en-US"/>
+          </a:p>
+        </p:txBody>
+      </p:sp>
+      <p:sp>
+        <p:nvSpPr>
+          <p:cNvPr id="36" name="四角形: 角を丸くする 35">
+            <a:extLst>
+              <a:ext uri="{FF2B5EF4-FFF2-40B4-BE49-F238E27FC236}">
+                <a16:creationId xmlns:a16="http://schemas.microsoft.com/office/drawing/2014/main" id="{ED750E49-9C2F-4479-947C-EB5166D61422}"/>
+              </a:ext>
+            </a:extLst>
+          </p:cNvPr>
+          <p:cNvSpPr/>
+          <p:nvPr/>
+        </p:nvSpPr>
+        <p:spPr>
+          <a:xfrm>
+            <a:off x="18193919" y="1182727"/>
+            <a:ext cx="1722167" cy="3276582"/>
+          </a:xfrm>
+          <a:prstGeom prst="roundRect">
+            <a:avLst/>
+          </a:prstGeom>
+          <a:noFill/>
+          <a:ln>
+            <a:solidFill>
+              <a:schemeClr val="tx1"/>
+            </a:solidFill>
+          </a:ln>
+        </p:spPr>
+        <p:style>
+          <a:lnRef idx="2">
+            <a:schemeClr val="accent1">
+              <a:shade val="50000"/>
+            </a:schemeClr>
+          </a:lnRef>
+          <a:fillRef idx="1">
+            <a:schemeClr val="accent1"/>
+          </a:fillRef>
+          <a:effectRef idx="0">
+            <a:schemeClr val="accent1"/>
+          </a:effectRef>
+          <a:fontRef idx="minor">
+            <a:schemeClr val="lt1"/>
+          </a:fontRef>
+        </p:style>
+        <p:txBody>
+          <a:bodyPr rtlCol="0" anchor="ctr"/>
+          <a:lstStyle/>
+          <a:p>
+            <a:pPr algn="ctr"/>
+            <a:endParaRPr kumimoji="1" lang="ja-JP" altLang="en-US"/>
+          </a:p>
+        </p:txBody>
+      </p:sp>
+      <p:sp>
+        <p:nvSpPr>
+          <p:cNvPr id="39" name="楕円 38">
+            <a:extLst>
+              <a:ext uri="{FF2B5EF4-FFF2-40B4-BE49-F238E27FC236}">
+                <a16:creationId xmlns:a16="http://schemas.microsoft.com/office/drawing/2014/main" id="{8008FE7A-332A-4ED8-BAAF-BDD3673DD79F}"/>
+              </a:ext>
+            </a:extLst>
+          </p:cNvPr>
+          <p:cNvSpPr/>
+          <p:nvPr/>
+        </p:nvSpPr>
+        <p:spPr>
+          <a:xfrm>
+            <a:off x="16125436" y="5907005"/>
+            <a:ext cx="1231641" cy="1231641"/>
+          </a:xfrm>
+          <a:prstGeom prst="ellipse">
+            <a:avLst/>
+          </a:prstGeom>
+          <a:noFill/>
+          <a:ln>
+            <a:solidFill>
+              <a:schemeClr val="tx1"/>
+            </a:solidFill>
+          </a:ln>
+        </p:spPr>
+        <p:style>
+          <a:lnRef idx="2">
+            <a:schemeClr val="accent1">
+              <a:shade val="50000"/>
+            </a:schemeClr>
+          </a:lnRef>
+          <a:fillRef idx="1">
+            <a:schemeClr val="accent1"/>
+          </a:fillRef>
+          <a:effectRef idx="0">
+            <a:schemeClr val="accent1"/>
+          </a:effectRef>
+          <a:fontRef idx="minor">
+            <a:schemeClr val="lt1"/>
+          </a:fontRef>
+        </p:style>
+        <p:txBody>
+          <a:bodyPr rtlCol="0" anchor="ctr"/>
+          <a:lstStyle/>
+          <a:p>
+            <a:pPr algn="ctr"/>
+            <a:r>
+              <a:rPr kumimoji="1" lang="en-US" altLang="ja-JP" sz="4000" dirty="0">
+                <a:solidFill>
+                  <a:schemeClr val="tx1"/>
+                </a:solidFill>
+              </a:rPr>
+              <a:t>X</a:t>
+            </a:r>
+            <a:endParaRPr kumimoji="1" lang="ja-JP" altLang="en-US" sz="4000" dirty="0">
+              <a:solidFill>
+                <a:schemeClr val="tx1"/>
+              </a:solidFill>
+            </a:endParaRPr>
+          </a:p>
+        </p:txBody>
+      </p:sp>
+      <p:cxnSp>
+        <p:nvCxnSpPr>
+          <p:cNvPr id="40" name="直線矢印コネクタ 39">
+            <a:extLst>
+              <a:ext uri="{FF2B5EF4-FFF2-40B4-BE49-F238E27FC236}">
+                <a16:creationId xmlns:a16="http://schemas.microsoft.com/office/drawing/2014/main" id="{F8CF0AAF-40F6-4885-9256-46DA266E4A3D}"/>
+              </a:ext>
+            </a:extLst>
+          </p:cNvPr>
+          <p:cNvCxnSpPr>
+            <a:cxnSpLocks/>
+            <a:stCxn id="39" idx="6"/>
+            <a:endCxn id="42" idx="2"/>
+          </p:cNvCxnSpPr>
+          <p:nvPr/>
+        </p:nvCxnSpPr>
+        <p:spPr>
+          <a:xfrm>
+            <a:off x="17357077" y="6522826"/>
+            <a:ext cx="1088525" cy="0"/>
+          </a:xfrm>
+          <a:prstGeom prst="straightConnector1">
+            <a:avLst/>
+          </a:prstGeom>
+          <a:ln>
+            <a:solidFill>
+              <a:schemeClr val="tx1"/>
+            </a:solidFill>
+            <a:tailEnd type="triangle" w="lg" len="lg"/>
+          </a:ln>
+        </p:spPr>
+        <p:style>
+          <a:lnRef idx="1">
+            <a:schemeClr val="accent1"/>
+          </a:lnRef>
+          <a:fillRef idx="0">
+            <a:schemeClr val="accent1"/>
+          </a:fillRef>
+          <a:effectRef idx="0">
+            <a:schemeClr val="accent1"/>
+          </a:effectRef>
+          <a:fontRef idx="minor">
+            <a:schemeClr val="tx1"/>
+          </a:fontRef>
+        </p:style>
+      </p:cxnSp>
+      <p:sp>
+        <p:nvSpPr>
+          <p:cNvPr id="42" name="楕円 41">
+            <a:extLst>
+              <a:ext uri="{FF2B5EF4-FFF2-40B4-BE49-F238E27FC236}">
+                <a16:creationId xmlns:a16="http://schemas.microsoft.com/office/drawing/2014/main" id="{1B0BE30B-02E0-4D54-9F1F-02D704398A93}"/>
+              </a:ext>
+            </a:extLst>
+          </p:cNvPr>
+          <p:cNvSpPr/>
+          <p:nvPr/>
+        </p:nvSpPr>
+        <p:spPr>
+          <a:xfrm>
+            <a:off x="18445602" y="5907005"/>
+            <a:ext cx="1231641" cy="1231641"/>
+          </a:xfrm>
+          <a:prstGeom prst="ellipse">
+            <a:avLst/>
+          </a:prstGeom>
+          <a:noFill/>
+          <a:ln>
+            <a:solidFill>
+              <a:schemeClr val="tx1"/>
+            </a:solidFill>
+          </a:ln>
+        </p:spPr>
+        <p:style>
+          <a:lnRef idx="2">
+            <a:schemeClr val="accent1">
+              <a:shade val="50000"/>
+            </a:schemeClr>
+          </a:lnRef>
+          <a:fillRef idx="1">
+            <a:schemeClr val="accent1"/>
+          </a:fillRef>
+          <a:effectRef idx="0">
+            <a:schemeClr val="accent1"/>
+          </a:effectRef>
+          <a:fontRef idx="minor">
+            <a:schemeClr val="lt1"/>
+          </a:fontRef>
+        </p:style>
+        <p:txBody>
+          <a:bodyPr rtlCol="0" anchor="ctr"/>
+          <a:lstStyle/>
+          <a:p>
+            <a:pPr algn="ctr"/>
+            <a:r>
+              <a:rPr kumimoji="1" lang="en-US" altLang="ja-JP" sz="4000" dirty="0">
+                <a:solidFill>
+                  <a:schemeClr val="tx1"/>
+                </a:solidFill>
+              </a:rPr>
+              <a:t>M</a:t>
+            </a:r>
+            <a:endParaRPr kumimoji="1" lang="ja-JP" altLang="en-US" sz="4000" dirty="0">
+              <a:solidFill>
+                <a:schemeClr val="tx1"/>
+              </a:solidFill>
+            </a:endParaRPr>
+          </a:p>
+        </p:txBody>
+      </p:sp>
+      <p:sp>
+        <p:nvSpPr>
+          <p:cNvPr id="43" name="楕円 42">
+            <a:extLst>
+              <a:ext uri="{FF2B5EF4-FFF2-40B4-BE49-F238E27FC236}">
+                <a16:creationId xmlns:a16="http://schemas.microsoft.com/office/drawing/2014/main" id="{0BA72811-4B6D-454C-8AF4-61D888F0675E}"/>
+              </a:ext>
+            </a:extLst>
+          </p:cNvPr>
+          <p:cNvSpPr/>
+          <p:nvPr/>
+        </p:nvSpPr>
+        <p:spPr>
+          <a:xfrm>
+            <a:off x="16125436" y="7511869"/>
+            <a:ext cx="1231641" cy="1231641"/>
+          </a:xfrm>
+          <a:prstGeom prst="ellipse">
+            <a:avLst/>
+          </a:prstGeom>
+          <a:noFill/>
+          <a:ln>
+            <a:solidFill>
+              <a:schemeClr val="tx1"/>
+            </a:solidFill>
+          </a:ln>
+        </p:spPr>
+        <p:style>
+          <a:lnRef idx="2">
+            <a:schemeClr val="accent1">
+              <a:shade val="50000"/>
+            </a:schemeClr>
+          </a:lnRef>
+          <a:fillRef idx="1">
+            <a:schemeClr val="accent1"/>
+          </a:fillRef>
+          <a:effectRef idx="0">
+            <a:schemeClr val="accent1"/>
+          </a:effectRef>
+          <a:fontRef idx="minor">
+            <a:schemeClr val="lt1"/>
+          </a:fontRef>
+        </p:style>
+        <p:txBody>
+          <a:bodyPr rtlCol="0" anchor="ctr"/>
+          <a:lstStyle/>
+          <a:p>
+            <a:pPr algn="ctr"/>
+            <a:r>
+              <a:rPr kumimoji="1" lang="en-US" altLang="ja-JP" sz="4000" dirty="0">
+                <a:solidFill>
+                  <a:schemeClr val="tx1"/>
+                </a:solidFill>
+              </a:rPr>
+              <a:t>T</a:t>
+            </a:r>
+            <a:endParaRPr kumimoji="1" lang="ja-JP" altLang="en-US" sz="4000" dirty="0">
+              <a:solidFill>
+                <a:schemeClr val="tx1"/>
+              </a:solidFill>
+            </a:endParaRPr>
+          </a:p>
+        </p:txBody>
+      </p:sp>
+      <p:cxnSp>
+        <p:nvCxnSpPr>
+          <p:cNvPr id="44" name="コネクタ: カギ線 43">
+            <a:extLst>
+              <a:ext uri="{FF2B5EF4-FFF2-40B4-BE49-F238E27FC236}">
+                <a16:creationId xmlns:a16="http://schemas.microsoft.com/office/drawing/2014/main" id="{8A99CF46-63AD-4493-8BCC-BBE98D2E145F}"/>
+              </a:ext>
+            </a:extLst>
+          </p:cNvPr>
+          <p:cNvCxnSpPr>
+            <a:cxnSpLocks/>
+            <a:stCxn id="43" idx="7"/>
+            <a:endCxn id="42" idx="3"/>
+          </p:cNvCxnSpPr>
+          <p:nvPr/>
+        </p:nvCxnSpPr>
+        <p:spPr>
+          <a:xfrm rot="5400000" flipH="1" flipV="1">
+            <a:off x="17534358" y="6600626"/>
+            <a:ext cx="733963" cy="1449265"/>
+          </a:xfrm>
+          <a:prstGeom prst="bentConnector3">
+            <a:avLst>
+              <a:gd name="adj1" fmla="val 50000"/>
+            </a:avLst>
+          </a:prstGeom>
+          <a:ln>
+            <a:solidFill>
+              <a:schemeClr val="tx1"/>
+            </a:solidFill>
+            <a:tailEnd type="triangle" w="lg" len="lg"/>
+          </a:ln>
+        </p:spPr>
+        <p:style>
+          <a:lnRef idx="1">
+            <a:schemeClr val="accent1"/>
+          </a:lnRef>
+          <a:fillRef idx="0">
+            <a:schemeClr val="accent1"/>
+          </a:fillRef>
+          <a:effectRef idx="0">
+            <a:schemeClr val="accent1"/>
+          </a:effectRef>
+          <a:fontRef idx="minor">
+            <a:schemeClr val="tx1"/>
+          </a:fontRef>
+        </p:style>
+      </p:cxnSp>
+      <p:sp>
+        <p:nvSpPr>
+          <p:cNvPr id="45" name="四角形: 角を丸くする 44">
+            <a:extLst>
+              <a:ext uri="{FF2B5EF4-FFF2-40B4-BE49-F238E27FC236}">
+                <a16:creationId xmlns:a16="http://schemas.microsoft.com/office/drawing/2014/main" id="{DFAED4B7-4333-46A1-840B-0381010E8EA8}"/>
+              </a:ext>
+            </a:extLst>
+          </p:cNvPr>
+          <p:cNvSpPr/>
+          <p:nvPr/>
+        </p:nvSpPr>
+        <p:spPr>
+          <a:xfrm>
+            <a:off x="15892590" y="5727462"/>
+            <a:ext cx="1722167" cy="3276582"/>
+          </a:xfrm>
+          <a:prstGeom prst="roundRect">
+            <a:avLst/>
+          </a:prstGeom>
+          <a:noFill/>
+          <a:ln>
+            <a:solidFill>
+              <a:schemeClr val="tx1"/>
+            </a:solidFill>
+          </a:ln>
+        </p:spPr>
+        <p:style>
+          <a:lnRef idx="2">
+            <a:schemeClr val="accent1">
+              <a:shade val="50000"/>
+            </a:schemeClr>
+          </a:lnRef>
+          <a:fillRef idx="1">
+            <a:schemeClr val="accent1"/>
+          </a:fillRef>
+          <a:effectRef idx="0">
+            <a:schemeClr val="accent1"/>
+          </a:effectRef>
+          <a:fontRef idx="minor">
+            <a:schemeClr val="lt1"/>
+          </a:fontRef>
+        </p:style>
+        <p:txBody>
+          <a:bodyPr rtlCol="0" anchor="ctr"/>
+          <a:lstStyle/>
+          <a:p>
+            <a:pPr algn="ctr"/>
+            <a:endParaRPr kumimoji="1" lang="ja-JP" altLang="en-US"/>
+          </a:p>
+        </p:txBody>
+      </p:sp>
+      <p:cxnSp>
+        <p:nvCxnSpPr>
+          <p:cNvPr id="47" name="コネクタ: カギ線 46">
+            <a:extLst>
+              <a:ext uri="{FF2B5EF4-FFF2-40B4-BE49-F238E27FC236}">
+                <a16:creationId xmlns:a16="http://schemas.microsoft.com/office/drawing/2014/main" id="{86FDD01A-68B4-46C8-A68C-526F32C215D5}"/>
+              </a:ext>
+            </a:extLst>
+          </p:cNvPr>
+          <p:cNvCxnSpPr>
+            <a:cxnSpLocks/>
+            <a:stCxn id="4" idx="0"/>
+            <a:endCxn id="16" idx="1"/>
+          </p:cNvCxnSpPr>
+          <p:nvPr/>
+        </p:nvCxnSpPr>
+        <p:spPr>
+          <a:xfrm rot="16200000" flipH="1">
+            <a:off x="4970095" y="-547384"/>
+            <a:ext cx="180369" cy="3999676"/>
+          </a:xfrm>
+          <a:prstGeom prst="bentConnector3">
+            <a:avLst>
+              <a:gd name="adj1" fmla="val -126741"/>
+            </a:avLst>
+          </a:prstGeom>
+          <a:ln>
+            <a:solidFill>
+              <a:schemeClr val="tx1"/>
+            </a:solidFill>
+            <a:tailEnd type="triangle" w="lg" len="lg"/>
+          </a:ln>
+        </p:spPr>
+        <p:style>
+          <a:lnRef idx="1">
+            <a:schemeClr val="accent1"/>
+          </a:lnRef>
+          <a:fillRef idx="0">
+            <a:schemeClr val="accent1"/>
+          </a:fillRef>
+          <a:effectRef idx="0">
+            <a:schemeClr val="accent1"/>
+          </a:effectRef>
+          <a:fontRef idx="minor">
+            <a:schemeClr val="tx1"/>
+          </a:fontRef>
+        </p:style>
+      </p:cxnSp>
+      <p:sp>
+        <p:nvSpPr>
+          <p:cNvPr id="55" name="楕円 54">
+            <a:extLst>
+              <a:ext uri="{FF2B5EF4-FFF2-40B4-BE49-F238E27FC236}">
+                <a16:creationId xmlns:a16="http://schemas.microsoft.com/office/drawing/2014/main" id="{99E3440D-2088-4E8D-88AC-C9FC3EC02419}"/>
+              </a:ext>
+            </a:extLst>
+          </p:cNvPr>
+          <p:cNvSpPr/>
+          <p:nvPr/>
+        </p:nvSpPr>
+        <p:spPr>
+          <a:xfrm>
+            <a:off x="14462450" y="10295607"/>
+            <a:ext cx="1231641" cy="1231641"/>
+          </a:xfrm>
+          <a:prstGeom prst="ellipse">
+            <a:avLst/>
+          </a:prstGeom>
+          <a:noFill/>
+          <a:ln>
+            <a:solidFill>
+              <a:schemeClr val="tx1"/>
+            </a:solidFill>
+          </a:ln>
+        </p:spPr>
+        <p:style>
+          <a:lnRef idx="2">
+            <a:schemeClr val="accent1">
+              <a:shade val="50000"/>
+            </a:schemeClr>
+          </a:lnRef>
+          <a:fillRef idx="1">
+            <a:schemeClr val="accent1"/>
+          </a:fillRef>
+          <a:effectRef idx="0">
+            <a:schemeClr val="accent1"/>
+          </a:effectRef>
+          <a:fontRef idx="minor">
+            <a:schemeClr val="lt1"/>
+          </a:fontRef>
+        </p:style>
+        <p:txBody>
+          <a:bodyPr rtlCol="0" anchor="ctr"/>
+          <a:lstStyle/>
+          <a:p>
+            <a:pPr algn="ctr"/>
+            <a:r>
+              <a:rPr kumimoji="1" lang="en-US" altLang="ja-JP" sz="4000" dirty="0">
+                <a:solidFill>
+                  <a:schemeClr val="tx1"/>
+                </a:solidFill>
+              </a:rPr>
+              <a:t>X</a:t>
+            </a:r>
+            <a:endParaRPr kumimoji="1" lang="ja-JP" altLang="en-US" sz="4000" dirty="0">
+              <a:solidFill>
+                <a:schemeClr val="tx1"/>
+              </a:solidFill>
+            </a:endParaRPr>
+          </a:p>
+        </p:txBody>
+      </p:sp>
+      <p:sp>
+        <p:nvSpPr>
+          <p:cNvPr id="59" name="楕円 58">
+            <a:extLst>
+              <a:ext uri="{FF2B5EF4-FFF2-40B4-BE49-F238E27FC236}">
+                <a16:creationId xmlns:a16="http://schemas.microsoft.com/office/drawing/2014/main" id="{C4A6C7C3-1A79-4DD7-8BDE-8D7F5F089803}"/>
+              </a:ext>
+            </a:extLst>
+          </p:cNvPr>
+          <p:cNvSpPr/>
+          <p:nvPr/>
+        </p:nvSpPr>
+        <p:spPr>
+          <a:xfrm>
+            <a:off x="16782616" y="10295607"/>
+            <a:ext cx="1231641" cy="1231641"/>
+          </a:xfrm>
+          <a:prstGeom prst="ellipse">
+            <a:avLst/>
+          </a:prstGeom>
+          <a:noFill/>
+          <a:ln>
+            <a:solidFill>
+              <a:schemeClr val="tx1"/>
+            </a:solidFill>
+          </a:ln>
+        </p:spPr>
+        <p:style>
+          <a:lnRef idx="2">
+            <a:schemeClr val="accent1">
+              <a:shade val="50000"/>
+            </a:schemeClr>
+          </a:lnRef>
+          <a:fillRef idx="1">
+            <a:schemeClr val="accent1"/>
+          </a:fillRef>
+          <a:effectRef idx="0">
+            <a:schemeClr val="accent1"/>
+          </a:effectRef>
+          <a:fontRef idx="minor">
+            <a:schemeClr val="lt1"/>
+          </a:fontRef>
+        </p:style>
+        <p:txBody>
+          <a:bodyPr rtlCol="0" anchor="ctr"/>
+          <a:lstStyle/>
+          <a:p>
+            <a:pPr algn="ctr"/>
+            <a:r>
+              <a:rPr kumimoji="1" lang="en-US" altLang="ja-JP" sz="4000" dirty="0">
+                <a:solidFill>
+                  <a:schemeClr val="tx1"/>
+                </a:solidFill>
+              </a:rPr>
+              <a:t>M</a:t>
+            </a:r>
+            <a:endParaRPr kumimoji="1" lang="ja-JP" altLang="en-US" sz="4000" dirty="0">
+              <a:solidFill>
+                <a:schemeClr val="tx1"/>
+              </a:solidFill>
+            </a:endParaRPr>
+          </a:p>
+        </p:txBody>
+      </p:sp>
+      <p:cxnSp>
+        <p:nvCxnSpPr>
+          <p:cNvPr id="60" name="直線矢印コネクタ 59">
+            <a:extLst>
+              <a:ext uri="{FF2B5EF4-FFF2-40B4-BE49-F238E27FC236}">
+                <a16:creationId xmlns:a16="http://schemas.microsoft.com/office/drawing/2014/main" id="{BFC37DD1-D1B8-423A-97A9-9B5BB18E545A}"/>
+              </a:ext>
+            </a:extLst>
+          </p:cNvPr>
+          <p:cNvCxnSpPr>
+            <a:cxnSpLocks/>
+            <a:stCxn id="59" idx="6"/>
+            <a:endCxn id="62" idx="2"/>
+          </p:cNvCxnSpPr>
+          <p:nvPr/>
+        </p:nvCxnSpPr>
+        <p:spPr>
+          <a:xfrm flipV="1">
+            <a:off x="18014257" y="10911427"/>
+            <a:ext cx="883320" cy="1"/>
+          </a:xfrm>
+          <a:prstGeom prst="straightConnector1">
+            <a:avLst/>
+          </a:prstGeom>
+          <a:ln>
+            <a:solidFill>
+              <a:schemeClr val="tx1"/>
+            </a:solidFill>
+            <a:tailEnd type="triangle" w="lg" len="lg"/>
+          </a:ln>
+        </p:spPr>
+        <p:style>
+          <a:lnRef idx="1">
+            <a:schemeClr val="accent1"/>
+          </a:lnRef>
+          <a:fillRef idx="0">
+            <a:schemeClr val="accent1"/>
+          </a:fillRef>
+          <a:effectRef idx="0">
+            <a:schemeClr val="accent1"/>
+          </a:effectRef>
+          <a:fontRef idx="minor">
+            <a:schemeClr val="tx1"/>
+          </a:fontRef>
+        </p:style>
+      </p:cxnSp>
+      <p:sp>
+        <p:nvSpPr>
+          <p:cNvPr id="62" name="楕円 61">
+            <a:extLst>
+              <a:ext uri="{FF2B5EF4-FFF2-40B4-BE49-F238E27FC236}">
+                <a16:creationId xmlns:a16="http://schemas.microsoft.com/office/drawing/2014/main" id="{AB85F33E-F693-4ABE-8760-7D0858CFE68C}"/>
+              </a:ext>
+            </a:extLst>
+          </p:cNvPr>
+          <p:cNvSpPr/>
+          <p:nvPr/>
+        </p:nvSpPr>
+        <p:spPr>
+          <a:xfrm>
+            <a:off x="18897577" y="10295606"/>
+            <a:ext cx="1231641" cy="1231641"/>
+          </a:xfrm>
+          <a:prstGeom prst="ellipse">
+            <a:avLst/>
+          </a:prstGeom>
+          <a:noFill/>
+          <a:ln>
+            <a:solidFill>
+              <a:schemeClr val="tx1"/>
+            </a:solidFill>
+          </a:ln>
+        </p:spPr>
+        <p:style>
+          <a:lnRef idx="2">
+            <a:schemeClr val="accent1">
+              <a:shade val="50000"/>
+            </a:schemeClr>
+          </a:lnRef>
+          <a:fillRef idx="1">
+            <a:schemeClr val="accent1"/>
+          </a:fillRef>
+          <a:effectRef idx="0">
+            <a:schemeClr val="accent1"/>
+          </a:effectRef>
+          <a:fontRef idx="minor">
+            <a:schemeClr val="lt1"/>
+          </a:fontRef>
+        </p:style>
+        <p:txBody>
+          <a:bodyPr rtlCol="0" anchor="ctr"/>
+          <a:lstStyle/>
+          <a:p>
+            <a:pPr algn="ctr"/>
+            <a:r>
+              <a:rPr kumimoji="1" lang="en-US" altLang="ja-JP" sz="4000" dirty="0">
+                <a:solidFill>
+                  <a:schemeClr val="tx1"/>
+                </a:solidFill>
+              </a:rPr>
+              <a:t>S</a:t>
+            </a:r>
+            <a:endParaRPr kumimoji="1" lang="ja-JP" altLang="en-US" sz="4000" dirty="0">
+              <a:solidFill>
+                <a:schemeClr val="tx1"/>
+              </a:solidFill>
+            </a:endParaRPr>
+          </a:p>
+        </p:txBody>
+      </p:sp>
+      <p:cxnSp>
+        <p:nvCxnSpPr>
+          <p:cNvPr id="63" name="コネクタ: カギ線 62">
+            <a:extLst>
+              <a:ext uri="{FF2B5EF4-FFF2-40B4-BE49-F238E27FC236}">
+                <a16:creationId xmlns:a16="http://schemas.microsoft.com/office/drawing/2014/main" id="{F7FCBF4D-4DC6-4E22-B83F-7250E6E5B07D}"/>
+              </a:ext>
+            </a:extLst>
+          </p:cNvPr>
+          <p:cNvCxnSpPr>
+            <a:cxnSpLocks/>
+            <a:stCxn id="55" idx="0"/>
+            <a:endCxn id="62" idx="1"/>
+          </p:cNvCxnSpPr>
+          <p:nvPr/>
+        </p:nvCxnSpPr>
+        <p:spPr>
+          <a:xfrm rot="16200000" flipH="1">
+            <a:off x="16987924" y="8385953"/>
+            <a:ext cx="180369" cy="3999676"/>
+          </a:xfrm>
+          <a:prstGeom prst="bentConnector3">
+            <a:avLst>
+              <a:gd name="adj1" fmla="val -126741"/>
+            </a:avLst>
+          </a:prstGeom>
+          <a:ln>
+            <a:solidFill>
+              <a:schemeClr val="tx1"/>
+            </a:solidFill>
+            <a:tailEnd type="triangle" w="lg" len="lg"/>
+          </a:ln>
+        </p:spPr>
+        <p:style>
+          <a:lnRef idx="1">
+            <a:schemeClr val="accent1"/>
+          </a:lnRef>
+          <a:fillRef idx="0">
+            <a:schemeClr val="accent1"/>
+          </a:fillRef>
+          <a:effectRef idx="0">
+            <a:schemeClr val="accent1"/>
+          </a:effectRef>
+          <a:fontRef idx="minor">
+            <a:schemeClr val="tx1"/>
+          </a:fontRef>
+        </p:style>
+      </p:cxnSp>
+      <p:sp>
+        <p:nvSpPr>
+          <p:cNvPr id="71" name="楕円 70">
+            <a:extLst>
+              <a:ext uri="{FF2B5EF4-FFF2-40B4-BE49-F238E27FC236}">
+                <a16:creationId xmlns:a16="http://schemas.microsoft.com/office/drawing/2014/main" id="{0EC3ED2F-BC87-4E30-AF83-8877F1BF7A75}"/>
+              </a:ext>
+            </a:extLst>
+          </p:cNvPr>
+          <p:cNvSpPr/>
+          <p:nvPr/>
+        </p:nvSpPr>
+        <p:spPr>
+          <a:xfrm>
+            <a:off x="12505578" y="7362672"/>
+            <a:ext cx="1231641" cy="1231641"/>
+          </a:xfrm>
+          <a:prstGeom prst="ellipse">
+            <a:avLst/>
+          </a:prstGeom>
+          <a:noFill/>
+          <a:ln>
+            <a:solidFill>
+              <a:schemeClr val="tx1"/>
+            </a:solidFill>
+          </a:ln>
+        </p:spPr>
+        <p:style>
+          <a:lnRef idx="2">
+            <a:schemeClr val="accent1">
+              <a:shade val="50000"/>
+            </a:schemeClr>
+          </a:lnRef>
+          <a:fillRef idx="1">
+            <a:schemeClr val="accent1"/>
+          </a:fillRef>
+          <a:effectRef idx="0">
+            <a:schemeClr val="accent1"/>
+          </a:effectRef>
+          <a:fontRef idx="minor">
+            <a:schemeClr val="lt1"/>
+          </a:fontRef>
+        </p:style>
+        <p:txBody>
+          <a:bodyPr rtlCol="0" anchor="ctr"/>
+          <a:lstStyle/>
+          <a:p>
+            <a:pPr algn="ctr"/>
+            <a:r>
+              <a:rPr kumimoji="1" lang="en-US" altLang="ja-JP" sz="4000" dirty="0">
+                <a:solidFill>
+                  <a:schemeClr val="tx1"/>
+                </a:solidFill>
+              </a:rPr>
+              <a:t>S</a:t>
+            </a:r>
+            <a:endParaRPr kumimoji="1" lang="ja-JP" altLang="en-US" sz="4000" dirty="0">
+              <a:solidFill>
+                <a:schemeClr val="tx1"/>
+              </a:solidFill>
+            </a:endParaRPr>
+          </a:p>
+        </p:txBody>
+      </p:sp>
+      <p:sp>
+        <p:nvSpPr>
+          <p:cNvPr id="72" name="楕円 71">
+            <a:extLst>
+              <a:ext uri="{FF2B5EF4-FFF2-40B4-BE49-F238E27FC236}">
+                <a16:creationId xmlns:a16="http://schemas.microsoft.com/office/drawing/2014/main" id="{0EAF595C-EF0D-475B-B3B7-B1D3BD164BCE}"/>
+              </a:ext>
+            </a:extLst>
+          </p:cNvPr>
+          <p:cNvSpPr/>
+          <p:nvPr/>
+        </p:nvSpPr>
+        <p:spPr>
+          <a:xfrm>
+            <a:off x="8070451" y="8967537"/>
+            <a:ext cx="1231641" cy="1231641"/>
+          </a:xfrm>
+          <a:prstGeom prst="ellipse">
+            <a:avLst/>
+          </a:prstGeom>
+          <a:noFill/>
+          <a:ln>
+            <a:solidFill>
+              <a:schemeClr val="tx1"/>
+            </a:solidFill>
+          </a:ln>
+        </p:spPr>
+        <p:style>
+          <a:lnRef idx="2">
+            <a:schemeClr val="accent1">
+              <a:shade val="50000"/>
+            </a:schemeClr>
+          </a:lnRef>
+          <a:fillRef idx="1">
+            <a:schemeClr val="accent1"/>
+          </a:fillRef>
+          <a:effectRef idx="0">
+            <a:schemeClr val="accent1"/>
+          </a:effectRef>
+          <a:fontRef idx="minor">
+            <a:schemeClr val="lt1"/>
+          </a:fontRef>
+        </p:style>
+        <p:txBody>
+          <a:bodyPr rtlCol="0" anchor="ctr"/>
+          <a:lstStyle/>
+          <a:p>
+            <a:pPr algn="ctr"/>
+            <a:r>
+              <a:rPr kumimoji="1" lang="en-US" altLang="ja-JP" sz="4000" dirty="0">
+                <a:solidFill>
+                  <a:schemeClr val="tx1"/>
+                </a:solidFill>
+              </a:rPr>
+              <a:t>T</a:t>
+            </a:r>
+            <a:endParaRPr kumimoji="1" lang="ja-JP" altLang="en-US" sz="4000" dirty="0">
+              <a:solidFill>
+                <a:schemeClr val="tx1"/>
+              </a:solidFill>
+            </a:endParaRPr>
+          </a:p>
+        </p:txBody>
+      </p:sp>
+      <p:sp>
+        <p:nvSpPr>
+          <p:cNvPr id="73" name="楕円 72">
+            <a:extLst>
+              <a:ext uri="{FF2B5EF4-FFF2-40B4-BE49-F238E27FC236}">
+                <a16:creationId xmlns:a16="http://schemas.microsoft.com/office/drawing/2014/main" id="{8BA49E06-4D1A-4F5F-9408-53E044F53091}"/>
+              </a:ext>
+            </a:extLst>
+          </p:cNvPr>
+          <p:cNvSpPr/>
+          <p:nvPr/>
+        </p:nvSpPr>
+        <p:spPr>
+          <a:xfrm>
+            <a:off x="14225498" y="7362671"/>
+            <a:ext cx="1231641" cy="1231641"/>
+          </a:xfrm>
+          <a:prstGeom prst="ellipse">
+            <a:avLst/>
+          </a:prstGeom>
+          <a:noFill/>
+          <a:ln>
+            <a:solidFill>
+              <a:schemeClr val="tx1"/>
+            </a:solidFill>
+          </a:ln>
+        </p:spPr>
+        <p:style>
+          <a:lnRef idx="2">
+            <a:schemeClr val="accent1">
+              <a:shade val="50000"/>
+            </a:schemeClr>
+          </a:lnRef>
+          <a:fillRef idx="1">
+            <a:schemeClr val="accent1"/>
+          </a:fillRef>
+          <a:effectRef idx="0">
+            <a:schemeClr val="accent1"/>
+          </a:effectRef>
+          <a:fontRef idx="minor">
+            <a:schemeClr val="lt1"/>
+          </a:fontRef>
+        </p:style>
+        <p:txBody>
+          <a:bodyPr rtlCol="0" anchor="ctr"/>
+          <a:lstStyle/>
+          <a:p>
+            <a:pPr algn="ctr"/>
+            <a:r>
+              <a:rPr kumimoji="1" lang="en-US" altLang="ja-JP" sz="4000" dirty="0">
+                <a:solidFill>
+                  <a:schemeClr val="tx1"/>
+                </a:solidFill>
+              </a:rPr>
+              <a:t>C</a:t>
+            </a:r>
+            <a:endParaRPr kumimoji="1" lang="ja-JP" altLang="en-US" sz="4000" dirty="0">
+              <a:solidFill>
+                <a:schemeClr val="tx1"/>
+              </a:solidFill>
+            </a:endParaRPr>
+          </a:p>
+        </p:txBody>
+      </p:sp>
+      <p:cxnSp>
+        <p:nvCxnSpPr>
+          <p:cNvPr id="76" name="直線矢印コネクタ 75">
+            <a:extLst>
+              <a:ext uri="{FF2B5EF4-FFF2-40B4-BE49-F238E27FC236}">
+                <a16:creationId xmlns:a16="http://schemas.microsoft.com/office/drawing/2014/main" id="{D3868761-1718-4787-911F-5870D4EF3647}"/>
+              </a:ext>
+            </a:extLst>
+          </p:cNvPr>
+          <p:cNvCxnSpPr>
+            <a:cxnSpLocks/>
+            <a:stCxn id="71" idx="6"/>
+            <a:endCxn id="73" idx="2"/>
+          </p:cNvCxnSpPr>
+          <p:nvPr/>
+        </p:nvCxnSpPr>
+        <p:spPr>
+          <a:xfrm flipV="1">
+            <a:off x="13737219" y="7978492"/>
+            <a:ext cx="488279" cy="1"/>
+          </a:xfrm>
+          <a:prstGeom prst="straightConnector1">
+            <a:avLst/>
+          </a:prstGeom>
+          <a:ln>
+            <a:solidFill>
+              <a:schemeClr val="tx1"/>
+            </a:solidFill>
+            <a:tailEnd type="triangle" w="lg" len="lg"/>
+          </a:ln>
+        </p:spPr>
+        <p:style>
+          <a:lnRef idx="1">
+            <a:schemeClr val="accent1"/>
+          </a:lnRef>
+          <a:fillRef idx="0">
+            <a:schemeClr val="accent1"/>
+          </a:fillRef>
+          <a:effectRef idx="0">
+            <a:schemeClr val="accent1"/>
+          </a:effectRef>
+          <a:fontRef idx="minor">
+            <a:schemeClr val="tx1"/>
+          </a:fontRef>
+        </p:style>
+      </p:cxnSp>
+      <p:cxnSp>
+        <p:nvCxnSpPr>
+          <p:cNvPr id="78" name="コネクタ: カギ線 77">
+            <a:extLst>
+              <a:ext uri="{FF2B5EF4-FFF2-40B4-BE49-F238E27FC236}">
+                <a16:creationId xmlns:a16="http://schemas.microsoft.com/office/drawing/2014/main" id="{5CD7A83E-140A-4D6A-8BA4-D2B7D827DC42}"/>
+              </a:ext>
+            </a:extLst>
+          </p:cNvPr>
+          <p:cNvCxnSpPr>
+            <a:cxnSpLocks/>
+            <a:stCxn id="72" idx="6"/>
+            <a:endCxn id="73" idx="4"/>
+          </p:cNvCxnSpPr>
+          <p:nvPr/>
+        </p:nvCxnSpPr>
+        <p:spPr>
+          <a:xfrm flipV="1">
+            <a:off x="9302092" y="8594312"/>
+            <a:ext cx="5539227" cy="989046"/>
+          </a:xfrm>
+          <a:prstGeom prst="bentConnector2">
+            <a:avLst/>
+          </a:prstGeom>
+          <a:ln>
+            <a:solidFill>
+              <a:schemeClr val="tx1"/>
+            </a:solidFill>
+            <a:tailEnd type="triangle" w="lg" len="lg"/>
+          </a:ln>
+        </p:spPr>
+        <p:style>
+          <a:lnRef idx="1">
+            <a:schemeClr val="accent1"/>
+          </a:lnRef>
+          <a:fillRef idx="0">
+            <a:schemeClr val="accent1"/>
+          </a:fillRef>
+          <a:effectRef idx="0">
+            <a:schemeClr val="accent1"/>
+          </a:effectRef>
+          <a:fontRef idx="minor">
+            <a:schemeClr val="tx1"/>
+          </a:fontRef>
+        </p:style>
+      </p:cxnSp>
+      <p:cxnSp>
+        <p:nvCxnSpPr>
+          <p:cNvPr id="81" name="直線矢印コネクタ 80">
+            <a:extLst>
+              <a:ext uri="{FF2B5EF4-FFF2-40B4-BE49-F238E27FC236}">
+                <a16:creationId xmlns:a16="http://schemas.microsoft.com/office/drawing/2014/main" id="{EA8172E6-493B-4955-8174-20C37DEDD8BA}"/>
+              </a:ext>
+            </a:extLst>
+          </p:cNvPr>
+          <p:cNvCxnSpPr>
+            <a:cxnSpLocks/>
+            <a:stCxn id="83" idx="6"/>
+            <a:endCxn id="85" idx="2"/>
+          </p:cNvCxnSpPr>
+          <p:nvPr/>
+        </p:nvCxnSpPr>
+        <p:spPr>
+          <a:xfrm>
+            <a:off x="5082868" y="12149309"/>
+            <a:ext cx="733189" cy="0"/>
+          </a:xfrm>
+          <a:prstGeom prst="straightConnector1">
+            <a:avLst/>
+          </a:prstGeom>
+          <a:ln>
+            <a:solidFill>
+              <a:schemeClr val="tx1"/>
+            </a:solidFill>
+            <a:tailEnd type="triangle" w="lg" len="lg"/>
+          </a:ln>
+        </p:spPr>
+        <p:style>
+          <a:lnRef idx="1">
+            <a:schemeClr val="accent1"/>
+          </a:lnRef>
+          <a:fillRef idx="0">
+            <a:schemeClr val="accent1"/>
+          </a:fillRef>
+          <a:effectRef idx="0">
+            <a:schemeClr val="accent1"/>
+          </a:effectRef>
+          <a:fontRef idx="minor">
+            <a:schemeClr val="tx1"/>
+          </a:fontRef>
+        </p:style>
+      </p:cxnSp>
+      <p:sp>
+        <p:nvSpPr>
+          <p:cNvPr id="82" name="楕円 81">
+            <a:extLst>
+              <a:ext uri="{FF2B5EF4-FFF2-40B4-BE49-F238E27FC236}">
+                <a16:creationId xmlns:a16="http://schemas.microsoft.com/office/drawing/2014/main" id="{E406BF8E-FB33-4FC2-A434-4DC3B3384D09}"/>
+              </a:ext>
+            </a:extLst>
+          </p:cNvPr>
+          <p:cNvSpPr/>
+          <p:nvPr/>
+        </p:nvSpPr>
+        <p:spPr>
+          <a:xfrm>
+            <a:off x="2131307" y="11533489"/>
+            <a:ext cx="1231641" cy="1231641"/>
+          </a:xfrm>
+          <a:prstGeom prst="ellipse">
+            <a:avLst/>
+          </a:prstGeom>
+          <a:noFill/>
+          <a:ln>
+            <a:solidFill>
+              <a:schemeClr val="tx1"/>
+            </a:solidFill>
+          </a:ln>
+        </p:spPr>
+        <p:style>
+          <a:lnRef idx="2">
+            <a:schemeClr val="accent1">
+              <a:shade val="50000"/>
+            </a:schemeClr>
+          </a:lnRef>
+          <a:fillRef idx="1">
+            <a:schemeClr val="accent1"/>
+          </a:fillRef>
+          <a:effectRef idx="0">
+            <a:schemeClr val="accent1"/>
+          </a:effectRef>
+          <a:fontRef idx="minor">
+            <a:schemeClr val="lt1"/>
+          </a:fontRef>
+        </p:style>
+        <p:txBody>
+          <a:bodyPr rtlCol="0" anchor="ctr"/>
+          <a:lstStyle/>
+          <a:p>
+            <a:pPr algn="ctr"/>
+            <a:r>
+              <a:rPr kumimoji="1" lang="en-US" altLang="ja-JP" sz="4000" dirty="0">
+                <a:solidFill>
+                  <a:schemeClr val="tx1"/>
+                </a:solidFill>
+              </a:rPr>
+              <a:t>S</a:t>
+            </a:r>
+            <a:endParaRPr kumimoji="1" lang="ja-JP" altLang="en-US" sz="4000" dirty="0">
+              <a:solidFill>
+                <a:schemeClr val="tx1"/>
+              </a:solidFill>
+            </a:endParaRPr>
+          </a:p>
+        </p:txBody>
+      </p:sp>
+      <p:sp>
+        <p:nvSpPr>
+          <p:cNvPr id="83" name="楕円 82">
+            <a:extLst>
+              <a:ext uri="{FF2B5EF4-FFF2-40B4-BE49-F238E27FC236}">
+                <a16:creationId xmlns:a16="http://schemas.microsoft.com/office/drawing/2014/main" id="{304B0BC0-CC7E-4091-8845-3AA2D1BC741D}"/>
+              </a:ext>
+            </a:extLst>
+          </p:cNvPr>
+          <p:cNvSpPr/>
+          <p:nvPr/>
+        </p:nvSpPr>
+        <p:spPr>
+          <a:xfrm>
+            <a:off x="3851227" y="11533488"/>
+            <a:ext cx="1231641" cy="1231641"/>
+          </a:xfrm>
+          <a:prstGeom prst="ellipse">
+            <a:avLst/>
+          </a:prstGeom>
+          <a:noFill/>
+          <a:ln>
+            <a:solidFill>
+              <a:schemeClr val="tx1"/>
+            </a:solidFill>
+          </a:ln>
+        </p:spPr>
+        <p:style>
+          <a:lnRef idx="2">
+            <a:schemeClr val="accent1">
+              <a:shade val="50000"/>
+            </a:schemeClr>
+          </a:lnRef>
+          <a:fillRef idx="1">
+            <a:schemeClr val="accent1"/>
+          </a:fillRef>
+          <a:effectRef idx="0">
+            <a:schemeClr val="accent1"/>
+          </a:effectRef>
+          <a:fontRef idx="minor">
+            <a:schemeClr val="lt1"/>
+          </a:fontRef>
+        </p:style>
+        <p:txBody>
+          <a:bodyPr rtlCol="0" anchor="ctr"/>
+          <a:lstStyle/>
+          <a:p>
+            <a:pPr algn="ctr"/>
+            <a:r>
+              <a:rPr kumimoji="1" lang="en-US" altLang="ja-JP" sz="4000" dirty="0">
+                <a:solidFill>
+                  <a:schemeClr val="tx1"/>
+                </a:solidFill>
+              </a:rPr>
+              <a:t>C</a:t>
+            </a:r>
+            <a:endParaRPr kumimoji="1" lang="ja-JP" altLang="en-US" sz="4000" dirty="0">
+              <a:solidFill>
+                <a:schemeClr val="tx1"/>
+              </a:solidFill>
+            </a:endParaRPr>
+          </a:p>
+        </p:txBody>
+      </p:sp>
+      <p:sp>
+        <p:nvSpPr>
+          <p:cNvPr id="85" name="楕円 84">
+            <a:extLst>
+              <a:ext uri="{FF2B5EF4-FFF2-40B4-BE49-F238E27FC236}">
+                <a16:creationId xmlns:a16="http://schemas.microsoft.com/office/drawing/2014/main" id="{D7B3EEBE-2CDC-43FD-89CD-F9FA6EFD2F12}"/>
+              </a:ext>
+            </a:extLst>
+          </p:cNvPr>
+          <p:cNvSpPr/>
+          <p:nvPr/>
+        </p:nvSpPr>
+        <p:spPr>
+          <a:xfrm>
+            <a:off x="5816057" y="11533488"/>
+            <a:ext cx="1231641" cy="1231641"/>
+          </a:xfrm>
+          <a:prstGeom prst="ellipse">
+            <a:avLst/>
+          </a:prstGeom>
+          <a:noFill/>
+          <a:ln>
+            <a:solidFill>
+              <a:schemeClr val="tx1"/>
+            </a:solidFill>
+          </a:ln>
+        </p:spPr>
+        <p:style>
+          <a:lnRef idx="2">
+            <a:schemeClr val="accent1">
+              <a:shade val="50000"/>
+            </a:schemeClr>
+          </a:lnRef>
+          <a:fillRef idx="1">
+            <a:schemeClr val="accent1"/>
+          </a:fillRef>
+          <a:effectRef idx="0">
+            <a:schemeClr val="accent1"/>
+          </a:effectRef>
+          <a:fontRef idx="minor">
+            <a:schemeClr val="lt1"/>
+          </a:fontRef>
+        </p:style>
+        <p:txBody>
+          <a:bodyPr rtlCol="0" anchor="ctr"/>
+          <a:lstStyle/>
+          <a:p>
+            <a:pPr algn="ctr"/>
+            <a:r>
+              <a:rPr kumimoji="1" lang="en-US" altLang="ja-JP" sz="4000" dirty="0">
+                <a:solidFill>
+                  <a:schemeClr val="tx1"/>
+                </a:solidFill>
+              </a:rPr>
+              <a:t>Y</a:t>
+            </a:r>
+            <a:endParaRPr kumimoji="1" lang="ja-JP" altLang="en-US" sz="4000" dirty="0">
+              <a:solidFill>
+                <a:schemeClr val="tx1"/>
+              </a:solidFill>
+            </a:endParaRPr>
+          </a:p>
+        </p:txBody>
+      </p:sp>
+      <p:cxnSp>
+        <p:nvCxnSpPr>
+          <p:cNvPr id="86" name="コネクタ: カギ線 85">
+            <a:extLst>
+              <a:ext uri="{FF2B5EF4-FFF2-40B4-BE49-F238E27FC236}">
+                <a16:creationId xmlns:a16="http://schemas.microsoft.com/office/drawing/2014/main" id="{C7B97418-CB10-435B-A22D-B152F12F99E9}"/>
+              </a:ext>
+            </a:extLst>
+          </p:cNvPr>
+          <p:cNvCxnSpPr>
+            <a:cxnSpLocks/>
+            <a:stCxn id="82" idx="0"/>
+            <a:endCxn id="85" idx="0"/>
+          </p:cNvCxnSpPr>
+          <p:nvPr/>
+        </p:nvCxnSpPr>
+        <p:spPr>
+          <a:xfrm rot="5400000" flipH="1" flipV="1">
+            <a:off x="4589503" y="9691114"/>
+            <a:ext cx="1" cy="3684750"/>
+          </a:xfrm>
+          <a:prstGeom prst="bentConnector3">
+            <a:avLst>
+              <a:gd name="adj1" fmla="val 22860100000"/>
+            </a:avLst>
+          </a:prstGeom>
+          <a:ln>
+            <a:solidFill>
+              <a:schemeClr val="tx1"/>
+            </a:solidFill>
+            <a:tailEnd type="triangle" w="lg" len="lg"/>
+          </a:ln>
+        </p:spPr>
+        <p:style>
+          <a:lnRef idx="1">
+            <a:schemeClr val="accent1"/>
+          </a:lnRef>
+          <a:fillRef idx="0">
+            <a:schemeClr val="accent1"/>
+          </a:fillRef>
+          <a:effectRef idx="0">
+            <a:schemeClr val="accent1"/>
+          </a:effectRef>
+          <a:fontRef idx="minor">
+            <a:schemeClr val="tx1"/>
+          </a:fontRef>
+        </p:style>
+      </p:cxnSp>
     </p:spTree>
     <p:extLst>
       <p:ext uri="{BB962C8B-B14F-4D97-AF65-F5344CB8AC3E}">
-        <p14:creationId xmlns:p14="http://schemas.microsoft.com/office/powerpoint/2010/main" val="3178158607"/>
+        <p14:creationId xmlns:p14="http://schemas.microsoft.com/office/powerpoint/2010/main" val="2968964554"/>
       </p:ext>
     </p:extLst>
   </p:cSld>

--- a/unbalance/images.pptx
+++ b/unbalance/images.pptx
@@ -292,7 +292,7 @@
           <a:p>
             <a:fld id="{FB7CF62E-CE0A-4A24-BF36-7EEB5EF31D49}" type="datetimeFigureOut">
               <a:rPr kumimoji="1" lang="ja-JP" altLang="en-US" smtClean="0"/>
-              <a:t>2020/2/11</a:t>
+              <a:t>2020/2/13</a:t>
             </a:fld>
             <a:endParaRPr kumimoji="1" lang="ja-JP" altLang="en-US"/>
           </a:p>
@@ -494,7 +494,7 @@
           <a:p>
             <a:fld id="{FB7CF62E-CE0A-4A24-BF36-7EEB5EF31D49}" type="datetimeFigureOut">
               <a:rPr kumimoji="1" lang="ja-JP" altLang="en-US" smtClean="0"/>
-              <a:t>2020/2/11</a:t>
+              <a:t>2020/2/13</a:t>
             </a:fld>
             <a:endParaRPr kumimoji="1" lang="ja-JP" altLang="en-US"/>
           </a:p>
@@ -706,7 +706,7 @@
           <a:p>
             <a:fld id="{FB7CF62E-CE0A-4A24-BF36-7EEB5EF31D49}" type="datetimeFigureOut">
               <a:rPr kumimoji="1" lang="ja-JP" altLang="en-US" smtClean="0"/>
-              <a:t>2020/2/11</a:t>
+              <a:t>2020/2/13</a:t>
             </a:fld>
             <a:endParaRPr kumimoji="1" lang="ja-JP" altLang="en-US"/>
           </a:p>
@@ -908,7 +908,7 @@
           <a:p>
             <a:fld id="{FB7CF62E-CE0A-4A24-BF36-7EEB5EF31D49}" type="datetimeFigureOut">
               <a:rPr kumimoji="1" lang="ja-JP" altLang="en-US" smtClean="0"/>
-              <a:t>2020/2/11</a:t>
+              <a:t>2020/2/13</a:t>
             </a:fld>
             <a:endParaRPr kumimoji="1" lang="ja-JP" altLang="en-US"/>
           </a:p>
@@ -1152,7 +1152,7 @@
           <a:p>
             <a:fld id="{FB7CF62E-CE0A-4A24-BF36-7EEB5EF31D49}" type="datetimeFigureOut">
               <a:rPr kumimoji="1" lang="ja-JP" altLang="en-US" smtClean="0"/>
-              <a:t>2020/2/11</a:t>
+              <a:t>2020/2/13</a:t>
             </a:fld>
             <a:endParaRPr kumimoji="1" lang="ja-JP" altLang="en-US"/>
           </a:p>
@@ -1448,7 +1448,7 @@
           <a:p>
             <a:fld id="{FB7CF62E-CE0A-4A24-BF36-7EEB5EF31D49}" type="datetimeFigureOut">
               <a:rPr kumimoji="1" lang="ja-JP" altLang="en-US" smtClean="0"/>
-              <a:t>2020/2/11</a:t>
+              <a:t>2020/2/13</a:t>
             </a:fld>
             <a:endParaRPr kumimoji="1" lang="ja-JP" altLang="en-US"/>
           </a:p>
@@ -1879,7 +1879,7 @@
           <a:p>
             <a:fld id="{FB7CF62E-CE0A-4A24-BF36-7EEB5EF31D49}" type="datetimeFigureOut">
               <a:rPr kumimoji="1" lang="ja-JP" altLang="en-US" smtClean="0"/>
-              <a:t>2020/2/11</a:t>
+              <a:t>2020/2/13</a:t>
             </a:fld>
             <a:endParaRPr kumimoji="1" lang="ja-JP" altLang="en-US"/>
           </a:p>
@@ -1997,7 +1997,7 @@
           <a:p>
             <a:fld id="{FB7CF62E-CE0A-4A24-BF36-7EEB5EF31D49}" type="datetimeFigureOut">
               <a:rPr kumimoji="1" lang="ja-JP" altLang="en-US" smtClean="0"/>
-              <a:t>2020/2/11</a:t>
+              <a:t>2020/2/13</a:t>
             </a:fld>
             <a:endParaRPr kumimoji="1" lang="ja-JP" altLang="en-US"/>
           </a:p>
@@ -2092,7 +2092,7 @@
           <a:p>
             <a:fld id="{FB7CF62E-CE0A-4A24-BF36-7EEB5EF31D49}" type="datetimeFigureOut">
               <a:rPr kumimoji="1" lang="ja-JP" altLang="en-US" smtClean="0"/>
-              <a:t>2020/2/11</a:t>
+              <a:t>2020/2/13</a:t>
             </a:fld>
             <a:endParaRPr kumimoji="1" lang="ja-JP" altLang="en-US"/>
           </a:p>
@@ -2401,7 +2401,7 @@
           <a:p>
             <a:fld id="{FB7CF62E-CE0A-4A24-BF36-7EEB5EF31D49}" type="datetimeFigureOut">
               <a:rPr kumimoji="1" lang="ja-JP" altLang="en-US" smtClean="0"/>
-              <a:t>2020/2/11</a:t>
+              <a:t>2020/2/13</a:t>
             </a:fld>
             <a:endParaRPr kumimoji="1" lang="ja-JP" altLang="en-US"/>
           </a:p>
@@ -2658,7 +2658,7 @@
           <a:p>
             <a:fld id="{FB7CF62E-CE0A-4A24-BF36-7EEB5EF31D49}" type="datetimeFigureOut">
               <a:rPr kumimoji="1" lang="ja-JP" altLang="en-US" smtClean="0"/>
-              <a:t>2020/2/11</a:t>
+              <a:t>2020/2/13</a:t>
             </a:fld>
             <a:endParaRPr kumimoji="1" lang="ja-JP" altLang="en-US"/>
           </a:p>
@@ -2903,7 +2903,7 @@
           <a:p>
             <a:fld id="{FB7CF62E-CE0A-4A24-BF36-7EEB5EF31D49}" type="datetimeFigureOut">
               <a:rPr kumimoji="1" lang="ja-JP" altLang="en-US" smtClean="0"/>
-              <a:t>2020/2/11</a:t>
+              <a:t>2020/2/13</a:t>
             </a:fld>
             <a:endParaRPr kumimoji="1" lang="ja-JP" altLang="en-US"/>
           </a:p>
@@ -10158,7 +10158,7 @@
         </p:nvSpPr>
         <p:spPr>
           <a:xfrm>
-            <a:off x="12505578" y="7362672"/>
+            <a:off x="13734219" y="11755068"/>
             <a:ext cx="1231641" cy="1231641"/>
           </a:xfrm>
           <a:prstGeom prst="ellipse">
@@ -10222,7 +10222,7 @@
         </p:nvSpPr>
         <p:spPr>
           <a:xfrm>
-            <a:off x="8070451" y="8967537"/>
+            <a:off x="9299092" y="13359933"/>
             <a:ext cx="1231641" cy="1231641"/>
           </a:xfrm>
           <a:prstGeom prst="ellipse">
@@ -10286,7 +10286,7 @@
         </p:nvSpPr>
         <p:spPr>
           <a:xfrm>
-            <a:off x="14225498" y="7362671"/>
+            <a:off x="15454139" y="11755067"/>
             <a:ext cx="1231641" cy="1231641"/>
           </a:xfrm>
           <a:prstGeom prst="ellipse">
@@ -10354,7 +10354,7 @@
         </p:nvCxnSpPr>
         <p:spPr>
           <a:xfrm flipV="1">
-            <a:off x="13737219" y="7978492"/>
+            <a:off x="14965860" y="12370888"/>
             <a:ext cx="488279" cy="1"/>
           </a:xfrm>
           <a:prstGeom prst="straightConnector1">
@@ -10400,7 +10400,7 @@
         </p:nvCxnSpPr>
         <p:spPr>
           <a:xfrm flipV="1">
-            <a:off x="9302092" y="8594312"/>
+            <a:off x="10530733" y="12986708"/>
             <a:ext cx="5539227" cy="989046"/>
           </a:xfrm>
           <a:prstGeom prst="bentConnector2">
@@ -10714,6 +10714,119 @@
           </a:fontRef>
         </p:style>
       </p:cxnSp>
+      <p:cxnSp>
+        <p:nvCxnSpPr>
+          <p:cNvPr id="3" name="直線コネクタ 2">
+            <a:extLst>
+              <a:ext uri="{FF2B5EF4-FFF2-40B4-BE49-F238E27FC236}">
+                <a16:creationId xmlns:a16="http://schemas.microsoft.com/office/drawing/2014/main" id="{E5903D4B-C381-449E-999C-2E7C4C0DAED2}"/>
+              </a:ext>
+            </a:extLst>
+          </p:cNvPr>
+          <p:cNvCxnSpPr>
+            <a:cxnSpLocks/>
+          </p:cNvCxnSpPr>
+          <p:nvPr/>
+        </p:nvCxnSpPr>
+        <p:spPr>
+          <a:xfrm>
+            <a:off x="1603519" y="5057192"/>
+            <a:ext cx="12133700" cy="0"/>
+          </a:xfrm>
+          <a:prstGeom prst="line">
+            <a:avLst/>
+          </a:prstGeom>
+          <a:ln>
+            <a:solidFill>
+              <a:schemeClr val="tx1"/>
+            </a:solidFill>
+          </a:ln>
+        </p:spPr>
+        <p:style>
+          <a:lnRef idx="1">
+            <a:schemeClr val="accent1"/>
+          </a:lnRef>
+          <a:fillRef idx="0">
+            <a:schemeClr val="accent1"/>
+          </a:fillRef>
+          <a:effectRef idx="0">
+            <a:schemeClr val="accent1"/>
+          </a:effectRef>
+          <a:fontRef idx="minor">
+            <a:schemeClr val="tx1"/>
+          </a:fontRef>
+        </p:style>
+      </p:cxnSp>
+      <p:sp>
+        <p:nvSpPr>
+          <p:cNvPr id="56" name="テキスト ボックス 55">
+            <a:extLst>
+              <a:ext uri="{FF2B5EF4-FFF2-40B4-BE49-F238E27FC236}">
+                <a16:creationId xmlns:a16="http://schemas.microsoft.com/office/drawing/2014/main" id="{5F478DEA-F530-4E25-BD76-851DCFE0896B}"/>
+              </a:ext>
+            </a:extLst>
+          </p:cNvPr>
+          <p:cNvSpPr txBox="1"/>
+          <p:nvPr/>
+        </p:nvSpPr>
+        <p:spPr>
+          <a:xfrm>
+            <a:off x="12152395" y="4131547"/>
+            <a:ext cx="1513512" cy="769441"/>
+          </a:xfrm>
+          <a:prstGeom prst="rect">
+            <a:avLst/>
+          </a:prstGeom>
+          <a:noFill/>
+        </p:spPr>
+        <p:txBody>
+          <a:bodyPr wrap="square" rtlCol="0">
+            <a:spAutoFit/>
+          </a:bodyPr>
+          <a:lstStyle/>
+          <a:p>
+            <a:r>
+              <a:rPr kumimoji="1" lang="ja-JP" altLang="en-US" sz="4400" dirty="0"/>
+              <a:t>訓練</a:t>
+            </a:r>
+          </a:p>
+        </p:txBody>
+      </p:sp>
+      <p:sp>
+        <p:nvSpPr>
+          <p:cNvPr id="64" name="テキスト ボックス 63">
+            <a:extLst>
+              <a:ext uri="{FF2B5EF4-FFF2-40B4-BE49-F238E27FC236}">
+                <a16:creationId xmlns:a16="http://schemas.microsoft.com/office/drawing/2014/main" id="{1F4B0753-A838-4633-A75E-B3FC8C2548D4}"/>
+              </a:ext>
+            </a:extLst>
+          </p:cNvPr>
+          <p:cNvSpPr txBox="1"/>
+          <p:nvPr/>
+        </p:nvSpPr>
+        <p:spPr>
+          <a:xfrm>
+            <a:off x="12152395" y="5209392"/>
+            <a:ext cx="1513512" cy="769441"/>
+          </a:xfrm>
+          <a:prstGeom prst="rect">
+            <a:avLst/>
+          </a:prstGeom>
+          <a:noFill/>
+        </p:spPr>
+        <p:txBody>
+          <a:bodyPr wrap="square" rtlCol="0">
+            <a:spAutoFit/>
+          </a:bodyPr>
+          <a:lstStyle/>
+          <a:p>
+            <a:r>
+              <a:rPr kumimoji="1" lang="ja-JP" altLang="en-US" sz="4400" dirty="0"/>
+              <a:t>予測</a:t>
+            </a:r>
+          </a:p>
+        </p:txBody>
+      </p:sp>
     </p:spTree>
     <p:extLst>
       <p:ext uri="{BB962C8B-B14F-4D97-AF65-F5344CB8AC3E}">
@@ -10797,7 +10910,7 @@
           <a:p>
             <a:pPr algn="ctr"/>
             <a:r>
-              <a:rPr lang="ja-JP" altLang="en-US" sz="3600" b="1" dirty="0">
+              <a:rPr lang="ja-JP" altLang="en-US" sz="3600" dirty="0">
                 <a:solidFill>
                   <a:schemeClr val="tx1"/>
                 </a:solidFill>
@@ -10806,7 +10919,7 @@
               </a:rPr>
               <a:t>正例</a:t>
             </a:r>
-            <a:endParaRPr lang="en-US" altLang="ja-JP" sz="3600" b="1" dirty="0">
+            <a:endParaRPr lang="en-US" altLang="ja-JP" sz="3600" dirty="0">
               <a:solidFill>
                 <a:schemeClr val="tx1"/>
               </a:solidFill>
@@ -10871,7 +10984,7 @@
           <a:p>
             <a:pPr algn="ctr"/>
             <a:r>
-              <a:rPr lang="ja-JP" altLang="en-US" sz="3600" b="1" dirty="0">
+              <a:rPr lang="ja-JP" altLang="en-US" sz="3600" dirty="0">
                 <a:latin typeface="Meiryo UI" panose="020B0604030504040204" pitchFamily="50" charset="-128"/>
                 <a:ea typeface="Meiryo UI" panose="020B0604030504040204" pitchFamily="50" charset="-128"/>
               </a:rPr>
@@ -10933,7 +11046,7 @@
           <a:p>
             <a:pPr algn="ctr"/>
             <a:r>
-              <a:rPr lang="ja-JP" altLang="en-US" sz="3600" b="1" dirty="0">
+              <a:rPr lang="ja-JP" altLang="en-US" sz="3600" dirty="0">
                 <a:solidFill>
                   <a:schemeClr val="tx1"/>
                 </a:solidFill>
@@ -11000,7 +11113,7 @@
           <a:p>
             <a:pPr algn="ctr"/>
             <a:r>
-              <a:rPr lang="ja-JP" altLang="en-US" sz="3600" b="1" dirty="0">
+              <a:rPr lang="ja-JP" altLang="en-US" sz="3600" dirty="0">
                 <a:latin typeface="Meiryo UI" panose="020B0604030504040204" pitchFamily="50" charset="-128"/>
                 <a:ea typeface="Meiryo UI" panose="020B0604030504040204" pitchFamily="50" charset="-128"/>
               </a:rPr>
@@ -11064,7 +11177,7 @@
           <a:p>
             <a:pPr algn="ctr"/>
             <a:r>
-              <a:rPr lang="ja-JP" altLang="en-US" sz="3600" b="1" dirty="0">
+              <a:rPr lang="ja-JP" altLang="en-US" sz="3600" dirty="0">
                 <a:solidFill>
                   <a:schemeClr val="tx1"/>
                 </a:solidFill>
@@ -11128,7 +11241,7 @@
           <a:lstStyle/>
           <a:p>
             <a:pPr algn="ctr"/>
-            <a:endParaRPr lang="ja-JP" altLang="en-US" sz="3600" b="1">
+            <a:endParaRPr lang="ja-JP" altLang="en-US" sz="3600">
               <a:latin typeface="Meiryo UI" panose="020B0604030504040204" pitchFamily="50" charset="-128"/>
               <a:ea typeface="Meiryo UI" panose="020B0604030504040204" pitchFamily="50" charset="-128"/>
             </a:endParaRPr>
@@ -11190,7 +11303,7 @@
           <a:p>
             <a:pPr algn="ctr"/>
             <a:r>
-              <a:rPr lang="ja-JP" altLang="en-US" sz="3600" b="1" dirty="0">
+              <a:rPr lang="ja-JP" altLang="en-US" sz="3600" dirty="0">
                 <a:solidFill>
                   <a:schemeClr val="tx1"/>
                 </a:solidFill>
@@ -11254,7 +11367,7 @@
           <a:lstStyle/>
           <a:p>
             <a:pPr algn="ctr"/>
-            <a:endParaRPr lang="ja-JP" altLang="en-US" sz="3600" b="1">
+            <a:endParaRPr lang="ja-JP" altLang="en-US" sz="3600">
               <a:latin typeface="Meiryo UI" panose="020B0604030504040204" pitchFamily="50" charset="-128"/>
               <a:ea typeface="Meiryo UI" panose="020B0604030504040204" pitchFamily="50" charset="-128"/>
             </a:endParaRPr>
@@ -11294,7 +11407,7 @@
           <a:p>
             <a:pPr algn="ctr"/>
             <a:r>
-              <a:rPr lang="ja-JP" altLang="en-US" sz="3600" b="1" dirty="0">
+              <a:rPr lang="ja-JP" altLang="en-US" sz="3600" dirty="0">
                 <a:latin typeface="Meiryo UI" panose="020B0604030504040204" pitchFamily="50" charset="-128"/>
                 <a:ea typeface="Meiryo UI" panose="020B0604030504040204" pitchFamily="50" charset="-128"/>
               </a:rPr>
@@ -11381,7 +11494,7 @@
           <a:p>
             <a:pPr algn="ctr"/>
             <a:r>
-              <a:rPr lang="ja-JP" altLang="en-US" sz="3600" b="1" dirty="0">
+              <a:rPr lang="ja-JP" altLang="en-US" sz="3600" dirty="0">
                 <a:latin typeface="Meiryo UI" panose="020B0604030504040204" pitchFamily="50" charset="-128"/>
                 <a:ea typeface="Meiryo UI" panose="020B0604030504040204" pitchFamily="50" charset="-128"/>
               </a:rPr>
@@ -11488,26 +11601,49 @@
           <a:p>
             <a:pPr algn="ctr"/>
             <a:r>
-              <a:rPr lang="en-US" altLang="ja-JP" sz="2835" dirty="0">
+              <a:rPr lang="en-US" altLang="ja-JP" sz="3600" dirty="0">
                 <a:solidFill>
                   <a:schemeClr val="tx1"/>
                 </a:solidFill>
                 <a:latin typeface="Meiryo UI" panose="020B0604030504040204" pitchFamily="50" charset="-128"/>
                 <a:ea typeface="Meiryo UI" panose="020B0604030504040204" pitchFamily="50" charset="-128"/>
               </a:rPr>
-              <a:t>TP</a:t>
-            </a:r>
-            <a:r>
-              <a:rPr lang="ja-JP" altLang="en-US" sz="2835" dirty="0">
+              <a:t>True Positive</a:t>
+            </a:r>
+          </a:p>
+          <a:p>
+            <a:pPr algn="ctr"/>
+            <a:r>
+              <a:rPr lang="en-US" altLang="ja-JP" sz="3600" dirty="0">
                 <a:solidFill>
                   <a:schemeClr val="tx1"/>
                 </a:solidFill>
                 <a:latin typeface="Meiryo UI" panose="020B0604030504040204" pitchFamily="50" charset="-128"/>
                 <a:ea typeface="Meiryo UI" panose="020B0604030504040204" pitchFamily="50" charset="-128"/>
               </a:rPr>
-              <a:t>、</a:t>
-            </a:r>
-            <a:endParaRPr lang="en-US" altLang="ja-JP" sz="2835" dirty="0">
+              <a:t>(</a:t>
+            </a:r>
+            <a:r>
+              <a:rPr lang="ja-JP" altLang="en-US" sz="3600" dirty="0">
+                <a:solidFill>
+                  <a:schemeClr val="tx1"/>
+                </a:solidFill>
+                <a:latin typeface="Meiryo UI" panose="020B0604030504040204" pitchFamily="50" charset="-128"/>
+                <a:ea typeface="Meiryo UI" panose="020B0604030504040204" pitchFamily="50" charset="-128"/>
+              </a:rPr>
+              <a:t>真陽性</a:t>
+            </a:r>
+            <a:r>
+              <a:rPr lang="en-US" altLang="ja-JP" sz="3600" dirty="0">
+                <a:solidFill>
+                  <a:schemeClr val="tx1"/>
+                </a:solidFill>
+                <a:latin typeface="Meiryo UI" panose="020B0604030504040204" pitchFamily="50" charset="-128"/>
+                <a:ea typeface="Meiryo UI" panose="020B0604030504040204" pitchFamily="50" charset="-128"/>
+              </a:rPr>
+              <a:t>)</a:t>
+            </a:r>
+            <a:endParaRPr lang="ja-JP" altLang="en-US" sz="3600" dirty="0">
               <a:solidFill>
                 <a:schemeClr val="tx1"/>
               </a:solidFill>
@@ -11515,29 +11651,239 @@
               <a:ea typeface="Meiryo UI" panose="020B0604030504040204" pitchFamily="50" charset="-128"/>
             </a:endParaRPr>
           </a:p>
+        </p:txBody>
+      </p:sp>
+      <p:sp>
+        <p:nvSpPr>
+          <p:cNvPr id="16" name="正方形/長方形 15">
+            <a:extLst>
+              <a:ext uri="{FF2B5EF4-FFF2-40B4-BE49-F238E27FC236}">
+                <a16:creationId xmlns:a16="http://schemas.microsoft.com/office/drawing/2014/main" id="{13831888-DAC3-4666-BC79-D7DABDBC6705}"/>
+              </a:ext>
+            </a:extLst>
+          </p:cNvPr>
+          <p:cNvSpPr/>
+          <p:nvPr/>
+        </p:nvSpPr>
+        <p:spPr>
+          <a:xfrm>
+            <a:off x="18027131" y="3758773"/>
+            <a:ext cx="2969935" cy="2571669"/>
+          </a:xfrm>
+          <a:prstGeom prst="rect">
+            <a:avLst/>
+          </a:prstGeom>
+          <a:solidFill>
+            <a:schemeClr val="bg2">
+              <a:lumMod val="25000"/>
+            </a:schemeClr>
+          </a:solidFill>
+          <a:ln>
+            <a:solidFill>
+              <a:schemeClr val="bg1">
+                <a:lumMod val="50000"/>
+              </a:schemeClr>
+            </a:solidFill>
+          </a:ln>
+        </p:spPr>
+        <p:style>
+          <a:lnRef idx="2">
+            <a:schemeClr val="accent1">
+              <a:shade val="50000"/>
+            </a:schemeClr>
+          </a:lnRef>
+          <a:fillRef idx="1">
+            <a:schemeClr val="accent1"/>
+          </a:fillRef>
+          <a:effectRef idx="0">
+            <a:schemeClr val="accent1"/>
+          </a:effectRef>
+          <a:fontRef idx="minor">
+            <a:schemeClr val="lt1"/>
+          </a:fontRef>
+        </p:style>
+        <p:txBody>
+          <a:bodyPr rtlCol="0" anchor="ctr"/>
+          <a:lstStyle/>
           <a:p>
             <a:pPr algn="ctr"/>
             <a:r>
-              <a:rPr lang="en-US" altLang="ja-JP" sz="2835" dirty="0">
+              <a:rPr lang="en-US" altLang="ja-JP" sz="3600" dirty="0">
+                <a:solidFill>
+                  <a:schemeClr val="bg1"/>
+                </a:solidFill>
+                <a:latin typeface="Meiryo UI" panose="020B0604030504040204" pitchFamily="50" charset="-128"/>
+                <a:ea typeface="Meiryo UI" panose="020B0604030504040204" pitchFamily="50" charset="-128"/>
+              </a:rPr>
+              <a:t>True</a:t>
+            </a:r>
+          </a:p>
+          <a:p>
+            <a:pPr algn="ctr"/>
+            <a:r>
+              <a:rPr lang="en-US" altLang="ja-JP" sz="3600" dirty="0">
+                <a:solidFill>
+                  <a:schemeClr val="bg1"/>
+                </a:solidFill>
+                <a:latin typeface="Meiryo UI" panose="020B0604030504040204" pitchFamily="50" charset="-128"/>
+                <a:ea typeface="Meiryo UI" panose="020B0604030504040204" pitchFamily="50" charset="-128"/>
+              </a:rPr>
+              <a:t>Negative</a:t>
+            </a:r>
+          </a:p>
+          <a:p>
+            <a:pPr algn="ctr"/>
+            <a:r>
+              <a:rPr lang="en-US" altLang="ja-JP" sz="3600" dirty="0">
+                <a:solidFill>
+                  <a:schemeClr val="bg1"/>
+                </a:solidFill>
+                <a:latin typeface="Meiryo UI" panose="020B0604030504040204" pitchFamily="50" charset="-128"/>
+                <a:ea typeface="Meiryo UI" panose="020B0604030504040204" pitchFamily="50" charset="-128"/>
+              </a:rPr>
+              <a:t>(</a:t>
+            </a:r>
+            <a:r>
+              <a:rPr lang="ja-JP" altLang="en-US" sz="3600" dirty="0">
+                <a:solidFill>
+                  <a:schemeClr val="bg1"/>
+                </a:solidFill>
+                <a:latin typeface="Meiryo UI" panose="020B0604030504040204" pitchFamily="50" charset="-128"/>
+                <a:ea typeface="Meiryo UI" panose="020B0604030504040204" pitchFamily="50" charset="-128"/>
+              </a:rPr>
+              <a:t>真陰性</a:t>
+            </a:r>
+            <a:r>
+              <a:rPr lang="en-US" altLang="ja-JP" sz="3600" dirty="0">
+                <a:solidFill>
+                  <a:schemeClr val="bg1"/>
+                </a:solidFill>
+                <a:latin typeface="Meiryo UI" panose="020B0604030504040204" pitchFamily="50" charset="-128"/>
+                <a:ea typeface="Meiryo UI" panose="020B0604030504040204" pitchFamily="50" charset="-128"/>
+              </a:rPr>
+              <a:t>)</a:t>
+            </a:r>
+            <a:endParaRPr lang="ja-JP" altLang="en-US" sz="3600" dirty="0">
+              <a:solidFill>
+                <a:schemeClr val="bg1"/>
+              </a:solidFill>
+              <a:latin typeface="Meiryo UI" panose="020B0604030504040204" pitchFamily="50" charset="-128"/>
+              <a:ea typeface="Meiryo UI" panose="020B0604030504040204" pitchFamily="50" charset="-128"/>
+            </a:endParaRPr>
+          </a:p>
+        </p:txBody>
+      </p:sp>
+      <p:sp>
+        <p:nvSpPr>
+          <p:cNvPr id="17" name="正方形/長方形 16">
+            <a:extLst>
+              <a:ext uri="{FF2B5EF4-FFF2-40B4-BE49-F238E27FC236}">
+                <a16:creationId xmlns:a16="http://schemas.microsoft.com/office/drawing/2014/main" id="{96AEDB0C-DA71-4450-9370-A17E05A98ED1}"/>
+              </a:ext>
+            </a:extLst>
+          </p:cNvPr>
+          <p:cNvSpPr/>
+          <p:nvPr/>
+        </p:nvSpPr>
+        <p:spPr>
+          <a:xfrm>
+            <a:off x="15257711" y="3758785"/>
+            <a:ext cx="2769422" cy="2571651"/>
+          </a:xfrm>
+          <a:prstGeom prst="rect">
+            <a:avLst/>
+          </a:prstGeom>
+          <a:solidFill>
+            <a:schemeClr val="bg2">
+              <a:lumMod val="90000"/>
+            </a:schemeClr>
+          </a:solidFill>
+          <a:ln>
+            <a:solidFill>
+              <a:schemeClr val="bg1">
+                <a:lumMod val="50000"/>
+              </a:schemeClr>
+            </a:solidFill>
+          </a:ln>
+        </p:spPr>
+        <p:style>
+          <a:lnRef idx="2">
+            <a:schemeClr val="accent1">
+              <a:shade val="50000"/>
+            </a:schemeClr>
+          </a:lnRef>
+          <a:fillRef idx="1">
+            <a:schemeClr val="accent1"/>
+          </a:fillRef>
+          <a:effectRef idx="0">
+            <a:schemeClr val="accent1"/>
+          </a:effectRef>
+          <a:fontRef idx="minor">
+            <a:schemeClr val="lt1"/>
+          </a:fontRef>
+        </p:style>
+        <p:txBody>
+          <a:bodyPr rtlCol="0" anchor="ctr"/>
+          <a:lstStyle/>
+          <a:p>
+            <a:pPr algn="ctr"/>
+            <a:r>
+              <a:rPr lang="en-US" altLang="ja-JP" sz="3600" dirty="0">
                 <a:solidFill>
                   <a:schemeClr val="tx1"/>
                 </a:solidFill>
                 <a:latin typeface="Meiryo UI" panose="020B0604030504040204" pitchFamily="50" charset="-128"/>
                 <a:ea typeface="Meiryo UI" panose="020B0604030504040204" pitchFamily="50" charset="-128"/>
               </a:rPr>
-              <a:t>True Positive</a:t>
-            </a:r>
-            <a:r>
-              <a:rPr lang="ja-JP" altLang="en-US" sz="2835" dirty="0">
+              <a:t>False</a:t>
+            </a:r>
+          </a:p>
+          <a:p>
+            <a:pPr algn="ctr"/>
+            <a:r>
+              <a:rPr lang="en-US" altLang="ja-JP" sz="3600" dirty="0">
                 <a:solidFill>
                   <a:schemeClr val="tx1"/>
                 </a:solidFill>
                 <a:latin typeface="Meiryo UI" panose="020B0604030504040204" pitchFamily="50" charset="-128"/>
                 <a:ea typeface="Meiryo UI" panose="020B0604030504040204" pitchFamily="50" charset="-128"/>
               </a:rPr>
-              <a:t>、</a:t>
-            </a:r>
-            <a:endParaRPr lang="en-US" altLang="ja-JP" sz="2835" dirty="0">
+              <a:t>Positive</a:t>
+            </a:r>
+          </a:p>
+          <a:p>
+            <a:pPr algn="ctr"/>
+            <a:r>
+              <a:rPr lang="en-US" altLang="ja-JP" sz="3600" dirty="0">
+                <a:solidFill>
+                  <a:schemeClr val="tx1"/>
+                </a:solidFill>
+                <a:latin typeface="Meiryo UI" panose="020B0604030504040204" pitchFamily="50" charset="-128"/>
+                <a:ea typeface="Meiryo UI" panose="020B0604030504040204" pitchFamily="50" charset="-128"/>
+              </a:rPr>
+              <a:t>(</a:t>
+            </a:r>
+            <a:r>
+              <a:rPr lang="ja-JP" altLang="en-US" sz="3600" dirty="0">
+                <a:solidFill>
+                  <a:schemeClr val="tx1"/>
+                </a:solidFill>
+                <a:latin typeface="Meiryo UI" panose="020B0604030504040204" pitchFamily="50" charset="-128"/>
+                <a:ea typeface="Meiryo UI" panose="020B0604030504040204" pitchFamily="50" charset="-128"/>
+              </a:rPr>
+              <a:t>誤検知</a:t>
+            </a:r>
+            <a:r>
+              <a:rPr lang="en-US" altLang="ja-JP" sz="3600" dirty="0">
+                <a:solidFill>
+                  <a:schemeClr val="tx1"/>
+                </a:solidFill>
+                <a:latin typeface="Meiryo UI" panose="020B0604030504040204" pitchFamily="50" charset="-128"/>
+                <a:ea typeface="Meiryo UI" panose="020B0604030504040204" pitchFamily="50" charset="-128"/>
+              </a:rPr>
+              <a:t>)</a:t>
+            </a:r>
+            <a:endParaRPr lang="ja-JP" altLang="en-US" sz="3600" dirty="0">
               <a:solidFill>
                 <a:schemeClr val="tx1"/>
               </a:solidFill>
@@ -11545,239 +11891,119 @@
               <a:ea typeface="Meiryo UI" panose="020B0604030504040204" pitchFamily="50" charset="-128"/>
             </a:endParaRPr>
           </a:p>
+        </p:txBody>
+      </p:sp>
+      <p:sp>
+        <p:nvSpPr>
+          <p:cNvPr id="18" name="正方形/長方形 17">
+            <a:extLst>
+              <a:ext uri="{FF2B5EF4-FFF2-40B4-BE49-F238E27FC236}">
+                <a16:creationId xmlns:a16="http://schemas.microsoft.com/office/drawing/2014/main" id="{B4713880-8E73-4E11-BD3B-DFCD021322FE}"/>
+              </a:ext>
+            </a:extLst>
+          </p:cNvPr>
+          <p:cNvSpPr/>
+          <p:nvPr/>
+        </p:nvSpPr>
+        <p:spPr>
+          <a:xfrm>
+            <a:off x="18027131" y="1029791"/>
+            <a:ext cx="2969935" cy="2729008"/>
+          </a:xfrm>
+          <a:prstGeom prst="rect">
+            <a:avLst/>
+          </a:prstGeom>
+          <a:solidFill>
+            <a:schemeClr val="bg2">
+              <a:lumMod val="90000"/>
+            </a:schemeClr>
+          </a:solidFill>
+          <a:ln>
+            <a:solidFill>
+              <a:schemeClr val="bg1">
+                <a:lumMod val="50000"/>
+              </a:schemeClr>
+            </a:solidFill>
+          </a:ln>
+        </p:spPr>
+        <p:style>
+          <a:lnRef idx="2">
+            <a:schemeClr val="accent1">
+              <a:shade val="50000"/>
+            </a:schemeClr>
+          </a:lnRef>
+          <a:fillRef idx="1">
+            <a:schemeClr val="accent1"/>
+          </a:fillRef>
+          <a:effectRef idx="0">
+            <a:schemeClr val="accent1"/>
+          </a:effectRef>
+          <a:fontRef idx="minor">
+            <a:schemeClr val="lt1"/>
+          </a:fontRef>
+        </p:style>
+        <p:txBody>
+          <a:bodyPr rtlCol="0" anchor="ctr"/>
+          <a:lstStyle/>
           <a:p>
             <a:pPr algn="ctr"/>
             <a:r>
-              <a:rPr lang="ja-JP" altLang="en-US" sz="2835" dirty="0">
+              <a:rPr lang="en-US" altLang="ja-JP" sz="3600" dirty="0">
                 <a:solidFill>
                   <a:schemeClr val="tx1"/>
                 </a:solidFill>
                 <a:latin typeface="Meiryo UI" panose="020B0604030504040204" pitchFamily="50" charset="-128"/>
                 <a:ea typeface="Meiryo UI" panose="020B0604030504040204" pitchFamily="50" charset="-128"/>
               </a:rPr>
-              <a:t>真陽性</a:t>
-            </a:r>
-          </a:p>
-        </p:txBody>
-      </p:sp>
-      <p:sp>
-        <p:nvSpPr>
-          <p:cNvPr id="16" name="正方形/長方形 15">
-            <a:extLst>
-              <a:ext uri="{FF2B5EF4-FFF2-40B4-BE49-F238E27FC236}">
-                <a16:creationId xmlns:a16="http://schemas.microsoft.com/office/drawing/2014/main" id="{13831888-DAC3-4666-BC79-D7DABDBC6705}"/>
-              </a:ext>
-            </a:extLst>
-          </p:cNvPr>
-          <p:cNvSpPr/>
-          <p:nvPr/>
-        </p:nvSpPr>
-        <p:spPr>
-          <a:xfrm>
-            <a:off x="18027131" y="3758773"/>
-            <a:ext cx="2969935" cy="2571669"/>
-          </a:xfrm>
-          <a:prstGeom prst="rect">
-            <a:avLst/>
-          </a:prstGeom>
-          <a:solidFill>
-            <a:schemeClr val="bg2">
-              <a:lumMod val="25000"/>
-            </a:schemeClr>
-          </a:solidFill>
-          <a:ln>
-            <a:solidFill>
-              <a:schemeClr val="bg1">
-                <a:lumMod val="50000"/>
-              </a:schemeClr>
-            </a:solidFill>
-          </a:ln>
-        </p:spPr>
-        <p:style>
-          <a:lnRef idx="2">
-            <a:schemeClr val="accent1">
-              <a:shade val="50000"/>
-            </a:schemeClr>
-          </a:lnRef>
-          <a:fillRef idx="1">
-            <a:schemeClr val="accent1"/>
-          </a:fillRef>
-          <a:effectRef idx="0">
-            <a:schemeClr val="accent1"/>
-          </a:effectRef>
-          <a:fontRef idx="minor">
-            <a:schemeClr val="lt1"/>
-          </a:fontRef>
-        </p:style>
-        <p:txBody>
-          <a:bodyPr rtlCol="0" anchor="ctr"/>
-          <a:lstStyle/>
+              <a:t>False</a:t>
+            </a:r>
+          </a:p>
           <a:p>
             <a:pPr algn="ctr"/>
             <a:r>
-              <a:rPr lang="en-US" altLang="ja-JP" sz="2835" dirty="0">
-                <a:solidFill>
-                  <a:schemeClr val="bg1"/>
-                </a:solidFill>
-                <a:latin typeface="Meiryo UI" panose="020B0604030504040204" pitchFamily="50" charset="-128"/>
-                <a:ea typeface="Meiryo UI" panose="020B0604030504040204" pitchFamily="50" charset="-128"/>
-              </a:rPr>
-              <a:t>TN</a:t>
-            </a:r>
-          </a:p>
-          <a:p>
-            <a:pPr algn="ctr"/>
-            <a:r>
-              <a:rPr lang="en-US" altLang="ja-JP" sz="2835" dirty="0">
-                <a:solidFill>
-                  <a:schemeClr val="bg1"/>
-                </a:solidFill>
-                <a:latin typeface="Meiryo UI" panose="020B0604030504040204" pitchFamily="50" charset="-128"/>
-                <a:ea typeface="Meiryo UI" panose="020B0604030504040204" pitchFamily="50" charset="-128"/>
-              </a:rPr>
-              <a:t>True</a:t>
-            </a:r>
-            <a:r>
-              <a:rPr lang="ja-JP" altLang="en-US" sz="2835" dirty="0">
-                <a:solidFill>
-                  <a:schemeClr val="bg1"/>
-                </a:solidFill>
-                <a:latin typeface="Meiryo UI" panose="020B0604030504040204" pitchFamily="50" charset="-128"/>
-                <a:ea typeface="Meiryo UI" panose="020B0604030504040204" pitchFamily="50" charset="-128"/>
-              </a:rPr>
-              <a:t> </a:t>
-            </a:r>
-            <a:r>
-              <a:rPr lang="en-US" altLang="ja-JP" sz="2835" dirty="0">
-                <a:solidFill>
-                  <a:schemeClr val="bg1"/>
-                </a:solidFill>
-                <a:latin typeface="Meiryo UI" panose="020B0604030504040204" pitchFamily="50" charset="-128"/>
-                <a:ea typeface="Meiryo UI" panose="020B0604030504040204" pitchFamily="50" charset="-128"/>
-              </a:rPr>
-              <a:t>Negative</a:t>
-            </a:r>
-            <a:r>
-              <a:rPr lang="ja-JP" altLang="en-US" sz="2835" dirty="0">
-                <a:solidFill>
-                  <a:schemeClr val="bg1"/>
-                </a:solidFill>
-                <a:latin typeface="Meiryo UI" panose="020B0604030504040204" pitchFamily="50" charset="-128"/>
-                <a:ea typeface="Meiryo UI" panose="020B0604030504040204" pitchFamily="50" charset="-128"/>
-              </a:rPr>
-              <a:t>、真陰性</a:t>
-            </a:r>
-          </a:p>
-        </p:txBody>
-      </p:sp>
-      <p:sp>
-        <p:nvSpPr>
-          <p:cNvPr id="17" name="正方形/長方形 16">
-            <a:extLst>
-              <a:ext uri="{FF2B5EF4-FFF2-40B4-BE49-F238E27FC236}">
-                <a16:creationId xmlns:a16="http://schemas.microsoft.com/office/drawing/2014/main" id="{96AEDB0C-DA71-4450-9370-A17E05A98ED1}"/>
-              </a:ext>
-            </a:extLst>
-          </p:cNvPr>
-          <p:cNvSpPr/>
-          <p:nvPr/>
-        </p:nvSpPr>
-        <p:spPr>
-          <a:xfrm>
-            <a:off x="15257711" y="3758785"/>
-            <a:ext cx="2769422" cy="2571651"/>
-          </a:xfrm>
-          <a:prstGeom prst="rect">
-            <a:avLst/>
-          </a:prstGeom>
-          <a:solidFill>
-            <a:schemeClr val="bg2">
-              <a:lumMod val="90000"/>
-            </a:schemeClr>
-          </a:solidFill>
-          <a:ln>
-            <a:solidFill>
-              <a:schemeClr val="bg1">
-                <a:lumMod val="50000"/>
-              </a:schemeClr>
-            </a:solidFill>
-          </a:ln>
-        </p:spPr>
-        <p:style>
-          <a:lnRef idx="2">
-            <a:schemeClr val="accent1">
-              <a:shade val="50000"/>
-            </a:schemeClr>
-          </a:lnRef>
-          <a:fillRef idx="1">
-            <a:schemeClr val="accent1"/>
-          </a:fillRef>
-          <a:effectRef idx="0">
-            <a:schemeClr val="accent1"/>
-          </a:effectRef>
-          <a:fontRef idx="minor">
-            <a:schemeClr val="lt1"/>
-          </a:fontRef>
-        </p:style>
-        <p:txBody>
-          <a:bodyPr rtlCol="0" anchor="ctr"/>
-          <a:lstStyle/>
-          <a:p>
-            <a:pPr algn="ctr"/>
-            <a:r>
-              <a:rPr lang="en-US" altLang="ja-JP" sz="2835" dirty="0">
+              <a:rPr lang="en-US" altLang="ja-JP" sz="3600" dirty="0">
                 <a:solidFill>
                   <a:schemeClr val="tx1"/>
                 </a:solidFill>
                 <a:latin typeface="Meiryo UI" panose="020B0604030504040204" pitchFamily="50" charset="-128"/>
                 <a:ea typeface="Meiryo UI" panose="020B0604030504040204" pitchFamily="50" charset="-128"/>
               </a:rPr>
-              <a:t>FP</a:t>
+              <a:t>Negative</a:t>
             </a:r>
           </a:p>
           <a:p>
             <a:pPr algn="ctr"/>
             <a:r>
-              <a:rPr lang="en-US" altLang="ja-JP" sz="2835" dirty="0">
+              <a:rPr lang="en-US" altLang="ja-JP" sz="3600" dirty="0">
                 <a:solidFill>
                   <a:schemeClr val="tx1"/>
                 </a:solidFill>
                 <a:latin typeface="Meiryo UI" panose="020B0604030504040204" pitchFamily="50" charset="-128"/>
                 <a:ea typeface="Meiryo UI" panose="020B0604030504040204" pitchFamily="50" charset="-128"/>
               </a:rPr>
-              <a:t>False</a:t>
-            </a:r>
-            <a:r>
-              <a:rPr lang="ja-JP" altLang="en-US" sz="2835" dirty="0">
+              <a:t>(</a:t>
+            </a:r>
+            <a:r>
+              <a:rPr lang="ja-JP" altLang="en-US" sz="3600" dirty="0">
                 <a:solidFill>
                   <a:schemeClr val="tx1"/>
                 </a:solidFill>
                 <a:latin typeface="Meiryo UI" panose="020B0604030504040204" pitchFamily="50" charset="-128"/>
                 <a:ea typeface="Meiryo UI" panose="020B0604030504040204" pitchFamily="50" charset="-128"/>
               </a:rPr>
-              <a:t> </a:t>
-            </a:r>
-            <a:r>
-              <a:rPr lang="en-US" altLang="ja-JP" sz="2835" dirty="0">
+              <a:t>見逃し</a:t>
+            </a:r>
+            <a:r>
+              <a:rPr lang="en-US" altLang="ja-JP" sz="3600" dirty="0">
                 <a:solidFill>
                   <a:schemeClr val="tx1"/>
                 </a:solidFill>
                 <a:latin typeface="Meiryo UI" panose="020B0604030504040204" pitchFamily="50" charset="-128"/>
                 <a:ea typeface="Meiryo UI" panose="020B0604030504040204" pitchFamily="50" charset="-128"/>
               </a:rPr>
-              <a:t>Positive</a:t>
-            </a:r>
-            <a:r>
-              <a:rPr lang="ja-JP" altLang="en-US" sz="2835" dirty="0">
-                <a:solidFill>
-                  <a:schemeClr val="tx1"/>
-                </a:solidFill>
-                <a:latin typeface="Meiryo UI" panose="020B0604030504040204" pitchFamily="50" charset="-128"/>
-                <a:ea typeface="Meiryo UI" panose="020B0604030504040204" pitchFamily="50" charset="-128"/>
-              </a:rPr>
-              <a:t>、偽陽性、</a:t>
-            </a:r>
-            <a:endParaRPr lang="en-US" altLang="ja-JP" sz="2835" dirty="0">
+              <a:t>)</a:t>
+            </a:r>
+            <a:endParaRPr lang="ja-JP" altLang="en-US" sz="3600" dirty="0">
               <a:solidFill>
                 <a:schemeClr val="tx1"/>
               </a:solidFill>
@@ -11785,17 +12011,377 @@
               <a:ea typeface="Meiryo UI" panose="020B0604030504040204" pitchFamily="50" charset="-128"/>
             </a:endParaRPr>
           </a:p>
+        </p:txBody>
+      </p:sp>
+      <p:sp>
+        <p:nvSpPr>
+          <p:cNvPr id="19" name="テキスト ボックス 18">
+            <a:extLst>
+              <a:ext uri="{FF2B5EF4-FFF2-40B4-BE49-F238E27FC236}">
+                <a16:creationId xmlns:a16="http://schemas.microsoft.com/office/drawing/2014/main" id="{C30C7E74-661A-46F7-9CAD-6ABC468034C0}"/>
+              </a:ext>
+            </a:extLst>
+          </p:cNvPr>
+          <p:cNvSpPr txBox="1"/>
+          <p:nvPr/>
+        </p:nvSpPr>
+        <p:spPr>
+          <a:xfrm>
+            <a:off x="15445314" y="201936"/>
+            <a:ext cx="2446821" cy="707886"/>
+          </a:xfrm>
+          <a:prstGeom prst="rect">
+            <a:avLst/>
+          </a:prstGeom>
+          <a:noFill/>
+          <a:ln>
+            <a:noFill/>
+          </a:ln>
+        </p:spPr>
+        <p:txBody>
+          <a:bodyPr wrap="square" rtlCol="0">
+            <a:spAutoFit/>
+          </a:bodyPr>
+          <a:lstStyle/>
           <a:p>
             <a:pPr algn="ctr"/>
             <a:r>
-              <a:rPr lang="ja-JP" altLang="en-US" sz="2835" b="1" dirty="0">
+              <a:rPr lang="ja-JP" altLang="en-US" sz="4000" dirty="0">
+                <a:latin typeface="Meiryo UI" panose="020B0604030504040204" pitchFamily="50" charset="-128"/>
+                <a:ea typeface="Meiryo UI" panose="020B0604030504040204" pitchFamily="50" charset="-128"/>
+              </a:rPr>
+              <a:t>正予測</a:t>
+            </a:r>
+          </a:p>
+        </p:txBody>
+      </p:sp>
+      <p:cxnSp>
+        <p:nvCxnSpPr>
+          <p:cNvPr id="20" name="直線コネクタ 19">
+            <a:extLst>
+              <a:ext uri="{FF2B5EF4-FFF2-40B4-BE49-F238E27FC236}">
+                <a16:creationId xmlns:a16="http://schemas.microsoft.com/office/drawing/2014/main" id="{F182CDDA-224F-47C0-BEB7-DF17D1CFFD8E}"/>
+              </a:ext>
+            </a:extLst>
+          </p:cNvPr>
+          <p:cNvCxnSpPr>
+            <a:cxnSpLocks/>
+          </p:cNvCxnSpPr>
+          <p:nvPr/>
+        </p:nvCxnSpPr>
+        <p:spPr>
+          <a:xfrm>
+            <a:off x="15445314" y="856252"/>
+            <a:ext cx="2446821" cy="0"/>
+          </a:xfrm>
+          <a:prstGeom prst="line">
+            <a:avLst/>
+          </a:prstGeom>
+          <a:ln w="25400">
+            <a:solidFill>
+              <a:schemeClr val="bg1">
+                <a:lumMod val="50000"/>
+              </a:schemeClr>
+            </a:solidFill>
+          </a:ln>
+        </p:spPr>
+        <p:style>
+          <a:lnRef idx="1">
+            <a:schemeClr val="accent1"/>
+          </a:lnRef>
+          <a:fillRef idx="0">
+            <a:schemeClr val="accent1"/>
+          </a:fillRef>
+          <a:effectRef idx="0">
+            <a:schemeClr val="accent1"/>
+          </a:effectRef>
+          <a:fontRef idx="minor">
+            <a:schemeClr val="tx1"/>
+          </a:fontRef>
+        </p:style>
+      </p:cxnSp>
+      <p:sp>
+        <p:nvSpPr>
+          <p:cNvPr id="21" name="テキスト ボックス 20">
+            <a:extLst>
+              <a:ext uri="{FF2B5EF4-FFF2-40B4-BE49-F238E27FC236}">
+                <a16:creationId xmlns:a16="http://schemas.microsoft.com/office/drawing/2014/main" id="{BCEBFE8A-33F0-4DE5-A099-3CBB747EC45D}"/>
+              </a:ext>
+            </a:extLst>
+          </p:cNvPr>
+          <p:cNvSpPr txBox="1"/>
+          <p:nvPr/>
+        </p:nvSpPr>
+        <p:spPr>
+          <a:xfrm>
+            <a:off x="18212752" y="201933"/>
+            <a:ext cx="2649319" cy="707886"/>
+          </a:xfrm>
+          <a:prstGeom prst="rect">
+            <a:avLst/>
+          </a:prstGeom>
+          <a:noFill/>
+          <a:ln>
+            <a:noFill/>
+          </a:ln>
+        </p:spPr>
+        <p:txBody>
+          <a:bodyPr wrap="square" rtlCol="0">
+            <a:spAutoFit/>
+          </a:bodyPr>
+          <a:lstStyle/>
+          <a:p>
+            <a:pPr algn="ctr"/>
+            <a:r>
+              <a:rPr lang="ja-JP" altLang="en-US" sz="4000" dirty="0">
+                <a:latin typeface="Meiryo UI" panose="020B0604030504040204" pitchFamily="50" charset="-128"/>
+                <a:ea typeface="Meiryo UI" panose="020B0604030504040204" pitchFamily="50" charset="-128"/>
+              </a:rPr>
+              <a:t>負予測</a:t>
+            </a:r>
+          </a:p>
+        </p:txBody>
+      </p:sp>
+      <p:cxnSp>
+        <p:nvCxnSpPr>
+          <p:cNvPr id="22" name="直線コネクタ 21">
+            <a:extLst>
+              <a:ext uri="{FF2B5EF4-FFF2-40B4-BE49-F238E27FC236}">
+                <a16:creationId xmlns:a16="http://schemas.microsoft.com/office/drawing/2014/main" id="{447AD4E5-C21B-4D66-8ACC-921C3E3BFE01}"/>
+              </a:ext>
+            </a:extLst>
+          </p:cNvPr>
+          <p:cNvCxnSpPr>
+            <a:cxnSpLocks/>
+          </p:cNvCxnSpPr>
+          <p:nvPr/>
+        </p:nvCxnSpPr>
+        <p:spPr>
+          <a:xfrm>
+            <a:off x="18212752" y="856248"/>
+            <a:ext cx="2649319" cy="0"/>
+          </a:xfrm>
+          <a:prstGeom prst="line">
+            <a:avLst/>
+          </a:prstGeom>
+          <a:ln w="25400">
+            <a:solidFill>
+              <a:schemeClr val="bg1">
+                <a:lumMod val="50000"/>
+              </a:schemeClr>
+            </a:solidFill>
+          </a:ln>
+        </p:spPr>
+        <p:style>
+          <a:lnRef idx="1">
+            <a:schemeClr val="accent1"/>
+          </a:lnRef>
+          <a:fillRef idx="0">
+            <a:schemeClr val="accent1"/>
+          </a:fillRef>
+          <a:effectRef idx="0">
+            <a:schemeClr val="accent1"/>
+          </a:effectRef>
+          <a:fontRef idx="minor">
+            <a:schemeClr val="tx1"/>
+          </a:fontRef>
+        </p:style>
+      </p:cxnSp>
+      <p:sp>
+        <p:nvSpPr>
+          <p:cNvPr id="23" name="正方形/長方形 22">
+            <a:extLst>
+              <a:ext uri="{FF2B5EF4-FFF2-40B4-BE49-F238E27FC236}">
+                <a16:creationId xmlns:a16="http://schemas.microsoft.com/office/drawing/2014/main" id="{490DE988-9C4E-48CD-871A-4C1A0A2AEA2E}"/>
+              </a:ext>
+            </a:extLst>
+          </p:cNvPr>
+          <p:cNvSpPr/>
+          <p:nvPr/>
+        </p:nvSpPr>
+        <p:spPr>
+          <a:xfrm>
+            <a:off x="13035224" y="1029791"/>
+            <a:ext cx="2055723" cy="2728979"/>
+          </a:xfrm>
+          <a:prstGeom prst="rect">
+            <a:avLst/>
+          </a:prstGeom>
+          <a:solidFill>
+            <a:schemeClr val="bg2">
+              <a:lumMod val="90000"/>
+            </a:schemeClr>
+          </a:solidFill>
+          <a:ln>
+            <a:solidFill>
+              <a:schemeClr val="bg1">
+                <a:lumMod val="50000"/>
+              </a:schemeClr>
+            </a:solidFill>
+          </a:ln>
+        </p:spPr>
+        <p:style>
+          <a:lnRef idx="2">
+            <a:schemeClr val="accent1">
+              <a:shade val="50000"/>
+            </a:schemeClr>
+          </a:lnRef>
+          <a:fillRef idx="1">
+            <a:schemeClr val="accent1"/>
+          </a:fillRef>
+          <a:effectRef idx="0">
+            <a:schemeClr val="accent1"/>
+          </a:effectRef>
+          <a:fontRef idx="minor">
+            <a:schemeClr val="lt1"/>
+          </a:fontRef>
+        </p:style>
+        <p:txBody>
+          <a:bodyPr rtlCol="0" anchor="ctr"/>
+          <a:lstStyle/>
+          <a:p>
+            <a:pPr algn="ctr"/>
+            <a:r>
+              <a:rPr lang="ja-JP" altLang="en-US" sz="4000" dirty="0">
                 <a:solidFill>
                   <a:schemeClr val="tx1"/>
                 </a:solidFill>
                 <a:latin typeface="Meiryo UI" panose="020B0604030504040204" pitchFamily="50" charset="-128"/>
                 <a:ea typeface="Meiryo UI" panose="020B0604030504040204" pitchFamily="50" charset="-128"/>
               </a:rPr>
-              <a:t>誤検知</a:t>
+              <a:t>正例</a:t>
+            </a:r>
+          </a:p>
+        </p:txBody>
+      </p:sp>
+      <p:sp>
+        <p:nvSpPr>
+          <p:cNvPr id="24" name="正方形/長方形 23">
+            <a:extLst>
+              <a:ext uri="{FF2B5EF4-FFF2-40B4-BE49-F238E27FC236}">
+                <a16:creationId xmlns:a16="http://schemas.microsoft.com/office/drawing/2014/main" id="{75E0399C-C0F3-4EB9-B7FD-6B34E3234E15}"/>
+              </a:ext>
+            </a:extLst>
+          </p:cNvPr>
+          <p:cNvSpPr/>
+          <p:nvPr/>
+        </p:nvSpPr>
+        <p:spPr>
+          <a:xfrm>
+            <a:off x="13035224" y="3758769"/>
+            <a:ext cx="2055723" cy="2571651"/>
+          </a:xfrm>
+          <a:prstGeom prst="rect">
+            <a:avLst/>
+          </a:prstGeom>
+          <a:solidFill>
+            <a:schemeClr val="bg2">
+              <a:lumMod val="90000"/>
+            </a:schemeClr>
+          </a:solidFill>
+          <a:ln>
+            <a:solidFill>
+              <a:schemeClr val="bg1">
+                <a:lumMod val="50000"/>
+              </a:schemeClr>
+            </a:solidFill>
+          </a:ln>
+        </p:spPr>
+        <p:style>
+          <a:lnRef idx="2">
+            <a:schemeClr val="accent1">
+              <a:shade val="50000"/>
+            </a:schemeClr>
+          </a:lnRef>
+          <a:fillRef idx="1">
+            <a:schemeClr val="accent1"/>
+          </a:fillRef>
+          <a:effectRef idx="0">
+            <a:schemeClr val="accent1"/>
+          </a:effectRef>
+          <a:fontRef idx="minor">
+            <a:schemeClr val="lt1"/>
+          </a:fontRef>
+        </p:style>
+        <p:txBody>
+          <a:bodyPr rtlCol="0" anchor="ctr"/>
+          <a:lstStyle/>
+          <a:p>
+            <a:pPr algn="ctr"/>
+            <a:r>
+              <a:rPr lang="ja-JP" altLang="en-US" sz="4000" dirty="0">
+                <a:solidFill>
+                  <a:schemeClr val="tx1"/>
+                </a:solidFill>
+                <a:latin typeface="Meiryo UI" panose="020B0604030504040204" pitchFamily="50" charset="-128"/>
+                <a:ea typeface="Meiryo UI" panose="020B0604030504040204" pitchFamily="50" charset="-128"/>
+              </a:rPr>
+              <a:t>負例</a:t>
+            </a:r>
+          </a:p>
+        </p:txBody>
+      </p:sp>
+      <p:sp>
+        <p:nvSpPr>
+          <p:cNvPr id="25" name="正方形/長方形 24">
+            <a:extLst>
+              <a:ext uri="{FF2B5EF4-FFF2-40B4-BE49-F238E27FC236}">
+                <a16:creationId xmlns:a16="http://schemas.microsoft.com/office/drawing/2014/main" id="{7D7E0AC0-BF05-46E0-9614-09ED99C99EA8}"/>
+              </a:ext>
+            </a:extLst>
+          </p:cNvPr>
+          <p:cNvSpPr/>
+          <p:nvPr/>
+        </p:nvSpPr>
+        <p:spPr>
+          <a:xfrm>
+            <a:off x="16248667" y="8873522"/>
+            <a:ext cx="950934" cy="937058"/>
+          </a:xfrm>
+          <a:prstGeom prst="rect">
+            <a:avLst/>
+          </a:prstGeom>
+          <a:solidFill>
+            <a:schemeClr val="bg1"/>
+          </a:solidFill>
+          <a:ln>
+            <a:solidFill>
+              <a:schemeClr val="bg1">
+                <a:lumMod val="50000"/>
+              </a:schemeClr>
+            </a:solidFill>
+          </a:ln>
+        </p:spPr>
+        <p:style>
+          <a:lnRef idx="2">
+            <a:schemeClr val="accent1">
+              <a:shade val="50000"/>
+            </a:schemeClr>
+          </a:lnRef>
+          <a:fillRef idx="1">
+            <a:schemeClr val="accent1"/>
+          </a:fillRef>
+          <a:effectRef idx="0">
+            <a:schemeClr val="accent1"/>
+          </a:effectRef>
+          <a:fontRef idx="minor">
+            <a:schemeClr val="lt1"/>
+          </a:fontRef>
+        </p:style>
+        <p:txBody>
+          <a:bodyPr rtlCol="0" anchor="ctr"/>
+          <a:lstStyle/>
+          <a:p>
+            <a:pPr algn="ctr"/>
+            <a:r>
+              <a:rPr lang="en-US" altLang="ja-JP" sz="2835" dirty="0">
+                <a:solidFill>
+                  <a:schemeClr val="tx1"/>
+                </a:solidFill>
+                <a:latin typeface="Meiryo UI" panose="020B0604030504040204" pitchFamily="50" charset="-128"/>
+                <a:ea typeface="Meiryo UI" panose="020B0604030504040204" pitchFamily="50" charset="-128"/>
+              </a:rPr>
+              <a:t>TP</a:t>
             </a:r>
             <a:endParaRPr lang="ja-JP" altLang="en-US" sz="2835" dirty="0">
               <a:solidFill>
@@ -11809,10 +12395,10 @@
       </p:sp>
       <p:sp>
         <p:nvSpPr>
-          <p:cNvPr id="18" name="正方形/長方形 17">
-            <a:extLst>
-              <a:ext uri="{FF2B5EF4-FFF2-40B4-BE49-F238E27FC236}">
-                <a16:creationId xmlns:a16="http://schemas.microsoft.com/office/drawing/2014/main" id="{B4713880-8E73-4E11-BD3B-DFCD021322FE}"/>
+          <p:cNvPr id="26" name="正方形/長方形 25">
+            <a:extLst>
+              <a:ext uri="{FF2B5EF4-FFF2-40B4-BE49-F238E27FC236}">
+                <a16:creationId xmlns:a16="http://schemas.microsoft.com/office/drawing/2014/main" id="{8D695A40-A2C7-49A6-BB09-67FC3D36DF02}"/>
               </a:ext>
             </a:extLst>
           </p:cNvPr>
@@ -11821,8 +12407,82 @@
         </p:nvSpPr>
         <p:spPr>
           <a:xfrm>
-            <a:off x="18027131" y="1029791"/>
-            <a:ext cx="2969935" cy="2729008"/>
+            <a:off x="17192968" y="9808745"/>
+            <a:ext cx="1019784" cy="883031"/>
+          </a:xfrm>
+          <a:prstGeom prst="rect">
+            <a:avLst/>
+          </a:prstGeom>
+          <a:solidFill>
+            <a:schemeClr val="bg2">
+              <a:lumMod val="25000"/>
+            </a:schemeClr>
+          </a:solidFill>
+          <a:ln>
+            <a:solidFill>
+              <a:schemeClr val="bg1">
+                <a:lumMod val="50000"/>
+              </a:schemeClr>
+            </a:solidFill>
+          </a:ln>
+        </p:spPr>
+        <p:style>
+          <a:lnRef idx="2">
+            <a:schemeClr val="accent1">
+              <a:shade val="50000"/>
+            </a:schemeClr>
+          </a:lnRef>
+          <a:fillRef idx="1">
+            <a:schemeClr val="accent1"/>
+          </a:fillRef>
+          <a:effectRef idx="0">
+            <a:schemeClr val="accent1"/>
+          </a:effectRef>
+          <a:fontRef idx="minor">
+            <a:schemeClr val="lt1"/>
+          </a:fontRef>
+        </p:style>
+        <p:txBody>
+          <a:bodyPr rtlCol="0" anchor="ctr"/>
+          <a:lstStyle/>
+          <a:p>
+            <a:pPr algn="ctr"/>
+            <a:r>
+              <a:rPr lang="en-US" altLang="ja-JP" sz="2835" dirty="0">
+                <a:solidFill>
+                  <a:schemeClr val="bg1"/>
+                </a:solidFill>
+                <a:latin typeface="Meiryo UI" panose="020B0604030504040204" pitchFamily="50" charset="-128"/>
+                <a:ea typeface="Meiryo UI" panose="020B0604030504040204" pitchFamily="50" charset="-128"/>
+              </a:rPr>
+              <a:t>TN</a:t>
+            </a:r>
+            <a:endParaRPr lang="ja-JP" altLang="en-US" sz="2835" dirty="0">
+              <a:solidFill>
+                <a:schemeClr val="bg1"/>
+              </a:solidFill>
+              <a:latin typeface="Meiryo UI" panose="020B0604030504040204" pitchFamily="50" charset="-128"/>
+              <a:ea typeface="Meiryo UI" panose="020B0604030504040204" pitchFamily="50" charset="-128"/>
+            </a:endParaRPr>
+          </a:p>
+        </p:txBody>
+      </p:sp>
+      <p:sp>
+        <p:nvSpPr>
+          <p:cNvPr id="27" name="正方形/長方形 26">
+            <a:extLst>
+              <a:ext uri="{FF2B5EF4-FFF2-40B4-BE49-F238E27FC236}">
+                <a16:creationId xmlns:a16="http://schemas.microsoft.com/office/drawing/2014/main" id="{A8D4F79D-C591-4BF0-9942-C7B662B811CD}"/>
+              </a:ext>
+            </a:extLst>
+          </p:cNvPr>
+          <p:cNvSpPr/>
+          <p:nvPr/>
+        </p:nvSpPr>
+        <p:spPr>
+          <a:xfrm>
+            <a:off x="16248785" y="9810578"/>
+            <a:ext cx="950934" cy="883026"/>
           </a:xfrm>
           <a:prstGeom prst="rect">
             <a:avLst/>
@@ -11869,480 +12529,7 @@
                 <a:latin typeface="Meiryo UI" panose="020B0604030504040204" pitchFamily="50" charset="-128"/>
                 <a:ea typeface="Meiryo UI" panose="020B0604030504040204" pitchFamily="50" charset="-128"/>
               </a:rPr>
-              <a:t>FN</a:t>
-            </a:r>
-            <a:r>
-              <a:rPr lang="ja-JP" altLang="en-US" sz="2835" dirty="0">
-                <a:solidFill>
-                  <a:schemeClr val="tx1"/>
-                </a:solidFill>
-                <a:latin typeface="Meiryo UI" panose="020B0604030504040204" pitchFamily="50" charset="-128"/>
-                <a:ea typeface="Meiryo UI" panose="020B0604030504040204" pitchFamily="50" charset="-128"/>
-              </a:rPr>
-              <a:t>、</a:t>
-            </a:r>
-            <a:endParaRPr lang="en-US" altLang="ja-JP" sz="2835" dirty="0">
-              <a:solidFill>
-                <a:schemeClr val="tx1"/>
-              </a:solidFill>
-              <a:latin typeface="Meiryo UI" panose="020B0604030504040204" pitchFamily="50" charset="-128"/>
-              <a:ea typeface="Meiryo UI" panose="020B0604030504040204" pitchFamily="50" charset="-128"/>
-            </a:endParaRPr>
-          </a:p>
-          <a:p>
-            <a:pPr algn="ctr"/>
-            <a:r>
-              <a:rPr lang="en-US" altLang="ja-JP" sz="2835" dirty="0">
-                <a:solidFill>
-                  <a:schemeClr val="tx1"/>
-                </a:solidFill>
-                <a:latin typeface="Meiryo UI" panose="020B0604030504040204" pitchFamily="50" charset="-128"/>
-                <a:ea typeface="Meiryo UI" panose="020B0604030504040204" pitchFamily="50" charset="-128"/>
-              </a:rPr>
-              <a:t>False</a:t>
-            </a:r>
-            <a:r>
-              <a:rPr lang="ja-JP" altLang="en-US" sz="2835" dirty="0">
-                <a:solidFill>
-                  <a:schemeClr val="tx1"/>
-                </a:solidFill>
-                <a:latin typeface="Meiryo UI" panose="020B0604030504040204" pitchFamily="50" charset="-128"/>
-                <a:ea typeface="Meiryo UI" panose="020B0604030504040204" pitchFamily="50" charset="-128"/>
-              </a:rPr>
-              <a:t> </a:t>
-            </a:r>
-            <a:r>
-              <a:rPr lang="en-US" altLang="ja-JP" sz="2835" dirty="0">
-                <a:solidFill>
-                  <a:schemeClr val="tx1"/>
-                </a:solidFill>
-                <a:latin typeface="Meiryo UI" panose="020B0604030504040204" pitchFamily="50" charset="-128"/>
-                <a:ea typeface="Meiryo UI" panose="020B0604030504040204" pitchFamily="50" charset="-128"/>
-              </a:rPr>
-              <a:t>Negative</a:t>
-            </a:r>
-            <a:r>
-              <a:rPr lang="ja-JP" altLang="en-US" sz="2835" dirty="0">
-                <a:solidFill>
-                  <a:schemeClr val="tx1"/>
-                </a:solidFill>
-                <a:latin typeface="Meiryo UI" panose="020B0604030504040204" pitchFamily="50" charset="-128"/>
-                <a:ea typeface="Meiryo UI" panose="020B0604030504040204" pitchFamily="50" charset="-128"/>
-              </a:rPr>
-              <a:t>、</a:t>
-            </a:r>
-            <a:endParaRPr lang="en-US" altLang="ja-JP" sz="2835" dirty="0">
-              <a:solidFill>
-                <a:schemeClr val="tx1"/>
-              </a:solidFill>
-              <a:latin typeface="Meiryo UI" panose="020B0604030504040204" pitchFamily="50" charset="-128"/>
-              <a:ea typeface="Meiryo UI" panose="020B0604030504040204" pitchFamily="50" charset="-128"/>
-            </a:endParaRPr>
-          </a:p>
-          <a:p>
-            <a:pPr algn="ctr"/>
-            <a:r>
-              <a:rPr lang="ja-JP" altLang="en-US" sz="2835" dirty="0">
-                <a:solidFill>
-                  <a:schemeClr val="tx1"/>
-                </a:solidFill>
-                <a:latin typeface="Meiryo UI" panose="020B0604030504040204" pitchFamily="50" charset="-128"/>
-                <a:ea typeface="Meiryo UI" panose="020B0604030504040204" pitchFamily="50" charset="-128"/>
-              </a:rPr>
-              <a:t>偽陰性、</a:t>
-            </a:r>
-            <a:endParaRPr lang="en-US" altLang="ja-JP" sz="2835" dirty="0">
-              <a:solidFill>
-                <a:schemeClr val="tx1"/>
-              </a:solidFill>
-              <a:latin typeface="Meiryo UI" panose="020B0604030504040204" pitchFamily="50" charset="-128"/>
-              <a:ea typeface="Meiryo UI" panose="020B0604030504040204" pitchFamily="50" charset="-128"/>
-            </a:endParaRPr>
-          </a:p>
-          <a:p>
-            <a:pPr algn="ctr"/>
-            <a:r>
-              <a:rPr lang="ja-JP" altLang="en-US" sz="2835" b="1" dirty="0">
-                <a:solidFill>
-                  <a:schemeClr val="tx1"/>
-                </a:solidFill>
-                <a:latin typeface="Meiryo UI" panose="020B0604030504040204" pitchFamily="50" charset="-128"/>
-                <a:ea typeface="Meiryo UI" panose="020B0604030504040204" pitchFamily="50" charset="-128"/>
-              </a:rPr>
-              <a:t>見逃し</a:t>
-            </a:r>
-          </a:p>
-        </p:txBody>
-      </p:sp>
-      <p:sp>
-        <p:nvSpPr>
-          <p:cNvPr id="19" name="テキスト ボックス 18">
-            <a:extLst>
-              <a:ext uri="{FF2B5EF4-FFF2-40B4-BE49-F238E27FC236}">
-                <a16:creationId xmlns:a16="http://schemas.microsoft.com/office/drawing/2014/main" id="{C30C7E74-661A-46F7-9CAD-6ABC468034C0}"/>
-              </a:ext>
-            </a:extLst>
-          </p:cNvPr>
-          <p:cNvSpPr txBox="1"/>
-          <p:nvPr/>
-        </p:nvSpPr>
-        <p:spPr>
-          <a:xfrm>
-            <a:off x="15445314" y="201936"/>
-            <a:ext cx="2446821" cy="707886"/>
-          </a:xfrm>
-          <a:prstGeom prst="rect">
-            <a:avLst/>
-          </a:prstGeom>
-          <a:noFill/>
-          <a:ln>
-            <a:noFill/>
-          </a:ln>
-        </p:spPr>
-        <p:txBody>
-          <a:bodyPr wrap="square" rtlCol="0">
-            <a:spAutoFit/>
-          </a:bodyPr>
-          <a:lstStyle/>
-          <a:p>
-            <a:pPr algn="ctr"/>
-            <a:r>
-              <a:rPr lang="ja-JP" altLang="en-US" sz="4000" dirty="0">
-                <a:latin typeface="Meiryo UI" panose="020B0604030504040204" pitchFamily="50" charset="-128"/>
-                <a:ea typeface="Meiryo UI" panose="020B0604030504040204" pitchFamily="50" charset="-128"/>
-              </a:rPr>
-              <a:t>正予測</a:t>
-            </a:r>
-          </a:p>
-        </p:txBody>
-      </p:sp>
-      <p:cxnSp>
-        <p:nvCxnSpPr>
-          <p:cNvPr id="20" name="直線コネクタ 19">
-            <a:extLst>
-              <a:ext uri="{FF2B5EF4-FFF2-40B4-BE49-F238E27FC236}">
-                <a16:creationId xmlns:a16="http://schemas.microsoft.com/office/drawing/2014/main" id="{F182CDDA-224F-47C0-BEB7-DF17D1CFFD8E}"/>
-              </a:ext>
-            </a:extLst>
-          </p:cNvPr>
-          <p:cNvCxnSpPr>
-            <a:cxnSpLocks/>
-          </p:cNvCxnSpPr>
-          <p:nvPr/>
-        </p:nvCxnSpPr>
-        <p:spPr>
-          <a:xfrm>
-            <a:off x="15445314" y="856252"/>
-            <a:ext cx="2446821" cy="0"/>
-          </a:xfrm>
-          <a:prstGeom prst="line">
-            <a:avLst/>
-          </a:prstGeom>
-          <a:ln w="25400">
-            <a:solidFill>
-              <a:schemeClr val="bg1">
-                <a:lumMod val="50000"/>
-              </a:schemeClr>
-            </a:solidFill>
-          </a:ln>
-        </p:spPr>
-        <p:style>
-          <a:lnRef idx="1">
-            <a:schemeClr val="accent1"/>
-          </a:lnRef>
-          <a:fillRef idx="0">
-            <a:schemeClr val="accent1"/>
-          </a:fillRef>
-          <a:effectRef idx="0">
-            <a:schemeClr val="accent1"/>
-          </a:effectRef>
-          <a:fontRef idx="minor">
-            <a:schemeClr val="tx1"/>
-          </a:fontRef>
-        </p:style>
-      </p:cxnSp>
-      <p:sp>
-        <p:nvSpPr>
-          <p:cNvPr id="21" name="テキスト ボックス 20">
-            <a:extLst>
-              <a:ext uri="{FF2B5EF4-FFF2-40B4-BE49-F238E27FC236}">
-                <a16:creationId xmlns:a16="http://schemas.microsoft.com/office/drawing/2014/main" id="{BCEBFE8A-33F0-4DE5-A099-3CBB747EC45D}"/>
-              </a:ext>
-            </a:extLst>
-          </p:cNvPr>
-          <p:cNvSpPr txBox="1"/>
-          <p:nvPr/>
-        </p:nvSpPr>
-        <p:spPr>
-          <a:xfrm>
-            <a:off x="18212752" y="201933"/>
-            <a:ext cx="2649319" cy="707886"/>
-          </a:xfrm>
-          <a:prstGeom prst="rect">
-            <a:avLst/>
-          </a:prstGeom>
-          <a:noFill/>
-          <a:ln>
-            <a:noFill/>
-          </a:ln>
-        </p:spPr>
-        <p:txBody>
-          <a:bodyPr wrap="square" rtlCol="0">
-            <a:spAutoFit/>
-          </a:bodyPr>
-          <a:lstStyle/>
-          <a:p>
-            <a:pPr algn="ctr"/>
-            <a:r>
-              <a:rPr lang="ja-JP" altLang="en-US" sz="4000" dirty="0">
-                <a:latin typeface="Meiryo UI" panose="020B0604030504040204" pitchFamily="50" charset="-128"/>
-                <a:ea typeface="Meiryo UI" panose="020B0604030504040204" pitchFamily="50" charset="-128"/>
-              </a:rPr>
-              <a:t>負予測</a:t>
-            </a:r>
-          </a:p>
-        </p:txBody>
-      </p:sp>
-      <p:cxnSp>
-        <p:nvCxnSpPr>
-          <p:cNvPr id="22" name="直線コネクタ 21">
-            <a:extLst>
-              <a:ext uri="{FF2B5EF4-FFF2-40B4-BE49-F238E27FC236}">
-                <a16:creationId xmlns:a16="http://schemas.microsoft.com/office/drawing/2014/main" id="{447AD4E5-C21B-4D66-8ACC-921C3E3BFE01}"/>
-              </a:ext>
-            </a:extLst>
-          </p:cNvPr>
-          <p:cNvCxnSpPr>
-            <a:cxnSpLocks/>
-          </p:cNvCxnSpPr>
-          <p:nvPr/>
-        </p:nvCxnSpPr>
-        <p:spPr>
-          <a:xfrm>
-            <a:off x="18212752" y="856248"/>
-            <a:ext cx="2649319" cy="0"/>
-          </a:xfrm>
-          <a:prstGeom prst="line">
-            <a:avLst/>
-          </a:prstGeom>
-          <a:ln w="25400">
-            <a:solidFill>
-              <a:schemeClr val="bg1">
-                <a:lumMod val="50000"/>
-              </a:schemeClr>
-            </a:solidFill>
-          </a:ln>
-        </p:spPr>
-        <p:style>
-          <a:lnRef idx="1">
-            <a:schemeClr val="accent1"/>
-          </a:lnRef>
-          <a:fillRef idx="0">
-            <a:schemeClr val="accent1"/>
-          </a:fillRef>
-          <a:effectRef idx="0">
-            <a:schemeClr val="accent1"/>
-          </a:effectRef>
-          <a:fontRef idx="minor">
-            <a:schemeClr val="tx1"/>
-          </a:fontRef>
-        </p:style>
-      </p:cxnSp>
-      <p:sp>
-        <p:nvSpPr>
-          <p:cNvPr id="23" name="正方形/長方形 22">
-            <a:extLst>
-              <a:ext uri="{FF2B5EF4-FFF2-40B4-BE49-F238E27FC236}">
-                <a16:creationId xmlns:a16="http://schemas.microsoft.com/office/drawing/2014/main" id="{490DE988-9C4E-48CD-871A-4C1A0A2AEA2E}"/>
-              </a:ext>
-            </a:extLst>
-          </p:cNvPr>
-          <p:cNvSpPr/>
-          <p:nvPr/>
-        </p:nvSpPr>
-        <p:spPr>
-          <a:xfrm>
-            <a:off x="13035224" y="1029791"/>
-            <a:ext cx="2055723" cy="2728979"/>
-          </a:xfrm>
-          <a:prstGeom prst="rect">
-            <a:avLst/>
-          </a:prstGeom>
-          <a:solidFill>
-            <a:schemeClr val="bg2">
-              <a:lumMod val="90000"/>
-            </a:schemeClr>
-          </a:solidFill>
-          <a:ln>
-            <a:solidFill>
-              <a:schemeClr val="bg1">
-                <a:lumMod val="50000"/>
-              </a:schemeClr>
-            </a:solidFill>
-          </a:ln>
-        </p:spPr>
-        <p:style>
-          <a:lnRef idx="2">
-            <a:schemeClr val="accent1">
-              <a:shade val="50000"/>
-            </a:schemeClr>
-          </a:lnRef>
-          <a:fillRef idx="1">
-            <a:schemeClr val="accent1"/>
-          </a:fillRef>
-          <a:effectRef idx="0">
-            <a:schemeClr val="accent1"/>
-          </a:effectRef>
-          <a:fontRef idx="minor">
-            <a:schemeClr val="lt1"/>
-          </a:fontRef>
-        </p:style>
-        <p:txBody>
-          <a:bodyPr rtlCol="0" anchor="ctr"/>
-          <a:lstStyle/>
-          <a:p>
-            <a:pPr algn="ctr"/>
-            <a:r>
-              <a:rPr lang="ja-JP" altLang="en-US" sz="4000" dirty="0">
-                <a:solidFill>
-                  <a:schemeClr val="tx1"/>
-                </a:solidFill>
-                <a:latin typeface="Meiryo UI" panose="020B0604030504040204" pitchFamily="50" charset="-128"/>
-                <a:ea typeface="Meiryo UI" panose="020B0604030504040204" pitchFamily="50" charset="-128"/>
-              </a:rPr>
-              <a:t>正例</a:t>
-            </a:r>
-          </a:p>
-        </p:txBody>
-      </p:sp>
-      <p:sp>
-        <p:nvSpPr>
-          <p:cNvPr id="24" name="正方形/長方形 23">
-            <a:extLst>
-              <a:ext uri="{FF2B5EF4-FFF2-40B4-BE49-F238E27FC236}">
-                <a16:creationId xmlns:a16="http://schemas.microsoft.com/office/drawing/2014/main" id="{75E0399C-C0F3-4EB9-B7FD-6B34E3234E15}"/>
-              </a:ext>
-            </a:extLst>
-          </p:cNvPr>
-          <p:cNvSpPr/>
-          <p:nvPr/>
-        </p:nvSpPr>
-        <p:spPr>
-          <a:xfrm>
-            <a:off x="13035224" y="3758769"/>
-            <a:ext cx="2055723" cy="2571651"/>
-          </a:xfrm>
-          <a:prstGeom prst="rect">
-            <a:avLst/>
-          </a:prstGeom>
-          <a:solidFill>
-            <a:schemeClr val="bg2">
-              <a:lumMod val="90000"/>
-            </a:schemeClr>
-          </a:solidFill>
-          <a:ln>
-            <a:solidFill>
-              <a:schemeClr val="bg1">
-                <a:lumMod val="50000"/>
-              </a:schemeClr>
-            </a:solidFill>
-          </a:ln>
-        </p:spPr>
-        <p:style>
-          <a:lnRef idx="2">
-            <a:schemeClr val="accent1">
-              <a:shade val="50000"/>
-            </a:schemeClr>
-          </a:lnRef>
-          <a:fillRef idx="1">
-            <a:schemeClr val="accent1"/>
-          </a:fillRef>
-          <a:effectRef idx="0">
-            <a:schemeClr val="accent1"/>
-          </a:effectRef>
-          <a:fontRef idx="minor">
-            <a:schemeClr val="lt1"/>
-          </a:fontRef>
-        </p:style>
-        <p:txBody>
-          <a:bodyPr rtlCol="0" anchor="ctr"/>
-          <a:lstStyle/>
-          <a:p>
-            <a:pPr algn="ctr"/>
-            <a:r>
-              <a:rPr lang="ja-JP" altLang="en-US" sz="4000" dirty="0">
-                <a:solidFill>
-                  <a:schemeClr val="tx1"/>
-                </a:solidFill>
-                <a:latin typeface="Meiryo UI" panose="020B0604030504040204" pitchFamily="50" charset="-128"/>
-                <a:ea typeface="Meiryo UI" panose="020B0604030504040204" pitchFamily="50" charset="-128"/>
-              </a:rPr>
-              <a:t>負例</a:t>
-            </a:r>
-          </a:p>
-        </p:txBody>
-      </p:sp>
-      <p:sp>
-        <p:nvSpPr>
-          <p:cNvPr id="25" name="正方形/長方形 24">
-            <a:extLst>
-              <a:ext uri="{FF2B5EF4-FFF2-40B4-BE49-F238E27FC236}">
-                <a16:creationId xmlns:a16="http://schemas.microsoft.com/office/drawing/2014/main" id="{7D7E0AC0-BF05-46E0-9614-09ED99C99EA8}"/>
-              </a:ext>
-            </a:extLst>
-          </p:cNvPr>
-          <p:cNvSpPr/>
-          <p:nvPr/>
-        </p:nvSpPr>
-        <p:spPr>
-          <a:xfrm>
-            <a:off x="15928050" y="7003077"/>
-            <a:ext cx="950934" cy="937058"/>
-          </a:xfrm>
-          <a:prstGeom prst="rect">
-            <a:avLst/>
-          </a:prstGeom>
-          <a:solidFill>
-            <a:schemeClr val="bg1"/>
-          </a:solidFill>
-          <a:ln>
-            <a:solidFill>
-              <a:schemeClr val="bg1">
-                <a:lumMod val="50000"/>
-              </a:schemeClr>
-            </a:solidFill>
-          </a:ln>
-        </p:spPr>
-        <p:style>
-          <a:lnRef idx="2">
-            <a:schemeClr val="accent1">
-              <a:shade val="50000"/>
-            </a:schemeClr>
-          </a:lnRef>
-          <a:fillRef idx="1">
-            <a:schemeClr val="accent1"/>
-          </a:fillRef>
-          <a:effectRef idx="0">
-            <a:schemeClr val="accent1"/>
-          </a:effectRef>
-          <a:fontRef idx="minor">
-            <a:schemeClr val="lt1"/>
-          </a:fontRef>
-        </p:style>
-        <p:txBody>
-          <a:bodyPr rtlCol="0" anchor="ctr"/>
-          <a:lstStyle/>
-          <a:p>
-            <a:pPr algn="ctr"/>
-            <a:r>
-              <a:rPr lang="en-US" altLang="ja-JP" sz="2835" dirty="0">
-                <a:solidFill>
-                  <a:schemeClr val="tx1"/>
-                </a:solidFill>
-                <a:latin typeface="Meiryo UI" panose="020B0604030504040204" pitchFamily="50" charset="-128"/>
-                <a:ea typeface="Meiryo UI" panose="020B0604030504040204" pitchFamily="50" charset="-128"/>
-              </a:rPr>
-              <a:t>TP</a:t>
+              <a:t>FP</a:t>
             </a:r>
             <a:endParaRPr lang="ja-JP" altLang="en-US" sz="2835" dirty="0">
               <a:solidFill>
@@ -12356,10 +12543,10 @@
       </p:sp>
       <p:sp>
         <p:nvSpPr>
-          <p:cNvPr id="26" name="正方形/長方形 25">
-            <a:extLst>
-              <a:ext uri="{FF2B5EF4-FFF2-40B4-BE49-F238E27FC236}">
-                <a16:creationId xmlns:a16="http://schemas.microsoft.com/office/drawing/2014/main" id="{8D695A40-A2C7-49A6-BB09-67FC3D36DF02}"/>
+          <p:cNvPr id="28" name="正方形/長方形 27">
+            <a:extLst>
+              <a:ext uri="{FF2B5EF4-FFF2-40B4-BE49-F238E27FC236}">
+                <a16:creationId xmlns:a16="http://schemas.microsoft.com/office/drawing/2014/main" id="{78230B5E-0971-44E2-81EF-D986010F7406}"/>
               </a:ext>
             </a:extLst>
           </p:cNvPr>
@@ -12368,155 +12555,7 @@
         </p:nvSpPr>
         <p:spPr>
           <a:xfrm>
-            <a:off x="16872351" y="7938300"/>
-            <a:ext cx="1019784" cy="883031"/>
-          </a:xfrm>
-          <a:prstGeom prst="rect">
-            <a:avLst/>
-          </a:prstGeom>
-          <a:solidFill>
-            <a:schemeClr val="bg2">
-              <a:lumMod val="25000"/>
-            </a:schemeClr>
-          </a:solidFill>
-          <a:ln>
-            <a:solidFill>
-              <a:schemeClr val="bg1">
-                <a:lumMod val="50000"/>
-              </a:schemeClr>
-            </a:solidFill>
-          </a:ln>
-        </p:spPr>
-        <p:style>
-          <a:lnRef idx="2">
-            <a:schemeClr val="accent1">
-              <a:shade val="50000"/>
-            </a:schemeClr>
-          </a:lnRef>
-          <a:fillRef idx="1">
-            <a:schemeClr val="accent1"/>
-          </a:fillRef>
-          <a:effectRef idx="0">
-            <a:schemeClr val="accent1"/>
-          </a:effectRef>
-          <a:fontRef idx="minor">
-            <a:schemeClr val="lt1"/>
-          </a:fontRef>
-        </p:style>
-        <p:txBody>
-          <a:bodyPr rtlCol="0" anchor="ctr"/>
-          <a:lstStyle/>
-          <a:p>
-            <a:pPr algn="ctr"/>
-            <a:r>
-              <a:rPr lang="en-US" altLang="ja-JP" sz="2835" dirty="0">
-                <a:solidFill>
-                  <a:schemeClr val="bg1"/>
-                </a:solidFill>
-                <a:latin typeface="Meiryo UI" panose="020B0604030504040204" pitchFamily="50" charset="-128"/>
-                <a:ea typeface="Meiryo UI" panose="020B0604030504040204" pitchFamily="50" charset="-128"/>
-              </a:rPr>
-              <a:t>TN</a:t>
-            </a:r>
-            <a:endParaRPr lang="ja-JP" altLang="en-US" sz="2835" dirty="0">
-              <a:solidFill>
-                <a:schemeClr val="bg1"/>
-              </a:solidFill>
-              <a:latin typeface="Meiryo UI" panose="020B0604030504040204" pitchFamily="50" charset="-128"/>
-              <a:ea typeface="Meiryo UI" panose="020B0604030504040204" pitchFamily="50" charset="-128"/>
-            </a:endParaRPr>
-          </a:p>
-        </p:txBody>
-      </p:sp>
-      <p:sp>
-        <p:nvSpPr>
-          <p:cNvPr id="27" name="正方形/長方形 26">
-            <a:extLst>
-              <a:ext uri="{FF2B5EF4-FFF2-40B4-BE49-F238E27FC236}">
-                <a16:creationId xmlns:a16="http://schemas.microsoft.com/office/drawing/2014/main" id="{A8D4F79D-C591-4BF0-9942-C7B662B811CD}"/>
-              </a:ext>
-            </a:extLst>
-          </p:cNvPr>
-          <p:cNvSpPr/>
-          <p:nvPr/>
-        </p:nvSpPr>
-        <p:spPr>
-          <a:xfrm>
-            <a:off x="15928168" y="7940133"/>
-            <a:ext cx="950934" cy="883026"/>
-          </a:xfrm>
-          <a:prstGeom prst="rect">
-            <a:avLst/>
-          </a:prstGeom>
-          <a:solidFill>
-            <a:schemeClr val="bg2">
-              <a:lumMod val="90000"/>
-            </a:schemeClr>
-          </a:solidFill>
-          <a:ln>
-            <a:solidFill>
-              <a:schemeClr val="bg1">
-                <a:lumMod val="50000"/>
-              </a:schemeClr>
-            </a:solidFill>
-          </a:ln>
-        </p:spPr>
-        <p:style>
-          <a:lnRef idx="2">
-            <a:schemeClr val="accent1">
-              <a:shade val="50000"/>
-            </a:schemeClr>
-          </a:lnRef>
-          <a:fillRef idx="1">
-            <a:schemeClr val="accent1"/>
-          </a:fillRef>
-          <a:effectRef idx="0">
-            <a:schemeClr val="accent1"/>
-          </a:effectRef>
-          <a:fontRef idx="minor">
-            <a:schemeClr val="lt1"/>
-          </a:fontRef>
-        </p:style>
-        <p:txBody>
-          <a:bodyPr rtlCol="0" anchor="ctr"/>
-          <a:lstStyle/>
-          <a:p>
-            <a:pPr algn="ctr"/>
-            <a:r>
-              <a:rPr lang="en-US" altLang="ja-JP" sz="2835" dirty="0">
-                <a:solidFill>
-                  <a:schemeClr val="tx1"/>
-                </a:solidFill>
-                <a:latin typeface="Meiryo UI" panose="020B0604030504040204" pitchFamily="50" charset="-128"/>
-                <a:ea typeface="Meiryo UI" panose="020B0604030504040204" pitchFamily="50" charset="-128"/>
-              </a:rPr>
-              <a:t>FP</a:t>
-            </a:r>
-            <a:endParaRPr lang="ja-JP" altLang="en-US" sz="2835" dirty="0">
-              <a:solidFill>
-                <a:schemeClr val="tx1"/>
-              </a:solidFill>
-              <a:latin typeface="Meiryo UI" panose="020B0604030504040204" pitchFamily="50" charset="-128"/>
-              <a:ea typeface="Meiryo UI" panose="020B0604030504040204" pitchFamily="50" charset="-128"/>
-            </a:endParaRPr>
-          </a:p>
-        </p:txBody>
-      </p:sp>
-      <p:sp>
-        <p:nvSpPr>
-          <p:cNvPr id="28" name="正方形/長方形 27">
-            <a:extLst>
-              <a:ext uri="{FF2B5EF4-FFF2-40B4-BE49-F238E27FC236}">
-                <a16:creationId xmlns:a16="http://schemas.microsoft.com/office/drawing/2014/main" id="{78230B5E-0971-44E2-81EF-D986010F7406}"/>
-              </a:ext>
-            </a:extLst>
-          </p:cNvPr>
-          <p:cNvSpPr/>
-          <p:nvPr/>
-        </p:nvSpPr>
-        <p:spPr>
-          <a:xfrm>
-            <a:off x="16872351" y="7003076"/>
+            <a:off x="17192968" y="8873521"/>
             <a:ext cx="1019784" cy="937057"/>
           </a:xfrm>
           <a:prstGeom prst="rect">
@@ -12573,40 +12612,6 @@
               <a:latin typeface="Meiryo UI" panose="020B0604030504040204" pitchFamily="50" charset="-128"/>
               <a:ea typeface="Meiryo UI" panose="020B0604030504040204" pitchFamily="50" charset="-128"/>
             </a:endParaRPr>
-          </a:p>
-        </p:txBody>
-      </p:sp>
-      <p:sp>
-        <p:nvSpPr>
-          <p:cNvPr id="7" name="正方形/長方形 6">
-            <a:extLst>
-              <a:ext uri="{FF2B5EF4-FFF2-40B4-BE49-F238E27FC236}">
-                <a16:creationId xmlns:a16="http://schemas.microsoft.com/office/drawing/2014/main" id="{E3D90824-4388-4E8C-8F26-72133020C2EE}"/>
-              </a:ext>
-            </a:extLst>
-          </p:cNvPr>
-          <p:cNvSpPr/>
-          <p:nvPr/>
-        </p:nvSpPr>
-        <p:spPr>
-          <a:xfrm>
-            <a:off x="10510260" y="7014647"/>
-            <a:ext cx="579005" cy="369332"/>
-          </a:xfrm>
-          <a:prstGeom prst="rect">
-            <a:avLst/>
-          </a:prstGeom>
-        </p:spPr>
-        <p:txBody>
-          <a:bodyPr wrap="none">
-            <a:spAutoFit/>
-          </a:bodyPr>
-          <a:lstStyle/>
-          <a:p>
-            <a:r>
-              <a:rPr lang="ja-JP" altLang="en-US" dirty="0"/>
-              <a:t>split</a:t>
-            </a:r>
           </a:p>
         </p:txBody>
       </p:sp>
@@ -12845,8 +12850,8 @@
         </p:nvSpPr>
         <p:spPr>
           <a:xfrm>
-            <a:off x="8973975" y="11911954"/>
-            <a:ext cx="1825787" cy="1043207"/>
+            <a:off x="8973975" y="11911955"/>
+            <a:ext cx="3592541" cy="933804"/>
           </a:xfrm>
           <a:prstGeom prst="rect">
             <a:avLst/>
@@ -13407,7 +13412,7 @@
         <p:spPr>
           <a:xfrm>
             <a:off x="8555229" y="2840143"/>
-            <a:ext cx="2663280" cy="0"/>
+            <a:ext cx="4451644" cy="0"/>
           </a:xfrm>
           <a:prstGeom prst="line">
             <a:avLst/>
@@ -13449,17 +13454,13 @@
         </p:nvSpPr>
         <p:spPr>
           <a:xfrm>
-            <a:off x="8921019" y="2955058"/>
-            <a:ext cx="1825787" cy="1764767"/>
+            <a:off x="8921019" y="2953826"/>
+            <a:ext cx="3656646" cy="883031"/>
           </a:xfrm>
           <a:prstGeom prst="rect">
             <a:avLst/>
           </a:prstGeom>
-          <a:solidFill>
-            <a:schemeClr val="bg2">
-              <a:lumMod val="90000"/>
-            </a:schemeClr>
-          </a:solidFill>
+          <a:noFill/>
           <a:ln>
             <a:solidFill>
               <a:schemeClr val="bg1">
@@ -13516,17 +13517,13 @@
         </p:nvSpPr>
         <p:spPr>
           <a:xfrm>
-            <a:off x="8973975" y="904550"/>
-            <a:ext cx="1825787" cy="1764767"/>
+            <a:off x="8962826" y="1839773"/>
+            <a:ext cx="3603690" cy="883031"/>
           </a:xfrm>
           <a:prstGeom prst="rect">
             <a:avLst/>
           </a:prstGeom>
-          <a:solidFill>
-            <a:schemeClr val="bg2">
-              <a:lumMod val="90000"/>
-            </a:schemeClr>
-          </a:solidFill>
+          <a:noFill/>
           <a:ln>
             <a:solidFill>
               <a:schemeClr val="bg1">
@@ -13583,8 +13580,8 @@
         </p:nvSpPr>
         <p:spPr>
           <a:xfrm>
-            <a:off x="7797244" y="2186114"/>
-            <a:ext cx="757983" cy="1200329"/>
+            <a:off x="7901117" y="2346501"/>
+            <a:ext cx="757983" cy="923330"/>
           </a:xfrm>
           <a:prstGeom prst="rect">
             <a:avLst/>
@@ -13598,10 +13595,10 @@
           <a:lstStyle/>
           <a:p>
             <a:r>
-              <a:rPr kumimoji="1" lang="en-US" altLang="ja-JP" sz="7200" dirty="0"/>
+              <a:rPr kumimoji="1" lang="en-US" altLang="ja-JP" sz="5400" dirty="0"/>
               <a:t>=</a:t>
             </a:r>
-            <a:endParaRPr kumimoji="1" lang="ja-JP" altLang="en-US" sz="7200" dirty="0"/>
+            <a:endParaRPr kumimoji="1" lang="ja-JP" altLang="en-US" sz="5400" dirty="0"/>
           </a:p>
         </p:txBody>
       </p:sp>
@@ -13619,8 +13616,8 @@
         </p:nvSpPr>
         <p:spPr>
           <a:xfrm>
-            <a:off x="597159" y="2237479"/>
-            <a:ext cx="4468692" cy="1200329"/>
+            <a:off x="1624143" y="2387134"/>
+            <a:ext cx="4468692" cy="923330"/>
           </a:xfrm>
           <a:prstGeom prst="rect">
             <a:avLst/>
@@ -13634,18 +13631,18 @@
           <a:lstStyle/>
           <a:p>
             <a:r>
-              <a:rPr kumimoji="1" lang="en-US" altLang="ja-JP" sz="7200" dirty="0"/>
+              <a:rPr kumimoji="1" lang="en-US" altLang="ja-JP" sz="5400" dirty="0"/>
               <a:t>Accuracy</a:t>
             </a:r>
             <a:r>
-              <a:rPr kumimoji="1" lang="ja-JP" altLang="en-US" sz="7200" dirty="0"/>
+              <a:rPr kumimoji="1" lang="ja-JP" altLang="en-US" sz="5400" dirty="0"/>
               <a:t> </a:t>
             </a:r>
             <a:r>
-              <a:rPr kumimoji="1" lang="en-US" altLang="ja-JP" sz="7200" dirty="0"/>
+              <a:rPr kumimoji="1" lang="en-US" altLang="ja-JP" sz="5400" dirty="0"/>
               <a:t>=</a:t>
             </a:r>
-            <a:endParaRPr kumimoji="1" lang="ja-JP" altLang="en-US" sz="7200" dirty="0"/>
+            <a:endParaRPr kumimoji="1" lang="ja-JP" altLang="en-US" sz="5400" dirty="0"/>
           </a:p>
         </p:txBody>
       </p:sp>
@@ -13929,7 +13926,7 @@
         <p:spPr>
           <a:xfrm>
             <a:off x="8555229" y="7284625"/>
-            <a:ext cx="2663280" cy="0"/>
+            <a:ext cx="4022436" cy="0"/>
           </a:xfrm>
           <a:prstGeom prst="line">
             <a:avLst/>
@@ -13971,17 +13968,13 @@
         </p:nvSpPr>
         <p:spPr>
           <a:xfrm>
-            <a:off x="8973975" y="5349032"/>
-            <a:ext cx="1825787" cy="1764767"/>
+            <a:off x="8973975" y="6170572"/>
+            <a:ext cx="3592541" cy="943227"/>
           </a:xfrm>
           <a:prstGeom prst="rect">
             <a:avLst/>
           </a:prstGeom>
-          <a:solidFill>
-            <a:schemeClr val="bg2">
-              <a:lumMod val="90000"/>
-            </a:schemeClr>
-          </a:solidFill>
+          <a:noFill/>
           <a:ln>
             <a:solidFill>
               <a:schemeClr val="bg1">
@@ -14038,8 +14031,8 @@
         </p:nvSpPr>
         <p:spPr>
           <a:xfrm>
-            <a:off x="7797244" y="6630596"/>
-            <a:ext cx="757983" cy="1200329"/>
+            <a:off x="7901116" y="6822960"/>
+            <a:ext cx="757983" cy="923330"/>
           </a:xfrm>
           <a:prstGeom prst="rect">
             <a:avLst/>
@@ -14053,10 +14046,10 @@
           <a:lstStyle/>
           <a:p>
             <a:r>
-              <a:rPr kumimoji="1" lang="en-US" altLang="ja-JP" sz="7200" dirty="0"/>
+              <a:rPr kumimoji="1" lang="en-US" altLang="ja-JP" sz="5400" dirty="0"/>
               <a:t>=</a:t>
             </a:r>
-            <a:endParaRPr kumimoji="1" lang="ja-JP" altLang="en-US" sz="7200" dirty="0"/>
+            <a:endParaRPr kumimoji="1" lang="ja-JP" altLang="en-US" sz="5400" dirty="0"/>
           </a:p>
         </p:txBody>
       </p:sp>
@@ -14074,8 +14067,8 @@
         </p:nvSpPr>
         <p:spPr>
           <a:xfrm>
-            <a:off x="597159" y="6681961"/>
-            <a:ext cx="4468692" cy="1200329"/>
+            <a:off x="1722493" y="6791706"/>
+            <a:ext cx="4468692" cy="923330"/>
           </a:xfrm>
           <a:prstGeom prst="rect">
             <a:avLst/>
@@ -14089,18 +14082,18 @@
           <a:lstStyle/>
           <a:p>
             <a:r>
-              <a:rPr kumimoji="1" lang="en-US" altLang="ja-JP" sz="7200" dirty="0"/>
+              <a:rPr kumimoji="1" lang="en-US" altLang="ja-JP" sz="5400" dirty="0"/>
               <a:t>Precision</a:t>
             </a:r>
             <a:r>
-              <a:rPr kumimoji="1" lang="ja-JP" altLang="en-US" sz="7200" dirty="0"/>
+              <a:rPr kumimoji="1" lang="ja-JP" altLang="en-US" sz="5400" dirty="0"/>
               <a:t> </a:t>
             </a:r>
             <a:r>
-              <a:rPr kumimoji="1" lang="en-US" altLang="ja-JP" sz="7200" dirty="0"/>
+              <a:rPr kumimoji="1" lang="en-US" altLang="ja-JP" sz="5400" dirty="0"/>
               <a:t>=</a:t>
             </a:r>
-            <a:endParaRPr kumimoji="1" lang="ja-JP" altLang="en-US" sz="7200" dirty="0"/>
+            <a:endParaRPr kumimoji="1" lang="ja-JP" altLang="en-US" sz="5400" dirty="0"/>
           </a:p>
         </p:txBody>
       </p:sp>
@@ -14118,8 +14111,8 @@
         </p:nvSpPr>
         <p:spPr>
           <a:xfrm>
-            <a:off x="8962826" y="7362396"/>
-            <a:ext cx="1836936" cy="1084329"/>
+            <a:off x="8962825" y="7362397"/>
+            <a:ext cx="3603691" cy="918942"/>
           </a:xfrm>
           <a:prstGeom prst="rect">
             <a:avLst/>
@@ -14448,8 +14441,8 @@
         </p:nvCxnSpPr>
         <p:spPr>
           <a:xfrm>
-            <a:off x="8555229" y="11793062"/>
-            <a:ext cx="2663280" cy="0"/>
+            <a:off x="8555227" y="11793774"/>
+            <a:ext cx="4265034" cy="0"/>
           </a:xfrm>
           <a:prstGeom prst="line">
             <a:avLst/>
@@ -14558,17 +14551,13 @@
         </p:nvSpPr>
         <p:spPr>
           <a:xfrm>
-            <a:off x="8973975" y="10133050"/>
-            <a:ext cx="1825787" cy="1489186"/>
+            <a:off x="8973975" y="10698904"/>
+            <a:ext cx="3592541" cy="923331"/>
           </a:xfrm>
           <a:prstGeom prst="rect">
             <a:avLst/>
           </a:prstGeom>
-          <a:solidFill>
-            <a:schemeClr val="bg2">
-              <a:lumMod val="90000"/>
-            </a:schemeClr>
-          </a:solidFill>
+          <a:noFill/>
           <a:ln>
             <a:solidFill>
               <a:schemeClr val="bg1">
@@ -14625,8 +14614,8 @@
         </p:nvSpPr>
         <p:spPr>
           <a:xfrm>
-            <a:off x="7797244" y="11139033"/>
-            <a:ext cx="757983" cy="1200329"/>
+            <a:off x="7954073" y="11299420"/>
+            <a:ext cx="757983" cy="923330"/>
           </a:xfrm>
           <a:prstGeom prst="rect">
             <a:avLst/>
@@ -14640,10 +14629,10 @@
           <a:lstStyle/>
           <a:p>
             <a:r>
-              <a:rPr kumimoji="1" lang="en-US" altLang="ja-JP" sz="7200" dirty="0"/>
+              <a:rPr kumimoji="1" lang="en-US" altLang="ja-JP" sz="5400" dirty="0"/>
               <a:t>=</a:t>
             </a:r>
-            <a:endParaRPr kumimoji="1" lang="ja-JP" altLang="en-US" sz="7200" dirty="0"/>
+            <a:endParaRPr kumimoji="1" lang="ja-JP" altLang="en-US" sz="5400" dirty="0"/>
           </a:p>
         </p:txBody>
       </p:sp>
@@ -14661,8 +14650,8 @@
         </p:nvSpPr>
         <p:spPr>
           <a:xfrm>
-            <a:off x="1732827" y="11191074"/>
-            <a:ext cx="4468692" cy="1200329"/>
+            <a:off x="2595783" y="11337899"/>
+            <a:ext cx="3239328" cy="923330"/>
           </a:xfrm>
           <a:prstGeom prst="rect">
             <a:avLst/>
@@ -14676,18 +14665,18 @@
           <a:lstStyle/>
           <a:p>
             <a:r>
-              <a:rPr kumimoji="1" lang="en-US" altLang="ja-JP" sz="7200" dirty="0"/>
+              <a:rPr kumimoji="1" lang="en-US" altLang="ja-JP" sz="5400" dirty="0"/>
               <a:t>Recall</a:t>
             </a:r>
             <a:r>
-              <a:rPr kumimoji="1" lang="ja-JP" altLang="en-US" sz="7200" dirty="0"/>
+              <a:rPr kumimoji="1" lang="ja-JP" altLang="en-US" sz="5400" dirty="0"/>
               <a:t> </a:t>
             </a:r>
             <a:r>
-              <a:rPr kumimoji="1" lang="en-US" altLang="ja-JP" sz="7200" dirty="0"/>
+              <a:rPr kumimoji="1" lang="en-US" altLang="ja-JP" sz="5400" dirty="0"/>
               <a:t>=</a:t>
             </a:r>
-            <a:endParaRPr kumimoji="1" lang="ja-JP" altLang="en-US" sz="7200" dirty="0"/>
+            <a:endParaRPr kumimoji="1" lang="ja-JP" altLang="en-US" sz="5400" dirty="0"/>
           </a:p>
         </p:txBody>
       </p:sp>
@@ -14735,7 +14724,7 @@
         </p:nvSpPr>
         <p:spPr>
           <a:xfrm>
-            <a:off x="12061954" y="9159306"/>
+            <a:off x="15094714" y="9418386"/>
             <a:ext cx="1825787" cy="1580546"/>
           </a:xfrm>
           <a:prstGeom prst="rect">
@@ -15048,7 +15037,7 @@
         <p:spPr>
           <a:xfrm>
             <a:off x="8555229" y="11793062"/>
-            <a:ext cx="2663280" cy="0"/>
+            <a:ext cx="4017771" cy="0"/>
           </a:xfrm>
           <a:prstGeom prst="line">
             <a:avLst/>
@@ -15157,17 +15146,13 @@
         </p:nvSpPr>
         <p:spPr>
           <a:xfrm>
-            <a:off x="8819213" y="9929296"/>
-            <a:ext cx="2135311" cy="1764767"/>
+            <a:off x="8819213" y="10758063"/>
+            <a:ext cx="3448987" cy="936000"/>
           </a:xfrm>
           <a:prstGeom prst="rect">
             <a:avLst/>
           </a:prstGeom>
-          <a:solidFill>
-            <a:schemeClr val="bg2">
-              <a:lumMod val="90000"/>
-            </a:schemeClr>
-          </a:solidFill>
+          <a:noFill/>
           <a:ln>
             <a:solidFill>
               <a:schemeClr val="bg1">
@@ -15224,8 +15209,8 @@
         </p:nvSpPr>
         <p:spPr>
           <a:xfrm>
-            <a:off x="7797244" y="11139033"/>
-            <a:ext cx="757983" cy="1200329"/>
+            <a:off x="7873972" y="11331397"/>
+            <a:ext cx="757983" cy="923330"/>
           </a:xfrm>
           <a:prstGeom prst="rect">
             <a:avLst/>
@@ -15239,10 +15224,10 @@
           <a:lstStyle/>
           <a:p>
             <a:r>
-              <a:rPr kumimoji="1" lang="en-US" altLang="ja-JP" sz="7200" dirty="0"/>
+              <a:rPr kumimoji="1" lang="en-US" altLang="ja-JP" sz="5400" dirty="0"/>
               <a:t>=</a:t>
             </a:r>
-            <a:endParaRPr kumimoji="1" lang="ja-JP" altLang="en-US" sz="7200" dirty="0"/>
+            <a:endParaRPr kumimoji="1" lang="ja-JP" altLang="en-US" sz="5400" dirty="0"/>
           </a:p>
         </p:txBody>
       </p:sp>
@@ -15260,8 +15245,8 @@
         </p:nvSpPr>
         <p:spPr>
           <a:xfrm>
-            <a:off x="2737926" y="11141392"/>
-            <a:ext cx="4468692" cy="1200329"/>
+            <a:off x="3135283" y="11331397"/>
+            <a:ext cx="2072656" cy="923330"/>
           </a:xfrm>
           <a:prstGeom prst="rect">
             <a:avLst/>
@@ -15275,18 +15260,18 @@
           <a:lstStyle/>
           <a:p>
             <a:r>
-              <a:rPr kumimoji="1" lang="en-US" altLang="ja-JP" sz="7200" dirty="0"/>
+              <a:rPr kumimoji="1" lang="en-US" altLang="ja-JP" sz="5400" dirty="0"/>
               <a:t>FPR</a:t>
             </a:r>
             <a:r>
-              <a:rPr kumimoji="1" lang="ja-JP" altLang="en-US" sz="7200" dirty="0"/>
+              <a:rPr kumimoji="1" lang="ja-JP" altLang="en-US" sz="5400" dirty="0"/>
               <a:t> </a:t>
             </a:r>
             <a:r>
-              <a:rPr kumimoji="1" lang="en-US" altLang="ja-JP" sz="7200" dirty="0"/>
+              <a:rPr kumimoji="1" lang="en-US" altLang="ja-JP" sz="5400" dirty="0"/>
               <a:t>=</a:t>
             </a:r>
-            <a:endParaRPr kumimoji="1" lang="ja-JP" altLang="en-US" sz="7200" dirty="0"/>
+            <a:endParaRPr kumimoji="1" lang="ja-JP" altLang="en-US" sz="5400" dirty="0"/>
           </a:p>
         </p:txBody>
       </p:sp>
@@ -15526,17 +15511,13 @@
         </p:nvSpPr>
         <p:spPr>
           <a:xfrm>
-            <a:off x="8716918" y="11892062"/>
-            <a:ext cx="2392368" cy="1143851"/>
+            <a:off x="8819212" y="11892062"/>
+            <a:ext cx="3448987" cy="902211"/>
           </a:xfrm>
           <a:prstGeom prst="rect">
             <a:avLst/>
           </a:prstGeom>
-          <a:solidFill>
-            <a:schemeClr val="bg2">
-              <a:lumMod val="25000"/>
-            </a:schemeClr>
-          </a:solidFill>
+          <a:noFill/>
           <a:ln>
             <a:solidFill>
               <a:schemeClr val="bg1">
@@ -15568,6 +15549,9 @@
             <a:pPr algn="ctr"/>
             <a:r>
               <a:rPr lang="ja-JP" altLang="en-US" sz="3600" dirty="0">
+                <a:solidFill>
+                  <a:schemeClr val="tx1"/>
+                </a:solidFill>
                 <a:latin typeface="Meiryo UI" panose="020B0604030504040204" pitchFamily="50" charset="-128"/>
                 <a:ea typeface="Meiryo UI" panose="020B0604030504040204" pitchFamily="50" charset="-128"/>
               </a:rPr>
@@ -18555,8 +18539,8 @@
         </p:nvSpPr>
         <p:spPr>
           <a:xfrm>
-            <a:off x="10876276" y="9107710"/>
-            <a:ext cx="1825787" cy="1580546"/>
+            <a:off x="10876276" y="10016070"/>
+            <a:ext cx="2870925" cy="858796"/>
           </a:xfrm>
           <a:prstGeom prst="rect">
             <a:avLst/>
@@ -18675,7 +18659,7 @@
         <p:spPr>
           <a:xfrm>
             <a:off x="10573249" y="11015270"/>
-            <a:ext cx="2663280" cy="0"/>
+            <a:ext cx="3396068" cy="0"/>
           </a:xfrm>
           <a:prstGeom prst="line">
             <a:avLst/>
@@ -18717,17 +18701,13 @@
         </p:nvSpPr>
         <p:spPr>
           <a:xfrm>
-            <a:off x="10876276" y="11252040"/>
-            <a:ext cx="1825787" cy="1764767"/>
+            <a:off x="10876276" y="11159412"/>
+            <a:ext cx="2870925" cy="898076"/>
           </a:xfrm>
           <a:prstGeom prst="rect">
             <a:avLst/>
           </a:prstGeom>
-          <a:solidFill>
-            <a:schemeClr val="bg2">
-              <a:lumMod val="90000"/>
-            </a:schemeClr>
-          </a:solidFill>
+          <a:noFill/>
           <a:ln>
             <a:solidFill>
               <a:schemeClr val="bg1">
@@ -18784,8 +18764,8 @@
         </p:nvSpPr>
         <p:spPr>
           <a:xfrm>
-            <a:off x="9815264" y="10361241"/>
-            <a:ext cx="757983" cy="1200329"/>
+            <a:off x="9815266" y="10518992"/>
+            <a:ext cx="757983" cy="923330"/>
           </a:xfrm>
           <a:prstGeom prst="rect">
             <a:avLst/>
@@ -18799,10 +18779,10 @@
           <a:lstStyle/>
           <a:p>
             <a:r>
-              <a:rPr kumimoji="1" lang="en-US" altLang="ja-JP" sz="7200" dirty="0"/>
+              <a:rPr kumimoji="1" lang="en-US" altLang="ja-JP" sz="5400" dirty="0"/>
               <a:t>=</a:t>
             </a:r>
-            <a:endParaRPr kumimoji="1" lang="ja-JP" altLang="en-US" sz="7200" dirty="0"/>
+            <a:endParaRPr kumimoji="1" lang="ja-JP" altLang="en-US" sz="5400" dirty="0"/>
           </a:p>
         </p:txBody>
       </p:sp>
@@ -18820,8 +18800,8 @@
         </p:nvSpPr>
         <p:spPr>
           <a:xfrm>
-            <a:off x="1288994" y="10351562"/>
-            <a:ext cx="5352316" cy="1200329"/>
+            <a:off x="2565491" y="10553605"/>
+            <a:ext cx="3650720" cy="923330"/>
           </a:xfrm>
           <a:prstGeom prst="rect">
             <a:avLst/>
@@ -18835,18 +18815,18 @@
           <a:lstStyle/>
           <a:p>
             <a:r>
-              <a:rPr kumimoji="1" lang="en-US" altLang="ja-JP" sz="7200" dirty="0"/>
+              <a:rPr kumimoji="1" lang="en-US" altLang="ja-JP" sz="5400" dirty="0"/>
               <a:t>Accuracy</a:t>
             </a:r>
             <a:r>
-              <a:rPr kumimoji="1" lang="ja-JP" altLang="en-US" sz="7200" dirty="0"/>
+              <a:rPr kumimoji="1" lang="ja-JP" altLang="en-US" sz="5400" dirty="0"/>
               <a:t> </a:t>
             </a:r>
             <a:r>
-              <a:rPr kumimoji="1" lang="en-US" altLang="ja-JP" sz="7200" dirty="0"/>
+              <a:rPr kumimoji="1" lang="en-US" altLang="ja-JP" sz="5400" dirty="0"/>
               <a:t>=</a:t>
             </a:r>
-            <a:endParaRPr kumimoji="1" lang="ja-JP" altLang="en-US" sz="7200" dirty="0"/>
+            <a:endParaRPr kumimoji="1" lang="ja-JP" altLang="en-US" sz="5400" dirty="0"/>
           </a:p>
         </p:txBody>
       </p:sp>
@@ -20847,7 +20827,7 @@
           <a:p>
             <a:pPr algn="ctr"/>
             <a:r>
-              <a:rPr lang="en-US" altLang="ja-JP" dirty="0">
+              <a:rPr lang="en-US" altLang="ja-JP" sz="2800" dirty="0">
                 <a:solidFill>
                   <a:schemeClr val="tx1"/>
                 </a:solidFill>
@@ -20856,7 +20836,7 @@
               </a:rPr>
               <a:t>TA</a:t>
             </a:r>
-            <a:endParaRPr lang="ja-JP" altLang="en-US" baseline="-25000" dirty="0">
+            <a:endParaRPr lang="ja-JP" altLang="en-US" sz="2800" baseline="-25000" dirty="0">
               <a:solidFill>
                 <a:schemeClr val="tx1"/>
               </a:solidFill>
@@ -20921,7 +20901,7 @@
           <a:p>
             <a:pPr algn="ctr"/>
             <a:r>
-              <a:rPr lang="en-US" altLang="ja-JP" dirty="0">
+              <a:rPr lang="en-US" altLang="ja-JP" sz="2800" dirty="0">
                 <a:solidFill>
                   <a:schemeClr val="tx1"/>
                 </a:solidFill>
@@ -20931,7 +20911,7 @@
               <a:t>FA</a:t>
             </a:r>
             <a:r>
-              <a:rPr lang="en-US" altLang="ja-JP" baseline="-25000" dirty="0">
+              <a:rPr lang="en-US" altLang="ja-JP" sz="2800" baseline="-25000" dirty="0">
                 <a:solidFill>
                   <a:schemeClr val="tx1"/>
                 </a:solidFill>
@@ -20940,7 +20920,7 @@
               </a:rPr>
               <a:t>B</a:t>
             </a:r>
-            <a:endParaRPr lang="ja-JP" altLang="en-US" baseline="-25000" dirty="0">
+            <a:endParaRPr lang="ja-JP" altLang="en-US" sz="2800" baseline="-25000" dirty="0">
               <a:solidFill>
                 <a:schemeClr val="tx1"/>
               </a:solidFill>
@@ -21005,7 +20985,7 @@
           <a:p>
             <a:pPr algn="ctr"/>
             <a:r>
-              <a:rPr lang="en-US" altLang="ja-JP" dirty="0">
+              <a:rPr lang="en-US" altLang="ja-JP" sz="2800" dirty="0">
                 <a:solidFill>
                   <a:schemeClr val="tx1"/>
                 </a:solidFill>
@@ -21015,7 +20995,7 @@
               <a:t>FB</a:t>
             </a:r>
             <a:r>
-              <a:rPr lang="en-US" altLang="ja-JP" baseline="-25000" dirty="0">
+              <a:rPr lang="en-US" altLang="ja-JP" sz="2800" baseline="-25000" dirty="0">
                 <a:solidFill>
                   <a:schemeClr val="tx1"/>
                 </a:solidFill>
@@ -21024,7 +21004,7 @@
               </a:rPr>
               <a:t>C</a:t>
             </a:r>
-            <a:endParaRPr lang="ja-JP" altLang="en-US" b="1" baseline="-25000" dirty="0">
+            <a:endParaRPr lang="ja-JP" altLang="en-US" sz="2800" b="1" baseline="-25000" dirty="0">
               <a:solidFill>
                 <a:schemeClr val="tx1"/>
               </a:solidFill>
@@ -21087,7 +21067,7 @@
           <a:p>
             <a:pPr algn="ctr"/>
             <a:r>
-              <a:rPr lang="en-US" altLang="ja-JP" dirty="0">
+              <a:rPr lang="en-US" altLang="ja-JP" sz="2800" dirty="0">
                 <a:solidFill>
                   <a:schemeClr val="tx1"/>
                 </a:solidFill>
@@ -21096,7 +21076,7 @@
               </a:rPr>
               <a:t>TB</a:t>
             </a:r>
-            <a:endParaRPr lang="ja-JP" altLang="en-US" baseline="-25000" dirty="0">
+            <a:endParaRPr lang="ja-JP" altLang="en-US" sz="2800" baseline="-25000" dirty="0">
               <a:solidFill>
                 <a:schemeClr val="tx1"/>
               </a:solidFill>
@@ -21159,7 +21139,7 @@
           <a:p>
             <a:pPr algn="ctr"/>
             <a:r>
-              <a:rPr lang="en-US" altLang="ja-JP" dirty="0">
+              <a:rPr lang="en-US" altLang="ja-JP" sz="2800" dirty="0">
                 <a:solidFill>
                   <a:schemeClr val="tx1"/>
                 </a:solidFill>
@@ -21168,7 +21148,7 @@
               </a:rPr>
               <a:t>TC</a:t>
             </a:r>
-            <a:endParaRPr lang="ja-JP" altLang="en-US" baseline="-25000" dirty="0">
+            <a:endParaRPr lang="ja-JP" altLang="en-US" sz="2800" baseline="-25000" dirty="0">
               <a:solidFill>
                 <a:schemeClr val="tx1"/>
               </a:solidFill>
@@ -21233,7 +21213,7 @@
           <a:p>
             <a:pPr algn="ctr"/>
             <a:r>
-              <a:rPr lang="en-US" altLang="ja-JP" dirty="0">
+              <a:rPr lang="en-US" altLang="ja-JP" sz="2800" dirty="0">
                 <a:solidFill>
                   <a:schemeClr val="tx1"/>
                 </a:solidFill>
@@ -21243,7 +21223,7 @@
               <a:t>FA</a:t>
             </a:r>
             <a:r>
-              <a:rPr lang="en-US" altLang="ja-JP" baseline="-25000" dirty="0">
+              <a:rPr lang="en-US" altLang="ja-JP" sz="2800" baseline="-25000" dirty="0">
                 <a:solidFill>
                   <a:schemeClr val="tx1"/>
                 </a:solidFill>
@@ -21252,7 +21232,7 @@
               </a:rPr>
               <a:t>C</a:t>
             </a:r>
-            <a:endParaRPr lang="ja-JP" altLang="en-US" baseline="-25000" dirty="0">
+            <a:endParaRPr lang="ja-JP" altLang="en-US" sz="2800" baseline="-25000" dirty="0">
               <a:solidFill>
                 <a:schemeClr val="tx1"/>
               </a:solidFill>
@@ -21317,7 +21297,7 @@
           <a:p>
             <a:pPr algn="ctr"/>
             <a:r>
-              <a:rPr lang="en-US" altLang="ja-JP" dirty="0">
+              <a:rPr lang="en-US" altLang="ja-JP" sz="2800" dirty="0">
                 <a:solidFill>
                   <a:schemeClr val="tx1"/>
                 </a:solidFill>
@@ -21327,7 +21307,7 @@
               <a:t>FB</a:t>
             </a:r>
             <a:r>
-              <a:rPr lang="en-US" altLang="ja-JP" baseline="-25000" dirty="0">
+              <a:rPr lang="en-US" altLang="ja-JP" sz="2800" baseline="-25000" dirty="0">
                 <a:solidFill>
                   <a:schemeClr val="tx1"/>
                 </a:solidFill>
@@ -21336,7 +21316,7 @@
               </a:rPr>
               <a:t>A</a:t>
             </a:r>
-            <a:endParaRPr lang="ja-JP" altLang="en-US" b="1" baseline="-25000" dirty="0">
+            <a:endParaRPr lang="ja-JP" altLang="en-US" sz="2800" b="1" baseline="-25000" dirty="0">
               <a:solidFill>
                 <a:schemeClr val="tx1"/>
               </a:solidFill>
@@ -21401,7 +21381,7 @@
           <a:p>
             <a:pPr algn="ctr"/>
             <a:r>
-              <a:rPr lang="en-US" altLang="ja-JP" dirty="0">
+              <a:rPr lang="en-US" altLang="ja-JP" sz="2800" dirty="0">
                 <a:solidFill>
                   <a:schemeClr val="tx1"/>
                 </a:solidFill>
@@ -21411,7 +21391,7 @@
               <a:t>FC</a:t>
             </a:r>
             <a:r>
-              <a:rPr lang="en-US" altLang="ja-JP" baseline="-25000" dirty="0">
+              <a:rPr lang="en-US" altLang="ja-JP" sz="2800" baseline="-25000" dirty="0">
                 <a:solidFill>
                   <a:schemeClr val="tx1"/>
                 </a:solidFill>
@@ -21420,7 +21400,7 @@
               </a:rPr>
               <a:t>B</a:t>
             </a:r>
-            <a:endParaRPr lang="ja-JP" altLang="en-US" b="1" baseline="-25000" dirty="0">
+            <a:endParaRPr lang="ja-JP" altLang="en-US" sz="2800" b="1" baseline="-25000" dirty="0">
               <a:solidFill>
                 <a:schemeClr val="tx1"/>
               </a:solidFill>
@@ -21485,7 +21465,7 @@
           <a:p>
             <a:pPr algn="ctr"/>
             <a:r>
-              <a:rPr lang="en-US" altLang="ja-JP" dirty="0">
+              <a:rPr lang="en-US" altLang="ja-JP" sz="2800" dirty="0">
                 <a:solidFill>
                   <a:schemeClr val="tx1"/>
                 </a:solidFill>
@@ -21495,7 +21475,7 @@
               <a:t>FC</a:t>
             </a:r>
             <a:r>
-              <a:rPr lang="en-US" altLang="ja-JP" baseline="-25000" dirty="0">
+              <a:rPr lang="en-US" altLang="ja-JP" sz="2800" baseline="-25000" dirty="0">
                 <a:solidFill>
                   <a:schemeClr val="tx1"/>
                 </a:solidFill>
@@ -21504,7 +21484,7 @@
               </a:rPr>
               <a:t>A</a:t>
             </a:r>
-            <a:endParaRPr lang="ja-JP" altLang="en-US" b="1" baseline="-25000" dirty="0">
+            <a:endParaRPr lang="ja-JP" altLang="en-US" sz="2800" b="1" baseline="-25000" dirty="0">
               <a:solidFill>
                 <a:schemeClr val="tx1"/>
               </a:solidFill>
@@ -21567,7 +21547,7 @@
           <a:p>
             <a:pPr algn="ctr"/>
             <a:r>
-              <a:rPr lang="en-US" altLang="ja-JP" dirty="0">
+              <a:rPr lang="en-US" altLang="ja-JP" sz="2800" dirty="0">
                 <a:solidFill>
                   <a:schemeClr val="tx1"/>
                 </a:solidFill>
@@ -21576,7 +21556,7 @@
               </a:rPr>
               <a:t>TA</a:t>
             </a:r>
-            <a:endParaRPr lang="ja-JP" altLang="en-US" baseline="-25000" dirty="0">
+            <a:endParaRPr lang="ja-JP" altLang="en-US" sz="2800" baseline="-25000" dirty="0">
               <a:solidFill>
                 <a:schemeClr val="tx1"/>
               </a:solidFill>
@@ -21639,7 +21619,7 @@
           <a:p>
             <a:pPr algn="ctr"/>
             <a:r>
-              <a:rPr lang="en-US" altLang="ja-JP" dirty="0">
+              <a:rPr lang="en-US" altLang="ja-JP" sz="2800" dirty="0">
                 <a:solidFill>
                   <a:schemeClr val="tx1"/>
                 </a:solidFill>
@@ -21648,7 +21628,7 @@
               </a:rPr>
               <a:t>TB</a:t>
             </a:r>
-            <a:endParaRPr lang="ja-JP" altLang="en-US" baseline="-25000" dirty="0">
+            <a:endParaRPr lang="ja-JP" altLang="en-US" sz="2800" baseline="-25000" dirty="0">
               <a:solidFill>
                 <a:schemeClr val="tx1"/>
               </a:solidFill>
@@ -21711,7 +21691,7 @@
           <a:p>
             <a:pPr algn="ctr"/>
             <a:r>
-              <a:rPr lang="en-US" altLang="ja-JP" dirty="0">
+              <a:rPr lang="en-US" altLang="ja-JP" sz="2800" dirty="0">
                 <a:solidFill>
                   <a:schemeClr val="tx1"/>
                 </a:solidFill>
@@ -21720,7 +21700,7 @@
               </a:rPr>
               <a:t>TC</a:t>
             </a:r>
-            <a:endParaRPr lang="ja-JP" altLang="en-US" baseline="-25000" dirty="0">
+            <a:endParaRPr lang="ja-JP" altLang="en-US" sz="2800" baseline="-25000" dirty="0">
               <a:solidFill>
                 <a:schemeClr val="tx1"/>
               </a:solidFill>
@@ -21744,8 +21724,8 @@
         </p:nvSpPr>
         <p:spPr>
           <a:xfrm>
-            <a:off x="13442839" y="416504"/>
-            <a:ext cx="1825787" cy="1580546"/>
+            <a:off x="13442839" y="1249689"/>
+            <a:ext cx="3128328" cy="936000"/>
           </a:xfrm>
           <a:prstGeom prst="rect">
             <a:avLst/>
@@ -21810,7 +21790,7 @@
                 <a:latin typeface="Meiryo UI" panose="020B0604030504040204" pitchFamily="50" charset="-128"/>
                 <a:ea typeface="Meiryo UI" panose="020B0604030504040204" pitchFamily="50" charset="-128"/>
               </a:rPr>
-              <a:t>の</a:t>
+              <a:t>の正解</a:t>
             </a:r>
             <a:endParaRPr lang="en-US" altLang="ja-JP" sz="3600" dirty="0">
               <a:solidFill>
@@ -21820,6 +21800,146 @@
               <a:ea typeface="Meiryo UI" panose="020B0604030504040204" pitchFamily="50" charset="-128"/>
             </a:endParaRPr>
           </a:p>
+        </p:txBody>
+      </p:sp>
+      <p:cxnSp>
+        <p:nvCxnSpPr>
+          <p:cNvPr id="92" name="直線コネクタ 91">
+            <a:extLst>
+              <a:ext uri="{FF2B5EF4-FFF2-40B4-BE49-F238E27FC236}">
+                <a16:creationId xmlns:a16="http://schemas.microsoft.com/office/drawing/2014/main" id="{CFEFD993-2EDB-4B07-8119-44825B614C0A}"/>
+              </a:ext>
+            </a:extLst>
+          </p:cNvPr>
+          <p:cNvCxnSpPr>
+            <a:cxnSpLocks/>
+          </p:cNvCxnSpPr>
+          <p:nvPr/>
+        </p:nvCxnSpPr>
+        <p:spPr>
+          <a:xfrm>
+            <a:off x="10450776" y="2321648"/>
+            <a:ext cx="1828310" cy="0"/>
+          </a:xfrm>
+          <a:prstGeom prst="line">
+            <a:avLst/>
+          </a:prstGeom>
+          <a:ln w="25400">
+            <a:solidFill>
+              <a:schemeClr val="bg1">
+                <a:lumMod val="50000"/>
+              </a:schemeClr>
+            </a:solidFill>
+          </a:ln>
+        </p:spPr>
+        <p:style>
+          <a:lnRef idx="1">
+            <a:schemeClr val="accent1"/>
+          </a:lnRef>
+          <a:fillRef idx="0">
+            <a:schemeClr val="accent1"/>
+          </a:fillRef>
+          <a:effectRef idx="0">
+            <a:schemeClr val="accent1"/>
+          </a:effectRef>
+          <a:fontRef idx="minor">
+            <a:schemeClr val="tx1"/>
+          </a:fontRef>
+        </p:style>
+      </p:cxnSp>
+      <p:cxnSp>
+        <p:nvCxnSpPr>
+          <p:cNvPr id="93" name="直線コネクタ 92">
+            <a:extLst>
+              <a:ext uri="{FF2B5EF4-FFF2-40B4-BE49-F238E27FC236}">
+                <a16:creationId xmlns:a16="http://schemas.microsoft.com/office/drawing/2014/main" id="{DA195FBC-1028-4395-856F-6BB00A70D46B}"/>
+              </a:ext>
+            </a:extLst>
+          </p:cNvPr>
+          <p:cNvCxnSpPr>
+            <a:cxnSpLocks/>
+          </p:cNvCxnSpPr>
+          <p:nvPr/>
+        </p:nvCxnSpPr>
+        <p:spPr>
+          <a:xfrm>
+            <a:off x="13139812" y="2324064"/>
+            <a:ext cx="3716785" cy="0"/>
+          </a:xfrm>
+          <a:prstGeom prst="line">
+            <a:avLst/>
+          </a:prstGeom>
+          <a:ln w="25400">
+            <a:solidFill>
+              <a:schemeClr val="bg1">
+                <a:lumMod val="50000"/>
+              </a:schemeClr>
+            </a:solidFill>
+          </a:ln>
+        </p:spPr>
+        <p:style>
+          <a:lnRef idx="1">
+            <a:schemeClr val="accent1"/>
+          </a:lnRef>
+          <a:fillRef idx="0">
+            <a:schemeClr val="accent1"/>
+          </a:fillRef>
+          <a:effectRef idx="0">
+            <a:schemeClr val="accent1"/>
+          </a:effectRef>
+          <a:fontRef idx="minor">
+            <a:schemeClr val="tx1"/>
+          </a:fontRef>
+        </p:style>
+      </p:cxnSp>
+      <p:sp>
+        <p:nvSpPr>
+          <p:cNvPr id="94" name="正方形/長方形 93">
+            <a:extLst>
+              <a:ext uri="{FF2B5EF4-FFF2-40B4-BE49-F238E27FC236}">
+                <a16:creationId xmlns:a16="http://schemas.microsoft.com/office/drawing/2014/main" id="{A918D73E-E8B5-4088-A5B7-571F2964BFAB}"/>
+              </a:ext>
+            </a:extLst>
+          </p:cNvPr>
+          <p:cNvSpPr/>
+          <p:nvPr/>
+        </p:nvSpPr>
+        <p:spPr>
+          <a:xfrm>
+            <a:off x="13442839" y="2523512"/>
+            <a:ext cx="3128328" cy="907443"/>
+          </a:xfrm>
+          <a:prstGeom prst="rect">
+            <a:avLst/>
+          </a:prstGeom>
+          <a:noFill/>
+          <a:ln>
+            <a:solidFill>
+              <a:schemeClr val="bg1">
+                <a:lumMod val="50000"/>
+              </a:schemeClr>
+            </a:solidFill>
+          </a:ln>
+        </p:spPr>
+        <p:style>
+          <a:lnRef idx="2">
+            <a:schemeClr val="accent1">
+              <a:shade val="50000"/>
+            </a:schemeClr>
+          </a:lnRef>
+          <a:fillRef idx="1">
+            <a:schemeClr val="accent1"/>
+          </a:fillRef>
+          <a:effectRef idx="0">
+            <a:schemeClr val="accent1"/>
+          </a:effectRef>
+          <a:fontRef idx="minor">
+            <a:schemeClr val="lt1"/>
+          </a:fontRef>
+        </p:style>
+        <p:txBody>
+          <a:bodyPr rtlCol="0" anchor="ctr"/>
+          <a:lstStyle/>
           <a:p>
             <a:pPr algn="ctr"/>
             <a:r>
@@ -21830,7 +21950,505 @@
                 <a:latin typeface="Meiryo UI" panose="020B0604030504040204" pitchFamily="50" charset="-128"/>
                 <a:ea typeface="Meiryo UI" panose="020B0604030504040204" pitchFamily="50" charset="-128"/>
               </a:rPr>
-              <a:t>正解</a:t>
+              <a:t>予測</a:t>
+            </a:r>
+            <a:r>
+              <a:rPr lang="en-US" altLang="ja-JP" sz="3600" dirty="0">
+                <a:solidFill>
+                  <a:schemeClr val="tx1"/>
+                </a:solidFill>
+                <a:latin typeface="Meiryo UI" panose="020B0604030504040204" pitchFamily="50" charset="-128"/>
+                <a:ea typeface="Meiryo UI" panose="020B0604030504040204" pitchFamily="50" charset="-128"/>
+              </a:rPr>
+              <a:t>A</a:t>
+            </a:r>
+            <a:endParaRPr lang="ja-JP" altLang="en-US" sz="3600" dirty="0">
+              <a:solidFill>
+                <a:schemeClr val="tx1"/>
+              </a:solidFill>
+              <a:latin typeface="Meiryo UI" panose="020B0604030504040204" pitchFamily="50" charset="-128"/>
+              <a:ea typeface="Meiryo UI" panose="020B0604030504040204" pitchFamily="50" charset="-128"/>
+            </a:endParaRPr>
+          </a:p>
+        </p:txBody>
+      </p:sp>
+      <p:sp>
+        <p:nvSpPr>
+          <p:cNvPr id="95" name="テキスト ボックス 94">
+            <a:extLst>
+              <a:ext uri="{FF2B5EF4-FFF2-40B4-BE49-F238E27FC236}">
+                <a16:creationId xmlns:a16="http://schemas.microsoft.com/office/drawing/2014/main" id="{34E3B8B0-B681-436D-B0B2-8948ABD356C1}"/>
+              </a:ext>
+            </a:extLst>
+          </p:cNvPr>
+          <p:cNvSpPr txBox="1"/>
+          <p:nvPr/>
+        </p:nvSpPr>
+        <p:spPr>
+          <a:xfrm>
+            <a:off x="12509368" y="1803952"/>
+            <a:ext cx="757983" cy="923330"/>
+          </a:xfrm>
+          <a:prstGeom prst="rect">
+            <a:avLst/>
+          </a:prstGeom>
+          <a:noFill/>
+        </p:spPr>
+        <p:txBody>
+          <a:bodyPr wrap="square" rtlCol="0">
+            <a:spAutoFit/>
+          </a:bodyPr>
+          <a:lstStyle/>
+          <a:p>
+            <a:r>
+              <a:rPr kumimoji="1" lang="en-US" altLang="ja-JP" sz="5400" dirty="0"/>
+              <a:t>=</a:t>
+            </a:r>
+            <a:endParaRPr kumimoji="1" lang="ja-JP" altLang="en-US" sz="5400" dirty="0"/>
+          </a:p>
+        </p:txBody>
+      </p:sp>
+      <p:sp>
+        <p:nvSpPr>
+          <p:cNvPr id="96" name="テキスト ボックス 95">
+            <a:extLst>
+              <a:ext uri="{FF2B5EF4-FFF2-40B4-BE49-F238E27FC236}">
+                <a16:creationId xmlns:a16="http://schemas.microsoft.com/office/drawing/2014/main" id="{574F8816-CB08-4292-B7CF-5B31259DC9BB}"/>
+              </a:ext>
+            </a:extLst>
+          </p:cNvPr>
+          <p:cNvSpPr txBox="1"/>
+          <p:nvPr/>
+        </p:nvSpPr>
+        <p:spPr>
+          <a:xfrm>
+            <a:off x="6926771" y="1803952"/>
+            <a:ext cx="5352316" cy="923330"/>
+          </a:xfrm>
+          <a:prstGeom prst="rect">
+            <a:avLst/>
+          </a:prstGeom>
+          <a:noFill/>
+        </p:spPr>
+        <p:txBody>
+          <a:bodyPr wrap="square" rtlCol="0">
+            <a:spAutoFit/>
+          </a:bodyPr>
+          <a:lstStyle/>
+          <a:p>
+            <a:r>
+              <a:rPr kumimoji="1" lang="en-US" altLang="ja-JP" sz="5400" dirty="0" err="1"/>
+              <a:t>Precision</a:t>
+            </a:r>
+            <a:r>
+              <a:rPr kumimoji="1" lang="en-US" altLang="ja-JP" sz="5400" baseline="-25000" dirty="0" err="1"/>
+              <a:t>A</a:t>
+            </a:r>
+            <a:r>
+              <a:rPr kumimoji="1" lang="ja-JP" altLang="en-US" sz="5400" dirty="0"/>
+              <a:t> </a:t>
+            </a:r>
+            <a:r>
+              <a:rPr kumimoji="1" lang="en-US" altLang="ja-JP" sz="5400" dirty="0"/>
+              <a:t>=</a:t>
+            </a:r>
+            <a:endParaRPr kumimoji="1" lang="ja-JP" altLang="en-US" sz="5400" dirty="0"/>
+          </a:p>
+        </p:txBody>
+      </p:sp>
+      <p:sp>
+        <p:nvSpPr>
+          <p:cNvPr id="106" name="正方形/長方形 105">
+            <a:extLst>
+              <a:ext uri="{FF2B5EF4-FFF2-40B4-BE49-F238E27FC236}">
+                <a16:creationId xmlns:a16="http://schemas.microsoft.com/office/drawing/2014/main" id="{F02AF1EE-0090-4ACA-A3AF-6E2204F60CF9}"/>
+              </a:ext>
+            </a:extLst>
+          </p:cNvPr>
+          <p:cNvSpPr/>
+          <p:nvPr/>
+        </p:nvSpPr>
+        <p:spPr>
+          <a:xfrm>
+            <a:off x="10903627" y="1259415"/>
+            <a:ext cx="936000" cy="936000"/>
+          </a:xfrm>
+          <a:prstGeom prst="rect">
+            <a:avLst/>
+          </a:prstGeom>
+          <a:solidFill>
+            <a:schemeClr val="bg1"/>
+          </a:solidFill>
+          <a:ln>
+            <a:solidFill>
+              <a:schemeClr val="bg1">
+                <a:lumMod val="50000"/>
+              </a:schemeClr>
+            </a:solidFill>
+          </a:ln>
+        </p:spPr>
+        <p:style>
+          <a:lnRef idx="2">
+            <a:schemeClr val="accent1">
+              <a:shade val="50000"/>
+            </a:schemeClr>
+          </a:lnRef>
+          <a:fillRef idx="1">
+            <a:schemeClr val="accent1"/>
+          </a:fillRef>
+          <a:effectRef idx="0">
+            <a:schemeClr val="accent1"/>
+          </a:effectRef>
+          <a:fontRef idx="minor">
+            <a:schemeClr val="lt1"/>
+          </a:fontRef>
+        </p:style>
+        <p:txBody>
+          <a:bodyPr rtlCol="0" anchor="ctr"/>
+          <a:lstStyle/>
+          <a:p>
+            <a:pPr algn="ctr"/>
+            <a:r>
+              <a:rPr lang="en-US" altLang="ja-JP" sz="2800" dirty="0">
+                <a:solidFill>
+                  <a:schemeClr val="tx1"/>
+                </a:solidFill>
+                <a:latin typeface="Meiryo UI" panose="020B0604030504040204" pitchFamily="50" charset="-128"/>
+                <a:ea typeface="Meiryo UI" panose="020B0604030504040204" pitchFamily="50" charset="-128"/>
+              </a:rPr>
+              <a:t>TA</a:t>
+            </a:r>
+            <a:endParaRPr lang="ja-JP" altLang="en-US" sz="2800" baseline="-25000" dirty="0">
+              <a:solidFill>
+                <a:schemeClr val="tx1"/>
+              </a:solidFill>
+              <a:latin typeface="Meiryo UI" panose="020B0604030504040204" pitchFamily="50" charset="-128"/>
+              <a:ea typeface="Meiryo UI" panose="020B0604030504040204" pitchFamily="50" charset="-128"/>
+            </a:endParaRPr>
+          </a:p>
+        </p:txBody>
+      </p:sp>
+      <p:sp>
+        <p:nvSpPr>
+          <p:cNvPr id="109" name="正方形/長方形 108">
+            <a:extLst>
+              <a:ext uri="{FF2B5EF4-FFF2-40B4-BE49-F238E27FC236}">
+                <a16:creationId xmlns:a16="http://schemas.microsoft.com/office/drawing/2014/main" id="{6256638D-FEFA-46E8-9D31-91B7C1DAA1B7}"/>
+              </a:ext>
+            </a:extLst>
+          </p:cNvPr>
+          <p:cNvSpPr/>
+          <p:nvPr/>
+        </p:nvSpPr>
+        <p:spPr>
+          <a:xfrm>
+            <a:off x="10903981" y="2441197"/>
+            <a:ext cx="936000" cy="936000"/>
+          </a:xfrm>
+          <a:prstGeom prst="rect">
+            <a:avLst/>
+          </a:prstGeom>
+          <a:solidFill>
+            <a:schemeClr val="bg1"/>
+          </a:solidFill>
+          <a:ln>
+            <a:solidFill>
+              <a:schemeClr val="bg1">
+                <a:lumMod val="50000"/>
+              </a:schemeClr>
+            </a:solidFill>
+          </a:ln>
+        </p:spPr>
+        <p:style>
+          <a:lnRef idx="2">
+            <a:schemeClr val="accent1">
+              <a:shade val="50000"/>
+            </a:schemeClr>
+          </a:lnRef>
+          <a:fillRef idx="1">
+            <a:schemeClr val="accent1"/>
+          </a:fillRef>
+          <a:effectRef idx="0">
+            <a:schemeClr val="accent1"/>
+          </a:effectRef>
+          <a:fontRef idx="minor">
+            <a:schemeClr val="lt1"/>
+          </a:fontRef>
+        </p:style>
+        <p:txBody>
+          <a:bodyPr rtlCol="0" anchor="ctr"/>
+          <a:lstStyle/>
+          <a:p>
+            <a:pPr algn="ctr"/>
+            <a:r>
+              <a:rPr lang="en-US" altLang="ja-JP" sz="2800" dirty="0">
+                <a:solidFill>
+                  <a:schemeClr val="tx1"/>
+                </a:solidFill>
+                <a:latin typeface="Meiryo UI" panose="020B0604030504040204" pitchFamily="50" charset="-128"/>
+                <a:ea typeface="Meiryo UI" panose="020B0604030504040204" pitchFamily="50" charset="-128"/>
+              </a:rPr>
+              <a:t>TA</a:t>
+            </a:r>
+            <a:endParaRPr lang="ja-JP" altLang="en-US" sz="2800" baseline="-25000" dirty="0">
+              <a:solidFill>
+                <a:schemeClr val="tx1"/>
+              </a:solidFill>
+              <a:latin typeface="Meiryo UI" panose="020B0604030504040204" pitchFamily="50" charset="-128"/>
+              <a:ea typeface="Meiryo UI" panose="020B0604030504040204" pitchFamily="50" charset="-128"/>
+            </a:endParaRPr>
+          </a:p>
+        </p:txBody>
+      </p:sp>
+      <p:sp>
+        <p:nvSpPr>
+          <p:cNvPr id="110" name="正方形/長方形 109">
+            <a:extLst>
+              <a:ext uri="{FF2B5EF4-FFF2-40B4-BE49-F238E27FC236}">
+                <a16:creationId xmlns:a16="http://schemas.microsoft.com/office/drawing/2014/main" id="{B610B1AF-1FD5-49AF-A465-8F582FAF0C85}"/>
+              </a:ext>
+            </a:extLst>
+          </p:cNvPr>
+          <p:cNvSpPr/>
+          <p:nvPr/>
+        </p:nvSpPr>
+        <p:spPr>
+          <a:xfrm>
+            <a:off x="10903627" y="3378993"/>
+            <a:ext cx="936000" cy="936000"/>
+          </a:xfrm>
+          <a:prstGeom prst="rect">
+            <a:avLst/>
+          </a:prstGeom>
+          <a:solidFill>
+            <a:schemeClr val="bg2">
+              <a:lumMod val="90000"/>
+            </a:schemeClr>
+          </a:solidFill>
+          <a:ln>
+            <a:solidFill>
+              <a:schemeClr val="bg1">
+                <a:lumMod val="50000"/>
+              </a:schemeClr>
+            </a:solidFill>
+          </a:ln>
+        </p:spPr>
+        <p:style>
+          <a:lnRef idx="2">
+            <a:schemeClr val="accent1">
+              <a:shade val="50000"/>
+            </a:schemeClr>
+          </a:lnRef>
+          <a:fillRef idx="1">
+            <a:schemeClr val="accent1"/>
+          </a:fillRef>
+          <a:effectRef idx="0">
+            <a:schemeClr val="accent1"/>
+          </a:effectRef>
+          <a:fontRef idx="minor">
+            <a:schemeClr val="lt1"/>
+          </a:fontRef>
+        </p:style>
+        <p:txBody>
+          <a:bodyPr rtlCol="0" anchor="ctr"/>
+          <a:lstStyle/>
+          <a:p>
+            <a:pPr algn="ctr"/>
+            <a:r>
+              <a:rPr lang="en-US" altLang="ja-JP" sz="2800" dirty="0">
+                <a:solidFill>
+                  <a:schemeClr val="tx1"/>
+                </a:solidFill>
+                <a:latin typeface="Meiryo UI" panose="020B0604030504040204" pitchFamily="50" charset="-128"/>
+                <a:ea typeface="Meiryo UI" panose="020B0604030504040204" pitchFamily="50" charset="-128"/>
+              </a:rPr>
+              <a:t>FA</a:t>
+            </a:r>
+            <a:r>
+              <a:rPr lang="en-US" altLang="ja-JP" sz="2800" baseline="-25000" dirty="0">
+                <a:solidFill>
+                  <a:schemeClr val="tx1"/>
+                </a:solidFill>
+                <a:latin typeface="Meiryo UI" panose="020B0604030504040204" pitchFamily="50" charset="-128"/>
+                <a:ea typeface="Meiryo UI" panose="020B0604030504040204" pitchFamily="50" charset="-128"/>
+              </a:rPr>
+              <a:t>B</a:t>
+            </a:r>
+            <a:endParaRPr lang="ja-JP" altLang="en-US" sz="2800" baseline="-25000" dirty="0">
+              <a:solidFill>
+                <a:schemeClr val="tx1"/>
+              </a:solidFill>
+              <a:latin typeface="Meiryo UI" panose="020B0604030504040204" pitchFamily="50" charset="-128"/>
+              <a:ea typeface="Meiryo UI" panose="020B0604030504040204" pitchFamily="50" charset="-128"/>
+            </a:endParaRPr>
+          </a:p>
+        </p:txBody>
+      </p:sp>
+      <p:sp>
+        <p:nvSpPr>
+          <p:cNvPr id="114" name="正方形/長方形 113">
+            <a:extLst>
+              <a:ext uri="{FF2B5EF4-FFF2-40B4-BE49-F238E27FC236}">
+                <a16:creationId xmlns:a16="http://schemas.microsoft.com/office/drawing/2014/main" id="{A88E4E6F-F49A-4564-96E9-5E64FE6B42E4}"/>
+              </a:ext>
+            </a:extLst>
+          </p:cNvPr>
+          <p:cNvSpPr/>
+          <p:nvPr/>
+        </p:nvSpPr>
+        <p:spPr>
+          <a:xfrm>
+            <a:off x="10903627" y="4311555"/>
+            <a:ext cx="936000" cy="936000"/>
+          </a:xfrm>
+          <a:prstGeom prst="rect">
+            <a:avLst/>
+          </a:prstGeom>
+          <a:solidFill>
+            <a:schemeClr val="bg2">
+              <a:lumMod val="90000"/>
+            </a:schemeClr>
+          </a:solidFill>
+          <a:ln>
+            <a:solidFill>
+              <a:schemeClr val="bg1">
+                <a:lumMod val="50000"/>
+              </a:schemeClr>
+            </a:solidFill>
+          </a:ln>
+        </p:spPr>
+        <p:style>
+          <a:lnRef idx="2">
+            <a:schemeClr val="accent1">
+              <a:shade val="50000"/>
+            </a:schemeClr>
+          </a:lnRef>
+          <a:fillRef idx="1">
+            <a:schemeClr val="accent1"/>
+          </a:fillRef>
+          <a:effectRef idx="0">
+            <a:schemeClr val="accent1"/>
+          </a:effectRef>
+          <a:fontRef idx="minor">
+            <a:schemeClr val="lt1"/>
+          </a:fontRef>
+        </p:style>
+        <p:txBody>
+          <a:bodyPr rtlCol="0" anchor="ctr"/>
+          <a:lstStyle/>
+          <a:p>
+            <a:pPr algn="ctr"/>
+            <a:r>
+              <a:rPr lang="en-US" altLang="ja-JP" sz="2800" dirty="0">
+                <a:solidFill>
+                  <a:schemeClr val="tx1"/>
+                </a:solidFill>
+                <a:latin typeface="Meiryo UI" panose="020B0604030504040204" pitchFamily="50" charset="-128"/>
+                <a:ea typeface="Meiryo UI" panose="020B0604030504040204" pitchFamily="50" charset="-128"/>
+              </a:rPr>
+              <a:t>FA</a:t>
+            </a:r>
+            <a:r>
+              <a:rPr lang="en-US" altLang="ja-JP" sz="2800" baseline="-25000" dirty="0">
+                <a:solidFill>
+                  <a:schemeClr val="tx1"/>
+                </a:solidFill>
+                <a:latin typeface="Meiryo UI" panose="020B0604030504040204" pitchFamily="50" charset="-128"/>
+                <a:ea typeface="Meiryo UI" panose="020B0604030504040204" pitchFamily="50" charset="-128"/>
+              </a:rPr>
+              <a:t>C</a:t>
+            </a:r>
+            <a:endParaRPr lang="ja-JP" altLang="en-US" sz="2800" baseline="-25000" dirty="0">
+              <a:solidFill>
+                <a:schemeClr val="tx1"/>
+              </a:solidFill>
+              <a:latin typeface="Meiryo UI" panose="020B0604030504040204" pitchFamily="50" charset="-128"/>
+              <a:ea typeface="Meiryo UI" panose="020B0604030504040204" pitchFamily="50" charset="-128"/>
+            </a:endParaRPr>
+          </a:p>
+        </p:txBody>
+      </p:sp>
+      <p:sp>
+        <p:nvSpPr>
+          <p:cNvPr id="118" name="正方形/長方形 117">
+            <a:extLst>
+              <a:ext uri="{FF2B5EF4-FFF2-40B4-BE49-F238E27FC236}">
+                <a16:creationId xmlns:a16="http://schemas.microsoft.com/office/drawing/2014/main" id="{92DE8531-BEAF-4CF7-998E-6A6172BEC661}"/>
+              </a:ext>
+            </a:extLst>
+          </p:cNvPr>
+          <p:cNvSpPr/>
+          <p:nvPr/>
+        </p:nvSpPr>
+        <p:spPr>
+          <a:xfrm>
+            <a:off x="18020351" y="6029769"/>
+            <a:ext cx="3169180" cy="936000"/>
+          </a:xfrm>
+          <a:prstGeom prst="rect">
+            <a:avLst/>
+          </a:prstGeom>
+          <a:solidFill>
+            <a:schemeClr val="bg1"/>
+          </a:solidFill>
+          <a:ln>
+            <a:solidFill>
+              <a:schemeClr val="bg1">
+                <a:lumMod val="50000"/>
+              </a:schemeClr>
+            </a:solidFill>
+          </a:ln>
+        </p:spPr>
+        <p:style>
+          <a:lnRef idx="2">
+            <a:schemeClr val="accent1">
+              <a:shade val="50000"/>
+            </a:schemeClr>
+          </a:lnRef>
+          <a:fillRef idx="1">
+            <a:schemeClr val="accent1"/>
+          </a:fillRef>
+          <a:effectRef idx="0">
+            <a:schemeClr val="accent1"/>
+          </a:effectRef>
+          <a:fontRef idx="minor">
+            <a:schemeClr val="lt1"/>
+          </a:fontRef>
+        </p:style>
+        <p:txBody>
+          <a:bodyPr rtlCol="0" anchor="ctr"/>
+          <a:lstStyle/>
+          <a:p>
+            <a:pPr algn="ctr"/>
+            <a:r>
+              <a:rPr lang="ja-JP" altLang="en-US" sz="3600" dirty="0">
+                <a:solidFill>
+                  <a:schemeClr val="tx1"/>
+                </a:solidFill>
+                <a:latin typeface="Meiryo UI" panose="020B0604030504040204" pitchFamily="50" charset="-128"/>
+                <a:ea typeface="Meiryo UI" panose="020B0604030504040204" pitchFamily="50" charset="-128"/>
+              </a:rPr>
+              <a:t>予測</a:t>
+            </a:r>
+            <a:r>
+              <a:rPr lang="en-US" altLang="ja-JP" sz="3600" dirty="0">
+                <a:solidFill>
+                  <a:schemeClr val="tx1"/>
+                </a:solidFill>
+                <a:latin typeface="Meiryo UI" panose="020B0604030504040204" pitchFamily="50" charset="-128"/>
+                <a:ea typeface="Meiryo UI" panose="020B0604030504040204" pitchFamily="50" charset="-128"/>
+              </a:rPr>
+              <a:t>A</a:t>
+            </a:r>
+            <a:r>
+              <a:rPr lang="ja-JP" altLang="en-US" sz="3600" dirty="0">
+                <a:solidFill>
+                  <a:schemeClr val="tx1"/>
+                </a:solidFill>
+                <a:latin typeface="Meiryo UI" panose="020B0604030504040204" pitchFamily="50" charset="-128"/>
+                <a:ea typeface="Meiryo UI" panose="020B0604030504040204" pitchFamily="50" charset="-128"/>
+              </a:rPr>
+              <a:t>の正解</a:t>
             </a:r>
             <a:endParaRPr lang="en-US" altLang="ja-JP" sz="3600" dirty="0">
               <a:solidFill>
@@ -21844,10 +22462,10 @@
       </p:sp>
       <p:cxnSp>
         <p:nvCxnSpPr>
-          <p:cNvPr id="92" name="直線コネクタ 91">
-            <a:extLst>
-              <a:ext uri="{FF2B5EF4-FFF2-40B4-BE49-F238E27FC236}">
-                <a16:creationId xmlns:a16="http://schemas.microsoft.com/office/drawing/2014/main" id="{CFEFD993-2EDB-4B07-8119-44825B614C0A}"/>
+          <p:cNvPr id="119" name="直線コネクタ 118">
+            <a:extLst>
+              <a:ext uri="{FF2B5EF4-FFF2-40B4-BE49-F238E27FC236}">
+                <a16:creationId xmlns:a16="http://schemas.microsoft.com/office/drawing/2014/main" id="{D6ADF9C9-8E2C-41DC-AF3C-794ED5791C84}"/>
               </a:ext>
             </a:extLst>
           </p:cNvPr>
@@ -21858,8 +22476,8 @@
         </p:nvCxnSpPr>
         <p:spPr>
           <a:xfrm>
-            <a:off x="10450776" y="2321648"/>
-            <a:ext cx="1828310" cy="0"/>
+            <a:off x="13969317" y="7103757"/>
+            <a:ext cx="2887280" cy="0"/>
           </a:xfrm>
           <a:prstGeom prst="line">
             <a:avLst/>
@@ -21889,10 +22507,10 @@
       </p:cxnSp>
       <p:cxnSp>
         <p:nvCxnSpPr>
-          <p:cNvPr id="93" name="直線コネクタ 92">
-            <a:extLst>
-              <a:ext uri="{FF2B5EF4-FFF2-40B4-BE49-F238E27FC236}">
-                <a16:creationId xmlns:a16="http://schemas.microsoft.com/office/drawing/2014/main" id="{DA195FBC-1028-4395-856F-6BB00A70D46B}"/>
+          <p:cNvPr id="120" name="直線コネクタ 119">
+            <a:extLst>
+              <a:ext uri="{FF2B5EF4-FFF2-40B4-BE49-F238E27FC236}">
+                <a16:creationId xmlns:a16="http://schemas.microsoft.com/office/drawing/2014/main" id="{E773F9D0-0014-4483-A551-510B3C6BD3C0}"/>
               </a:ext>
             </a:extLst>
           </p:cNvPr>
@@ -21903,8 +22521,8 @@
         </p:nvCxnSpPr>
         <p:spPr>
           <a:xfrm>
-            <a:off x="13139812" y="2324064"/>
-            <a:ext cx="2663280" cy="0"/>
+            <a:off x="17717323" y="7106173"/>
+            <a:ext cx="3882202" cy="0"/>
           </a:xfrm>
           <a:prstGeom prst="line">
             <a:avLst/>
@@ -21934,10 +22552,10 @@
       </p:cxnSp>
       <p:sp>
         <p:nvSpPr>
-          <p:cNvPr id="94" name="正方形/長方形 93">
-            <a:extLst>
-              <a:ext uri="{FF2B5EF4-FFF2-40B4-BE49-F238E27FC236}">
-                <a16:creationId xmlns:a16="http://schemas.microsoft.com/office/drawing/2014/main" id="{A918D73E-E8B5-4088-A5B7-571F2964BFAB}"/>
+          <p:cNvPr id="121" name="正方形/長方形 120">
+            <a:extLst>
+              <a:ext uri="{FF2B5EF4-FFF2-40B4-BE49-F238E27FC236}">
+                <a16:creationId xmlns:a16="http://schemas.microsoft.com/office/drawing/2014/main" id="{8408A920-5102-443C-BB78-42EBF75E1F8D}"/>
               </a:ext>
             </a:extLst>
           </p:cNvPr>
@@ -21946,17 +22564,13 @@
         </p:nvSpPr>
         <p:spPr>
           <a:xfrm>
-            <a:off x="13442839" y="2560834"/>
-            <a:ext cx="1825787" cy="1764767"/>
+            <a:off x="18020350" y="7305622"/>
+            <a:ext cx="3169180" cy="936000"/>
           </a:xfrm>
           <a:prstGeom prst="rect">
             <a:avLst/>
           </a:prstGeom>
-          <a:solidFill>
-            <a:schemeClr val="bg2">
-              <a:lumMod val="90000"/>
-            </a:schemeClr>
-          </a:solidFill>
+          <a:noFill/>
           <a:ln>
             <a:solidFill>
               <a:schemeClr val="bg1">
@@ -21994,7 +22608,7 @@
                 <a:latin typeface="Meiryo UI" panose="020B0604030504040204" pitchFamily="50" charset="-128"/>
                 <a:ea typeface="Meiryo UI" panose="020B0604030504040204" pitchFamily="50" charset="-128"/>
               </a:rPr>
-              <a:t>予測</a:t>
+              <a:t>真</a:t>
             </a:r>
             <a:r>
               <a:rPr lang="en-US" altLang="ja-JP" sz="3600" dirty="0">
@@ -22018,10 +22632,10 @@
       </p:sp>
       <p:sp>
         <p:nvSpPr>
-          <p:cNvPr id="95" name="テキスト ボックス 94">
-            <a:extLst>
-              <a:ext uri="{FF2B5EF4-FFF2-40B4-BE49-F238E27FC236}">
-                <a16:creationId xmlns:a16="http://schemas.microsoft.com/office/drawing/2014/main" id="{34E3B8B0-B681-436D-B0B2-8948ABD356C1}"/>
+          <p:cNvPr id="122" name="テキスト ボックス 121">
+            <a:extLst>
+              <a:ext uri="{FF2B5EF4-FFF2-40B4-BE49-F238E27FC236}">
+                <a16:creationId xmlns:a16="http://schemas.microsoft.com/office/drawing/2014/main" id="{5A844204-25CC-4234-A960-DE8CF38C509C}"/>
               </a:ext>
             </a:extLst>
           </p:cNvPr>
@@ -22030,8 +22644,8 @@
         </p:nvSpPr>
         <p:spPr>
           <a:xfrm>
-            <a:off x="12381827" y="1670035"/>
-            <a:ext cx="757983" cy="1200329"/>
+            <a:off x="17151984" y="6642092"/>
+            <a:ext cx="757983" cy="923330"/>
           </a:xfrm>
           <a:prstGeom prst="rect">
             <a:avLst/>
@@ -22045,19 +22659,19 @@
           <a:lstStyle/>
           <a:p>
             <a:r>
-              <a:rPr kumimoji="1" lang="en-US" altLang="ja-JP" sz="7200" dirty="0"/>
+              <a:rPr kumimoji="1" lang="en-US" altLang="ja-JP" sz="5400" dirty="0"/>
               <a:t>=</a:t>
             </a:r>
-            <a:endParaRPr kumimoji="1" lang="ja-JP" altLang="en-US" sz="7200" dirty="0"/>
-          </a:p>
-        </p:txBody>
-      </p:sp>
-      <p:sp>
-        <p:nvSpPr>
-          <p:cNvPr id="96" name="テキスト ボックス 95">
-            <a:extLst>
-              <a:ext uri="{FF2B5EF4-FFF2-40B4-BE49-F238E27FC236}">
-                <a16:creationId xmlns:a16="http://schemas.microsoft.com/office/drawing/2014/main" id="{574F8816-CB08-4292-B7CF-5B31259DC9BB}"/>
+            <a:endParaRPr kumimoji="1" lang="ja-JP" altLang="en-US" sz="5400" dirty="0"/>
+          </a:p>
+        </p:txBody>
+      </p:sp>
+      <p:sp>
+        <p:nvSpPr>
+          <p:cNvPr id="123" name="テキスト ボックス 122">
+            <a:extLst>
+              <a:ext uri="{FF2B5EF4-FFF2-40B4-BE49-F238E27FC236}">
+                <a16:creationId xmlns:a16="http://schemas.microsoft.com/office/drawing/2014/main" id="{92725C5E-4BA8-4584-8F25-E7274ACB8F3F}"/>
               </a:ext>
             </a:extLst>
           </p:cNvPr>
@@ -22066,8 +22680,8 @@
         </p:nvSpPr>
         <p:spPr>
           <a:xfrm>
-            <a:off x="5873265" y="1689953"/>
-            <a:ext cx="5352316" cy="1200329"/>
+            <a:off x="11315326" y="6628499"/>
+            <a:ext cx="3518541" cy="923330"/>
           </a:xfrm>
           <a:prstGeom prst="rect">
             <a:avLst/>
@@ -22081,31 +22695,31 @@
           <a:lstStyle/>
           <a:p>
             <a:r>
-              <a:rPr kumimoji="1" lang="en-US" altLang="ja-JP" sz="7200" dirty="0" err="1"/>
-              <a:t>Precision</a:t>
-            </a:r>
-            <a:r>
-              <a:rPr kumimoji="1" lang="en-US" altLang="ja-JP" sz="7200" baseline="-25000" dirty="0" err="1"/>
+              <a:rPr kumimoji="1" lang="en-US" altLang="ja-JP" sz="5400" dirty="0" err="1"/>
+              <a:t>Recall</a:t>
+            </a:r>
+            <a:r>
+              <a:rPr kumimoji="1" lang="en-US" altLang="ja-JP" sz="5400" baseline="-25000" dirty="0" err="1"/>
               <a:t>A</a:t>
             </a:r>
             <a:r>
-              <a:rPr kumimoji="1" lang="ja-JP" altLang="en-US" sz="7200" dirty="0"/>
+              <a:rPr kumimoji="1" lang="ja-JP" altLang="en-US" sz="5400" dirty="0"/>
               <a:t> </a:t>
             </a:r>
             <a:r>
-              <a:rPr kumimoji="1" lang="en-US" altLang="ja-JP" sz="7200" dirty="0"/>
+              <a:rPr kumimoji="1" lang="en-US" altLang="ja-JP" sz="5400" dirty="0"/>
               <a:t>=</a:t>
             </a:r>
-            <a:endParaRPr kumimoji="1" lang="ja-JP" altLang="en-US" sz="7200" dirty="0"/>
-          </a:p>
-        </p:txBody>
-      </p:sp>
-      <p:sp>
-        <p:nvSpPr>
-          <p:cNvPr id="106" name="正方形/長方形 105">
-            <a:extLst>
-              <a:ext uri="{FF2B5EF4-FFF2-40B4-BE49-F238E27FC236}">
-                <a16:creationId xmlns:a16="http://schemas.microsoft.com/office/drawing/2014/main" id="{F02AF1EE-0090-4ACA-A3AF-6E2204F60CF9}"/>
+            <a:endParaRPr kumimoji="1" lang="ja-JP" altLang="en-US" sz="5400" dirty="0"/>
+          </a:p>
+        </p:txBody>
+      </p:sp>
+      <p:sp>
+        <p:nvSpPr>
+          <p:cNvPr id="124" name="正方形/長方形 123">
+            <a:extLst>
+              <a:ext uri="{FF2B5EF4-FFF2-40B4-BE49-F238E27FC236}">
+                <a16:creationId xmlns:a16="http://schemas.microsoft.com/office/drawing/2014/main" id="{4D7603C4-166E-4B8A-88A6-81E395347604}"/>
               </a:ext>
             </a:extLst>
           </p:cNvPr>
@@ -22114,7 +22728,7 @@
         </p:nvSpPr>
         <p:spPr>
           <a:xfrm>
-            <a:off x="10903627" y="1259415"/>
+            <a:off x="14996327" y="6048165"/>
             <a:ext cx="936000" cy="936000"/>
           </a:xfrm>
           <a:prstGeom prst="rect">
@@ -22153,7 +22767,7 @@
           <a:p>
             <a:pPr algn="ctr"/>
             <a:r>
-              <a:rPr lang="en-US" altLang="ja-JP" dirty="0">
+              <a:rPr lang="en-US" altLang="ja-JP" sz="2800" dirty="0">
                 <a:solidFill>
                   <a:schemeClr val="tx1"/>
                 </a:solidFill>
@@ -22162,7 +22776,7 @@
               </a:rPr>
               <a:t>TA</a:t>
             </a:r>
-            <a:endParaRPr lang="ja-JP" altLang="en-US" baseline="-25000" dirty="0">
+            <a:endParaRPr lang="ja-JP" altLang="en-US" sz="2800" baseline="-25000" dirty="0">
               <a:solidFill>
                 <a:schemeClr val="tx1"/>
               </a:solidFill>
@@ -22174,10 +22788,10 @@
       </p:sp>
       <p:sp>
         <p:nvSpPr>
-          <p:cNvPr id="109" name="正方形/長方形 108">
-            <a:extLst>
-              <a:ext uri="{FF2B5EF4-FFF2-40B4-BE49-F238E27FC236}">
-                <a16:creationId xmlns:a16="http://schemas.microsoft.com/office/drawing/2014/main" id="{6256638D-FEFA-46E8-9D31-91B7C1DAA1B7}"/>
+          <p:cNvPr id="128" name="正方形/長方形 127">
+            <a:extLst>
+              <a:ext uri="{FF2B5EF4-FFF2-40B4-BE49-F238E27FC236}">
+                <a16:creationId xmlns:a16="http://schemas.microsoft.com/office/drawing/2014/main" id="{8AA85149-3849-4D61-AB75-1585F3BE2C54}"/>
               </a:ext>
             </a:extLst>
           </p:cNvPr>
@@ -22186,7 +22800,7 @@
         </p:nvSpPr>
         <p:spPr>
           <a:xfrm>
-            <a:off x="10903981" y="2441197"/>
+            <a:off x="14049790" y="7289326"/>
             <a:ext cx="936000" cy="936000"/>
           </a:xfrm>
           <a:prstGeom prst="rect">
@@ -22225,7 +22839,7 @@
           <a:p>
             <a:pPr algn="ctr"/>
             <a:r>
-              <a:rPr lang="en-US" altLang="ja-JP" dirty="0">
+              <a:rPr lang="en-US" altLang="ja-JP" sz="2800" dirty="0">
                 <a:solidFill>
                   <a:schemeClr val="tx1"/>
                 </a:solidFill>
@@ -22234,7 +22848,7 @@
               </a:rPr>
               <a:t>TA</a:t>
             </a:r>
-            <a:endParaRPr lang="ja-JP" altLang="en-US" baseline="-25000" dirty="0">
+            <a:endParaRPr lang="ja-JP" altLang="en-US" sz="2800" baseline="-25000" dirty="0">
               <a:solidFill>
                 <a:schemeClr val="tx1"/>
               </a:solidFill>
@@ -22246,10 +22860,10 @@
       </p:sp>
       <p:sp>
         <p:nvSpPr>
-          <p:cNvPr id="110" name="正方形/長方形 109">
-            <a:extLst>
-              <a:ext uri="{FF2B5EF4-FFF2-40B4-BE49-F238E27FC236}">
-                <a16:creationId xmlns:a16="http://schemas.microsoft.com/office/drawing/2014/main" id="{B610B1AF-1FD5-49AF-A465-8F582FAF0C85}"/>
+          <p:cNvPr id="129" name="正方形/長方形 128">
+            <a:extLst>
+              <a:ext uri="{FF2B5EF4-FFF2-40B4-BE49-F238E27FC236}">
+                <a16:creationId xmlns:a16="http://schemas.microsoft.com/office/drawing/2014/main" id="{4F69DF5B-2C00-40E4-BC1F-70E6F8007F75}"/>
               </a:ext>
             </a:extLst>
           </p:cNvPr>
@@ -22258,7 +22872,7 @@
         </p:nvSpPr>
         <p:spPr>
           <a:xfrm>
-            <a:off x="10903627" y="3378993"/>
+            <a:off x="14990870" y="7289326"/>
             <a:ext cx="936000" cy="936000"/>
           </a:xfrm>
           <a:prstGeom prst="rect">
@@ -22299,26 +22913,26 @@
           <a:p>
             <a:pPr algn="ctr"/>
             <a:r>
-              <a:rPr lang="en-US" altLang="ja-JP" dirty="0">
+              <a:rPr lang="en-US" altLang="ja-JP" sz="2800" dirty="0">
                 <a:solidFill>
                   <a:schemeClr val="tx1"/>
                 </a:solidFill>
                 <a:latin typeface="Meiryo UI" panose="020B0604030504040204" pitchFamily="50" charset="-128"/>
                 <a:ea typeface="Meiryo UI" panose="020B0604030504040204" pitchFamily="50" charset="-128"/>
               </a:rPr>
-              <a:t>FA</a:t>
-            </a:r>
-            <a:r>
-              <a:rPr lang="en-US" altLang="ja-JP" baseline="-25000" dirty="0">
+              <a:t>FB</a:t>
+            </a:r>
+            <a:r>
+              <a:rPr lang="en-US" altLang="ja-JP" sz="2800" baseline="-25000" dirty="0">
                 <a:solidFill>
                   <a:schemeClr val="tx1"/>
                 </a:solidFill>
                 <a:latin typeface="Meiryo UI" panose="020B0604030504040204" pitchFamily="50" charset="-128"/>
                 <a:ea typeface="Meiryo UI" panose="020B0604030504040204" pitchFamily="50" charset="-128"/>
               </a:rPr>
-              <a:t>B</a:t>
-            </a:r>
-            <a:endParaRPr lang="ja-JP" altLang="en-US" baseline="-25000" dirty="0">
+              <a:t>A</a:t>
+            </a:r>
+            <a:endParaRPr lang="ja-JP" altLang="en-US" sz="2800" b="1" baseline="-25000" dirty="0">
               <a:solidFill>
                 <a:schemeClr val="tx1"/>
               </a:solidFill>
@@ -22330,10 +22944,10 @@
       </p:sp>
       <p:sp>
         <p:nvSpPr>
-          <p:cNvPr id="114" name="正方形/長方形 113">
-            <a:extLst>
-              <a:ext uri="{FF2B5EF4-FFF2-40B4-BE49-F238E27FC236}">
-                <a16:creationId xmlns:a16="http://schemas.microsoft.com/office/drawing/2014/main" id="{A88E4E6F-F49A-4564-96E9-5E64FE6B42E4}"/>
+          <p:cNvPr id="130" name="正方形/長方形 129">
+            <a:extLst>
+              <a:ext uri="{FF2B5EF4-FFF2-40B4-BE49-F238E27FC236}">
+                <a16:creationId xmlns:a16="http://schemas.microsoft.com/office/drawing/2014/main" id="{7ADB5778-7A64-4D39-BBAC-AB3C60D2CC10}"/>
               </a:ext>
             </a:extLst>
           </p:cNvPr>
@@ -22342,7 +22956,7 @@
         </p:nvSpPr>
         <p:spPr>
           <a:xfrm>
-            <a:off x="10903627" y="4311555"/>
+            <a:off x="15924341" y="7289326"/>
             <a:ext cx="936000" cy="936000"/>
           </a:xfrm>
           <a:prstGeom prst="rect">
@@ -22383,708 +22997,26 @@
           <a:p>
             <a:pPr algn="ctr"/>
             <a:r>
-              <a:rPr lang="en-US" altLang="ja-JP" dirty="0">
+              <a:rPr lang="en-US" altLang="ja-JP" sz="2800" dirty="0">
                 <a:solidFill>
                   <a:schemeClr val="tx1"/>
                 </a:solidFill>
                 <a:latin typeface="Meiryo UI" panose="020B0604030504040204" pitchFamily="50" charset="-128"/>
                 <a:ea typeface="Meiryo UI" panose="020B0604030504040204" pitchFamily="50" charset="-128"/>
               </a:rPr>
-              <a:t>FA</a:t>
-            </a:r>
-            <a:r>
-              <a:rPr lang="en-US" altLang="ja-JP" baseline="-25000" dirty="0">
+              <a:t>FC</a:t>
+            </a:r>
+            <a:r>
+              <a:rPr lang="en-US" altLang="ja-JP" sz="2800" baseline="-25000" dirty="0">
                 <a:solidFill>
                   <a:schemeClr val="tx1"/>
                 </a:solidFill>
                 <a:latin typeface="Meiryo UI" panose="020B0604030504040204" pitchFamily="50" charset="-128"/>
                 <a:ea typeface="Meiryo UI" panose="020B0604030504040204" pitchFamily="50" charset="-128"/>
               </a:rPr>
-              <a:t>C</a:t>
-            </a:r>
-            <a:endParaRPr lang="ja-JP" altLang="en-US" baseline="-25000" dirty="0">
-              <a:solidFill>
-                <a:schemeClr val="tx1"/>
-              </a:solidFill>
-              <a:latin typeface="Meiryo UI" panose="020B0604030504040204" pitchFamily="50" charset="-128"/>
-              <a:ea typeface="Meiryo UI" panose="020B0604030504040204" pitchFamily="50" charset="-128"/>
-            </a:endParaRPr>
-          </a:p>
-        </p:txBody>
-      </p:sp>
-      <p:sp>
-        <p:nvSpPr>
-          <p:cNvPr id="118" name="正方形/長方形 117">
-            <a:extLst>
-              <a:ext uri="{FF2B5EF4-FFF2-40B4-BE49-F238E27FC236}">
-                <a16:creationId xmlns:a16="http://schemas.microsoft.com/office/drawing/2014/main" id="{92DE8531-BEAF-4CF7-998E-6A6172BEC661}"/>
-              </a:ext>
-            </a:extLst>
-          </p:cNvPr>
-          <p:cNvSpPr/>
-          <p:nvPr/>
-        </p:nvSpPr>
-        <p:spPr>
-          <a:xfrm>
-            <a:off x="18020350" y="5198613"/>
-            <a:ext cx="1825787" cy="1580546"/>
-          </a:xfrm>
-          <a:prstGeom prst="rect">
-            <a:avLst/>
-          </a:prstGeom>
-          <a:solidFill>
-            <a:schemeClr val="bg1"/>
-          </a:solidFill>
-          <a:ln>
-            <a:solidFill>
-              <a:schemeClr val="bg1">
-                <a:lumMod val="50000"/>
-              </a:schemeClr>
-            </a:solidFill>
-          </a:ln>
-        </p:spPr>
-        <p:style>
-          <a:lnRef idx="2">
-            <a:schemeClr val="accent1">
-              <a:shade val="50000"/>
-            </a:schemeClr>
-          </a:lnRef>
-          <a:fillRef idx="1">
-            <a:schemeClr val="accent1"/>
-          </a:fillRef>
-          <a:effectRef idx="0">
-            <a:schemeClr val="accent1"/>
-          </a:effectRef>
-          <a:fontRef idx="minor">
-            <a:schemeClr val="lt1"/>
-          </a:fontRef>
-        </p:style>
-        <p:txBody>
-          <a:bodyPr rtlCol="0" anchor="ctr"/>
-          <a:lstStyle/>
-          <a:p>
-            <a:pPr algn="ctr"/>
-            <a:r>
-              <a:rPr lang="ja-JP" altLang="en-US" sz="3600" dirty="0">
-                <a:solidFill>
-                  <a:schemeClr val="tx1"/>
-                </a:solidFill>
-                <a:latin typeface="Meiryo UI" panose="020B0604030504040204" pitchFamily="50" charset="-128"/>
-                <a:ea typeface="Meiryo UI" panose="020B0604030504040204" pitchFamily="50" charset="-128"/>
-              </a:rPr>
-              <a:t>予測</a:t>
-            </a:r>
-            <a:r>
-              <a:rPr lang="en-US" altLang="ja-JP" sz="3600" dirty="0">
-                <a:solidFill>
-                  <a:schemeClr val="tx1"/>
-                </a:solidFill>
-                <a:latin typeface="Meiryo UI" panose="020B0604030504040204" pitchFamily="50" charset="-128"/>
-                <a:ea typeface="Meiryo UI" panose="020B0604030504040204" pitchFamily="50" charset="-128"/>
-              </a:rPr>
               <a:t>A</a:t>
             </a:r>
-            <a:r>
-              <a:rPr lang="ja-JP" altLang="en-US" sz="3600" dirty="0">
-                <a:solidFill>
-                  <a:schemeClr val="tx1"/>
-                </a:solidFill>
-                <a:latin typeface="Meiryo UI" panose="020B0604030504040204" pitchFamily="50" charset="-128"/>
-                <a:ea typeface="Meiryo UI" panose="020B0604030504040204" pitchFamily="50" charset="-128"/>
-              </a:rPr>
-              <a:t>の</a:t>
-            </a:r>
-            <a:endParaRPr lang="en-US" altLang="ja-JP" sz="3600" dirty="0">
-              <a:solidFill>
-                <a:schemeClr val="tx1"/>
-              </a:solidFill>
-              <a:latin typeface="Meiryo UI" panose="020B0604030504040204" pitchFamily="50" charset="-128"/>
-              <a:ea typeface="Meiryo UI" panose="020B0604030504040204" pitchFamily="50" charset="-128"/>
-            </a:endParaRPr>
-          </a:p>
-          <a:p>
-            <a:pPr algn="ctr"/>
-            <a:r>
-              <a:rPr lang="ja-JP" altLang="en-US" sz="3600" dirty="0">
-                <a:solidFill>
-                  <a:schemeClr val="tx1"/>
-                </a:solidFill>
-                <a:latin typeface="Meiryo UI" panose="020B0604030504040204" pitchFamily="50" charset="-128"/>
-                <a:ea typeface="Meiryo UI" panose="020B0604030504040204" pitchFamily="50" charset="-128"/>
-              </a:rPr>
-              <a:t>正解</a:t>
-            </a:r>
-            <a:endParaRPr lang="en-US" altLang="ja-JP" sz="3600" dirty="0">
-              <a:solidFill>
-                <a:schemeClr val="tx1"/>
-              </a:solidFill>
-              <a:latin typeface="Meiryo UI" panose="020B0604030504040204" pitchFamily="50" charset="-128"/>
-              <a:ea typeface="Meiryo UI" panose="020B0604030504040204" pitchFamily="50" charset="-128"/>
-            </a:endParaRPr>
-          </a:p>
-        </p:txBody>
-      </p:sp>
-      <p:cxnSp>
-        <p:nvCxnSpPr>
-          <p:cNvPr id="119" name="直線コネクタ 118">
-            <a:extLst>
-              <a:ext uri="{FF2B5EF4-FFF2-40B4-BE49-F238E27FC236}">
-                <a16:creationId xmlns:a16="http://schemas.microsoft.com/office/drawing/2014/main" id="{D6ADF9C9-8E2C-41DC-AF3C-794ED5791C84}"/>
-              </a:ext>
-            </a:extLst>
-          </p:cNvPr>
-          <p:cNvCxnSpPr>
-            <a:cxnSpLocks/>
-          </p:cNvCxnSpPr>
-          <p:nvPr/>
-        </p:nvCxnSpPr>
-        <p:spPr>
-          <a:xfrm>
-            <a:off x="13969317" y="7103757"/>
-            <a:ext cx="2887280" cy="0"/>
-          </a:xfrm>
-          <a:prstGeom prst="line">
-            <a:avLst/>
-          </a:prstGeom>
-          <a:ln w="25400">
-            <a:solidFill>
-              <a:schemeClr val="bg1">
-                <a:lumMod val="50000"/>
-              </a:schemeClr>
-            </a:solidFill>
-          </a:ln>
-        </p:spPr>
-        <p:style>
-          <a:lnRef idx="1">
-            <a:schemeClr val="accent1"/>
-          </a:lnRef>
-          <a:fillRef idx="0">
-            <a:schemeClr val="accent1"/>
-          </a:fillRef>
-          <a:effectRef idx="0">
-            <a:schemeClr val="accent1"/>
-          </a:effectRef>
-          <a:fontRef idx="minor">
-            <a:schemeClr val="tx1"/>
-          </a:fontRef>
-        </p:style>
-      </p:cxnSp>
-      <p:cxnSp>
-        <p:nvCxnSpPr>
-          <p:cNvPr id="120" name="直線コネクタ 119">
-            <a:extLst>
-              <a:ext uri="{FF2B5EF4-FFF2-40B4-BE49-F238E27FC236}">
-                <a16:creationId xmlns:a16="http://schemas.microsoft.com/office/drawing/2014/main" id="{E773F9D0-0014-4483-A551-510B3C6BD3C0}"/>
-              </a:ext>
-            </a:extLst>
-          </p:cNvPr>
-          <p:cNvCxnSpPr>
-            <a:cxnSpLocks/>
-          </p:cNvCxnSpPr>
-          <p:nvPr/>
-        </p:nvCxnSpPr>
-        <p:spPr>
-          <a:xfrm>
-            <a:off x="17717323" y="7106173"/>
-            <a:ext cx="2663280" cy="0"/>
-          </a:xfrm>
-          <a:prstGeom prst="line">
-            <a:avLst/>
-          </a:prstGeom>
-          <a:ln w="25400">
-            <a:solidFill>
-              <a:schemeClr val="bg1">
-                <a:lumMod val="50000"/>
-              </a:schemeClr>
-            </a:solidFill>
-          </a:ln>
-        </p:spPr>
-        <p:style>
-          <a:lnRef idx="1">
-            <a:schemeClr val="accent1"/>
-          </a:lnRef>
-          <a:fillRef idx="0">
-            <a:schemeClr val="accent1"/>
-          </a:fillRef>
-          <a:effectRef idx="0">
-            <a:schemeClr val="accent1"/>
-          </a:effectRef>
-          <a:fontRef idx="minor">
-            <a:schemeClr val="tx1"/>
-          </a:fontRef>
-        </p:style>
-      </p:cxnSp>
-      <p:sp>
-        <p:nvSpPr>
-          <p:cNvPr id="121" name="正方形/長方形 120">
-            <a:extLst>
-              <a:ext uri="{FF2B5EF4-FFF2-40B4-BE49-F238E27FC236}">
-                <a16:creationId xmlns:a16="http://schemas.microsoft.com/office/drawing/2014/main" id="{8408A920-5102-443C-BB78-42EBF75E1F8D}"/>
-              </a:ext>
-            </a:extLst>
-          </p:cNvPr>
-          <p:cNvSpPr/>
-          <p:nvPr/>
-        </p:nvSpPr>
-        <p:spPr>
-          <a:xfrm>
-            <a:off x="18020350" y="7342943"/>
-            <a:ext cx="1825787" cy="1764767"/>
-          </a:xfrm>
-          <a:prstGeom prst="rect">
-            <a:avLst/>
-          </a:prstGeom>
-          <a:solidFill>
-            <a:schemeClr val="bg2">
-              <a:lumMod val="90000"/>
-            </a:schemeClr>
-          </a:solidFill>
-          <a:ln>
-            <a:solidFill>
-              <a:schemeClr val="bg1">
-                <a:lumMod val="50000"/>
-              </a:schemeClr>
-            </a:solidFill>
-          </a:ln>
-        </p:spPr>
-        <p:style>
-          <a:lnRef idx="2">
-            <a:schemeClr val="accent1">
-              <a:shade val="50000"/>
-            </a:schemeClr>
-          </a:lnRef>
-          <a:fillRef idx="1">
-            <a:schemeClr val="accent1"/>
-          </a:fillRef>
-          <a:effectRef idx="0">
-            <a:schemeClr val="accent1"/>
-          </a:effectRef>
-          <a:fontRef idx="minor">
-            <a:schemeClr val="lt1"/>
-          </a:fontRef>
-        </p:style>
-        <p:txBody>
-          <a:bodyPr rtlCol="0" anchor="ctr"/>
-          <a:lstStyle/>
-          <a:p>
-            <a:pPr algn="ctr"/>
-            <a:r>
-              <a:rPr lang="ja-JP" altLang="en-US" sz="3600" dirty="0">
-                <a:solidFill>
-                  <a:schemeClr val="tx1"/>
-                </a:solidFill>
-                <a:latin typeface="Meiryo UI" panose="020B0604030504040204" pitchFamily="50" charset="-128"/>
-                <a:ea typeface="Meiryo UI" panose="020B0604030504040204" pitchFamily="50" charset="-128"/>
-              </a:rPr>
-              <a:t>真</a:t>
-            </a:r>
-            <a:r>
-              <a:rPr lang="en-US" altLang="ja-JP" sz="3600" dirty="0">
-                <a:solidFill>
-                  <a:schemeClr val="tx1"/>
-                </a:solidFill>
-                <a:latin typeface="Meiryo UI" panose="020B0604030504040204" pitchFamily="50" charset="-128"/>
-                <a:ea typeface="Meiryo UI" panose="020B0604030504040204" pitchFamily="50" charset="-128"/>
-              </a:rPr>
-              <a:t>A</a:t>
-            </a:r>
-            <a:endParaRPr lang="ja-JP" altLang="en-US" sz="3600" dirty="0">
-              <a:solidFill>
-                <a:schemeClr val="tx1"/>
-              </a:solidFill>
-              <a:latin typeface="Meiryo UI" panose="020B0604030504040204" pitchFamily="50" charset="-128"/>
-              <a:ea typeface="Meiryo UI" panose="020B0604030504040204" pitchFamily="50" charset="-128"/>
-            </a:endParaRPr>
-          </a:p>
-        </p:txBody>
-      </p:sp>
-      <p:sp>
-        <p:nvSpPr>
-          <p:cNvPr id="122" name="テキスト ボックス 121">
-            <a:extLst>
-              <a:ext uri="{FF2B5EF4-FFF2-40B4-BE49-F238E27FC236}">
-                <a16:creationId xmlns:a16="http://schemas.microsoft.com/office/drawing/2014/main" id="{5A844204-25CC-4234-A960-DE8CF38C509C}"/>
-              </a:ext>
-            </a:extLst>
-          </p:cNvPr>
-          <p:cNvSpPr txBox="1"/>
-          <p:nvPr/>
-        </p:nvSpPr>
-        <p:spPr>
-          <a:xfrm>
-            <a:off x="16959338" y="6452144"/>
-            <a:ext cx="757983" cy="1200329"/>
-          </a:xfrm>
-          <a:prstGeom prst="rect">
-            <a:avLst/>
-          </a:prstGeom>
-          <a:noFill/>
-        </p:spPr>
-        <p:txBody>
-          <a:bodyPr wrap="square" rtlCol="0">
-            <a:spAutoFit/>
-          </a:bodyPr>
-          <a:lstStyle/>
-          <a:p>
-            <a:r>
-              <a:rPr kumimoji="1" lang="en-US" altLang="ja-JP" sz="7200" dirty="0"/>
-              <a:t>=</a:t>
-            </a:r>
-            <a:endParaRPr kumimoji="1" lang="ja-JP" altLang="en-US" sz="7200" dirty="0"/>
-          </a:p>
-        </p:txBody>
-      </p:sp>
-      <p:sp>
-        <p:nvSpPr>
-          <p:cNvPr id="123" name="テキスト ボックス 122">
-            <a:extLst>
-              <a:ext uri="{FF2B5EF4-FFF2-40B4-BE49-F238E27FC236}">
-                <a16:creationId xmlns:a16="http://schemas.microsoft.com/office/drawing/2014/main" id="{92725C5E-4BA8-4584-8F25-E7274ACB8F3F}"/>
-              </a:ext>
-            </a:extLst>
-          </p:cNvPr>
-          <p:cNvSpPr txBox="1"/>
-          <p:nvPr/>
-        </p:nvSpPr>
-        <p:spPr>
-          <a:xfrm>
-            <a:off x="10450776" y="6472062"/>
-            <a:ext cx="3518541" cy="1200329"/>
-          </a:xfrm>
-          <a:prstGeom prst="rect">
-            <a:avLst/>
-          </a:prstGeom>
-          <a:noFill/>
-        </p:spPr>
-        <p:txBody>
-          <a:bodyPr wrap="square" rtlCol="0">
-            <a:spAutoFit/>
-          </a:bodyPr>
-          <a:lstStyle/>
-          <a:p>
-            <a:r>
-              <a:rPr kumimoji="1" lang="en-US" altLang="ja-JP" sz="7200" dirty="0" err="1"/>
-              <a:t>Recall</a:t>
-            </a:r>
-            <a:r>
-              <a:rPr kumimoji="1" lang="en-US" altLang="ja-JP" sz="7200" baseline="-25000" dirty="0" err="1"/>
-              <a:t>A</a:t>
-            </a:r>
-            <a:r>
-              <a:rPr kumimoji="1" lang="ja-JP" altLang="en-US" sz="7200" dirty="0"/>
-              <a:t> </a:t>
-            </a:r>
-            <a:r>
-              <a:rPr kumimoji="1" lang="en-US" altLang="ja-JP" sz="7200" dirty="0"/>
-              <a:t>=</a:t>
-            </a:r>
-            <a:endParaRPr kumimoji="1" lang="ja-JP" altLang="en-US" sz="7200" dirty="0"/>
-          </a:p>
-        </p:txBody>
-      </p:sp>
-      <p:sp>
-        <p:nvSpPr>
-          <p:cNvPr id="124" name="正方形/長方形 123">
-            <a:extLst>
-              <a:ext uri="{FF2B5EF4-FFF2-40B4-BE49-F238E27FC236}">
-                <a16:creationId xmlns:a16="http://schemas.microsoft.com/office/drawing/2014/main" id="{4D7603C4-166E-4B8A-88A6-81E395347604}"/>
-              </a:ext>
-            </a:extLst>
-          </p:cNvPr>
-          <p:cNvSpPr/>
-          <p:nvPr/>
-        </p:nvSpPr>
-        <p:spPr>
-          <a:xfrm>
-            <a:off x="14996327" y="6048165"/>
-            <a:ext cx="936000" cy="936000"/>
-          </a:xfrm>
-          <a:prstGeom prst="rect">
-            <a:avLst/>
-          </a:prstGeom>
-          <a:solidFill>
-            <a:schemeClr val="bg1"/>
-          </a:solidFill>
-          <a:ln>
-            <a:solidFill>
-              <a:schemeClr val="bg1">
-                <a:lumMod val="50000"/>
-              </a:schemeClr>
-            </a:solidFill>
-          </a:ln>
-        </p:spPr>
-        <p:style>
-          <a:lnRef idx="2">
-            <a:schemeClr val="accent1">
-              <a:shade val="50000"/>
-            </a:schemeClr>
-          </a:lnRef>
-          <a:fillRef idx="1">
-            <a:schemeClr val="accent1"/>
-          </a:fillRef>
-          <a:effectRef idx="0">
-            <a:schemeClr val="accent1"/>
-          </a:effectRef>
-          <a:fontRef idx="minor">
-            <a:schemeClr val="lt1"/>
-          </a:fontRef>
-        </p:style>
-        <p:txBody>
-          <a:bodyPr rtlCol="0" anchor="ctr"/>
-          <a:lstStyle/>
-          <a:p>
-            <a:pPr algn="ctr"/>
-            <a:r>
-              <a:rPr lang="en-US" altLang="ja-JP" dirty="0">
-                <a:solidFill>
-                  <a:schemeClr val="tx1"/>
-                </a:solidFill>
-                <a:latin typeface="Meiryo UI" panose="020B0604030504040204" pitchFamily="50" charset="-128"/>
-                <a:ea typeface="Meiryo UI" panose="020B0604030504040204" pitchFamily="50" charset="-128"/>
-              </a:rPr>
-              <a:t>TA</a:t>
-            </a:r>
-            <a:endParaRPr lang="ja-JP" altLang="en-US" baseline="-25000" dirty="0">
-              <a:solidFill>
-                <a:schemeClr val="tx1"/>
-              </a:solidFill>
-              <a:latin typeface="Meiryo UI" panose="020B0604030504040204" pitchFamily="50" charset="-128"/>
-              <a:ea typeface="Meiryo UI" panose="020B0604030504040204" pitchFamily="50" charset="-128"/>
-            </a:endParaRPr>
-          </a:p>
-        </p:txBody>
-      </p:sp>
-      <p:sp>
-        <p:nvSpPr>
-          <p:cNvPr id="128" name="正方形/長方形 127">
-            <a:extLst>
-              <a:ext uri="{FF2B5EF4-FFF2-40B4-BE49-F238E27FC236}">
-                <a16:creationId xmlns:a16="http://schemas.microsoft.com/office/drawing/2014/main" id="{8AA85149-3849-4D61-AB75-1585F3BE2C54}"/>
-              </a:ext>
-            </a:extLst>
-          </p:cNvPr>
-          <p:cNvSpPr/>
-          <p:nvPr/>
-        </p:nvSpPr>
-        <p:spPr>
-          <a:xfrm>
-            <a:off x="14049790" y="7289326"/>
-            <a:ext cx="936000" cy="936000"/>
-          </a:xfrm>
-          <a:prstGeom prst="rect">
-            <a:avLst/>
-          </a:prstGeom>
-          <a:solidFill>
-            <a:schemeClr val="bg1"/>
-          </a:solidFill>
-          <a:ln>
-            <a:solidFill>
-              <a:schemeClr val="bg1">
-                <a:lumMod val="50000"/>
-              </a:schemeClr>
-            </a:solidFill>
-          </a:ln>
-        </p:spPr>
-        <p:style>
-          <a:lnRef idx="2">
-            <a:schemeClr val="accent1">
-              <a:shade val="50000"/>
-            </a:schemeClr>
-          </a:lnRef>
-          <a:fillRef idx="1">
-            <a:schemeClr val="accent1"/>
-          </a:fillRef>
-          <a:effectRef idx="0">
-            <a:schemeClr val="accent1"/>
-          </a:effectRef>
-          <a:fontRef idx="minor">
-            <a:schemeClr val="lt1"/>
-          </a:fontRef>
-        </p:style>
-        <p:txBody>
-          <a:bodyPr rtlCol="0" anchor="ctr"/>
-          <a:lstStyle/>
-          <a:p>
-            <a:pPr algn="ctr"/>
-            <a:r>
-              <a:rPr lang="en-US" altLang="ja-JP" dirty="0">
-                <a:solidFill>
-                  <a:schemeClr val="tx1"/>
-                </a:solidFill>
-                <a:latin typeface="Meiryo UI" panose="020B0604030504040204" pitchFamily="50" charset="-128"/>
-                <a:ea typeface="Meiryo UI" panose="020B0604030504040204" pitchFamily="50" charset="-128"/>
-              </a:rPr>
-              <a:t>TA</a:t>
-            </a:r>
-            <a:endParaRPr lang="ja-JP" altLang="en-US" baseline="-25000" dirty="0">
-              <a:solidFill>
-                <a:schemeClr val="tx1"/>
-              </a:solidFill>
-              <a:latin typeface="Meiryo UI" panose="020B0604030504040204" pitchFamily="50" charset="-128"/>
-              <a:ea typeface="Meiryo UI" panose="020B0604030504040204" pitchFamily="50" charset="-128"/>
-            </a:endParaRPr>
-          </a:p>
-        </p:txBody>
-      </p:sp>
-      <p:sp>
-        <p:nvSpPr>
-          <p:cNvPr id="129" name="正方形/長方形 128">
-            <a:extLst>
-              <a:ext uri="{FF2B5EF4-FFF2-40B4-BE49-F238E27FC236}">
-                <a16:creationId xmlns:a16="http://schemas.microsoft.com/office/drawing/2014/main" id="{4F69DF5B-2C00-40E4-BC1F-70E6F8007F75}"/>
-              </a:ext>
-            </a:extLst>
-          </p:cNvPr>
-          <p:cNvSpPr/>
-          <p:nvPr/>
-        </p:nvSpPr>
-        <p:spPr>
-          <a:xfrm>
-            <a:off x="14990870" y="7289326"/>
-            <a:ext cx="936000" cy="936000"/>
-          </a:xfrm>
-          <a:prstGeom prst="rect">
-            <a:avLst/>
-          </a:prstGeom>
-          <a:solidFill>
-            <a:schemeClr val="bg2">
-              <a:lumMod val="90000"/>
-            </a:schemeClr>
-          </a:solidFill>
-          <a:ln>
-            <a:solidFill>
-              <a:schemeClr val="bg1">
-                <a:lumMod val="50000"/>
-              </a:schemeClr>
-            </a:solidFill>
-          </a:ln>
-        </p:spPr>
-        <p:style>
-          <a:lnRef idx="2">
-            <a:schemeClr val="accent1">
-              <a:shade val="50000"/>
-            </a:schemeClr>
-          </a:lnRef>
-          <a:fillRef idx="1">
-            <a:schemeClr val="accent1"/>
-          </a:fillRef>
-          <a:effectRef idx="0">
-            <a:schemeClr val="accent1"/>
-          </a:effectRef>
-          <a:fontRef idx="minor">
-            <a:schemeClr val="lt1"/>
-          </a:fontRef>
-        </p:style>
-        <p:txBody>
-          <a:bodyPr rtlCol="0" anchor="ctr"/>
-          <a:lstStyle/>
-          <a:p>
-            <a:pPr algn="ctr"/>
-            <a:r>
-              <a:rPr lang="en-US" altLang="ja-JP" dirty="0">
-                <a:solidFill>
-                  <a:schemeClr val="tx1"/>
-                </a:solidFill>
-                <a:latin typeface="Meiryo UI" panose="020B0604030504040204" pitchFamily="50" charset="-128"/>
-                <a:ea typeface="Meiryo UI" panose="020B0604030504040204" pitchFamily="50" charset="-128"/>
-              </a:rPr>
-              <a:t>FB</a:t>
-            </a:r>
-            <a:r>
-              <a:rPr lang="en-US" altLang="ja-JP" baseline="-25000" dirty="0">
-                <a:solidFill>
-                  <a:schemeClr val="tx1"/>
-                </a:solidFill>
-                <a:latin typeface="Meiryo UI" panose="020B0604030504040204" pitchFamily="50" charset="-128"/>
-                <a:ea typeface="Meiryo UI" panose="020B0604030504040204" pitchFamily="50" charset="-128"/>
-              </a:rPr>
-              <a:t>A</a:t>
-            </a:r>
-            <a:endParaRPr lang="ja-JP" altLang="en-US" b="1" baseline="-25000" dirty="0">
-              <a:solidFill>
-                <a:schemeClr val="tx1"/>
-              </a:solidFill>
-              <a:latin typeface="Meiryo UI" panose="020B0604030504040204" pitchFamily="50" charset="-128"/>
-              <a:ea typeface="Meiryo UI" panose="020B0604030504040204" pitchFamily="50" charset="-128"/>
-            </a:endParaRPr>
-          </a:p>
-        </p:txBody>
-      </p:sp>
-      <p:sp>
-        <p:nvSpPr>
-          <p:cNvPr id="130" name="正方形/長方形 129">
-            <a:extLst>
-              <a:ext uri="{FF2B5EF4-FFF2-40B4-BE49-F238E27FC236}">
-                <a16:creationId xmlns:a16="http://schemas.microsoft.com/office/drawing/2014/main" id="{7ADB5778-7A64-4D39-BBAC-AB3C60D2CC10}"/>
-              </a:ext>
-            </a:extLst>
-          </p:cNvPr>
-          <p:cNvSpPr/>
-          <p:nvPr/>
-        </p:nvSpPr>
-        <p:spPr>
-          <a:xfrm>
-            <a:off x="15924341" y="7289326"/>
-            <a:ext cx="936000" cy="936000"/>
-          </a:xfrm>
-          <a:prstGeom prst="rect">
-            <a:avLst/>
-          </a:prstGeom>
-          <a:solidFill>
-            <a:schemeClr val="bg2">
-              <a:lumMod val="90000"/>
-            </a:schemeClr>
-          </a:solidFill>
-          <a:ln>
-            <a:solidFill>
-              <a:schemeClr val="bg1">
-                <a:lumMod val="50000"/>
-              </a:schemeClr>
-            </a:solidFill>
-          </a:ln>
-        </p:spPr>
-        <p:style>
-          <a:lnRef idx="2">
-            <a:schemeClr val="accent1">
-              <a:shade val="50000"/>
-            </a:schemeClr>
-          </a:lnRef>
-          <a:fillRef idx="1">
-            <a:schemeClr val="accent1"/>
-          </a:fillRef>
-          <a:effectRef idx="0">
-            <a:schemeClr val="accent1"/>
-          </a:effectRef>
-          <a:fontRef idx="minor">
-            <a:schemeClr val="lt1"/>
-          </a:fontRef>
-        </p:style>
-        <p:txBody>
-          <a:bodyPr rtlCol="0" anchor="ctr"/>
-          <a:lstStyle/>
-          <a:p>
-            <a:pPr algn="ctr"/>
-            <a:r>
-              <a:rPr lang="en-US" altLang="ja-JP" dirty="0">
-                <a:solidFill>
-                  <a:schemeClr val="tx1"/>
-                </a:solidFill>
-                <a:latin typeface="Meiryo UI" panose="020B0604030504040204" pitchFamily="50" charset="-128"/>
-                <a:ea typeface="Meiryo UI" panose="020B0604030504040204" pitchFamily="50" charset="-128"/>
-              </a:rPr>
-              <a:t>FC</a:t>
-            </a:r>
-            <a:r>
-              <a:rPr lang="en-US" altLang="ja-JP" baseline="-25000" dirty="0">
-                <a:solidFill>
-                  <a:schemeClr val="tx1"/>
-                </a:solidFill>
-                <a:latin typeface="Meiryo UI" panose="020B0604030504040204" pitchFamily="50" charset="-128"/>
-                <a:ea typeface="Meiryo UI" panose="020B0604030504040204" pitchFamily="50" charset="-128"/>
-              </a:rPr>
-              <a:t>A</a:t>
-            </a:r>
-            <a:endParaRPr lang="ja-JP" altLang="en-US" b="1" baseline="-25000" dirty="0">
+            <a:endParaRPr lang="ja-JP" altLang="en-US" sz="2800" b="1" baseline="-25000" dirty="0">
               <a:solidFill>
                 <a:schemeClr val="tx1"/>
               </a:solidFill>
@@ -25166,7 +25098,7 @@
           <a:p>
             <a:pPr algn="ctr"/>
             <a:r>
-              <a:rPr lang="en-US" altLang="ja-JP" dirty="0">
+              <a:rPr lang="en-US" altLang="ja-JP" sz="2800" dirty="0">
                 <a:solidFill>
                   <a:schemeClr val="tx1"/>
                 </a:solidFill>
@@ -25175,7 +25107,7 @@
               </a:rPr>
               <a:t>TA</a:t>
             </a:r>
-            <a:endParaRPr lang="ja-JP" altLang="en-US" baseline="-25000" dirty="0">
+            <a:endParaRPr lang="ja-JP" altLang="en-US" sz="2800" baseline="-25000" dirty="0">
               <a:solidFill>
                 <a:schemeClr val="tx1"/>
               </a:solidFill>
@@ -25240,7 +25172,7 @@
           <a:p>
             <a:pPr algn="ctr"/>
             <a:r>
-              <a:rPr lang="en-US" altLang="ja-JP" dirty="0">
+              <a:rPr lang="en-US" altLang="ja-JP" sz="2800" dirty="0">
                 <a:solidFill>
                   <a:schemeClr val="tx1"/>
                 </a:solidFill>
@@ -25250,7 +25182,7 @@
               <a:t>FA</a:t>
             </a:r>
             <a:r>
-              <a:rPr lang="en-US" altLang="ja-JP" baseline="-25000" dirty="0">
+              <a:rPr lang="en-US" altLang="ja-JP" sz="2800" baseline="-25000" dirty="0">
                 <a:solidFill>
                   <a:schemeClr val="tx1"/>
                 </a:solidFill>
@@ -25259,7 +25191,7 @@
               </a:rPr>
               <a:t>B</a:t>
             </a:r>
-            <a:endParaRPr lang="ja-JP" altLang="en-US" baseline="-25000" dirty="0">
+            <a:endParaRPr lang="ja-JP" altLang="en-US" sz="2800" baseline="-25000" dirty="0">
               <a:solidFill>
                 <a:schemeClr val="tx1"/>
               </a:solidFill>
@@ -25324,7 +25256,7 @@
           <a:p>
             <a:pPr algn="ctr"/>
             <a:r>
-              <a:rPr lang="en-US" altLang="ja-JP" dirty="0">
+              <a:rPr lang="en-US" altLang="ja-JP" sz="2800" dirty="0">
                 <a:solidFill>
                   <a:schemeClr val="tx1"/>
                 </a:solidFill>
@@ -25334,7 +25266,7 @@
               <a:t>FB</a:t>
             </a:r>
             <a:r>
-              <a:rPr lang="en-US" altLang="ja-JP" baseline="-25000" dirty="0">
+              <a:rPr lang="en-US" altLang="ja-JP" sz="2800" baseline="-25000" dirty="0">
                 <a:solidFill>
                   <a:schemeClr val="tx1"/>
                 </a:solidFill>
@@ -25343,7 +25275,7 @@
               </a:rPr>
               <a:t>C</a:t>
             </a:r>
-            <a:endParaRPr lang="ja-JP" altLang="en-US" b="1" baseline="-25000" dirty="0">
+            <a:endParaRPr lang="ja-JP" altLang="en-US" sz="2800" b="1" baseline="-25000" dirty="0">
               <a:solidFill>
                 <a:schemeClr val="tx1"/>
               </a:solidFill>
@@ -25406,7 +25338,7 @@
           <a:p>
             <a:pPr algn="ctr"/>
             <a:r>
-              <a:rPr lang="en-US" altLang="ja-JP" dirty="0">
+              <a:rPr lang="en-US" altLang="ja-JP" sz="2800" dirty="0">
                 <a:solidFill>
                   <a:schemeClr val="tx1"/>
                 </a:solidFill>
@@ -25415,7 +25347,7 @@
               </a:rPr>
               <a:t>TB</a:t>
             </a:r>
-            <a:endParaRPr lang="ja-JP" altLang="en-US" baseline="-25000" dirty="0">
+            <a:endParaRPr lang="ja-JP" altLang="en-US" sz="2800" baseline="-25000" dirty="0">
               <a:solidFill>
                 <a:schemeClr val="tx1"/>
               </a:solidFill>
@@ -25478,7 +25410,7 @@
           <a:p>
             <a:pPr algn="ctr"/>
             <a:r>
-              <a:rPr lang="en-US" altLang="ja-JP" dirty="0">
+              <a:rPr lang="en-US" altLang="ja-JP" sz="2800" dirty="0">
                 <a:solidFill>
                   <a:schemeClr val="tx1"/>
                 </a:solidFill>
@@ -25487,7 +25419,7 @@
               </a:rPr>
               <a:t>TC</a:t>
             </a:r>
-            <a:endParaRPr lang="ja-JP" altLang="en-US" baseline="-25000" dirty="0">
+            <a:endParaRPr lang="ja-JP" altLang="en-US" sz="2800" baseline="-25000" dirty="0">
               <a:solidFill>
                 <a:schemeClr val="tx1"/>
               </a:solidFill>
@@ -25552,7 +25484,7 @@
           <a:p>
             <a:pPr algn="ctr"/>
             <a:r>
-              <a:rPr lang="en-US" altLang="ja-JP" dirty="0">
+              <a:rPr lang="en-US" altLang="ja-JP" sz="2800" dirty="0">
                 <a:solidFill>
                   <a:schemeClr val="tx1"/>
                 </a:solidFill>
@@ -25562,7 +25494,7 @@
               <a:t>FA</a:t>
             </a:r>
             <a:r>
-              <a:rPr lang="en-US" altLang="ja-JP" baseline="-25000" dirty="0">
+              <a:rPr lang="en-US" altLang="ja-JP" sz="2800" baseline="-25000" dirty="0">
                 <a:solidFill>
                   <a:schemeClr val="tx1"/>
                 </a:solidFill>
@@ -25571,7 +25503,7 @@
               </a:rPr>
               <a:t>C</a:t>
             </a:r>
-            <a:endParaRPr lang="ja-JP" altLang="en-US" baseline="-25000" dirty="0">
+            <a:endParaRPr lang="ja-JP" altLang="en-US" sz="2800" baseline="-25000" dirty="0">
               <a:solidFill>
                 <a:schemeClr val="tx1"/>
               </a:solidFill>
@@ -25636,7 +25568,7 @@
           <a:p>
             <a:pPr algn="ctr"/>
             <a:r>
-              <a:rPr lang="en-US" altLang="ja-JP" dirty="0">
+              <a:rPr lang="en-US" altLang="ja-JP" sz="2800" dirty="0">
                 <a:solidFill>
                   <a:schemeClr val="tx1"/>
                 </a:solidFill>
@@ -25646,7 +25578,7 @@
               <a:t>FB</a:t>
             </a:r>
             <a:r>
-              <a:rPr lang="en-US" altLang="ja-JP" baseline="-25000" dirty="0">
+              <a:rPr lang="en-US" altLang="ja-JP" sz="2800" baseline="-25000" dirty="0">
                 <a:solidFill>
                   <a:schemeClr val="tx1"/>
                 </a:solidFill>
@@ -25655,7 +25587,7 @@
               </a:rPr>
               <a:t>A</a:t>
             </a:r>
-            <a:endParaRPr lang="ja-JP" altLang="en-US" b="1" baseline="-25000" dirty="0">
+            <a:endParaRPr lang="ja-JP" altLang="en-US" sz="2800" b="1" baseline="-25000" dirty="0">
               <a:solidFill>
                 <a:schemeClr val="tx1"/>
               </a:solidFill>
@@ -25720,7 +25652,7 @@
           <a:p>
             <a:pPr algn="ctr"/>
             <a:r>
-              <a:rPr lang="en-US" altLang="ja-JP" dirty="0">
+              <a:rPr lang="en-US" altLang="ja-JP" sz="2800" dirty="0">
                 <a:solidFill>
                   <a:schemeClr val="tx1"/>
                 </a:solidFill>
@@ -25730,7 +25662,7 @@
               <a:t>FC</a:t>
             </a:r>
             <a:r>
-              <a:rPr lang="en-US" altLang="ja-JP" baseline="-25000" dirty="0">
+              <a:rPr lang="en-US" altLang="ja-JP" sz="2800" baseline="-25000" dirty="0">
                 <a:solidFill>
                   <a:schemeClr val="tx1"/>
                 </a:solidFill>
@@ -25739,7 +25671,7 @@
               </a:rPr>
               <a:t>B</a:t>
             </a:r>
-            <a:endParaRPr lang="ja-JP" altLang="en-US" b="1" baseline="-25000" dirty="0">
+            <a:endParaRPr lang="ja-JP" altLang="en-US" sz="2800" b="1" baseline="-25000" dirty="0">
               <a:solidFill>
                 <a:schemeClr val="tx1"/>
               </a:solidFill>
@@ -25804,7 +25736,7 @@
           <a:p>
             <a:pPr algn="ctr"/>
             <a:r>
-              <a:rPr lang="en-US" altLang="ja-JP" dirty="0">
+              <a:rPr lang="en-US" altLang="ja-JP" sz="2800" dirty="0">
                 <a:solidFill>
                   <a:schemeClr val="tx1"/>
                 </a:solidFill>
@@ -25814,7 +25746,7 @@
               <a:t>FC</a:t>
             </a:r>
             <a:r>
-              <a:rPr lang="en-US" altLang="ja-JP" baseline="-25000" dirty="0">
+              <a:rPr lang="en-US" altLang="ja-JP" sz="2800" baseline="-25000" dirty="0">
                 <a:solidFill>
                   <a:schemeClr val="tx1"/>
                 </a:solidFill>
@@ -25823,7 +25755,7 @@
               </a:rPr>
               <a:t>A</a:t>
             </a:r>
-            <a:endParaRPr lang="ja-JP" altLang="en-US" b="1" baseline="-25000" dirty="0">
+            <a:endParaRPr lang="ja-JP" altLang="en-US" sz="2800" b="1" baseline="-25000" dirty="0">
               <a:solidFill>
                 <a:schemeClr val="tx1"/>
               </a:solidFill>
@@ -25886,7 +25818,7 @@
           <a:p>
             <a:pPr algn="ctr"/>
             <a:r>
-              <a:rPr lang="en-US" altLang="ja-JP" dirty="0">
+              <a:rPr lang="en-US" altLang="ja-JP" sz="2800" dirty="0">
                 <a:solidFill>
                   <a:schemeClr val="tx1"/>
                 </a:solidFill>
@@ -25895,7 +25827,7 @@
               </a:rPr>
               <a:t>TA</a:t>
             </a:r>
-            <a:endParaRPr lang="ja-JP" altLang="en-US" baseline="-25000" dirty="0">
+            <a:endParaRPr lang="ja-JP" altLang="en-US" sz="2800" baseline="-25000" dirty="0">
               <a:solidFill>
                 <a:schemeClr val="tx1"/>
               </a:solidFill>
@@ -25958,7 +25890,7 @@
           <a:p>
             <a:pPr algn="ctr"/>
             <a:r>
-              <a:rPr lang="en-US" altLang="ja-JP" dirty="0">
+              <a:rPr lang="en-US" altLang="ja-JP" sz="2800" dirty="0">
                 <a:solidFill>
                   <a:schemeClr val="tx1"/>
                 </a:solidFill>
@@ -25967,7 +25899,7 @@
               </a:rPr>
               <a:t>TB</a:t>
             </a:r>
-            <a:endParaRPr lang="ja-JP" altLang="en-US" baseline="-25000" dirty="0">
+            <a:endParaRPr lang="ja-JP" altLang="en-US" sz="2800" baseline="-25000" dirty="0">
               <a:solidFill>
                 <a:schemeClr val="tx1"/>
               </a:solidFill>
@@ -26030,7 +25962,7 @@
           <a:p>
             <a:pPr algn="ctr"/>
             <a:r>
-              <a:rPr lang="en-US" altLang="ja-JP" dirty="0">
+              <a:rPr lang="en-US" altLang="ja-JP" sz="2800" dirty="0">
                 <a:solidFill>
                   <a:schemeClr val="tx1"/>
                 </a:solidFill>
@@ -26039,7 +25971,7 @@
               </a:rPr>
               <a:t>TC</a:t>
             </a:r>
-            <a:endParaRPr lang="ja-JP" altLang="en-US" baseline="-25000" dirty="0">
+            <a:endParaRPr lang="ja-JP" altLang="en-US" sz="2800" baseline="-25000" dirty="0">
               <a:solidFill>
                 <a:schemeClr val="tx1"/>
               </a:solidFill>
@@ -26108,8 +26040,8 @@
         </p:nvSpPr>
         <p:spPr>
           <a:xfrm>
-            <a:off x="16898673" y="2465036"/>
-            <a:ext cx="757983" cy="1200329"/>
+            <a:off x="16935832" y="2611833"/>
+            <a:ext cx="757983" cy="923330"/>
           </a:xfrm>
           <a:prstGeom prst="rect">
             <a:avLst/>
@@ -26123,10 +26055,10 @@
           <a:lstStyle/>
           <a:p>
             <a:r>
-              <a:rPr kumimoji="1" lang="en-US" altLang="ja-JP" sz="7200" dirty="0"/>
+              <a:rPr kumimoji="1" lang="en-US" altLang="ja-JP" sz="5400" dirty="0"/>
               <a:t>=</a:t>
             </a:r>
-            <a:endParaRPr kumimoji="1" lang="ja-JP" altLang="en-US" sz="7200" dirty="0"/>
+            <a:endParaRPr kumimoji="1" lang="ja-JP" altLang="en-US" sz="5400" dirty="0"/>
           </a:p>
         </p:txBody>
       </p:sp>
@@ -26144,8 +26076,8 @@
         </p:nvSpPr>
         <p:spPr>
           <a:xfrm>
-            <a:off x="5593345" y="2545895"/>
-            <a:ext cx="5755095" cy="1200329"/>
+            <a:off x="6976141" y="2638469"/>
+            <a:ext cx="5755095" cy="923330"/>
           </a:xfrm>
           <a:prstGeom prst="rect">
             <a:avLst/>
@@ -26159,22 +26091,22 @@
           <a:lstStyle/>
           <a:p>
             <a:r>
-              <a:rPr kumimoji="1" lang="en-US" altLang="ja-JP" sz="7200" dirty="0" err="1"/>
+              <a:rPr kumimoji="1" lang="en-US" altLang="ja-JP" sz="5400" dirty="0" err="1"/>
               <a:t>Precision</a:t>
             </a:r>
             <a:r>
-              <a:rPr kumimoji="1" lang="en-US" altLang="ja-JP" sz="7200" baseline="-25000" dirty="0" err="1"/>
+              <a:rPr kumimoji="1" lang="en-US" altLang="ja-JP" sz="5400" baseline="-25000" dirty="0" err="1"/>
               <a:t>micro</a:t>
             </a:r>
             <a:r>
-              <a:rPr kumimoji="1" lang="ja-JP" altLang="en-US" sz="7200" dirty="0"/>
+              <a:rPr kumimoji="1" lang="ja-JP" altLang="en-US" sz="5400" dirty="0"/>
               <a:t> </a:t>
             </a:r>
             <a:r>
-              <a:rPr kumimoji="1" lang="en-US" altLang="ja-JP" sz="7200" dirty="0"/>
+              <a:rPr kumimoji="1" lang="en-US" altLang="ja-JP" sz="5400" dirty="0"/>
               <a:t>=</a:t>
             </a:r>
-            <a:endParaRPr kumimoji="1" lang="ja-JP" altLang="en-US" sz="7200" dirty="0"/>
+            <a:endParaRPr kumimoji="1" lang="ja-JP" altLang="en-US" sz="5400" dirty="0"/>
           </a:p>
         </p:txBody>
       </p:sp>
@@ -26231,7 +26163,7 @@
           <a:p>
             <a:pPr algn="ctr"/>
             <a:r>
-              <a:rPr lang="en-US" altLang="ja-JP" dirty="0">
+              <a:rPr lang="en-US" altLang="ja-JP" sz="2800" dirty="0">
                 <a:solidFill>
                   <a:schemeClr val="tx1"/>
                 </a:solidFill>
@@ -26240,7 +26172,7 @@
               </a:rPr>
               <a:t>TA</a:t>
             </a:r>
-            <a:endParaRPr lang="ja-JP" altLang="en-US" baseline="-25000" dirty="0">
+            <a:endParaRPr lang="ja-JP" altLang="en-US" sz="2800" baseline="-25000" dirty="0">
               <a:solidFill>
                 <a:schemeClr val="tx1"/>
               </a:solidFill>
@@ -26303,7 +26235,7 @@
           <a:p>
             <a:pPr algn="ctr"/>
             <a:r>
-              <a:rPr lang="en-US" altLang="ja-JP" dirty="0">
+              <a:rPr lang="en-US" altLang="ja-JP" sz="2800" dirty="0">
                 <a:solidFill>
                   <a:schemeClr val="tx1"/>
                 </a:solidFill>
@@ -26312,7 +26244,7 @@
               </a:rPr>
               <a:t>TA</a:t>
             </a:r>
-            <a:endParaRPr lang="ja-JP" altLang="en-US" baseline="-25000" dirty="0">
+            <a:endParaRPr lang="ja-JP" altLang="en-US" sz="2800" baseline="-25000" dirty="0">
               <a:solidFill>
                 <a:schemeClr val="tx1"/>
               </a:solidFill>
@@ -26377,7 +26309,7 @@
           <a:p>
             <a:pPr algn="ctr"/>
             <a:r>
-              <a:rPr lang="en-US" altLang="ja-JP" dirty="0">
+              <a:rPr lang="en-US" altLang="ja-JP" sz="2800" dirty="0">
                 <a:solidFill>
                   <a:schemeClr val="tx1"/>
                 </a:solidFill>
@@ -26387,7 +26319,7 @@
               <a:t>FA</a:t>
             </a:r>
             <a:r>
-              <a:rPr lang="en-US" altLang="ja-JP" baseline="-25000" dirty="0">
+              <a:rPr lang="en-US" altLang="ja-JP" sz="2800" baseline="-25000" dirty="0">
                 <a:solidFill>
                   <a:schemeClr val="tx1"/>
                 </a:solidFill>
@@ -26396,7 +26328,7 @@
               </a:rPr>
               <a:t>B</a:t>
             </a:r>
-            <a:endParaRPr lang="ja-JP" altLang="en-US" baseline="-25000" dirty="0">
+            <a:endParaRPr lang="ja-JP" altLang="en-US" sz="2800" baseline="-25000" dirty="0">
               <a:solidFill>
                 <a:schemeClr val="tx1"/>
               </a:solidFill>
@@ -26461,7 +26393,7 @@
           <a:p>
             <a:pPr algn="ctr"/>
             <a:r>
-              <a:rPr lang="en-US" altLang="ja-JP" dirty="0">
+              <a:rPr lang="en-US" altLang="ja-JP" sz="2800" dirty="0">
                 <a:solidFill>
                   <a:schemeClr val="tx1"/>
                 </a:solidFill>
@@ -26471,7 +26403,7 @@
               <a:t>FA</a:t>
             </a:r>
             <a:r>
-              <a:rPr lang="en-US" altLang="ja-JP" baseline="-25000" dirty="0">
+              <a:rPr lang="en-US" altLang="ja-JP" sz="2800" baseline="-25000" dirty="0">
                 <a:solidFill>
                   <a:schemeClr val="tx1"/>
                 </a:solidFill>
@@ -26480,7 +26412,7 @@
               </a:rPr>
               <a:t>C</a:t>
             </a:r>
-            <a:endParaRPr lang="ja-JP" altLang="en-US" baseline="-25000" dirty="0">
+            <a:endParaRPr lang="ja-JP" altLang="en-US" sz="2800" baseline="-25000" dirty="0">
               <a:solidFill>
                 <a:schemeClr val="tx1"/>
               </a:solidFill>
@@ -26545,7 +26477,7 @@
           <a:p>
             <a:pPr algn="ctr"/>
             <a:r>
-              <a:rPr lang="en-US" altLang="ja-JP" dirty="0">
+              <a:rPr lang="en-US" altLang="ja-JP" sz="2800" dirty="0">
                 <a:solidFill>
                   <a:schemeClr val="tx1"/>
                 </a:solidFill>
@@ -26555,7 +26487,7 @@
               <a:t>FB</a:t>
             </a:r>
             <a:r>
-              <a:rPr lang="en-US" altLang="ja-JP" baseline="-25000" dirty="0">
+              <a:rPr lang="en-US" altLang="ja-JP" sz="2800" baseline="-25000" dirty="0">
                 <a:solidFill>
                   <a:schemeClr val="tx1"/>
                 </a:solidFill>
@@ -26564,7 +26496,7 @@
               </a:rPr>
               <a:t>C</a:t>
             </a:r>
-            <a:endParaRPr lang="ja-JP" altLang="en-US" b="1" baseline="-25000" dirty="0">
+            <a:endParaRPr lang="ja-JP" altLang="en-US" sz="2800" b="1" baseline="-25000" dirty="0">
               <a:solidFill>
                 <a:schemeClr val="tx1"/>
               </a:solidFill>
@@ -26627,7 +26559,7 @@
           <a:p>
             <a:pPr algn="ctr"/>
             <a:r>
-              <a:rPr lang="en-US" altLang="ja-JP" dirty="0">
+              <a:rPr lang="en-US" altLang="ja-JP" sz="2800" dirty="0">
                 <a:solidFill>
                   <a:schemeClr val="tx1"/>
                 </a:solidFill>
@@ -26636,7 +26568,7 @@
               </a:rPr>
               <a:t>TB</a:t>
             </a:r>
-            <a:endParaRPr lang="ja-JP" altLang="en-US" baseline="-25000" dirty="0">
+            <a:endParaRPr lang="ja-JP" altLang="en-US" sz="2800" baseline="-25000" dirty="0">
               <a:solidFill>
                 <a:schemeClr val="tx1"/>
               </a:solidFill>
@@ -26699,7 +26631,7 @@
           <a:p>
             <a:pPr algn="ctr"/>
             <a:r>
-              <a:rPr lang="en-US" altLang="ja-JP" dirty="0">
+              <a:rPr lang="en-US" altLang="ja-JP" sz="2800" dirty="0">
                 <a:solidFill>
                   <a:schemeClr val="tx1"/>
                 </a:solidFill>
@@ -26708,7 +26640,7 @@
               </a:rPr>
               <a:t>TC</a:t>
             </a:r>
-            <a:endParaRPr lang="ja-JP" altLang="en-US" baseline="-25000" dirty="0">
+            <a:endParaRPr lang="ja-JP" altLang="en-US" sz="2800" baseline="-25000" dirty="0">
               <a:solidFill>
                 <a:schemeClr val="tx1"/>
               </a:solidFill>
@@ -26773,7 +26705,7 @@
           <a:p>
             <a:pPr algn="ctr"/>
             <a:r>
-              <a:rPr lang="en-US" altLang="ja-JP" dirty="0">
+              <a:rPr lang="en-US" altLang="ja-JP" sz="2800" dirty="0">
                 <a:solidFill>
                   <a:schemeClr val="tx1"/>
                 </a:solidFill>
@@ -26783,7 +26715,7 @@
               <a:t>FB</a:t>
             </a:r>
             <a:r>
-              <a:rPr lang="en-US" altLang="ja-JP" baseline="-25000" dirty="0">
+              <a:rPr lang="en-US" altLang="ja-JP" sz="2800" baseline="-25000" dirty="0">
                 <a:solidFill>
                   <a:schemeClr val="tx1"/>
                 </a:solidFill>
@@ -26792,7 +26724,7 @@
               </a:rPr>
               <a:t>A</a:t>
             </a:r>
-            <a:endParaRPr lang="ja-JP" altLang="en-US" b="1" baseline="-25000" dirty="0">
+            <a:endParaRPr lang="ja-JP" altLang="en-US" sz="2800" b="1" baseline="-25000" dirty="0">
               <a:solidFill>
                 <a:schemeClr val="tx1"/>
               </a:solidFill>
@@ -26857,7 +26789,7 @@
           <a:p>
             <a:pPr algn="ctr"/>
             <a:r>
-              <a:rPr lang="en-US" altLang="ja-JP" dirty="0">
+              <a:rPr lang="en-US" altLang="ja-JP" sz="2800" dirty="0">
                 <a:solidFill>
                   <a:schemeClr val="tx1"/>
                 </a:solidFill>
@@ -26867,7 +26799,7 @@
               <a:t>FC</a:t>
             </a:r>
             <a:r>
-              <a:rPr lang="en-US" altLang="ja-JP" baseline="-25000" dirty="0">
+              <a:rPr lang="en-US" altLang="ja-JP" sz="2800" baseline="-25000" dirty="0">
                 <a:solidFill>
                   <a:schemeClr val="tx1"/>
                 </a:solidFill>
@@ -26876,7 +26808,7 @@
               </a:rPr>
               <a:t>B</a:t>
             </a:r>
-            <a:endParaRPr lang="ja-JP" altLang="en-US" b="1" baseline="-25000" dirty="0">
+            <a:endParaRPr lang="ja-JP" altLang="en-US" sz="2800" b="1" baseline="-25000" dirty="0">
               <a:solidFill>
                 <a:schemeClr val="tx1"/>
               </a:solidFill>
@@ -26941,7 +26873,7 @@
           <a:p>
             <a:pPr algn="ctr"/>
             <a:r>
-              <a:rPr lang="en-US" altLang="ja-JP" dirty="0">
+              <a:rPr lang="en-US" altLang="ja-JP" sz="2800" dirty="0">
                 <a:solidFill>
                   <a:schemeClr val="tx1"/>
                 </a:solidFill>
@@ -26951,7 +26883,7 @@
               <a:t>FC</a:t>
             </a:r>
             <a:r>
-              <a:rPr lang="en-US" altLang="ja-JP" baseline="-25000" dirty="0">
+              <a:rPr lang="en-US" altLang="ja-JP" sz="2800" baseline="-25000" dirty="0">
                 <a:solidFill>
                   <a:schemeClr val="tx1"/>
                 </a:solidFill>
@@ -26960,7 +26892,7 @@
               </a:rPr>
               <a:t>A</a:t>
             </a:r>
-            <a:endParaRPr lang="ja-JP" altLang="en-US" b="1" baseline="-25000" dirty="0">
+            <a:endParaRPr lang="ja-JP" altLang="en-US" sz="2800" b="1" baseline="-25000" dirty="0">
               <a:solidFill>
                 <a:schemeClr val="tx1"/>
               </a:solidFill>
@@ -27023,7 +26955,7 @@
           <a:p>
             <a:pPr algn="ctr"/>
             <a:r>
-              <a:rPr lang="en-US" altLang="ja-JP" dirty="0">
+              <a:rPr lang="en-US" altLang="ja-JP" sz="2800" dirty="0">
                 <a:solidFill>
                   <a:schemeClr val="tx1"/>
                 </a:solidFill>
@@ -27032,7 +26964,7 @@
               </a:rPr>
               <a:t>TB</a:t>
             </a:r>
-            <a:endParaRPr lang="ja-JP" altLang="en-US" baseline="-25000" dirty="0">
+            <a:endParaRPr lang="ja-JP" altLang="en-US" sz="2800" baseline="-25000" dirty="0">
               <a:solidFill>
                 <a:schemeClr val="tx1"/>
               </a:solidFill>
@@ -27095,7 +27027,7 @@
           <a:p>
             <a:pPr algn="ctr"/>
             <a:r>
-              <a:rPr lang="en-US" altLang="ja-JP" dirty="0">
+              <a:rPr lang="en-US" altLang="ja-JP" sz="2800" dirty="0">
                 <a:solidFill>
                   <a:schemeClr val="tx1"/>
                 </a:solidFill>
@@ -27104,7 +27036,7 @@
               </a:rPr>
               <a:t>TC</a:t>
             </a:r>
-            <a:endParaRPr lang="ja-JP" altLang="en-US" baseline="-25000" dirty="0">
+            <a:endParaRPr lang="ja-JP" altLang="en-US" sz="2800" baseline="-25000" dirty="0">
               <a:solidFill>
                 <a:schemeClr val="tx1"/>
               </a:solidFill>
@@ -27273,7 +27205,7 @@
         <p:spPr>
           <a:xfrm>
             <a:off x="10632984" y="6610008"/>
-            <a:ext cx="5755095" cy="1200329"/>
+            <a:ext cx="5755095" cy="923330"/>
           </a:xfrm>
           <a:prstGeom prst="rect">
             <a:avLst/>
@@ -27287,18 +27219,18 @@
           <a:lstStyle/>
           <a:p>
             <a:r>
-              <a:rPr kumimoji="1" lang="en-US" altLang="ja-JP" sz="7200" dirty="0"/>
+              <a:rPr kumimoji="1" lang="en-US" altLang="ja-JP" sz="5400" dirty="0"/>
               <a:t>= </a:t>
             </a:r>
             <a:r>
-              <a:rPr kumimoji="1" lang="en-US" altLang="ja-JP" sz="7200" dirty="0" err="1"/>
+              <a:rPr kumimoji="1" lang="en-US" altLang="ja-JP" sz="5400" dirty="0" err="1"/>
               <a:t>Recall</a:t>
             </a:r>
             <a:r>
-              <a:rPr kumimoji="1" lang="en-US" altLang="ja-JP" sz="7200" baseline="-25000" dirty="0" err="1"/>
+              <a:rPr kumimoji="1" lang="en-US" altLang="ja-JP" sz="5400" baseline="-25000" dirty="0" err="1"/>
               <a:t>micro</a:t>
             </a:r>
-            <a:endParaRPr kumimoji="1" lang="ja-JP" altLang="en-US" sz="7200" dirty="0"/>
+            <a:endParaRPr kumimoji="1" lang="ja-JP" altLang="en-US" sz="5400" dirty="0"/>
           </a:p>
         </p:txBody>
       </p:sp>
@@ -27317,7 +27249,7 @@
         <p:spPr>
           <a:xfrm>
             <a:off x="10626053" y="8233580"/>
-            <a:ext cx="5755095" cy="1200329"/>
+            <a:ext cx="5755095" cy="923330"/>
           </a:xfrm>
           <a:prstGeom prst="rect">
             <a:avLst/>
@@ -27331,10 +27263,10 @@
           <a:lstStyle/>
           <a:p>
             <a:r>
-              <a:rPr kumimoji="1" lang="en-US" altLang="ja-JP" sz="7200" dirty="0"/>
+              <a:rPr kumimoji="1" lang="en-US" altLang="ja-JP" sz="5400" dirty="0"/>
               <a:t>= Accuracy</a:t>
             </a:r>
-            <a:endParaRPr kumimoji="1" lang="ja-JP" altLang="en-US" sz="7200" dirty="0"/>
+            <a:endParaRPr kumimoji="1" lang="ja-JP" altLang="en-US" sz="5400" dirty="0"/>
           </a:p>
         </p:txBody>
       </p:sp>
@@ -28846,7 +28778,7 @@
         <p:spPr>
           <a:xfrm>
             <a:off x="12241764" y="1484799"/>
-            <a:ext cx="2328668" cy="937058"/>
+            <a:ext cx="2328668" cy="655164"/>
           </a:xfrm>
           <a:prstGeom prst="rect">
             <a:avLst/>
@@ -28917,8 +28849,8 @@
         </p:nvSpPr>
         <p:spPr>
           <a:xfrm>
-            <a:off x="12989894" y="2420022"/>
-            <a:ext cx="5484286" cy="2077333"/>
+            <a:off x="12989894" y="2138492"/>
+            <a:ext cx="5484286" cy="1332454"/>
           </a:xfrm>
           <a:prstGeom prst="rect">
             <a:avLst/>
@@ -28991,8 +28923,8 @@
         </p:nvSpPr>
         <p:spPr>
           <a:xfrm>
-            <a:off x="12241765" y="2419315"/>
-            <a:ext cx="766790" cy="2078040"/>
+            <a:off x="12241765" y="2137689"/>
+            <a:ext cx="766790" cy="1332908"/>
           </a:xfrm>
           <a:prstGeom prst="rect">
             <a:avLst/>
@@ -29066,7 +28998,7 @@
         <p:spPr>
           <a:xfrm>
             <a:off x="14570549" y="1484799"/>
-            <a:ext cx="3903632" cy="933804"/>
+            <a:ext cx="3903632" cy="652889"/>
           </a:xfrm>
           <a:prstGeom prst="rect">
             <a:avLst/>
@@ -29820,8 +29752,8 @@
         </p:nvSpPr>
         <p:spPr>
           <a:xfrm>
-            <a:off x="12241763" y="5112943"/>
-            <a:ext cx="4721521" cy="937058"/>
+            <a:off x="12241764" y="3933016"/>
+            <a:ext cx="4721521" cy="655165"/>
           </a:xfrm>
           <a:prstGeom prst="rect">
             <a:avLst/>
@@ -29892,8 +29824,8 @@
         </p:nvSpPr>
         <p:spPr>
           <a:xfrm>
-            <a:off x="16441366" y="6048166"/>
-            <a:ext cx="2032813" cy="2077333"/>
+            <a:off x="16441367" y="4586347"/>
+            <a:ext cx="2032813" cy="1220385"/>
           </a:xfrm>
           <a:prstGeom prst="rect">
             <a:avLst/>
@@ -29966,8 +29898,8 @@
         </p:nvSpPr>
         <p:spPr>
           <a:xfrm>
-            <a:off x="12241765" y="6047459"/>
-            <a:ext cx="4199600" cy="2078040"/>
+            <a:off x="12241766" y="4585640"/>
+            <a:ext cx="4199600" cy="1220800"/>
           </a:xfrm>
           <a:prstGeom prst="rect">
             <a:avLst/>
@@ -30040,8 +29972,8 @@
         </p:nvSpPr>
         <p:spPr>
           <a:xfrm>
-            <a:off x="16963283" y="5112943"/>
-            <a:ext cx="1510897" cy="933804"/>
+            <a:off x="16963284" y="3932038"/>
+            <a:ext cx="1510897" cy="652890"/>
           </a:xfrm>
           <a:prstGeom prst="rect">
             <a:avLst/>

--- a/unbalance/images.pptx
+++ b/unbalance/images.pptx
@@ -18,6 +18,8 @@
     <p:sldId id="269" r:id="rId12"/>
     <p:sldId id="272" r:id="rId13"/>
     <p:sldId id="273" r:id="rId14"/>
+    <p:sldId id="274" r:id="rId15"/>
+    <p:sldId id="276" r:id="rId16"/>
   </p:sldIdLst>
   <p:sldSz cx="21599525" cy="14400213"/>
   <p:notesSz cx="6858000" cy="9144000"/>
@@ -138,6 +140,8 @@
             <p14:sldId id="269"/>
             <p14:sldId id="272"/>
             <p14:sldId id="273"/>
+            <p14:sldId id="274"/>
+            <p14:sldId id="276"/>
           </p14:sldIdLst>
         </p14:section>
       </p14:sectionLst>
@@ -292,7 +296,7 @@
           <a:p>
             <a:fld id="{FB7CF62E-CE0A-4A24-BF36-7EEB5EF31D49}" type="datetimeFigureOut">
               <a:rPr kumimoji="1" lang="ja-JP" altLang="en-US" smtClean="0"/>
-              <a:t>2020/2/13</a:t>
+              <a:t>2020/2/14</a:t>
             </a:fld>
             <a:endParaRPr kumimoji="1" lang="ja-JP" altLang="en-US"/>
           </a:p>
@@ -494,7 +498,7 @@
           <a:p>
             <a:fld id="{FB7CF62E-CE0A-4A24-BF36-7EEB5EF31D49}" type="datetimeFigureOut">
               <a:rPr kumimoji="1" lang="ja-JP" altLang="en-US" smtClean="0"/>
-              <a:t>2020/2/13</a:t>
+              <a:t>2020/2/14</a:t>
             </a:fld>
             <a:endParaRPr kumimoji="1" lang="ja-JP" altLang="en-US"/>
           </a:p>
@@ -706,7 +710,7 @@
           <a:p>
             <a:fld id="{FB7CF62E-CE0A-4A24-BF36-7EEB5EF31D49}" type="datetimeFigureOut">
               <a:rPr kumimoji="1" lang="ja-JP" altLang="en-US" smtClean="0"/>
-              <a:t>2020/2/13</a:t>
+              <a:t>2020/2/14</a:t>
             </a:fld>
             <a:endParaRPr kumimoji="1" lang="ja-JP" altLang="en-US"/>
           </a:p>
@@ -908,7 +912,7 @@
           <a:p>
             <a:fld id="{FB7CF62E-CE0A-4A24-BF36-7EEB5EF31D49}" type="datetimeFigureOut">
               <a:rPr kumimoji="1" lang="ja-JP" altLang="en-US" smtClean="0"/>
-              <a:t>2020/2/13</a:t>
+              <a:t>2020/2/14</a:t>
             </a:fld>
             <a:endParaRPr kumimoji="1" lang="ja-JP" altLang="en-US"/>
           </a:p>
@@ -1152,7 +1156,7 @@
           <a:p>
             <a:fld id="{FB7CF62E-CE0A-4A24-BF36-7EEB5EF31D49}" type="datetimeFigureOut">
               <a:rPr kumimoji="1" lang="ja-JP" altLang="en-US" smtClean="0"/>
-              <a:t>2020/2/13</a:t>
+              <a:t>2020/2/14</a:t>
             </a:fld>
             <a:endParaRPr kumimoji="1" lang="ja-JP" altLang="en-US"/>
           </a:p>
@@ -1448,7 +1452,7 @@
           <a:p>
             <a:fld id="{FB7CF62E-CE0A-4A24-BF36-7EEB5EF31D49}" type="datetimeFigureOut">
               <a:rPr kumimoji="1" lang="ja-JP" altLang="en-US" smtClean="0"/>
-              <a:t>2020/2/13</a:t>
+              <a:t>2020/2/14</a:t>
             </a:fld>
             <a:endParaRPr kumimoji="1" lang="ja-JP" altLang="en-US"/>
           </a:p>
@@ -1879,7 +1883,7 @@
           <a:p>
             <a:fld id="{FB7CF62E-CE0A-4A24-BF36-7EEB5EF31D49}" type="datetimeFigureOut">
               <a:rPr kumimoji="1" lang="ja-JP" altLang="en-US" smtClean="0"/>
-              <a:t>2020/2/13</a:t>
+              <a:t>2020/2/14</a:t>
             </a:fld>
             <a:endParaRPr kumimoji="1" lang="ja-JP" altLang="en-US"/>
           </a:p>
@@ -1997,7 +2001,7 @@
           <a:p>
             <a:fld id="{FB7CF62E-CE0A-4A24-BF36-7EEB5EF31D49}" type="datetimeFigureOut">
               <a:rPr kumimoji="1" lang="ja-JP" altLang="en-US" smtClean="0"/>
-              <a:t>2020/2/13</a:t>
+              <a:t>2020/2/14</a:t>
             </a:fld>
             <a:endParaRPr kumimoji="1" lang="ja-JP" altLang="en-US"/>
           </a:p>
@@ -2092,7 +2096,7 @@
           <a:p>
             <a:fld id="{FB7CF62E-CE0A-4A24-BF36-7EEB5EF31D49}" type="datetimeFigureOut">
               <a:rPr kumimoji="1" lang="ja-JP" altLang="en-US" smtClean="0"/>
-              <a:t>2020/2/13</a:t>
+              <a:t>2020/2/14</a:t>
             </a:fld>
             <a:endParaRPr kumimoji="1" lang="ja-JP" altLang="en-US"/>
           </a:p>
@@ -2401,7 +2405,7 @@
           <a:p>
             <a:fld id="{FB7CF62E-CE0A-4A24-BF36-7EEB5EF31D49}" type="datetimeFigureOut">
               <a:rPr kumimoji="1" lang="ja-JP" altLang="en-US" smtClean="0"/>
-              <a:t>2020/2/13</a:t>
+              <a:t>2020/2/14</a:t>
             </a:fld>
             <a:endParaRPr kumimoji="1" lang="ja-JP" altLang="en-US"/>
           </a:p>
@@ -2658,7 +2662,7 @@
           <a:p>
             <a:fld id="{FB7CF62E-CE0A-4A24-BF36-7EEB5EF31D49}" type="datetimeFigureOut">
               <a:rPr kumimoji="1" lang="ja-JP" altLang="en-US" smtClean="0"/>
-              <a:t>2020/2/13</a:t>
+              <a:t>2020/2/14</a:t>
             </a:fld>
             <a:endParaRPr kumimoji="1" lang="ja-JP" altLang="en-US"/>
           </a:p>
@@ -2903,7 +2907,7 @@
           <a:p>
             <a:fld id="{FB7CF62E-CE0A-4A24-BF36-7EEB5EF31D49}" type="datetimeFigureOut">
               <a:rPr kumimoji="1" lang="ja-JP" altLang="en-US" smtClean="0"/>
-              <a:t>2020/2/13</a:t>
+              <a:t>2020/2/14</a:t>
             </a:fld>
             <a:endParaRPr kumimoji="1" lang="ja-JP" altLang="en-US"/>
           </a:p>
@@ -10840,6 +10844,3034 @@
 </p:sld>
 </file>
 
+<file path=ppt/slides/slide14.xml><?xml version="1.0" encoding="utf-8"?>
+<p:sld xmlns:a="http://schemas.openxmlformats.org/drawingml/2006/main" xmlns:r="http://schemas.openxmlformats.org/officeDocument/2006/relationships" xmlns:p="http://schemas.openxmlformats.org/presentationml/2006/main">
+  <p:cSld>
+    <p:spTree>
+      <p:nvGrpSpPr>
+        <p:cNvPr id="1" name=""/>
+        <p:cNvGrpSpPr/>
+        <p:nvPr/>
+      </p:nvGrpSpPr>
+      <p:grpSpPr>
+        <a:xfrm>
+          <a:off x="0" y="0"/>
+          <a:ext cx="0" cy="0"/>
+          <a:chOff x="0" y="0"/>
+          <a:chExt cx="0" cy="0"/>
+        </a:xfrm>
+      </p:grpSpPr>
+      <p:sp>
+        <p:nvSpPr>
+          <p:cNvPr id="4" name="正方形/長方形 3">
+            <a:extLst>
+              <a:ext uri="{FF2B5EF4-FFF2-40B4-BE49-F238E27FC236}">
+                <a16:creationId xmlns:a16="http://schemas.microsoft.com/office/drawing/2014/main" id="{3B102B3B-B74C-4EFD-8C93-067E0DC7EB3A}"/>
+              </a:ext>
+            </a:extLst>
+          </p:cNvPr>
+          <p:cNvSpPr/>
+          <p:nvPr/>
+        </p:nvSpPr>
+        <p:spPr>
+          <a:xfrm>
+            <a:off x="3628890" y="842541"/>
+            <a:ext cx="7744408" cy="7744408"/>
+          </a:xfrm>
+          <a:prstGeom prst="rect">
+            <a:avLst/>
+          </a:prstGeom>
+          <a:noFill/>
+          <a:ln>
+            <a:solidFill>
+              <a:schemeClr val="tx1"/>
+            </a:solidFill>
+          </a:ln>
+        </p:spPr>
+        <p:style>
+          <a:lnRef idx="2">
+            <a:schemeClr val="accent1">
+              <a:shade val="50000"/>
+            </a:schemeClr>
+          </a:lnRef>
+          <a:fillRef idx="1">
+            <a:schemeClr val="accent1"/>
+          </a:fillRef>
+          <a:effectRef idx="0">
+            <a:schemeClr val="accent1"/>
+          </a:effectRef>
+          <a:fontRef idx="minor">
+            <a:schemeClr val="lt1"/>
+          </a:fontRef>
+        </p:style>
+        <p:txBody>
+          <a:bodyPr rtlCol="0" anchor="ctr"/>
+          <a:lstStyle/>
+          <a:p>
+            <a:pPr algn="ctr"/>
+            <a:endParaRPr kumimoji="1" lang="ja-JP" altLang="en-US"/>
+          </a:p>
+        </p:txBody>
+      </p:sp>
+      <p:cxnSp>
+        <p:nvCxnSpPr>
+          <p:cNvPr id="5" name="直線コネクタ 4">
+            <a:extLst>
+              <a:ext uri="{FF2B5EF4-FFF2-40B4-BE49-F238E27FC236}">
+                <a16:creationId xmlns:a16="http://schemas.microsoft.com/office/drawing/2014/main" id="{162EC49F-A9F9-4D93-A1F3-908861D5F7C6}"/>
+              </a:ext>
+            </a:extLst>
+          </p:cNvPr>
+          <p:cNvCxnSpPr/>
+          <p:nvPr/>
+        </p:nvCxnSpPr>
+        <p:spPr>
+          <a:xfrm flipH="1">
+            <a:off x="3628890" y="842541"/>
+            <a:ext cx="7744408" cy="7744408"/>
+          </a:xfrm>
+          <a:prstGeom prst="line">
+            <a:avLst/>
+          </a:prstGeom>
+          <a:ln>
+            <a:solidFill>
+              <a:schemeClr val="tx1"/>
+            </a:solidFill>
+            <a:prstDash val="lgDash"/>
+          </a:ln>
+        </p:spPr>
+        <p:style>
+          <a:lnRef idx="1">
+            <a:schemeClr val="accent1"/>
+          </a:lnRef>
+          <a:fillRef idx="0">
+            <a:schemeClr val="accent1"/>
+          </a:fillRef>
+          <a:effectRef idx="0">
+            <a:schemeClr val="accent1"/>
+          </a:effectRef>
+          <a:fontRef idx="minor">
+            <a:schemeClr val="tx1"/>
+          </a:fontRef>
+        </p:style>
+      </p:cxnSp>
+      <p:sp>
+        <p:nvSpPr>
+          <p:cNvPr id="6" name="テキスト ボックス 5">
+            <a:extLst>
+              <a:ext uri="{FF2B5EF4-FFF2-40B4-BE49-F238E27FC236}">
+                <a16:creationId xmlns:a16="http://schemas.microsoft.com/office/drawing/2014/main" id="{E476D444-A7DA-44C2-8BC4-D9C510448D65}"/>
+              </a:ext>
+            </a:extLst>
+          </p:cNvPr>
+          <p:cNvSpPr txBox="1"/>
+          <p:nvPr/>
+        </p:nvSpPr>
+        <p:spPr>
+          <a:xfrm>
+            <a:off x="6484795" y="9291615"/>
+            <a:ext cx="1938007" cy="769441"/>
+          </a:xfrm>
+          <a:prstGeom prst="rect">
+            <a:avLst/>
+          </a:prstGeom>
+          <a:noFill/>
+        </p:spPr>
+        <p:txBody>
+          <a:bodyPr wrap="square" rtlCol="0">
+            <a:spAutoFit/>
+          </a:bodyPr>
+          <a:lstStyle/>
+          <a:p>
+            <a:r>
+              <a:rPr kumimoji="1" lang="ja-JP" altLang="en-US" sz="4400" dirty="0"/>
+              <a:t>予測値</a:t>
+            </a:r>
+          </a:p>
+        </p:txBody>
+      </p:sp>
+      <p:sp>
+        <p:nvSpPr>
+          <p:cNvPr id="7" name="テキスト ボックス 6">
+            <a:extLst>
+              <a:ext uri="{FF2B5EF4-FFF2-40B4-BE49-F238E27FC236}">
+                <a16:creationId xmlns:a16="http://schemas.microsoft.com/office/drawing/2014/main" id="{8D1C334C-3C04-44ED-9D29-F76769B4B799}"/>
+              </a:ext>
+            </a:extLst>
+          </p:cNvPr>
+          <p:cNvSpPr txBox="1"/>
+          <p:nvPr/>
+        </p:nvSpPr>
+        <p:spPr>
+          <a:xfrm>
+            <a:off x="10991947" y="8522003"/>
+            <a:ext cx="800024" cy="769441"/>
+          </a:xfrm>
+          <a:prstGeom prst="rect">
+            <a:avLst/>
+          </a:prstGeom>
+          <a:noFill/>
+        </p:spPr>
+        <p:txBody>
+          <a:bodyPr wrap="square" rtlCol="0">
+            <a:spAutoFit/>
+          </a:bodyPr>
+          <a:lstStyle/>
+          <a:p>
+            <a:r>
+              <a:rPr kumimoji="1" lang="en-US" altLang="ja-JP" sz="4400" dirty="0"/>
+              <a:t>1</a:t>
+            </a:r>
+            <a:endParaRPr kumimoji="1" lang="ja-JP" altLang="en-US" sz="4400" dirty="0"/>
+          </a:p>
+        </p:txBody>
+      </p:sp>
+      <p:sp>
+        <p:nvSpPr>
+          <p:cNvPr id="8" name="テキスト ボックス 7">
+            <a:extLst>
+              <a:ext uri="{FF2B5EF4-FFF2-40B4-BE49-F238E27FC236}">
+                <a16:creationId xmlns:a16="http://schemas.microsoft.com/office/drawing/2014/main" id="{0FDD4FD4-CDC0-40B1-873F-5485C8DFEBF4}"/>
+              </a:ext>
+            </a:extLst>
+          </p:cNvPr>
+          <p:cNvSpPr txBox="1"/>
+          <p:nvPr/>
+        </p:nvSpPr>
+        <p:spPr>
+          <a:xfrm>
+            <a:off x="3037712" y="8516724"/>
+            <a:ext cx="925235" cy="769441"/>
+          </a:xfrm>
+          <a:prstGeom prst="rect">
+            <a:avLst/>
+          </a:prstGeom>
+          <a:noFill/>
+        </p:spPr>
+        <p:txBody>
+          <a:bodyPr wrap="square" rtlCol="0">
+            <a:spAutoFit/>
+          </a:bodyPr>
+          <a:lstStyle/>
+          <a:p>
+            <a:r>
+              <a:rPr kumimoji="1" lang="en-US" altLang="ja-JP" sz="4400" dirty="0"/>
+              <a:t>0</a:t>
+            </a:r>
+            <a:r>
+              <a:rPr kumimoji="1" lang="ja-JP" altLang="en-US" sz="4400" dirty="0"/>
+              <a:t> </a:t>
+            </a:r>
+          </a:p>
+        </p:txBody>
+      </p:sp>
+      <p:sp>
+        <p:nvSpPr>
+          <p:cNvPr id="9" name="テキスト ボックス 8">
+            <a:extLst>
+              <a:ext uri="{FF2B5EF4-FFF2-40B4-BE49-F238E27FC236}">
+                <a16:creationId xmlns:a16="http://schemas.microsoft.com/office/drawing/2014/main" id="{D16D3FCC-9132-4243-B877-0529FB9C5AF8}"/>
+              </a:ext>
+            </a:extLst>
+          </p:cNvPr>
+          <p:cNvSpPr txBox="1"/>
+          <p:nvPr/>
+        </p:nvSpPr>
+        <p:spPr>
+          <a:xfrm>
+            <a:off x="3055961" y="467151"/>
+            <a:ext cx="925235" cy="769441"/>
+          </a:xfrm>
+          <a:prstGeom prst="rect">
+            <a:avLst/>
+          </a:prstGeom>
+          <a:noFill/>
+        </p:spPr>
+        <p:txBody>
+          <a:bodyPr wrap="square" rtlCol="0">
+            <a:spAutoFit/>
+          </a:bodyPr>
+          <a:lstStyle/>
+          <a:p>
+            <a:r>
+              <a:rPr kumimoji="1" lang="en-US" altLang="ja-JP" sz="4400" dirty="0"/>
+              <a:t>1</a:t>
+            </a:r>
+            <a:endParaRPr kumimoji="1" lang="ja-JP" altLang="en-US" sz="4400" dirty="0"/>
+          </a:p>
+        </p:txBody>
+      </p:sp>
+      <p:cxnSp>
+        <p:nvCxnSpPr>
+          <p:cNvPr id="10" name="直線コネクタ 9">
+            <a:extLst>
+              <a:ext uri="{FF2B5EF4-FFF2-40B4-BE49-F238E27FC236}">
+                <a16:creationId xmlns:a16="http://schemas.microsoft.com/office/drawing/2014/main" id="{8211A334-664D-4D27-B3C1-BFC81AE98D20}"/>
+              </a:ext>
+            </a:extLst>
+          </p:cNvPr>
+          <p:cNvCxnSpPr>
+            <a:cxnSpLocks/>
+          </p:cNvCxnSpPr>
+          <p:nvPr/>
+        </p:nvCxnSpPr>
+        <p:spPr>
+          <a:xfrm>
+            <a:off x="7501094" y="4868411"/>
+            <a:ext cx="0" cy="3722582"/>
+          </a:xfrm>
+          <a:prstGeom prst="line">
+            <a:avLst/>
+          </a:prstGeom>
+          <a:ln>
+            <a:solidFill>
+              <a:schemeClr val="tx1"/>
+            </a:solidFill>
+            <a:prstDash val="dash"/>
+            <a:headEnd type="triangle" w="lg" len="lg"/>
+          </a:ln>
+        </p:spPr>
+        <p:style>
+          <a:lnRef idx="1">
+            <a:schemeClr val="accent1"/>
+          </a:lnRef>
+          <a:fillRef idx="0">
+            <a:schemeClr val="accent1"/>
+          </a:fillRef>
+          <a:effectRef idx="0">
+            <a:schemeClr val="accent1"/>
+          </a:effectRef>
+          <a:fontRef idx="minor">
+            <a:schemeClr val="tx1"/>
+          </a:fontRef>
+        </p:style>
+      </p:cxnSp>
+      <p:cxnSp>
+        <p:nvCxnSpPr>
+          <p:cNvPr id="11" name="直線コネクタ 10">
+            <a:extLst>
+              <a:ext uri="{FF2B5EF4-FFF2-40B4-BE49-F238E27FC236}">
+                <a16:creationId xmlns:a16="http://schemas.microsoft.com/office/drawing/2014/main" id="{DDF1DB3F-9609-43B6-9A13-E2F8FCA903D5}"/>
+              </a:ext>
+            </a:extLst>
+          </p:cNvPr>
+          <p:cNvCxnSpPr>
+            <a:cxnSpLocks/>
+          </p:cNvCxnSpPr>
+          <p:nvPr/>
+        </p:nvCxnSpPr>
+        <p:spPr>
+          <a:xfrm>
+            <a:off x="3628891" y="3136818"/>
+            <a:ext cx="3872203" cy="0"/>
+          </a:xfrm>
+          <a:prstGeom prst="line">
+            <a:avLst/>
+          </a:prstGeom>
+          <a:ln>
+            <a:solidFill>
+              <a:schemeClr val="tx1"/>
+            </a:solidFill>
+            <a:prstDash val="dash"/>
+            <a:headEnd type="triangle" w="lg" len="lg"/>
+          </a:ln>
+        </p:spPr>
+        <p:style>
+          <a:lnRef idx="1">
+            <a:schemeClr val="accent1"/>
+          </a:lnRef>
+          <a:fillRef idx="0">
+            <a:schemeClr val="accent1"/>
+          </a:fillRef>
+          <a:effectRef idx="0">
+            <a:schemeClr val="accent1"/>
+          </a:effectRef>
+          <a:fontRef idx="minor">
+            <a:schemeClr val="tx1"/>
+          </a:fontRef>
+        </p:style>
+      </p:cxnSp>
+      <p:sp>
+        <p:nvSpPr>
+          <p:cNvPr id="12" name="テキスト ボックス 11">
+            <a:extLst>
+              <a:ext uri="{FF2B5EF4-FFF2-40B4-BE49-F238E27FC236}">
+                <a16:creationId xmlns:a16="http://schemas.microsoft.com/office/drawing/2014/main" id="{58877B4E-47D0-40E5-93A4-00EA55BD6C9F}"/>
+              </a:ext>
+            </a:extLst>
+          </p:cNvPr>
+          <p:cNvSpPr txBox="1"/>
+          <p:nvPr/>
+        </p:nvSpPr>
+        <p:spPr>
+          <a:xfrm>
+            <a:off x="1118495" y="1204691"/>
+            <a:ext cx="2483237" cy="769441"/>
+          </a:xfrm>
+          <a:prstGeom prst="rect">
+            <a:avLst/>
+          </a:prstGeom>
+          <a:noFill/>
+        </p:spPr>
+        <p:txBody>
+          <a:bodyPr wrap="square" rtlCol="0">
+            <a:spAutoFit/>
+          </a:bodyPr>
+          <a:lstStyle/>
+          <a:p>
+            <a:r>
+              <a:rPr kumimoji="1" lang="ja-JP" altLang="en-US" sz="4400" dirty="0"/>
+              <a:t>正例割合</a:t>
+            </a:r>
+          </a:p>
+        </p:txBody>
+      </p:sp>
+      <p:cxnSp>
+        <p:nvCxnSpPr>
+          <p:cNvPr id="13" name="直線コネクタ 12">
+            <a:extLst>
+              <a:ext uri="{FF2B5EF4-FFF2-40B4-BE49-F238E27FC236}">
+                <a16:creationId xmlns:a16="http://schemas.microsoft.com/office/drawing/2014/main" id="{4B6AC423-4CFD-4825-BFAB-CE04BEF69FE1}"/>
+              </a:ext>
+            </a:extLst>
+          </p:cNvPr>
+          <p:cNvCxnSpPr/>
+          <p:nvPr/>
+        </p:nvCxnSpPr>
+        <p:spPr>
+          <a:xfrm flipV="1">
+            <a:off x="14180613" y="4807987"/>
+            <a:ext cx="7744408" cy="5062879"/>
+          </a:xfrm>
+          <a:prstGeom prst="line">
+            <a:avLst/>
+          </a:prstGeom>
+          <a:ln>
+            <a:solidFill>
+              <a:schemeClr val="tx1"/>
+            </a:solidFill>
+          </a:ln>
+        </p:spPr>
+        <p:style>
+          <a:lnRef idx="1">
+            <a:schemeClr val="accent1"/>
+          </a:lnRef>
+          <a:fillRef idx="0">
+            <a:schemeClr val="accent1"/>
+          </a:fillRef>
+          <a:effectRef idx="0">
+            <a:schemeClr val="accent1"/>
+          </a:effectRef>
+          <a:fontRef idx="minor">
+            <a:schemeClr val="tx1"/>
+          </a:fontRef>
+        </p:style>
+      </p:cxnSp>
+      <p:cxnSp>
+        <p:nvCxnSpPr>
+          <p:cNvPr id="14" name="直線コネクタ 13">
+            <a:extLst>
+              <a:ext uri="{FF2B5EF4-FFF2-40B4-BE49-F238E27FC236}">
+                <a16:creationId xmlns:a16="http://schemas.microsoft.com/office/drawing/2014/main" id="{89292F55-ACE5-4595-A392-774C59826C17}"/>
+              </a:ext>
+            </a:extLst>
+          </p:cNvPr>
+          <p:cNvCxnSpPr>
+            <a:cxnSpLocks/>
+          </p:cNvCxnSpPr>
+          <p:nvPr/>
+        </p:nvCxnSpPr>
+        <p:spPr>
+          <a:xfrm flipV="1">
+            <a:off x="13976963" y="3522389"/>
+            <a:ext cx="5126917" cy="7634076"/>
+          </a:xfrm>
+          <a:prstGeom prst="line">
+            <a:avLst/>
+          </a:prstGeom>
+          <a:ln>
+            <a:solidFill>
+              <a:schemeClr val="tx1"/>
+            </a:solidFill>
+          </a:ln>
+        </p:spPr>
+        <p:style>
+          <a:lnRef idx="1">
+            <a:schemeClr val="accent1"/>
+          </a:lnRef>
+          <a:fillRef idx="0">
+            <a:schemeClr val="accent1"/>
+          </a:fillRef>
+          <a:effectRef idx="0">
+            <a:schemeClr val="accent1"/>
+          </a:effectRef>
+          <a:fontRef idx="minor">
+            <a:schemeClr val="tx1"/>
+          </a:fontRef>
+        </p:style>
+      </p:cxnSp>
+      <p:sp>
+        <p:nvSpPr>
+          <p:cNvPr id="15" name="テキスト ボックス 14">
+            <a:extLst>
+              <a:ext uri="{FF2B5EF4-FFF2-40B4-BE49-F238E27FC236}">
+                <a16:creationId xmlns:a16="http://schemas.microsoft.com/office/drawing/2014/main" id="{5C36DCC2-64E2-4C7C-9D41-76758EFAA1FA}"/>
+              </a:ext>
+            </a:extLst>
+          </p:cNvPr>
+          <p:cNvSpPr txBox="1"/>
+          <p:nvPr/>
+        </p:nvSpPr>
+        <p:spPr>
+          <a:xfrm>
+            <a:off x="16130341" y="1871521"/>
+            <a:ext cx="759857" cy="769441"/>
+          </a:xfrm>
+          <a:prstGeom prst="rect">
+            <a:avLst/>
+          </a:prstGeom>
+          <a:noFill/>
+        </p:spPr>
+        <p:txBody>
+          <a:bodyPr wrap="square" rtlCol="0">
+            <a:spAutoFit/>
+          </a:bodyPr>
+          <a:lstStyle/>
+          <a:p>
+            <a:r>
+              <a:rPr kumimoji="1" lang="en-US" altLang="ja-JP" sz="4400" dirty="0"/>
+              <a:t>A</a:t>
+            </a:r>
+            <a:endParaRPr kumimoji="1" lang="ja-JP" altLang="en-US" sz="4400" dirty="0"/>
+          </a:p>
+        </p:txBody>
+      </p:sp>
+      <p:sp>
+        <p:nvSpPr>
+          <p:cNvPr id="16" name="テキスト ボックス 15">
+            <a:extLst>
+              <a:ext uri="{FF2B5EF4-FFF2-40B4-BE49-F238E27FC236}">
+                <a16:creationId xmlns:a16="http://schemas.microsoft.com/office/drawing/2014/main" id="{76296F18-5740-4988-8A97-E92EC60F0729}"/>
+              </a:ext>
+            </a:extLst>
+          </p:cNvPr>
+          <p:cNvSpPr txBox="1"/>
+          <p:nvPr/>
+        </p:nvSpPr>
+        <p:spPr>
+          <a:xfrm>
+            <a:off x="13800684" y="1610049"/>
+            <a:ext cx="759857" cy="769441"/>
+          </a:xfrm>
+          <a:prstGeom prst="rect">
+            <a:avLst/>
+          </a:prstGeom>
+          <a:noFill/>
+        </p:spPr>
+        <p:txBody>
+          <a:bodyPr wrap="square" rtlCol="0">
+            <a:spAutoFit/>
+          </a:bodyPr>
+          <a:lstStyle/>
+          <a:p>
+            <a:r>
+              <a:rPr kumimoji="1" lang="en-US" altLang="ja-JP" sz="4400" dirty="0"/>
+              <a:t>B</a:t>
+            </a:r>
+            <a:endParaRPr kumimoji="1" lang="ja-JP" altLang="en-US" sz="4400" dirty="0"/>
+          </a:p>
+        </p:txBody>
+      </p:sp>
+      <p:cxnSp>
+        <p:nvCxnSpPr>
+          <p:cNvPr id="17" name="直線コネクタ 16">
+            <a:extLst>
+              <a:ext uri="{FF2B5EF4-FFF2-40B4-BE49-F238E27FC236}">
+                <a16:creationId xmlns:a16="http://schemas.microsoft.com/office/drawing/2014/main" id="{AC27914E-692B-4F60-96F2-49F3503C0D92}"/>
+              </a:ext>
+            </a:extLst>
+          </p:cNvPr>
+          <p:cNvCxnSpPr>
+            <a:cxnSpLocks/>
+            <a:endCxn id="25" idx="0"/>
+          </p:cNvCxnSpPr>
+          <p:nvPr/>
+        </p:nvCxnSpPr>
+        <p:spPr>
+          <a:xfrm>
+            <a:off x="7462299" y="3291368"/>
+            <a:ext cx="15147" cy="1268826"/>
+          </a:xfrm>
+          <a:prstGeom prst="line">
+            <a:avLst/>
+          </a:prstGeom>
+          <a:ln>
+            <a:solidFill>
+              <a:schemeClr val="tx1"/>
+            </a:solidFill>
+            <a:prstDash val="dash"/>
+            <a:headEnd type="triangle" w="lg" len="lg"/>
+            <a:tailEnd type="triangle" w="lg" len="lg"/>
+          </a:ln>
+        </p:spPr>
+        <p:style>
+          <a:lnRef idx="1">
+            <a:schemeClr val="accent1"/>
+          </a:lnRef>
+          <a:fillRef idx="0">
+            <a:schemeClr val="accent1"/>
+          </a:fillRef>
+          <a:effectRef idx="0">
+            <a:schemeClr val="accent1"/>
+          </a:effectRef>
+          <a:fontRef idx="minor">
+            <a:schemeClr val="tx1"/>
+          </a:fontRef>
+        </p:style>
+      </p:cxnSp>
+      <p:cxnSp>
+        <p:nvCxnSpPr>
+          <p:cNvPr id="18" name="直線コネクタ 17">
+            <a:extLst>
+              <a:ext uri="{FF2B5EF4-FFF2-40B4-BE49-F238E27FC236}">
+                <a16:creationId xmlns:a16="http://schemas.microsoft.com/office/drawing/2014/main" id="{9194DAE5-627E-44E7-97A2-998B04CCA739}"/>
+              </a:ext>
+            </a:extLst>
+          </p:cNvPr>
+          <p:cNvCxnSpPr>
+            <a:cxnSpLocks/>
+          </p:cNvCxnSpPr>
+          <p:nvPr/>
+        </p:nvCxnSpPr>
+        <p:spPr>
+          <a:xfrm>
+            <a:off x="3628890" y="4714745"/>
+            <a:ext cx="3872204" cy="0"/>
+          </a:xfrm>
+          <a:prstGeom prst="line">
+            <a:avLst/>
+          </a:prstGeom>
+          <a:ln>
+            <a:solidFill>
+              <a:schemeClr val="tx1"/>
+            </a:solidFill>
+            <a:prstDash val="dash"/>
+            <a:headEnd type="triangle" w="lg" len="lg"/>
+          </a:ln>
+        </p:spPr>
+        <p:style>
+          <a:lnRef idx="1">
+            <a:schemeClr val="accent1"/>
+          </a:lnRef>
+          <a:fillRef idx="0">
+            <a:schemeClr val="accent1"/>
+          </a:fillRef>
+          <a:effectRef idx="0">
+            <a:schemeClr val="accent1"/>
+          </a:effectRef>
+          <a:fontRef idx="minor">
+            <a:schemeClr val="tx1"/>
+          </a:fontRef>
+        </p:style>
+      </p:cxnSp>
+      <p:sp>
+        <p:nvSpPr>
+          <p:cNvPr id="19" name="テキスト ボックス 18">
+            <a:extLst>
+              <a:ext uri="{FF2B5EF4-FFF2-40B4-BE49-F238E27FC236}">
+                <a16:creationId xmlns:a16="http://schemas.microsoft.com/office/drawing/2014/main" id="{FB4F9AFC-62A5-42CC-AAB9-2CC1A6C0016E}"/>
+              </a:ext>
+            </a:extLst>
+          </p:cNvPr>
+          <p:cNvSpPr txBox="1"/>
+          <p:nvPr/>
+        </p:nvSpPr>
+        <p:spPr>
+          <a:xfrm>
+            <a:off x="6957252" y="8698142"/>
+            <a:ext cx="2427107" cy="523220"/>
+          </a:xfrm>
+          <a:prstGeom prst="rect">
+            <a:avLst/>
+          </a:prstGeom>
+          <a:noFill/>
+        </p:spPr>
+        <p:txBody>
+          <a:bodyPr wrap="square" rtlCol="0">
+            <a:spAutoFit/>
+          </a:bodyPr>
+          <a:lstStyle/>
+          <a:p>
+            <a:r>
+              <a:rPr kumimoji="1" lang="ja-JP" altLang="en-US" sz="2800" dirty="0"/>
+              <a:t>予測値</a:t>
+            </a:r>
+            <a:r>
+              <a:rPr kumimoji="1" lang="en-US" altLang="ja-JP" sz="2800" dirty="0"/>
+              <a:t>S</a:t>
+            </a:r>
+            <a:endParaRPr kumimoji="1" lang="ja-JP" altLang="en-US" sz="2800" dirty="0"/>
+          </a:p>
+        </p:txBody>
+      </p:sp>
+      <p:sp>
+        <p:nvSpPr>
+          <p:cNvPr id="20" name="テキスト ボックス 19">
+            <a:extLst>
+              <a:ext uri="{FF2B5EF4-FFF2-40B4-BE49-F238E27FC236}">
+                <a16:creationId xmlns:a16="http://schemas.microsoft.com/office/drawing/2014/main" id="{65E5ED2F-DCE7-47A6-AFCC-B4FE4B116D96}"/>
+              </a:ext>
+            </a:extLst>
+          </p:cNvPr>
+          <p:cNvSpPr txBox="1"/>
+          <p:nvPr/>
+        </p:nvSpPr>
+        <p:spPr>
+          <a:xfrm>
+            <a:off x="3518578" y="10894855"/>
+            <a:ext cx="1938007" cy="523220"/>
+          </a:xfrm>
+          <a:prstGeom prst="rect">
+            <a:avLst/>
+          </a:prstGeom>
+          <a:noFill/>
+        </p:spPr>
+        <p:txBody>
+          <a:bodyPr wrap="square" rtlCol="0">
+            <a:spAutoFit/>
+          </a:bodyPr>
+          <a:lstStyle/>
+          <a:p>
+            <a:r>
+              <a:rPr kumimoji="1" lang="en-US" altLang="ja-JP" sz="2800" dirty="0"/>
+              <a:t>B</a:t>
+            </a:r>
+            <a:r>
+              <a:rPr kumimoji="1" lang="ja-JP" altLang="en-US" sz="2800" dirty="0"/>
+              <a:t>の予測値</a:t>
+            </a:r>
+          </a:p>
+        </p:txBody>
+      </p:sp>
+      <p:sp>
+        <p:nvSpPr>
+          <p:cNvPr id="21" name="テキスト ボックス 20">
+            <a:extLst>
+              <a:ext uri="{FF2B5EF4-FFF2-40B4-BE49-F238E27FC236}">
+                <a16:creationId xmlns:a16="http://schemas.microsoft.com/office/drawing/2014/main" id="{544CB837-B49D-4183-A9BB-712CAF39313B}"/>
+              </a:ext>
+            </a:extLst>
+          </p:cNvPr>
+          <p:cNvSpPr txBox="1"/>
+          <p:nvPr/>
+        </p:nvSpPr>
+        <p:spPr>
+          <a:xfrm>
+            <a:off x="1595904" y="4175914"/>
+            <a:ext cx="2236140" cy="1384995"/>
+          </a:xfrm>
+          <a:prstGeom prst="rect">
+            <a:avLst/>
+          </a:prstGeom>
+          <a:noFill/>
+        </p:spPr>
+        <p:txBody>
+          <a:bodyPr wrap="square" rtlCol="0">
+            <a:spAutoFit/>
+          </a:bodyPr>
+          <a:lstStyle/>
+          <a:p>
+            <a:r>
+              <a:rPr kumimoji="1" lang="ja-JP" altLang="en-US" sz="2800" dirty="0"/>
+              <a:t>予測値から期待される正例割合</a:t>
+            </a:r>
+            <a:r>
+              <a:rPr kumimoji="1" lang="en-US" altLang="ja-JP" sz="2800" dirty="0"/>
+              <a:t>S</a:t>
+            </a:r>
+            <a:endParaRPr kumimoji="1" lang="ja-JP" altLang="en-US" sz="2800" dirty="0"/>
+          </a:p>
+        </p:txBody>
+      </p:sp>
+      <p:sp>
+        <p:nvSpPr>
+          <p:cNvPr id="22" name="テキスト ボックス 21">
+            <a:extLst>
+              <a:ext uri="{FF2B5EF4-FFF2-40B4-BE49-F238E27FC236}">
+                <a16:creationId xmlns:a16="http://schemas.microsoft.com/office/drawing/2014/main" id="{B453F669-E6EF-4F1F-895B-85D3183660F4}"/>
+              </a:ext>
+            </a:extLst>
+          </p:cNvPr>
+          <p:cNvSpPr txBox="1"/>
+          <p:nvPr/>
+        </p:nvSpPr>
+        <p:spPr>
+          <a:xfrm>
+            <a:off x="6499198" y="3481281"/>
+            <a:ext cx="1113418" cy="954107"/>
+          </a:xfrm>
+          <a:prstGeom prst="rect">
+            <a:avLst/>
+          </a:prstGeom>
+          <a:noFill/>
+        </p:spPr>
+        <p:txBody>
+          <a:bodyPr wrap="square" rtlCol="0">
+            <a:spAutoFit/>
+          </a:bodyPr>
+          <a:lstStyle/>
+          <a:p>
+            <a:r>
+              <a:rPr kumimoji="1" lang="ja-JP" altLang="en-US" sz="2800" dirty="0"/>
+              <a:t>誤差</a:t>
+            </a:r>
+            <a:endParaRPr kumimoji="1" lang="en-US" altLang="ja-JP" sz="2800" dirty="0"/>
+          </a:p>
+          <a:p>
+            <a:r>
+              <a:rPr kumimoji="1" lang="en-US" altLang="ja-JP" sz="2800" dirty="0"/>
+              <a:t>S</a:t>
+            </a:r>
+            <a:r>
+              <a:rPr kumimoji="1" lang="ja-JP" altLang="en-US" sz="2800" dirty="0"/>
+              <a:t> </a:t>
+            </a:r>
+            <a:r>
+              <a:rPr kumimoji="1" lang="en-US" altLang="ja-JP" sz="2800" dirty="0"/>
+              <a:t>-</a:t>
+            </a:r>
+            <a:r>
+              <a:rPr kumimoji="1" lang="ja-JP" altLang="en-US" sz="2800" dirty="0"/>
+              <a:t> </a:t>
+            </a:r>
+            <a:r>
+              <a:rPr kumimoji="1" lang="en-US" altLang="ja-JP" sz="2800" dirty="0"/>
+              <a:t>Y</a:t>
+            </a:r>
+            <a:endParaRPr kumimoji="1" lang="ja-JP" altLang="en-US" sz="2800" dirty="0"/>
+          </a:p>
+        </p:txBody>
+      </p:sp>
+      <p:sp>
+        <p:nvSpPr>
+          <p:cNvPr id="25" name="楕円 24">
+            <a:extLst>
+              <a:ext uri="{FF2B5EF4-FFF2-40B4-BE49-F238E27FC236}">
+                <a16:creationId xmlns:a16="http://schemas.microsoft.com/office/drawing/2014/main" id="{F6B703BF-0812-4181-9606-093FBE98566A}"/>
+              </a:ext>
+            </a:extLst>
+          </p:cNvPr>
+          <p:cNvSpPr/>
+          <p:nvPr/>
+        </p:nvSpPr>
+        <p:spPr>
+          <a:xfrm>
+            <a:off x="7322896" y="4560194"/>
+            <a:ext cx="309099" cy="309099"/>
+          </a:xfrm>
+          <a:prstGeom prst="ellipse">
+            <a:avLst/>
+          </a:prstGeom>
+          <a:solidFill>
+            <a:schemeClr val="tx1"/>
+          </a:solidFill>
+          <a:ln>
+            <a:solidFill>
+              <a:schemeClr val="tx1"/>
+            </a:solidFill>
+          </a:ln>
+        </p:spPr>
+        <p:style>
+          <a:lnRef idx="2">
+            <a:schemeClr val="accent1">
+              <a:shade val="50000"/>
+            </a:schemeClr>
+          </a:lnRef>
+          <a:fillRef idx="1">
+            <a:schemeClr val="accent1"/>
+          </a:fillRef>
+          <a:effectRef idx="0">
+            <a:schemeClr val="accent1"/>
+          </a:effectRef>
+          <a:fontRef idx="minor">
+            <a:schemeClr val="lt1"/>
+          </a:fontRef>
+        </p:style>
+        <p:txBody>
+          <a:bodyPr rtlCol="0" anchor="ctr"/>
+          <a:lstStyle/>
+          <a:p>
+            <a:pPr algn="ctr"/>
+            <a:endParaRPr kumimoji="1" lang="ja-JP" altLang="en-US"/>
+          </a:p>
+        </p:txBody>
+      </p:sp>
+      <p:sp>
+        <p:nvSpPr>
+          <p:cNvPr id="26" name="楕円 25">
+            <a:extLst>
+              <a:ext uri="{FF2B5EF4-FFF2-40B4-BE49-F238E27FC236}">
+                <a16:creationId xmlns:a16="http://schemas.microsoft.com/office/drawing/2014/main" id="{EC7E168B-659C-4969-98B4-5633964386D4}"/>
+              </a:ext>
+            </a:extLst>
+          </p:cNvPr>
+          <p:cNvSpPr/>
+          <p:nvPr/>
+        </p:nvSpPr>
+        <p:spPr>
+          <a:xfrm>
+            <a:off x="7303517" y="2982269"/>
+            <a:ext cx="309099" cy="309099"/>
+          </a:xfrm>
+          <a:prstGeom prst="ellipse">
+            <a:avLst/>
+          </a:prstGeom>
+          <a:solidFill>
+            <a:schemeClr val="tx1"/>
+          </a:solidFill>
+          <a:ln>
+            <a:solidFill>
+              <a:schemeClr val="tx1"/>
+            </a:solidFill>
+          </a:ln>
+        </p:spPr>
+        <p:style>
+          <a:lnRef idx="2">
+            <a:schemeClr val="accent1">
+              <a:shade val="50000"/>
+            </a:schemeClr>
+          </a:lnRef>
+          <a:fillRef idx="1">
+            <a:schemeClr val="accent1"/>
+          </a:fillRef>
+          <a:effectRef idx="0">
+            <a:schemeClr val="accent1"/>
+          </a:effectRef>
+          <a:fontRef idx="minor">
+            <a:schemeClr val="lt1"/>
+          </a:fontRef>
+        </p:style>
+        <p:txBody>
+          <a:bodyPr rtlCol="0" anchor="ctr"/>
+          <a:lstStyle/>
+          <a:p>
+            <a:pPr algn="ctr"/>
+            <a:endParaRPr kumimoji="1" lang="ja-JP" altLang="en-US"/>
+          </a:p>
+        </p:txBody>
+      </p:sp>
+      <p:sp>
+        <p:nvSpPr>
+          <p:cNvPr id="30" name="テキスト ボックス 29">
+            <a:extLst>
+              <a:ext uri="{FF2B5EF4-FFF2-40B4-BE49-F238E27FC236}">
+                <a16:creationId xmlns:a16="http://schemas.microsoft.com/office/drawing/2014/main" id="{098C6068-E8B8-4182-A2F0-0FF1B6CC942E}"/>
+              </a:ext>
+            </a:extLst>
+          </p:cNvPr>
+          <p:cNvSpPr txBox="1"/>
+          <p:nvPr/>
+        </p:nvSpPr>
+        <p:spPr>
+          <a:xfrm>
+            <a:off x="1595904" y="2759784"/>
+            <a:ext cx="2236140" cy="954107"/>
+          </a:xfrm>
+          <a:prstGeom prst="rect">
+            <a:avLst/>
+          </a:prstGeom>
+          <a:noFill/>
+        </p:spPr>
+        <p:txBody>
+          <a:bodyPr wrap="square" rtlCol="0">
+            <a:spAutoFit/>
+          </a:bodyPr>
+          <a:lstStyle/>
+          <a:p>
+            <a:r>
+              <a:rPr kumimoji="1" lang="ja-JP" altLang="en-US" sz="2800" dirty="0"/>
+              <a:t>実際の</a:t>
+            </a:r>
+            <a:endParaRPr kumimoji="1" lang="en-US" altLang="ja-JP" sz="2800" dirty="0"/>
+          </a:p>
+          <a:p>
+            <a:r>
+              <a:rPr kumimoji="1" lang="ja-JP" altLang="en-US" sz="2800" dirty="0"/>
+              <a:t>正例割合</a:t>
+            </a:r>
+            <a:r>
+              <a:rPr kumimoji="1" lang="en-US" altLang="ja-JP" sz="2800" dirty="0"/>
+              <a:t>Y</a:t>
+            </a:r>
+            <a:endParaRPr kumimoji="1" lang="ja-JP" altLang="en-US" sz="2800" dirty="0"/>
+          </a:p>
+        </p:txBody>
+      </p:sp>
+    </p:spTree>
+    <p:extLst>
+      <p:ext uri="{BB962C8B-B14F-4D97-AF65-F5344CB8AC3E}">
+        <p14:creationId xmlns:p14="http://schemas.microsoft.com/office/powerpoint/2010/main" val="4081986659"/>
+      </p:ext>
+    </p:extLst>
+  </p:cSld>
+  <p:clrMapOvr>
+    <a:masterClrMapping/>
+  </p:clrMapOvr>
+</p:sld>
+</file>
+
+<file path=ppt/slides/slide15.xml><?xml version="1.0" encoding="utf-8"?>
+<p:sld xmlns:a="http://schemas.openxmlformats.org/drawingml/2006/main" xmlns:r="http://schemas.openxmlformats.org/officeDocument/2006/relationships" xmlns:p="http://schemas.openxmlformats.org/presentationml/2006/main">
+  <p:cSld>
+    <p:spTree>
+      <p:nvGrpSpPr>
+        <p:cNvPr id="1" name=""/>
+        <p:cNvGrpSpPr/>
+        <p:nvPr/>
+      </p:nvGrpSpPr>
+      <p:grpSpPr>
+        <a:xfrm>
+          <a:off x="0" y="0"/>
+          <a:ext cx="0" cy="0"/>
+          <a:chOff x="0" y="0"/>
+          <a:chExt cx="0" cy="0"/>
+        </a:xfrm>
+      </p:grpSpPr>
+      <p:sp>
+        <p:nvSpPr>
+          <p:cNvPr id="4" name="正方形/長方形 3">
+            <a:extLst>
+              <a:ext uri="{FF2B5EF4-FFF2-40B4-BE49-F238E27FC236}">
+                <a16:creationId xmlns:a16="http://schemas.microsoft.com/office/drawing/2014/main" id="{3B102B3B-B74C-4EFD-8C93-067E0DC7EB3A}"/>
+              </a:ext>
+            </a:extLst>
+          </p:cNvPr>
+          <p:cNvSpPr/>
+          <p:nvPr/>
+        </p:nvSpPr>
+        <p:spPr>
+          <a:xfrm>
+            <a:off x="2061348" y="574529"/>
+            <a:ext cx="3654814" cy="3654814"/>
+          </a:xfrm>
+          <a:prstGeom prst="rect">
+            <a:avLst/>
+          </a:prstGeom>
+          <a:noFill/>
+          <a:ln>
+            <a:solidFill>
+              <a:schemeClr val="tx1"/>
+            </a:solidFill>
+          </a:ln>
+        </p:spPr>
+        <p:style>
+          <a:lnRef idx="2">
+            <a:schemeClr val="accent1">
+              <a:shade val="50000"/>
+            </a:schemeClr>
+          </a:lnRef>
+          <a:fillRef idx="1">
+            <a:schemeClr val="accent1"/>
+          </a:fillRef>
+          <a:effectRef idx="0">
+            <a:schemeClr val="accent1"/>
+          </a:effectRef>
+          <a:fontRef idx="minor">
+            <a:schemeClr val="lt1"/>
+          </a:fontRef>
+        </p:style>
+        <p:txBody>
+          <a:bodyPr rtlCol="0" anchor="ctr"/>
+          <a:lstStyle/>
+          <a:p>
+            <a:pPr algn="ctr"/>
+            <a:endParaRPr kumimoji="1" lang="ja-JP" altLang="en-US" sz="1200"/>
+          </a:p>
+        </p:txBody>
+      </p:sp>
+      <p:cxnSp>
+        <p:nvCxnSpPr>
+          <p:cNvPr id="5" name="直線コネクタ 4">
+            <a:extLst>
+              <a:ext uri="{FF2B5EF4-FFF2-40B4-BE49-F238E27FC236}">
+                <a16:creationId xmlns:a16="http://schemas.microsoft.com/office/drawing/2014/main" id="{162EC49F-A9F9-4D93-A1F3-908861D5F7C6}"/>
+              </a:ext>
+            </a:extLst>
+          </p:cNvPr>
+          <p:cNvCxnSpPr>
+            <a:cxnSpLocks/>
+          </p:cNvCxnSpPr>
+          <p:nvPr/>
+        </p:nvCxnSpPr>
+        <p:spPr>
+          <a:xfrm flipH="1">
+            <a:off x="2056866" y="600819"/>
+            <a:ext cx="3650543" cy="3628524"/>
+          </a:xfrm>
+          <a:prstGeom prst="line">
+            <a:avLst/>
+          </a:prstGeom>
+          <a:ln>
+            <a:solidFill>
+              <a:schemeClr val="tx1"/>
+            </a:solidFill>
+            <a:prstDash val="lgDash"/>
+          </a:ln>
+        </p:spPr>
+        <p:style>
+          <a:lnRef idx="1">
+            <a:schemeClr val="accent1"/>
+          </a:lnRef>
+          <a:fillRef idx="0">
+            <a:schemeClr val="accent1"/>
+          </a:fillRef>
+          <a:effectRef idx="0">
+            <a:schemeClr val="accent1"/>
+          </a:effectRef>
+          <a:fontRef idx="minor">
+            <a:schemeClr val="tx1"/>
+          </a:fontRef>
+        </p:style>
+      </p:cxnSp>
+      <p:sp>
+        <p:nvSpPr>
+          <p:cNvPr id="6" name="テキスト ボックス 5">
+            <a:extLst>
+              <a:ext uri="{FF2B5EF4-FFF2-40B4-BE49-F238E27FC236}">
+                <a16:creationId xmlns:a16="http://schemas.microsoft.com/office/drawing/2014/main" id="{E476D444-A7DA-44C2-8BC4-D9C510448D65}"/>
+              </a:ext>
+            </a:extLst>
+          </p:cNvPr>
+          <p:cNvSpPr txBox="1"/>
+          <p:nvPr/>
+        </p:nvSpPr>
+        <p:spPr>
+          <a:xfrm>
+            <a:off x="3014885" y="4356362"/>
+            <a:ext cx="1938007" cy="584775"/>
+          </a:xfrm>
+          <a:prstGeom prst="rect">
+            <a:avLst/>
+          </a:prstGeom>
+          <a:noFill/>
+        </p:spPr>
+        <p:txBody>
+          <a:bodyPr wrap="square" rtlCol="0">
+            <a:spAutoFit/>
+          </a:bodyPr>
+          <a:lstStyle/>
+          <a:p>
+            <a:r>
+              <a:rPr kumimoji="1" lang="ja-JP" altLang="en-US" sz="3200" dirty="0"/>
+              <a:t>予測値</a:t>
+            </a:r>
+          </a:p>
+        </p:txBody>
+      </p:sp>
+      <p:sp>
+        <p:nvSpPr>
+          <p:cNvPr id="7" name="テキスト ボックス 6">
+            <a:extLst>
+              <a:ext uri="{FF2B5EF4-FFF2-40B4-BE49-F238E27FC236}">
+                <a16:creationId xmlns:a16="http://schemas.microsoft.com/office/drawing/2014/main" id="{8D1C334C-3C04-44ED-9D29-F76769B4B799}"/>
+              </a:ext>
+            </a:extLst>
+          </p:cNvPr>
+          <p:cNvSpPr txBox="1"/>
+          <p:nvPr/>
+        </p:nvSpPr>
+        <p:spPr>
+          <a:xfrm>
+            <a:off x="5503906" y="4255633"/>
+            <a:ext cx="800024" cy="584775"/>
+          </a:xfrm>
+          <a:prstGeom prst="rect">
+            <a:avLst/>
+          </a:prstGeom>
+          <a:noFill/>
+        </p:spPr>
+        <p:txBody>
+          <a:bodyPr wrap="square" rtlCol="0">
+            <a:spAutoFit/>
+          </a:bodyPr>
+          <a:lstStyle/>
+          <a:p>
+            <a:r>
+              <a:rPr kumimoji="1" lang="en-US" altLang="ja-JP" sz="3200" dirty="0"/>
+              <a:t>1</a:t>
+            </a:r>
+            <a:endParaRPr kumimoji="1" lang="ja-JP" altLang="en-US" sz="3200" dirty="0"/>
+          </a:p>
+        </p:txBody>
+      </p:sp>
+      <p:sp>
+        <p:nvSpPr>
+          <p:cNvPr id="8" name="テキスト ボックス 7">
+            <a:extLst>
+              <a:ext uri="{FF2B5EF4-FFF2-40B4-BE49-F238E27FC236}">
+                <a16:creationId xmlns:a16="http://schemas.microsoft.com/office/drawing/2014/main" id="{0FDD4FD4-CDC0-40B1-873F-5485C8DFEBF4}"/>
+              </a:ext>
+            </a:extLst>
+          </p:cNvPr>
+          <p:cNvSpPr txBox="1"/>
+          <p:nvPr/>
+        </p:nvSpPr>
+        <p:spPr>
+          <a:xfrm>
+            <a:off x="1712392" y="4365557"/>
+            <a:ext cx="925235" cy="584775"/>
+          </a:xfrm>
+          <a:prstGeom prst="rect">
+            <a:avLst/>
+          </a:prstGeom>
+          <a:noFill/>
+        </p:spPr>
+        <p:txBody>
+          <a:bodyPr wrap="square" rtlCol="0">
+            <a:spAutoFit/>
+          </a:bodyPr>
+          <a:lstStyle/>
+          <a:p>
+            <a:r>
+              <a:rPr kumimoji="1" lang="en-US" altLang="ja-JP" sz="3200" dirty="0"/>
+              <a:t>0</a:t>
+            </a:r>
+            <a:r>
+              <a:rPr kumimoji="1" lang="ja-JP" altLang="en-US" sz="3200" dirty="0"/>
+              <a:t> </a:t>
+            </a:r>
+          </a:p>
+        </p:txBody>
+      </p:sp>
+      <p:sp>
+        <p:nvSpPr>
+          <p:cNvPr id="9" name="テキスト ボックス 8">
+            <a:extLst>
+              <a:ext uri="{FF2B5EF4-FFF2-40B4-BE49-F238E27FC236}">
+                <a16:creationId xmlns:a16="http://schemas.microsoft.com/office/drawing/2014/main" id="{D16D3FCC-9132-4243-B877-0529FB9C5AF8}"/>
+              </a:ext>
+            </a:extLst>
+          </p:cNvPr>
+          <p:cNvSpPr txBox="1"/>
+          <p:nvPr/>
+        </p:nvSpPr>
+        <p:spPr>
+          <a:xfrm>
+            <a:off x="1488418" y="199138"/>
+            <a:ext cx="925235" cy="584775"/>
+          </a:xfrm>
+          <a:prstGeom prst="rect">
+            <a:avLst/>
+          </a:prstGeom>
+          <a:noFill/>
+        </p:spPr>
+        <p:txBody>
+          <a:bodyPr wrap="square" rtlCol="0">
+            <a:spAutoFit/>
+          </a:bodyPr>
+          <a:lstStyle/>
+          <a:p>
+            <a:r>
+              <a:rPr kumimoji="1" lang="en-US" altLang="ja-JP" sz="3200" dirty="0"/>
+              <a:t>1</a:t>
+            </a:r>
+            <a:endParaRPr kumimoji="1" lang="ja-JP" altLang="en-US" sz="3200" dirty="0"/>
+          </a:p>
+        </p:txBody>
+      </p:sp>
+      <p:cxnSp>
+        <p:nvCxnSpPr>
+          <p:cNvPr id="10" name="直線コネクタ 9">
+            <a:extLst>
+              <a:ext uri="{FF2B5EF4-FFF2-40B4-BE49-F238E27FC236}">
+                <a16:creationId xmlns:a16="http://schemas.microsoft.com/office/drawing/2014/main" id="{8211A334-664D-4D27-B3C1-BFC81AE98D20}"/>
+              </a:ext>
+            </a:extLst>
+          </p:cNvPr>
+          <p:cNvCxnSpPr>
+            <a:cxnSpLocks/>
+          </p:cNvCxnSpPr>
+          <p:nvPr/>
+        </p:nvCxnSpPr>
+        <p:spPr>
+          <a:xfrm>
+            <a:off x="16987915" y="5903439"/>
+            <a:ext cx="0" cy="3722582"/>
+          </a:xfrm>
+          <a:prstGeom prst="line">
+            <a:avLst/>
+          </a:prstGeom>
+          <a:ln>
+            <a:solidFill>
+              <a:schemeClr val="tx1"/>
+            </a:solidFill>
+            <a:prstDash val="dash"/>
+            <a:headEnd type="triangle" w="lg" len="lg"/>
+          </a:ln>
+        </p:spPr>
+        <p:style>
+          <a:lnRef idx="1">
+            <a:schemeClr val="accent1"/>
+          </a:lnRef>
+          <a:fillRef idx="0">
+            <a:schemeClr val="accent1"/>
+          </a:fillRef>
+          <a:effectRef idx="0">
+            <a:schemeClr val="accent1"/>
+          </a:effectRef>
+          <a:fontRef idx="minor">
+            <a:schemeClr val="tx1"/>
+          </a:fontRef>
+        </p:style>
+      </p:cxnSp>
+      <p:cxnSp>
+        <p:nvCxnSpPr>
+          <p:cNvPr id="11" name="直線コネクタ 10">
+            <a:extLst>
+              <a:ext uri="{FF2B5EF4-FFF2-40B4-BE49-F238E27FC236}">
+                <a16:creationId xmlns:a16="http://schemas.microsoft.com/office/drawing/2014/main" id="{DDF1DB3F-9609-43B6-9A13-E2F8FCA903D5}"/>
+              </a:ext>
+            </a:extLst>
+          </p:cNvPr>
+          <p:cNvCxnSpPr>
+            <a:cxnSpLocks/>
+          </p:cNvCxnSpPr>
+          <p:nvPr/>
+        </p:nvCxnSpPr>
+        <p:spPr>
+          <a:xfrm>
+            <a:off x="17349340" y="3773093"/>
+            <a:ext cx="3872203" cy="0"/>
+          </a:xfrm>
+          <a:prstGeom prst="line">
+            <a:avLst/>
+          </a:prstGeom>
+          <a:ln>
+            <a:solidFill>
+              <a:schemeClr val="tx1"/>
+            </a:solidFill>
+            <a:prstDash val="dash"/>
+            <a:headEnd type="triangle" w="lg" len="lg"/>
+          </a:ln>
+        </p:spPr>
+        <p:style>
+          <a:lnRef idx="1">
+            <a:schemeClr val="accent1"/>
+          </a:lnRef>
+          <a:fillRef idx="0">
+            <a:schemeClr val="accent1"/>
+          </a:fillRef>
+          <a:effectRef idx="0">
+            <a:schemeClr val="accent1"/>
+          </a:effectRef>
+          <a:fontRef idx="minor">
+            <a:schemeClr val="tx1"/>
+          </a:fontRef>
+        </p:style>
+      </p:cxnSp>
+      <p:sp>
+        <p:nvSpPr>
+          <p:cNvPr id="12" name="テキスト ボックス 11">
+            <a:extLst>
+              <a:ext uri="{FF2B5EF4-FFF2-40B4-BE49-F238E27FC236}">
+                <a16:creationId xmlns:a16="http://schemas.microsoft.com/office/drawing/2014/main" id="{58877B4E-47D0-40E5-93A4-00EA55BD6C9F}"/>
+              </a:ext>
+            </a:extLst>
+          </p:cNvPr>
+          <p:cNvSpPr txBox="1"/>
+          <p:nvPr/>
+        </p:nvSpPr>
+        <p:spPr>
+          <a:xfrm>
+            <a:off x="154390" y="2109548"/>
+            <a:ext cx="2483237" cy="584775"/>
+          </a:xfrm>
+          <a:prstGeom prst="rect">
+            <a:avLst/>
+          </a:prstGeom>
+          <a:noFill/>
+        </p:spPr>
+        <p:txBody>
+          <a:bodyPr wrap="square" rtlCol="0">
+            <a:spAutoFit/>
+          </a:bodyPr>
+          <a:lstStyle/>
+          <a:p>
+            <a:r>
+              <a:rPr kumimoji="1" lang="ja-JP" altLang="en-US" sz="3200" dirty="0"/>
+              <a:t>正例割合</a:t>
+            </a:r>
+          </a:p>
+        </p:txBody>
+      </p:sp>
+      <p:cxnSp>
+        <p:nvCxnSpPr>
+          <p:cNvPr id="17" name="直線コネクタ 16">
+            <a:extLst>
+              <a:ext uri="{FF2B5EF4-FFF2-40B4-BE49-F238E27FC236}">
+                <a16:creationId xmlns:a16="http://schemas.microsoft.com/office/drawing/2014/main" id="{AC27914E-692B-4F60-96F2-49F3503C0D92}"/>
+              </a:ext>
+            </a:extLst>
+          </p:cNvPr>
+          <p:cNvCxnSpPr>
+            <a:cxnSpLocks/>
+          </p:cNvCxnSpPr>
+          <p:nvPr/>
+        </p:nvCxnSpPr>
+        <p:spPr>
+          <a:xfrm>
+            <a:off x="16591717" y="1133110"/>
+            <a:ext cx="15147" cy="1268826"/>
+          </a:xfrm>
+          <a:prstGeom prst="line">
+            <a:avLst/>
+          </a:prstGeom>
+          <a:ln>
+            <a:solidFill>
+              <a:schemeClr val="tx1"/>
+            </a:solidFill>
+            <a:prstDash val="dash"/>
+            <a:headEnd type="triangle" w="lg" len="lg"/>
+            <a:tailEnd type="triangle" w="lg" len="lg"/>
+          </a:ln>
+        </p:spPr>
+        <p:style>
+          <a:lnRef idx="1">
+            <a:schemeClr val="accent1"/>
+          </a:lnRef>
+          <a:fillRef idx="0">
+            <a:schemeClr val="accent1"/>
+          </a:fillRef>
+          <a:effectRef idx="0">
+            <a:schemeClr val="accent1"/>
+          </a:effectRef>
+          <a:fontRef idx="minor">
+            <a:schemeClr val="tx1"/>
+          </a:fontRef>
+        </p:style>
+      </p:cxnSp>
+      <p:cxnSp>
+        <p:nvCxnSpPr>
+          <p:cNvPr id="18" name="直線コネクタ 17">
+            <a:extLst>
+              <a:ext uri="{FF2B5EF4-FFF2-40B4-BE49-F238E27FC236}">
+                <a16:creationId xmlns:a16="http://schemas.microsoft.com/office/drawing/2014/main" id="{9194DAE5-627E-44E7-97A2-998B04CCA739}"/>
+              </a:ext>
+            </a:extLst>
+          </p:cNvPr>
+          <p:cNvCxnSpPr>
+            <a:cxnSpLocks/>
+          </p:cNvCxnSpPr>
+          <p:nvPr/>
+        </p:nvCxnSpPr>
+        <p:spPr>
+          <a:xfrm>
+            <a:off x="17349340" y="6765071"/>
+            <a:ext cx="3872204" cy="0"/>
+          </a:xfrm>
+          <a:prstGeom prst="line">
+            <a:avLst/>
+          </a:prstGeom>
+          <a:ln>
+            <a:solidFill>
+              <a:schemeClr val="tx1"/>
+            </a:solidFill>
+            <a:prstDash val="dash"/>
+            <a:headEnd type="triangle" w="lg" len="lg"/>
+          </a:ln>
+        </p:spPr>
+        <p:style>
+          <a:lnRef idx="1">
+            <a:schemeClr val="accent1"/>
+          </a:lnRef>
+          <a:fillRef idx="0">
+            <a:schemeClr val="accent1"/>
+          </a:fillRef>
+          <a:effectRef idx="0">
+            <a:schemeClr val="accent1"/>
+          </a:effectRef>
+          <a:fontRef idx="minor">
+            <a:schemeClr val="tx1"/>
+          </a:fontRef>
+        </p:style>
+      </p:cxnSp>
+      <p:sp>
+        <p:nvSpPr>
+          <p:cNvPr id="19" name="テキスト ボックス 18">
+            <a:extLst>
+              <a:ext uri="{FF2B5EF4-FFF2-40B4-BE49-F238E27FC236}">
+                <a16:creationId xmlns:a16="http://schemas.microsoft.com/office/drawing/2014/main" id="{FB4F9AFC-62A5-42CC-AAB9-2CC1A6C0016E}"/>
+              </a:ext>
+            </a:extLst>
+          </p:cNvPr>
+          <p:cNvSpPr txBox="1"/>
+          <p:nvPr/>
+        </p:nvSpPr>
+        <p:spPr>
+          <a:xfrm>
+            <a:off x="18794436" y="7938155"/>
+            <a:ext cx="2427107" cy="523220"/>
+          </a:xfrm>
+          <a:prstGeom prst="rect">
+            <a:avLst/>
+          </a:prstGeom>
+          <a:noFill/>
+        </p:spPr>
+        <p:txBody>
+          <a:bodyPr wrap="square" rtlCol="0">
+            <a:spAutoFit/>
+          </a:bodyPr>
+          <a:lstStyle/>
+          <a:p>
+            <a:r>
+              <a:rPr kumimoji="1" lang="ja-JP" altLang="en-US" sz="2800" dirty="0"/>
+              <a:t>予測値</a:t>
+            </a:r>
+            <a:r>
+              <a:rPr kumimoji="1" lang="en-US" altLang="ja-JP" sz="2800" dirty="0"/>
+              <a:t>S</a:t>
+            </a:r>
+            <a:endParaRPr kumimoji="1" lang="ja-JP" altLang="en-US" sz="2800" dirty="0"/>
+          </a:p>
+        </p:txBody>
+      </p:sp>
+      <p:sp>
+        <p:nvSpPr>
+          <p:cNvPr id="21" name="テキスト ボックス 20">
+            <a:extLst>
+              <a:ext uri="{FF2B5EF4-FFF2-40B4-BE49-F238E27FC236}">
+                <a16:creationId xmlns:a16="http://schemas.microsoft.com/office/drawing/2014/main" id="{544CB837-B49D-4183-A9BB-712CAF39313B}"/>
+              </a:ext>
+            </a:extLst>
+          </p:cNvPr>
+          <p:cNvSpPr txBox="1"/>
+          <p:nvPr/>
+        </p:nvSpPr>
+        <p:spPr>
+          <a:xfrm>
+            <a:off x="16852564" y="4175913"/>
+            <a:ext cx="2236140" cy="1384995"/>
+          </a:xfrm>
+          <a:prstGeom prst="rect">
+            <a:avLst/>
+          </a:prstGeom>
+          <a:noFill/>
+        </p:spPr>
+        <p:txBody>
+          <a:bodyPr wrap="square" rtlCol="0">
+            <a:spAutoFit/>
+          </a:bodyPr>
+          <a:lstStyle/>
+          <a:p>
+            <a:r>
+              <a:rPr kumimoji="1" lang="ja-JP" altLang="en-US" sz="2800" dirty="0"/>
+              <a:t>予測値から期待される正例割合</a:t>
+            </a:r>
+            <a:r>
+              <a:rPr kumimoji="1" lang="en-US" altLang="ja-JP" sz="2800" dirty="0"/>
+              <a:t>S</a:t>
+            </a:r>
+            <a:endParaRPr kumimoji="1" lang="ja-JP" altLang="en-US" sz="2800" dirty="0"/>
+          </a:p>
+        </p:txBody>
+      </p:sp>
+      <p:sp>
+        <p:nvSpPr>
+          <p:cNvPr id="22" name="テキスト ボックス 21">
+            <a:extLst>
+              <a:ext uri="{FF2B5EF4-FFF2-40B4-BE49-F238E27FC236}">
+                <a16:creationId xmlns:a16="http://schemas.microsoft.com/office/drawing/2014/main" id="{B453F669-E6EF-4F1F-895B-85D3183660F4}"/>
+              </a:ext>
+            </a:extLst>
+          </p:cNvPr>
+          <p:cNvSpPr txBox="1"/>
+          <p:nvPr/>
+        </p:nvSpPr>
+        <p:spPr>
+          <a:xfrm>
+            <a:off x="20030857" y="8426151"/>
+            <a:ext cx="1113418" cy="954107"/>
+          </a:xfrm>
+          <a:prstGeom prst="rect">
+            <a:avLst/>
+          </a:prstGeom>
+          <a:noFill/>
+        </p:spPr>
+        <p:txBody>
+          <a:bodyPr wrap="square" rtlCol="0">
+            <a:spAutoFit/>
+          </a:bodyPr>
+          <a:lstStyle/>
+          <a:p>
+            <a:r>
+              <a:rPr kumimoji="1" lang="ja-JP" altLang="en-US" sz="2800" dirty="0"/>
+              <a:t>誤差</a:t>
+            </a:r>
+            <a:endParaRPr kumimoji="1" lang="en-US" altLang="ja-JP" sz="2800" dirty="0"/>
+          </a:p>
+          <a:p>
+            <a:r>
+              <a:rPr kumimoji="1" lang="en-US" altLang="ja-JP" sz="2800" dirty="0"/>
+              <a:t>S</a:t>
+            </a:r>
+            <a:r>
+              <a:rPr kumimoji="1" lang="ja-JP" altLang="en-US" sz="2800" dirty="0"/>
+              <a:t> </a:t>
+            </a:r>
+            <a:r>
+              <a:rPr kumimoji="1" lang="en-US" altLang="ja-JP" sz="2800" dirty="0"/>
+              <a:t>-</a:t>
+            </a:r>
+            <a:r>
+              <a:rPr kumimoji="1" lang="ja-JP" altLang="en-US" sz="2800" dirty="0"/>
+              <a:t> </a:t>
+            </a:r>
+            <a:r>
+              <a:rPr kumimoji="1" lang="en-US" altLang="ja-JP" sz="2800" dirty="0"/>
+              <a:t>Y</a:t>
+            </a:r>
+            <a:endParaRPr kumimoji="1" lang="ja-JP" altLang="en-US" sz="2800" dirty="0"/>
+          </a:p>
+        </p:txBody>
+      </p:sp>
+      <p:sp>
+        <p:nvSpPr>
+          <p:cNvPr id="25" name="楕円 24">
+            <a:extLst>
+              <a:ext uri="{FF2B5EF4-FFF2-40B4-BE49-F238E27FC236}">
+                <a16:creationId xmlns:a16="http://schemas.microsoft.com/office/drawing/2014/main" id="{F6B703BF-0812-4181-9606-093FBE98566A}"/>
+              </a:ext>
+            </a:extLst>
+          </p:cNvPr>
+          <p:cNvSpPr/>
+          <p:nvPr/>
+        </p:nvSpPr>
+        <p:spPr>
+          <a:xfrm>
+            <a:off x="5503906" y="446269"/>
+            <a:ext cx="309099" cy="309099"/>
+          </a:xfrm>
+          <a:prstGeom prst="ellipse">
+            <a:avLst/>
+          </a:prstGeom>
+          <a:solidFill>
+            <a:schemeClr val="tx1"/>
+          </a:solidFill>
+          <a:ln>
+            <a:solidFill>
+              <a:schemeClr val="tx1"/>
+            </a:solidFill>
+          </a:ln>
+        </p:spPr>
+        <p:style>
+          <a:lnRef idx="2">
+            <a:schemeClr val="accent1">
+              <a:shade val="50000"/>
+            </a:schemeClr>
+          </a:lnRef>
+          <a:fillRef idx="1">
+            <a:schemeClr val="accent1"/>
+          </a:fillRef>
+          <a:effectRef idx="0">
+            <a:schemeClr val="accent1"/>
+          </a:effectRef>
+          <a:fontRef idx="minor">
+            <a:schemeClr val="lt1"/>
+          </a:fontRef>
+        </p:style>
+        <p:txBody>
+          <a:bodyPr rtlCol="0" anchor="ctr"/>
+          <a:lstStyle/>
+          <a:p>
+            <a:pPr algn="ctr"/>
+            <a:endParaRPr kumimoji="1" lang="ja-JP" altLang="en-US" sz="1200"/>
+          </a:p>
+        </p:txBody>
+      </p:sp>
+      <p:sp>
+        <p:nvSpPr>
+          <p:cNvPr id="26" name="楕円 25">
+            <a:extLst>
+              <a:ext uri="{FF2B5EF4-FFF2-40B4-BE49-F238E27FC236}">
+                <a16:creationId xmlns:a16="http://schemas.microsoft.com/office/drawing/2014/main" id="{EC7E168B-659C-4969-98B4-5633964386D4}"/>
+              </a:ext>
+            </a:extLst>
+          </p:cNvPr>
+          <p:cNvSpPr/>
+          <p:nvPr/>
+        </p:nvSpPr>
+        <p:spPr>
+          <a:xfrm>
+            <a:off x="1951270" y="4047263"/>
+            <a:ext cx="309099" cy="309099"/>
+          </a:xfrm>
+          <a:prstGeom prst="ellipse">
+            <a:avLst/>
+          </a:prstGeom>
+          <a:solidFill>
+            <a:schemeClr val="tx1"/>
+          </a:solidFill>
+          <a:ln>
+            <a:solidFill>
+              <a:schemeClr val="tx1"/>
+            </a:solidFill>
+          </a:ln>
+        </p:spPr>
+        <p:style>
+          <a:lnRef idx="2">
+            <a:schemeClr val="accent1">
+              <a:shade val="50000"/>
+            </a:schemeClr>
+          </a:lnRef>
+          <a:fillRef idx="1">
+            <a:schemeClr val="accent1"/>
+          </a:fillRef>
+          <a:effectRef idx="0">
+            <a:schemeClr val="accent1"/>
+          </a:effectRef>
+          <a:fontRef idx="minor">
+            <a:schemeClr val="lt1"/>
+          </a:fontRef>
+        </p:style>
+        <p:txBody>
+          <a:bodyPr rtlCol="0" anchor="ctr"/>
+          <a:lstStyle/>
+          <a:p>
+            <a:pPr algn="ctr"/>
+            <a:endParaRPr kumimoji="1" lang="ja-JP" altLang="en-US" sz="1200"/>
+          </a:p>
+        </p:txBody>
+      </p:sp>
+      <p:sp>
+        <p:nvSpPr>
+          <p:cNvPr id="30" name="テキスト ボックス 29">
+            <a:extLst>
+              <a:ext uri="{FF2B5EF4-FFF2-40B4-BE49-F238E27FC236}">
+                <a16:creationId xmlns:a16="http://schemas.microsoft.com/office/drawing/2014/main" id="{098C6068-E8B8-4182-A2F0-0FF1B6CC942E}"/>
+              </a:ext>
+            </a:extLst>
+          </p:cNvPr>
+          <p:cNvSpPr txBox="1"/>
+          <p:nvPr/>
+        </p:nvSpPr>
+        <p:spPr>
+          <a:xfrm>
+            <a:off x="16852564" y="2759783"/>
+            <a:ext cx="2236140" cy="954107"/>
+          </a:xfrm>
+          <a:prstGeom prst="rect">
+            <a:avLst/>
+          </a:prstGeom>
+          <a:noFill/>
+        </p:spPr>
+        <p:txBody>
+          <a:bodyPr wrap="square" rtlCol="0">
+            <a:spAutoFit/>
+          </a:bodyPr>
+          <a:lstStyle/>
+          <a:p>
+            <a:r>
+              <a:rPr kumimoji="1" lang="ja-JP" altLang="en-US" sz="2800" dirty="0"/>
+              <a:t>実際の</a:t>
+            </a:r>
+            <a:endParaRPr kumimoji="1" lang="en-US" altLang="ja-JP" sz="2800" dirty="0"/>
+          </a:p>
+          <a:p>
+            <a:r>
+              <a:rPr kumimoji="1" lang="ja-JP" altLang="en-US" sz="2800" dirty="0"/>
+              <a:t>正例割合</a:t>
+            </a:r>
+            <a:r>
+              <a:rPr kumimoji="1" lang="en-US" altLang="ja-JP" sz="2800" dirty="0"/>
+              <a:t>Y</a:t>
+            </a:r>
+            <a:endParaRPr kumimoji="1" lang="ja-JP" altLang="en-US" sz="2800" dirty="0"/>
+          </a:p>
+        </p:txBody>
+      </p:sp>
+      <p:sp>
+        <p:nvSpPr>
+          <p:cNvPr id="27" name="テキスト ボックス 26">
+            <a:extLst>
+              <a:ext uri="{FF2B5EF4-FFF2-40B4-BE49-F238E27FC236}">
+                <a16:creationId xmlns:a16="http://schemas.microsoft.com/office/drawing/2014/main" id="{909B77FB-1413-46BE-851F-4DE1913E3EA9}"/>
+              </a:ext>
+            </a:extLst>
+          </p:cNvPr>
+          <p:cNvSpPr txBox="1"/>
+          <p:nvPr/>
+        </p:nvSpPr>
+        <p:spPr>
+          <a:xfrm>
+            <a:off x="2316615" y="742367"/>
+            <a:ext cx="3390794" cy="1077218"/>
+          </a:xfrm>
+          <a:prstGeom prst="rect">
+            <a:avLst/>
+          </a:prstGeom>
+          <a:noFill/>
+        </p:spPr>
+        <p:txBody>
+          <a:bodyPr wrap="square" rtlCol="0">
+            <a:spAutoFit/>
+          </a:bodyPr>
+          <a:lstStyle/>
+          <a:p>
+            <a:r>
+              <a:rPr kumimoji="1" lang="en-US" altLang="ja-JP" sz="3200" dirty="0" err="1"/>
+              <a:t>Logloss</a:t>
+            </a:r>
+            <a:r>
+              <a:rPr kumimoji="1" lang="en-US" altLang="ja-JP" sz="3200" dirty="0"/>
+              <a:t> = 0</a:t>
+            </a:r>
+          </a:p>
+          <a:p>
+            <a:r>
+              <a:rPr kumimoji="1" lang="en-US" altLang="ja-JP" sz="3200" dirty="0"/>
+              <a:t>RMSE = 0</a:t>
+            </a:r>
+            <a:endParaRPr kumimoji="1" lang="ja-JP" altLang="en-US" sz="3200" dirty="0"/>
+          </a:p>
+        </p:txBody>
+      </p:sp>
+      <p:sp>
+        <p:nvSpPr>
+          <p:cNvPr id="28" name="正方形/長方形 27">
+            <a:extLst>
+              <a:ext uri="{FF2B5EF4-FFF2-40B4-BE49-F238E27FC236}">
+                <a16:creationId xmlns:a16="http://schemas.microsoft.com/office/drawing/2014/main" id="{F422B96E-5405-46C9-B51A-C8052649E6F6}"/>
+              </a:ext>
+            </a:extLst>
+          </p:cNvPr>
+          <p:cNvSpPr/>
+          <p:nvPr/>
+        </p:nvSpPr>
+        <p:spPr>
+          <a:xfrm>
+            <a:off x="6907592" y="521099"/>
+            <a:ext cx="3654814" cy="3654814"/>
+          </a:xfrm>
+          <a:prstGeom prst="rect">
+            <a:avLst/>
+          </a:prstGeom>
+          <a:noFill/>
+          <a:ln>
+            <a:solidFill>
+              <a:schemeClr val="tx1"/>
+            </a:solidFill>
+          </a:ln>
+        </p:spPr>
+        <p:style>
+          <a:lnRef idx="2">
+            <a:schemeClr val="accent1">
+              <a:shade val="50000"/>
+            </a:schemeClr>
+          </a:lnRef>
+          <a:fillRef idx="1">
+            <a:schemeClr val="accent1"/>
+          </a:fillRef>
+          <a:effectRef idx="0">
+            <a:schemeClr val="accent1"/>
+          </a:effectRef>
+          <a:fontRef idx="minor">
+            <a:schemeClr val="lt1"/>
+          </a:fontRef>
+        </p:style>
+        <p:txBody>
+          <a:bodyPr rtlCol="0" anchor="ctr"/>
+          <a:lstStyle/>
+          <a:p>
+            <a:pPr algn="ctr"/>
+            <a:endParaRPr kumimoji="1" lang="ja-JP" altLang="en-US" sz="1200"/>
+          </a:p>
+        </p:txBody>
+      </p:sp>
+      <p:cxnSp>
+        <p:nvCxnSpPr>
+          <p:cNvPr id="29" name="直線コネクタ 28">
+            <a:extLst>
+              <a:ext uri="{FF2B5EF4-FFF2-40B4-BE49-F238E27FC236}">
+                <a16:creationId xmlns:a16="http://schemas.microsoft.com/office/drawing/2014/main" id="{3352D2EA-5946-4080-97BF-9EDF9A4AE267}"/>
+              </a:ext>
+            </a:extLst>
+          </p:cNvPr>
+          <p:cNvCxnSpPr>
+            <a:cxnSpLocks/>
+          </p:cNvCxnSpPr>
+          <p:nvPr/>
+        </p:nvCxnSpPr>
+        <p:spPr>
+          <a:xfrm flipH="1">
+            <a:off x="6903110" y="547389"/>
+            <a:ext cx="3650543" cy="3628524"/>
+          </a:xfrm>
+          <a:prstGeom prst="line">
+            <a:avLst/>
+          </a:prstGeom>
+          <a:ln>
+            <a:solidFill>
+              <a:schemeClr val="tx1"/>
+            </a:solidFill>
+            <a:prstDash val="lgDash"/>
+          </a:ln>
+        </p:spPr>
+        <p:style>
+          <a:lnRef idx="1">
+            <a:schemeClr val="accent1"/>
+          </a:lnRef>
+          <a:fillRef idx="0">
+            <a:schemeClr val="accent1"/>
+          </a:fillRef>
+          <a:effectRef idx="0">
+            <a:schemeClr val="accent1"/>
+          </a:effectRef>
+          <a:fontRef idx="minor">
+            <a:schemeClr val="tx1"/>
+          </a:fontRef>
+        </p:style>
+      </p:cxnSp>
+      <p:sp>
+        <p:nvSpPr>
+          <p:cNvPr id="31" name="テキスト ボックス 30">
+            <a:extLst>
+              <a:ext uri="{FF2B5EF4-FFF2-40B4-BE49-F238E27FC236}">
+                <a16:creationId xmlns:a16="http://schemas.microsoft.com/office/drawing/2014/main" id="{4A5F64F4-BDA2-4ADD-90EA-E047E5A5AFCE}"/>
+              </a:ext>
+            </a:extLst>
+          </p:cNvPr>
+          <p:cNvSpPr txBox="1"/>
+          <p:nvPr/>
+        </p:nvSpPr>
+        <p:spPr>
+          <a:xfrm>
+            <a:off x="7861129" y="4302932"/>
+            <a:ext cx="1938007" cy="584775"/>
+          </a:xfrm>
+          <a:prstGeom prst="rect">
+            <a:avLst/>
+          </a:prstGeom>
+          <a:noFill/>
+        </p:spPr>
+        <p:txBody>
+          <a:bodyPr wrap="square" rtlCol="0">
+            <a:spAutoFit/>
+          </a:bodyPr>
+          <a:lstStyle/>
+          <a:p>
+            <a:r>
+              <a:rPr kumimoji="1" lang="ja-JP" altLang="en-US" sz="3200" dirty="0"/>
+              <a:t>予測値</a:t>
+            </a:r>
+          </a:p>
+        </p:txBody>
+      </p:sp>
+      <p:sp>
+        <p:nvSpPr>
+          <p:cNvPr id="32" name="テキスト ボックス 31">
+            <a:extLst>
+              <a:ext uri="{FF2B5EF4-FFF2-40B4-BE49-F238E27FC236}">
+                <a16:creationId xmlns:a16="http://schemas.microsoft.com/office/drawing/2014/main" id="{37196F62-6525-4C98-BA9B-FD3E061DA150}"/>
+              </a:ext>
+            </a:extLst>
+          </p:cNvPr>
+          <p:cNvSpPr txBox="1"/>
+          <p:nvPr/>
+        </p:nvSpPr>
+        <p:spPr>
+          <a:xfrm>
+            <a:off x="10350150" y="4202203"/>
+            <a:ext cx="800024" cy="584775"/>
+          </a:xfrm>
+          <a:prstGeom prst="rect">
+            <a:avLst/>
+          </a:prstGeom>
+          <a:noFill/>
+        </p:spPr>
+        <p:txBody>
+          <a:bodyPr wrap="square" rtlCol="0">
+            <a:spAutoFit/>
+          </a:bodyPr>
+          <a:lstStyle/>
+          <a:p>
+            <a:r>
+              <a:rPr kumimoji="1" lang="en-US" altLang="ja-JP" sz="3200" dirty="0"/>
+              <a:t>1</a:t>
+            </a:r>
+            <a:endParaRPr kumimoji="1" lang="ja-JP" altLang="en-US" sz="3200" dirty="0"/>
+          </a:p>
+        </p:txBody>
+      </p:sp>
+      <p:sp>
+        <p:nvSpPr>
+          <p:cNvPr id="33" name="テキスト ボックス 32">
+            <a:extLst>
+              <a:ext uri="{FF2B5EF4-FFF2-40B4-BE49-F238E27FC236}">
+                <a16:creationId xmlns:a16="http://schemas.microsoft.com/office/drawing/2014/main" id="{678CDCDB-2836-4C25-9FDB-DFC374D4AACD}"/>
+              </a:ext>
+            </a:extLst>
+          </p:cNvPr>
+          <p:cNvSpPr txBox="1"/>
+          <p:nvPr/>
+        </p:nvSpPr>
+        <p:spPr>
+          <a:xfrm>
+            <a:off x="6558636" y="4312127"/>
+            <a:ext cx="925235" cy="584775"/>
+          </a:xfrm>
+          <a:prstGeom prst="rect">
+            <a:avLst/>
+          </a:prstGeom>
+          <a:noFill/>
+        </p:spPr>
+        <p:txBody>
+          <a:bodyPr wrap="square" rtlCol="0">
+            <a:spAutoFit/>
+          </a:bodyPr>
+          <a:lstStyle/>
+          <a:p>
+            <a:r>
+              <a:rPr kumimoji="1" lang="en-US" altLang="ja-JP" sz="3200" dirty="0"/>
+              <a:t>0</a:t>
+            </a:r>
+            <a:r>
+              <a:rPr kumimoji="1" lang="ja-JP" altLang="en-US" sz="3200" dirty="0"/>
+              <a:t> </a:t>
+            </a:r>
+          </a:p>
+        </p:txBody>
+      </p:sp>
+      <p:sp>
+        <p:nvSpPr>
+          <p:cNvPr id="34" name="テキスト ボックス 33">
+            <a:extLst>
+              <a:ext uri="{FF2B5EF4-FFF2-40B4-BE49-F238E27FC236}">
+                <a16:creationId xmlns:a16="http://schemas.microsoft.com/office/drawing/2014/main" id="{170BACE9-3DC2-4791-8D75-83947458488A}"/>
+              </a:ext>
+            </a:extLst>
+          </p:cNvPr>
+          <p:cNvSpPr txBox="1"/>
+          <p:nvPr/>
+        </p:nvSpPr>
+        <p:spPr>
+          <a:xfrm>
+            <a:off x="6334662" y="145708"/>
+            <a:ext cx="925235" cy="584775"/>
+          </a:xfrm>
+          <a:prstGeom prst="rect">
+            <a:avLst/>
+          </a:prstGeom>
+          <a:noFill/>
+        </p:spPr>
+        <p:txBody>
+          <a:bodyPr wrap="square" rtlCol="0">
+            <a:spAutoFit/>
+          </a:bodyPr>
+          <a:lstStyle/>
+          <a:p>
+            <a:r>
+              <a:rPr kumimoji="1" lang="en-US" altLang="ja-JP" sz="3200" dirty="0"/>
+              <a:t>1</a:t>
+            </a:r>
+            <a:endParaRPr kumimoji="1" lang="ja-JP" altLang="en-US" sz="3200" dirty="0"/>
+          </a:p>
+        </p:txBody>
+      </p:sp>
+      <p:sp>
+        <p:nvSpPr>
+          <p:cNvPr id="36" name="楕円 35">
+            <a:extLst>
+              <a:ext uri="{FF2B5EF4-FFF2-40B4-BE49-F238E27FC236}">
+                <a16:creationId xmlns:a16="http://schemas.microsoft.com/office/drawing/2014/main" id="{77C7D7A0-BB3F-4657-8C16-A80A035EA17D}"/>
+              </a:ext>
+            </a:extLst>
+          </p:cNvPr>
+          <p:cNvSpPr/>
+          <p:nvPr/>
+        </p:nvSpPr>
+        <p:spPr>
+          <a:xfrm>
+            <a:off x="10350150" y="392839"/>
+            <a:ext cx="309099" cy="309099"/>
+          </a:xfrm>
+          <a:prstGeom prst="ellipse">
+            <a:avLst/>
+          </a:prstGeom>
+          <a:solidFill>
+            <a:schemeClr val="tx1"/>
+          </a:solidFill>
+          <a:ln>
+            <a:solidFill>
+              <a:schemeClr val="tx1"/>
+            </a:solidFill>
+          </a:ln>
+        </p:spPr>
+        <p:style>
+          <a:lnRef idx="2">
+            <a:schemeClr val="accent1">
+              <a:shade val="50000"/>
+            </a:schemeClr>
+          </a:lnRef>
+          <a:fillRef idx="1">
+            <a:schemeClr val="accent1"/>
+          </a:fillRef>
+          <a:effectRef idx="0">
+            <a:schemeClr val="accent1"/>
+          </a:effectRef>
+          <a:fontRef idx="minor">
+            <a:schemeClr val="lt1"/>
+          </a:fontRef>
+        </p:style>
+        <p:txBody>
+          <a:bodyPr rtlCol="0" anchor="ctr"/>
+          <a:lstStyle/>
+          <a:p>
+            <a:pPr algn="ctr"/>
+            <a:endParaRPr kumimoji="1" lang="ja-JP" altLang="en-US" sz="1200"/>
+          </a:p>
+        </p:txBody>
+      </p:sp>
+      <p:sp>
+        <p:nvSpPr>
+          <p:cNvPr id="37" name="楕円 36">
+            <a:extLst>
+              <a:ext uri="{FF2B5EF4-FFF2-40B4-BE49-F238E27FC236}">
+                <a16:creationId xmlns:a16="http://schemas.microsoft.com/office/drawing/2014/main" id="{A34290C0-C7BB-4AE4-847B-3611879E1909}"/>
+              </a:ext>
+            </a:extLst>
+          </p:cNvPr>
+          <p:cNvSpPr/>
+          <p:nvPr/>
+        </p:nvSpPr>
+        <p:spPr>
+          <a:xfrm>
+            <a:off x="6797514" y="3993833"/>
+            <a:ext cx="309099" cy="309099"/>
+          </a:xfrm>
+          <a:prstGeom prst="ellipse">
+            <a:avLst/>
+          </a:prstGeom>
+          <a:solidFill>
+            <a:schemeClr val="tx1"/>
+          </a:solidFill>
+          <a:ln>
+            <a:solidFill>
+              <a:schemeClr val="tx1"/>
+            </a:solidFill>
+          </a:ln>
+        </p:spPr>
+        <p:style>
+          <a:lnRef idx="2">
+            <a:schemeClr val="accent1">
+              <a:shade val="50000"/>
+            </a:schemeClr>
+          </a:lnRef>
+          <a:fillRef idx="1">
+            <a:schemeClr val="accent1"/>
+          </a:fillRef>
+          <a:effectRef idx="0">
+            <a:schemeClr val="accent1"/>
+          </a:effectRef>
+          <a:fontRef idx="minor">
+            <a:schemeClr val="lt1"/>
+          </a:fontRef>
+        </p:style>
+        <p:txBody>
+          <a:bodyPr rtlCol="0" anchor="ctr"/>
+          <a:lstStyle/>
+          <a:p>
+            <a:pPr algn="ctr"/>
+            <a:endParaRPr kumimoji="1" lang="ja-JP" altLang="en-US" sz="1200"/>
+          </a:p>
+        </p:txBody>
+      </p:sp>
+      <p:sp>
+        <p:nvSpPr>
+          <p:cNvPr id="38" name="テキスト ボックス 37">
+            <a:extLst>
+              <a:ext uri="{FF2B5EF4-FFF2-40B4-BE49-F238E27FC236}">
+                <a16:creationId xmlns:a16="http://schemas.microsoft.com/office/drawing/2014/main" id="{1D6472D6-D860-4EB3-913D-6A4202ED0564}"/>
+              </a:ext>
+            </a:extLst>
+          </p:cNvPr>
+          <p:cNvSpPr txBox="1"/>
+          <p:nvPr/>
+        </p:nvSpPr>
+        <p:spPr>
+          <a:xfrm>
+            <a:off x="7162859" y="688937"/>
+            <a:ext cx="3390794" cy="1077218"/>
+          </a:xfrm>
+          <a:prstGeom prst="rect">
+            <a:avLst/>
+          </a:prstGeom>
+          <a:noFill/>
+        </p:spPr>
+        <p:txBody>
+          <a:bodyPr wrap="square" rtlCol="0">
+            <a:spAutoFit/>
+          </a:bodyPr>
+          <a:lstStyle/>
+          <a:p>
+            <a:r>
+              <a:rPr kumimoji="1" lang="en-US" altLang="ja-JP" sz="3200" dirty="0" err="1"/>
+              <a:t>Logloss</a:t>
+            </a:r>
+            <a:r>
+              <a:rPr kumimoji="1" lang="en-US" altLang="ja-JP" sz="3200" dirty="0"/>
+              <a:t> &gt; 0</a:t>
+            </a:r>
+          </a:p>
+          <a:p>
+            <a:r>
+              <a:rPr kumimoji="1" lang="en-US" altLang="ja-JP" sz="3200" dirty="0"/>
+              <a:t>RMSE = 0</a:t>
+            </a:r>
+            <a:endParaRPr kumimoji="1" lang="ja-JP" altLang="en-US" sz="3200" dirty="0"/>
+          </a:p>
+        </p:txBody>
+      </p:sp>
+      <p:sp>
+        <p:nvSpPr>
+          <p:cNvPr id="39" name="楕円 38">
+            <a:extLst>
+              <a:ext uri="{FF2B5EF4-FFF2-40B4-BE49-F238E27FC236}">
+                <a16:creationId xmlns:a16="http://schemas.microsoft.com/office/drawing/2014/main" id="{6C488774-46D2-40E7-AFBD-A082D858560D}"/>
+              </a:ext>
+            </a:extLst>
+          </p:cNvPr>
+          <p:cNvSpPr/>
+          <p:nvPr/>
+        </p:nvSpPr>
+        <p:spPr>
+          <a:xfrm>
+            <a:off x="9644586" y="1072996"/>
+            <a:ext cx="309099" cy="309099"/>
+          </a:xfrm>
+          <a:prstGeom prst="ellipse">
+            <a:avLst/>
+          </a:prstGeom>
+          <a:solidFill>
+            <a:schemeClr val="tx1"/>
+          </a:solidFill>
+          <a:ln>
+            <a:solidFill>
+              <a:schemeClr val="tx1"/>
+            </a:solidFill>
+          </a:ln>
+        </p:spPr>
+        <p:style>
+          <a:lnRef idx="2">
+            <a:schemeClr val="accent1">
+              <a:shade val="50000"/>
+            </a:schemeClr>
+          </a:lnRef>
+          <a:fillRef idx="1">
+            <a:schemeClr val="accent1"/>
+          </a:fillRef>
+          <a:effectRef idx="0">
+            <a:schemeClr val="accent1"/>
+          </a:effectRef>
+          <a:fontRef idx="minor">
+            <a:schemeClr val="lt1"/>
+          </a:fontRef>
+        </p:style>
+        <p:txBody>
+          <a:bodyPr rtlCol="0" anchor="ctr"/>
+          <a:lstStyle/>
+          <a:p>
+            <a:pPr algn="ctr"/>
+            <a:endParaRPr kumimoji="1" lang="ja-JP" altLang="en-US" sz="1200"/>
+          </a:p>
+        </p:txBody>
+      </p:sp>
+      <p:sp>
+        <p:nvSpPr>
+          <p:cNvPr id="40" name="楕円 39">
+            <a:extLst>
+              <a:ext uri="{FF2B5EF4-FFF2-40B4-BE49-F238E27FC236}">
+                <a16:creationId xmlns:a16="http://schemas.microsoft.com/office/drawing/2014/main" id="{E3EC3F29-F8AD-4F24-8D92-C1CA97A00B0A}"/>
+              </a:ext>
+            </a:extLst>
+          </p:cNvPr>
+          <p:cNvSpPr/>
+          <p:nvPr/>
+        </p:nvSpPr>
+        <p:spPr>
+          <a:xfrm>
+            <a:off x="8860248" y="1893174"/>
+            <a:ext cx="309099" cy="309099"/>
+          </a:xfrm>
+          <a:prstGeom prst="ellipse">
+            <a:avLst/>
+          </a:prstGeom>
+          <a:solidFill>
+            <a:schemeClr val="tx1"/>
+          </a:solidFill>
+          <a:ln>
+            <a:solidFill>
+              <a:schemeClr val="tx1"/>
+            </a:solidFill>
+          </a:ln>
+        </p:spPr>
+        <p:style>
+          <a:lnRef idx="2">
+            <a:schemeClr val="accent1">
+              <a:shade val="50000"/>
+            </a:schemeClr>
+          </a:lnRef>
+          <a:fillRef idx="1">
+            <a:schemeClr val="accent1"/>
+          </a:fillRef>
+          <a:effectRef idx="0">
+            <a:schemeClr val="accent1"/>
+          </a:effectRef>
+          <a:fontRef idx="minor">
+            <a:schemeClr val="lt1"/>
+          </a:fontRef>
+        </p:style>
+        <p:txBody>
+          <a:bodyPr rtlCol="0" anchor="ctr"/>
+          <a:lstStyle/>
+          <a:p>
+            <a:pPr algn="ctr"/>
+            <a:endParaRPr kumimoji="1" lang="ja-JP" altLang="en-US" sz="1200"/>
+          </a:p>
+        </p:txBody>
+      </p:sp>
+      <p:sp>
+        <p:nvSpPr>
+          <p:cNvPr id="41" name="楕円 40">
+            <a:extLst>
+              <a:ext uri="{FF2B5EF4-FFF2-40B4-BE49-F238E27FC236}">
+                <a16:creationId xmlns:a16="http://schemas.microsoft.com/office/drawing/2014/main" id="{186EED73-114F-40F0-8A6A-803D3FF330D2}"/>
+              </a:ext>
+            </a:extLst>
+          </p:cNvPr>
+          <p:cNvSpPr/>
+          <p:nvPr/>
+        </p:nvSpPr>
+        <p:spPr>
+          <a:xfrm>
+            <a:off x="8241180" y="2539773"/>
+            <a:ext cx="309099" cy="309099"/>
+          </a:xfrm>
+          <a:prstGeom prst="ellipse">
+            <a:avLst/>
+          </a:prstGeom>
+          <a:solidFill>
+            <a:schemeClr val="tx1"/>
+          </a:solidFill>
+          <a:ln>
+            <a:solidFill>
+              <a:schemeClr val="tx1"/>
+            </a:solidFill>
+          </a:ln>
+        </p:spPr>
+        <p:style>
+          <a:lnRef idx="2">
+            <a:schemeClr val="accent1">
+              <a:shade val="50000"/>
+            </a:schemeClr>
+          </a:lnRef>
+          <a:fillRef idx="1">
+            <a:schemeClr val="accent1"/>
+          </a:fillRef>
+          <a:effectRef idx="0">
+            <a:schemeClr val="accent1"/>
+          </a:effectRef>
+          <a:fontRef idx="minor">
+            <a:schemeClr val="lt1"/>
+          </a:fontRef>
+        </p:style>
+        <p:txBody>
+          <a:bodyPr rtlCol="0" anchor="ctr"/>
+          <a:lstStyle/>
+          <a:p>
+            <a:pPr algn="ctr"/>
+            <a:endParaRPr kumimoji="1" lang="ja-JP" altLang="en-US" sz="1200"/>
+          </a:p>
+        </p:txBody>
+      </p:sp>
+      <p:sp>
+        <p:nvSpPr>
+          <p:cNvPr id="42" name="楕円 41">
+            <a:extLst>
+              <a:ext uri="{FF2B5EF4-FFF2-40B4-BE49-F238E27FC236}">
+                <a16:creationId xmlns:a16="http://schemas.microsoft.com/office/drawing/2014/main" id="{01A4B480-D1C0-48E4-9B2A-D30020C23B8A}"/>
+              </a:ext>
+            </a:extLst>
+          </p:cNvPr>
+          <p:cNvSpPr/>
+          <p:nvPr/>
+        </p:nvSpPr>
+        <p:spPr>
+          <a:xfrm>
+            <a:off x="7561308" y="3236836"/>
+            <a:ext cx="309099" cy="309099"/>
+          </a:xfrm>
+          <a:prstGeom prst="ellipse">
+            <a:avLst/>
+          </a:prstGeom>
+          <a:solidFill>
+            <a:schemeClr val="tx1"/>
+          </a:solidFill>
+          <a:ln>
+            <a:solidFill>
+              <a:schemeClr val="tx1"/>
+            </a:solidFill>
+          </a:ln>
+        </p:spPr>
+        <p:style>
+          <a:lnRef idx="2">
+            <a:schemeClr val="accent1">
+              <a:shade val="50000"/>
+            </a:schemeClr>
+          </a:lnRef>
+          <a:fillRef idx="1">
+            <a:schemeClr val="accent1"/>
+          </a:fillRef>
+          <a:effectRef idx="0">
+            <a:schemeClr val="accent1"/>
+          </a:effectRef>
+          <a:fontRef idx="minor">
+            <a:schemeClr val="lt1"/>
+          </a:fontRef>
+        </p:style>
+        <p:txBody>
+          <a:bodyPr rtlCol="0" anchor="ctr"/>
+          <a:lstStyle/>
+          <a:p>
+            <a:pPr algn="ctr"/>
+            <a:endParaRPr kumimoji="1" lang="ja-JP" altLang="en-US" sz="1200"/>
+          </a:p>
+        </p:txBody>
+      </p:sp>
+      <p:sp>
+        <p:nvSpPr>
+          <p:cNvPr id="43" name="正方形/長方形 42">
+            <a:extLst>
+              <a:ext uri="{FF2B5EF4-FFF2-40B4-BE49-F238E27FC236}">
+                <a16:creationId xmlns:a16="http://schemas.microsoft.com/office/drawing/2014/main" id="{6AA82FC9-4575-4250-BB0C-7A4598F2DDE1}"/>
+              </a:ext>
+            </a:extLst>
+          </p:cNvPr>
+          <p:cNvSpPr/>
+          <p:nvPr/>
+        </p:nvSpPr>
+        <p:spPr>
+          <a:xfrm>
+            <a:off x="11853643" y="521099"/>
+            <a:ext cx="3654814" cy="3654814"/>
+          </a:xfrm>
+          <a:prstGeom prst="rect">
+            <a:avLst/>
+          </a:prstGeom>
+          <a:noFill/>
+          <a:ln>
+            <a:solidFill>
+              <a:schemeClr val="tx1"/>
+            </a:solidFill>
+          </a:ln>
+        </p:spPr>
+        <p:style>
+          <a:lnRef idx="2">
+            <a:schemeClr val="accent1">
+              <a:shade val="50000"/>
+            </a:schemeClr>
+          </a:lnRef>
+          <a:fillRef idx="1">
+            <a:schemeClr val="accent1"/>
+          </a:fillRef>
+          <a:effectRef idx="0">
+            <a:schemeClr val="accent1"/>
+          </a:effectRef>
+          <a:fontRef idx="minor">
+            <a:schemeClr val="lt1"/>
+          </a:fontRef>
+        </p:style>
+        <p:txBody>
+          <a:bodyPr rtlCol="0" anchor="ctr"/>
+          <a:lstStyle/>
+          <a:p>
+            <a:pPr algn="ctr"/>
+            <a:endParaRPr kumimoji="1" lang="ja-JP" altLang="en-US" sz="1200"/>
+          </a:p>
+        </p:txBody>
+      </p:sp>
+      <p:cxnSp>
+        <p:nvCxnSpPr>
+          <p:cNvPr id="44" name="直線コネクタ 43">
+            <a:extLst>
+              <a:ext uri="{FF2B5EF4-FFF2-40B4-BE49-F238E27FC236}">
+                <a16:creationId xmlns:a16="http://schemas.microsoft.com/office/drawing/2014/main" id="{92CB999C-B951-46F7-916E-C53A7AF945E0}"/>
+              </a:ext>
+            </a:extLst>
+          </p:cNvPr>
+          <p:cNvCxnSpPr>
+            <a:cxnSpLocks/>
+          </p:cNvCxnSpPr>
+          <p:nvPr/>
+        </p:nvCxnSpPr>
+        <p:spPr>
+          <a:xfrm flipH="1">
+            <a:off x="11849161" y="547389"/>
+            <a:ext cx="3650543" cy="3628524"/>
+          </a:xfrm>
+          <a:prstGeom prst="line">
+            <a:avLst/>
+          </a:prstGeom>
+          <a:ln>
+            <a:solidFill>
+              <a:schemeClr val="tx1"/>
+            </a:solidFill>
+            <a:prstDash val="lgDash"/>
+          </a:ln>
+        </p:spPr>
+        <p:style>
+          <a:lnRef idx="1">
+            <a:schemeClr val="accent1"/>
+          </a:lnRef>
+          <a:fillRef idx="0">
+            <a:schemeClr val="accent1"/>
+          </a:fillRef>
+          <a:effectRef idx="0">
+            <a:schemeClr val="accent1"/>
+          </a:effectRef>
+          <a:fontRef idx="minor">
+            <a:schemeClr val="tx1"/>
+          </a:fontRef>
+        </p:style>
+      </p:cxnSp>
+      <p:sp>
+        <p:nvSpPr>
+          <p:cNvPr id="45" name="テキスト ボックス 44">
+            <a:extLst>
+              <a:ext uri="{FF2B5EF4-FFF2-40B4-BE49-F238E27FC236}">
+                <a16:creationId xmlns:a16="http://schemas.microsoft.com/office/drawing/2014/main" id="{954371CB-EF78-43D4-B6D4-45A05D716EB8}"/>
+              </a:ext>
+            </a:extLst>
+          </p:cNvPr>
+          <p:cNvSpPr txBox="1"/>
+          <p:nvPr/>
+        </p:nvSpPr>
+        <p:spPr>
+          <a:xfrm>
+            <a:off x="12807180" y="4302932"/>
+            <a:ext cx="1938007" cy="584775"/>
+          </a:xfrm>
+          <a:prstGeom prst="rect">
+            <a:avLst/>
+          </a:prstGeom>
+          <a:noFill/>
+        </p:spPr>
+        <p:txBody>
+          <a:bodyPr wrap="square" rtlCol="0">
+            <a:spAutoFit/>
+          </a:bodyPr>
+          <a:lstStyle/>
+          <a:p>
+            <a:r>
+              <a:rPr kumimoji="1" lang="ja-JP" altLang="en-US" sz="3200" dirty="0"/>
+              <a:t>予測値</a:t>
+            </a:r>
+          </a:p>
+        </p:txBody>
+      </p:sp>
+      <p:sp>
+        <p:nvSpPr>
+          <p:cNvPr id="46" name="テキスト ボックス 45">
+            <a:extLst>
+              <a:ext uri="{FF2B5EF4-FFF2-40B4-BE49-F238E27FC236}">
+                <a16:creationId xmlns:a16="http://schemas.microsoft.com/office/drawing/2014/main" id="{3C6FEC0D-27C0-4E05-8E38-9316C6272F63}"/>
+              </a:ext>
+            </a:extLst>
+          </p:cNvPr>
+          <p:cNvSpPr txBox="1"/>
+          <p:nvPr/>
+        </p:nvSpPr>
+        <p:spPr>
+          <a:xfrm>
+            <a:off x="15296201" y="4202203"/>
+            <a:ext cx="800024" cy="584775"/>
+          </a:xfrm>
+          <a:prstGeom prst="rect">
+            <a:avLst/>
+          </a:prstGeom>
+          <a:noFill/>
+        </p:spPr>
+        <p:txBody>
+          <a:bodyPr wrap="square" rtlCol="0">
+            <a:spAutoFit/>
+          </a:bodyPr>
+          <a:lstStyle/>
+          <a:p>
+            <a:r>
+              <a:rPr kumimoji="1" lang="en-US" altLang="ja-JP" sz="3200" dirty="0"/>
+              <a:t>1</a:t>
+            </a:r>
+            <a:endParaRPr kumimoji="1" lang="ja-JP" altLang="en-US" sz="3200" dirty="0"/>
+          </a:p>
+        </p:txBody>
+      </p:sp>
+      <p:sp>
+        <p:nvSpPr>
+          <p:cNvPr id="47" name="テキスト ボックス 46">
+            <a:extLst>
+              <a:ext uri="{FF2B5EF4-FFF2-40B4-BE49-F238E27FC236}">
+                <a16:creationId xmlns:a16="http://schemas.microsoft.com/office/drawing/2014/main" id="{CD1E87F8-45AB-4B1B-9F5D-7153DCD90DA6}"/>
+              </a:ext>
+            </a:extLst>
+          </p:cNvPr>
+          <p:cNvSpPr txBox="1"/>
+          <p:nvPr/>
+        </p:nvSpPr>
+        <p:spPr>
+          <a:xfrm>
+            <a:off x="11504687" y="4312127"/>
+            <a:ext cx="925235" cy="584775"/>
+          </a:xfrm>
+          <a:prstGeom prst="rect">
+            <a:avLst/>
+          </a:prstGeom>
+          <a:noFill/>
+        </p:spPr>
+        <p:txBody>
+          <a:bodyPr wrap="square" rtlCol="0">
+            <a:spAutoFit/>
+          </a:bodyPr>
+          <a:lstStyle/>
+          <a:p>
+            <a:r>
+              <a:rPr kumimoji="1" lang="en-US" altLang="ja-JP" sz="3200" dirty="0"/>
+              <a:t>0</a:t>
+            </a:r>
+            <a:r>
+              <a:rPr kumimoji="1" lang="ja-JP" altLang="en-US" sz="3200" dirty="0"/>
+              <a:t> </a:t>
+            </a:r>
+          </a:p>
+        </p:txBody>
+      </p:sp>
+      <p:sp>
+        <p:nvSpPr>
+          <p:cNvPr id="48" name="テキスト ボックス 47">
+            <a:extLst>
+              <a:ext uri="{FF2B5EF4-FFF2-40B4-BE49-F238E27FC236}">
+                <a16:creationId xmlns:a16="http://schemas.microsoft.com/office/drawing/2014/main" id="{732D1D62-F93E-41AA-ADEF-3BFB2AA5C514}"/>
+              </a:ext>
+            </a:extLst>
+          </p:cNvPr>
+          <p:cNvSpPr txBox="1"/>
+          <p:nvPr/>
+        </p:nvSpPr>
+        <p:spPr>
+          <a:xfrm>
+            <a:off x="11280713" y="145708"/>
+            <a:ext cx="925235" cy="584775"/>
+          </a:xfrm>
+          <a:prstGeom prst="rect">
+            <a:avLst/>
+          </a:prstGeom>
+          <a:noFill/>
+        </p:spPr>
+        <p:txBody>
+          <a:bodyPr wrap="square" rtlCol="0">
+            <a:spAutoFit/>
+          </a:bodyPr>
+          <a:lstStyle/>
+          <a:p>
+            <a:r>
+              <a:rPr kumimoji="1" lang="en-US" altLang="ja-JP" sz="3200" dirty="0"/>
+              <a:t>1</a:t>
+            </a:r>
+            <a:endParaRPr kumimoji="1" lang="ja-JP" altLang="en-US" sz="3200" dirty="0"/>
+          </a:p>
+        </p:txBody>
+      </p:sp>
+      <p:sp>
+        <p:nvSpPr>
+          <p:cNvPr id="49" name="楕円 48">
+            <a:extLst>
+              <a:ext uri="{FF2B5EF4-FFF2-40B4-BE49-F238E27FC236}">
+                <a16:creationId xmlns:a16="http://schemas.microsoft.com/office/drawing/2014/main" id="{06A2D247-9E73-4DF0-B8E8-C58E50CDC04D}"/>
+              </a:ext>
+            </a:extLst>
+          </p:cNvPr>
+          <p:cNvSpPr/>
+          <p:nvPr/>
+        </p:nvSpPr>
+        <p:spPr>
+          <a:xfrm>
+            <a:off x="14987102" y="610323"/>
+            <a:ext cx="309099" cy="309099"/>
+          </a:xfrm>
+          <a:prstGeom prst="ellipse">
+            <a:avLst/>
+          </a:prstGeom>
+          <a:solidFill>
+            <a:schemeClr val="tx1"/>
+          </a:solidFill>
+          <a:ln>
+            <a:solidFill>
+              <a:schemeClr val="tx1"/>
+            </a:solidFill>
+          </a:ln>
+        </p:spPr>
+        <p:style>
+          <a:lnRef idx="2">
+            <a:schemeClr val="accent1">
+              <a:shade val="50000"/>
+            </a:schemeClr>
+          </a:lnRef>
+          <a:fillRef idx="1">
+            <a:schemeClr val="accent1"/>
+          </a:fillRef>
+          <a:effectRef idx="0">
+            <a:schemeClr val="accent1"/>
+          </a:effectRef>
+          <a:fontRef idx="minor">
+            <a:schemeClr val="lt1"/>
+          </a:fontRef>
+        </p:style>
+        <p:txBody>
+          <a:bodyPr rtlCol="0" anchor="ctr"/>
+          <a:lstStyle/>
+          <a:p>
+            <a:pPr algn="ctr"/>
+            <a:endParaRPr kumimoji="1" lang="ja-JP" altLang="en-US" sz="1200"/>
+          </a:p>
+        </p:txBody>
+      </p:sp>
+      <p:sp>
+        <p:nvSpPr>
+          <p:cNvPr id="50" name="楕円 49">
+            <a:extLst>
+              <a:ext uri="{FF2B5EF4-FFF2-40B4-BE49-F238E27FC236}">
+                <a16:creationId xmlns:a16="http://schemas.microsoft.com/office/drawing/2014/main" id="{C59F798B-A424-4ED9-AA6B-E8D785446925}"/>
+              </a:ext>
+            </a:extLst>
+          </p:cNvPr>
+          <p:cNvSpPr/>
+          <p:nvPr/>
+        </p:nvSpPr>
+        <p:spPr>
+          <a:xfrm>
+            <a:off x="12092615" y="3866814"/>
+            <a:ext cx="309099" cy="309099"/>
+          </a:xfrm>
+          <a:prstGeom prst="ellipse">
+            <a:avLst/>
+          </a:prstGeom>
+          <a:solidFill>
+            <a:schemeClr val="tx1"/>
+          </a:solidFill>
+          <a:ln>
+            <a:solidFill>
+              <a:schemeClr val="tx1"/>
+            </a:solidFill>
+          </a:ln>
+        </p:spPr>
+        <p:style>
+          <a:lnRef idx="2">
+            <a:schemeClr val="accent1">
+              <a:shade val="50000"/>
+            </a:schemeClr>
+          </a:lnRef>
+          <a:fillRef idx="1">
+            <a:schemeClr val="accent1"/>
+          </a:fillRef>
+          <a:effectRef idx="0">
+            <a:schemeClr val="accent1"/>
+          </a:effectRef>
+          <a:fontRef idx="minor">
+            <a:schemeClr val="lt1"/>
+          </a:fontRef>
+        </p:style>
+        <p:txBody>
+          <a:bodyPr rtlCol="0" anchor="ctr"/>
+          <a:lstStyle/>
+          <a:p>
+            <a:pPr algn="ctr"/>
+            <a:endParaRPr kumimoji="1" lang="ja-JP" altLang="en-US" sz="1200"/>
+          </a:p>
+        </p:txBody>
+      </p:sp>
+      <p:sp>
+        <p:nvSpPr>
+          <p:cNvPr id="51" name="テキスト ボックス 50">
+            <a:extLst>
+              <a:ext uri="{FF2B5EF4-FFF2-40B4-BE49-F238E27FC236}">
+                <a16:creationId xmlns:a16="http://schemas.microsoft.com/office/drawing/2014/main" id="{2A527853-9580-4C5C-99C6-98D083BC28FF}"/>
+              </a:ext>
+            </a:extLst>
+          </p:cNvPr>
+          <p:cNvSpPr txBox="1"/>
+          <p:nvPr/>
+        </p:nvSpPr>
+        <p:spPr>
+          <a:xfrm>
+            <a:off x="12108910" y="688937"/>
+            <a:ext cx="3390794" cy="1077218"/>
+          </a:xfrm>
+          <a:prstGeom prst="rect">
+            <a:avLst/>
+          </a:prstGeom>
+          <a:noFill/>
+        </p:spPr>
+        <p:txBody>
+          <a:bodyPr wrap="square" rtlCol="0">
+            <a:spAutoFit/>
+          </a:bodyPr>
+          <a:lstStyle/>
+          <a:p>
+            <a:r>
+              <a:rPr kumimoji="1" lang="en-US" altLang="ja-JP" sz="3200" dirty="0" err="1"/>
+              <a:t>Logloss</a:t>
+            </a:r>
+            <a:r>
+              <a:rPr kumimoji="1" lang="en-US" altLang="ja-JP" sz="3200" dirty="0"/>
+              <a:t> &gt; 0</a:t>
+            </a:r>
+          </a:p>
+          <a:p>
+            <a:r>
+              <a:rPr kumimoji="1" lang="en-US" altLang="ja-JP" sz="3200" dirty="0"/>
+              <a:t>RMSE &gt; 0</a:t>
+            </a:r>
+            <a:endParaRPr kumimoji="1" lang="ja-JP" altLang="en-US" sz="3200" dirty="0"/>
+          </a:p>
+        </p:txBody>
+      </p:sp>
+      <p:sp>
+        <p:nvSpPr>
+          <p:cNvPr id="52" name="楕円 51">
+            <a:extLst>
+              <a:ext uri="{FF2B5EF4-FFF2-40B4-BE49-F238E27FC236}">
+                <a16:creationId xmlns:a16="http://schemas.microsoft.com/office/drawing/2014/main" id="{8129A4F0-4999-4589-BF74-B80DB0C91DF2}"/>
+              </a:ext>
+            </a:extLst>
+          </p:cNvPr>
+          <p:cNvSpPr/>
+          <p:nvPr/>
+        </p:nvSpPr>
+        <p:spPr>
+          <a:xfrm>
+            <a:off x="14256679" y="2661934"/>
+            <a:ext cx="309099" cy="309099"/>
+          </a:xfrm>
+          <a:prstGeom prst="ellipse">
+            <a:avLst/>
+          </a:prstGeom>
+          <a:solidFill>
+            <a:schemeClr val="tx1"/>
+          </a:solidFill>
+          <a:ln>
+            <a:solidFill>
+              <a:schemeClr val="tx1"/>
+            </a:solidFill>
+          </a:ln>
+        </p:spPr>
+        <p:style>
+          <a:lnRef idx="2">
+            <a:schemeClr val="accent1">
+              <a:shade val="50000"/>
+            </a:schemeClr>
+          </a:lnRef>
+          <a:fillRef idx="1">
+            <a:schemeClr val="accent1"/>
+          </a:fillRef>
+          <a:effectRef idx="0">
+            <a:schemeClr val="accent1"/>
+          </a:effectRef>
+          <a:fontRef idx="minor">
+            <a:schemeClr val="lt1"/>
+          </a:fontRef>
+        </p:style>
+        <p:txBody>
+          <a:bodyPr rtlCol="0" anchor="ctr"/>
+          <a:lstStyle/>
+          <a:p>
+            <a:pPr algn="ctr"/>
+            <a:endParaRPr kumimoji="1" lang="ja-JP" altLang="en-US" sz="1200"/>
+          </a:p>
+        </p:txBody>
+      </p:sp>
+      <p:sp>
+        <p:nvSpPr>
+          <p:cNvPr id="53" name="楕円 52">
+            <a:extLst>
+              <a:ext uri="{FF2B5EF4-FFF2-40B4-BE49-F238E27FC236}">
+                <a16:creationId xmlns:a16="http://schemas.microsoft.com/office/drawing/2014/main" id="{A99C5AF5-DF51-4890-9A8F-16497EF27386}"/>
+              </a:ext>
+            </a:extLst>
+          </p:cNvPr>
+          <p:cNvSpPr/>
+          <p:nvPr/>
+        </p:nvSpPr>
+        <p:spPr>
+          <a:xfrm>
+            <a:off x="13886597" y="3236835"/>
+            <a:ext cx="309099" cy="309099"/>
+          </a:xfrm>
+          <a:prstGeom prst="ellipse">
+            <a:avLst/>
+          </a:prstGeom>
+          <a:solidFill>
+            <a:schemeClr val="tx1"/>
+          </a:solidFill>
+          <a:ln>
+            <a:solidFill>
+              <a:schemeClr val="tx1"/>
+            </a:solidFill>
+          </a:ln>
+        </p:spPr>
+        <p:style>
+          <a:lnRef idx="2">
+            <a:schemeClr val="accent1">
+              <a:shade val="50000"/>
+            </a:schemeClr>
+          </a:lnRef>
+          <a:fillRef idx="1">
+            <a:schemeClr val="accent1"/>
+          </a:fillRef>
+          <a:effectRef idx="0">
+            <a:schemeClr val="accent1"/>
+          </a:effectRef>
+          <a:fontRef idx="minor">
+            <a:schemeClr val="lt1"/>
+          </a:fontRef>
+        </p:style>
+        <p:txBody>
+          <a:bodyPr rtlCol="0" anchor="ctr"/>
+          <a:lstStyle/>
+          <a:p>
+            <a:pPr algn="ctr"/>
+            <a:endParaRPr kumimoji="1" lang="ja-JP" altLang="en-US" sz="1200"/>
+          </a:p>
+        </p:txBody>
+      </p:sp>
+      <p:sp>
+        <p:nvSpPr>
+          <p:cNvPr id="54" name="楕円 53">
+            <a:extLst>
+              <a:ext uri="{FF2B5EF4-FFF2-40B4-BE49-F238E27FC236}">
+                <a16:creationId xmlns:a16="http://schemas.microsoft.com/office/drawing/2014/main" id="{AEEDD905-BFB5-477C-B663-63EB0252F424}"/>
+              </a:ext>
+            </a:extLst>
+          </p:cNvPr>
+          <p:cNvSpPr/>
+          <p:nvPr/>
+        </p:nvSpPr>
+        <p:spPr>
+          <a:xfrm>
+            <a:off x="13167606" y="3557715"/>
+            <a:ext cx="309099" cy="309099"/>
+          </a:xfrm>
+          <a:prstGeom prst="ellipse">
+            <a:avLst/>
+          </a:prstGeom>
+          <a:solidFill>
+            <a:schemeClr val="tx1"/>
+          </a:solidFill>
+          <a:ln>
+            <a:solidFill>
+              <a:schemeClr val="tx1"/>
+            </a:solidFill>
+          </a:ln>
+        </p:spPr>
+        <p:style>
+          <a:lnRef idx="2">
+            <a:schemeClr val="accent1">
+              <a:shade val="50000"/>
+            </a:schemeClr>
+          </a:lnRef>
+          <a:fillRef idx="1">
+            <a:schemeClr val="accent1"/>
+          </a:fillRef>
+          <a:effectRef idx="0">
+            <a:schemeClr val="accent1"/>
+          </a:effectRef>
+          <a:fontRef idx="minor">
+            <a:schemeClr val="lt1"/>
+          </a:fontRef>
+        </p:style>
+        <p:txBody>
+          <a:bodyPr rtlCol="0" anchor="ctr"/>
+          <a:lstStyle/>
+          <a:p>
+            <a:pPr algn="ctr"/>
+            <a:endParaRPr kumimoji="1" lang="ja-JP" altLang="en-US" sz="1200"/>
+          </a:p>
+        </p:txBody>
+      </p:sp>
+      <p:sp>
+        <p:nvSpPr>
+          <p:cNvPr id="55" name="楕円 54">
+            <a:extLst>
+              <a:ext uri="{FF2B5EF4-FFF2-40B4-BE49-F238E27FC236}">
+                <a16:creationId xmlns:a16="http://schemas.microsoft.com/office/drawing/2014/main" id="{D26D3EC6-843F-442B-A930-0ACFB234306C}"/>
+              </a:ext>
+            </a:extLst>
+          </p:cNvPr>
+          <p:cNvSpPr/>
+          <p:nvPr/>
+        </p:nvSpPr>
+        <p:spPr>
+          <a:xfrm>
+            <a:off x="14749087" y="1690219"/>
+            <a:ext cx="309099" cy="309099"/>
+          </a:xfrm>
+          <a:prstGeom prst="ellipse">
+            <a:avLst/>
+          </a:prstGeom>
+          <a:solidFill>
+            <a:schemeClr val="tx1"/>
+          </a:solidFill>
+          <a:ln>
+            <a:solidFill>
+              <a:schemeClr val="tx1"/>
+            </a:solidFill>
+          </a:ln>
+        </p:spPr>
+        <p:style>
+          <a:lnRef idx="2">
+            <a:schemeClr val="accent1">
+              <a:shade val="50000"/>
+            </a:schemeClr>
+          </a:lnRef>
+          <a:fillRef idx="1">
+            <a:schemeClr val="accent1"/>
+          </a:fillRef>
+          <a:effectRef idx="0">
+            <a:schemeClr val="accent1"/>
+          </a:effectRef>
+          <a:fontRef idx="minor">
+            <a:schemeClr val="lt1"/>
+          </a:fontRef>
+        </p:style>
+        <p:txBody>
+          <a:bodyPr rtlCol="0" anchor="ctr"/>
+          <a:lstStyle/>
+          <a:p>
+            <a:pPr algn="ctr"/>
+            <a:endParaRPr kumimoji="1" lang="ja-JP" altLang="en-US" sz="1200"/>
+          </a:p>
+        </p:txBody>
+      </p:sp>
+    </p:spTree>
+    <p:extLst>
+      <p:ext uri="{BB962C8B-B14F-4D97-AF65-F5344CB8AC3E}">
+        <p14:creationId xmlns:p14="http://schemas.microsoft.com/office/powerpoint/2010/main" val="1681328944"/>
+      </p:ext>
+    </p:extLst>
+  </p:cSld>
+  <p:clrMapOvr>
+    <a:masterClrMapping/>
+  </p:clrMapOvr>
+</p:sld>
+</file>
+
 <file path=ppt/slides/slide2.xml><?xml version="1.0" encoding="utf-8"?>
 <p:sld xmlns:a="http://schemas.openxmlformats.org/drawingml/2006/main" xmlns:r="http://schemas.openxmlformats.org/officeDocument/2006/relationships" xmlns:p="http://schemas.openxmlformats.org/presentationml/2006/main">
   <p:cSld>

--- a/unbalance/images.pptx
+++ b/unbalance/images.pptx
@@ -13,13 +13,14 @@
     <p:sldId id="265" r:id="rId7"/>
     <p:sldId id="260" r:id="rId8"/>
     <p:sldId id="266" r:id="rId9"/>
-    <p:sldId id="268" r:id="rId10"/>
-    <p:sldId id="271" r:id="rId11"/>
-    <p:sldId id="269" r:id="rId12"/>
-    <p:sldId id="272" r:id="rId13"/>
-    <p:sldId id="273" r:id="rId14"/>
-    <p:sldId id="274" r:id="rId15"/>
-    <p:sldId id="276" r:id="rId16"/>
+    <p:sldId id="277" r:id="rId10"/>
+    <p:sldId id="268" r:id="rId11"/>
+    <p:sldId id="271" r:id="rId12"/>
+    <p:sldId id="269" r:id="rId13"/>
+    <p:sldId id="272" r:id="rId14"/>
+    <p:sldId id="273" r:id="rId15"/>
+    <p:sldId id="274" r:id="rId16"/>
+    <p:sldId id="276" r:id="rId17"/>
   </p:sldIdLst>
   <p:sldSz cx="21599525" cy="14400213"/>
   <p:notesSz cx="6858000" cy="9144000"/>
@@ -135,6 +136,7 @@
             <p14:sldId id="265"/>
             <p14:sldId id="260"/>
             <p14:sldId id="266"/>
+            <p14:sldId id="277"/>
             <p14:sldId id="268"/>
             <p14:sldId id="271"/>
             <p14:sldId id="269"/>
@@ -296,7 +298,7 @@
           <a:p>
             <a:fld id="{FB7CF62E-CE0A-4A24-BF36-7EEB5EF31D49}" type="datetimeFigureOut">
               <a:rPr kumimoji="1" lang="ja-JP" altLang="en-US" smtClean="0"/>
-              <a:t>2020/2/14</a:t>
+              <a:t>2020/2/15</a:t>
             </a:fld>
             <a:endParaRPr kumimoji="1" lang="ja-JP" altLang="en-US"/>
           </a:p>
@@ -498,7 +500,7 @@
           <a:p>
             <a:fld id="{FB7CF62E-CE0A-4A24-BF36-7EEB5EF31D49}" type="datetimeFigureOut">
               <a:rPr kumimoji="1" lang="ja-JP" altLang="en-US" smtClean="0"/>
-              <a:t>2020/2/14</a:t>
+              <a:t>2020/2/15</a:t>
             </a:fld>
             <a:endParaRPr kumimoji="1" lang="ja-JP" altLang="en-US"/>
           </a:p>
@@ -710,7 +712,7 @@
           <a:p>
             <a:fld id="{FB7CF62E-CE0A-4A24-BF36-7EEB5EF31D49}" type="datetimeFigureOut">
               <a:rPr kumimoji="1" lang="ja-JP" altLang="en-US" smtClean="0"/>
-              <a:t>2020/2/14</a:t>
+              <a:t>2020/2/15</a:t>
             </a:fld>
             <a:endParaRPr kumimoji="1" lang="ja-JP" altLang="en-US"/>
           </a:p>
@@ -912,7 +914,7 @@
           <a:p>
             <a:fld id="{FB7CF62E-CE0A-4A24-BF36-7EEB5EF31D49}" type="datetimeFigureOut">
               <a:rPr kumimoji="1" lang="ja-JP" altLang="en-US" smtClean="0"/>
-              <a:t>2020/2/14</a:t>
+              <a:t>2020/2/15</a:t>
             </a:fld>
             <a:endParaRPr kumimoji="1" lang="ja-JP" altLang="en-US"/>
           </a:p>
@@ -1156,7 +1158,7 @@
           <a:p>
             <a:fld id="{FB7CF62E-CE0A-4A24-BF36-7EEB5EF31D49}" type="datetimeFigureOut">
               <a:rPr kumimoji="1" lang="ja-JP" altLang="en-US" smtClean="0"/>
-              <a:t>2020/2/14</a:t>
+              <a:t>2020/2/15</a:t>
             </a:fld>
             <a:endParaRPr kumimoji="1" lang="ja-JP" altLang="en-US"/>
           </a:p>
@@ -1452,7 +1454,7 @@
           <a:p>
             <a:fld id="{FB7CF62E-CE0A-4A24-BF36-7EEB5EF31D49}" type="datetimeFigureOut">
               <a:rPr kumimoji="1" lang="ja-JP" altLang="en-US" smtClean="0"/>
-              <a:t>2020/2/14</a:t>
+              <a:t>2020/2/15</a:t>
             </a:fld>
             <a:endParaRPr kumimoji="1" lang="ja-JP" altLang="en-US"/>
           </a:p>
@@ -1883,7 +1885,7 @@
           <a:p>
             <a:fld id="{FB7CF62E-CE0A-4A24-BF36-7EEB5EF31D49}" type="datetimeFigureOut">
               <a:rPr kumimoji="1" lang="ja-JP" altLang="en-US" smtClean="0"/>
-              <a:t>2020/2/14</a:t>
+              <a:t>2020/2/15</a:t>
             </a:fld>
             <a:endParaRPr kumimoji="1" lang="ja-JP" altLang="en-US"/>
           </a:p>
@@ -2001,7 +2003,7 @@
           <a:p>
             <a:fld id="{FB7CF62E-CE0A-4A24-BF36-7EEB5EF31D49}" type="datetimeFigureOut">
               <a:rPr kumimoji="1" lang="ja-JP" altLang="en-US" smtClean="0"/>
-              <a:t>2020/2/14</a:t>
+              <a:t>2020/2/15</a:t>
             </a:fld>
             <a:endParaRPr kumimoji="1" lang="ja-JP" altLang="en-US"/>
           </a:p>
@@ -2096,7 +2098,7 @@
           <a:p>
             <a:fld id="{FB7CF62E-CE0A-4A24-BF36-7EEB5EF31D49}" type="datetimeFigureOut">
               <a:rPr kumimoji="1" lang="ja-JP" altLang="en-US" smtClean="0"/>
-              <a:t>2020/2/14</a:t>
+              <a:t>2020/2/15</a:t>
             </a:fld>
             <a:endParaRPr kumimoji="1" lang="ja-JP" altLang="en-US"/>
           </a:p>
@@ -2405,7 +2407,7 @@
           <a:p>
             <a:fld id="{FB7CF62E-CE0A-4A24-BF36-7EEB5EF31D49}" type="datetimeFigureOut">
               <a:rPr kumimoji="1" lang="ja-JP" altLang="en-US" smtClean="0"/>
-              <a:t>2020/2/14</a:t>
+              <a:t>2020/2/15</a:t>
             </a:fld>
             <a:endParaRPr kumimoji="1" lang="ja-JP" altLang="en-US"/>
           </a:p>
@@ -2662,7 +2664,7 @@
           <a:p>
             <a:fld id="{FB7CF62E-CE0A-4A24-BF36-7EEB5EF31D49}" type="datetimeFigureOut">
               <a:rPr kumimoji="1" lang="ja-JP" altLang="en-US" smtClean="0"/>
-              <a:t>2020/2/14</a:t>
+              <a:t>2020/2/15</a:t>
             </a:fld>
             <a:endParaRPr kumimoji="1" lang="ja-JP" altLang="en-US"/>
           </a:p>
@@ -2907,7 +2909,7 @@
           <a:p>
             <a:fld id="{FB7CF62E-CE0A-4A24-BF36-7EEB5EF31D49}" type="datetimeFigureOut">
               <a:rPr kumimoji="1" lang="ja-JP" altLang="en-US" smtClean="0"/>
-              <a:t>2020/2/14</a:t>
+              <a:t>2020/2/15</a:t>
             </a:fld>
             <a:endParaRPr kumimoji="1" lang="ja-JP" altLang="en-US"/>
           </a:p>
@@ -3394,6 +3396,1235 @@
       </p:grpSpPr>
       <p:sp>
         <p:nvSpPr>
+          <p:cNvPr id="14" name="正方形/長方形 13">
+            <a:extLst>
+              <a:ext uri="{FF2B5EF4-FFF2-40B4-BE49-F238E27FC236}">
+                <a16:creationId xmlns:a16="http://schemas.microsoft.com/office/drawing/2014/main" id="{06AB07B6-9048-4F00-B52D-04797F32EE2E}"/>
+              </a:ext>
+            </a:extLst>
+          </p:cNvPr>
+          <p:cNvSpPr/>
+          <p:nvPr/>
+        </p:nvSpPr>
+        <p:spPr>
+          <a:xfrm>
+            <a:off x="3628890" y="842541"/>
+            <a:ext cx="7744408" cy="7744408"/>
+          </a:xfrm>
+          <a:prstGeom prst="rect">
+            <a:avLst/>
+          </a:prstGeom>
+          <a:noFill/>
+          <a:ln>
+            <a:solidFill>
+              <a:schemeClr val="tx1"/>
+            </a:solidFill>
+          </a:ln>
+        </p:spPr>
+        <p:style>
+          <a:lnRef idx="2">
+            <a:schemeClr val="accent1">
+              <a:shade val="50000"/>
+            </a:schemeClr>
+          </a:lnRef>
+          <a:fillRef idx="1">
+            <a:schemeClr val="accent1"/>
+          </a:fillRef>
+          <a:effectRef idx="0">
+            <a:schemeClr val="accent1"/>
+          </a:effectRef>
+          <a:fontRef idx="minor">
+            <a:schemeClr val="lt1"/>
+          </a:fontRef>
+        </p:style>
+        <p:txBody>
+          <a:bodyPr rtlCol="0" anchor="ctr"/>
+          <a:lstStyle/>
+          <a:p>
+            <a:pPr algn="ctr"/>
+            <a:endParaRPr kumimoji="1" lang="ja-JP" altLang="en-US"/>
+          </a:p>
+        </p:txBody>
+      </p:sp>
+      <p:cxnSp>
+        <p:nvCxnSpPr>
+          <p:cNvPr id="19" name="直線コネクタ 18">
+            <a:extLst>
+              <a:ext uri="{FF2B5EF4-FFF2-40B4-BE49-F238E27FC236}">
+                <a16:creationId xmlns:a16="http://schemas.microsoft.com/office/drawing/2014/main" id="{84EA35AA-A320-449E-89E2-B04AD1C73061}"/>
+              </a:ext>
+            </a:extLst>
+          </p:cNvPr>
+          <p:cNvCxnSpPr/>
+          <p:nvPr/>
+        </p:nvCxnSpPr>
+        <p:spPr>
+          <a:xfrm flipH="1">
+            <a:off x="3628890" y="842541"/>
+            <a:ext cx="7744408" cy="7744408"/>
+          </a:xfrm>
+          <a:prstGeom prst="line">
+            <a:avLst/>
+          </a:prstGeom>
+          <a:ln>
+            <a:solidFill>
+              <a:schemeClr val="tx1"/>
+            </a:solidFill>
+            <a:prstDash val="lgDash"/>
+          </a:ln>
+        </p:spPr>
+        <p:style>
+          <a:lnRef idx="1">
+            <a:schemeClr val="accent1"/>
+          </a:lnRef>
+          <a:fillRef idx="0">
+            <a:schemeClr val="accent1"/>
+          </a:fillRef>
+          <a:effectRef idx="0">
+            <a:schemeClr val="accent1"/>
+          </a:effectRef>
+          <a:fontRef idx="minor">
+            <a:schemeClr val="tx1"/>
+          </a:fontRef>
+        </p:style>
+      </p:cxnSp>
+      <p:sp>
+        <p:nvSpPr>
+          <p:cNvPr id="23" name="フリーフォーム: 図形 22">
+            <a:extLst>
+              <a:ext uri="{FF2B5EF4-FFF2-40B4-BE49-F238E27FC236}">
+                <a16:creationId xmlns:a16="http://schemas.microsoft.com/office/drawing/2014/main" id="{5162D566-07DB-40B3-8117-CEF3710CF7AC}"/>
+              </a:ext>
+            </a:extLst>
+          </p:cNvPr>
+          <p:cNvSpPr/>
+          <p:nvPr/>
+        </p:nvSpPr>
+        <p:spPr>
+          <a:xfrm>
+            <a:off x="12241532" y="769530"/>
+            <a:ext cx="7763069" cy="7707086"/>
+          </a:xfrm>
+          <a:custGeom>
+            <a:avLst/>
+            <a:gdLst>
+              <a:gd name="connsiteX0" fmla="*/ 0 w 7763069"/>
+              <a:gd name="connsiteY0" fmla="*/ 7707086 h 7707086"/>
+              <a:gd name="connsiteX1" fmla="*/ 447869 w 7763069"/>
+              <a:gd name="connsiteY1" fmla="*/ 4572000 h 7707086"/>
+              <a:gd name="connsiteX2" fmla="*/ 2071395 w 7763069"/>
+              <a:gd name="connsiteY2" fmla="*/ 2071396 h 7707086"/>
+              <a:gd name="connsiteX3" fmla="*/ 5113175 w 7763069"/>
+              <a:gd name="connsiteY3" fmla="*/ 541175 h 7707086"/>
+              <a:gd name="connsiteX4" fmla="*/ 7763069 w 7763069"/>
+              <a:gd name="connsiteY4" fmla="*/ 0 h 7707086"/>
+            </a:gdLst>
+            <a:ahLst/>
+            <a:cxnLst>
+              <a:cxn ang="0">
+                <a:pos x="connsiteX0" y="connsiteY0"/>
+              </a:cxn>
+              <a:cxn ang="0">
+                <a:pos x="connsiteX1" y="connsiteY1"/>
+              </a:cxn>
+              <a:cxn ang="0">
+                <a:pos x="connsiteX2" y="connsiteY2"/>
+              </a:cxn>
+              <a:cxn ang="0">
+                <a:pos x="connsiteX3" y="connsiteY3"/>
+              </a:cxn>
+              <a:cxn ang="0">
+                <a:pos x="connsiteX4" y="connsiteY4"/>
+              </a:cxn>
+            </a:cxnLst>
+            <a:rect l="l" t="t" r="r" b="b"/>
+            <a:pathLst>
+              <a:path w="7763069" h="7707086">
+                <a:moveTo>
+                  <a:pt x="0" y="7707086"/>
+                </a:moveTo>
+                <a:cubicBezTo>
+                  <a:pt x="51318" y="6609184"/>
+                  <a:pt x="102637" y="5511282"/>
+                  <a:pt x="447869" y="4572000"/>
+                </a:cubicBezTo>
+                <a:cubicBezTo>
+                  <a:pt x="793102" y="3632718"/>
+                  <a:pt x="1293844" y="2743200"/>
+                  <a:pt x="2071395" y="2071396"/>
+                </a:cubicBezTo>
+                <a:cubicBezTo>
+                  <a:pt x="2848946" y="1399592"/>
+                  <a:pt x="4164563" y="886408"/>
+                  <a:pt x="5113175" y="541175"/>
+                </a:cubicBezTo>
+                <a:cubicBezTo>
+                  <a:pt x="6061787" y="195942"/>
+                  <a:pt x="6912428" y="97971"/>
+                  <a:pt x="7763069" y="0"/>
+                </a:cubicBezTo>
+              </a:path>
+            </a:pathLst>
+          </a:custGeom>
+          <a:noFill/>
+          <a:ln>
+            <a:solidFill>
+              <a:schemeClr val="tx1"/>
+            </a:solidFill>
+          </a:ln>
+        </p:spPr>
+        <p:style>
+          <a:lnRef idx="2">
+            <a:schemeClr val="accent1">
+              <a:shade val="50000"/>
+            </a:schemeClr>
+          </a:lnRef>
+          <a:fillRef idx="1">
+            <a:schemeClr val="accent1"/>
+          </a:fillRef>
+          <a:effectRef idx="0">
+            <a:schemeClr val="accent1"/>
+          </a:effectRef>
+          <a:fontRef idx="minor">
+            <a:schemeClr val="lt1"/>
+          </a:fontRef>
+        </p:style>
+        <p:txBody>
+          <a:bodyPr rtlCol="0" anchor="ctr"/>
+          <a:lstStyle/>
+          <a:p>
+            <a:pPr algn="ctr"/>
+            <a:endParaRPr kumimoji="1" lang="ja-JP" altLang="en-US"/>
+          </a:p>
+        </p:txBody>
+      </p:sp>
+      <p:sp>
+        <p:nvSpPr>
+          <p:cNvPr id="43" name="テキスト ボックス 42">
+            <a:extLst>
+              <a:ext uri="{FF2B5EF4-FFF2-40B4-BE49-F238E27FC236}">
+                <a16:creationId xmlns:a16="http://schemas.microsoft.com/office/drawing/2014/main" id="{B27C3BB0-43EC-4007-9069-3022B6922A65}"/>
+              </a:ext>
+            </a:extLst>
+          </p:cNvPr>
+          <p:cNvSpPr txBox="1"/>
+          <p:nvPr/>
+        </p:nvSpPr>
+        <p:spPr>
+          <a:xfrm>
+            <a:off x="6406824" y="9309512"/>
+            <a:ext cx="1938007" cy="769441"/>
+          </a:xfrm>
+          <a:prstGeom prst="rect">
+            <a:avLst/>
+          </a:prstGeom>
+          <a:noFill/>
+        </p:spPr>
+        <p:txBody>
+          <a:bodyPr wrap="square" rtlCol="0">
+            <a:spAutoFit/>
+          </a:bodyPr>
+          <a:lstStyle/>
+          <a:p>
+            <a:r>
+              <a:rPr kumimoji="1" lang="ja-JP" altLang="en-US" sz="4400" dirty="0"/>
+              <a:t>予測値</a:t>
+            </a:r>
+          </a:p>
+        </p:txBody>
+      </p:sp>
+      <p:sp>
+        <p:nvSpPr>
+          <p:cNvPr id="44" name="テキスト ボックス 43">
+            <a:extLst>
+              <a:ext uri="{FF2B5EF4-FFF2-40B4-BE49-F238E27FC236}">
+                <a16:creationId xmlns:a16="http://schemas.microsoft.com/office/drawing/2014/main" id="{DB6A2A5D-43CC-46BD-905E-7AA7D8F82F6E}"/>
+              </a:ext>
+            </a:extLst>
+          </p:cNvPr>
+          <p:cNvSpPr txBox="1"/>
+          <p:nvPr/>
+        </p:nvSpPr>
+        <p:spPr>
+          <a:xfrm>
+            <a:off x="10991947" y="8522003"/>
+            <a:ext cx="800024" cy="769441"/>
+          </a:xfrm>
+          <a:prstGeom prst="rect">
+            <a:avLst/>
+          </a:prstGeom>
+          <a:noFill/>
+        </p:spPr>
+        <p:txBody>
+          <a:bodyPr wrap="square" rtlCol="0">
+            <a:spAutoFit/>
+          </a:bodyPr>
+          <a:lstStyle/>
+          <a:p>
+            <a:r>
+              <a:rPr kumimoji="1" lang="en-US" altLang="ja-JP" sz="4400" dirty="0"/>
+              <a:t>1</a:t>
+            </a:r>
+            <a:endParaRPr kumimoji="1" lang="ja-JP" altLang="en-US" sz="4400" dirty="0"/>
+          </a:p>
+        </p:txBody>
+      </p:sp>
+      <p:sp>
+        <p:nvSpPr>
+          <p:cNvPr id="45" name="テキスト ボックス 44">
+            <a:extLst>
+              <a:ext uri="{FF2B5EF4-FFF2-40B4-BE49-F238E27FC236}">
+                <a16:creationId xmlns:a16="http://schemas.microsoft.com/office/drawing/2014/main" id="{3EFEF47B-C00E-46E7-8DB8-C6B332E79E49}"/>
+              </a:ext>
+            </a:extLst>
+          </p:cNvPr>
+          <p:cNvSpPr txBox="1"/>
+          <p:nvPr/>
+        </p:nvSpPr>
+        <p:spPr>
+          <a:xfrm>
+            <a:off x="3037712" y="8516724"/>
+            <a:ext cx="925235" cy="769441"/>
+          </a:xfrm>
+          <a:prstGeom prst="rect">
+            <a:avLst/>
+          </a:prstGeom>
+          <a:noFill/>
+        </p:spPr>
+        <p:txBody>
+          <a:bodyPr wrap="square" rtlCol="0">
+            <a:spAutoFit/>
+          </a:bodyPr>
+          <a:lstStyle/>
+          <a:p>
+            <a:r>
+              <a:rPr kumimoji="1" lang="en-US" altLang="ja-JP" sz="4400" dirty="0"/>
+              <a:t>0</a:t>
+            </a:r>
+            <a:r>
+              <a:rPr kumimoji="1" lang="ja-JP" altLang="en-US" sz="4400" dirty="0"/>
+              <a:t> </a:t>
+            </a:r>
+          </a:p>
+        </p:txBody>
+      </p:sp>
+      <p:sp>
+        <p:nvSpPr>
+          <p:cNvPr id="46" name="テキスト ボックス 45">
+            <a:extLst>
+              <a:ext uri="{FF2B5EF4-FFF2-40B4-BE49-F238E27FC236}">
+                <a16:creationId xmlns:a16="http://schemas.microsoft.com/office/drawing/2014/main" id="{D144F723-D5DD-406E-91CD-9F367047FD31}"/>
+              </a:ext>
+            </a:extLst>
+          </p:cNvPr>
+          <p:cNvSpPr txBox="1"/>
+          <p:nvPr/>
+        </p:nvSpPr>
+        <p:spPr>
+          <a:xfrm>
+            <a:off x="3055961" y="467151"/>
+            <a:ext cx="925235" cy="769441"/>
+          </a:xfrm>
+          <a:prstGeom prst="rect">
+            <a:avLst/>
+          </a:prstGeom>
+          <a:noFill/>
+        </p:spPr>
+        <p:txBody>
+          <a:bodyPr wrap="square" rtlCol="0">
+            <a:spAutoFit/>
+          </a:bodyPr>
+          <a:lstStyle/>
+          <a:p>
+            <a:r>
+              <a:rPr kumimoji="1" lang="en-US" altLang="ja-JP" sz="4400" dirty="0"/>
+              <a:t>1</a:t>
+            </a:r>
+            <a:endParaRPr kumimoji="1" lang="ja-JP" altLang="en-US" sz="4400" dirty="0"/>
+          </a:p>
+        </p:txBody>
+      </p:sp>
+      <p:sp>
+        <p:nvSpPr>
+          <p:cNvPr id="47" name="テキスト ボックス 46">
+            <a:extLst>
+              <a:ext uri="{FF2B5EF4-FFF2-40B4-BE49-F238E27FC236}">
+                <a16:creationId xmlns:a16="http://schemas.microsoft.com/office/drawing/2014/main" id="{0C398B56-6C45-4C9D-B47C-73834368F144}"/>
+              </a:ext>
+            </a:extLst>
+          </p:cNvPr>
+          <p:cNvSpPr txBox="1"/>
+          <p:nvPr/>
+        </p:nvSpPr>
+        <p:spPr>
+          <a:xfrm>
+            <a:off x="14558175" y="5278312"/>
+            <a:ext cx="1748032" cy="769441"/>
+          </a:xfrm>
+          <a:prstGeom prst="rect">
+            <a:avLst/>
+          </a:prstGeom>
+          <a:noFill/>
+        </p:spPr>
+        <p:txBody>
+          <a:bodyPr wrap="square" rtlCol="0">
+            <a:spAutoFit/>
+          </a:bodyPr>
+          <a:lstStyle/>
+          <a:p>
+            <a:r>
+              <a:rPr kumimoji="1" lang="en-US" altLang="ja-JP" sz="4400" dirty="0"/>
+              <a:t>TPR</a:t>
+            </a:r>
+            <a:endParaRPr kumimoji="1" lang="ja-JP" altLang="en-US" sz="4400" dirty="0"/>
+          </a:p>
+        </p:txBody>
+      </p:sp>
+      <p:sp>
+        <p:nvSpPr>
+          <p:cNvPr id="48" name="楕円 47">
+            <a:extLst>
+              <a:ext uri="{FF2B5EF4-FFF2-40B4-BE49-F238E27FC236}">
+                <a16:creationId xmlns:a16="http://schemas.microsoft.com/office/drawing/2014/main" id="{694A3F03-42DF-4F4A-A6C5-AAE07B74C593}"/>
+              </a:ext>
+            </a:extLst>
+          </p:cNvPr>
+          <p:cNvSpPr/>
+          <p:nvPr/>
+        </p:nvSpPr>
+        <p:spPr>
+          <a:xfrm>
+            <a:off x="17457167" y="5263844"/>
+            <a:ext cx="261257" cy="261257"/>
+          </a:xfrm>
+          <a:prstGeom prst="ellipse">
+            <a:avLst/>
+          </a:prstGeom>
+          <a:solidFill>
+            <a:schemeClr val="tx1"/>
+          </a:solidFill>
+        </p:spPr>
+        <p:style>
+          <a:lnRef idx="2">
+            <a:schemeClr val="accent1">
+              <a:shade val="50000"/>
+            </a:schemeClr>
+          </a:lnRef>
+          <a:fillRef idx="1">
+            <a:schemeClr val="accent1"/>
+          </a:fillRef>
+          <a:effectRef idx="0">
+            <a:schemeClr val="accent1"/>
+          </a:effectRef>
+          <a:fontRef idx="minor">
+            <a:schemeClr val="lt1"/>
+          </a:fontRef>
+        </p:style>
+        <p:txBody>
+          <a:bodyPr rtlCol="0" anchor="ctr"/>
+          <a:lstStyle/>
+          <a:p>
+            <a:pPr algn="ctr"/>
+            <a:endParaRPr kumimoji="1" lang="ja-JP" altLang="en-US"/>
+          </a:p>
+        </p:txBody>
+      </p:sp>
+      <p:sp>
+        <p:nvSpPr>
+          <p:cNvPr id="49" name="楕円 48">
+            <a:extLst>
+              <a:ext uri="{FF2B5EF4-FFF2-40B4-BE49-F238E27FC236}">
+                <a16:creationId xmlns:a16="http://schemas.microsoft.com/office/drawing/2014/main" id="{53528C93-6059-45FF-8472-F06D776A30B1}"/>
+              </a:ext>
+            </a:extLst>
+          </p:cNvPr>
+          <p:cNvSpPr/>
+          <p:nvPr/>
+        </p:nvSpPr>
+        <p:spPr>
+          <a:xfrm>
+            <a:off x="20266089" y="3036718"/>
+            <a:ext cx="261257" cy="261257"/>
+          </a:xfrm>
+          <a:prstGeom prst="ellipse">
+            <a:avLst/>
+          </a:prstGeom>
+          <a:solidFill>
+            <a:schemeClr val="tx1"/>
+          </a:solidFill>
+        </p:spPr>
+        <p:style>
+          <a:lnRef idx="2">
+            <a:schemeClr val="accent1">
+              <a:shade val="50000"/>
+            </a:schemeClr>
+          </a:lnRef>
+          <a:fillRef idx="1">
+            <a:schemeClr val="accent1"/>
+          </a:fillRef>
+          <a:effectRef idx="0">
+            <a:schemeClr val="accent1"/>
+          </a:effectRef>
+          <a:fontRef idx="minor">
+            <a:schemeClr val="lt1"/>
+          </a:fontRef>
+        </p:style>
+        <p:txBody>
+          <a:bodyPr rtlCol="0" anchor="ctr"/>
+          <a:lstStyle/>
+          <a:p>
+            <a:pPr algn="ctr"/>
+            <a:endParaRPr kumimoji="1" lang="ja-JP" altLang="en-US"/>
+          </a:p>
+        </p:txBody>
+      </p:sp>
+      <p:sp>
+        <p:nvSpPr>
+          <p:cNvPr id="50" name="テキスト ボックス 49">
+            <a:extLst>
+              <a:ext uri="{FF2B5EF4-FFF2-40B4-BE49-F238E27FC236}">
+                <a16:creationId xmlns:a16="http://schemas.microsoft.com/office/drawing/2014/main" id="{0B9C8AB8-B1E6-453F-8EFD-BE22336F42AF}"/>
+              </a:ext>
+            </a:extLst>
+          </p:cNvPr>
+          <p:cNvSpPr txBox="1"/>
+          <p:nvPr/>
+        </p:nvSpPr>
+        <p:spPr>
+          <a:xfrm>
+            <a:off x="17805829" y="5193287"/>
+            <a:ext cx="2022258" cy="707886"/>
+          </a:xfrm>
+          <a:prstGeom prst="rect">
+            <a:avLst/>
+          </a:prstGeom>
+          <a:noFill/>
+        </p:spPr>
+        <p:txBody>
+          <a:bodyPr wrap="square" rtlCol="0">
+            <a:spAutoFit/>
+          </a:bodyPr>
+          <a:lstStyle/>
+          <a:p>
+            <a:r>
+              <a:rPr kumimoji="1" lang="ja-JP" altLang="en-US" sz="4000" dirty="0"/>
+              <a:t>閾値</a:t>
+            </a:r>
+            <a:r>
+              <a:rPr kumimoji="1" lang="en-US" altLang="ja-JP" sz="4000" dirty="0"/>
+              <a:t>0.6</a:t>
+            </a:r>
+            <a:endParaRPr kumimoji="1" lang="ja-JP" altLang="en-US" sz="4000" dirty="0"/>
+          </a:p>
+        </p:txBody>
+      </p:sp>
+      <p:sp>
+        <p:nvSpPr>
+          <p:cNvPr id="51" name="テキスト ボックス 50">
+            <a:extLst>
+              <a:ext uri="{FF2B5EF4-FFF2-40B4-BE49-F238E27FC236}">
+                <a16:creationId xmlns:a16="http://schemas.microsoft.com/office/drawing/2014/main" id="{3131845E-8D66-4ADD-BEAD-D4669DD01ACB}"/>
+              </a:ext>
+            </a:extLst>
+          </p:cNvPr>
+          <p:cNvSpPr txBox="1"/>
+          <p:nvPr/>
+        </p:nvSpPr>
+        <p:spPr>
+          <a:xfrm>
+            <a:off x="11980044" y="842541"/>
+            <a:ext cx="2130809" cy="707886"/>
+          </a:xfrm>
+          <a:prstGeom prst="rect">
+            <a:avLst/>
+          </a:prstGeom>
+          <a:noFill/>
+        </p:spPr>
+        <p:txBody>
+          <a:bodyPr wrap="square" rtlCol="0">
+            <a:spAutoFit/>
+          </a:bodyPr>
+          <a:lstStyle/>
+          <a:p>
+            <a:r>
+              <a:rPr kumimoji="1" lang="ja-JP" altLang="en-US" sz="4000" dirty="0"/>
+              <a:t>閾値</a:t>
+            </a:r>
+            <a:r>
+              <a:rPr kumimoji="1" lang="en-US" altLang="ja-JP" sz="4000" dirty="0"/>
+              <a:t>0.4</a:t>
+            </a:r>
+            <a:endParaRPr kumimoji="1" lang="ja-JP" altLang="en-US" sz="4000" dirty="0"/>
+          </a:p>
+        </p:txBody>
+      </p:sp>
+      <p:cxnSp>
+        <p:nvCxnSpPr>
+          <p:cNvPr id="60" name="直線コネクタ 59">
+            <a:extLst>
+              <a:ext uri="{FF2B5EF4-FFF2-40B4-BE49-F238E27FC236}">
+                <a16:creationId xmlns:a16="http://schemas.microsoft.com/office/drawing/2014/main" id="{5D306776-7D38-4B15-BBE8-BDC22EB03752}"/>
+              </a:ext>
+            </a:extLst>
+          </p:cNvPr>
+          <p:cNvCxnSpPr>
+            <a:cxnSpLocks/>
+          </p:cNvCxnSpPr>
+          <p:nvPr/>
+        </p:nvCxnSpPr>
+        <p:spPr>
+          <a:xfrm>
+            <a:off x="7501094" y="6087861"/>
+            <a:ext cx="0" cy="2503132"/>
+          </a:xfrm>
+          <a:prstGeom prst="line">
+            <a:avLst/>
+          </a:prstGeom>
+          <a:ln>
+            <a:solidFill>
+              <a:schemeClr val="tx1"/>
+            </a:solidFill>
+            <a:prstDash val="dash"/>
+            <a:headEnd type="triangle" w="lg" len="lg"/>
+          </a:ln>
+        </p:spPr>
+        <p:style>
+          <a:lnRef idx="1">
+            <a:schemeClr val="accent1"/>
+          </a:lnRef>
+          <a:fillRef idx="0">
+            <a:schemeClr val="accent1"/>
+          </a:fillRef>
+          <a:effectRef idx="0">
+            <a:schemeClr val="accent1"/>
+          </a:effectRef>
+          <a:fontRef idx="minor">
+            <a:schemeClr val="tx1"/>
+          </a:fontRef>
+        </p:style>
+      </p:cxnSp>
+      <p:cxnSp>
+        <p:nvCxnSpPr>
+          <p:cNvPr id="63" name="直線コネクタ 62">
+            <a:extLst>
+              <a:ext uri="{FF2B5EF4-FFF2-40B4-BE49-F238E27FC236}">
+                <a16:creationId xmlns:a16="http://schemas.microsoft.com/office/drawing/2014/main" id="{0C821BE1-CA13-40F4-97AF-4CA870641336}"/>
+              </a:ext>
+            </a:extLst>
+          </p:cNvPr>
+          <p:cNvCxnSpPr>
+            <a:cxnSpLocks/>
+          </p:cNvCxnSpPr>
+          <p:nvPr/>
+        </p:nvCxnSpPr>
+        <p:spPr>
+          <a:xfrm>
+            <a:off x="3628889" y="6087861"/>
+            <a:ext cx="3872203" cy="0"/>
+          </a:xfrm>
+          <a:prstGeom prst="line">
+            <a:avLst/>
+          </a:prstGeom>
+          <a:ln>
+            <a:solidFill>
+              <a:schemeClr val="tx1"/>
+            </a:solidFill>
+            <a:prstDash val="dash"/>
+            <a:headEnd type="triangle" w="lg" len="lg"/>
+          </a:ln>
+        </p:spPr>
+        <p:style>
+          <a:lnRef idx="1">
+            <a:schemeClr val="accent1"/>
+          </a:lnRef>
+          <a:fillRef idx="0">
+            <a:schemeClr val="accent1"/>
+          </a:fillRef>
+          <a:effectRef idx="0">
+            <a:schemeClr val="accent1"/>
+          </a:effectRef>
+          <a:fontRef idx="minor">
+            <a:schemeClr val="tx1"/>
+          </a:fontRef>
+        </p:style>
+      </p:cxnSp>
+      <p:sp>
+        <p:nvSpPr>
+          <p:cNvPr id="67" name="テキスト ボックス 66">
+            <a:extLst>
+              <a:ext uri="{FF2B5EF4-FFF2-40B4-BE49-F238E27FC236}">
+                <a16:creationId xmlns:a16="http://schemas.microsoft.com/office/drawing/2014/main" id="{38BD8322-B09D-4E73-8B22-824D4978C6E9}"/>
+              </a:ext>
+            </a:extLst>
+          </p:cNvPr>
+          <p:cNvSpPr txBox="1"/>
+          <p:nvPr/>
+        </p:nvSpPr>
+        <p:spPr>
+          <a:xfrm>
+            <a:off x="17151510" y="8835813"/>
+            <a:ext cx="1626401" cy="769441"/>
+          </a:xfrm>
+          <a:prstGeom prst="rect">
+            <a:avLst/>
+          </a:prstGeom>
+          <a:noFill/>
+        </p:spPr>
+        <p:txBody>
+          <a:bodyPr wrap="square" rtlCol="0">
+            <a:spAutoFit/>
+          </a:bodyPr>
+          <a:lstStyle/>
+          <a:p>
+            <a:r>
+              <a:rPr kumimoji="1" lang="en-US" altLang="ja-JP" sz="4400" dirty="0"/>
+              <a:t>0.4</a:t>
+            </a:r>
+            <a:endParaRPr kumimoji="1" lang="ja-JP" altLang="en-US" sz="4400" dirty="0"/>
+          </a:p>
+        </p:txBody>
+      </p:sp>
+      <p:sp>
+        <p:nvSpPr>
+          <p:cNvPr id="68" name="テキスト ボックス 67">
+            <a:extLst>
+              <a:ext uri="{FF2B5EF4-FFF2-40B4-BE49-F238E27FC236}">
+                <a16:creationId xmlns:a16="http://schemas.microsoft.com/office/drawing/2014/main" id="{F253BC19-270E-496F-8C1C-A119B86E7CB3}"/>
+              </a:ext>
+            </a:extLst>
+          </p:cNvPr>
+          <p:cNvSpPr txBox="1"/>
+          <p:nvPr/>
+        </p:nvSpPr>
+        <p:spPr>
+          <a:xfrm>
+            <a:off x="14342588" y="8835812"/>
+            <a:ext cx="1626401" cy="769441"/>
+          </a:xfrm>
+          <a:prstGeom prst="rect">
+            <a:avLst/>
+          </a:prstGeom>
+          <a:noFill/>
+        </p:spPr>
+        <p:txBody>
+          <a:bodyPr wrap="square" rtlCol="0">
+            <a:spAutoFit/>
+          </a:bodyPr>
+          <a:lstStyle/>
+          <a:p>
+            <a:r>
+              <a:rPr kumimoji="1" lang="en-US" altLang="ja-JP" sz="4400" dirty="0"/>
+              <a:t>0.2</a:t>
+            </a:r>
+            <a:endParaRPr kumimoji="1" lang="ja-JP" altLang="en-US" sz="4400" dirty="0"/>
+          </a:p>
+        </p:txBody>
+      </p:sp>
+      <p:sp>
+        <p:nvSpPr>
+          <p:cNvPr id="70" name="テキスト ボックス 69">
+            <a:extLst>
+              <a:ext uri="{FF2B5EF4-FFF2-40B4-BE49-F238E27FC236}">
+                <a16:creationId xmlns:a16="http://schemas.microsoft.com/office/drawing/2014/main" id="{31C78CE6-B7FA-4253-ACF9-6DB5500A9F38}"/>
+              </a:ext>
+            </a:extLst>
+          </p:cNvPr>
+          <p:cNvSpPr txBox="1"/>
+          <p:nvPr/>
+        </p:nvSpPr>
+        <p:spPr>
+          <a:xfrm>
+            <a:off x="15591673" y="2714521"/>
+            <a:ext cx="1626401" cy="769441"/>
+          </a:xfrm>
+          <a:prstGeom prst="rect">
+            <a:avLst/>
+          </a:prstGeom>
+          <a:noFill/>
+        </p:spPr>
+        <p:txBody>
+          <a:bodyPr wrap="square" rtlCol="0">
+            <a:spAutoFit/>
+          </a:bodyPr>
+          <a:lstStyle/>
+          <a:p>
+            <a:r>
+              <a:rPr kumimoji="1" lang="en-US" altLang="ja-JP" sz="4400" dirty="0"/>
+              <a:t>0.8</a:t>
+            </a:r>
+            <a:endParaRPr kumimoji="1" lang="ja-JP" altLang="en-US" sz="4400" dirty="0"/>
+          </a:p>
+        </p:txBody>
+      </p:sp>
+      <p:sp>
+        <p:nvSpPr>
+          <p:cNvPr id="34" name="テキスト ボックス 33">
+            <a:extLst>
+              <a:ext uri="{FF2B5EF4-FFF2-40B4-BE49-F238E27FC236}">
+                <a16:creationId xmlns:a16="http://schemas.microsoft.com/office/drawing/2014/main" id="{54ADBF72-4E20-4809-8A18-3C87E0D55D9F}"/>
+              </a:ext>
+            </a:extLst>
+          </p:cNvPr>
+          <p:cNvSpPr txBox="1"/>
+          <p:nvPr/>
+        </p:nvSpPr>
+        <p:spPr>
+          <a:xfrm>
+            <a:off x="842362" y="3338082"/>
+            <a:ext cx="2483237" cy="769441"/>
+          </a:xfrm>
+          <a:prstGeom prst="rect">
+            <a:avLst/>
+          </a:prstGeom>
+          <a:noFill/>
+        </p:spPr>
+        <p:txBody>
+          <a:bodyPr wrap="square" rtlCol="0">
+            <a:spAutoFit/>
+          </a:bodyPr>
+          <a:lstStyle/>
+          <a:p>
+            <a:r>
+              <a:rPr kumimoji="1" lang="ja-JP" altLang="en-US" sz="4400" dirty="0"/>
+              <a:t>正例割合</a:t>
+            </a:r>
+          </a:p>
+        </p:txBody>
+      </p:sp>
+      <p:cxnSp>
+        <p:nvCxnSpPr>
+          <p:cNvPr id="3" name="直線コネクタ 2">
+            <a:extLst>
+              <a:ext uri="{FF2B5EF4-FFF2-40B4-BE49-F238E27FC236}">
+                <a16:creationId xmlns:a16="http://schemas.microsoft.com/office/drawing/2014/main" id="{94EECB6D-6EF2-4B19-97F9-24C7ABAD3AA1}"/>
+              </a:ext>
+            </a:extLst>
+          </p:cNvPr>
+          <p:cNvCxnSpPr/>
+          <p:nvPr/>
+        </p:nvCxnSpPr>
+        <p:spPr>
+          <a:xfrm flipV="1">
+            <a:off x="3628890" y="3524070"/>
+            <a:ext cx="7744408" cy="5062879"/>
+          </a:xfrm>
+          <a:prstGeom prst="line">
+            <a:avLst/>
+          </a:prstGeom>
+          <a:ln>
+            <a:solidFill>
+              <a:schemeClr val="tx1"/>
+            </a:solidFill>
+          </a:ln>
+        </p:spPr>
+        <p:style>
+          <a:lnRef idx="1">
+            <a:schemeClr val="accent1"/>
+          </a:lnRef>
+          <a:fillRef idx="0">
+            <a:schemeClr val="accent1"/>
+          </a:fillRef>
+          <a:effectRef idx="0">
+            <a:schemeClr val="accent1"/>
+          </a:effectRef>
+          <a:fontRef idx="minor">
+            <a:schemeClr val="tx1"/>
+          </a:fontRef>
+        </p:style>
+      </p:cxnSp>
+      <p:cxnSp>
+        <p:nvCxnSpPr>
+          <p:cNvPr id="35" name="直線コネクタ 34">
+            <a:extLst>
+              <a:ext uri="{FF2B5EF4-FFF2-40B4-BE49-F238E27FC236}">
+                <a16:creationId xmlns:a16="http://schemas.microsoft.com/office/drawing/2014/main" id="{88C78866-85FA-41AB-9F80-7BE394D9E633}"/>
+              </a:ext>
+            </a:extLst>
+          </p:cNvPr>
+          <p:cNvCxnSpPr>
+            <a:cxnSpLocks/>
+          </p:cNvCxnSpPr>
+          <p:nvPr/>
+        </p:nvCxnSpPr>
+        <p:spPr>
+          <a:xfrm flipV="1">
+            <a:off x="3628889" y="882649"/>
+            <a:ext cx="5126917" cy="7634076"/>
+          </a:xfrm>
+          <a:prstGeom prst="line">
+            <a:avLst/>
+          </a:prstGeom>
+          <a:ln>
+            <a:solidFill>
+              <a:schemeClr val="tx1"/>
+            </a:solidFill>
+          </a:ln>
+        </p:spPr>
+        <p:style>
+          <a:lnRef idx="1">
+            <a:schemeClr val="accent1"/>
+          </a:lnRef>
+          <a:fillRef idx="0">
+            <a:schemeClr val="accent1"/>
+          </a:fillRef>
+          <a:effectRef idx="0">
+            <a:schemeClr val="accent1"/>
+          </a:effectRef>
+          <a:fontRef idx="minor">
+            <a:schemeClr val="tx1"/>
+          </a:fontRef>
+        </p:style>
+      </p:cxnSp>
+      <p:sp>
+        <p:nvSpPr>
+          <p:cNvPr id="36" name="テキスト ボックス 35">
+            <a:extLst>
+              <a:ext uri="{FF2B5EF4-FFF2-40B4-BE49-F238E27FC236}">
+                <a16:creationId xmlns:a16="http://schemas.microsoft.com/office/drawing/2014/main" id="{BCEFAB5A-9CE7-4CA7-AC52-5367D7792F1E}"/>
+              </a:ext>
+            </a:extLst>
+          </p:cNvPr>
+          <p:cNvSpPr txBox="1"/>
+          <p:nvPr/>
+        </p:nvSpPr>
+        <p:spPr>
+          <a:xfrm>
+            <a:off x="10533644" y="2953362"/>
+            <a:ext cx="759857" cy="769441"/>
+          </a:xfrm>
+          <a:prstGeom prst="rect">
+            <a:avLst/>
+          </a:prstGeom>
+          <a:noFill/>
+        </p:spPr>
+        <p:txBody>
+          <a:bodyPr wrap="square" rtlCol="0">
+            <a:spAutoFit/>
+          </a:bodyPr>
+          <a:lstStyle/>
+          <a:p>
+            <a:r>
+              <a:rPr kumimoji="1" lang="en-US" altLang="ja-JP" sz="4400" dirty="0"/>
+              <a:t>A</a:t>
+            </a:r>
+            <a:endParaRPr kumimoji="1" lang="ja-JP" altLang="en-US" sz="4400" dirty="0"/>
+          </a:p>
+        </p:txBody>
+      </p:sp>
+      <p:sp>
+        <p:nvSpPr>
+          <p:cNvPr id="37" name="テキスト ボックス 36">
+            <a:extLst>
+              <a:ext uri="{FF2B5EF4-FFF2-40B4-BE49-F238E27FC236}">
+                <a16:creationId xmlns:a16="http://schemas.microsoft.com/office/drawing/2014/main" id="{DB9695FB-5C7D-48F7-B085-530A9E8C41DC}"/>
+              </a:ext>
+            </a:extLst>
+          </p:cNvPr>
+          <p:cNvSpPr txBox="1"/>
+          <p:nvPr/>
+        </p:nvSpPr>
+        <p:spPr>
+          <a:xfrm>
+            <a:off x="7375828" y="1049198"/>
+            <a:ext cx="759857" cy="769441"/>
+          </a:xfrm>
+          <a:prstGeom prst="rect">
+            <a:avLst/>
+          </a:prstGeom>
+          <a:noFill/>
+        </p:spPr>
+        <p:txBody>
+          <a:bodyPr wrap="square" rtlCol="0">
+            <a:spAutoFit/>
+          </a:bodyPr>
+          <a:lstStyle/>
+          <a:p>
+            <a:r>
+              <a:rPr kumimoji="1" lang="en-US" altLang="ja-JP" sz="4400" dirty="0"/>
+              <a:t>B</a:t>
+            </a:r>
+            <a:endParaRPr kumimoji="1" lang="ja-JP" altLang="en-US" sz="4400" dirty="0"/>
+          </a:p>
+        </p:txBody>
+      </p:sp>
+      <p:cxnSp>
+        <p:nvCxnSpPr>
+          <p:cNvPr id="42" name="直線コネクタ 41">
+            <a:extLst>
+              <a:ext uri="{FF2B5EF4-FFF2-40B4-BE49-F238E27FC236}">
+                <a16:creationId xmlns:a16="http://schemas.microsoft.com/office/drawing/2014/main" id="{306D79D2-D31A-437F-83C8-30288C3CA870}"/>
+              </a:ext>
+            </a:extLst>
+          </p:cNvPr>
+          <p:cNvCxnSpPr>
+            <a:cxnSpLocks/>
+          </p:cNvCxnSpPr>
+          <p:nvPr/>
+        </p:nvCxnSpPr>
+        <p:spPr>
+          <a:xfrm>
+            <a:off x="6127033" y="4731648"/>
+            <a:ext cx="0" cy="3859345"/>
+          </a:xfrm>
+          <a:prstGeom prst="line">
+            <a:avLst/>
+          </a:prstGeom>
+          <a:ln>
+            <a:solidFill>
+              <a:schemeClr val="tx1"/>
+            </a:solidFill>
+            <a:prstDash val="dash"/>
+            <a:headEnd type="triangle" w="lg" len="lg"/>
+          </a:ln>
+        </p:spPr>
+        <p:style>
+          <a:lnRef idx="1">
+            <a:schemeClr val="accent1"/>
+          </a:lnRef>
+          <a:fillRef idx="0">
+            <a:schemeClr val="accent1"/>
+          </a:fillRef>
+          <a:effectRef idx="0">
+            <a:schemeClr val="accent1"/>
+          </a:effectRef>
+          <a:fontRef idx="minor">
+            <a:schemeClr val="tx1"/>
+          </a:fontRef>
+        </p:style>
+      </p:cxnSp>
+      <p:cxnSp>
+        <p:nvCxnSpPr>
+          <p:cNvPr id="52" name="直線コネクタ 51">
+            <a:extLst>
+              <a:ext uri="{FF2B5EF4-FFF2-40B4-BE49-F238E27FC236}">
+                <a16:creationId xmlns:a16="http://schemas.microsoft.com/office/drawing/2014/main" id="{D2E3AC65-4336-4A6E-840D-64D9750FCE0E}"/>
+              </a:ext>
+            </a:extLst>
+          </p:cNvPr>
+          <p:cNvCxnSpPr>
+            <a:cxnSpLocks/>
+          </p:cNvCxnSpPr>
+          <p:nvPr/>
+        </p:nvCxnSpPr>
+        <p:spPr>
+          <a:xfrm>
+            <a:off x="3628891" y="4733164"/>
+            <a:ext cx="2498142" cy="0"/>
+          </a:xfrm>
+          <a:prstGeom prst="line">
+            <a:avLst/>
+          </a:prstGeom>
+          <a:ln>
+            <a:solidFill>
+              <a:schemeClr val="tx1"/>
+            </a:solidFill>
+            <a:prstDash val="dash"/>
+            <a:headEnd type="triangle" w="lg" len="lg"/>
+          </a:ln>
+        </p:spPr>
+        <p:style>
+          <a:lnRef idx="1">
+            <a:schemeClr val="accent1"/>
+          </a:lnRef>
+          <a:fillRef idx="0">
+            <a:schemeClr val="accent1"/>
+          </a:fillRef>
+          <a:effectRef idx="0">
+            <a:schemeClr val="accent1"/>
+          </a:effectRef>
+          <a:fontRef idx="minor">
+            <a:schemeClr val="tx1"/>
+          </a:fontRef>
+        </p:style>
+      </p:cxnSp>
+      <p:sp>
+        <p:nvSpPr>
+          <p:cNvPr id="53" name="テキスト ボックス 52">
+            <a:extLst>
+              <a:ext uri="{FF2B5EF4-FFF2-40B4-BE49-F238E27FC236}">
+                <a16:creationId xmlns:a16="http://schemas.microsoft.com/office/drawing/2014/main" id="{2C043853-76C2-4AC4-9940-85787382F030}"/>
+              </a:ext>
+            </a:extLst>
+          </p:cNvPr>
+          <p:cNvSpPr txBox="1"/>
+          <p:nvPr/>
+        </p:nvSpPr>
+        <p:spPr>
+          <a:xfrm>
+            <a:off x="7375828" y="8714637"/>
+            <a:ext cx="1938007" cy="523220"/>
+          </a:xfrm>
+          <a:prstGeom prst="rect">
+            <a:avLst/>
+          </a:prstGeom>
+          <a:noFill/>
+        </p:spPr>
+        <p:txBody>
+          <a:bodyPr wrap="square" rtlCol="0">
+            <a:spAutoFit/>
+          </a:bodyPr>
+          <a:lstStyle/>
+          <a:p>
+            <a:r>
+              <a:rPr kumimoji="1" lang="en-US" altLang="ja-JP" sz="2800" dirty="0"/>
+              <a:t>A</a:t>
+            </a:r>
+            <a:r>
+              <a:rPr kumimoji="1" lang="ja-JP" altLang="en-US" sz="2800" dirty="0"/>
+              <a:t>の予測値</a:t>
+            </a:r>
+          </a:p>
+        </p:txBody>
+      </p:sp>
+      <p:sp>
+        <p:nvSpPr>
+          <p:cNvPr id="54" name="テキスト ボックス 53">
+            <a:extLst>
+              <a:ext uri="{FF2B5EF4-FFF2-40B4-BE49-F238E27FC236}">
+                <a16:creationId xmlns:a16="http://schemas.microsoft.com/office/drawing/2014/main" id="{CDD4CA92-235A-4FDB-A1B0-31852E222B6A}"/>
+              </a:ext>
+            </a:extLst>
+          </p:cNvPr>
+          <p:cNvSpPr txBox="1"/>
+          <p:nvPr/>
+        </p:nvSpPr>
+        <p:spPr>
+          <a:xfrm>
+            <a:off x="5103982" y="8714637"/>
+            <a:ext cx="1938007" cy="523220"/>
+          </a:xfrm>
+          <a:prstGeom prst="rect">
+            <a:avLst/>
+          </a:prstGeom>
+          <a:noFill/>
+        </p:spPr>
+        <p:txBody>
+          <a:bodyPr wrap="square" rtlCol="0">
+            <a:spAutoFit/>
+          </a:bodyPr>
+          <a:lstStyle/>
+          <a:p>
+            <a:r>
+              <a:rPr kumimoji="1" lang="en-US" altLang="ja-JP" sz="2800" dirty="0"/>
+              <a:t>B</a:t>
+            </a:r>
+            <a:r>
+              <a:rPr kumimoji="1" lang="ja-JP" altLang="en-US" sz="2800" dirty="0"/>
+              <a:t>の予測値</a:t>
+            </a:r>
+          </a:p>
+        </p:txBody>
+      </p:sp>
+      <p:sp>
+        <p:nvSpPr>
+          <p:cNvPr id="55" name="テキスト ボックス 54">
+            <a:extLst>
+              <a:ext uri="{FF2B5EF4-FFF2-40B4-BE49-F238E27FC236}">
+                <a16:creationId xmlns:a16="http://schemas.microsoft.com/office/drawing/2014/main" id="{6E1FC0CE-9AEF-47F3-B964-DB77C9E2E35C}"/>
+              </a:ext>
+            </a:extLst>
+          </p:cNvPr>
+          <p:cNvSpPr txBox="1"/>
+          <p:nvPr/>
+        </p:nvSpPr>
+        <p:spPr>
+          <a:xfrm>
+            <a:off x="1392748" y="5841433"/>
+            <a:ext cx="2236140" cy="523205"/>
+          </a:xfrm>
+          <a:prstGeom prst="rect">
+            <a:avLst/>
+          </a:prstGeom>
+          <a:noFill/>
+        </p:spPr>
+        <p:txBody>
+          <a:bodyPr wrap="square" rtlCol="0">
+            <a:spAutoFit/>
+          </a:bodyPr>
+          <a:lstStyle/>
+          <a:p>
+            <a:r>
+              <a:rPr kumimoji="1" lang="en-US" altLang="ja-JP" sz="2800" dirty="0"/>
+              <a:t>A</a:t>
+            </a:r>
+            <a:r>
+              <a:rPr kumimoji="1" lang="ja-JP" altLang="en-US" sz="2800" dirty="0"/>
+              <a:t>の正例割合</a:t>
+            </a:r>
+          </a:p>
+        </p:txBody>
+      </p:sp>
+      <p:sp>
+        <p:nvSpPr>
+          <p:cNvPr id="57" name="テキスト ボックス 56">
+            <a:extLst>
+              <a:ext uri="{FF2B5EF4-FFF2-40B4-BE49-F238E27FC236}">
+                <a16:creationId xmlns:a16="http://schemas.microsoft.com/office/drawing/2014/main" id="{8F6A0EAD-F369-4064-833A-05925C3F3A7D}"/>
+              </a:ext>
+            </a:extLst>
+          </p:cNvPr>
+          <p:cNvSpPr txBox="1"/>
+          <p:nvPr/>
+        </p:nvSpPr>
+        <p:spPr>
+          <a:xfrm>
+            <a:off x="1392748" y="4457372"/>
+            <a:ext cx="2236140" cy="523205"/>
+          </a:xfrm>
+          <a:prstGeom prst="rect">
+            <a:avLst/>
+          </a:prstGeom>
+          <a:noFill/>
+        </p:spPr>
+        <p:txBody>
+          <a:bodyPr wrap="square" rtlCol="0">
+            <a:spAutoFit/>
+          </a:bodyPr>
+          <a:lstStyle/>
+          <a:p>
+            <a:r>
+              <a:rPr kumimoji="1" lang="en-US" altLang="ja-JP" sz="2800" dirty="0"/>
+              <a:t>B</a:t>
+            </a:r>
+            <a:r>
+              <a:rPr kumimoji="1" lang="ja-JP" altLang="en-US" sz="2800" dirty="0"/>
+              <a:t>の正例割合</a:t>
+            </a:r>
+          </a:p>
+        </p:txBody>
+      </p:sp>
+    </p:spTree>
+    <p:extLst>
+      <p:ext uri="{BB962C8B-B14F-4D97-AF65-F5344CB8AC3E}">
+        <p14:creationId xmlns:p14="http://schemas.microsoft.com/office/powerpoint/2010/main" val="767001429"/>
+      </p:ext>
+    </p:extLst>
+  </p:cSld>
+  <p:clrMapOvr>
+    <a:masterClrMapping/>
+  </p:clrMapOvr>
+</p:sld>
+</file>
+
+<file path=ppt/slides/slide11.xml><?xml version="1.0" encoding="utf-8"?>
+<p:sld xmlns:a="http://schemas.openxmlformats.org/drawingml/2006/main" xmlns:r="http://schemas.openxmlformats.org/officeDocument/2006/relationships" xmlns:p="http://schemas.openxmlformats.org/presentationml/2006/main">
+  <p:cSld>
+    <p:spTree>
+      <p:nvGrpSpPr>
+        <p:cNvPr id="1" name=""/>
+        <p:cNvGrpSpPr/>
+        <p:nvPr/>
+      </p:nvGrpSpPr>
+      <p:grpSpPr>
+        <a:xfrm>
+          <a:off x="0" y="0"/>
+          <a:ext cx="0" cy="0"/>
+          <a:chOff x="0" y="0"/>
+          <a:chExt cx="0" cy="0"/>
+        </a:xfrm>
+      </p:grpSpPr>
+      <p:sp>
+        <p:nvSpPr>
           <p:cNvPr id="45" name="テキスト ボックス 44">
             <a:extLst>
               <a:ext uri="{FF2B5EF4-FFF2-40B4-BE49-F238E27FC236}">
@@ -4402,7 +5633,7 @@
 </p:sld>
 </file>
 
-<file path=ppt/slides/slide11.xml><?xml version="1.0" encoding="utf-8"?>
+<file path=ppt/slides/slide12.xml><?xml version="1.0" encoding="utf-8"?>
 <p:sld xmlns:a="http://schemas.openxmlformats.org/drawingml/2006/main" xmlns:r="http://schemas.openxmlformats.org/officeDocument/2006/relationships" xmlns:p="http://schemas.openxmlformats.org/presentationml/2006/main">
   <p:cSld>
     <p:spTree>
@@ -6328,7 +7559,7 @@
 </p:sld>
 </file>
 
-<file path=ppt/slides/slide12.xml><?xml version="1.0" encoding="utf-8"?>
+<file path=ppt/slides/slide13.xml><?xml version="1.0" encoding="utf-8"?>
 <p:sld xmlns:a="http://schemas.openxmlformats.org/drawingml/2006/main" xmlns:r="http://schemas.openxmlformats.org/officeDocument/2006/relationships" xmlns:p="http://schemas.openxmlformats.org/presentationml/2006/main">
   <p:cSld>
     <p:spTree>
@@ -7841,3009 +9072,6 @@
 </p:sld>
 </file>
 
-<file path=ppt/slides/slide13.xml><?xml version="1.0" encoding="utf-8"?>
-<p:sld xmlns:a="http://schemas.openxmlformats.org/drawingml/2006/main" xmlns:r="http://schemas.openxmlformats.org/officeDocument/2006/relationships" xmlns:p="http://schemas.openxmlformats.org/presentationml/2006/main">
-  <p:cSld>
-    <p:spTree>
-      <p:nvGrpSpPr>
-        <p:cNvPr id="1" name=""/>
-        <p:cNvGrpSpPr/>
-        <p:nvPr/>
-      </p:nvGrpSpPr>
-      <p:grpSpPr>
-        <a:xfrm>
-          <a:off x="0" y="0"/>
-          <a:ext cx="0" cy="0"/>
-          <a:chOff x="0" y="0"/>
-          <a:chExt cx="0" cy="0"/>
-        </a:xfrm>
-      </p:grpSpPr>
-      <p:sp>
-        <p:nvSpPr>
-          <p:cNvPr id="4" name="楕円 3">
-            <a:extLst>
-              <a:ext uri="{FF2B5EF4-FFF2-40B4-BE49-F238E27FC236}">
-                <a16:creationId xmlns:a16="http://schemas.microsoft.com/office/drawing/2014/main" id="{324CA9FF-6B32-482A-B8AF-65449990F25E}"/>
-              </a:ext>
-            </a:extLst>
-          </p:cNvPr>
-          <p:cNvSpPr/>
-          <p:nvPr/>
-        </p:nvSpPr>
-        <p:spPr>
-          <a:xfrm>
-            <a:off x="2444621" y="1362270"/>
-            <a:ext cx="1231641" cy="1231641"/>
-          </a:xfrm>
-          <a:prstGeom prst="ellipse">
-            <a:avLst/>
-          </a:prstGeom>
-          <a:noFill/>
-          <a:ln>
-            <a:solidFill>
-              <a:schemeClr val="tx1"/>
-            </a:solidFill>
-          </a:ln>
-        </p:spPr>
-        <p:style>
-          <a:lnRef idx="2">
-            <a:schemeClr val="accent1">
-              <a:shade val="50000"/>
-            </a:schemeClr>
-          </a:lnRef>
-          <a:fillRef idx="1">
-            <a:schemeClr val="accent1"/>
-          </a:fillRef>
-          <a:effectRef idx="0">
-            <a:schemeClr val="accent1"/>
-          </a:effectRef>
-          <a:fontRef idx="minor">
-            <a:schemeClr val="lt1"/>
-          </a:fontRef>
-        </p:style>
-        <p:txBody>
-          <a:bodyPr rtlCol="0" anchor="ctr"/>
-          <a:lstStyle/>
-          <a:p>
-            <a:pPr algn="ctr"/>
-            <a:r>
-              <a:rPr kumimoji="1" lang="en-US" altLang="ja-JP" sz="4000" dirty="0">
-                <a:solidFill>
-                  <a:schemeClr val="tx1"/>
-                </a:solidFill>
-              </a:rPr>
-              <a:t>X</a:t>
-            </a:r>
-            <a:endParaRPr kumimoji="1" lang="ja-JP" altLang="en-US" sz="4000" dirty="0">
-              <a:solidFill>
-                <a:schemeClr val="tx1"/>
-              </a:solidFill>
-            </a:endParaRPr>
-          </a:p>
-        </p:txBody>
-      </p:sp>
-      <p:cxnSp>
-        <p:nvCxnSpPr>
-          <p:cNvPr id="6" name="直線矢印コネクタ 5">
-            <a:extLst>
-              <a:ext uri="{FF2B5EF4-FFF2-40B4-BE49-F238E27FC236}">
-                <a16:creationId xmlns:a16="http://schemas.microsoft.com/office/drawing/2014/main" id="{5D436BC9-CDC5-4FFB-A4F8-6087EE77EC50}"/>
-              </a:ext>
-            </a:extLst>
-          </p:cNvPr>
-          <p:cNvCxnSpPr>
-            <a:cxnSpLocks/>
-            <a:stCxn id="4" idx="6"/>
-            <a:endCxn id="7" idx="2"/>
-          </p:cNvCxnSpPr>
-          <p:nvPr/>
-        </p:nvCxnSpPr>
-        <p:spPr>
-          <a:xfrm>
-            <a:off x="3676262" y="1978091"/>
-            <a:ext cx="1088525" cy="0"/>
-          </a:xfrm>
-          <a:prstGeom prst="straightConnector1">
-            <a:avLst/>
-          </a:prstGeom>
-          <a:ln>
-            <a:solidFill>
-              <a:schemeClr val="tx1"/>
-            </a:solidFill>
-            <a:tailEnd type="triangle" w="lg" len="lg"/>
-          </a:ln>
-        </p:spPr>
-        <p:style>
-          <a:lnRef idx="1">
-            <a:schemeClr val="accent1"/>
-          </a:lnRef>
-          <a:fillRef idx="0">
-            <a:schemeClr val="accent1"/>
-          </a:fillRef>
-          <a:effectRef idx="0">
-            <a:schemeClr val="accent1"/>
-          </a:effectRef>
-          <a:fontRef idx="minor">
-            <a:schemeClr val="tx1"/>
-          </a:fontRef>
-        </p:style>
-      </p:cxnSp>
-      <p:sp>
-        <p:nvSpPr>
-          <p:cNvPr id="7" name="楕円 6">
-            <a:extLst>
-              <a:ext uri="{FF2B5EF4-FFF2-40B4-BE49-F238E27FC236}">
-                <a16:creationId xmlns:a16="http://schemas.microsoft.com/office/drawing/2014/main" id="{E23AE44C-58A2-49CA-A5DB-2D092F2A41C0}"/>
-              </a:ext>
-            </a:extLst>
-          </p:cNvPr>
-          <p:cNvSpPr/>
-          <p:nvPr/>
-        </p:nvSpPr>
-        <p:spPr>
-          <a:xfrm>
-            <a:off x="4764787" y="1362270"/>
-            <a:ext cx="1231641" cy="1231641"/>
-          </a:xfrm>
-          <a:prstGeom prst="ellipse">
-            <a:avLst/>
-          </a:prstGeom>
-          <a:noFill/>
-          <a:ln>
-            <a:solidFill>
-              <a:schemeClr val="tx1"/>
-            </a:solidFill>
-          </a:ln>
-        </p:spPr>
-        <p:style>
-          <a:lnRef idx="2">
-            <a:schemeClr val="accent1">
-              <a:shade val="50000"/>
-            </a:schemeClr>
-          </a:lnRef>
-          <a:fillRef idx="1">
-            <a:schemeClr val="accent1"/>
-          </a:fillRef>
-          <a:effectRef idx="0">
-            <a:schemeClr val="accent1"/>
-          </a:effectRef>
-          <a:fontRef idx="minor">
-            <a:schemeClr val="lt1"/>
-          </a:fontRef>
-        </p:style>
-        <p:txBody>
-          <a:bodyPr rtlCol="0" anchor="ctr"/>
-          <a:lstStyle/>
-          <a:p>
-            <a:pPr algn="ctr"/>
-            <a:r>
-              <a:rPr kumimoji="1" lang="en-US" altLang="ja-JP" sz="4000" dirty="0">
-                <a:solidFill>
-                  <a:schemeClr val="tx1"/>
-                </a:solidFill>
-              </a:rPr>
-              <a:t>M</a:t>
-            </a:r>
-            <a:endParaRPr kumimoji="1" lang="ja-JP" altLang="en-US" sz="4000" dirty="0">
-              <a:solidFill>
-                <a:schemeClr val="tx1"/>
-              </a:solidFill>
-            </a:endParaRPr>
-          </a:p>
-        </p:txBody>
-      </p:sp>
-      <p:cxnSp>
-        <p:nvCxnSpPr>
-          <p:cNvPr id="10" name="直線矢印コネクタ 9">
-            <a:extLst>
-              <a:ext uri="{FF2B5EF4-FFF2-40B4-BE49-F238E27FC236}">
-                <a16:creationId xmlns:a16="http://schemas.microsoft.com/office/drawing/2014/main" id="{AC8F7600-8DC5-40A7-8CB8-78BE46EED713}"/>
-              </a:ext>
-            </a:extLst>
-          </p:cNvPr>
-          <p:cNvCxnSpPr>
-            <a:cxnSpLocks/>
-            <a:stCxn id="7" idx="6"/>
-            <a:endCxn id="16" idx="2"/>
-          </p:cNvCxnSpPr>
-          <p:nvPr/>
-        </p:nvCxnSpPr>
-        <p:spPr>
-          <a:xfrm flipV="1">
-            <a:off x="5996428" y="1978090"/>
-            <a:ext cx="883320" cy="1"/>
-          </a:xfrm>
-          <a:prstGeom prst="straightConnector1">
-            <a:avLst/>
-          </a:prstGeom>
-          <a:ln>
-            <a:solidFill>
-              <a:schemeClr val="tx1"/>
-            </a:solidFill>
-            <a:tailEnd type="triangle" w="lg" len="lg"/>
-          </a:ln>
-        </p:spPr>
-        <p:style>
-          <a:lnRef idx="1">
-            <a:schemeClr val="accent1"/>
-          </a:lnRef>
-          <a:fillRef idx="0">
-            <a:schemeClr val="accent1"/>
-          </a:fillRef>
-          <a:effectRef idx="0">
-            <a:schemeClr val="accent1"/>
-          </a:effectRef>
-          <a:fontRef idx="minor">
-            <a:schemeClr val="tx1"/>
-          </a:fontRef>
-        </p:style>
-      </p:cxnSp>
-      <p:cxnSp>
-        <p:nvCxnSpPr>
-          <p:cNvPr id="13" name="直線矢印コネクタ 12">
-            <a:extLst>
-              <a:ext uri="{FF2B5EF4-FFF2-40B4-BE49-F238E27FC236}">
-                <a16:creationId xmlns:a16="http://schemas.microsoft.com/office/drawing/2014/main" id="{1863CC4C-95DE-44EB-A56E-35863388291A}"/>
-              </a:ext>
-            </a:extLst>
-          </p:cNvPr>
-          <p:cNvCxnSpPr>
-            <a:cxnSpLocks/>
-            <a:stCxn id="23" idx="6"/>
-            <a:endCxn id="38" idx="2"/>
-          </p:cNvCxnSpPr>
-          <p:nvPr/>
-        </p:nvCxnSpPr>
-        <p:spPr>
-          <a:xfrm>
-            <a:off x="9831309" y="1978089"/>
-            <a:ext cx="733189" cy="0"/>
-          </a:xfrm>
-          <a:prstGeom prst="straightConnector1">
-            <a:avLst/>
-          </a:prstGeom>
-          <a:ln>
-            <a:solidFill>
-              <a:schemeClr val="tx1"/>
-            </a:solidFill>
-            <a:tailEnd type="triangle" w="lg" len="lg"/>
-          </a:ln>
-        </p:spPr>
-        <p:style>
-          <a:lnRef idx="1">
-            <a:schemeClr val="accent1"/>
-          </a:lnRef>
-          <a:fillRef idx="0">
-            <a:schemeClr val="accent1"/>
-          </a:fillRef>
-          <a:effectRef idx="0">
-            <a:schemeClr val="accent1"/>
-          </a:effectRef>
-          <a:fontRef idx="minor">
-            <a:schemeClr val="tx1"/>
-          </a:fontRef>
-        </p:style>
-      </p:cxnSp>
-      <p:sp>
-        <p:nvSpPr>
-          <p:cNvPr id="16" name="楕円 15">
-            <a:extLst>
-              <a:ext uri="{FF2B5EF4-FFF2-40B4-BE49-F238E27FC236}">
-                <a16:creationId xmlns:a16="http://schemas.microsoft.com/office/drawing/2014/main" id="{65213C8C-C227-4825-8BC8-F0CFB3A42220}"/>
-              </a:ext>
-            </a:extLst>
-          </p:cNvPr>
-          <p:cNvSpPr/>
-          <p:nvPr/>
-        </p:nvSpPr>
-        <p:spPr>
-          <a:xfrm>
-            <a:off x="6879748" y="1362269"/>
-            <a:ext cx="1231641" cy="1231641"/>
-          </a:xfrm>
-          <a:prstGeom prst="ellipse">
-            <a:avLst/>
-          </a:prstGeom>
-          <a:noFill/>
-          <a:ln>
-            <a:solidFill>
-              <a:schemeClr val="tx1"/>
-            </a:solidFill>
-          </a:ln>
-        </p:spPr>
-        <p:style>
-          <a:lnRef idx="2">
-            <a:schemeClr val="accent1">
-              <a:shade val="50000"/>
-            </a:schemeClr>
-          </a:lnRef>
-          <a:fillRef idx="1">
-            <a:schemeClr val="accent1"/>
-          </a:fillRef>
-          <a:effectRef idx="0">
-            <a:schemeClr val="accent1"/>
-          </a:effectRef>
-          <a:fontRef idx="minor">
-            <a:schemeClr val="lt1"/>
-          </a:fontRef>
-        </p:style>
-        <p:txBody>
-          <a:bodyPr rtlCol="0" anchor="ctr"/>
-          <a:lstStyle/>
-          <a:p>
-            <a:pPr algn="ctr"/>
-            <a:r>
-              <a:rPr kumimoji="1" lang="en-US" altLang="ja-JP" sz="4000" dirty="0">
-                <a:solidFill>
-                  <a:schemeClr val="tx1"/>
-                </a:solidFill>
-              </a:rPr>
-              <a:t>S</a:t>
-            </a:r>
-            <a:endParaRPr kumimoji="1" lang="ja-JP" altLang="en-US" sz="4000" dirty="0">
-              <a:solidFill>
-                <a:schemeClr val="tx1"/>
-              </a:solidFill>
-            </a:endParaRPr>
-          </a:p>
-        </p:txBody>
-      </p:sp>
-      <p:sp>
-        <p:nvSpPr>
-          <p:cNvPr id="18" name="楕円 17">
-            <a:extLst>
-              <a:ext uri="{FF2B5EF4-FFF2-40B4-BE49-F238E27FC236}">
-                <a16:creationId xmlns:a16="http://schemas.microsoft.com/office/drawing/2014/main" id="{924B6C48-ADD1-45D7-AAAB-504A5229D7E5}"/>
-              </a:ext>
-            </a:extLst>
-          </p:cNvPr>
-          <p:cNvSpPr/>
-          <p:nvPr/>
-        </p:nvSpPr>
-        <p:spPr>
-          <a:xfrm>
-            <a:off x="2444621" y="2967134"/>
-            <a:ext cx="1231641" cy="1231641"/>
-          </a:xfrm>
-          <a:prstGeom prst="ellipse">
-            <a:avLst/>
-          </a:prstGeom>
-          <a:noFill/>
-          <a:ln>
-            <a:solidFill>
-              <a:schemeClr val="tx1"/>
-            </a:solidFill>
-          </a:ln>
-        </p:spPr>
-        <p:style>
-          <a:lnRef idx="2">
-            <a:schemeClr val="accent1">
-              <a:shade val="50000"/>
-            </a:schemeClr>
-          </a:lnRef>
-          <a:fillRef idx="1">
-            <a:schemeClr val="accent1"/>
-          </a:fillRef>
-          <a:effectRef idx="0">
-            <a:schemeClr val="accent1"/>
-          </a:effectRef>
-          <a:fontRef idx="minor">
-            <a:schemeClr val="lt1"/>
-          </a:fontRef>
-        </p:style>
-        <p:txBody>
-          <a:bodyPr rtlCol="0" anchor="ctr"/>
-          <a:lstStyle/>
-          <a:p>
-            <a:pPr algn="ctr"/>
-            <a:r>
-              <a:rPr kumimoji="1" lang="en-US" altLang="ja-JP" sz="4000" dirty="0">
-                <a:solidFill>
-                  <a:schemeClr val="tx1"/>
-                </a:solidFill>
-              </a:rPr>
-              <a:t>T</a:t>
-            </a:r>
-            <a:endParaRPr kumimoji="1" lang="ja-JP" altLang="en-US" sz="4000" dirty="0">
-              <a:solidFill>
-                <a:schemeClr val="tx1"/>
-              </a:solidFill>
-            </a:endParaRPr>
-          </a:p>
-        </p:txBody>
-      </p:sp>
-      <p:sp>
-        <p:nvSpPr>
-          <p:cNvPr id="23" name="楕円 22">
-            <a:extLst>
-              <a:ext uri="{FF2B5EF4-FFF2-40B4-BE49-F238E27FC236}">
-                <a16:creationId xmlns:a16="http://schemas.microsoft.com/office/drawing/2014/main" id="{3959A334-1E75-48FF-8B5C-E5CC6D796F65}"/>
-              </a:ext>
-            </a:extLst>
-          </p:cNvPr>
-          <p:cNvSpPr/>
-          <p:nvPr/>
-        </p:nvSpPr>
-        <p:spPr>
-          <a:xfrm>
-            <a:off x="8599668" y="1362268"/>
-            <a:ext cx="1231641" cy="1231641"/>
-          </a:xfrm>
-          <a:prstGeom prst="ellipse">
-            <a:avLst/>
-          </a:prstGeom>
-          <a:noFill/>
-          <a:ln>
-            <a:solidFill>
-              <a:schemeClr val="tx1"/>
-            </a:solidFill>
-          </a:ln>
-        </p:spPr>
-        <p:style>
-          <a:lnRef idx="2">
-            <a:schemeClr val="accent1">
-              <a:shade val="50000"/>
-            </a:schemeClr>
-          </a:lnRef>
-          <a:fillRef idx="1">
-            <a:schemeClr val="accent1"/>
-          </a:fillRef>
-          <a:effectRef idx="0">
-            <a:schemeClr val="accent1"/>
-          </a:effectRef>
-          <a:fontRef idx="minor">
-            <a:schemeClr val="lt1"/>
-          </a:fontRef>
-        </p:style>
-        <p:txBody>
-          <a:bodyPr rtlCol="0" anchor="ctr"/>
-          <a:lstStyle/>
-          <a:p>
-            <a:pPr algn="ctr"/>
-            <a:r>
-              <a:rPr kumimoji="1" lang="en-US" altLang="ja-JP" sz="4000" dirty="0">
-                <a:solidFill>
-                  <a:schemeClr val="tx1"/>
-                </a:solidFill>
-              </a:rPr>
-              <a:t>C</a:t>
-            </a:r>
-            <a:endParaRPr kumimoji="1" lang="ja-JP" altLang="en-US" sz="4000" dirty="0">
-              <a:solidFill>
-                <a:schemeClr val="tx1"/>
-              </a:solidFill>
-            </a:endParaRPr>
-          </a:p>
-        </p:txBody>
-      </p:sp>
-      <p:cxnSp>
-        <p:nvCxnSpPr>
-          <p:cNvPr id="24" name="直線矢印コネクタ 23">
-            <a:extLst>
-              <a:ext uri="{FF2B5EF4-FFF2-40B4-BE49-F238E27FC236}">
-                <a16:creationId xmlns:a16="http://schemas.microsoft.com/office/drawing/2014/main" id="{2824B40C-8D99-4BB5-9254-D758BE169506}"/>
-              </a:ext>
-            </a:extLst>
-          </p:cNvPr>
-          <p:cNvCxnSpPr>
-            <a:cxnSpLocks/>
-            <a:stCxn id="16" idx="6"/>
-            <a:endCxn id="23" idx="2"/>
-          </p:cNvCxnSpPr>
-          <p:nvPr/>
-        </p:nvCxnSpPr>
-        <p:spPr>
-          <a:xfrm flipV="1">
-            <a:off x="8111389" y="1978089"/>
-            <a:ext cx="488279" cy="1"/>
-          </a:xfrm>
-          <a:prstGeom prst="straightConnector1">
-            <a:avLst/>
-          </a:prstGeom>
-          <a:ln>
-            <a:solidFill>
-              <a:schemeClr val="tx1"/>
-            </a:solidFill>
-            <a:tailEnd type="triangle" w="lg" len="lg"/>
-          </a:ln>
-        </p:spPr>
-        <p:style>
-          <a:lnRef idx="1">
-            <a:schemeClr val="accent1"/>
-          </a:lnRef>
-          <a:fillRef idx="0">
-            <a:schemeClr val="accent1"/>
-          </a:fillRef>
-          <a:effectRef idx="0">
-            <a:schemeClr val="accent1"/>
-          </a:effectRef>
-          <a:fontRef idx="minor">
-            <a:schemeClr val="tx1"/>
-          </a:fontRef>
-        </p:style>
-      </p:cxnSp>
-      <p:cxnSp>
-        <p:nvCxnSpPr>
-          <p:cNvPr id="30" name="コネクタ: カギ線 29">
-            <a:extLst>
-              <a:ext uri="{FF2B5EF4-FFF2-40B4-BE49-F238E27FC236}">
-                <a16:creationId xmlns:a16="http://schemas.microsoft.com/office/drawing/2014/main" id="{0FDF7BCF-F089-4CE1-A6A9-2CB7BFDD80C8}"/>
-              </a:ext>
-            </a:extLst>
-          </p:cNvPr>
-          <p:cNvCxnSpPr>
-            <a:cxnSpLocks/>
-            <a:stCxn id="18" idx="7"/>
-            <a:endCxn id="7" idx="3"/>
-          </p:cNvCxnSpPr>
-          <p:nvPr/>
-        </p:nvCxnSpPr>
-        <p:spPr>
-          <a:xfrm rot="5400000" flipH="1" flipV="1">
-            <a:off x="3853543" y="2055891"/>
-            <a:ext cx="733963" cy="1449265"/>
-          </a:xfrm>
-          <a:prstGeom prst="bentConnector3">
-            <a:avLst>
-              <a:gd name="adj1" fmla="val 50000"/>
-            </a:avLst>
-          </a:prstGeom>
-          <a:ln>
-            <a:solidFill>
-              <a:schemeClr val="tx1"/>
-            </a:solidFill>
-            <a:tailEnd type="triangle" w="lg" len="lg"/>
-          </a:ln>
-        </p:spPr>
-        <p:style>
-          <a:lnRef idx="1">
-            <a:schemeClr val="accent1"/>
-          </a:lnRef>
-          <a:fillRef idx="0">
-            <a:schemeClr val="accent1"/>
-          </a:fillRef>
-          <a:effectRef idx="0">
-            <a:schemeClr val="accent1"/>
-          </a:effectRef>
-          <a:fontRef idx="minor">
-            <a:schemeClr val="tx1"/>
-          </a:fontRef>
-        </p:style>
-      </p:cxnSp>
-      <p:cxnSp>
-        <p:nvCxnSpPr>
-          <p:cNvPr id="33" name="コネクタ: カギ線 32">
-            <a:extLst>
-              <a:ext uri="{FF2B5EF4-FFF2-40B4-BE49-F238E27FC236}">
-                <a16:creationId xmlns:a16="http://schemas.microsoft.com/office/drawing/2014/main" id="{01E9CCAB-5174-4620-99FF-C6BB2A34EFDE}"/>
-              </a:ext>
-            </a:extLst>
-          </p:cNvPr>
-          <p:cNvCxnSpPr>
-            <a:cxnSpLocks/>
-            <a:stCxn id="18" idx="6"/>
-            <a:endCxn id="23" idx="4"/>
-          </p:cNvCxnSpPr>
-          <p:nvPr/>
-        </p:nvCxnSpPr>
-        <p:spPr>
-          <a:xfrm flipV="1">
-            <a:off x="3676262" y="2593909"/>
-            <a:ext cx="5539227" cy="989046"/>
-          </a:xfrm>
-          <a:prstGeom prst="bentConnector2">
-            <a:avLst/>
-          </a:prstGeom>
-          <a:ln>
-            <a:solidFill>
-              <a:schemeClr val="tx1"/>
-            </a:solidFill>
-            <a:tailEnd type="triangle" w="lg" len="lg"/>
-          </a:ln>
-        </p:spPr>
-        <p:style>
-          <a:lnRef idx="1">
-            <a:schemeClr val="accent1"/>
-          </a:lnRef>
-          <a:fillRef idx="0">
-            <a:schemeClr val="accent1"/>
-          </a:fillRef>
-          <a:effectRef idx="0">
-            <a:schemeClr val="accent1"/>
-          </a:effectRef>
-          <a:fontRef idx="minor">
-            <a:schemeClr val="tx1"/>
-          </a:fontRef>
-        </p:style>
-      </p:cxnSp>
-      <p:sp>
-        <p:nvSpPr>
-          <p:cNvPr id="38" name="楕円 37">
-            <a:extLst>
-              <a:ext uri="{FF2B5EF4-FFF2-40B4-BE49-F238E27FC236}">
-                <a16:creationId xmlns:a16="http://schemas.microsoft.com/office/drawing/2014/main" id="{B34CA475-3F09-465C-A28B-CED0506281E5}"/>
-              </a:ext>
-            </a:extLst>
-          </p:cNvPr>
-          <p:cNvSpPr/>
-          <p:nvPr/>
-        </p:nvSpPr>
-        <p:spPr>
-          <a:xfrm>
-            <a:off x="10564498" y="1362268"/>
-            <a:ext cx="1231641" cy="1231641"/>
-          </a:xfrm>
-          <a:prstGeom prst="ellipse">
-            <a:avLst/>
-          </a:prstGeom>
-          <a:noFill/>
-          <a:ln>
-            <a:solidFill>
-              <a:schemeClr val="tx1"/>
-            </a:solidFill>
-          </a:ln>
-        </p:spPr>
-        <p:style>
-          <a:lnRef idx="2">
-            <a:schemeClr val="accent1">
-              <a:shade val="50000"/>
-            </a:schemeClr>
-          </a:lnRef>
-          <a:fillRef idx="1">
-            <a:schemeClr val="accent1"/>
-          </a:fillRef>
-          <a:effectRef idx="0">
-            <a:schemeClr val="accent1"/>
-          </a:effectRef>
-          <a:fontRef idx="minor">
-            <a:schemeClr val="lt1"/>
-          </a:fontRef>
-        </p:style>
-        <p:txBody>
-          <a:bodyPr rtlCol="0" anchor="ctr"/>
-          <a:lstStyle/>
-          <a:p>
-            <a:pPr algn="ctr"/>
-            <a:r>
-              <a:rPr kumimoji="1" lang="en-US" altLang="ja-JP" sz="4000" dirty="0">
-                <a:solidFill>
-                  <a:schemeClr val="tx1"/>
-                </a:solidFill>
-              </a:rPr>
-              <a:t>Y</a:t>
-            </a:r>
-            <a:endParaRPr kumimoji="1" lang="ja-JP" altLang="en-US" sz="4000" dirty="0">
-              <a:solidFill>
-                <a:schemeClr val="tx1"/>
-              </a:solidFill>
-            </a:endParaRPr>
-          </a:p>
-        </p:txBody>
-      </p:sp>
-      <p:cxnSp>
-        <p:nvCxnSpPr>
-          <p:cNvPr id="41" name="コネクタ: カギ線 40">
-            <a:extLst>
-              <a:ext uri="{FF2B5EF4-FFF2-40B4-BE49-F238E27FC236}">
-                <a16:creationId xmlns:a16="http://schemas.microsoft.com/office/drawing/2014/main" id="{7A060C84-113B-4FE9-87BB-DFB2030F13A8}"/>
-              </a:ext>
-            </a:extLst>
-          </p:cNvPr>
-          <p:cNvCxnSpPr>
-            <a:cxnSpLocks/>
-            <a:stCxn id="16" idx="0"/>
-            <a:endCxn id="38" idx="0"/>
-          </p:cNvCxnSpPr>
-          <p:nvPr/>
-        </p:nvCxnSpPr>
-        <p:spPr>
-          <a:xfrm rot="5400000" flipH="1" flipV="1">
-            <a:off x="9337944" y="-480106"/>
-            <a:ext cx="1" cy="3684750"/>
-          </a:xfrm>
-          <a:prstGeom prst="bentConnector3">
-            <a:avLst>
-              <a:gd name="adj1" fmla="val 22860100000"/>
-            </a:avLst>
-          </a:prstGeom>
-          <a:ln>
-            <a:solidFill>
-              <a:schemeClr val="tx1"/>
-            </a:solidFill>
-            <a:tailEnd type="triangle" w="lg" len="lg"/>
-          </a:ln>
-        </p:spPr>
-        <p:style>
-          <a:lnRef idx="1">
-            <a:schemeClr val="accent1"/>
-          </a:lnRef>
-          <a:fillRef idx="0">
-            <a:schemeClr val="accent1"/>
-          </a:fillRef>
-          <a:effectRef idx="0">
-            <a:schemeClr val="accent1"/>
-          </a:effectRef>
-          <a:fontRef idx="minor">
-            <a:schemeClr val="tx1"/>
-          </a:fontRef>
-        </p:style>
-      </p:cxnSp>
-      <p:sp>
-        <p:nvSpPr>
-          <p:cNvPr id="48" name="楕円 47">
-            <a:extLst>
-              <a:ext uri="{FF2B5EF4-FFF2-40B4-BE49-F238E27FC236}">
-                <a16:creationId xmlns:a16="http://schemas.microsoft.com/office/drawing/2014/main" id="{9805DEEA-9EE6-4B6E-916B-2E37DE542C57}"/>
-              </a:ext>
-            </a:extLst>
-          </p:cNvPr>
-          <p:cNvSpPr/>
-          <p:nvPr/>
-        </p:nvSpPr>
-        <p:spPr>
-          <a:xfrm>
-            <a:off x="2457039" y="5690143"/>
-            <a:ext cx="1231641" cy="1231641"/>
-          </a:xfrm>
-          <a:prstGeom prst="ellipse">
-            <a:avLst/>
-          </a:prstGeom>
-          <a:noFill/>
-          <a:ln>
-            <a:solidFill>
-              <a:schemeClr val="tx1"/>
-            </a:solidFill>
-          </a:ln>
-        </p:spPr>
-        <p:style>
-          <a:lnRef idx="2">
-            <a:schemeClr val="accent1">
-              <a:shade val="50000"/>
-            </a:schemeClr>
-          </a:lnRef>
-          <a:fillRef idx="1">
-            <a:schemeClr val="accent1"/>
-          </a:fillRef>
-          <a:effectRef idx="0">
-            <a:schemeClr val="accent1"/>
-          </a:effectRef>
-          <a:fontRef idx="minor">
-            <a:schemeClr val="lt1"/>
-          </a:fontRef>
-        </p:style>
-        <p:txBody>
-          <a:bodyPr rtlCol="0" anchor="ctr"/>
-          <a:lstStyle/>
-          <a:p>
-            <a:pPr algn="ctr"/>
-            <a:r>
-              <a:rPr kumimoji="1" lang="en-US" altLang="ja-JP" sz="4000" dirty="0">
-                <a:solidFill>
-                  <a:schemeClr val="tx1"/>
-                </a:solidFill>
-              </a:rPr>
-              <a:t>X’</a:t>
-            </a:r>
-            <a:endParaRPr kumimoji="1" lang="ja-JP" altLang="en-US" sz="4000" dirty="0">
-              <a:solidFill>
-                <a:schemeClr val="tx1"/>
-              </a:solidFill>
-            </a:endParaRPr>
-          </a:p>
-        </p:txBody>
-      </p:sp>
-      <p:sp>
-        <p:nvSpPr>
-          <p:cNvPr id="51" name="楕円 50">
-            <a:extLst>
-              <a:ext uri="{FF2B5EF4-FFF2-40B4-BE49-F238E27FC236}">
-                <a16:creationId xmlns:a16="http://schemas.microsoft.com/office/drawing/2014/main" id="{16B8B4E9-77A7-4194-B897-060A09FD38A2}"/>
-              </a:ext>
-            </a:extLst>
-          </p:cNvPr>
-          <p:cNvSpPr/>
-          <p:nvPr/>
-        </p:nvSpPr>
-        <p:spPr>
-          <a:xfrm>
-            <a:off x="2444621" y="7322960"/>
-            <a:ext cx="1231641" cy="1231641"/>
-          </a:xfrm>
-          <a:prstGeom prst="ellipse">
-            <a:avLst/>
-          </a:prstGeom>
-          <a:noFill/>
-          <a:ln>
-            <a:solidFill>
-              <a:schemeClr val="tx1"/>
-            </a:solidFill>
-          </a:ln>
-        </p:spPr>
-        <p:style>
-          <a:lnRef idx="2">
-            <a:schemeClr val="accent1">
-              <a:shade val="50000"/>
-            </a:schemeClr>
-          </a:lnRef>
-          <a:fillRef idx="1">
-            <a:schemeClr val="accent1"/>
-          </a:fillRef>
-          <a:effectRef idx="0">
-            <a:schemeClr val="accent1"/>
-          </a:effectRef>
-          <a:fontRef idx="minor">
-            <a:schemeClr val="lt1"/>
-          </a:fontRef>
-        </p:style>
-        <p:txBody>
-          <a:bodyPr rtlCol="0" anchor="ctr"/>
-          <a:lstStyle/>
-          <a:p>
-            <a:pPr algn="ctr"/>
-            <a:r>
-              <a:rPr kumimoji="1" lang="en-US" altLang="ja-JP" sz="4000" dirty="0">
-                <a:solidFill>
-                  <a:schemeClr val="tx1"/>
-                </a:solidFill>
-              </a:rPr>
-              <a:t>T’</a:t>
-            </a:r>
-            <a:endParaRPr kumimoji="1" lang="ja-JP" altLang="en-US" sz="4000" dirty="0">
-              <a:solidFill>
-                <a:schemeClr val="tx1"/>
-              </a:solidFill>
-            </a:endParaRPr>
-          </a:p>
-        </p:txBody>
-      </p:sp>
-      <p:sp>
-        <p:nvSpPr>
-          <p:cNvPr id="54" name="楕円 53">
-            <a:extLst>
-              <a:ext uri="{FF2B5EF4-FFF2-40B4-BE49-F238E27FC236}">
-                <a16:creationId xmlns:a16="http://schemas.microsoft.com/office/drawing/2014/main" id="{0F74B760-DAC3-4608-B9B1-1E2BEC0F2906}"/>
-              </a:ext>
-            </a:extLst>
-          </p:cNvPr>
-          <p:cNvSpPr/>
-          <p:nvPr/>
-        </p:nvSpPr>
-        <p:spPr>
-          <a:xfrm>
-            <a:off x="10757285" y="5690142"/>
-            <a:ext cx="1231641" cy="1231641"/>
-          </a:xfrm>
-          <a:prstGeom prst="ellipse">
-            <a:avLst/>
-          </a:prstGeom>
-          <a:noFill/>
-          <a:ln>
-            <a:solidFill>
-              <a:schemeClr val="tx1"/>
-            </a:solidFill>
-          </a:ln>
-        </p:spPr>
-        <p:style>
-          <a:lnRef idx="2">
-            <a:schemeClr val="accent1">
-              <a:shade val="50000"/>
-            </a:schemeClr>
-          </a:lnRef>
-          <a:fillRef idx="1">
-            <a:schemeClr val="accent1"/>
-          </a:fillRef>
-          <a:effectRef idx="0">
-            <a:schemeClr val="accent1"/>
-          </a:effectRef>
-          <a:fontRef idx="minor">
-            <a:schemeClr val="lt1"/>
-          </a:fontRef>
-        </p:style>
-        <p:txBody>
-          <a:bodyPr rtlCol="0" anchor="ctr"/>
-          <a:lstStyle/>
-          <a:p>
-            <a:pPr algn="ctr"/>
-            <a:r>
-              <a:rPr kumimoji="1" lang="en-US" altLang="ja-JP" sz="4000" dirty="0">
-                <a:solidFill>
-                  <a:schemeClr val="tx1"/>
-                </a:solidFill>
-              </a:rPr>
-              <a:t>Y’</a:t>
-            </a:r>
-            <a:endParaRPr kumimoji="1" lang="ja-JP" altLang="en-US" sz="4000" dirty="0">
-              <a:solidFill>
-                <a:schemeClr val="tx1"/>
-              </a:solidFill>
-            </a:endParaRPr>
-          </a:p>
-        </p:txBody>
-      </p:sp>
-      <p:sp>
-        <p:nvSpPr>
-          <p:cNvPr id="57" name="楕円 56">
-            <a:extLst>
-              <a:ext uri="{FF2B5EF4-FFF2-40B4-BE49-F238E27FC236}">
-                <a16:creationId xmlns:a16="http://schemas.microsoft.com/office/drawing/2014/main" id="{E2478982-00B5-4D23-9CAA-E40F7CEF7C3E}"/>
-              </a:ext>
-            </a:extLst>
-          </p:cNvPr>
-          <p:cNvSpPr/>
-          <p:nvPr/>
-        </p:nvSpPr>
-        <p:spPr>
-          <a:xfrm>
-            <a:off x="7072536" y="5690143"/>
-            <a:ext cx="1231641" cy="1231641"/>
-          </a:xfrm>
-          <a:prstGeom prst="ellipse">
-            <a:avLst/>
-          </a:prstGeom>
-          <a:noFill/>
-          <a:ln>
-            <a:solidFill>
-              <a:schemeClr val="tx1"/>
-            </a:solidFill>
-          </a:ln>
-        </p:spPr>
-        <p:style>
-          <a:lnRef idx="2">
-            <a:schemeClr val="accent1">
-              <a:shade val="50000"/>
-            </a:schemeClr>
-          </a:lnRef>
-          <a:fillRef idx="1">
-            <a:schemeClr val="accent1"/>
-          </a:fillRef>
-          <a:effectRef idx="0">
-            <a:schemeClr val="accent1"/>
-          </a:effectRef>
-          <a:fontRef idx="minor">
-            <a:schemeClr val="lt1"/>
-          </a:fontRef>
-        </p:style>
-        <p:txBody>
-          <a:bodyPr rtlCol="0" anchor="ctr"/>
-          <a:lstStyle/>
-          <a:p>
-            <a:pPr algn="ctr"/>
-            <a:r>
-              <a:rPr kumimoji="1" lang="en-US" altLang="ja-JP" sz="4000" dirty="0">
-                <a:solidFill>
-                  <a:schemeClr val="tx1"/>
-                </a:solidFill>
-              </a:rPr>
-              <a:t>S’</a:t>
-            </a:r>
-            <a:endParaRPr kumimoji="1" lang="ja-JP" altLang="en-US" sz="4000" dirty="0">
-              <a:solidFill>
-                <a:schemeClr val="tx1"/>
-              </a:solidFill>
-            </a:endParaRPr>
-          </a:p>
-        </p:txBody>
-      </p:sp>
-      <p:cxnSp>
-        <p:nvCxnSpPr>
-          <p:cNvPr id="58" name="直線矢印コネクタ 57">
-            <a:extLst>
-              <a:ext uri="{FF2B5EF4-FFF2-40B4-BE49-F238E27FC236}">
-                <a16:creationId xmlns:a16="http://schemas.microsoft.com/office/drawing/2014/main" id="{E407AF7B-916B-47E7-9B2C-9E18CD0A80A0}"/>
-              </a:ext>
-            </a:extLst>
-          </p:cNvPr>
-          <p:cNvCxnSpPr>
-            <a:cxnSpLocks/>
-            <a:stCxn id="48" idx="6"/>
-            <a:endCxn id="57" idx="2"/>
-          </p:cNvCxnSpPr>
-          <p:nvPr/>
-        </p:nvCxnSpPr>
-        <p:spPr>
-          <a:xfrm>
-            <a:off x="3688680" y="6305964"/>
-            <a:ext cx="3383856" cy="0"/>
-          </a:xfrm>
-          <a:prstGeom prst="straightConnector1">
-            <a:avLst/>
-          </a:prstGeom>
-          <a:ln>
-            <a:solidFill>
-              <a:schemeClr val="tx1"/>
-            </a:solidFill>
-            <a:tailEnd type="triangle" w="lg" len="lg"/>
-          </a:ln>
-        </p:spPr>
-        <p:style>
-          <a:lnRef idx="1">
-            <a:schemeClr val="accent1"/>
-          </a:lnRef>
-          <a:fillRef idx="0">
-            <a:schemeClr val="accent1"/>
-          </a:fillRef>
-          <a:effectRef idx="0">
-            <a:schemeClr val="accent1"/>
-          </a:effectRef>
-          <a:fontRef idx="minor">
-            <a:schemeClr val="tx1"/>
-          </a:fontRef>
-        </p:style>
-      </p:cxnSp>
-      <p:cxnSp>
-        <p:nvCxnSpPr>
-          <p:cNvPr id="61" name="直線矢印コネクタ 60">
-            <a:extLst>
-              <a:ext uri="{FF2B5EF4-FFF2-40B4-BE49-F238E27FC236}">
-                <a16:creationId xmlns:a16="http://schemas.microsoft.com/office/drawing/2014/main" id="{DF4BBB80-F899-43A0-82E1-2597F4D265C3}"/>
-              </a:ext>
-            </a:extLst>
-          </p:cNvPr>
-          <p:cNvCxnSpPr>
-            <a:cxnSpLocks/>
-            <a:stCxn id="57" idx="6"/>
-            <a:endCxn id="54" idx="2"/>
-          </p:cNvCxnSpPr>
-          <p:nvPr/>
-        </p:nvCxnSpPr>
-        <p:spPr>
-          <a:xfrm flipV="1">
-            <a:off x="8304177" y="6305963"/>
-            <a:ext cx="2453108" cy="1"/>
-          </a:xfrm>
-          <a:prstGeom prst="straightConnector1">
-            <a:avLst/>
-          </a:prstGeom>
-          <a:ln>
-            <a:solidFill>
-              <a:schemeClr val="tx1"/>
-            </a:solidFill>
-            <a:tailEnd type="triangle" w="lg" len="lg"/>
-          </a:ln>
-        </p:spPr>
-        <p:style>
-          <a:lnRef idx="1">
-            <a:schemeClr val="accent1"/>
-          </a:lnRef>
-          <a:fillRef idx="0">
-            <a:schemeClr val="accent1"/>
-          </a:fillRef>
-          <a:effectRef idx="0">
-            <a:schemeClr val="accent1"/>
-          </a:effectRef>
-          <a:fontRef idx="minor">
-            <a:schemeClr val="tx1"/>
-          </a:fontRef>
-        </p:style>
-      </p:cxnSp>
-      <p:cxnSp>
-        <p:nvCxnSpPr>
-          <p:cNvPr id="65" name="コネクタ: カギ線 64">
-            <a:extLst>
-              <a:ext uri="{FF2B5EF4-FFF2-40B4-BE49-F238E27FC236}">
-                <a16:creationId xmlns:a16="http://schemas.microsoft.com/office/drawing/2014/main" id="{BB72C998-C5EC-4064-9003-C8DA17CA7288}"/>
-              </a:ext>
-            </a:extLst>
-          </p:cNvPr>
-          <p:cNvCxnSpPr>
-            <a:cxnSpLocks/>
-            <a:stCxn id="23" idx="5"/>
-            <a:endCxn id="54" idx="0"/>
-          </p:cNvCxnSpPr>
-          <p:nvPr/>
-        </p:nvCxnSpPr>
-        <p:spPr>
-          <a:xfrm rot="16200000" flipH="1">
-            <a:off x="8873721" y="3190756"/>
-            <a:ext cx="3276603" cy="1722167"/>
-          </a:xfrm>
-          <a:prstGeom prst="bentConnector3">
-            <a:avLst>
-              <a:gd name="adj1" fmla="val 50000"/>
-            </a:avLst>
-          </a:prstGeom>
-          <a:ln>
-            <a:solidFill>
-              <a:schemeClr val="tx1"/>
-            </a:solidFill>
-            <a:tailEnd type="triangle" w="lg" len="lg"/>
-          </a:ln>
-        </p:spPr>
-        <p:style>
-          <a:lnRef idx="1">
-            <a:schemeClr val="accent1"/>
-          </a:lnRef>
-          <a:fillRef idx="0">
-            <a:schemeClr val="accent1"/>
-          </a:fillRef>
-          <a:effectRef idx="0">
-            <a:schemeClr val="accent1"/>
-          </a:effectRef>
-          <a:fontRef idx="minor">
-            <a:schemeClr val="tx1"/>
-          </a:fontRef>
-        </p:style>
-      </p:cxnSp>
-      <p:cxnSp>
-        <p:nvCxnSpPr>
-          <p:cNvPr id="68" name="コネクタ: カギ線 67">
-            <a:extLst>
-              <a:ext uri="{FF2B5EF4-FFF2-40B4-BE49-F238E27FC236}">
-                <a16:creationId xmlns:a16="http://schemas.microsoft.com/office/drawing/2014/main" id="{CB11BB53-FA7A-4466-8F3B-D4FE18AA1D95}"/>
-              </a:ext>
-            </a:extLst>
-          </p:cNvPr>
-          <p:cNvCxnSpPr>
-            <a:cxnSpLocks/>
-            <a:stCxn id="7" idx="5"/>
-            <a:endCxn id="57" idx="0"/>
-          </p:cNvCxnSpPr>
-          <p:nvPr/>
-        </p:nvCxnSpPr>
-        <p:spPr>
-          <a:xfrm rot="16200000" flipH="1">
-            <a:off x="5113906" y="3115692"/>
-            <a:ext cx="3276602" cy="1872299"/>
-          </a:xfrm>
-          <a:prstGeom prst="bentConnector3">
-            <a:avLst>
-              <a:gd name="adj1" fmla="val 50000"/>
-            </a:avLst>
-          </a:prstGeom>
-          <a:ln>
-            <a:solidFill>
-              <a:schemeClr val="tx1"/>
-            </a:solidFill>
-            <a:tailEnd type="triangle" w="lg" len="lg"/>
-          </a:ln>
-        </p:spPr>
-        <p:style>
-          <a:lnRef idx="1">
-            <a:schemeClr val="accent1"/>
-          </a:lnRef>
-          <a:fillRef idx="0">
-            <a:schemeClr val="accent1"/>
-          </a:fillRef>
-          <a:effectRef idx="0">
-            <a:schemeClr val="accent1"/>
-          </a:effectRef>
-          <a:fontRef idx="minor">
-            <a:schemeClr val="tx1"/>
-          </a:fontRef>
-        </p:style>
-      </p:cxnSp>
-      <p:sp>
-        <p:nvSpPr>
-          <p:cNvPr id="74" name="四角形: 角を丸くする 73">
-            <a:extLst>
-              <a:ext uri="{FF2B5EF4-FFF2-40B4-BE49-F238E27FC236}">
-                <a16:creationId xmlns:a16="http://schemas.microsoft.com/office/drawing/2014/main" id="{39F78658-109C-44C2-82D1-F631B055C9FB}"/>
-              </a:ext>
-            </a:extLst>
-          </p:cNvPr>
-          <p:cNvSpPr/>
-          <p:nvPr/>
-        </p:nvSpPr>
-        <p:spPr>
-          <a:xfrm>
-            <a:off x="2211775" y="1182727"/>
-            <a:ext cx="1722167" cy="3276582"/>
-          </a:xfrm>
-          <a:prstGeom prst="roundRect">
-            <a:avLst/>
-          </a:prstGeom>
-          <a:noFill/>
-          <a:ln>
-            <a:solidFill>
-              <a:schemeClr val="tx1"/>
-            </a:solidFill>
-          </a:ln>
-        </p:spPr>
-        <p:style>
-          <a:lnRef idx="2">
-            <a:schemeClr val="accent1">
-              <a:shade val="50000"/>
-            </a:schemeClr>
-          </a:lnRef>
-          <a:fillRef idx="1">
-            <a:schemeClr val="accent1"/>
-          </a:fillRef>
-          <a:effectRef idx="0">
-            <a:schemeClr val="accent1"/>
-          </a:effectRef>
-          <a:fontRef idx="minor">
-            <a:schemeClr val="lt1"/>
-          </a:fontRef>
-        </p:style>
-        <p:txBody>
-          <a:bodyPr rtlCol="0" anchor="ctr"/>
-          <a:lstStyle/>
-          <a:p>
-            <a:pPr algn="ctr"/>
-            <a:endParaRPr kumimoji="1" lang="ja-JP" altLang="en-US"/>
-          </a:p>
-        </p:txBody>
-      </p:sp>
-      <p:sp>
-        <p:nvSpPr>
-          <p:cNvPr id="75" name="四角形: 角を丸くする 74">
-            <a:extLst>
-              <a:ext uri="{FF2B5EF4-FFF2-40B4-BE49-F238E27FC236}">
-                <a16:creationId xmlns:a16="http://schemas.microsoft.com/office/drawing/2014/main" id="{21D86808-F346-41CF-A6E4-470514D87A51}"/>
-              </a:ext>
-            </a:extLst>
-          </p:cNvPr>
-          <p:cNvSpPr/>
-          <p:nvPr/>
-        </p:nvSpPr>
-        <p:spPr>
-          <a:xfrm>
-            <a:off x="2199357" y="5510580"/>
-            <a:ext cx="1722167" cy="3276582"/>
-          </a:xfrm>
-          <a:prstGeom prst="roundRect">
-            <a:avLst/>
-          </a:prstGeom>
-          <a:noFill/>
-          <a:ln>
-            <a:solidFill>
-              <a:schemeClr val="tx1"/>
-            </a:solidFill>
-          </a:ln>
-        </p:spPr>
-        <p:style>
-          <a:lnRef idx="2">
-            <a:schemeClr val="accent1">
-              <a:shade val="50000"/>
-            </a:schemeClr>
-          </a:lnRef>
-          <a:fillRef idx="1">
-            <a:schemeClr val="accent1"/>
-          </a:fillRef>
-          <a:effectRef idx="0">
-            <a:schemeClr val="accent1"/>
-          </a:effectRef>
-          <a:fontRef idx="minor">
-            <a:schemeClr val="lt1"/>
-          </a:fontRef>
-        </p:style>
-        <p:txBody>
-          <a:bodyPr rtlCol="0" anchor="ctr"/>
-          <a:lstStyle/>
-          <a:p>
-            <a:pPr algn="ctr"/>
-            <a:endParaRPr kumimoji="1" lang="ja-JP" altLang="en-US"/>
-          </a:p>
-        </p:txBody>
-      </p:sp>
-      <p:sp>
-        <p:nvSpPr>
-          <p:cNvPr id="29" name="楕円 28">
-            <a:extLst>
-              <a:ext uri="{FF2B5EF4-FFF2-40B4-BE49-F238E27FC236}">
-                <a16:creationId xmlns:a16="http://schemas.microsoft.com/office/drawing/2014/main" id="{FBAC4256-B906-4036-991A-55790746AE97}"/>
-              </a:ext>
-            </a:extLst>
-          </p:cNvPr>
-          <p:cNvSpPr/>
-          <p:nvPr/>
-        </p:nvSpPr>
-        <p:spPr>
-          <a:xfrm>
-            <a:off x="16218918" y="1413505"/>
-            <a:ext cx="1231641" cy="1231641"/>
-          </a:xfrm>
-          <a:prstGeom prst="ellipse">
-            <a:avLst/>
-          </a:prstGeom>
-          <a:noFill/>
-          <a:ln>
-            <a:solidFill>
-              <a:schemeClr val="tx1"/>
-            </a:solidFill>
-          </a:ln>
-        </p:spPr>
-        <p:style>
-          <a:lnRef idx="2">
-            <a:schemeClr val="accent1">
-              <a:shade val="50000"/>
-            </a:schemeClr>
-          </a:lnRef>
-          <a:fillRef idx="1">
-            <a:schemeClr val="accent1"/>
-          </a:fillRef>
-          <a:effectRef idx="0">
-            <a:schemeClr val="accent1"/>
-          </a:effectRef>
-          <a:fontRef idx="minor">
-            <a:schemeClr val="lt1"/>
-          </a:fontRef>
-        </p:style>
-        <p:txBody>
-          <a:bodyPr rtlCol="0" anchor="ctr"/>
-          <a:lstStyle/>
-          <a:p>
-            <a:pPr algn="ctr"/>
-            <a:r>
-              <a:rPr kumimoji="1" lang="en-US" altLang="ja-JP" sz="4000" dirty="0">
-                <a:solidFill>
-                  <a:schemeClr val="tx1"/>
-                </a:solidFill>
-              </a:rPr>
-              <a:t>X</a:t>
-            </a:r>
-            <a:endParaRPr kumimoji="1" lang="ja-JP" altLang="en-US" sz="4000" dirty="0">
-              <a:solidFill>
-                <a:schemeClr val="tx1"/>
-              </a:solidFill>
-            </a:endParaRPr>
-          </a:p>
-        </p:txBody>
-      </p:sp>
-      <p:sp>
-        <p:nvSpPr>
-          <p:cNvPr id="31" name="楕円 30">
-            <a:extLst>
-              <a:ext uri="{FF2B5EF4-FFF2-40B4-BE49-F238E27FC236}">
-                <a16:creationId xmlns:a16="http://schemas.microsoft.com/office/drawing/2014/main" id="{B005D3AD-B373-4C1F-BA12-295CDA12D927}"/>
-              </a:ext>
-            </a:extLst>
-          </p:cNvPr>
-          <p:cNvSpPr/>
-          <p:nvPr/>
-        </p:nvSpPr>
-        <p:spPr>
-          <a:xfrm>
-            <a:off x="16218918" y="3018369"/>
-            <a:ext cx="1231641" cy="1231641"/>
-          </a:xfrm>
-          <a:prstGeom prst="ellipse">
-            <a:avLst/>
-          </a:prstGeom>
-          <a:noFill/>
-          <a:ln>
-            <a:solidFill>
-              <a:schemeClr val="tx1"/>
-            </a:solidFill>
-          </a:ln>
-        </p:spPr>
-        <p:style>
-          <a:lnRef idx="2">
-            <a:schemeClr val="accent1">
-              <a:shade val="50000"/>
-            </a:schemeClr>
-          </a:lnRef>
-          <a:fillRef idx="1">
-            <a:schemeClr val="accent1"/>
-          </a:fillRef>
-          <a:effectRef idx="0">
-            <a:schemeClr val="accent1"/>
-          </a:effectRef>
-          <a:fontRef idx="minor">
-            <a:schemeClr val="lt1"/>
-          </a:fontRef>
-        </p:style>
-        <p:txBody>
-          <a:bodyPr rtlCol="0" anchor="ctr"/>
-          <a:lstStyle/>
-          <a:p>
-            <a:pPr algn="ctr"/>
-            <a:r>
-              <a:rPr kumimoji="1" lang="en-US" altLang="ja-JP" sz="4000" dirty="0">
-                <a:solidFill>
-                  <a:schemeClr val="tx1"/>
-                </a:solidFill>
-              </a:rPr>
-              <a:t>T</a:t>
-            </a:r>
-            <a:endParaRPr kumimoji="1" lang="ja-JP" altLang="en-US" sz="4000" dirty="0">
-              <a:solidFill>
-                <a:schemeClr val="tx1"/>
-              </a:solidFill>
-            </a:endParaRPr>
-          </a:p>
-        </p:txBody>
-      </p:sp>
-      <p:sp>
-        <p:nvSpPr>
-          <p:cNvPr id="32" name="楕円 31">
-            <a:extLst>
-              <a:ext uri="{FF2B5EF4-FFF2-40B4-BE49-F238E27FC236}">
-                <a16:creationId xmlns:a16="http://schemas.microsoft.com/office/drawing/2014/main" id="{3E544D70-5604-4007-9D22-535AC7845294}"/>
-              </a:ext>
-            </a:extLst>
-          </p:cNvPr>
-          <p:cNvSpPr/>
-          <p:nvPr/>
-        </p:nvSpPr>
-        <p:spPr>
-          <a:xfrm>
-            <a:off x="18451601" y="1362290"/>
-            <a:ext cx="1231641" cy="1231641"/>
-          </a:xfrm>
-          <a:prstGeom prst="ellipse">
-            <a:avLst/>
-          </a:prstGeom>
-          <a:noFill/>
-          <a:ln>
-            <a:solidFill>
-              <a:schemeClr val="tx1"/>
-            </a:solidFill>
-          </a:ln>
-        </p:spPr>
-        <p:style>
-          <a:lnRef idx="2">
-            <a:schemeClr val="accent1">
-              <a:shade val="50000"/>
-            </a:schemeClr>
-          </a:lnRef>
-          <a:fillRef idx="1">
-            <a:schemeClr val="accent1"/>
-          </a:fillRef>
-          <a:effectRef idx="0">
-            <a:schemeClr val="accent1"/>
-          </a:effectRef>
-          <a:fontRef idx="minor">
-            <a:schemeClr val="lt1"/>
-          </a:fontRef>
-        </p:style>
-        <p:txBody>
-          <a:bodyPr rtlCol="0" anchor="ctr"/>
-          <a:lstStyle/>
-          <a:p>
-            <a:pPr algn="ctr"/>
-            <a:r>
-              <a:rPr kumimoji="1" lang="en-US" altLang="ja-JP" sz="4000" dirty="0">
-                <a:solidFill>
-                  <a:schemeClr val="tx1"/>
-                </a:solidFill>
-              </a:rPr>
-              <a:t>X’</a:t>
-            </a:r>
-            <a:endParaRPr kumimoji="1" lang="ja-JP" altLang="en-US" sz="4000" dirty="0">
-              <a:solidFill>
-                <a:schemeClr val="tx1"/>
-              </a:solidFill>
-            </a:endParaRPr>
-          </a:p>
-        </p:txBody>
-      </p:sp>
-      <p:sp>
-        <p:nvSpPr>
-          <p:cNvPr id="34" name="楕円 33">
-            <a:extLst>
-              <a:ext uri="{FF2B5EF4-FFF2-40B4-BE49-F238E27FC236}">
-                <a16:creationId xmlns:a16="http://schemas.microsoft.com/office/drawing/2014/main" id="{D719739E-8211-4CEB-BDAB-D03FB7310F2B}"/>
-              </a:ext>
-            </a:extLst>
-          </p:cNvPr>
-          <p:cNvSpPr/>
-          <p:nvPr/>
-        </p:nvSpPr>
-        <p:spPr>
-          <a:xfrm>
-            <a:off x="18439183" y="2995107"/>
-            <a:ext cx="1231641" cy="1231641"/>
-          </a:xfrm>
-          <a:prstGeom prst="ellipse">
-            <a:avLst/>
-          </a:prstGeom>
-          <a:noFill/>
-          <a:ln>
-            <a:solidFill>
-              <a:schemeClr val="tx1"/>
-            </a:solidFill>
-          </a:ln>
-        </p:spPr>
-        <p:style>
-          <a:lnRef idx="2">
-            <a:schemeClr val="accent1">
-              <a:shade val="50000"/>
-            </a:schemeClr>
-          </a:lnRef>
-          <a:fillRef idx="1">
-            <a:schemeClr val="accent1"/>
-          </a:fillRef>
-          <a:effectRef idx="0">
-            <a:schemeClr val="accent1"/>
-          </a:effectRef>
-          <a:fontRef idx="minor">
-            <a:schemeClr val="lt1"/>
-          </a:fontRef>
-        </p:style>
-        <p:txBody>
-          <a:bodyPr rtlCol="0" anchor="ctr"/>
-          <a:lstStyle/>
-          <a:p>
-            <a:pPr algn="ctr"/>
-            <a:r>
-              <a:rPr kumimoji="1" lang="en-US" altLang="ja-JP" sz="4000" dirty="0">
-                <a:solidFill>
-                  <a:schemeClr val="tx1"/>
-                </a:solidFill>
-              </a:rPr>
-              <a:t>T’</a:t>
-            </a:r>
-            <a:endParaRPr kumimoji="1" lang="ja-JP" altLang="en-US" sz="4000" dirty="0">
-              <a:solidFill>
-                <a:schemeClr val="tx1"/>
-              </a:solidFill>
-            </a:endParaRPr>
-          </a:p>
-        </p:txBody>
-      </p:sp>
-      <p:sp>
-        <p:nvSpPr>
-          <p:cNvPr id="35" name="四角形: 角を丸くする 34">
-            <a:extLst>
-              <a:ext uri="{FF2B5EF4-FFF2-40B4-BE49-F238E27FC236}">
-                <a16:creationId xmlns:a16="http://schemas.microsoft.com/office/drawing/2014/main" id="{B4D53B4A-C3A9-4EB0-B540-085575320E53}"/>
-              </a:ext>
-            </a:extLst>
-          </p:cNvPr>
-          <p:cNvSpPr/>
-          <p:nvPr/>
-        </p:nvSpPr>
-        <p:spPr>
-          <a:xfrm>
-            <a:off x="15986072" y="1233962"/>
-            <a:ext cx="1722167" cy="3276582"/>
-          </a:xfrm>
-          <a:prstGeom prst="roundRect">
-            <a:avLst/>
-          </a:prstGeom>
-          <a:noFill/>
-          <a:ln>
-            <a:solidFill>
-              <a:schemeClr val="tx1"/>
-            </a:solidFill>
-          </a:ln>
-        </p:spPr>
-        <p:style>
-          <a:lnRef idx="2">
-            <a:schemeClr val="accent1">
-              <a:shade val="50000"/>
-            </a:schemeClr>
-          </a:lnRef>
-          <a:fillRef idx="1">
-            <a:schemeClr val="accent1"/>
-          </a:fillRef>
-          <a:effectRef idx="0">
-            <a:schemeClr val="accent1"/>
-          </a:effectRef>
-          <a:fontRef idx="minor">
-            <a:schemeClr val="lt1"/>
-          </a:fontRef>
-        </p:style>
-        <p:txBody>
-          <a:bodyPr rtlCol="0" anchor="ctr"/>
-          <a:lstStyle/>
-          <a:p>
-            <a:pPr algn="ctr"/>
-            <a:endParaRPr kumimoji="1" lang="ja-JP" altLang="en-US"/>
-          </a:p>
-        </p:txBody>
-      </p:sp>
-      <p:sp>
-        <p:nvSpPr>
-          <p:cNvPr id="36" name="四角形: 角を丸くする 35">
-            <a:extLst>
-              <a:ext uri="{FF2B5EF4-FFF2-40B4-BE49-F238E27FC236}">
-                <a16:creationId xmlns:a16="http://schemas.microsoft.com/office/drawing/2014/main" id="{ED750E49-9C2F-4479-947C-EB5166D61422}"/>
-              </a:ext>
-            </a:extLst>
-          </p:cNvPr>
-          <p:cNvSpPr/>
-          <p:nvPr/>
-        </p:nvSpPr>
-        <p:spPr>
-          <a:xfrm>
-            <a:off x="18193919" y="1182727"/>
-            <a:ext cx="1722167" cy="3276582"/>
-          </a:xfrm>
-          <a:prstGeom prst="roundRect">
-            <a:avLst/>
-          </a:prstGeom>
-          <a:noFill/>
-          <a:ln>
-            <a:solidFill>
-              <a:schemeClr val="tx1"/>
-            </a:solidFill>
-          </a:ln>
-        </p:spPr>
-        <p:style>
-          <a:lnRef idx="2">
-            <a:schemeClr val="accent1">
-              <a:shade val="50000"/>
-            </a:schemeClr>
-          </a:lnRef>
-          <a:fillRef idx="1">
-            <a:schemeClr val="accent1"/>
-          </a:fillRef>
-          <a:effectRef idx="0">
-            <a:schemeClr val="accent1"/>
-          </a:effectRef>
-          <a:fontRef idx="minor">
-            <a:schemeClr val="lt1"/>
-          </a:fontRef>
-        </p:style>
-        <p:txBody>
-          <a:bodyPr rtlCol="0" anchor="ctr"/>
-          <a:lstStyle/>
-          <a:p>
-            <a:pPr algn="ctr"/>
-            <a:endParaRPr kumimoji="1" lang="ja-JP" altLang="en-US"/>
-          </a:p>
-        </p:txBody>
-      </p:sp>
-      <p:sp>
-        <p:nvSpPr>
-          <p:cNvPr id="39" name="楕円 38">
-            <a:extLst>
-              <a:ext uri="{FF2B5EF4-FFF2-40B4-BE49-F238E27FC236}">
-                <a16:creationId xmlns:a16="http://schemas.microsoft.com/office/drawing/2014/main" id="{8008FE7A-332A-4ED8-BAAF-BDD3673DD79F}"/>
-              </a:ext>
-            </a:extLst>
-          </p:cNvPr>
-          <p:cNvSpPr/>
-          <p:nvPr/>
-        </p:nvSpPr>
-        <p:spPr>
-          <a:xfrm>
-            <a:off x="16125436" y="5907005"/>
-            <a:ext cx="1231641" cy="1231641"/>
-          </a:xfrm>
-          <a:prstGeom prst="ellipse">
-            <a:avLst/>
-          </a:prstGeom>
-          <a:noFill/>
-          <a:ln>
-            <a:solidFill>
-              <a:schemeClr val="tx1"/>
-            </a:solidFill>
-          </a:ln>
-        </p:spPr>
-        <p:style>
-          <a:lnRef idx="2">
-            <a:schemeClr val="accent1">
-              <a:shade val="50000"/>
-            </a:schemeClr>
-          </a:lnRef>
-          <a:fillRef idx="1">
-            <a:schemeClr val="accent1"/>
-          </a:fillRef>
-          <a:effectRef idx="0">
-            <a:schemeClr val="accent1"/>
-          </a:effectRef>
-          <a:fontRef idx="minor">
-            <a:schemeClr val="lt1"/>
-          </a:fontRef>
-        </p:style>
-        <p:txBody>
-          <a:bodyPr rtlCol="0" anchor="ctr"/>
-          <a:lstStyle/>
-          <a:p>
-            <a:pPr algn="ctr"/>
-            <a:r>
-              <a:rPr kumimoji="1" lang="en-US" altLang="ja-JP" sz="4000" dirty="0">
-                <a:solidFill>
-                  <a:schemeClr val="tx1"/>
-                </a:solidFill>
-              </a:rPr>
-              <a:t>X</a:t>
-            </a:r>
-            <a:endParaRPr kumimoji="1" lang="ja-JP" altLang="en-US" sz="4000" dirty="0">
-              <a:solidFill>
-                <a:schemeClr val="tx1"/>
-              </a:solidFill>
-            </a:endParaRPr>
-          </a:p>
-        </p:txBody>
-      </p:sp>
-      <p:cxnSp>
-        <p:nvCxnSpPr>
-          <p:cNvPr id="40" name="直線矢印コネクタ 39">
-            <a:extLst>
-              <a:ext uri="{FF2B5EF4-FFF2-40B4-BE49-F238E27FC236}">
-                <a16:creationId xmlns:a16="http://schemas.microsoft.com/office/drawing/2014/main" id="{F8CF0AAF-40F6-4885-9256-46DA266E4A3D}"/>
-              </a:ext>
-            </a:extLst>
-          </p:cNvPr>
-          <p:cNvCxnSpPr>
-            <a:cxnSpLocks/>
-            <a:stCxn id="39" idx="6"/>
-            <a:endCxn id="42" idx="2"/>
-          </p:cNvCxnSpPr>
-          <p:nvPr/>
-        </p:nvCxnSpPr>
-        <p:spPr>
-          <a:xfrm>
-            <a:off x="17357077" y="6522826"/>
-            <a:ext cx="1088525" cy="0"/>
-          </a:xfrm>
-          <a:prstGeom prst="straightConnector1">
-            <a:avLst/>
-          </a:prstGeom>
-          <a:ln>
-            <a:solidFill>
-              <a:schemeClr val="tx1"/>
-            </a:solidFill>
-            <a:tailEnd type="triangle" w="lg" len="lg"/>
-          </a:ln>
-        </p:spPr>
-        <p:style>
-          <a:lnRef idx="1">
-            <a:schemeClr val="accent1"/>
-          </a:lnRef>
-          <a:fillRef idx="0">
-            <a:schemeClr val="accent1"/>
-          </a:fillRef>
-          <a:effectRef idx="0">
-            <a:schemeClr val="accent1"/>
-          </a:effectRef>
-          <a:fontRef idx="minor">
-            <a:schemeClr val="tx1"/>
-          </a:fontRef>
-        </p:style>
-      </p:cxnSp>
-      <p:sp>
-        <p:nvSpPr>
-          <p:cNvPr id="42" name="楕円 41">
-            <a:extLst>
-              <a:ext uri="{FF2B5EF4-FFF2-40B4-BE49-F238E27FC236}">
-                <a16:creationId xmlns:a16="http://schemas.microsoft.com/office/drawing/2014/main" id="{1B0BE30B-02E0-4D54-9F1F-02D704398A93}"/>
-              </a:ext>
-            </a:extLst>
-          </p:cNvPr>
-          <p:cNvSpPr/>
-          <p:nvPr/>
-        </p:nvSpPr>
-        <p:spPr>
-          <a:xfrm>
-            <a:off x="18445602" y="5907005"/>
-            <a:ext cx="1231641" cy="1231641"/>
-          </a:xfrm>
-          <a:prstGeom prst="ellipse">
-            <a:avLst/>
-          </a:prstGeom>
-          <a:noFill/>
-          <a:ln>
-            <a:solidFill>
-              <a:schemeClr val="tx1"/>
-            </a:solidFill>
-          </a:ln>
-        </p:spPr>
-        <p:style>
-          <a:lnRef idx="2">
-            <a:schemeClr val="accent1">
-              <a:shade val="50000"/>
-            </a:schemeClr>
-          </a:lnRef>
-          <a:fillRef idx="1">
-            <a:schemeClr val="accent1"/>
-          </a:fillRef>
-          <a:effectRef idx="0">
-            <a:schemeClr val="accent1"/>
-          </a:effectRef>
-          <a:fontRef idx="minor">
-            <a:schemeClr val="lt1"/>
-          </a:fontRef>
-        </p:style>
-        <p:txBody>
-          <a:bodyPr rtlCol="0" anchor="ctr"/>
-          <a:lstStyle/>
-          <a:p>
-            <a:pPr algn="ctr"/>
-            <a:r>
-              <a:rPr kumimoji="1" lang="en-US" altLang="ja-JP" sz="4000" dirty="0">
-                <a:solidFill>
-                  <a:schemeClr val="tx1"/>
-                </a:solidFill>
-              </a:rPr>
-              <a:t>M</a:t>
-            </a:r>
-            <a:endParaRPr kumimoji="1" lang="ja-JP" altLang="en-US" sz="4000" dirty="0">
-              <a:solidFill>
-                <a:schemeClr val="tx1"/>
-              </a:solidFill>
-            </a:endParaRPr>
-          </a:p>
-        </p:txBody>
-      </p:sp>
-      <p:sp>
-        <p:nvSpPr>
-          <p:cNvPr id="43" name="楕円 42">
-            <a:extLst>
-              <a:ext uri="{FF2B5EF4-FFF2-40B4-BE49-F238E27FC236}">
-                <a16:creationId xmlns:a16="http://schemas.microsoft.com/office/drawing/2014/main" id="{0BA72811-4B6D-454C-8AF4-61D888F0675E}"/>
-              </a:ext>
-            </a:extLst>
-          </p:cNvPr>
-          <p:cNvSpPr/>
-          <p:nvPr/>
-        </p:nvSpPr>
-        <p:spPr>
-          <a:xfrm>
-            <a:off x="16125436" y="7511869"/>
-            <a:ext cx="1231641" cy="1231641"/>
-          </a:xfrm>
-          <a:prstGeom prst="ellipse">
-            <a:avLst/>
-          </a:prstGeom>
-          <a:noFill/>
-          <a:ln>
-            <a:solidFill>
-              <a:schemeClr val="tx1"/>
-            </a:solidFill>
-          </a:ln>
-        </p:spPr>
-        <p:style>
-          <a:lnRef idx="2">
-            <a:schemeClr val="accent1">
-              <a:shade val="50000"/>
-            </a:schemeClr>
-          </a:lnRef>
-          <a:fillRef idx="1">
-            <a:schemeClr val="accent1"/>
-          </a:fillRef>
-          <a:effectRef idx="0">
-            <a:schemeClr val="accent1"/>
-          </a:effectRef>
-          <a:fontRef idx="minor">
-            <a:schemeClr val="lt1"/>
-          </a:fontRef>
-        </p:style>
-        <p:txBody>
-          <a:bodyPr rtlCol="0" anchor="ctr"/>
-          <a:lstStyle/>
-          <a:p>
-            <a:pPr algn="ctr"/>
-            <a:r>
-              <a:rPr kumimoji="1" lang="en-US" altLang="ja-JP" sz="4000" dirty="0">
-                <a:solidFill>
-                  <a:schemeClr val="tx1"/>
-                </a:solidFill>
-              </a:rPr>
-              <a:t>T</a:t>
-            </a:r>
-            <a:endParaRPr kumimoji="1" lang="ja-JP" altLang="en-US" sz="4000" dirty="0">
-              <a:solidFill>
-                <a:schemeClr val="tx1"/>
-              </a:solidFill>
-            </a:endParaRPr>
-          </a:p>
-        </p:txBody>
-      </p:sp>
-      <p:cxnSp>
-        <p:nvCxnSpPr>
-          <p:cNvPr id="44" name="コネクタ: カギ線 43">
-            <a:extLst>
-              <a:ext uri="{FF2B5EF4-FFF2-40B4-BE49-F238E27FC236}">
-                <a16:creationId xmlns:a16="http://schemas.microsoft.com/office/drawing/2014/main" id="{8A99CF46-63AD-4493-8BCC-BBE98D2E145F}"/>
-              </a:ext>
-            </a:extLst>
-          </p:cNvPr>
-          <p:cNvCxnSpPr>
-            <a:cxnSpLocks/>
-            <a:stCxn id="43" idx="7"/>
-            <a:endCxn id="42" idx="3"/>
-          </p:cNvCxnSpPr>
-          <p:nvPr/>
-        </p:nvCxnSpPr>
-        <p:spPr>
-          <a:xfrm rot="5400000" flipH="1" flipV="1">
-            <a:off x="17534358" y="6600626"/>
-            <a:ext cx="733963" cy="1449265"/>
-          </a:xfrm>
-          <a:prstGeom prst="bentConnector3">
-            <a:avLst>
-              <a:gd name="adj1" fmla="val 50000"/>
-            </a:avLst>
-          </a:prstGeom>
-          <a:ln>
-            <a:solidFill>
-              <a:schemeClr val="tx1"/>
-            </a:solidFill>
-            <a:tailEnd type="triangle" w="lg" len="lg"/>
-          </a:ln>
-        </p:spPr>
-        <p:style>
-          <a:lnRef idx="1">
-            <a:schemeClr val="accent1"/>
-          </a:lnRef>
-          <a:fillRef idx="0">
-            <a:schemeClr val="accent1"/>
-          </a:fillRef>
-          <a:effectRef idx="0">
-            <a:schemeClr val="accent1"/>
-          </a:effectRef>
-          <a:fontRef idx="minor">
-            <a:schemeClr val="tx1"/>
-          </a:fontRef>
-        </p:style>
-      </p:cxnSp>
-      <p:sp>
-        <p:nvSpPr>
-          <p:cNvPr id="45" name="四角形: 角を丸くする 44">
-            <a:extLst>
-              <a:ext uri="{FF2B5EF4-FFF2-40B4-BE49-F238E27FC236}">
-                <a16:creationId xmlns:a16="http://schemas.microsoft.com/office/drawing/2014/main" id="{DFAED4B7-4333-46A1-840B-0381010E8EA8}"/>
-              </a:ext>
-            </a:extLst>
-          </p:cNvPr>
-          <p:cNvSpPr/>
-          <p:nvPr/>
-        </p:nvSpPr>
-        <p:spPr>
-          <a:xfrm>
-            <a:off x="15892590" y="5727462"/>
-            <a:ext cx="1722167" cy="3276582"/>
-          </a:xfrm>
-          <a:prstGeom prst="roundRect">
-            <a:avLst/>
-          </a:prstGeom>
-          <a:noFill/>
-          <a:ln>
-            <a:solidFill>
-              <a:schemeClr val="tx1"/>
-            </a:solidFill>
-          </a:ln>
-        </p:spPr>
-        <p:style>
-          <a:lnRef idx="2">
-            <a:schemeClr val="accent1">
-              <a:shade val="50000"/>
-            </a:schemeClr>
-          </a:lnRef>
-          <a:fillRef idx="1">
-            <a:schemeClr val="accent1"/>
-          </a:fillRef>
-          <a:effectRef idx="0">
-            <a:schemeClr val="accent1"/>
-          </a:effectRef>
-          <a:fontRef idx="minor">
-            <a:schemeClr val="lt1"/>
-          </a:fontRef>
-        </p:style>
-        <p:txBody>
-          <a:bodyPr rtlCol="0" anchor="ctr"/>
-          <a:lstStyle/>
-          <a:p>
-            <a:pPr algn="ctr"/>
-            <a:endParaRPr kumimoji="1" lang="ja-JP" altLang="en-US"/>
-          </a:p>
-        </p:txBody>
-      </p:sp>
-      <p:cxnSp>
-        <p:nvCxnSpPr>
-          <p:cNvPr id="47" name="コネクタ: カギ線 46">
-            <a:extLst>
-              <a:ext uri="{FF2B5EF4-FFF2-40B4-BE49-F238E27FC236}">
-                <a16:creationId xmlns:a16="http://schemas.microsoft.com/office/drawing/2014/main" id="{86FDD01A-68B4-46C8-A68C-526F32C215D5}"/>
-              </a:ext>
-            </a:extLst>
-          </p:cNvPr>
-          <p:cNvCxnSpPr>
-            <a:cxnSpLocks/>
-            <a:stCxn id="4" idx="0"/>
-            <a:endCxn id="16" idx="1"/>
-          </p:cNvCxnSpPr>
-          <p:nvPr/>
-        </p:nvCxnSpPr>
-        <p:spPr>
-          <a:xfrm rot="16200000" flipH="1">
-            <a:off x="4970095" y="-547384"/>
-            <a:ext cx="180369" cy="3999676"/>
-          </a:xfrm>
-          <a:prstGeom prst="bentConnector3">
-            <a:avLst>
-              <a:gd name="adj1" fmla="val -126741"/>
-            </a:avLst>
-          </a:prstGeom>
-          <a:ln>
-            <a:solidFill>
-              <a:schemeClr val="tx1"/>
-            </a:solidFill>
-            <a:tailEnd type="triangle" w="lg" len="lg"/>
-          </a:ln>
-        </p:spPr>
-        <p:style>
-          <a:lnRef idx="1">
-            <a:schemeClr val="accent1"/>
-          </a:lnRef>
-          <a:fillRef idx="0">
-            <a:schemeClr val="accent1"/>
-          </a:fillRef>
-          <a:effectRef idx="0">
-            <a:schemeClr val="accent1"/>
-          </a:effectRef>
-          <a:fontRef idx="minor">
-            <a:schemeClr val="tx1"/>
-          </a:fontRef>
-        </p:style>
-      </p:cxnSp>
-      <p:sp>
-        <p:nvSpPr>
-          <p:cNvPr id="55" name="楕円 54">
-            <a:extLst>
-              <a:ext uri="{FF2B5EF4-FFF2-40B4-BE49-F238E27FC236}">
-                <a16:creationId xmlns:a16="http://schemas.microsoft.com/office/drawing/2014/main" id="{99E3440D-2088-4E8D-88AC-C9FC3EC02419}"/>
-              </a:ext>
-            </a:extLst>
-          </p:cNvPr>
-          <p:cNvSpPr/>
-          <p:nvPr/>
-        </p:nvSpPr>
-        <p:spPr>
-          <a:xfrm>
-            <a:off x="14462450" y="10295607"/>
-            <a:ext cx="1231641" cy="1231641"/>
-          </a:xfrm>
-          <a:prstGeom prst="ellipse">
-            <a:avLst/>
-          </a:prstGeom>
-          <a:noFill/>
-          <a:ln>
-            <a:solidFill>
-              <a:schemeClr val="tx1"/>
-            </a:solidFill>
-          </a:ln>
-        </p:spPr>
-        <p:style>
-          <a:lnRef idx="2">
-            <a:schemeClr val="accent1">
-              <a:shade val="50000"/>
-            </a:schemeClr>
-          </a:lnRef>
-          <a:fillRef idx="1">
-            <a:schemeClr val="accent1"/>
-          </a:fillRef>
-          <a:effectRef idx="0">
-            <a:schemeClr val="accent1"/>
-          </a:effectRef>
-          <a:fontRef idx="minor">
-            <a:schemeClr val="lt1"/>
-          </a:fontRef>
-        </p:style>
-        <p:txBody>
-          <a:bodyPr rtlCol="0" anchor="ctr"/>
-          <a:lstStyle/>
-          <a:p>
-            <a:pPr algn="ctr"/>
-            <a:r>
-              <a:rPr kumimoji="1" lang="en-US" altLang="ja-JP" sz="4000" dirty="0">
-                <a:solidFill>
-                  <a:schemeClr val="tx1"/>
-                </a:solidFill>
-              </a:rPr>
-              <a:t>X</a:t>
-            </a:r>
-            <a:endParaRPr kumimoji="1" lang="ja-JP" altLang="en-US" sz="4000" dirty="0">
-              <a:solidFill>
-                <a:schemeClr val="tx1"/>
-              </a:solidFill>
-            </a:endParaRPr>
-          </a:p>
-        </p:txBody>
-      </p:sp>
-      <p:sp>
-        <p:nvSpPr>
-          <p:cNvPr id="59" name="楕円 58">
-            <a:extLst>
-              <a:ext uri="{FF2B5EF4-FFF2-40B4-BE49-F238E27FC236}">
-                <a16:creationId xmlns:a16="http://schemas.microsoft.com/office/drawing/2014/main" id="{C4A6C7C3-1A79-4DD7-8BDE-8D7F5F089803}"/>
-              </a:ext>
-            </a:extLst>
-          </p:cNvPr>
-          <p:cNvSpPr/>
-          <p:nvPr/>
-        </p:nvSpPr>
-        <p:spPr>
-          <a:xfrm>
-            <a:off x="16782616" y="10295607"/>
-            <a:ext cx="1231641" cy="1231641"/>
-          </a:xfrm>
-          <a:prstGeom prst="ellipse">
-            <a:avLst/>
-          </a:prstGeom>
-          <a:noFill/>
-          <a:ln>
-            <a:solidFill>
-              <a:schemeClr val="tx1"/>
-            </a:solidFill>
-          </a:ln>
-        </p:spPr>
-        <p:style>
-          <a:lnRef idx="2">
-            <a:schemeClr val="accent1">
-              <a:shade val="50000"/>
-            </a:schemeClr>
-          </a:lnRef>
-          <a:fillRef idx="1">
-            <a:schemeClr val="accent1"/>
-          </a:fillRef>
-          <a:effectRef idx="0">
-            <a:schemeClr val="accent1"/>
-          </a:effectRef>
-          <a:fontRef idx="minor">
-            <a:schemeClr val="lt1"/>
-          </a:fontRef>
-        </p:style>
-        <p:txBody>
-          <a:bodyPr rtlCol="0" anchor="ctr"/>
-          <a:lstStyle/>
-          <a:p>
-            <a:pPr algn="ctr"/>
-            <a:r>
-              <a:rPr kumimoji="1" lang="en-US" altLang="ja-JP" sz="4000" dirty="0">
-                <a:solidFill>
-                  <a:schemeClr val="tx1"/>
-                </a:solidFill>
-              </a:rPr>
-              <a:t>M</a:t>
-            </a:r>
-            <a:endParaRPr kumimoji="1" lang="ja-JP" altLang="en-US" sz="4000" dirty="0">
-              <a:solidFill>
-                <a:schemeClr val="tx1"/>
-              </a:solidFill>
-            </a:endParaRPr>
-          </a:p>
-        </p:txBody>
-      </p:sp>
-      <p:cxnSp>
-        <p:nvCxnSpPr>
-          <p:cNvPr id="60" name="直線矢印コネクタ 59">
-            <a:extLst>
-              <a:ext uri="{FF2B5EF4-FFF2-40B4-BE49-F238E27FC236}">
-                <a16:creationId xmlns:a16="http://schemas.microsoft.com/office/drawing/2014/main" id="{BFC37DD1-D1B8-423A-97A9-9B5BB18E545A}"/>
-              </a:ext>
-            </a:extLst>
-          </p:cNvPr>
-          <p:cNvCxnSpPr>
-            <a:cxnSpLocks/>
-            <a:stCxn id="59" idx="6"/>
-            <a:endCxn id="62" idx="2"/>
-          </p:cNvCxnSpPr>
-          <p:nvPr/>
-        </p:nvCxnSpPr>
-        <p:spPr>
-          <a:xfrm flipV="1">
-            <a:off x="18014257" y="10911427"/>
-            <a:ext cx="883320" cy="1"/>
-          </a:xfrm>
-          <a:prstGeom prst="straightConnector1">
-            <a:avLst/>
-          </a:prstGeom>
-          <a:ln>
-            <a:solidFill>
-              <a:schemeClr val="tx1"/>
-            </a:solidFill>
-            <a:tailEnd type="triangle" w="lg" len="lg"/>
-          </a:ln>
-        </p:spPr>
-        <p:style>
-          <a:lnRef idx="1">
-            <a:schemeClr val="accent1"/>
-          </a:lnRef>
-          <a:fillRef idx="0">
-            <a:schemeClr val="accent1"/>
-          </a:fillRef>
-          <a:effectRef idx="0">
-            <a:schemeClr val="accent1"/>
-          </a:effectRef>
-          <a:fontRef idx="minor">
-            <a:schemeClr val="tx1"/>
-          </a:fontRef>
-        </p:style>
-      </p:cxnSp>
-      <p:sp>
-        <p:nvSpPr>
-          <p:cNvPr id="62" name="楕円 61">
-            <a:extLst>
-              <a:ext uri="{FF2B5EF4-FFF2-40B4-BE49-F238E27FC236}">
-                <a16:creationId xmlns:a16="http://schemas.microsoft.com/office/drawing/2014/main" id="{AB85F33E-F693-4ABE-8760-7D0858CFE68C}"/>
-              </a:ext>
-            </a:extLst>
-          </p:cNvPr>
-          <p:cNvSpPr/>
-          <p:nvPr/>
-        </p:nvSpPr>
-        <p:spPr>
-          <a:xfrm>
-            <a:off x="18897577" y="10295606"/>
-            <a:ext cx="1231641" cy="1231641"/>
-          </a:xfrm>
-          <a:prstGeom prst="ellipse">
-            <a:avLst/>
-          </a:prstGeom>
-          <a:noFill/>
-          <a:ln>
-            <a:solidFill>
-              <a:schemeClr val="tx1"/>
-            </a:solidFill>
-          </a:ln>
-        </p:spPr>
-        <p:style>
-          <a:lnRef idx="2">
-            <a:schemeClr val="accent1">
-              <a:shade val="50000"/>
-            </a:schemeClr>
-          </a:lnRef>
-          <a:fillRef idx="1">
-            <a:schemeClr val="accent1"/>
-          </a:fillRef>
-          <a:effectRef idx="0">
-            <a:schemeClr val="accent1"/>
-          </a:effectRef>
-          <a:fontRef idx="minor">
-            <a:schemeClr val="lt1"/>
-          </a:fontRef>
-        </p:style>
-        <p:txBody>
-          <a:bodyPr rtlCol="0" anchor="ctr"/>
-          <a:lstStyle/>
-          <a:p>
-            <a:pPr algn="ctr"/>
-            <a:r>
-              <a:rPr kumimoji="1" lang="en-US" altLang="ja-JP" sz="4000" dirty="0">
-                <a:solidFill>
-                  <a:schemeClr val="tx1"/>
-                </a:solidFill>
-              </a:rPr>
-              <a:t>S</a:t>
-            </a:r>
-            <a:endParaRPr kumimoji="1" lang="ja-JP" altLang="en-US" sz="4000" dirty="0">
-              <a:solidFill>
-                <a:schemeClr val="tx1"/>
-              </a:solidFill>
-            </a:endParaRPr>
-          </a:p>
-        </p:txBody>
-      </p:sp>
-      <p:cxnSp>
-        <p:nvCxnSpPr>
-          <p:cNvPr id="63" name="コネクタ: カギ線 62">
-            <a:extLst>
-              <a:ext uri="{FF2B5EF4-FFF2-40B4-BE49-F238E27FC236}">
-                <a16:creationId xmlns:a16="http://schemas.microsoft.com/office/drawing/2014/main" id="{F7FCBF4D-4DC6-4E22-B83F-7250E6E5B07D}"/>
-              </a:ext>
-            </a:extLst>
-          </p:cNvPr>
-          <p:cNvCxnSpPr>
-            <a:cxnSpLocks/>
-            <a:stCxn id="55" idx="0"/>
-            <a:endCxn id="62" idx="1"/>
-          </p:cNvCxnSpPr>
-          <p:nvPr/>
-        </p:nvCxnSpPr>
-        <p:spPr>
-          <a:xfrm rot="16200000" flipH="1">
-            <a:off x="16987924" y="8385953"/>
-            <a:ext cx="180369" cy="3999676"/>
-          </a:xfrm>
-          <a:prstGeom prst="bentConnector3">
-            <a:avLst>
-              <a:gd name="adj1" fmla="val -126741"/>
-            </a:avLst>
-          </a:prstGeom>
-          <a:ln>
-            <a:solidFill>
-              <a:schemeClr val="tx1"/>
-            </a:solidFill>
-            <a:tailEnd type="triangle" w="lg" len="lg"/>
-          </a:ln>
-        </p:spPr>
-        <p:style>
-          <a:lnRef idx="1">
-            <a:schemeClr val="accent1"/>
-          </a:lnRef>
-          <a:fillRef idx="0">
-            <a:schemeClr val="accent1"/>
-          </a:fillRef>
-          <a:effectRef idx="0">
-            <a:schemeClr val="accent1"/>
-          </a:effectRef>
-          <a:fontRef idx="minor">
-            <a:schemeClr val="tx1"/>
-          </a:fontRef>
-        </p:style>
-      </p:cxnSp>
-      <p:sp>
-        <p:nvSpPr>
-          <p:cNvPr id="71" name="楕円 70">
-            <a:extLst>
-              <a:ext uri="{FF2B5EF4-FFF2-40B4-BE49-F238E27FC236}">
-                <a16:creationId xmlns:a16="http://schemas.microsoft.com/office/drawing/2014/main" id="{0EC3ED2F-BC87-4E30-AF83-8877F1BF7A75}"/>
-              </a:ext>
-            </a:extLst>
-          </p:cNvPr>
-          <p:cNvSpPr/>
-          <p:nvPr/>
-        </p:nvSpPr>
-        <p:spPr>
-          <a:xfrm>
-            <a:off x="13734219" y="11755068"/>
-            <a:ext cx="1231641" cy="1231641"/>
-          </a:xfrm>
-          <a:prstGeom prst="ellipse">
-            <a:avLst/>
-          </a:prstGeom>
-          <a:noFill/>
-          <a:ln>
-            <a:solidFill>
-              <a:schemeClr val="tx1"/>
-            </a:solidFill>
-          </a:ln>
-        </p:spPr>
-        <p:style>
-          <a:lnRef idx="2">
-            <a:schemeClr val="accent1">
-              <a:shade val="50000"/>
-            </a:schemeClr>
-          </a:lnRef>
-          <a:fillRef idx="1">
-            <a:schemeClr val="accent1"/>
-          </a:fillRef>
-          <a:effectRef idx="0">
-            <a:schemeClr val="accent1"/>
-          </a:effectRef>
-          <a:fontRef idx="minor">
-            <a:schemeClr val="lt1"/>
-          </a:fontRef>
-        </p:style>
-        <p:txBody>
-          <a:bodyPr rtlCol="0" anchor="ctr"/>
-          <a:lstStyle/>
-          <a:p>
-            <a:pPr algn="ctr"/>
-            <a:r>
-              <a:rPr kumimoji="1" lang="en-US" altLang="ja-JP" sz="4000" dirty="0">
-                <a:solidFill>
-                  <a:schemeClr val="tx1"/>
-                </a:solidFill>
-              </a:rPr>
-              <a:t>S</a:t>
-            </a:r>
-            <a:endParaRPr kumimoji="1" lang="ja-JP" altLang="en-US" sz="4000" dirty="0">
-              <a:solidFill>
-                <a:schemeClr val="tx1"/>
-              </a:solidFill>
-            </a:endParaRPr>
-          </a:p>
-        </p:txBody>
-      </p:sp>
-      <p:sp>
-        <p:nvSpPr>
-          <p:cNvPr id="72" name="楕円 71">
-            <a:extLst>
-              <a:ext uri="{FF2B5EF4-FFF2-40B4-BE49-F238E27FC236}">
-                <a16:creationId xmlns:a16="http://schemas.microsoft.com/office/drawing/2014/main" id="{0EAF595C-EF0D-475B-B3B7-B1D3BD164BCE}"/>
-              </a:ext>
-            </a:extLst>
-          </p:cNvPr>
-          <p:cNvSpPr/>
-          <p:nvPr/>
-        </p:nvSpPr>
-        <p:spPr>
-          <a:xfrm>
-            <a:off x="9299092" y="13359933"/>
-            <a:ext cx="1231641" cy="1231641"/>
-          </a:xfrm>
-          <a:prstGeom prst="ellipse">
-            <a:avLst/>
-          </a:prstGeom>
-          <a:noFill/>
-          <a:ln>
-            <a:solidFill>
-              <a:schemeClr val="tx1"/>
-            </a:solidFill>
-          </a:ln>
-        </p:spPr>
-        <p:style>
-          <a:lnRef idx="2">
-            <a:schemeClr val="accent1">
-              <a:shade val="50000"/>
-            </a:schemeClr>
-          </a:lnRef>
-          <a:fillRef idx="1">
-            <a:schemeClr val="accent1"/>
-          </a:fillRef>
-          <a:effectRef idx="0">
-            <a:schemeClr val="accent1"/>
-          </a:effectRef>
-          <a:fontRef idx="minor">
-            <a:schemeClr val="lt1"/>
-          </a:fontRef>
-        </p:style>
-        <p:txBody>
-          <a:bodyPr rtlCol="0" anchor="ctr"/>
-          <a:lstStyle/>
-          <a:p>
-            <a:pPr algn="ctr"/>
-            <a:r>
-              <a:rPr kumimoji="1" lang="en-US" altLang="ja-JP" sz="4000" dirty="0">
-                <a:solidFill>
-                  <a:schemeClr val="tx1"/>
-                </a:solidFill>
-              </a:rPr>
-              <a:t>T</a:t>
-            </a:r>
-            <a:endParaRPr kumimoji="1" lang="ja-JP" altLang="en-US" sz="4000" dirty="0">
-              <a:solidFill>
-                <a:schemeClr val="tx1"/>
-              </a:solidFill>
-            </a:endParaRPr>
-          </a:p>
-        </p:txBody>
-      </p:sp>
-      <p:sp>
-        <p:nvSpPr>
-          <p:cNvPr id="73" name="楕円 72">
-            <a:extLst>
-              <a:ext uri="{FF2B5EF4-FFF2-40B4-BE49-F238E27FC236}">
-                <a16:creationId xmlns:a16="http://schemas.microsoft.com/office/drawing/2014/main" id="{8BA49E06-4D1A-4F5F-9408-53E044F53091}"/>
-              </a:ext>
-            </a:extLst>
-          </p:cNvPr>
-          <p:cNvSpPr/>
-          <p:nvPr/>
-        </p:nvSpPr>
-        <p:spPr>
-          <a:xfrm>
-            <a:off x="15454139" y="11755067"/>
-            <a:ext cx="1231641" cy="1231641"/>
-          </a:xfrm>
-          <a:prstGeom prst="ellipse">
-            <a:avLst/>
-          </a:prstGeom>
-          <a:noFill/>
-          <a:ln>
-            <a:solidFill>
-              <a:schemeClr val="tx1"/>
-            </a:solidFill>
-          </a:ln>
-        </p:spPr>
-        <p:style>
-          <a:lnRef idx="2">
-            <a:schemeClr val="accent1">
-              <a:shade val="50000"/>
-            </a:schemeClr>
-          </a:lnRef>
-          <a:fillRef idx="1">
-            <a:schemeClr val="accent1"/>
-          </a:fillRef>
-          <a:effectRef idx="0">
-            <a:schemeClr val="accent1"/>
-          </a:effectRef>
-          <a:fontRef idx="minor">
-            <a:schemeClr val="lt1"/>
-          </a:fontRef>
-        </p:style>
-        <p:txBody>
-          <a:bodyPr rtlCol="0" anchor="ctr"/>
-          <a:lstStyle/>
-          <a:p>
-            <a:pPr algn="ctr"/>
-            <a:r>
-              <a:rPr kumimoji="1" lang="en-US" altLang="ja-JP" sz="4000" dirty="0">
-                <a:solidFill>
-                  <a:schemeClr val="tx1"/>
-                </a:solidFill>
-              </a:rPr>
-              <a:t>C</a:t>
-            </a:r>
-            <a:endParaRPr kumimoji="1" lang="ja-JP" altLang="en-US" sz="4000" dirty="0">
-              <a:solidFill>
-                <a:schemeClr val="tx1"/>
-              </a:solidFill>
-            </a:endParaRPr>
-          </a:p>
-        </p:txBody>
-      </p:sp>
-      <p:cxnSp>
-        <p:nvCxnSpPr>
-          <p:cNvPr id="76" name="直線矢印コネクタ 75">
-            <a:extLst>
-              <a:ext uri="{FF2B5EF4-FFF2-40B4-BE49-F238E27FC236}">
-                <a16:creationId xmlns:a16="http://schemas.microsoft.com/office/drawing/2014/main" id="{D3868761-1718-4787-911F-5870D4EF3647}"/>
-              </a:ext>
-            </a:extLst>
-          </p:cNvPr>
-          <p:cNvCxnSpPr>
-            <a:cxnSpLocks/>
-            <a:stCxn id="71" idx="6"/>
-            <a:endCxn id="73" idx="2"/>
-          </p:cNvCxnSpPr>
-          <p:nvPr/>
-        </p:nvCxnSpPr>
-        <p:spPr>
-          <a:xfrm flipV="1">
-            <a:off x="14965860" y="12370888"/>
-            <a:ext cx="488279" cy="1"/>
-          </a:xfrm>
-          <a:prstGeom prst="straightConnector1">
-            <a:avLst/>
-          </a:prstGeom>
-          <a:ln>
-            <a:solidFill>
-              <a:schemeClr val="tx1"/>
-            </a:solidFill>
-            <a:tailEnd type="triangle" w="lg" len="lg"/>
-          </a:ln>
-        </p:spPr>
-        <p:style>
-          <a:lnRef idx="1">
-            <a:schemeClr val="accent1"/>
-          </a:lnRef>
-          <a:fillRef idx="0">
-            <a:schemeClr val="accent1"/>
-          </a:fillRef>
-          <a:effectRef idx="0">
-            <a:schemeClr val="accent1"/>
-          </a:effectRef>
-          <a:fontRef idx="minor">
-            <a:schemeClr val="tx1"/>
-          </a:fontRef>
-        </p:style>
-      </p:cxnSp>
-      <p:cxnSp>
-        <p:nvCxnSpPr>
-          <p:cNvPr id="78" name="コネクタ: カギ線 77">
-            <a:extLst>
-              <a:ext uri="{FF2B5EF4-FFF2-40B4-BE49-F238E27FC236}">
-                <a16:creationId xmlns:a16="http://schemas.microsoft.com/office/drawing/2014/main" id="{5CD7A83E-140A-4D6A-8BA4-D2B7D827DC42}"/>
-              </a:ext>
-            </a:extLst>
-          </p:cNvPr>
-          <p:cNvCxnSpPr>
-            <a:cxnSpLocks/>
-            <a:stCxn id="72" idx="6"/>
-            <a:endCxn id="73" idx="4"/>
-          </p:cNvCxnSpPr>
-          <p:nvPr/>
-        </p:nvCxnSpPr>
-        <p:spPr>
-          <a:xfrm flipV="1">
-            <a:off x="10530733" y="12986708"/>
-            <a:ext cx="5539227" cy="989046"/>
-          </a:xfrm>
-          <a:prstGeom prst="bentConnector2">
-            <a:avLst/>
-          </a:prstGeom>
-          <a:ln>
-            <a:solidFill>
-              <a:schemeClr val="tx1"/>
-            </a:solidFill>
-            <a:tailEnd type="triangle" w="lg" len="lg"/>
-          </a:ln>
-        </p:spPr>
-        <p:style>
-          <a:lnRef idx="1">
-            <a:schemeClr val="accent1"/>
-          </a:lnRef>
-          <a:fillRef idx="0">
-            <a:schemeClr val="accent1"/>
-          </a:fillRef>
-          <a:effectRef idx="0">
-            <a:schemeClr val="accent1"/>
-          </a:effectRef>
-          <a:fontRef idx="minor">
-            <a:schemeClr val="tx1"/>
-          </a:fontRef>
-        </p:style>
-      </p:cxnSp>
-      <p:cxnSp>
-        <p:nvCxnSpPr>
-          <p:cNvPr id="81" name="直線矢印コネクタ 80">
-            <a:extLst>
-              <a:ext uri="{FF2B5EF4-FFF2-40B4-BE49-F238E27FC236}">
-                <a16:creationId xmlns:a16="http://schemas.microsoft.com/office/drawing/2014/main" id="{EA8172E6-493B-4955-8174-20C37DEDD8BA}"/>
-              </a:ext>
-            </a:extLst>
-          </p:cNvPr>
-          <p:cNvCxnSpPr>
-            <a:cxnSpLocks/>
-            <a:stCxn id="83" idx="6"/>
-            <a:endCxn id="85" idx="2"/>
-          </p:cNvCxnSpPr>
-          <p:nvPr/>
-        </p:nvCxnSpPr>
-        <p:spPr>
-          <a:xfrm>
-            <a:off x="5082868" y="12149309"/>
-            <a:ext cx="733189" cy="0"/>
-          </a:xfrm>
-          <a:prstGeom prst="straightConnector1">
-            <a:avLst/>
-          </a:prstGeom>
-          <a:ln>
-            <a:solidFill>
-              <a:schemeClr val="tx1"/>
-            </a:solidFill>
-            <a:tailEnd type="triangle" w="lg" len="lg"/>
-          </a:ln>
-        </p:spPr>
-        <p:style>
-          <a:lnRef idx="1">
-            <a:schemeClr val="accent1"/>
-          </a:lnRef>
-          <a:fillRef idx="0">
-            <a:schemeClr val="accent1"/>
-          </a:fillRef>
-          <a:effectRef idx="0">
-            <a:schemeClr val="accent1"/>
-          </a:effectRef>
-          <a:fontRef idx="minor">
-            <a:schemeClr val="tx1"/>
-          </a:fontRef>
-        </p:style>
-      </p:cxnSp>
-      <p:sp>
-        <p:nvSpPr>
-          <p:cNvPr id="82" name="楕円 81">
-            <a:extLst>
-              <a:ext uri="{FF2B5EF4-FFF2-40B4-BE49-F238E27FC236}">
-                <a16:creationId xmlns:a16="http://schemas.microsoft.com/office/drawing/2014/main" id="{E406BF8E-FB33-4FC2-A434-4DC3B3384D09}"/>
-              </a:ext>
-            </a:extLst>
-          </p:cNvPr>
-          <p:cNvSpPr/>
-          <p:nvPr/>
-        </p:nvSpPr>
-        <p:spPr>
-          <a:xfrm>
-            <a:off x="2131307" y="11533489"/>
-            <a:ext cx="1231641" cy="1231641"/>
-          </a:xfrm>
-          <a:prstGeom prst="ellipse">
-            <a:avLst/>
-          </a:prstGeom>
-          <a:noFill/>
-          <a:ln>
-            <a:solidFill>
-              <a:schemeClr val="tx1"/>
-            </a:solidFill>
-          </a:ln>
-        </p:spPr>
-        <p:style>
-          <a:lnRef idx="2">
-            <a:schemeClr val="accent1">
-              <a:shade val="50000"/>
-            </a:schemeClr>
-          </a:lnRef>
-          <a:fillRef idx="1">
-            <a:schemeClr val="accent1"/>
-          </a:fillRef>
-          <a:effectRef idx="0">
-            <a:schemeClr val="accent1"/>
-          </a:effectRef>
-          <a:fontRef idx="minor">
-            <a:schemeClr val="lt1"/>
-          </a:fontRef>
-        </p:style>
-        <p:txBody>
-          <a:bodyPr rtlCol="0" anchor="ctr"/>
-          <a:lstStyle/>
-          <a:p>
-            <a:pPr algn="ctr"/>
-            <a:r>
-              <a:rPr kumimoji="1" lang="en-US" altLang="ja-JP" sz="4000" dirty="0">
-                <a:solidFill>
-                  <a:schemeClr val="tx1"/>
-                </a:solidFill>
-              </a:rPr>
-              <a:t>S</a:t>
-            </a:r>
-            <a:endParaRPr kumimoji="1" lang="ja-JP" altLang="en-US" sz="4000" dirty="0">
-              <a:solidFill>
-                <a:schemeClr val="tx1"/>
-              </a:solidFill>
-            </a:endParaRPr>
-          </a:p>
-        </p:txBody>
-      </p:sp>
-      <p:sp>
-        <p:nvSpPr>
-          <p:cNvPr id="83" name="楕円 82">
-            <a:extLst>
-              <a:ext uri="{FF2B5EF4-FFF2-40B4-BE49-F238E27FC236}">
-                <a16:creationId xmlns:a16="http://schemas.microsoft.com/office/drawing/2014/main" id="{304B0BC0-CC7E-4091-8845-3AA2D1BC741D}"/>
-              </a:ext>
-            </a:extLst>
-          </p:cNvPr>
-          <p:cNvSpPr/>
-          <p:nvPr/>
-        </p:nvSpPr>
-        <p:spPr>
-          <a:xfrm>
-            <a:off x="3851227" y="11533488"/>
-            <a:ext cx="1231641" cy="1231641"/>
-          </a:xfrm>
-          <a:prstGeom prst="ellipse">
-            <a:avLst/>
-          </a:prstGeom>
-          <a:noFill/>
-          <a:ln>
-            <a:solidFill>
-              <a:schemeClr val="tx1"/>
-            </a:solidFill>
-          </a:ln>
-        </p:spPr>
-        <p:style>
-          <a:lnRef idx="2">
-            <a:schemeClr val="accent1">
-              <a:shade val="50000"/>
-            </a:schemeClr>
-          </a:lnRef>
-          <a:fillRef idx="1">
-            <a:schemeClr val="accent1"/>
-          </a:fillRef>
-          <a:effectRef idx="0">
-            <a:schemeClr val="accent1"/>
-          </a:effectRef>
-          <a:fontRef idx="minor">
-            <a:schemeClr val="lt1"/>
-          </a:fontRef>
-        </p:style>
-        <p:txBody>
-          <a:bodyPr rtlCol="0" anchor="ctr"/>
-          <a:lstStyle/>
-          <a:p>
-            <a:pPr algn="ctr"/>
-            <a:r>
-              <a:rPr kumimoji="1" lang="en-US" altLang="ja-JP" sz="4000" dirty="0">
-                <a:solidFill>
-                  <a:schemeClr val="tx1"/>
-                </a:solidFill>
-              </a:rPr>
-              <a:t>C</a:t>
-            </a:r>
-            <a:endParaRPr kumimoji="1" lang="ja-JP" altLang="en-US" sz="4000" dirty="0">
-              <a:solidFill>
-                <a:schemeClr val="tx1"/>
-              </a:solidFill>
-            </a:endParaRPr>
-          </a:p>
-        </p:txBody>
-      </p:sp>
-      <p:sp>
-        <p:nvSpPr>
-          <p:cNvPr id="85" name="楕円 84">
-            <a:extLst>
-              <a:ext uri="{FF2B5EF4-FFF2-40B4-BE49-F238E27FC236}">
-                <a16:creationId xmlns:a16="http://schemas.microsoft.com/office/drawing/2014/main" id="{D7B3EEBE-2CDC-43FD-89CD-F9FA6EFD2F12}"/>
-              </a:ext>
-            </a:extLst>
-          </p:cNvPr>
-          <p:cNvSpPr/>
-          <p:nvPr/>
-        </p:nvSpPr>
-        <p:spPr>
-          <a:xfrm>
-            <a:off x="5816057" y="11533488"/>
-            <a:ext cx="1231641" cy="1231641"/>
-          </a:xfrm>
-          <a:prstGeom prst="ellipse">
-            <a:avLst/>
-          </a:prstGeom>
-          <a:noFill/>
-          <a:ln>
-            <a:solidFill>
-              <a:schemeClr val="tx1"/>
-            </a:solidFill>
-          </a:ln>
-        </p:spPr>
-        <p:style>
-          <a:lnRef idx="2">
-            <a:schemeClr val="accent1">
-              <a:shade val="50000"/>
-            </a:schemeClr>
-          </a:lnRef>
-          <a:fillRef idx="1">
-            <a:schemeClr val="accent1"/>
-          </a:fillRef>
-          <a:effectRef idx="0">
-            <a:schemeClr val="accent1"/>
-          </a:effectRef>
-          <a:fontRef idx="minor">
-            <a:schemeClr val="lt1"/>
-          </a:fontRef>
-        </p:style>
-        <p:txBody>
-          <a:bodyPr rtlCol="0" anchor="ctr"/>
-          <a:lstStyle/>
-          <a:p>
-            <a:pPr algn="ctr"/>
-            <a:r>
-              <a:rPr kumimoji="1" lang="en-US" altLang="ja-JP" sz="4000" dirty="0">
-                <a:solidFill>
-                  <a:schemeClr val="tx1"/>
-                </a:solidFill>
-              </a:rPr>
-              <a:t>Y</a:t>
-            </a:r>
-            <a:endParaRPr kumimoji="1" lang="ja-JP" altLang="en-US" sz="4000" dirty="0">
-              <a:solidFill>
-                <a:schemeClr val="tx1"/>
-              </a:solidFill>
-            </a:endParaRPr>
-          </a:p>
-        </p:txBody>
-      </p:sp>
-      <p:cxnSp>
-        <p:nvCxnSpPr>
-          <p:cNvPr id="86" name="コネクタ: カギ線 85">
-            <a:extLst>
-              <a:ext uri="{FF2B5EF4-FFF2-40B4-BE49-F238E27FC236}">
-                <a16:creationId xmlns:a16="http://schemas.microsoft.com/office/drawing/2014/main" id="{C7B97418-CB10-435B-A22D-B152F12F99E9}"/>
-              </a:ext>
-            </a:extLst>
-          </p:cNvPr>
-          <p:cNvCxnSpPr>
-            <a:cxnSpLocks/>
-            <a:stCxn id="82" idx="0"/>
-            <a:endCxn id="85" idx="0"/>
-          </p:cNvCxnSpPr>
-          <p:nvPr/>
-        </p:nvCxnSpPr>
-        <p:spPr>
-          <a:xfrm rot="5400000" flipH="1" flipV="1">
-            <a:off x="4589503" y="9691114"/>
-            <a:ext cx="1" cy="3684750"/>
-          </a:xfrm>
-          <a:prstGeom prst="bentConnector3">
-            <a:avLst>
-              <a:gd name="adj1" fmla="val 22860100000"/>
-            </a:avLst>
-          </a:prstGeom>
-          <a:ln>
-            <a:solidFill>
-              <a:schemeClr val="tx1"/>
-            </a:solidFill>
-            <a:tailEnd type="triangle" w="lg" len="lg"/>
-          </a:ln>
-        </p:spPr>
-        <p:style>
-          <a:lnRef idx="1">
-            <a:schemeClr val="accent1"/>
-          </a:lnRef>
-          <a:fillRef idx="0">
-            <a:schemeClr val="accent1"/>
-          </a:fillRef>
-          <a:effectRef idx="0">
-            <a:schemeClr val="accent1"/>
-          </a:effectRef>
-          <a:fontRef idx="minor">
-            <a:schemeClr val="tx1"/>
-          </a:fontRef>
-        </p:style>
-      </p:cxnSp>
-      <p:cxnSp>
-        <p:nvCxnSpPr>
-          <p:cNvPr id="3" name="直線コネクタ 2">
-            <a:extLst>
-              <a:ext uri="{FF2B5EF4-FFF2-40B4-BE49-F238E27FC236}">
-                <a16:creationId xmlns:a16="http://schemas.microsoft.com/office/drawing/2014/main" id="{E5903D4B-C381-449E-999C-2E7C4C0DAED2}"/>
-              </a:ext>
-            </a:extLst>
-          </p:cNvPr>
-          <p:cNvCxnSpPr>
-            <a:cxnSpLocks/>
-          </p:cNvCxnSpPr>
-          <p:nvPr/>
-        </p:nvCxnSpPr>
-        <p:spPr>
-          <a:xfrm>
-            <a:off x="1603519" y="5057192"/>
-            <a:ext cx="12133700" cy="0"/>
-          </a:xfrm>
-          <a:prstGeom prst="line">
-            <a:avLst/>
-          </a:prstGeom>
-          <a:ln>
-            <a:solidFill>
-              <a:schemeClr val="tx1"/>
-            </a:solidFill>
-          </a:ln>
-        </p:spPr>
-        <p:style>
-          <a:lnRef idx="1">
-            <a:schemeClr val="accent1"/>
-          </a:lnRef>
-          <a:fillRef idx="0">
-            <a:schemeClr val="accent1"/>
-          </a:fillRef>
-          <a:effectRef idx="0">
-            <a:schemeClr val="accent1"/>
-          </a:effectRef>
-          <a:fontRef idx="minor">
-            <a:schemeClr val="tx1"/>
-          </a:fontRef>
-        </p:style>
-      </p:cxnSp>
-      <p:sp>
-        <p:nvSpPr>
-          <p:cNvPr id="56" name="テキスト ボックス 55">
-            <a:extLst>
-              <a:ext uri="{FF2B5EF4-FFF2-40B4-BE49-F238E27FC236}">
-                <a16:creationId xmlns:a16="http://schemas.microsoft.com/office/drawing/2014/main" id="{5F478DEA-F530-4E25-BD76-851DCFE0896B}"/>
-              </a:ext>
-            </a:extLst>
-          </p:cNvPr>
-          <p:cNvSpPr txBox="1"/>
-          <p:nvPr/>
-        </p:nvSpPr>
-        <p:spPr>
-          <a:xfrm>
-            <a:off x="12152395" y="4131547"/>
-            <a:ext cx="1513512" cy="769441"/>
-          </a:xfrm>
-          <a:prstGeom prst="rect">
-            <a:avLst/>
-          </a:prstGeom>
-          <a:noFill/>
-        </p:spPr>
-        <p:txBody>
-          <a:bodyPr wrap="square" rtlCol="0">
-            <a:spAutoFit/>
-          </a:bodyPr>
-          <a:lstStyle/>
-          <a:p>
-            <a:r>
-              <a:rPr kumimoji="1" lang="ja-JP" altLang="en-US" sz="4400" dirty="0"/>
-              <a:t>訓練</a:t>
-            </a:r>
-          </a:p>
-        </p:txBody>
-      </p:sp>
-      <p:sp>
-        <p:nvSpPr>
-          <p:cNvPr id="64" name="テキスト ボックス 63">
-            <a:extLst>
-              <a:ext uri="{FF2B5EF4-FFF2-40B4-BE49-F238E27FC236}">
-                <a16:creationId xmlns:a16="http://schemas.microsoft.com/office/drawing/2014/main" id="{1F4B0753-A838-4633-A75E-B3FC8C2548D4}"/>
-              </a:ext>
-            </a:extLst>
-          </p:cNvPr>
-          <p:cNvSpPr txBox="1"/>
-          <p:nvPr/>
-        </p:nvSpPr>
-        <p:spPr>
-          <a:xfrm>
-            <a:off x="12152395" y="5209392"/>
-            <a:ext cx="1513512" cy="769441"/>
-          </a:xfrm>
-          <a:prstGeom prst="rect">
-            <a:avLst/>
-          </a:prstGeom>
-          <a:noFill/>
-        </p:spPr>
-        <p:txBody>
-          <a:bodyPr wrap="square" rtlCol="0">
-            <a:spAutoFit/>
-          </a:bodyPr>
-          <a:lstStyle/>
-          <a:p>
-            <a:r>
-              <a:rPr kumimoji="1" lang="ja-JP" altLang="en-US" sz="4400" dirty="0"/>
-              <a:t>予測</a:t>
-            </a:r>
-          </a:p>
-        </p:txBody>
-      </p:sp>
-    </p:spTree>
-    <p:extLst>
-      <p:ext uri="{BB962C8B-B14F-4D97-AF65-F5344CB8AC3E}">
-        <p14:creationId xmlns:p14="http://schemas.microsoft.com/office/powerpoint/2010/main" val="2968964554"/>
-      </p:ext>
-    </p:extLst>
-  </p:cSld>
-  <p:clrMapOvr>
-    <a:masterClrMapping/>
-  </p:clrMapOvr>
-</p:sld>
-</file>
-
 <file path=ppt/slides/slide14.xml><?xml version="1.0" encoding="utf-8"?>
 <p:sld xmlns:a="http://schemas.openxmlformats.org/drawingml/2006/main" xmlns:r="http://schemas.openxmlformats.org/officeDocument/2006/relationships" xmlns:p="http://schemas.openxmlformats.org/presentationml/2006/main">
   <p:cSld>
@@ -10863,6 +9091,3009 @@
       </p:grpSpPr>
       <p:sp>
         <p:nvSpPr>
+          <p:cNvPr id="4" name="楕円 3">
+            <a:extLst>
+              <a:ext uri="{FF2B5EF4-FFF2-40B4-BE49-F238E27FC236}">
+                <a16:creationId xmlns:a16="http://schemas.microsoft.com/office/drawing/2014/main" id="{324CA9FF-6B32-482A-B8AF-65449990F25E}"/>
+              </a:ext>
+            </a:extLst>
+          </p:cNvPr>
+          <p:cNvSpPr/>
+          <p:nvPr/>
+        </p:nvSpPr>
+        <p:spPr>
+          <a:xfrm>
+            <a:off x="2444621" y="1362270"/>
+            <a:ext cx="1231641" cy="1231641"/>
+          </a:xfrm>
+          <a:prstGeom prst="ellipse">
+            <a:avLst/>
+          </a:prstGeom>
+          <a:noFill/>
+          <a:ln>
+            <a:solidFill>
+              <a:schemeClr val="tx1"/>
+            </a:solidFill>
+          </a:ln>
+        </p:spPr>
+        <p:style>
+          <a:lnRef idx="2">
+            <a:schemeClr val="accent1">
+              <a:shade val="50000"/>
+            </a:schemeClr>
+          </a:lnRef>
+          <a:fillRef idx="1">
+            <a:schemeClr val="accent1"/>
+          </a:fillRef>
+          <a:effectRef idx="0">
+            <a:schemeClr val="accent1"/>
+          </a:effectRef>
+          <a:fontRef idx="minor">
+            <a:schemeClr val="lt1"/>
+          </a:fontRef>
+        </p:style>
+        <p:txBody>
+          <a:bodyPr rtlCol="0" anchor="ctr"/>
+          <a:lstStyle/>
+          <a:p>
+            <a:pPr algn="ctr"/>
+            <a:r>
+              <a:rPr kumimoji="1" lang="en-US" altLang="ja-JP" sz="4000" dirty="0">
+                <a:solidFill>
+                  <a:schemeClr val="tx1"/>
+                </a:solidFill>
+              </a:rPr>
+              <a:t>X</a:t>
+            </a:r>
+            <a:endParaRPr kumimoji="1" lang="ja-JP" altLang="en-US" sz="4000" dirty="0">
+              <a:solidFill>
+                <a:schemeClr val="tx1"/>
+              </a:solidFill>
+            </a:endParaRPr>
+          </a:p>
+        </p:txBody>
+      </p:sp>
+      <p:cxnSp>
+        <p:nvCxnSpPr>
+          <p:cNvPr id="6" name="直線矢印コネクタ 5">
+            <a:extLst>
+              <a:ext uri="{FF2B5EF4-FFF2-40B4-BE49-F238E27FC236}">
+                <a16:creationId xmlns:a16="http://schemas.microsoft.com/office/drawing/2014/main" id="{5D436BC9-CDC5-4FFB-A4F8-6087EE77EC50}"/>
+              </a:ext>
+            </a:extLst>
+          </p:cNvPr>
+          <p:cNvCxnSpPr>
+            <a:cxnSpLocks/>
+            <a:stCxn id="4" idx="6"/>
+            <a:endCxn id="7" idx="2"/>
+          </p:cNvCxnSpPr>
+          <p:nvPr/>
+        </p:nvCxnSpPr>
+        <p:spPr>
+          <a:xfrm>
+            <a:off x="3676262" y="1978091"/>
+            <a:ext cx="1088525" cy="0"/>
+          </a:xfrm>
+          <a:prstGeom prst="straightConnector1">
+            <a:avLst/>
+          </a:prstGeom>
+          <a:ln>
+            <a:solidFill>
+              <a:schemeClr val="tx1"/>
+            </a:solidFill>
+            <a:tailEnd type="triangle" w="lg" len="lg"/>
+          </a:ln>
+        </p:spPr>
+        <p:style>
+          <a:lnRef idx="1">
+            <a:schemeClr val="accent1"/>
+          </a:lnRef>
+          <a:fillRef idx="0">
+            <a:schemeClr val="accent1"/>
+          </a:fillRef>
+          <a:effectRef idx="0">
+            <a:schemeClr val="accent1"/>
+          </a:effectRef>
+          <a:fontRef idx="minor">
+            <a:schemeClr val="tx1"/>
+          </a:fontRef>
+        </p:style>
+      </p:cxnSp>
+      <p:sp>
+        <p:nvSpPr>
+          <p:cNvPr id="7" name="楕円 6">
+            <a:extLst>
+              <a:ext uri="{FF2B5EF4-FFF2-40B4-BE49-F238E27FC236}">
+                <a16:creationId xmlns:a16="http://schemas.microsoft.com/office/drawing/2014/main" id="{E23AE44C-58A2-49CA-A5DB-2D092F2A41C0}"/>
+              </a:ext>
+            </a:extLst>
+          </p:cNvPr>
+          <p:cNvSpPr/>
+          <p:nvPr/>
+        </p:nvSpPr>
+        <p:spPr>
+          <a:xfrm>
+            <a:off x="4764787" y="1362270"/>
+            <a:ext cx="1231641" cy="1231641"/>
+          </a:xfrm>
+          <a:prstGeom prst="ellipse">
+            <a:avLst/>
+          </a:prstGeom>
+          <a:noFill/>
+          <a:ln>
+            <a:solidFill>
+              <a:schemeClr val="tx1"/>
+            </a:solidFill>
+          </a:ln>
+        </p:spPr>
+        <p:style>
+          <a:lnRef idx="2">
+            <a:schemeClr val="accent1">
+              <a:shade val="50000"/>
+            </a:schemeClr>
+          </a:lnRef>
+          <a:fillRef idx="1">
+            <a:schemeClr val="accent1"/>
+          </a:fillRef>
+          <a:effectRef idx="0">
+            <a:schemeClr val="accent1"/>
+          </a:effectRef>
+          <a:fontRef idx="minor">
+            <a:schemeClr val="lt1"/>
+          </a:fontRef>
+        </p:style>
+        <p:txBody>
+          <a:bodyPr rtlCol="0" anchor="ctr"/>
+          <a:lstStyle/>
+          <a:p>
+            <a:pPr algn="ctr"/>
+            <a:r>
+              <a:rPr kumimoji="1" lang="en-US" altLang="ja-JP" sz="4000" dirty="0">
+                <a:solidFill>
+                  <a:schemeClr val="tx1"/>
+                </a:solidFill>
+              </a:rPr>
+              <a:t>M</a:t>
+            </a:r>
+            <a:endParaRPr kumimoji="1" lang="ja-JP" altLang="en-US" sz="4000" dirty="0">
+              <a:solidFill>
+                <a:schemeClr val="tx1"/>
+              </a:solidFill>
+            </a:endParaRPr>
+          </a:p>
+        </p:txBody>
+      </p:sp>
+      <p:cxnSp>
+        <p:nvCxnSpPr>
+          <p:cNvPr id="10" name="直線矢印コネクタ 9">
+            <a:extLst>
+              <a:ext uri="{FF2B5EF4-FFF2-40B4-BE49-F238E27FC236}">
+                <a16:creationId xmlns:a16="http://schemas.microsoft.com/office/drawing/2014/main" id="{AC8F7600-8DC5-40A7-8CB8-78BE46EED713}"/>
+              </a:ext>
+            </a:extLst>
+          </p:cNvPr>
+          <p:cNvCxnSpPr>
+            <a:cxnSpLocks/>
+            <a:stCxn id="7" idx="6"/>
+            <a:endCxn id="16" idx="2"/>
+          </p:cNvCxnSpPr>
+          <p:nvPr/>
+        </p:nvCxnSpPr>
+        <p:spPr>
+          <a:xfrm flipV="1">
+            <a:off x="5996428" y="1978090"/>
+            <a:ext cx="883320" cy="1"/>
+          </a:xfrm>
+          <a:prstGeom prst="straightConnector1">
+            <a:avLst/>
+          </a:prstGeom>
+          <a:ln>
+            <a:solidFill>
+              <a:schemeClr val="tx1"/>
+            </a:solidFill>
+            <a:tailEnd type="triangle" w="lg" len="lg"/>
+          </a:ln>
+        </p:spPr>
+        <p:style>
+          <a:lnRef idx="1">
+            <a:schemeClr val="accent1"/>
+          </a:lnRef>
+          <a:fillRef idx="0">
+            <a:schemeClr val="accent1"/>
+          </a:fillRef>
+          <a:effectRef idx="0">
+            <a:schemeClr val="accent1"/>
+          </a:effectRef>
+          <a:fontRef idx="minor">
+            <a:schemeClr val="tx1"/>
+          </a:fontRef>
+        </p:style>
+      </p:cxnSp>
+      <p:cxnSp>
+        <p:nvCxnSpPr>
+          <p:cNvPr id="13" name="直線矢印コネクタ 12">
+            <a:extLst>
+              <a:ext uri="{FF2B5EF4-FFF2-40B4-BE49-F238E27FC236}">
+                <a16:creationId xmlns:a16="http://schemas.microsoft.com/office/drawing/2014/main" id="{1863CC4C-95DE-44EB-A56E-35863388291A}"/>
+              </a:ext>
+            </a:extLst>
+          </p:cNvPr>
+          <p:cNvCxnSpPr>
+            <a:cxnSpLocks/>
+            <a:stCxn id="23" idx="6"/>
+            <a:endCxn id="38" idx="2"/>
+          </p:cNvCxnSpPr>
+          <p:nvPr/>
+        </p:nvCxnSpPr>
+        <p:spPr>
+          <a:xfrm>
+            <a:off x="9831309" y="1978089"/>
+            <a:ext cx="733189" cy="0"/>
+          </a:xfrm>
+          <a:prstGeom prst="straightConnector1">
+            <a:avLst/>
+          </a:prstGeom>
+          <a:ln>
+            <a:solidFill>
+              <a:schemeClr val="tx1"/>
+            </a:solidFill>
+            <a:tailEnd type="triangle" w="lg" len="lg"/>
+          </a:ln>
+        </p:spPr>
+        <p:style>
+          <a:lnRef idx="1">
+            <a:schemeClr val="accent1"/>
+          </a:lnRef>
+          <a:fillRef idx="0">
+            <a:schemeClr val="accent1"/>
+          </a:fillRef>
+          <a:effectRef idx="0">
+            <a:schemeClr val="accent1"/>
+          </a:effectRef>
+          <a:fontRef idx="minor">
+            <a:schemeClr val="tx1"/>
+          </a:fontRef>
+        </p:style>
+      </p:cxnSp>
+      <p:sp>
+        <p:nvSpPr>
+          <p:cNvPr id="16" name="楕円 15">
+            <a:extLst>
+              <a:ext uri="{FF2B5EF4-FFF2-40B4-BE49-F238E27FC236}">
+                <a16:creationId xmlns:a16="http://schemas.microsoft.com/office/drawing/2014/main" id="{65213C8C-C227-4825-8BC8-F0CFB3A42220}"/>
+              </a:ext>
+            </a:extLst>
+          </p:cNvPr>
+          <p:cNvSpPr/>
+          <p:nvPr/>
+        </p:nvSpPr>
+        <p:spPr>
+          <a:xfrm>
+            <a:off x="6879748" y="1362269"/>
+            <a:ext cx="1231641" cy="1231641"/>
+          </a:xfrm>
+          <a:prstGeom prst="ellipse">
+            <a:avLst/>
+          </a:prstGeom>
+          <a:noFill/>
+          <a:ln>
+            <a:solidFill>
+              <a:schemeClr val="tx1"/>
+            </a:solidFill>
+          </a:ln>
+        </p:spPr>
+        <p:style>
+          <a:lnRef idx="2">
+            <a:schemeClr val="accent1">
+              <a:shade val="50000"/>
+            </a:schemeClr>
+          </a:lnRef>
+          <a:fillRef idx="1">
+            <a:schemeClr val="accent1"/>
+          </a:fillRef>
+          <a:effectRef idx="0">
+            <a:schemeClr val="accent1"/>
+          </a:effectRef>
+          <a:fontRef idx="minor">
+            <a:schemeClr val="lt1"/>
+          </a:fontRef>
+        </p:style>
+        <p:txBody>
+          <a:bodyPr rtlCol="0" anchor="ctr"/>
+          <a:lstStyle/>
+          <a:p>
+            <a:pPr algn="ctr"/>
+            <a:r>
+              <a:rPr kumimoji="1" lang="en-US" altLang="ja-JP" sz="4000" dirty="0">
+                <a:solidFill>
+                  <a:schemeClr val="tx1"/>
+                </a:solidFill>
+              </a:rPr>
+              <a:t>S</a:t>
+            </a:r>
+            <a:endParaRPr kumimoji="1" lang="ja-JP" altLang="en-US" sz="4000" dirty="0">
+              <a:solidFill>
+                <a:schemeClr val="tx1"/>
+              </a:solidFill>
+            </a:endParaRPr>
+          </a:p>
+        </p:txBody>
+      </p:sp>
+      <p:sp>
+        <p:nvSpPr>
+          <p:cNvPr id="18" name="楕円 17">
+            <a:extLst>
+              <a:ext uri="{FF2B5EF4-FFF2-40B4-BE49-F238E27FC236}">
+                <a16:creationId xmlns:a16="http://schemas.microsoft.com/office/drawing/2014/main" id="{924B6C48-ADD1-45D7-AAAB-504A5229D7E5}"/>
+              </a:ext>
+            </a:extLst>
+          </p:cNvPr>
+          <p:cNvSpPr/>
+          <p:nvPr/>
+        </p:nvSpPr>
+        <p:spPr>
+          <a:xfrm>
+            <a:off x="2444621" y="2967134"/>
+            <a:ext cx="1231641" cy="1231641"/>
+          </a:xfrm>
+          <a:prstGeom prst="ellipse">
+            <a:avLst/>
+          </a:prstGeom>
+          <a:noFill/>
+          <a:ln>
+            <a:solidFill>
+              <a:schemeClr val="tx1"/>
+            </a:solidFill>
+          </a:ln>
+        </p:spPr>
+        <p:style>
+          <a:lnRef idx="2">
+            <a:schemeClr val="accent1">
+              <a:shade val="50000"/>
+            </a:schemeClr>
+          </a:lnRef>
+          <a:fillRef idx="1">
+            <a:schemeClr val="accent1"/>
+          </a:fillRef>
+          <a:effectRef idx="0">
+            <a:schemeClr val="accent1"/>
+          </a:effectRef>
+          <a:fontRef idx="minor">
+            <a:schemeClr val="lt1"/>
+          </a:fontRef>
+        </p:style>
+        <p:txBody>
+          <a:bodyPr rtlCol="0" anchor="ctr"/>
+          <a:lstStyle/>
+          <a:p>
+            <a:pPr algn="ctr"/>
+            <a:r>
+              <a:rPr kumimoji="1" lang="en-US" altLang="ja-JP" sz="4000" dirty="0">
+                <a:solidFill>
+                  <a:schemeClr val="tx1"/>
+                </a:solidFill>
+              </a:rPr>
+              <a:t>T</a:t>
+            </a:r>
+            <a:endParaRPr kumimoji="1" lang="ja-JP" altLang="en-US" sz="4000" dirty="0">
+              <a:solidFill>
+                <a:schemeClr val="tx1"/>
+              </a:solidFill>
+            </a:endParaRPr>
+          </a:p>
+        </p:txBody>
+      </p:sp>
+      <p:sp>
+        <p:nvSpPr>
+          <p:cNvPr id="23" name="楕円 22">
+            <a:extLst>
+              <a:ext uri="{FF2B5EF4-FFF2-40B4-BE49-F238E27FC236}">
+                <a16:creationId xmlns:a16="http://schemas.microsoft.com/office/drawing/2014/main" id="{3959A334-1E75-48FF-8B5C-E5CC6D796F65}"/>
+              </a:ext>
+            </a:extLst>
+          </p:cNvPr>
+          <p:cNvSpPr/>
+          <p:nvPr/>
+        </p:nvSpPr>
+        <p:spPr>
+          <a:xfrm>
+            <a:off x="8599668" y="1362268"/>
+            <a:ext cx="1231641" cy="1231641"/>
+          </a:xfrm>
+          <a:prstGeom prst="ellipse">
+            <a:avLst/>
+          </a:prstGeom>
+          <a:noFill/>
+          <a:ln>
+            <a:solidFill>
+              <a:schemeClr val="tx1"/>
+            </a:solidFill>
+          </a:ln>
+        </p:spPr>
+        <p:style>
+          <a:lnRef idx="2">
+            <a:schemeClr val="accent1">
+              <a:shade val="50000"/>
+            </a:schemeClr>
+          </a:lnRef>
+          <a:fillRef idx="1">
+            <a:schemeClr val="accent1"/>
+          </a:fillRef>
+          <a:effectRef idx="0">
+            <a:schemeClr val="accent1"/>
+          </a:effectRef>
+          <a:fontRef idx="minor">
+            <a:schemeClr val="lt1"/>
+          </a:fontRef>
+        </p:style>
+        <p:txBody>
+          <a:bodyPr rtlCol="0" anchor="ctr"/>
+          <a:lstStyle/>
+          <a:p>
+            <a:pPr algn="ctr"/>
+            <a:r>
+              <a:rPr kumimoji="1" lang="en-US" altLang="ja-JP" sz="4000" dirty="0">
+                <a:solidFill>
+                  <a:schemeClr val="tx1"/>
+                </a:solidFill>
+              </a:rPr>
+              <a:t>C</a:t>
+            </a:r>
+            <a:endParaRPr kumimoji="1" lang="ja-JP" altLang="en-US" sz="4000" dirty="0">
+              <a:solidFill>
+                <a:schemeClr val="tx1"/>
+              </a:solidFill>
+            </a:endParaRPr>
+          </a:p>
+        </p:txBody>
+      </p:sp>
+      <p:cxnSp>
+        <p:nvCxnSpPr>
+          <p:cNvPr id="24" name="直線矢印コネクタ 23">
+            <a:extLst>
+              <a:ext uri="{FF2B5EF4-FFF2-40B4-BE49-F238E27FC236}">
+                <a16:creationId xmlns:a16="http://schemas.microsoft.com/office/drawing/2014/main" id="{2824B40C-8D99-4BB5-9254-D758BE169506}"/>
+              </a:ext>
+            </a:extLst>
+          </p:cNvPr>
+          <p:cNvCxnSpPr>
+            <a:cxnSpLocks/>
+            <a:stCxn id="16" idx="6"/>
+            <a:endCxn id="23" idx="2"/>
+          </p:cNvCxnSpPr>
+          <p:nvPr/>
+        </p:nvCxnSpPr>
+        <p:spPr>
+          <a:xfrm flipV="1">
+            <a:off x="8111389" y="1978089"/>
+            <a:ext cx="488279" cy="1"/>
+          </a:xfrm>
+          <a:prstGeom prst="straightConnector1">
+            <a:avLst/>
+          </a:prstGeom>
+          <a:ln>
+            <a:solidFill>
+              <a:schemeClr val="tx1"/>
+            </a:solidFill>
+            <a:tailEnd type="triangle" w="lg" len="lg"/>
+          </a:ln>
+        </p:spPr>
+        <p:style>
+          <a:lnRef idx="1">
+            <a:schemeClr val="accent1"/>
+          </a:lnRef>
+          <a:fillRef idx="0">
+            <a:schemeClr val="accent1"/>
+          </a:fillRef>
+          <a:effectRef idx="0">
+            <a:schemeClr val="accent1"/>
+          </a:effectRef>
+          <a:fontRef idx="minor">
+            <a:schemeClr val="tx1"/>
+          </a:fontRef>
+        </p:style>
+      </p:cxnSp>
+      <p:cxnSp>
+        <p:nvCxnSpPr>
+          <p:cNvPr id="30" name="コネクタ: カギ線 29">
+            <a:extLst>
+              <a:ext uri="{FF2B5EF4-FFF2-40B4-BE49-F238E27FC236}">
+                <a16:creationId xmlns:a16="http://schemas.microsoft.com/office/drawing/2014/main" id="{0FDF7BCF-F089-4CE1-A6A9-2CB7BFDD80C8}"/>
+              </a:ext>
+            </a:extLst>
+          </p:cNvPr>
+          <p:cNvCxnSpPr>
+            <a:cxnSpLocks/>
+            <a:stCxn id="18" idx="7"/>
+            <a:endCxn id="7" idx="3"/>
+          </p:cNvCxnSpPr>
+          <p:nvPr/>
+        </p:nvCxnSpPr>
+        <p:spPr>
+          <a:xfrm rot="5400000" flipH="1" flipV="1">
+            <a:off x="3853543" y="2055891"/>
+            <a:ext cx="733963" cy="1449265"/>
+          </a:xfrm>
+          <a:prstGeom prst="bentConnector3">
+            <a:avLst>
+              <a:gd name="adj1" fmla="val 50000"/>
+            </a:avLst>
+          </a:prstGeom>
+          <a:ln>
+            <a:solidFill>
+              <a:schemeClr val="tx1"/>
+            </a:solidFill>
+            <a:tailEnd type="triangle" w="lg" len="lg"/>
+          </a:ln>
+        </p:spPr>
+        <p:style>
+          <a:lnRef idx="1">
+            <a:schemeClr val="accent1"/>
+          </a:lnRef>
+          <a:fillRef idx="0">
+            <a:schemeClr val="accent1"/>
+          </a:fillRef>
+          <a:effectRef idx="0">
+            <a:schemeClr val="accent1"/>
+          </a:effectRef>
+          <a:fontRef idx="minor">
+            <a:schemeClr val="tx1"/>
+          </a:fontRef>
+        </p:style>
+      </p:cxnSp>
+      <p:cxnSp>
+        <p:nvCxnSpPr>
+          <p:cNvPr id="33" name="コネクタ: カギ線 32">
+            <a:extLst>
+              <a:ext uri="{FF2B5EF4-FFF2-40B4-BE49-F238E27FC236}">
+                <a16:creationId xmlns:a16="http://schemas.microsoft.com/office/drawing/2014/main" id="{01E9CCAB-5174-4620-99FF-C6BB2A34EFDE}"/>
+              </a:ext>
+            </a:extLst>
+          </p:cNvPr>
+          <p:cNvCxnSpPr>
+            <a:cxnSpLocks/>
+            <a:stCxn id="18" idx="6"/>
+            <a:endCxn id="23" idx="4"/>
+          </p:cNvCxnSpPr>
+          <p:nvPr/>
+        </p:nvCxnSpPr>
+        <p:spPr>
+          <a:xfrm flipV="1">
+            <a:off x="3676262" y="2593909"/>
+            <a:ext cx="5539227" cy="989046"/>
+          </a:xfrm>
+          <a:prstGeom prst="bentConnector2">
+            <a:avLst/>
+          </a:prstGeom>
+          <a:ln>
+            <a:solidFill>
+              <a:schemeClr val="tx1"/>
+            </a:solidFill>
+            <a:tailEnd type="triangle" w="lg" len="lg"/>
+          </a:ln>
+        </p:spPr>
+        <p:style>
+          <a:lnRef idx="1">
+            <a:schemeClr val="accent1"/>
+          </a:lnRef>
+          <a:fillRef idx="0">
+            <a:schemeClr val="accent1"/>
+          </a:fillRef>
+          <a:effectRef idx="0">
+            <a:schemeClr val="accent1"/>
+          </a:effectRef>
+          <a:fontRef idx="minor">
+            <a:schemeClr val="tx1"/>
+          </a:fontRef>
+        </p:style>
+      </p:cxnSp>
+      <p:sp>
+        <p:nvSpPr>
+          <p:cNvPr id="38" name="楕円 37">
+            <a:extLst>
+              <a:ext uri="{FF2B5EF4-FFF2-40B4-BE49-F238E27FC236}">
+                <a16:creationId xmlns:a16="http://schemas.microsoft.com/office/drawing/2014/main" id="{B34CA475-3F09-465C-A28B-CED0506281E5}"/>
+              </a:ext>
+            </a:extLst>
+          </p:cNvPr>
+          <p:cNvSpPr/>
+          <p:nvPr/>
+        </p:nvSpPr>
+        <p:spPr>
+          <a:xfrm>
+            <a:off x="10564498" y="1362268"/>
+            <a:ext cx="1231641" cy="1231641"/>
+          </a:xfrm>
+          <a:prstGeom prst="ellipse">
+            <a:avLst/>
+          </a:prstGeom>
+          <a:noFill/>
+          <a:ln>
+            <a:solidFill>
+              <a:schemeClr val="tx1"/>
+            </a:solidFill>
+          </a:ln>
+        </p:spPr>
+        <p:style>
+          <a:lnRef idx="2">
+            <a:schemeClr val="accent1">
+              <a:shade val="50000"/>
+            </a:schemeClr>
+          </a:lnRef>
+          <a:fillRef idx="1">
+            <a:schemeClr val="accent1"/>
+          </a:fillRef>
+          <a:effectRef idx="0">
+            <a:schemeClr val="accent1"/>
+          </a:effectRef>
+          <a:fontRef idx="minor">
+            <a:schemeClr val="lt1"/>
+          </a:fontRef>
+        </p:style>
+        <p:txBody>
+          <a:bodyPr rtlCol="0" anchor="ctr"/>
+          <a:lstStyle/>
+          <a:p>
+            <a:pPr algn="ctr"/>
+            <a:r>
+              <a:rPr kumimoji="1" lang="en-US" altLang="ja-JP" sz="4000" dirty="0">
+                <a:solidFill>
+                  <a:schemeClr val="tx1"/>
+                </a:solidFill>
+              </a:rPr>
+              <a:t>Y</a:t>
+            </a:r>
+            <a:endParaRPr kumimoji="1" lang="ja-JP" altLang="en-US" sz="4000" dirty="0">
+              <a:solidFill>
+                <a:schemeClr val="tx1"/>
+              </a:solidFill>
+            </a:endParaRPr>
+          </a:p>
+        </p:txBody>
+      </p:sp>
+      <p:cxnSp>
+        <p:nvCxnSpPr>
+          <p:cNvPr id="41" name="コネクタ: カギ線 40">
+            <a:extLst>
+              <a:ext uri="{FF2B5EF4-FFF2-40B4-BE49-F238E27FC236}">
+                <a16:creationId xmlns:a16="http://schemas.microsoft.com/office/drawing/2014/main" id="{7A060C84-113B-4FE9-87BB-DFB2030F13A8}"/>
+              </a:ext>
+            </a:extLst>
+          </p:cNvPr>
+          <p:cNvCxnSpPr>
+            <a:cxnSpLocks/>
+            <a:stCxn id="16" idx="0"/>
+            <a:endCxn id="38" idx="0"/>
+          </p:cNvCxnSpPr>
+          <p:nvPr/>
+        </p:nvCxnSpPr>
+        <p:spPr>
+          <a:xfrm rot="5400000" flipH="1" flipV="1">
+            <a:off x="9337944" y="-480106"/>
+            <a:ext cx="1" cy="3684750"/>
+          </a:xfrm>
+          <a:prstGeom prst="bentConnector3">
+            <a:avLst>
+              <a:gd name="adj1" fmla="val 22860100000"/>
+            </a:avLst>
+          </a:prstGeom>
+          <a:ln>
+            <a:solidFill>
+              <a:schemeClr val="tx1"/>
+            </a:solidFill>
+            <a:tailEnd type="triangle" w="lg" len="lg"/>
+          </a:ln>
+        </p:spPr>
+        <p:style>
+          <a:lnRef idx="1">
+            <a:schemeClr val="accent1"/>
+          </a:lnRef>
+          <a:fillRef idx="0">
+            <a:schemeClr val="accent1"/>
+          </a:fillRef>
+          <a:effectRef idx="0">
+            <a:schemeClr val="accent1"/>
+          </a:effectRef>
+          <a:fontRef idx="minor">
+            <a:schemeClr val="tx1"/>
+          </a:fontRef>
+        </p:style>
+      </p:cxnSp>
+      <p:sp>
+        <p:nvSpPr>
+          <p:cNvPr id="48" name="楕円 47">
+            <a:extLst>
+              <a:ext uri="{FF2B5EF4-FFF2-40B4-BE49-F238E27FC236}">
+                <a16:creationId xmlns:a16="http://schemas.microsoft.com/office/drawing/2014/main" id="{9805DEEA-9EE6-4B6E-916B-2E37DE542C57}"/>
+              </a:ext>
+            </a:extLst>
+          </p:cNvPr>
+          <p:cNvSpPr/>
+          <p:nvPr/>
+        </p:nvSpPr>
+        <p:spPr>
+          <a:xfrm>
+            <a:off x="2457039" y="5690143"/>
+            <a:ext cx="1231641" cy="1231641"/>
+          </a:xfrm>
+          <a:prstGeom prst="ellipse">
+            <a:avLst/>
+          </a:prstGeom>
+          <a:noFill/>
+          <a:ln>
+            <a:solidFill>
+              <a:schemeClr val="tx1"/>
+            </a:solidFill>
+          </a:ln>
+        </p:spPr>
+        <p:style>
+          <a:lnRef idx="2">
+            <a:schemeClr val="accent1">
+              <a:shade val="50000"/>
+            </a:schemeClr>
+          </a:lnRef>
+          <a:fillRef idx="1">
+            <a:schemeClr val="accent1"/>
+          </a:fillRef>
+          <a:effectRef idx="0">
+            <a:schemeClr val="accent1"/>
+          </a:effectRef>
+          <a:fontRef idx="minor">
+            <a:schemeClr val="lt1"/>
+          </a:fontRef>
+        </p:style>
+        <p:txBody>
+          <a:bodyPr rtlCol="0" anchor="ctr"/>
+          <a:lstStyle/>
+          <a:p>
+            <a:pPr algn="ctr"/>
+            <a:r>
+              <a:rPr kumimoji="1" lang="en-US" altLang="ja-JP" sz="4000" dirty="0">
+                <a:solidFill>
+                  <a:schemeClr val="tx1"/>
+                </a:solidFill>
+              </a:rPr>
+              <a:t>X’</a:t>
+            </a:r>
+            <a:endParaRPr kumimoji="1" lang="ja-JP" altLang="en-US" sz="4000" dirty="0">
+              <a:solidFill>
+                <a:schemeClr val="tx1"/>
+              </a:solidFill>
+            </a:endParaRPr>
+          </a:p>
+        </p:txBody>
+      </p:sp>
+      <p:sp>
+        <p:nvSpPr>
+          <p:cNvPr id="51" name="楕円 50">
+            <a:extLst>
+              <a:ext uri="{FF2B5EF4-FFF2-40B4-BE49-F238E27FC236}">
+                <a16:creationId xmlns:a16="http://schemas.microsoft.com/office/drawing/2014/main" id="{16B8B4E9-77A7-4194-B897-060A09FD38A2}"/>
+              </a:ext>
+            </a:extLst>
+          </p:cNvPr>
+          <p:cNvSpPr/>
+          <p:nvPr/>
+        </p:nvSpPr>
+        <p:spPr>
+          <a:xfrm>
+            <a:off x="2444621" y="7322960"/>
+            <a:ext cx="1231641" cy="1231641"/>
+          </a:xfrm>
+          <a:prstGeom prst="ellipse">
+            <a:avLst/>
+          </a:prstGeom>
+          <a:noFill/>
+          <a:ln>
+            <a:solidFill>
+              <a:schemeClr val="tx1"/>
+            </a:solidFill>
+          </a:ln>
+        </p:spPr>
+        <p:style>
+          <a:lnRef idx="2">
+            <a:schemeClr val="accent1">
+              <a:shade val="50000"/>
+            </a:schemeClr>
+          </a:lnRef>
+          <a:fillRef idx="1">
+            <a:schemeClr val="accent1"/>
+          </a:fillRef>
+          <a:effectRef idx="0">
+            <a:schemeClr val="accent1"/>
+          </a:effectRef>
+          <a:fontRef idx="minor">
+            <a:schemeClr val="lt1"/>
+          </a:fontRef>
+        </p:style>
+        <p:txBody>
+          <a:bodyPr rtlCol="0" anchor="ctr"/>
+          <a:lstStyle/>
+          <a:p>
+            <a:pPr algn="ctr"/>
+            <a:r>
+              <a:rPr kumimoji="1" lang="en-US" altLang="ja-JP" sz="4000" dirty="0">
+                <a:solidFill>
+                  <a:schemeClr val="tx1"/>
+                </a:solidFill>
+              </a:rPr>
+              <a:t>T’</a:t>
+            </a:r>
+            <a:endParaRPr kumimoji="1" lang="ja-JP" altLang="en-US" sz="4000" dirty="0">
+              <a:solidFill>
+                <a:schemeClr val="tx1"/>
+              </a:solidFill>
+            </a:endParaRPr>
+          </a:p>
+        </p:txBody>
+      </p:sp>
+      <p:sp>
+        <p:nvSpPr>
+          <p:cNvPr id="54" name="楕円 53">
+            <a:extLst>
+              <a:ext uri="{FF2B5EF4-FFF2-40B4-BE49-F238E27FC236}">
+                <a16:creationId xmlns:a16="http://schemas.microsoft.com/office/drawing/2014/main" id="{0F74B760-DAC3-4608-B9B1-1E2BEC0F2906}"/>
+              </a:ext>
+            </a:extLst>
+          </p:cNvPr>
+          <p:cNvSpPr/>
+          <p:nvPr/>
+        </p:nvSpPr>
+        <p:spPr>
+          <a:xfrm>
+            <a:off x="10757285" y="5690142"/>
+            <a:ext cx="1231641" cy="1231641"/>
+          </a:xfrm>
+          <a:prstGeom prst="ellipse">
+            <a:avLst/>
+          </a:prstGeom>
+          <a:noFill/>
+          <a:ln>
+            <a:solidFill>
+              <a:schemeClr val="tx1"/>
+            </a:solidFill>
+          </a:ln>
+        </p:spPr>
+        <p:style>
+          <a:lnRef idx="2">
+            <a:schemeClr val="accent1">
+              <a:shade val="50000"/>
+            </a:schemeClr>
+          </a:lnRef>
+          <a:fillRef idx="1">
+            <a:schemeClr val="accent1"/>
+          </a:fillRef>
+          <a:effectRef idx="0">
+            <a:schemeClr val="accent1"/>
+          </a:effectRef>
+          <a:fontRef idx="minor">
+            <a:schemeClr val="lt1"/>
+          </a:fontRef>
+        </p:style>
+        <p:txBody>
+          <a:bodyPr rtlCol="0" anchor="ctr"/>
+          <a:lstStyle/>
+          <a:p>
+            <a:pPr algn="ctr"/>
+            <a:r>
+              <a:rPr kumimoji="1" lang="en-US" altLang="ja-JP" sz="4000" dirty="0">
+                <a:solidFill>
+                  <a:schemeClr val="tx1"/>
+                </a:solidFill>
+              </a:rPr>
+              <a:t>Y’</a:t>
+            </a:r>
+            <a:endParaRPr kumimoji="1" lang="ja-JP" altLang="en-US" sz="4000" dirty="0">
+              <a:solidFill>
+                <a:schemeClr val="tx1"/>
+              </a:solidFill>
+            </a:endParaRPr>
+          </a:p>
+        </p:txBody>
+      </p:sp>
+      <p:sp>
+        <p:nvSpPr>
+          <p:cNvPr id="57" name="楕円 56">
+            <a:extLst>
+              <a:ext uri="{FF2B5EF4-FFF2-40B4-BE49-F238E27FC236}">
+                <a16:creationId xmlns:a16="http://schemas.microsoft.com/office/drawing/2014/main" id="{E2478982-00B5-4D23-9CAA-E40F7CEF7C3E}"/>
+              </a:ext>
+            </a:extLst>
+          </p:cNvPr>
+          <p:cNvSpPr/>
+          <p:nvPr/>
+        </p:nvSpPr>
+        <p:spPr>
+          <a:xfrm>
+            <a:off x="7072536" y="5690143"/>
+            <a:ext cx="1231641" cy="1231641"/>
+          </a:xfrm>
+          <a:prstGeom prst="ellipse">
+            <a:avLst/>
+          </a:prstGeom>
+          <a:noFill/>
+          <a:ln>
+            <a:solidFill>
+              <a:schemeClr val="tx1"/>
+            </a:solidFill>
+          </a:ln>
+        </p:spPr>
+        <p:style>
+          <a:lnRef idx="2">
+            <a:schemeClr val="accent1">
+              <a:shade val="50000"/>
+            </a:schemeClr>
+          </a:lnRef>
+          <a:fillRef idx="1">
+            <a:schemeClr val="accent1"/>
+          </a:fillRef>
+          <a:effectRef idx="0">
+            <a:schemeClr val="accent1"/>
+          </a:effectRef>
+          <a:fontRef idx="minor">
+            <a:schemeClr val="lt1"/>
+          </a:fontRef>
+        </p:style>
+        <p:txBody>
+          <a:bodyPr rtlCol="0" anchor="ctr"/>
+          <a:lstStyle/>
+          <a:p>
+            <a:pPr algn="ctr"/>
+            <a:r>
+              <a:rPr kumimoji="1" lang="en-US" altLang="ja-JP" sz="4000" dirty="0">
+                <a:solidFill>
+                  <a:schemeClr val="tx1"/>
+                </a:solidFill>
+              </a:rPr>
+              <a:t>S’</a:t>
+            </a:r>
+            <a:endParaRPr kumimoji="1" lang="ja-JP" altLang="en-US" sz="4000" dirty="0">
+              <a:solidFill>
+                <a:schemeClr val="tx1"/>
+              </a:solidFill>
+            </a:endParaRPr>
+          </a:p>
+        </p:txBody>
+      </p:sp>
+      <p:cxnSp>
+        <p:nvCxnSpPr>
+          <p:cNvPr id="58" name="直線矢印コネクタ 57">
+            <a:extLst>
+              <a:ext uri="{FF2B5EF4-FFF2-40B4-BE49-F238E27FC236}">
+                <a16:creationId xmlns:a16="http://schemas.microsoft.com/office/drawing/2014/main" id="{E407AF7B-916B-47E7-9B2C-9E18CD0A80A0}"/>
+              </a:ext>
+            </a:extLst>
+          </p:cNvPr>
+          <p:cNvCxnSpPr>
+            <a:cxnSpLocks/>
+            <a:stCxn id="48" idx="6"/>
+            <a:endCxn id="57" idx="2"/>
+          </p:cNvCxnSpPr>
+          <p:nvPr/>
+        </p:nvCxnSpPr>
+        <p:spPr>
+          <a:xfrm>
+            <a:off x="3688680" y="6305964"/>
+            <a:ext cx="3383856" cy="0"/>
+          </a:xfrm>
+          <a:prstGeom prst="straightConnector1">
+            <a:avLst/>
+          </a:prstGeom>
+          <a:ln>
+            <a:solidFill>
+              <a:schemeClr val="tx1"/>
+            </a:solidFill>
+            <a:tailEnd type="triangle" w="lg" len="lg"/>
+          </a:ln>
+        </p:spPr>
+        <p:style>
+          <a:lnRef idx="1">
+            <a:schemeClr val="accent1"/>
+          </a:lnRef>
+          <a:fillRef idx="0">
+            <a:schemeClr val="accent1"/>
+          </a:fillRef>
+          <a:effectRef idx="0">
+            <a:schemeClr val="accent1"/>
+          </a:effectRef>
+          <a:fontRef idx="minor">
+            <a:schemeClr val="tx1"/>
+          </a:fontRef>
+        </p:style>
+      </p:cxnSp>
+      <p:cxnSp>
+        <p:nvCxnSpPr>
+          <p:cNvPr id="61" name="直線矢印コネクタ 60">
+            <a:extLst>
+              <a:ext uri="{FF2B5EF4-FFF2-40B4-BE49-F238E27FC236}">
+                <a16:creationId xmlns:a16="http://schemas.microsoft.com/office/drawing/2014/main" id="{DF4BBB80-F899-43A0-82E1-2597F4D265C3}"/>
+              </a:ext>
+            </a:extLst>
+          </p:cNvPr>
+          <p:cNvCxnSpPr>
+            <a:cxnSpLocks/>
+            <a:stCxn id="57" idx="6"/>
+            <a:endCxn id="54" idx="2"/>
+          </p:cNvCxnSpPr>
+          <p:nvPr/>
+        </p:nvCxnSpPr>
+        <p:spPr>
+          <a:xfrm flipV="1">
+            <a:off x="8304177" y="6305963"/>
+            <a:ext cx="2453108" cy="1"/>
+          </a:xfrm>
+          <a:prstGeom prst="straightConnector1">
+            <a:avLst/>
+          </a:prstGeom>
+          <a:ln>
+            <a:solidFill>
+              <a:schemeClr val="tx1"/>
+            </a:solidFill>
+            <a:tailEnd type="triangle" w="lg" len="lg"/>
+          </a:ln>
+        </p:spPr>
+        <p:style>
+          <a:lnRef idx="1">
+            <a:schemeClr val="accent1"/>
+          </a:lnRef>
+          <a:fillRef idx="0">
+            <a:schemeClr val="accent1"/>
+          </a:fillRef>
+          <a:effectRef idx="0">
+            <a:schemeClr val="accent1"/>
+          </a:effectRef>
+          <a:fontRef idx="minor">
+            <a:schemeClr val="tx1"/>
+          </a:fontRef>
+        </p:style>
+      </p:cxnSp>
+      <p:cxnSp>
+        <p:nvCxnSpPr>
+          <p:cNvPr id="65" name="コネクタ: カギ線 64">
+            <a:extLst>
+              <a:ext uri="{FF2B5EF4-FFF2-40B4-BE49-F238E27FC236}">
+                <a16:creationId xmlns:a16="http://schemas.microsoft.com/office/drawing/2014/main" id="{BB72C998-C5EC-4064-9003-C8DA17CA7288}"/>
+              </a:ext>
+            </a:extLst>
+          </p:cNvPr>
+          <p:cNvCxnSpPr>
+            <a:cxnSpLocks/>
+            <a:stCxn id="23" idx="5"/>
+            <a:endCxn id="54" idx="0"/>
+          </p:cNvCxnSpPr>
+          <p:nvPr/>
+        </p:nvCxnSpPr>
+        <p:spPr>
+          <a:xfrm rot="16200000" flipH="1">
+            <a:off x="8873721" y="3190756"/>
+            <a:ext cx="3276603" cy="1722167"/>
+          </a:xfrm>
+          <a:prstGeom prst="bentConnector3">
+            <a:avLst>
+              <a:gd name="adj1" fmla="val 50000"/>
+            </a:avLst>
+          </a:prstGeom>
+          <a:ln>
+            <a:solidFill>
+              <a:schemeClr val="tx1"/>
+            </a:solidFill>
+            <a:tailEnd type="triangle" w="lg" len="lg"/>
+          </a:ln>
+        </p:spPr>
+        <p:style>
+          <a:lnRef idx="1">
+            <a:schemeClr val="accent1"/>
+          </a:lnRef>
+          <a:fillRef idx="0">
+            <a:schemeClr val="accent1"/>
+          </a:fillRef>
+          <a:effectRef idx="0">
+            <a:schemeClr val="accent1"/>
+          </a:effectRef>
+          <a:fontRef idx="minor">
+            <a:schemeClr val="tx1"/>
+          </a:fontRef>
+        </p:style>
+      </p:cxnSp>
+      <p:cxnSp>
+        <p:nvCxnSpPr>
+          <p:cNvPr id="68" name="コネクタ: カギ線 67">
+            <a:extLst>
+              <a:ext uri="{FF2B5EF4-FFF2-40B4-BE49-F238E27FC236}">
+                <a16:creationId xmlns:a16="http://schemas.microsoft.com/office/drawing/2014/main" id="{CB11BB53-FA7A-4466-8F3B-D4FE18AA1D95}"/>
+              </a:ext>
+            </a:extLst>
+          </p:cNvPr>
+          <p:cNvCxnSpPr>
+            <a:cxnSpLocks/>
+            <a:stCxn id="7" idx="5"/>
+            <a:endCxn id="57" idx="0"/>
+          </p:cNvCxnSpPr>
+          <p:nvPr/>
+        </p:nvCxnSpPr>
+        <p:spPr>
+          <a:xfrm rot="16200000" flipH="1">
+            <a:off x="5113906" y="3115692"/>
+            <a:ext cx="3276602" cy="1872299"/>
+          </a:xfrm>
+          <a:prstGeom prst="bentConnector3">
+            <a:avLst>
+              <a:gd name="adj1" fmla="val 50000"/>
+            </a:avLst>
+          </a:prstGeom>
+          <a:ln>
+            <a:solidFill>
+              <a:schemeClr val="tx1"/>
+            </a:solidFill>
+            <a:tailEnd type="triangle" w="lg" len="lg"/>
+          </a:ln>
+        </p:spPr>
+        <p:style>
+          <a:lnRef idx="1">
+            <a:schemeClr val="accent1"/>
+          </a:lnRef>
+          <a:fillRef idx="0">
+            <a:schemeClr val="accent1"/>
+          </a:fillRef>
+          <a:effectRef idx="0">
+            <a:schemeClr val="accent1"/>
+          </a:effectRef>
+          <a:fontRef idx="minor">
+            <a:schemeClr val="tx1"/>
+          </a:fontRef>
+        </p:style>
+      </p:cxnSp>
+      <p:sp>
+        <p:nvSpPr>
+          <p:cNvPr id="74" name="四角形: 角を丸くする 73">
+            <a:extLst>
+              <a:ext uri="{FF2B5EF4-FFF2-40B4-BE49-F238E27FC236}">
+                <a16:creationId xmlns:a16="http://schemas.microsoft.com/office/drawing/2014/main" id="{39F78658-109C-44C2-82D1-F631B055C9FB}"/>
+              </a:ext>
+            </a:extLst>
+          </p:cNvPr>
+          <p:cNvSpPr/>
+          <p:nvPr/>
+        </p:nvSpPr>
+        <p:spPr>
+          <a:xfrm>
+            <a:off x="2211775" y="1182727"/>
+            <a:ext cx="1722167" cy="3276582"/>
+          </a:xfrm>
+          <a:prstGeom prst="roundRect">
+            <a:avLst/>
+          </a:prstGeom>
+          <a:noFill/>
+          <a:ln>
+            <a:solidFill>
+              <a:schemeClr val="tx1"/>
+            </a:solidFill>
+          </a:ln>
+        </p:spPr>
+        <p:style>
+          <a:lnRef idx="2">
+            <a:schemeClr val="accent1">
+              <a:shade val="50000"/>
+            </a:schemeClr>
+          </a:lnRef>
+          <a:fillRef idx="1">
+            <a:schemeClr val="accent1"/>
+          </a:fillRef>
+          <a:effectRef idx="0">
+            <a:schemeClr val="accent1"/>
+          </a:effectRef>
+          <a:fontRef idx="minor">
+            <a:schemeClr val="lt1"/>
+          </a:fontRef>
+        </p:style>
+        <p:txBody>
+          <a:bodyPr rtlCol="0" anchor="ctr"/>
+          <a:lstStyle/>
+          <a:p>
+            <a:pPr algn="ctr"/>
+            <a:endParaRPr kumimoji="1" lang="ja-JP" altLang="en-US"/>
+          </a:p>
+        </p:txBody>
+      </p:sp>
+      <p:sp>
+        <p:nvSpPr>
+          <p:cNvPr id="75" name="四角形: 角を丸くする 74">
+            <a:extLst>
+              <a:ext uri="{FF2B5EF4-FFF2-40B4-BE49-F238E27FC236}">
+                <a16:creationId xmlns:a16="http://schemas.microsoft.com/office/drawing/2014/main" id="{21D86808-F346-41CF-A6E4-470514D87A51}"/>
+              </a:ext>
+            </a:extLst>
+          </p:cNvPr>
+          <p:cNvSpPr/>
+          <p:nvPr/>
+        </p:nvSpPr>
+        <p:spPr>
+          <a:xfrm>
+            <a:off x="2199357" y="5510580"/>
+            <a:ext cx="1722167" cy="3276582"/>
+          </a:xfrm>
+          <a:prstGeom prst="roundRect">
+            <a:avLst/>
+          </a:prstGeom>
+          <a:noFill/>
+          <a:ln>
+            <a:solidFill>
+              <a:schemeClr val="tx1"/>
+            </a:solidFill>
+          </a:ln>
+        </p:spPr>
+        <p:style>
+          <a:lnRef idx="2">
+            <a:schemeClr val="accent1">
+              <a:shade val="50000"/>
+            </a:schemeClr>
+          </a:lnRef>
+          <a:fillRef idx="1">
+            <a:schemeClr val="accent1"/>
+          </a:fillRef>
+          <a:effectRef idx="0">
+            <a:schemeClr val="accent1"/>
+          </a:effectRef>
+          <a:fontRef idx="minor">
+            <a:schemeClr val="lt1"/>
+          </a:fontRef>
+        </p:style>
+        <p:txBody>
+          <a:bodyPr rtlCol="0" anchor="ctr"/>
+          <a:lstStyle/>
+          <a:p>
+            <a:pPr algn="ctr"/>
+            <a:endParaRPr kumimoji="1" lang="ja-JP" altLang="en-US"/>
+          </a:p>
+        </p:txBody>
+      </p:sp>
+      <p:sp>
+        <p:nvSpPr>
+          <p:cNvPr id="29" name="楕円 28">
+            <a:extLst>
+              <a:ext uri="{FF2B5EF4-FFF2-40B4-BE49-F238E27FC236}">
+                <a16:creationId xmlns:a16="http://schemas.microsoft.com/office/drawing/2014/main" id="{FBAC4256-B906-4036-991A-55790746AE97}"/>
+              </a:ext>
+            </a:extLst>
+          </p:cNvPr>
+          <p:cNvSpPr/>
+          <p:nvPr/>
+        </p:nvSpPr>
+        <p:spPr>
+          <a:xfrm>
+            <a:off x="16218918" y="1413505"/>
+            <a:ext cx="1231641" cy="1231641"/>
+          </a:xfrm>
+          <a:prstGeom prst="ellipse">
+            <a:avLst/>
+          </a:prstGeom>
+          <a:noFill/>
+          <a:ln>
+            <a:solidFill>
+              <a:schemeClr val="tx1"/>
+            </a:solidFill>
+          </a:ln>
+        </p:spPr>
+        <p:style>
+          <a:lnRef idx="2">
+            <a:schemeClr val="accent1">
+              <a:shade val="50000"/>
+            </a:schemeClr>
+          </a:lnRef>
+          <a:fillRef idx="1">
+            <a:schemeClr val="accent1"/>
+          </a:fillRef>
+          <a:effectRef idx="0">
+            <a:schemeClr val="accent1"/>
+          </a:effectRef>
+          <a:fontRef idx="minor">
+            <a:schemeClr val="lt1"/>
+          </a:fontRef>
+        </p:style>
+        <p:txBody>
+          <a:bodyPr rtlCol="0" anchor="ctr"/>
+          <a:lstStyle/>
+          <a:p>
+            <a:pPr algn="ctr"/>
+            <a:r>
+              <a:rPr kumimoji="1" lang="en-US" altLang="ja-JP" sz="4000" dirty="0">
+                <a:solidFill>
+                  <a:schemeClr val="tx1"/>
+                </a:solidFill>
+              </a:rPr>
+              <a:t>X</a:t>
+            </a:r>
+            <a:endParaRPr kumimoji="1" lang="ja-JP" altLang="en-US" sz="4000" dirty="0">
+              <a:solidFill>
+                <a:schemeClr val="tx1"/>
+              </a:solidFill>
+            </a:endParaRPr>
+          </a:p>
+        </p:txBody>
+      </p:sp>
+      <p:sp>
+        <p:nvSpPr>
+          <p:cNvPr id="31" name="楕円 30">
+            <a:extLst>
+              <a:ext uri="{FF2B5EF4-FFF2-40B4-BE49-F238E27FC236}">
+                <a16:creationId xmlns:a16="http://schemas.microsoft.com/office/drawing/2014/main" id="{B005D3AD-B373-4C1F-BA12-295CDA12D927}"/>
+              </a:ext>
+            </a:extLst>
+          </p:cNvPr>
+          <p:cNvSpPr/>
+          <p:nvPr/>
+        </p:nvSpPr>
+        <p:spPr>
+          <a:xfrm>
+            <a:off x="16218918" y="3018369"/>
+            <a:ext cx="1231641" cy="1231641"/>
+          </a:xfrm>
+          <a:prstGeom prst="ellipse">
+            <a:avLst/>
+          </a:prstGeom>
+          <a:noFill/>
+          <a:ln>
+            <a:solidFill>
+              <a:schemeClr val="tx1"/>
+            </a:solidFill>
+          </a:ln>
+        </p:spPr>
+        <p:style>
+          <a:lnRef idx="2">
+            <a:schemeClr val="accent1">
+              <a:shade val="50000"/>
+            </a:schemeClr>
+          </a:lnRef>
+          <a:fillRef idx="1">
+            <a:schemeClr val="accent1"/>
+          </a:fillRef>
+          <a:effectRef idx="0">
+            <a:schemeClr val="accent1"/>
+          </a:effectRef>
+          <a:fontRef idx="minor">
+            <a:schemeClr val="lt1"/>
+          </a:fontRef>
+        </p:style>
+        <p:txBody>
+          <a:bodyPr rtlCol="0" anchor="ctr"/>
+          <a:lstStyle/>
+          <a:p>
+            <a:pPr algn="ctr"/>
+            <a:r>
+              <a:rPr kumimoji="1" lang="en-US" altLang="ja-JP" sz="4000" dirty="0">
+                <a:solidFill>
+                  <a:schemeClr val="tx1"/>
+                </a:solidFill>
+              </a:rPr>
+              <a:t>T</a:t>
+            </a:r>
+            <a:endParaRPr kumimoji="1" lang="ja-JP" altLang="en-US" sz="4000" dirty="0">
+              <a:solidFill>
+                <a:schemeClr val="tx1"/>
+              </a:solidFill>
+            </a:endParaRPr>
+          </a:p>
+        </p:txBody>
+      </p:sp>
+      <p:sp>
+        <p:nvSpPr>
+          <p:cNvPr id="32" name="楕円 31">
+            <a:extLst>
+              <a:ext uri="{FF2B5EF4-FFF2-40B4-BE49-F238E27FC236}">
+                <a16:creationId xmlns:a16="http://schemas.microsoft.com/office/drawing/2014/main" id="{3E544D70-5604-4007-9D22-535AC7845294}"/>
+              </a:ext>
+            </a:extLst>
+          </p:cNvPr>
+          <p:cNvSpPr/>
+          <p:nvPr/>
+        </p:nvSpPr>
+        <p:spPr>
+          <a:xfrm>
+            <a:off x="18451601" y="1362290"/>
+            <a:ext cx="1231641" cy="1231641"/>
+          </a:xfrm>
+          <a:prstGeom prst="ellipse">
+            <a:avLst/>
+          </a:prstGeom>
+          <a:noFill/>
+          <a:ln>
+            <a:solidFill>
+              <a:schemeClr val="tx1"/>
+            </a:solidFill>
+          </a:ln>
+        </p:spPr>
+        <p:style>
+          <a:lnRef idx="2">
+            <a:schemeClr val="accent1">
+              <a:shade val="50000"/>
+            </a:schemeClr>
+          </a:lnRef>
+          <a:fillRef idx="1">
+            <a:schemeClr val="accent1"/>
+          </a:fillRef>
+          <a:effectRef idx="0">
+            <a:schemeClr val="accent1"/>
+          </a:effectRef>
+          <a:fontRef idx="minor">
+            <a:schemeClr val="lt1"/>
+          </a:fontRef>
+        </p:style>
+        <p:txBody>
+          <a:bodyPr rtlCol="0" anchor="ctr"/>
+          <a:lstStyle/>
+          <a:p>
+            <a:pPr algn="ctr"/>
+            <a:r>
+              <a:rPr kumimoji="1" lang="en-US" altLang="ja-JP" sz="4000" dirty="0">
+                <a:solidFill>
+                  <a:schemeClr val="tx1"/>
+                </a:solidFill>
+              </a:rPr>
+              <a:t>X’</a:t>
+            </a:r>
+            <a:endParaRPr kumimoji="1" lang="ja-JP" altLang="en-US" sz="4000" dirty="0">
+              <a:solidFill>
+                <a:schemeClr val="tx1"/>
+              </a:solidFill>
+            </a:endParaRPr>
+          </a:p>
+        </p:txBody>
+      </p:sp>
+      <p:sp>
+        <p:nvSpPr>
+          <p:cNvPr id="34" name="楕円 33">
+            <a:extLst>
+              <a:ext uri="{FF2B5EF4-FFF2-40B4-BE49-F238E27FC236}">
+                <a16:creationId xmlns:a16="http://schemas.microsoft.com/office/drawing/2014/main" id="{D719739E-8211-4CEB-BDAB-D03FB7310F2B}"/>
+              </a:ext>
+            </a:extLst>
+          </p:cNvPr>
+          <p:cNvSpPr/>
+          <p:nvPr/>
+        </p:nvSpPr>
+        <p:spPr>
+          <a:xfrm>
+            <a:off x="18439183" y="2995107"/>
+            <a:ext cx="1231641" cy="1231641"/>
+          </a:xfrm>
+          <a:prstGeom prst="ellipse">
+            <a:avLst/>
+          </a:prstGeom>
+          <a:noFill/>
+          <a:ln>
+            <a:solidFill>
+              <a:schemeClr val="tx1"/>
+            </a:solidFill>
+          </a:ln>
+        </p:spPr>
+        <p:style>
+          <a:lnRef idx="2">
+            <a:schemeClr val="accent1">
+              <a:shade val="50000"/>
+            </a:schemeClr>
+          </a:lnRef>
+          <a:fillRef idx="1">
+            <a:schemeClr val="accent1"/>
+          </a:fillRef>
+          <a:effectRef idx="0">
+            <a:schemeClr val="accent1"/>
+          </a:effectRef>
+          <a:fontRef idx="minor">
+            <a:schemeClr val="lt1"/>
+          </a:fontRef>
+        </p:style>
+        <p:txBody>
+          <a:bodyPr rtlCol="0" anchor="ctr"/>
+          <a:lstStyle/>
+          <a:p>
+            <a:pPr algn="ctr"/>
+            <a:r>
+              <a:rPr kumimoji="1" lang="en-US" altLang="ja-JP" sz="4000" dirty="0">
+                <a:solidFill>
+                  <a:schemeClr val="tx1"/>
+                </a:solidFill>
+              </a:rPr>
+              <a:t>T’</a:t>
+            </a:r>
+            <a:endParaRPr kumimoji="1" lang="ja-JP" altLang="en-US" sz="4000" dirty="0">
+              <a:solidFill>
+                <a:schemeClr val="tx1"/>
+              </a:solidFill>
+            </a:endParaRPr>
+          </a:p>
+        </p:txBody>
+      </p:sp>
+      <p:sp>
+        <p:nvSpPr>
+          <p:cNvPr id="35" name="四角形: 角を丸くする 34">
+            <a:extLst>
+              <a:ext uri="{FF2B5EF4-FFF2-40B4-BE49-F238E27FC236}">
+                <a16:creationId xmlns:a16="http://schemas.microsoft.com/office/drawing/2014/main" id="{B4D53B4A-C3A9-4EB0-B540-085575320E53}"/>
+              </a:ext>
+            </a:extLst>
+          </p:cNvPr>
+          <p:cNvSpPr/>
+          <p:nvPr/>
+        </p:nvSpPr>
+        <p:spPr>
+          <a:xfrm>
+            <a:off x="15986072" y="1233962"/>
+            <a:ext cx="1722167" cy="3276582"/>
+          </a:xfrm>
+          <a:prstGeom prst="roundRect">
+            <a:avLst/>
+          </a:prstGeom>
+          <a:noFill/>
+          <a:ln>
+            <a:solidFill>
+              <a:schemeClr val="tx1"/>
+            </a:solidFill>
+          </a:ln>
+        </p:spPr>
+        <p:style>
+          <a:lnRef idx="2">
+            <a:schemeClr val="accent1">
+              <a:shade val="50000"/>
+            </a:schemeClr>
+          </a:lnRef>
+          <a:fillRef idx="1">
+            <a:schemeClr val="accent1"/>
+          </a:fillRef>
+          <a:effectRef idx="0">
+            <a:schemeClr val="accent1"/>
+          </a:effectRef>
+          <a:fontRef idx="minor">
+            <a:schemeClr val="lt1"/>
+          </a:fontRef>
+        </p:style>
+        <p:txBody>
+          <a:bodyPr rtlCol="0" anchor="ctr"/>
+          <a:lstStyle/>
+          <a:p>
+            <a:pPr algn="ctr"/>
+            <a:endParaRPr kumimoji="1" lang="ja-JP" altLang="en-US"/>
+          </a:p>
+        </p:txBody>
+      </p:sp>
+      <p:sp>
+        <p:nvSpPr>
+          <p:cNvPr id="36" name="四角形: 角を丸くする 35">
+            <a:extLst>
+              <a:ext uri="{FF2B5EF4-FFF2-40B4-BE49-F238E27FC236}">
+                <a16:creationId xmlns:a16="http://schemas.microsoft.com/office/drawing/2014/main" id="{ED750E49-9C2F-4479-947C-EB5166D61422}"/>
+              </a:ext>
+            </a:extLst>
+          </p:cNvPr>
+          <p:cNvSpPr/>
+          <p:nvPr/>
+        </p:nvSpPr>
+        <p:spPr>
+          <a:xfrm>
+            <a:off x="18193919" y="1182727"/>
+            <a:ext cx="1722167" cy="3276582"/>
+          </a:xfrm>
+          <a:prstGeom prst="roundRect">
+            <a:avLst/>
+          </a:prstGeom>
+          <a:noFill/>
+          <a:ln>
+            <a:solidFill>
+              <a:schemeClr val="tx1"/>
+            </a:solidFill>
+          </a:ln>
+        </p:spPr>
+        <p:style>
+          <a:lnRef idx="2">
+            <a:schemeClr val="accent1">
+              <a:shade val="50000"/>
+            </a:schemeClr>
+          </a:lnRef>
+          <a:fillRef idx="1">
+            <a:schemeClr val="accent1"/>
+          </a:fillRef>
+          <a:effectRef idx="0">
+            <a:schemeClr val="accent1"/>
+          </a:effectRef>
+          <a:fontRef idx="minor">
+            <a:schemeClr val="lt1"/>
+          </a:fontRef>
+        </p:style>
+        <p:txBody>
+          <a:bodyPr rtlCol="0" anchor="ctr"/>
+          <a:lstStyle/>
+          <a:p>
+            <a:pPr algn="ctr"/>
+            <a:endParaRPr kumimoji="1" lang="ja-JP" altLang="en-US"/>
+          </a:p>
+        </p:txBody>
+      </p:sp>
+      <p:sp>
+        <p:nvSpPr>
+          <p:cNvPr id="39" name="楕円 38">
+            <a:extLst>
+              <a:ext uri="{FF2B5EF4-FFF2-40B4-BE49-F238E27FC236}">
+                <a16:creationId xmlns:a16="http://schemas.microsoft.com/office/drawing/2014/main" id="{8008FE7A-332A-4ED8-BAAF-BDD3673DD79F}"/>
+              </a:ext>
+            </a:extLst>
+          </p:cNvPr>
+          <p:cNvSpPr/>
+          <p:nvPr/>
+        </p:nvSpPr>
+        <p:spPr>
+          <a:xfrm>
+            <a:off x="16125436" y="5907005"/>
+            <a:ext cx="1231641" cy="1231641"/>
+          </a:xfrm>
+          <a:prstGeom prst="ellipse">
+            <a:avLst/>
+          </a:prstGeom>
+          <a:noFill/>
+          <a:ln>
+            <a:solidFill>
+              <a:schemeClr val="tx1"/>
+            </a:solidFill>
+          </a:ln>
+        </p:spPr>
+        <p:style>
+          <a:lnRef idx="2">
+            <a:schemeClr val="accent1">
+              <a:shade val="50000"/>
+            </a:schemeClr>
+          </a:lnRef>
+          <a:fillRef idx="1">
+            <a:schemeClr val="accent1"/>
+          </a:fillRef>
+          <a:effectRef idx="0">
+            <a:schemeClr val="accent1"/>
+          </a:effectRef>
+          <a:fontRef idx="minor">
+            <a:schemeClr val="lt1"/>
+          </a:fontRef>
+        </p:style>
+        <p:txBody>
+          <a:bodyPr rtlCol="0" anchor="ctr"/>
+          <a:lstStyle/>
+          <a:p>
+            <a:pPr algn="ctr"/>
+            <a:r>
+              <a:rPr kumimoji="1" lang="en-US" altLang="ja-JP" sz="4000" dirty="0">
+                <a:solidFill>
+                  <a:schemeClr val="tx1"/>
+                </a:solidFill>
+              </a:rPr>
+              <a:t>X</a:t>
+            </a:r>
+            <a:endParaRPr kumimoji="1" lang="ja-JP" altLang="en-US" sz="4000" dirty="0">
+              <a:solidFill>
+                <a:schemeClr val="tx1"/>
+              </a:solidFill>
+            </a:endParaRPr>
+          </a:p>
+        </p:txBody>
+      </p:sp>
+      <p:cxnSp>
+        <p:nvCxnSpPr>
+          <p:cNvPr id="40" name="直線矢印コネクタ 39">
+            <a:extLst>
+              <a:ext uri="{FF2B5EF4-FFF2-40B4-BE49-F238E27FC236}">
+                <a16:creationId xmlns:a16="http://schemas.microsoft.com/office/drawing/2014/main" id="{F8CF0AAF-40F6-4885-9256-46DA266E4A3D}"/>
+              </a:ext>
+            </a:extLst>
+          </p:cNvPr>
+          <p:cNvCxnSpPr>
+            <a:cxnSpLocks/>
+            <a:stCxn id="39" idx="6"/>
+            <a:endCxn id="42" idx="2"/>
+          </p:cNvCxnSpPr>
+          <p:nvPr/>
+        </p:nvCxnSpPr>
+        <p:spPr>
+          <a:xfrm>
+            <a:off x="17357077" y="6522826"/>
+            <a:ext cx="1088525" cy="0"/>
+          </a:xfrm>
+          <a:prstGeom prst="straightConnector1">
+            <a:avLst/>
+          </a:prstGeom>
+          <a:ln>
+            <a:solidFill>
+              <a:schemeClr val="tx1"/>
+            </a:solidFill>
+            <a:tailEnd type="triangle" w="lg" len="lg"/>
+          </a:ln>
+        </p:spPr>
+        <p:style>
+          <a:lnRef idx="1">
+            <a:schemeClr val="accent1"/>
+          </a:lnRef>
+          <a:fillRef idx="0">
+            <a:schemeClr val="accent1"/>
+          </a:fillRef>
+          <a:effectRef idx="0">
+            <a:schemeClr val="accent1"/>
+          </a:effectRef>
+          <a:fontRef idx="minor">
+            <a:schemeClr val="tx1"/>
+          </a:fontRef>
+        </p:style>
+      </p:cxnSp>
+      <p:sp>
+        <p:nvSpPr>
+          <p:cNvPr id="42" name="楕円 41">
+            <a:extLst>
+              <a:ext uri="{FF2B5EF4-FFF2-40B4-BE49-F238E27FC236}">
+                <a16:creationId xmlns:a16="http://schemas.microsoft.com/office/drawing/2014/main" id="{1B0BE30B-02E0-4D54-9F1F-02D704398A93}"/>
+              </a:ext>
+            </a:extLst>
+          </p:cNvPr>
+          <p:cNvSpPr/>
+          <p:nvPr/>
+        </p:nvSpPr>
+        <p:spPr>
+          <a:xfrm>
+            <a:off x="18445602" y="5907005"/>
+            <a:ext cx="1231641" cy="1231641"/>
+          </a:xfrm>
+          <a:prstGeom prst="ellipse">
+            <a:avLst/>
+          </a:prstGeom>
+          <a:noFill/>
+          <a:ln>
+            <a:solidFill>
+              <a:schemeClr val="tx1"/>
+            </a:solidFill>
+          </a:ln>
+        </p:spPr>
+        <p:style>
+          <a:lnRef idx="2">
+            <a:schemeClr val="accent1">
+              <a:shade val="50000"/>
+            </a:schemeClr>
+          </a:lnRef>
+          <a:fillRef idx="1">
+            <a:schemeClr val="accent1"/>
+          </a:fillRef>
+          <a:effectRef idx="0">
+            <a:schemeClr val="accent1"/>
+          </a:effectRef>
+          <a:fontRef idx="minor">
+            <a:schemeClr val="lt1"/>
+          </a:fontRef>
+        </p:style>
+        <p:txBody>
+          <a:bodyPr rtlCol="0" anchor="ctr"/>
+          <a:lstStyle/>
+          <a:p>
+            <a:pPr algn="ctr"/>
+            <a:r>
+              <a:rPr kumimoji="1" lang="en-US" altLang="ja-JP" sz="4000" dirty="0">
+                <a:solidFill>
+                  <a:schemeClr val="tx1"/>
+                </a:solidFill>
+              </a:rPr>
+              <a:t>M</a:t>
+            </a:r>
+            <a:endParaRPr kumimoji="1" lang="ja-JP" altLang="en-US" sz="4000" dirty="0">
+              <a:solidFill>
+                <a:schemeClr val="tx1"/>
+              </a:solidFill>
+            </a:endParaRPr>
+          </a:p>
+        </p:txBody>
+      </p:sp>
+      <p:sp>
+        <p:nvSpPr>
+          <p:cNvPr id="43" name="楕円 42">
+            <a:extLst>
+              <a:ext uri="{FF2B5EF4-FFF2-40B4-BE49-F238E27FC236}">
+                <a16:creationId xmlns:a16="http://schemas.microsoft.com/office/drawing/2014/main" id="{0BA72811-4B6D-454C-8AF4-61D888F0675E}"/>
+              </a:ext>
+            </a:extLst>
+          </p:cNvPr>
+          <p:cNvSpPr/>
+          <p:nvPr/>
+        </p:nvSpPr>
+        <p:spPr>
+          <a:xfrm>
+            <a:off x="16125436" y="7511869"/>
+            <a:ext cx="1231641" cy="1231641"/>
+          </a:xfrm>
+          <a:prstGeom prst="ellipse">
+            <a:avLst/>
+          </a:prstGeom>
+          <a:noFill/>
+          <a:ln>
+            <a:solidFill>
+              <a:schemeClr val="tx1"/>
+            </a:solidFill>
+          </a:ln>
+        </p:spPr>
+        <p:style>
+          <a:lnRef idx="2">
+            <a:schemeClr val="accent1">
+              <a:shade val="50000"/>
+            </a:schemeClr>
+          </a:lnRef>
+          <a:fillRef idx="1">
+            <a:schemeClr val="accent1"/>
+          </a:fillRef>
+          <a:effectRef idx="0">
+            <a:schemeClr val="accent1"/>
+          </a:effectRef>
+          <a:fontRef idx="minor">
+            <a:schemeClr val="lt1"/>
+          </a:fontRef>
+        </p:style>
+        <p:txBody>
+          <a:bodyPr rtlCol="0" anchor="ctr"/>
+          <a:lstStyle/>
+          <a:p>
+            <a:pPr algn="ctr"/>
+            <a:r>
+              <a:rPr kumimoji="1" lang="en-US" altLang="ja-JP" sz="4000" dirty="0">
+                <a:solidFill>
+                  <a:schemeClr val="tx1"/>
+                </a:solidFill>
+              </a:rPr>
+              <a:t>T</a:t>
+            </a:r>
+            <a:endParaRPr kumimoji="1" lang="ja-JP" altLang="en-US" sz="4000" dirty="0">
+              <a:solidFill>
+                <a:schemeClr val="tx1"/>
+              </a:solidFill>
+            </a:endParaRPr>
+          </a:p>
+        </p:txBody>
+      </p:sp>
+      <p:cxnSp>
+        <p:nvCxnSpPr>
+          <p:cNvPr id="44" name="コネクタ: カギ線 43">
+            <a:extLst>
+              <a:ext uri="{FF2B5EF4-FFF2-40B4-BE49-F238E27FC236}">
+                <a16:creationId xmlns:a16="http://schemas.microsoft.com/office/drawing/2014/main" id="{8A99CF46-63AD-4493-8BCC-BBE98D2E145F}"/>
+              </a:ext>
+            </a:extLst>
+          </p:cNvPr>
+          <p:cNvCxnSpPr>
+            <a:cxnSpLocks/>
+            <a:stCxn id="43" idx="7"/>
+            <a:endCxn id="42" idx="3"/>
+          </p:cNvCxnSpPr>
+          <p:nvPr/>
+        </p:nvCxnSpPr>
+        <p:spPr>
+          <a:xfrm rot="5400000" flipH="1" flipV="1">
+            <a:off x="17534358" y="6600626"/>
+            <a:ext cx="733963" cy="1449265"/>
+          </a:xfrm>
+          <a:prstGeom prst="bentConnector3">
+            <a:avLst>
+              <a:gd name="adj1" fmla="val 50000"/>
+            </a:avLst>
+          </a:prstGeom>
+          <a:ln>
+            <a:solidFill>
+              <a:schemeClr val="tx1"/>
+            </a:solidFill>
+            <a:tailEnd type="triangle" w="lg" len="lg"/>
+          </a:ln>
+        </p:spPr>
+        <p:style>
+          <a:lnRef idx="1">
+            <a:schemeClr val="accent1"/>
+          </a:lnRef>
+          <a:fillRef idx="0">
+            <a:schemeClr val="accent1"/>
+          </a:fillRef>
+          <a:effectRef idx="0">
+            <a:schemeClr val="accent1"/>
+          </a:effectRef>
+          <a:fontRef idx="minor">
+            <a:schemeClr val="tx1"/>
+          </a:fontRef>
+        </p:style>
+      </p:cxnSp>
+      <p:sp>
+        <p:nvSpPr>
+          <p:cNvPr id="45" name="四角形: 角を丸くする 44">
+            <a:extLst>
+              <a:ext uri="{FF2B5EF4-FFF2-40B4-BE49-F238E27FC236}">
+                <a16:creationId xmlns:a16="http://schemas.microsoft.com/office/drawing/2014/main" id="{DFAED4B7-4333-46A1-840B-0381010E8EA8}"/>
+              </a:ext>
+            </a:extLst>
+          </p:cNvPr>
+          <p:cNvSpPr/>
+          <p:nvPr/>
+        </p:nvSpPr>
+        <p:spPr>
+          <a:xfrm>
+            <a:off x="15892590" y="5727462"/>
+            <a:ext cx="1722167" cy="3276582"/>
+          </a:xfrm>
+          <a:prstGeom prst="roundRect">
+            <a:avLst/>
+          </a:prstGeom>
+          <a:noFill/>
+          <a:ln>
+            <a:solidFill>
+              <a:schemeClr val="tx1"/>
+            </a:solidFill>
+          </a:ln>
+        </p:spPr>
+        <p:style>
+          <a:lnRef idx="2">
+            <a:schemeClr val="accent1">
+              <a:shade val="50000"/>
+            </a:schemeClr>
+          </a:lnRef>
+          <a:fillRef idx="1">
+            <a:schemeClr val="accent1"/>
+          </a:fillRef>
+          <a:effectRef idx="0">
+            <a:schemeClr val="accent1"/>
+          </a:effectRef>
+          <a:fontRef idx="minor">
+            <a:schemeClr val="lt1"/>
+          </a:fontRef>
+        </p:style>
+        <p:txBody>
+          <a:bodyPr rtlCol="0" anchor="ctr"/>
+          <a:lstStyle/>
+          <a:p>
+            <a:pPr algn="ctr"/>
+            <a:endParaRPr kumimoji="1" lang="ja-JP" altLang="en-US"/>
+          </a:p>
+        </p:txBody>
+      </p:sp>
+      <p:cxnSp>
+        <p:nvCxnSpPr>
+          <p:cNvPr id="47" name="コネクタ: カギ線 46">
+            <a:extLst>
+              <a:ext uri="{FF2B5EF4-FFF2-40B4-BE49-F238E27FC236}">
+                <a16:creationId xmlns:a16="http://schemas.microsoft.com/office/drawing/2014/main" id="{86FDD01A-68B4-46C8-A68C-526F32C215D5}"/>
+              </a:ext>
+            </a:extLst>
+          </p:cNvPr>
+          <p:cNvCxnSpPr>
+            <a:cxnSpLocks/>
+            <a:stCxn id="4" idx="0"/>
+            <a:endCxn id="16" idx="1"/>
+          </p:cNvCxnSpPr>
+          <p:nvPr/>
+        </p:nvCxnSpPr>
+        <p:spPr>
+          <a:xfrm rot="16200000" flipH="1">
+            <a:off x="4970095" y="-547384"/>
+            <a:ext cx="180369" cy="3999676"/>
+          </a:xfrm>
+          <a:prstGeom prst="bentConnector3">
+            <a:avLst>
+              <a:gd name="adj1" fmla="val -126741"/>
+            </a:avLst>
+          </a:prstGeom>
+          <a:ln>
+            <a:solidFill>
+              <a:schemeClr val="tx1"/>
+            </a:solidFill>
+            <a:tailEnd type="triangle" w="lg" len="lg"/>
+          </a:ln>
+        </p:spPr>
+        <p:style>
+          <a:lnRef idx="1">
+            <a:schemeClr val="accent1"/>
+          </a:lnRef>
+          <a:fillRef idx="0">
+            <a:schemeClr val="accent1"/>
+          </a:fillRef>
+          <a:effectRef idx="0">
+            <a:schemeClr val="accent1"/>
+          </a:effectRef>
+          <a:fontRef idx="minor">
+            <a:schemeClr val="tx1"/>
+          </a:fontRef>
+        </p:style>
+      </p:cxnSp>
+      <p:sp>
+        <p:nvSpPr>
+          <p:cNvPr id="55" name="楕円 54">
+            <a:extLst>
+              <a:ext uri="{FF2B5EF4-FFF2-40B4-BE49-F238E27FC236}">
+                <a16:creationId xmlns:a16="http://schemas.microsoft.com/office/drawing/2014/main" id="{99E3440D-2088-4E8D-88AC-C9FC3EC02419}"/>
+              </a:ext>
+            </a:extLst>
+          </p:cNvPr>
+          <p:cNvSpPr/>
+          <p:nvPr/>
+        </p:nvSpPr>
+        <p:spPr>
+          <a:xfrm>
+            <a:off x="14462450" y="10295607"/>
+            <a:ext cx="1231641" cy="1231641"/>
+          </a:xfrm>
+          <a:prstGeom prst="ellipse">
+            <a:avLst/>
+          </a:prstGeom>
+          <a:noFill/>
+          <a:ln>
+            <a:solidFill>
+              <a:schemeClr val="tx1"/>
+            </a:solidFill>
+          </a:ln>
+        </p:spPr>
+        <p:style>
+          <a:lnRef idx="2">
+            <a:schemeClr val="accent1">
+              <a:shade val="50000"/>
+            </a:schemeClr>
+          </a:lnRef>
+          <a:fillRef idx="1">
+            <a:schemeClr val="accent1"/>
+          </a:fillRef>
+          <a:effectRef idx="0">
+            <a:schemeClr val="accent1"/>
+          </a:effectRef>
+          <a:fontRef idx="minor">
+            <a:schemeClr val="lt1"/>
+          </a:fontRef>
+        </p:style>
+        <p:txBody>
+          <a:bodyPr rtlCol="0" anchor="ctr"/>
+          <a:lstStyle/>
+          <a:p>
+            <a:pPr algn="ctr"/>
+            <a:r>
+              <a:rPr kumimoji="1" lang="en-US" altLang="ja-JP" sz="4000" dirty="0">
+                <a:solidFill>
+                  <a:schemeClr val="tx1"/>
+                </a:solidFill>
+              </a:rPr>
+              <a:t>X</a:t>
+            </a:r>
+            <a:endParaRPr kumimoji="1" lang="ja-JP" altLang="en-US" sz="4000" dirty="0">
+              <a:solidFill>
+                <a:schemeClr val="tx1"/>
+              </a:solidFill>
+            </a:endParaRPr>
+          </a:p>
+        </p:txBody>
+      </p:sp>
+      <p:sp>
+        <p:nvSpPr>
+          <p:cNvPr id="59" name="楕円 58">
+            <a:extLst>
+              <a:ext uri="{FF2B5EF4-FFF2-40B4-BE49-F238E27FC236}">
+                <a16:creationId xmlns:a16="http://schemas.microsoft.com/office/drawing/2014/main" id="{C4A6C7C3-1A79-4DD7-8BDE-8D7F5F089803}"/>
+              </a:ext>
+            </a:extLst>
+          </p:cNvPr>
+          <p:cNvSpPr/>
+          <p:nvPr/>
+        </p:nvSpPr>
+        <p:spPr>
+          <a:xfrm>
+            <a:off x="16782616" y="10295607"/>
+            <a:ext cx="1231641" cy="1231641"/>
+          </a:xfrm>
+          <a:prstGeom prst="ellipse">
+            <a:avLst/>
+          </a:prstGeom>
+          <a:noFill/>
+          <a:ln>
+            <a:solidFill>
+              <a:schemeClr val="tx1"/>
+            </a:solidFill>
+          </a:ln>
+        </p:spPr>
+        <p:style>
+          <a:lnRef idx="2">
+            <a:schemeClr val="accent1">
+              <a:shade val="50000"/>
+            </a:schemeClr>
+          </a:lnRef>
+          <a:fillRef idx="1">
+            <a:schemeClr val="accent1"/>
+          </a:fillRef>
+          <a:effectRef idx="0">
+            <a:schemeClr val="accent1"/>
+          </a:effectRef>
+          <a:fontRef idx="minor">
+            <a:schemeClr val="lt1"/>
+          </a:fontRef>
+        </p:style>
+        <p:txBody>
+          <a:bodyPr rtlCol="0" anchor="ctr"/>
+          <a:lstStyle/>
+          <a:p>
+            <a:pPr algn="ctr"/>
+            <a:r>
+              <a:rPr kumimoji="1" lang="en-US" altLang="ja-JP" sz="4000" dirty="0">
+                <a:solidFill>
+                  <a:schemeClr val="tx1"/>
+                </a:solidFill>
+              </a:rPr>
+              <a:t>M</a:t>
+            </a:r>
+            <a:endParaRPr kumimoji="1" lang="ja-JP" altLang="en-US" sz="4000" dirty="0">
+              <a:solidFill>
+                <a:schemeClr val="tx1"/>
+              </a:solidFill>
+            </a:endParaRPr>
+          </a:p>
+        </p:txBody>
+      </p:sp>
+      <p:cxnSp>
+        <p:nvCxnSpPr>
+          <p:cNvPr id="60" name="直線矢印コネクタ 59">
+            <a:extLst>
+              <a:ext uri="{FF2B5EF4-FFF2-40B4-BE49-F238E27FC236}">
+                <a16:creationId xmlns:a16="http://schemas.microsoft.com/office/drawing/2014/main" id="{BFC37DD1-D1B8-423A-97A9-9B5BB18E545A}"/>
+              </a:ext>
+            </a:extLst>
+          </p:cNvPr>
+          <p:cNvCxnSpPr>
+            <a:cxnSpLocks/>
+            <a:stCxn id="59" idx="6"/>
+            <a:endCxn id="62" idx="2"/>
+          </p:cNvCxnSpPr>
+          <p:nvPr/>
+        </p:nvCxnSpPr>
+        <p:spPr>
+          <a:xfrm flipV="1">
+            <a:off x="18014257" y="10911427"/>
+            <a:ext cx="883320" cy="1"/>
+          </a:xfrm>
+          <a:prstGeom prst="straightConnector1">
+            <a:avLst/>
+          </a:prstGeom>
+          <a:ln>
+            <a:solidFill>
+              <a:schemeClr val="tx1"/>
+            </a:solidFill>
+            <a:tailEnd type="triangle" w="lg" len="lg"/>
+          </a:ln>
+        </p:spPr>
+        <p:style>
+          <a:lnRef idx="1">
+            <a:schemeClr val="accent1"/>
+          </a:lnRef>
+          <a:fillRef idx="0">
+            <a:schemeClr val="accent1"/>
+          </a:fillRef>
+          <a:effectRef idx="0">
+            <a:schemeClr val="accent1"/>
+          </a:effectRef>
+          <a:fontRef idx="minor">
+            <a:schemeClr val="tx1"/>
+          </a:fontRef>
+        </p:style>
+      </p:cxnSp>
+      <p:sp>
+        <p:nvSpPr>
+          <p:cNvPr id="62" name="楕円 61">
+            <a:extLst>
+              <a:ext uri="{FF2B5EF4-FFF2-40B4-BE49-F238E27FC236}">
+                <a16:creationId xmlns:a16="http://schemas.microsoft.com/office/drawing/2014/main" id="{AB85F33E-F693-4ABE-8760-7D0858CFE68C}"/>
+              </a:ext>
+            </a:extLst>
+          </p:cNvPr>
+          <p:cNvSpPr/>
+          <p:nvPr/>
+        </p:nvSpPr>
+        <p:spPr>
+          <a:xfrm>
+            <a:off x="18897577" y="10295606"/>
+            <a:ext cx="1231641" cy="1231641"/>
+          </a:xfrm>
+          <a:prstGeom prst="ellipse">
+            <a:avLst/>
+          </a:prstGeom>
+          <a:noFill/>
+          <a:ln>
+            <a:solidFill>
+              <a:schemeClr val="tx1"/>
+            </a:solidFill>
+          </a:ln>
+        </p:spPr>
+        <p:style>
+          <a:lnRef idx="2">
+            <a:schemeClr val="accent1">
+              <a:shade val="50000"/>
+            </a:schemeClr>
+          </a:lnRef>
+          <a:fillRef idx="1">
+            <a:schemeClr val="accent1"/>
+          </a:fillRef>
+          <a:effectRef idx="0">
+            <a:schemeClr val="accent1"/>
+          </a:effectRef>
+          <a:fontRef idx="minor">
+            <a:schemeClr val="lt1"/>
+          </a:fontRef>
+        </p:style>
+        <p:txBody>
+          <a:bodyPr rtlCol="0" anchor="ctr"/>
+          <a:lstStyle/>
+          <a:p>
+            <a:pPr algn="ctr"/>
+            <a:r>
+              <a:rPr kumimoji="1" lang="en-US" altLang="ja-JP" sz="4000" dirty="0">
+                <a:solidFill>
+                  <a:schemeClr val="tx1"/>
+                </a:solidFill>
+              </a:rPr>
+              <a:t>S</a:t>
+            </a:r>
+            <a:endParaRPr kumimoji="1" lang="ja-JP" altLang="en-US" sz="4000" dirty="0">
+              <a:solidFill>
+                <a:schemeClr val="tx1"/>
+              </a:solidFill>
+            </a:endParaRPr>
+          </a:p>
+        </p:txBody>
+      </p:sp>
+      <p:cxnSp>
+        <p:nvCxnSpPr>
+          <p:cNvPr id="63" name="コネクタ: カギ線 62">
+            <a:extLst>
+              <a:ext uri="{FF2B5EF4-FFF2-40B4-BE49-F238E27FC236}">
+                <a16:creationId xmlns:a16="http://schemas.microsoft.com/office/drawing/2014/main" id="{F7FCBF4D-4DC6-4E22-B83F-7250E6E5B07D}"/>
+              </a:ext>
+            </a:extLst>
+          </p:cNvPr>
+          <p:cNvCxnSpPr>
+            <a:cxnSpLocks/>
+            <a:stCxn id="55" idx="0"/>
+            <a:endCxn id="62" idx="1"/>
+          </p:cNvCxnSpPr>
+          <p:nvPr/>
+        </p:nvCxnSpPr>
+        <p:spPr>
+          <a:xfrm rot="16200000" flipH="1">
+            <a:off x="16987924" y="8385953"/>
+            <a:ext cx="180369" cy="3999676"/>
+          </a:xfrm>
+          <a:prstGeom prst="bentConnector3">
+            <a:avLst>
+              <a:gd name="adj1" fmla="val -126741"/>
+            </a:avLst>
+          </a:prstGeom>
+          <a:ln>
+            <a:solidFill>
+              <a:schemeClr val="tx1"/>
+            </a:solidFill>
+            <a:tailEnd type="triangle" w="lg" len="lg"/>
+          </a:ln>
+        </p:spPr>
+        <p:style>
+          <a:lnRef idx="1">
+            <a:schemeClr val="accent1"/>
+          </a:lnRef>
+          <a:fillRef idx="0">
+            <a:schemeClr val="accent1"/>
+          </a:fillRef>
+          <a:effectRef idx="0">
+            <a:schemeClr val="accent1"/>
+          </a:effectRef>
+          <a:fontRef idx="minor">
+            <a:schemeClr val="tx1"/>
+          </a:fontRef>
+        </p:style>
+      </p:cxnSp>
+      <p:sp>
+        <p:nvSpPr>
+          <p:cNvPr id="71" name="楕円 70">
+            <a:extLst>
+              <a:ext uri="{FF2B5EF4-FFF2-40B4-BE49-F238E27FC236}">
+                <a16:creationId xmlns:a16="http://schemas.microsoft.com/office/drawing/2014/main" id="{0EC3ED2F-BC87-4E30-AF83-8877F1BF7A75}"/>
+              </a:ext>
+            </a:extLst>
+          </p:cNvPr>
+          <p:cNvSpPr/>
+          <p:nvPr/>
+        </p:nvSpPr>
+        <p:spPr>
+          <a:xfrm>
+            <a:off x="13734219" y="11755068"/>
+            <a:ext cx="1231641" cy="1231641"/>
+          </a:xfrm>
+          <a:prstGeom prst="ellipse">
+            <a:avLst/>
+          </a:prstGeom>
+          <a:noFill/>
+          <a:ln>
+            <a:solidFill>
+              <a:schemeClr val="tx1"/>
+            </a:solidFill>
+          </a:ln>
+        </p:spPr>
+        <p:style>
+          <a:lnRef idx="2">
+            <a:schemeClr val="accent1">
+              <a:shade val="50000"/>
+            </a:schemeClr>
+          </a:lnRef>
+          <a:fillRef idx="1">
+            <a:schemeClr val="accent1"/>
+          </a:fillRef>
+          <a:effectRef idx="0">
+            <a:schemeClr val="accent1"/>
+          </a:effectRef>
+          <a:fontRef idx="minor">
+            <a:schemeClr val="lt1"/>
+          </a:fontRef>
+        </p:style>
+        <p:txBody>
+          <a:bodyPr rtlCol="0" anchor="ctr"/>
+          <a:lstStyle/>
+          <a:p>
+            <a:pPr algn="ctr"/>
+            <a:r>
+              <a:rPr kumimoji="1" lang="en-US" altLang="ja-JP" sz="4000" dirty="0">
+                <a:solidFill>
+                  <a:schemeClr val="tx1"/>
+                </a:solidFill>
+              </a:rPr>
+              <a:t>S</a:t>
+            </a:r>
+            <a:endParaRPr kumimoji="1" lang="ja-JP" altLang="en-US" sz="4000" dirty="0">
+              <a:solidFill>
+                <a:schemeClr val="tx1"/>
+              </a:solidFill>
+            </a:endParaRPr>
+          </a:p>
+        </p:txBody>
+      </p:sp>
+      <p:sp>
+        <p:nvSpPr>
+          <p:cNvPr id="72" name="楕円 71">
+            <a:extLst>
+              <a:ext uri="{FF2B5EF4-FFF2-40B4-BE49-F238E27FC236}">
+                <a16:creationId xmlns:a16="http://schemas.microsoft.com/office/drawing/2014/main" id="{0EAF595C-EF0D-475B-B3B7-B1D3BD164BCE}"/>
+              </a:ext>
+            </a:extLst>
+          </p:cNvPr>
+          <p:cNvSpPr/>
+          <p:nvPr/>
+        </p:nvSpPr>
+        <p:spPr>
+          <a:xfrm>
+            <a:off x="9299092" y="13359933"/>
+            <a:ext cx="1231641" cy="1231641"/>
+          </a:xfrm>
+          <a:prstGeom prst="ellipse">
+            <a:avLst/>
+          </a:prstGeom>
+          <a:noFill/>
+          <a:ln>
+            <a:solidFill>
+              <a:schemeClr val="tx1"/>
+            </a:solidFill>
+          </a:ln>
+        </p:spPr>
+        <p:style>
+          <a:lnRef idx="2">
+            <a:schemeClr val="accent1">
+              <a:shade val="50000"/>
+            </a:schemeClr>
+          </a:lnRef>
+          <a:fillRef idx="1">
+            <a:schemeClr val="accent1"/>
+          </a:fillRef>
+          <a:effectRef idx="0">
+            <a:schemeClr val="accent1"/>
+          </a:effectRef>
+          <a:fontRef idx="minor">
+            <a:schemeClr val="lt1"/>
+          </a:fontRef>
+        </p:style>
+        <p:txBody>
+          <a:bodyPr rtlCol="0" anchor="ctr"/>
+          <a:lstStyle/>
+          <a:p>
+            <a:pPr algn="ctr"/>
+            <a:r>
+              <a:rPr kumimoji="1" lang="en-US" altLang="ja-JP" sz="4000" dirty="0">
+                <a:solidFill>
+                  <a:schemeClr val="tx1"/>
+                </a:solidFill>
+              </a:rPr>
+              <a:t>T</a:t>
+            </a:r>
+            <a:endParaRPr kumimoji="1" lang="ja-JP" altLang="en-US" sz="4000" dirty="0">
+              <a:solidFill>
+                <a:schemeClr val="tx1"/>
+              </a:solidFill>
+            </a:endParaRPr>
+          </a:p>
+        </p:txBody>
+      </p:sp>
+      <p:sp>
+        <p:nvSpPr>
+          <p:cNvPr id="73" name="楕円 72">
+            <a:extLst>
+              <a:ext uri="{FF2B5EF4-FFF2-40B4-BE49-F238E27FC236}">
+                <a16:creationId xmlns:a16="http://schemas.microsoft.com/office/drawing/2014/main" id="{8BA49E06-4D1A-4F5F-9408-53E044F53091}"/>
+              </a:ext>
+            </a:extLst>
+          </p:cNvPr>
+          <p:cNvSpPr/>
+          <p:nvPr/>
+        </p:nvSpPr>
+        <p:spPr>
+          <a:xfrm>
+            <a:off x="15454139" y="11755067"/>
+            <a:ext cx="1231641" cy="1231641"/>
+          </a:xfrm>
+          <a:prstGeom prst="ellipse">
+            <a:avLst/>
+          </a:prstGeom>
+          <a:noFill/>
+          <a:ln>
+            <a:solidFill>
+              <a:schemeClr val="tx1"/>
+            </a:solidFill>
+          </a:ln>
+        </p:spPr>
+        <p:style>
+          <a:lnRef idx="2">
+            <a:schemeClr val="accent1">
+              <a:shade val="50000"/>
+            </a:schemeClr>
+          </a:lnRef>
+          <a:fillRef idx="1">
+            <a:schemeClr val="accent1"/>
+          </a:fillRef>
+          <a:effectRef idx="0">
+            <a:schemeClr val="accent1"/>
+          </a:effectRef>
+          <a:fontRef idx="minor">
+            <a:schemeClr val="lt1"/>
+          </a:fontRef>
+        </p:style>
+        <p:txBody>
+          <a:bodyPr rtlCol="0" anchor="ctr"/>
+          <a:lstStyle/>
+          <a:p>
+            <a:pPr algn="ctr"/>
+            <a:r>
+              <a:rPr kumimoji="1" lang="en-US" altLang="ja-JP" sz="4000" dirty="0">
+                <a:solidFill>
+                  <a:schemeClr val="tx1"/>
+                </a:solidFill>
+              </a:rPr>
+              <a:t>C</a:t>
+            </a:r>
+            <a:endParaRPr kumimoji="1" lang="ja-JP" altLang="en-US" sz="4000" dirty="0">
+              <a:solidFill>
+                <a:schemeClr val="tx1"/>
+              </a:solidFill>
+            </a:endParaRPr>
+          </a:p>
+        </p:txBody>
+      </p:sp>
+      <p:cxnSp>
+        <p:nvCxnSpPr>
+          <p:cNvPr id="76" name="直線矢印コネクタ 75">
+            <a:extLst>
+              <a:ext uri="{FF2B5EF4-FFF2-40B4-BE49-F238E27FC236}">
+                <a16:creationId xmlns:a16="http://schemas.microsoft.com/office/drawing/2014/main" id="{D3868761-1718-4787-911F-5870D4EF3647}"/>
+              </a:ext>
+            </a:extLst>
+          </p:cNvPr>
+          <p:cNvCxnSpPr>
+            <a:cxnSpLocks/>
+            <a:stCxn id="71" idx="6"/>
+            <a:endCxn id="73" idx="2"/>
+          </p:cNvCxnSpPr>
+          <p:nvPr/>
+        </p:nvCxnSpPr>
+        <p:spPr>
+          <a:xfrm flipV="1">
+            <a:off x="14965860" y="12370888"/>
+            <a:ext cx="488279" cy="1"/>
+          </a:xfrm>
+          <a:prstGeom prst="straightConnector1">
+            <a:avLst/>
+          </a:prstGeom>
+          <a:ln>
+            <a:solidFill>
+              <a:schemeClr val="tx1"/>
+            </a:solidFill>
+            <a:tailEnd type="triangle" w="lg" len="lg"/>
+          </a:ln>
+        </p:spPr>
+        <p:style>
+          <a:lnRef idx="1">
+            <a:schemeClr val="accent1"/>
+          </a:lnRef>
+          <a:fillRef idx="0">
+            <a:schemeClr val="accent1"/>
+          </a:fillRef>
+          <a:effectRef idx="0">
+            <a:schemeClr val="accent1"/>
+          </a:effectRef>
+          <a:fontRef idx="minor">
+            <a:schemeClr val="tx1"/>
+          </a:fontRef>
+        </p:style>
+      </p:cxnSp>
+      <p:cxnSp>
+        <p:nvCxnSpPr>
+          <p:cNvPr id="78" name="コネクタ: カギ線 77">
+            <a:extLst>
+              <a:ext uri="{FF2B5EF4-FFF2-40B4-BE49-F238E27FC236}">
+                <a16:creationId xmlns:a16="http://schemas.microsoft.com/office/drawing/2014/main" id="{5CD7A83E-140A-4D6A-8BA4-D2B7D827DC42}"/>
+              </a:ext>
+            </a:extLst>
+          </p:cNvPr>
+          <p:cNvCxnSpPr>
+            <a:cxnSpLocks/>
+            <a:stCxn id="72" idx="6"/>
+            <a:endCxn id="73" idx="4"/>
+          </p:cNvCxnSpPr>
+          <p:nvPr/>
+        </p:nvCxnSpPr>
+        <p:spPr>
+          <a:xfrm flipV="1">
+            <a:off x="10530733" y="12986708"/>
+            <a:ext cx="5539227" cy="989046"/>
+          </a:xfrm>
+          <a:prstGeom prst="bentConnector2">
+            <a:avLst/>
+          </a:prstGeom>
+          <a:ln>
+            <a:solidFill>
+              <a:schemeClr val="tx1"/>
+            </a:solidFill>
+            <a:tailEnd type="triangle" w="lg" len="lg"/>
+          </a:ln>
+        </p:spPr>
+        <p:style>
+          <a:lnRef idx="1">
+            <a:schemeClr val="accent1"/>
+          </a:lnRef>
+          <a:fillRef idx="0">
+            <a:schemeClr val="accent1"/>
+          </a:fillRef>
+          <a:effectRef idx="0">
+            <a:schemeClr val="accent1"/>
+          </a:effectRef>
+          <a:fontRef idx="minor">
+            <a:schemeClr val="tx1"/>
+          </a:fontRef>
+        </p:style>
+      </p:cxnSp>
+      <p:cxnSp>
+        <p:nvCxnSpPr>
+          <p:cNvPr id="81" name="直線矢印コネクタ 80">
+            <a:extLst>
+              <a:ext uri="{FF2B5EF4-FFF2-40B4-BE49-F238E27FC236}">
+                <a16:creationId xmlns:a16="http://schemas.microsoft.com/office/drawing/2014/main" id="{EA8172E6-493B-4955-8174-20C37DEDD8BA}"/>
+              </a:ext>
+            </a:extLst>
+          </p:cNvPr>
+          <p:cNvCxnSpPr>
+            <a:cxnSpLocks/>
+            <a:stCxn id="83" idx="6"/>
+            <a:endCxn id="85" idx="2"/>
+          </p:cNvCxnSpPr>
+          <p:nvPr/>
+        </p:nvCxnSpPr>
+        <p:spPr>
+          <a:xfrm>
+            <a:off x="5082868" y="12149309"/>
+            <a:ext cx="733189" cy="0"/>
+          </a:xfrm>
+          <a:prstGeom prst="straightConnector1">
+            <a:avLst/>
+          </a:prstGeom>
+          <a:ln>
+            <a:solidFill>
+              <a:schemeClr val="tx1"/>
+            </a:solidFill>
+            <a:tailEnd type="triangle" w="lg" len="lg"/>
+          </a:ln>
+        </p:spPr>
+        <p:style>
+          <a:lnRef idx="1">
+            <a:schemeClr val="accent1"/>
+          </a:lnRef>
+          <a:fillRef idx="0">
+            <a:schemeClr val="accent1"/>
+          </a:fillRef>
+          <a:effectRef idx="0">
+            <a:schemeClr val="accent1"/>
+          </a:effectRef>
+          <a:fontRef idx="minor">
+            <a:schemeClr val="tx1"/>
+          </a:fontRef>
+        </p:style>
+      </p:cxnSp>
+      <p:sp>
+        <p:nvSpPr>
+          <p:cNvPr id="82" name="楕円 81">
+            <a:extLst>
+              <a:ext uri="{FF2B5EF4-FFF2-40B4-BE49-F238E27FC236}">
+                <a16:creationId xmlns:a16="http://schemas.microsoft.com/office/drawing/2014/main" id="{E406BF8E-FB33-4FC2-A434-4DC3B3384D09}"/>
+              </a:ext>
+            </a:extLst>
+          </p:cNvPr>
+          <p:cNvSpPr/>
+          <p:nvPr/>
+        </p:nvSpPr>
+        <p:spPr>
+          <a:xfrm>
+            <a:off x="2131307" y="11533489"/>
+            <a:ext cx="1231641" cy="1231641"/>
+          </a:xfrm>
+          <a:prstGeom prst="ellipse">
+            <a:avLst/>
+          </a:prstGeom>
+          <a:noFill/>
+          <a:ln>
+            <a:solidFill>
+              <a:schemeClr val="tx1"/>
+            </a:solidFill>
+          </a:ln>
+        </p:spPr>
+        <p:style>
+          <a:lnRef idx="2">
+            <a:schemeClr val="accent1">
+              <a:shade val="50000"/>
+            </a:schemeClr>
+          </a:lnRef>
+          <a:fillRef idx="1">
+            <a:schemeClr val="accent1"/>
+          </a:fillRef>
+          <a:effectRef idx="0">
+            <a:schemeClr val="accent1"/>
+          </a:effectRef>
+          <a:fontRef idx="minor">
+            <a:schemeClr val="lt1"/>
+          </a:fontRef>
+        </p:style>
+        <p:txBody>
+          <a:bodyPr rtlCol="0" anchor="ctr"/>
+          <a:lstStyle/>
+          <a:p>
+            <a:pPr algn="ctr"/>
+            <a:r>
+              <a:rPr kumimoji="1" lang="en-US" altLang="ja-JP" sz="4000" dirty="0">
+                <a:solidFill>
+                  <a:schemeClr val="tx1"/>
+                </a:solidFill>
+              </a:rPr>
+              <a:t>S</a:t>
+            </a:r>
+            <a:endParaRPr kumimoji="1" lang="ja-JP" altLang="en-US" sz="4000" dirty="0">
+              <a:solidFill>
+                <a:schemeClr val="tx1"/>
+              </a:solidFill>
+            </a:endParaRPr>
+          </a:p>
+        </p:txBody>
+      </p:sp>
+      <p:sp>
+        <p:nvSpPr>
+          <p:cNvPr id="83" name="楕円 82">
+            <a:extLst>
+              <a:ext uri="{FF2B5EF4-FFF2-40B4-BE49-F238E27FC236}">
+                <a16:creationId xmlns:a16="http://schemas.microsoft.com/office/drawing/2014/main" id="{304B0BC0-CC7E-4091-8845-3AA2D1BC741D}"/>
+              </a:ext>
+            </a:extLst>
+          </p:cNvPr>
+          <p:cNvSpPr/>
+          <p:nvPr/>
+        </p:nvSpPr>
+        <p:spPr>
+          <a:xfrm>
+            <a:off x="3851227" y="11533488"/>
+            <a:ext cx="1231641" cy="1231641"/>
+          </a:xfrm>
+          <a:prstGeom prst="ellipse">
+            <a:avLst/>
+          </a:prstGeom>
+          <a:noFill/>
+          <a:ln>
+            <a:solidFill>
+              <a:schemeClr val="tx1"/>
+            </a:solidFill>
+          </a:ln>
+        </p:spPr>
+        <p:style>
+          <a:lnRef idx="2">
+            <a:schemeClr val="accent1">
+              <a:shade val="50000"/>
+            </a:schemeClr>
+          </a:lnRef>
+          <a:fillRef idx="1">
+            <a:schemeClr val="accent1"/>
+          </a:fillRef>
+          <a:effectRef idx="0">
+            <a:schemeClr val="accent1"/>
+          </a:effectRef>
+          <a:fontRef idx="minor">
+            <a:schemeClr val="lt1"/>
+          </a:fontRef>
+        </p:style>
+        <p:txBody>
+          <a:bodyPr rtlCol="0" anchor="ctr"/>
+          <a:lstStyle/>
+          <a:p>
+            <a:pPr algn="ctr"/>
+            <a:r>
+              <a:rPr kumimoji="1" lang="en-US" altLang="ja-JP" sz="4000" dirty="0">
+                <a:solidFill>
+                  <a:schemeClr val="tx1"/>
+                </a:solidFill>
+              </a:rPr>
+              <a:t>C</a:t>
+            </a:r>
+            <a:endParaRPr kumimoji="1" lang="ja-JP" altLang="en-US" sz="4000" dirty="0">
+              <a:solidFill>
+                <a:schemeClr val="tx1"/>
+              </a:solidFill>
+            </a:endParaRPr>
+          </a:p>
+        </p:txBody>
+      </p:sp>
+      <p:sp>
+        <p:nvSpPr>
+          <p:cNvPr id="85" name="楕円 84">
+            <a:extLst>
+              <a:ext uri="{FF2B5EF4-FFF2-40B4-BE49-F238E27FC236}">
+                <a16:creationId xmlns:a16="http://schemas.microsoft.com/office/drawing/2014/main" id="{D7B3EEBE-2CDC-43FD-89CD-F9FA6EFD2F12}"/>
+              </a:ext>
+            </a:extLst>
+          </p:cNvPr>
+          <p:cNvSpPr/>
+          <p:nvPr/>
+        </p:nvSpPr>
+        <p:spPr>
+          <a:xfrm>
+            <a:off x="5816057" y="11533488"/>
+            <a:ext cx="1231641" cy="1231641"/>
+          </a:xfrm>
+          <a:prstGeom prst="ellipse">
+            <a:avLst/>
+          </a:prstGeom>
+          <a:noFill/>
+          <a:ln>
+            <a:solidFill>
+              <a:schemeClr val="tx1"/>
+            </a:solidFill>
+          </a:ln>
+        </p:spPr>
+        <p:style>
+          <a:lnRef idx="2">
+            <a:schemeClr val="accent1">
+              <a:shade val="50000"/>
+            </a:schemeClr>
+          </a:lnRef>
+          <a:fillRef idx="1">
+            <a:schemeClr val="accent1"/>
+          </a:fillRef>
+          <a:effectRef idx="0">
+            <a:schemeClr val="accent1"/>
+          </a:effectRef>
+          <a:fontRef idx="minor">
+            <a:schemeClr val="lt1"/>
+          </a:fontRef>
+        </p:style>
+        <p:txBody>
+          <a:bodyPr rtlCol="0" anchor="ctr"/>
+          <a:lstStyle/>
+          <a:p>
+            <a:pPr algn="ctr"/>
+            <a:r>
+              <a:rPr kumimoji="1" lang="en-US" altLang="ja-JP" sz="4000" dirty="0">
+                <a:solidFill>
+                  <a:schemeClr val="tx1"/>
+                </a:solidFill>
+              </a:rPr>
+              <a:t>Y</a:t>
+            </a:r>
+            <a:endParaRPr kumimoji="1" lang="ja-JP" altLang="en-US" sz="4000" dirty="0">
+              <a:solidFill>
+                <a:schemeClr val="tx1"/>
+              </a:solidFill>
+            </a:endParaRPr>
+          </a:p>
+        </p:txBody>
+      </p:sp>
+      <p:cxnSp>
+        <p:nvCxnSpPr>
+          <p:cNvPr id="86" name="コネクタ: カギ線 85">
+            <a:extLst>
+              <a:ext uri="{FF2B5EF4-FFF2-40B4-BE49-F238E27FC236}">
+                <a16:creationId xmlns:a16="http://schemas.microsoft.com/office/drawing/2014/main" id="{C7B97418-CB10-435B-A22D-B152F12F99E9}"/>
+              </a:ext>
+            </a:extLst>
+          </p:cNvPr>
+          <p:cNvCxnSpPr>
+            <a:cxnSpLocks/>
+            <a:stCxn id="82" idx="0"/>
+            <a:endCxn id="85" idx="0"/>
+          </p:cNvCxnSpPr>
+          <p:nvPr/>
+        </p:nvCxnSpPr>
+        <p:spPr>
+          <a:xfrm rot="5400000" flipH="1" flipV="1">
+            <a:off x="4589503" y="9691114"/>
+            <a:ext cx="1" cy="3684750"/>
+          </a:xfrm>
+          <a:prstGeom prst="bentConnector3">
+            <a:avLst>
+              <a:gd name="adj1" fmla="val 22860100000"/>
+            </a:avLst>
+          </a:prstGeom>
+          <a:ln>
+            <a:solidFill>
+              <a:schemeClr val="tx1"/>
+            </a:solidFill>
+            <a:tailEnd type="triangle" w="lg" len="lg"/>
+          </a:ln>
+        </p:spPr>
+        <p:style>
+          <a:lnRef idx="1">
+            <a:schemeClr val="accent1"/>
+          </a:lnRef>
+          <a:fillRef idx="0">
+            <a:schemeClr val="accent1"/>
+          </a:fillRef>
+          <a:effectRef idx="0">
+            <a:schemeClr val="accent1"/>
+          </a:effectRef>
+          <a:fontRef idx="minor">
+            <a:schemeClr val="tx1"/>
+          </a:fontRef>
+        </p:style>
+      </p:cxnSp>
+      <p:cxnSp>
+        <p:nvCxnSpPr>
+          <p:cNvPr id="3" name="直線コネクタ 2">
+            <a:extLst>
+              <a:ext uri="{FF2B5EF4-FFF2-40B4-BE49-F238E27FC236}">
+                <a16:creationId xmlns:a16="http://schemas.microsoft.com/office/drawing/2014/main" id="{E5903D4B-C381-449E-999C-2E7C4C0DAED2}"/>
+              </a:ext>
+            </a:extLst>
+          </p:cNvPr>
+          <p:cNvCxnSpPr>
+            <a:cxnSpLocks/>
+          </p:cNvCxnSpPr>
+          <p:nvPr/>
+        </p:nvCxnSpPr>
+        <p:spPr>
+          <a:xfrm>
+            <a:off x="1603519" y="5057192"/>
+            <a:ext cx="12133700" cy="0"/>
+          </a:xfrm>
+          <a:prstGeom prst="line">
+            <a:avLst/>
+          </a:prstGeom>
+          <a:ln>
+            <a:solidFill>
+              <a:schemeClr val="tx1"/>
+            </a:solidFill>
+          </a:ln>
+        </p:spPr>
+        <p:style>
+          <a:lnRef idx="1">
+            <a:schemeClr val="accent1"/>
+          </a:lnRef>
+          <a:fillRef idx="0">
+            <a:schemeClr val="accent1"/>
+          </a:fillRef>
+          <a:effectRef idx="0">
+            <a:schemeClr val="accent1"/>
+          </a:effectRef>
+          <a:fontRef idx="minor">
+            <a:schemeClr val="tx1"/>
+          </a:fontRef>
+        </p:style>
+      </p:cxnSp>
+      <p:sp>
+        <p:nvSpPr>
+          <p:cNvPr id="56" name="テキスト ボックス 55">
+            <a:extLst>
+              <a:ext uri="{FF2B5EF4-FFF2-40B4-BE49-F238E27FC236}">
+                <a16:creationId xmlns:a16="http://schemas.microsoft.com/office/drawing/2014/main" id="{5F478DEA-F530-4E25-BD76-851DCFE0896B}"/>
+              </a:ext>
+            </a:extLst>
+          </p:cNvPr>
+          <p:cNvSpPr txBox="1"/>
+          <p:nvPr/>
+        </p:nvSpPr>
+        <p:spPr>
+          <a:xfrm>
+            <a:off x="12152395" y="4131547"/>
+            <a:ext cx="1513512" cy="769441"/>
+          </a:xfrm>
+          <a:prstGeom prst="rect">
+            <a:avLst/>
+          </a:prstGeom>
+          <a:noFill/>
+        </p:spPr>
+        <p:txBody>
+          <a:bodyPr wrap="square" rtlCol="0">
+            <a:spAutoFit/>
+          </a:bodyPr>
+          <a:lstStyle/>
+          <a:p>
+            <a:r>
+              <a:rPr kumimoji="1" lang="ja-JP" altLang="en-US" sz="4400" dirty="0"/>
+              <a:t>訓練</a:t>
+            </a:r>
+          </a:p>
+        </p:txBody>
+      </p:sp>
+      <p:sp>
+        <p:nvSpPr>
+          <p:cNvPr id="64" name="テキスト ボックス 63">
+            <a:extLst>
+              <a:ext uri="{FF2B5EF4-FFF2-40B4-BE49-F238E27FC236}">
+                <a16:creationId xmlns:a16="http://schemas.microsoft.com/office/drawing/2014/main" id="{1F4B0753-A838-4633-A75E-B3FC8C2548D4}"/>
+              </a:ext>
+            </a:extLst>
+          </p:cNvPr>
+          <p:cNvSpPr txBox="1"/>
+          <p:nvPr/>
+        </p:nvSpPr>
+        <p:spPr>
+          <a:xfrm>
+            <a:off x="12152395" y="5209392"/>
+            <a:ext cx="1513512" cy="769441"/>
+          </a:xfrm>
+          <a:prstGeom prst="rect">
+            <a:avLst/>
+          </a:prstGeom>
+          <a:noFill/>
+        </p:spPr>
+        <p:txBody>
+          <a:bodyPr wrap="square" rtlCol="0">
+            <a:spAutoFit/>
+          </a:bodyPr>
+          <a:lstStyle/>
+          <a:p>
+            <a:r>
+              <a:rPr kumimoji="1" lang="ja-JP" altLang="en-US" sz="4400" dirty="0"/>
+              <a:t>予測</a:t>
+            </a:r>
+          </a:p>
+        </p:txBody>
+      </p:sp>
+    </p:spTree>
+    <p:extLst>
+      <p:ext uri="{BB962C8B-B14F-4D97-AF65-F5344CB8AC3E}">
+        <p14:creationId xmlns:p14="http://schemas.microsoft.com/office/powerpoint/2010/main" val="2968964554"/>
+      </p:ext>
+    </p:extLst>
+  </p:cSld>
+  <p:clrMapOvr>
+    <a:masterClrMapping/>
+  </p:clrMapOvr>
+</p:sld>
+</file>
+
+<file path=ppt/slides/slide15.xml><?xml version="1.0" encoding="utf-8"?>
+<p:sld xmlns:a="http://schemas.openxmlformats.org/drawingml/2006/main" xmlns:r="http://schemas.openxmlformats.org/officeDocument/2006/relationships" xmlns:p="http://schemas.openxmlformats.org/presentationml/2006/main">
+  <p:cSld>
+    <p:spTree>
+      <p:nvGrpSpPr>
+        <p:cNvPr id="1" name=""/>
+        <p:cNvGrpSpPr/>
+        <p:nvPr/>
+      </p:nvGrpSpPr>
+      <p:grpSpPr>
+        <a:xfrm>
+          <a:off x="0" y="0"/>
+          <a:ext cx="0" cy="0"/>
+          <a:chOff x="0" y="0"/>
+          <a:chExt cx="0" cy="0"/>
+        </a:xfrm>
+      </p:grpSpPr>
+      <p:sp>
+        <p:nvSpPr>
           <p:cNvPr id="4" name="正方形/長方形 3">
             <a:extLst>
               <a:ext uri="{FF2B5EF4-FFF2-40B4-BE49-F238E27FC236}">
@@ -11820,7 +13051,7 @@
 </p:sld>
 </file>
 
-<file path=ppt/slides/slide15.xml><?xml version="1.0" encoding="utf-8"?>
+<file path=ppt/slides/slide16.xml><?xml version="1.0" encoding="utf-8"?>
 <p:sld xmlns:a="http://schemas.openxmlformats.org/drawingml/2006/main" xmlns:r="http://schemas.openxmlformats.org/officeDocument/2006/relationships" xmlns:p="http://schemas.openxmlformats.org/presentationml/2006/main">
   <p:cSld>
     <p:spTree>
@@ -33108,7 +34339,7 @@
         </p:nvSpPr>
         <p:spPr>
           <a:xfrm>
-            <a:off x="3628890" y="842541"/>
+            <a:off x="3786834" y="978564"/>
             <a:ext cx="7744408" cy="7744408"/>
           </a:xfrm>
           <a:prstGeom prst="rect">
@@ -33155,13 +34386,15 @@
               </a:ext>
             </a:extLst>
           </p:cNvPr>
-          <p:cNvCxnSpPr/>
+          <p:cNvCxnSpPr>
+            <a:cxnSpLocks/>
+          </p:cNvCxnSpPr>
           <p:nvPr/>
         </p:nvCxnSpPr>
         <p:spPr>
           <a:xfrm flipH="1">
-            <a:off x="3628890" y="842541"/>
-            <a:ext cx="7744408" cy="7744408"/>
+            <a:off x="3786834" y="7349395"/>
+            <a:ext cx="7744409" cy="0"/>
           </a:xfrm>
           <a:prstGeom prst="line">
             <a:avLst/>
@@ -33202,7 +34435,7 @@
         </p:nvSpPr>
         <p:spPr>
           <a:xfrm>
-            <a:off x="12241532" y="769530"/>
+            <a:off x="13958900" y="2956035"/>
             <a:ext cx="7763069" cy="7707086"/>
           </a:xfrm>
           <a:custGeom>
@@ -33312,8 +34545,8 @@
         </p:nvSpPr>
         <p:spPr>
           <a:xfrm>
-            <a:off x="6406824" y="9309512"/>
-            <a:ext cx="1938007" cy="769441"/>
+            <a:off x="7095832" y="9396665"/>
+            <a:ext cx="1626401" cy="769441"/>
           </a:xfrm>
           <a:prstGeom prst="rect">
             <a:avLst/>
@@ -33327,9 +34560,10 @@
           <a:lstStyle/>
           <a:p>
             <a:r>
-              <a:rPr kumimoji="1" lang="ja-JP" altLang="en-US" sz="4400" dirty="0"/>
-              <a:t>予測値</a:t>
-            </a:r>
+              <a:rPr kumimoji="1" lang="en-US" altLang="ja-JP" sz="4400" dirty="0"/>
+              <a:t>Recall</a:t>
+            </a:r>
+            <a:endParaRPr kumimoji="1" lang="ja-JP" altLang="en-US" sz="4400" dirty="0"/>
           </a:p>
         </p:txBody>
       </p:sp>
@@ -33347,7 +34581,7 @@
         </p:nvSpPr>
         <p:spPr>
           <a:xfrm>
-            <a:off x="10991947" y="8522003"/>
+            <a:off x="11149891" y="8658026"/>
             <a:ext cx="800024" cy="769441"/>
           </a:xfrm>
           <a:prstGeom prst="rect">
@@ -33383,7 +34617,7 @@
         </p:nvSpPr>
         <p:spPr>
           <a:xfrm>
-            <a:off x="3037712" y="8516724"/>
+            <a:off x="3195656" y="8652747"/>
             <a:ext cx="925235" cy="769441"/>
           </a:xfrm>
           <a:prstGeom prst="rect">
@@ -33422,7 +34656,7 @@
         </p:nvSpPr>
         <p:spPr>
           <a:xfrm>
-            <a:off x="3055961" y="467151"/>
+            <a:off x="3213905" y="603174"/>
             <a:ext cx="925235" cy="769441"/>
           </a:xfrm>
           <a:prstGeom prst="rect">
@@ -33458,8 +34692,8 @@
         </p:nvSpPr>
         <p:spPr>
           <a:xfrm>
-            <a:off x="14558175" y="5278312"/>
-            <a:ext cx="1748032" cy="769441"/>
+            <a:off x="988818" y="4099368"/>
+            <a:ext cx="2425283" cy="769441"/>
           </a:xfrm>
           <a:prstGeom prst="rect">
             <a:avLst/>
@@ -33474,7 +34708,7 @@
           <a:p>
             <a:r>
               <a:rPr kumimoji="1" lang="en-US" altLang="ja-JP" sz="4400" dirty="0"/>
-              <a:t>TPR</a:t>
+              <a:t>Precision</a:t>
             </a:r>
             <a:endParaRPr kumimoji="1" lang="ja-JP" altLang="en-US" sz="4400" dirty="0"/>
           </a:p>
@@ -33494,7 +34728,7 @@
         </p:nvSpPr>
         <p:spPr>
           <a:xfrm>
-            <a:off x="17457167" y="5263844"/>
+            <a:off x="7898032" y="2956035"/>
             <a:ext cx="261257" cy="261257"/>
           </a:xfrm>
           <a:prstGeom prst="ellipse">
@@ -33543,7 +34777,7 @@
         </p:nvSpPr>
         <p:spPr>
           <a:xfrm>
-            <a:off x="20266089" y="3036718"/>
+            <a:off x="9652753" y="2956036"/>
             <a:ext cx="261257" cy="261257"/>
           </a:xfrm>
           <a:prstGeom prst="ellipse">
@@ -33592,7 +34826,7 @@
         </p:nvSpPr>
         <p:spPr>
           <a:xfrm>
-            <a:off x="17805829" y="5193287"/>
+            <a:off x="5774394" y="3745425"/>
             <a:ext cx="2022258" cy="707886"/>
           </a:xfrm>
           <a:prstGeom prst="rect">
@@ -33632,7 +34866,7 @@
         </p:nvSpPr>
         <p:spPr>
           <a:xfrm>
-            <a:off x="11980044" y="842541"/>
+            <a:off x="9113342" y="1956802"/>
             <a:ext cx="2130809" cy="707886"/>
           </a:xfrm>
           <a:prstGeom prst="rect">
@@ -33660,10 +34894,10 @@
       </p:sp>
       <p:cxnSp>
         <p:nvCxnSpPr>
-          <p:cNvPr id="60" name="直線コネクタ 59">
-            <a:extLst>
-              <a:ext uri="{FF2B5EF4-FFF2-40B4-BE49-F238E27FC236}">
-                <a16:creationId xmlns:a16="http://schemas.microsoft.com/office/drawing/2014/main" id="{5D306776-7D38-4B15-BBE8-BDC22EB03752}"/>
+          <p:cNvPr id="56" name="直線コネクタ 55">
+            <a:extLst>
+              <a:ext uri="{FF2B5EF4-FFF2-40B4-BE49-F238E27FC236}">
+                <a16:creationId xmlns:a16="http://schemas.microsoft.com/office/drawing/2014/main" id="{F7C81EF1-36D8-4D09-8DF2-3171F6725926}"/>
               </a:ext>
             </a:extLst>
           </p:cNvPr>
@@ -33674,8 +34908,8 @@
         </p:nvCxnSpPr>
         <p:spPr>
           <a:xfrm>
-            <a:off x="7501094" y="6087861"/>
-            <a:ext cx="0" cy="2503132"/>
+            <a:off x="9806942" y="2956036"/>
+            <a:ext cx="0" cy="5766936"/>
           </a:xfrm>
           <a:prstGeom prst="line">
             <a:avLst/>
@@ -33685,7 +34919,50 @@
               <a:schemeClr val="tx1"/>
             </a:solidFill>
             <a:prstDash val="dash"/>
-            <a:headEnd type="triangle" w="lg" len="lg"/>
+          </a:ln>
+        </p:spPr>
+        <p:style>
+          <a:lnRef idx="1">
+            <a:schemeClr val="accent1"/>
+          </a:lnRef>
+          <a:fillRef idx="0">
+            <a:schemeClr val="accent1"/>
+          </a:fillRef>
+          <a:effectRef idx="0">
+            <a:schemeClr val="accent1"/>
+          </a:effectRef>
+          <a:fontRef idx="minor">
+            <a:schemeClr val="tx1"/>
+          </a:fontRef>
+        </p:style>
+      </p:cxnSp>
+      <p:cxnSp>
+        <p:nvCxnSpPr>
+          <p:cNvPr id="60" name="直線コネクタ 59">
+            <a:extLst>
+              <a:ext uri="{FF2B5EF4-FFF2-40B4-BE49-F238E27FC236}">
+                <a16:creationId xmlns:a16="http://schemas.microsoft.com/office/drawing/2014/main" id="{5D306776-7D38-4B15-BBE8-BDC22EB03752}"/>
+              </a:ext>
+            </a:extLst>
+          </p:cNvPr>
+          <p:cNvCxnSpPr>
+            <a:cxnSpLocks/>
+          </p:cNvCxnSpPr>
+          <p:nvPr/>
+        </p:nvCxnSpPr>
+        <p:spPr>
+          <a:xfrm>
+            <a:off x="8028661" y="3032326"/>
+            <a:ext cx="0" cy="5620421"/>
+          </a:xfrm>
+          <a:prstGeom prst="line">
+            <a:avLst/>
+          </a:prstGeom>
+          <a:ln>
+            <a:solidFill>
+              <a:schemeClr val="tx1"/>
+            </a:solidFill>
+            <a:prstDash val="dash"/>
           </a:ln>
         </p:spPr>
         <p:style>
@@ -33719,8 +34996,8 @@
         </p:nvCxnSpPr>
         <p:spPr>
           <a:xfrm>
-            <a:off x="3628889" y="6087861"/>
-            <a:ext cx="3872203" cy="0"/>
+            <a:off x="3796321" y="3087116"/>
+            <a:ext cx="5987060" cy="0"/>
           </a:xfrm>
           <a:prstGeom prst="line">
             <a:avLst/>
@@ -33730,7 +35007,6 @@
               <a:schemeClr val="tx1"/>
             </a:solidFill>
             <a:prstDash val="dash"/>
-            <a:headEnd type="triangle" w="lg" len="lg"/>
           </a:ln>
         </p:spPr>
         <p:style>
@@ -33762,7 +35038,7 @@
         </p:nvSpPr>
         <p:spPr>
           <a:xfrm>
-            <a:off x="17151510" y="8835813"/>
+            <a:off x="9403258" y="8652747"/>
             <a:ext cx="1626401" cy="769441"/>
           </a:xfrm>
           <a:prstGeom prst="rect">
@@ -33778,7 +35054,7 @@
           <a:p>
             <a:r>
               <a:rPr kumimoji="1" lang="en-US" altLang="ja-JP" sz="4400" dirty="0"/>
-              <a:t>0.4</a:t>
+              <a:t>0.8</a:t>
             </a:r>
             <a:endParaRPr kumimoji="1" lang="ja-JP" altLang="en-US" sz="4400" dirty="0"/>
           </a:p>
@@ -33798,7 +35074,7 @@
         </p:nvSpPr>
         <p:spPr>
           <a:xfrm>
-            <a:off x="14342588" y="8835812"/>
+            <a:off x="7564643" y="8618953"/>
             <a:ext cx="1626401" cy="769441"/>
           </a:xfrm>
           <a:prstGeom prst="rect">
@@ -33814,7 +35090,7 @@
           <a:p>
             <a:r>
               <a:rPr kumimoji="1" lang="en-US" altLang="ja-JP" sz="4400" dirty="0"/>
-              <a:t>0.2</a:t>
+              <a:t>0.6</a:t>
             </a:r>
             <a:endParaRPr kumimoji="1" lang="ja-JP" altLang="en-US" sz="4400" dirty="0"/>
           </a:p>
@@ -33834,7 +35110,7 @@
         </p:nvSpPr>
         <p:spPr>
           <a:xfrm>
-            <a:off x="15591673" y="2714521"/>
+            <a:off x="2555038" y="2644469"/>
             <a:ext cx="1626401" cy="769441"/>
           </a:xfrm>
           <a:prstGeom prst="rect">
@@ -33850,7 +35126,7 @@
           <a:p>
             <a:r>
               <a:rPr kumimoji="1" lang="en-US" altLang="ja-JP" sz="4400" dirty="0"/>
-              <a:t>0.8</a:t>
+              <a:t>0.75</a:t>
             </a:r>
             <a:endParaRPr kumimoji="1" lang="ja-JP" altLang="en-US" sz="4400" dirty="0"/>
           </a:p>
@@ -33858,10 +35134,10 @@
       </p:sp>
       <p:sp>
         <p:nvSpPr>
-          <p:cNvPr id="34" name="テキスト ボックス 33">
-            <a:extLst>
-              <a:ext uri="{FF2B5EF4-FFF2-40B4-BE49-F238E27FC236}">
-                <a16:creationId xmlns:a16="http://schemas.microsoft.com/office/drawing/2014/main" id="{54ADBF72-4E20-4809-8A18-3C87E0D55D9F}"/>
+          <p:cNvPr id="36" name="テキスト ボックス 35">
+            <a:extLst>
+              <a:ext uri="{FF2B5EF4-FFF2-40B4-BE49-F238E27FC236}">
+                <a16:creationId xmlns:a16="http://schemas.microsoft.com/office/drawing/2014/main" id="{A7C29198-EA8D-4FA8-A226-CE29A788DC7E}"/>
               </a:ext>
             </a:extLst>
           </p:cNvPr>
@@ -33870,8 +35146,8 @@
         </p:nvSpPr>
         <p:spPr>
           <a:xfrm>
-            <a:off x="842362" y="3338082"/>
-            <a:ext cx="2483237" cy="769441"/>
+            <a:off x="1490443" y="7216242"/>
+            <a:ext cx="3276364" cy="523220"/>
           </a:xfrm>
           <a:prstGeom prst="rect">
             <a:avLst/>
@@ -33885,32 +35161,593 @@
           <a:lstStyle/>
           <a:p>
             <a:r>
-              <a:rPr kumimoji="1" lang="ja-JP" altLang="en-US" sz="4400" dirty="0"/>
-              <a:t>正例割合</a:t>
-            </a:r>
-          </a:p>
-        </p:txBody>
-      </p:sp>
-      <p:cxnSp>
-        <p:nvCxnSpPr>
-          <p:cNvPr id="3" name="直線コネクタ 2">
-            <a:extLst>
-              <a:ext uri="{FF2B5EF4-FFF2-40B4-BE49-F238E27FC236}">
-                <a16:creationId xmlns:a16="http://schemas.microsoft.com/office/drawing/2014/main" id="{94EECB6D-6EF2-4B19-97F9-24C7ABAD3AA1}"/>
-              </a:ext>
-            </a:extLst>
-          </p:cNvPr>
-          <p:cNvCxnSpPr/>
-          <p:nvPr/>
-        </p:nvCxnSpPr>
-        <p:spPr>
-          <a:xfrm flipV="1">
-            <a:off x="3628890" y="3524070"/>
-            <a:ext cx="7744408" cy="5062879"/>
-          </a:xfrm>
-          <a:prstGeom prst="line">
-            <a:avLst/>
-          </a:prstGeom>
+              <a:rPr kumimoji="1" lang="ja-JP" altLang="en-US" sz="2800" dirty="0"/>
+              <a:t>元の正例割合</a:t>
+            </a:r>
+          </a:p>
+        </p:txBody>
+      </p:sp>
+      <p:sp>
+        <p:nvSpPr>
+          <p:cNvPr id="9" name="フリーフォーム: 図形 8">
+            <a:extLst>
+              <a:ext uri="{FF2B5EF4-FFF2-40B4-BE49-F238E27FC236}">
+                <a16:creationId xmlns:a16="http://schemas.microsoft.com/office/drawing/2014/main" id="{AA18BC0D-9F8C-4371-AC9F-C6DDAE9573C2}"/>
+              </a:ext>
+            </a:extLst>
+          </p:cNvPr>
+          <p:cNvSpPr/>
+          <p:nvPr/>
+        </p:nvSpPr>
+        <p:spPr>
+          <a:xfrm>
+            <a:off x="3825551" y="2351314"/>
+            <a:ext cx="7725747" cy="1959429"/>
+          </a:xfrm>
+          <a:custGeom>
+            <a:avLst/>
+            <a:gdLst>
+              <a:gd name="connsiteX0" fmla="*/ 0 w 7725747"/>
+              <a:gd name="connsiteY0" fmla="*/ 0 h 1959429"/>
+              <a:gd name="connsiteX1" fmla="*/ 93306 w 7725747"/>
+              <a:gd name="connsiteY1" fmla="*/ 18662 h 1959429"/>
+              <a:gd name="connsiteX2" fmla="*/ 205273 w 7725747"/>
+              <a:gd name="connsiteY2" fmla="*/ 37323 h 1959429"/>
+              <a:gd name="connsiteX3" fmla="*/ 317241 w 7725747"/>
+              <a:gd name="connsiteY3" fmla="*/ 74645 h 1959429"/>
+              <a:gd name="connsiteX4" fmla="*/ 447869 w 7725747"/>
+              <a:gd name="connsiteY4" fmla="*/ 93306 h 1959429"/>
+              <a:gd name="connsiteX5" fmla="*/ 597159 w 7725747"/>
+              <a:gd name="connsiteY5" fmla="*/ 111968 h 1959429"/>
+              <a:gd name="connsiteX6" fmla="*/ 746449 w 7725747"/>
+              <a:gd name="connsiteY6" fmla="*/ 149290 h 1959429"/>
+              <a:gd name="connsiteX7" fmla="*/ 839755 w 7725747"/>
+              <a:gd name="connsiteY7" fmla="*/ 167951 h 1959429"/>
+              <a:gd name="connsiteX8" fmla="*/ 895739 w 7725747"/>
+              <a:gd name="connsiteY8" fmla="*/ 186613 h 1959429"/>
+              <a:gd name="connsiteX9" fmla="*/ 970384 w 7725747"/>
+              <a:gd name="connsiteY9" fmla="*/ 205274 h 1959429"/>
+              <a:gd name="connsiteX10" fmla="*/ 1045029 w 7725747"/>
+              <a:gd name="connsiteY10" fmla="*/ 242596 h 1959429"/>
+              <a:gd name="connsiteX11" fmla="*/ 1101012 w 7725747"/>
+              <a:gd name="connsiteY11" fmla="*/ 261257 h 1959429"/>
+              <a:gd name="connsiteX12" fmla="*/ 1156996 w 7725747"/>
+              <a:gd name="connsiteY12" fmla="*/ 298580 h 1959429"/>
+              <a:gd name="connsiteX13" fmla="*/ 1231641 w 7725747"/>
+              <a:gd name="connsiteY13" fmla="*/ 317241 h 1959429"/>
+              <a:gd name="connsiteX14" fmla="*/ 1922106 w 7725747"/>
+              <a:gd name="connsiteY14" fmla="*/ 335902 h 1959429"/>
+              <a:gd name="connsiteX15" fmla="*/ 1996751 w 7725747"/>
+              <a:gd name="connsiteY15" fmla="*/ 354564 h 1959429"/>
+              <a:gd name="connsiteX16" fmla="*/ 2108718 w 7725747"/>
+              <a:gd name="connsiteY16" fmla="*/ 373225 h 1959429"/>
+              <a:gd name="connsiteX17" fmla="*/ 2276669 w 7725747"/>
+              <a:gd name="connsiteY17" fmla="*/ 410547 h 1959429"/>
+              <a:gd name="connsiteX18" fmla="*/ 2332653 w 7725747"/>
+              <a:gd name="connsiteY18" fmla="*/ 429208 h 1959429"/>
+              <a:gd name="connsiteX19" fmla="*/ 2407298 w 7725747"/>
+              <a:gd name="connsiteY19" fmla="*/ 447870 h 1959429"/>
+              <a:gd name="connsiteX20" fmla="*/ 2556588 w 7725747"/>
+              <a:gd name="connsiteY20" fmla="*/ 485192 h 1959429"/>
+              <a:gd name="connsiteX21" fmla="*/ 2780522 w 7725747"/>
+              <a:gd name="connsiteY21" fmla="*/ 503853 h 1959429"/>
+              <a:gd name="connsiteX22" fmla="*/ 3041780 w 7725747"/>
+              <a:gd name="connsiteY22" fmla="*/ 541176 h 1959429"/>
+              <a:gd name="connsiteX23" fmla="*/ 3172408 w 7725747"/>
+              <a:gd name="connsiteY23" fmla="*/ 559837 h 1959429"/>
+              <a:gd name="connsiteX24" fmla="*/ 3340359 w 7725747"/>
+              <a:gd name="connsiteY24" fmla="*/ 597159 h 1959429"/>
+              <a:gd name="connsiteX25" fmla="*/ 3396343 w 7725747"/>
+              <a:gd name="connsiteY25" fmla="*/ 615821 h 1959429"/>
+              <a:gd name="connsiteX26" fmla="*/ 3582955 w 7725747"/>
+              <a:gd name="connsiteY26" fmla="*/ 634482 h 1959429"/>
+              <a:gd name="connsiteX27" fmla="*/ 3844212 w 7725747"/>
+              <a:gd name="connsiteY27" fmla="*/ 671804 h 1959429"/>
+              <a:gd name="connsiteX28" fmla="*/ 4012163 w 7725747"/>
+              <a:gd name="connsiteY28" fmla="*/ 709127 h 1959429"/>
+              <a:gd name="connsiteX29" fmla="*/ 4086808 w 7725747"/>
+              <a:gd name="connsiteY29" fmla="*/ 727788 h 1959429"/>
+              <a:gd name="connsiteX30" fmla="*/ 4142792 w 7725747"/>
+              <a:gd name="connsiteY30" fmla="*/ 746449 h 1959429"/>
+              <a:gd name="connsiteX31" fmla="*/ 4404049 w 7725747"/>
+              <a:gd name="connsiteY31" fmla="*/ 765110 h 1959429"/>
+              <a:gd name="connsiteX32" fmla="*/ 4590661 w 7725747"/>
+              <a:gd name="connsiteY32" fmla="*/ 783772 h 1959429"/>
+              <a:gd name="connsiteX33" fmla="*/ 5094514 w 7725747"/>
+              <a:gd name="connsiteY33" fmla="*/ 821094 h 1959429"/>
+              <a:gd name="connsiteX34" fmla="*/ 5673012 w 7725747"/>
+              <a:gd name="connsiteY34" fmla="*/ 802433 h 1959429"/>
+              <a:gd name="connsiteX35" fmla="*/ 6027576 w 7725747"/>
+              <a:gd name="connsiteY35" fmla="*/ 821094 h 1959429"/>
+              <a:gd name="connsiteX36" fmla="*/ 6139543 w 7725747"/>
+              <a:gd name="connsiteY36" fmla="*/ 858417 h 1959429"/>
+              <a:gd name="connsiteX37" fmla="*/ 6195527 w 7725747"/>
+              <a:gd name="connsiteY37" fmla="*/ 877078 h 1959429"/>
+              <a:gd name="connsiteX38" fmla="*/ 6307494 w 7725747"/>
+              <a:gd name="connsiteY38" fmla="*/ 933062 h 1959429"/>
+              <a:gd name="connsiteX39" fmla="*/ 6363478 w 7725747"/>
+              <a:gd name="connsiteY39" fmla="*/ 970384 h 1959429"/>
+              <a:gd name="connsiteX40" fmla="*/ 6438122 w 7725747"/>
+              <a:gd name="connsiteY40" fmla="*/ 989045 h 1959429"/>
+              <a:gd name="connsiteX41" fmla="*/ 6550090 w 7725747"/>
+              <a:gd name="connsiteY41" fmla="*/ 1026368 h 1959429"/>
+              <a:gd name="connsiteX42" fmla="*/ 6662057 w 7725747"/>
+              <a:gd name="connsiteY42" fmla="*/ 1063690 h 1959429"/>
+              <a:gd name="connsiteX43" fmla="*/ 6830008 w 7725747"/>
+              <a:gd name="connsiteY43" fmla="*/ 1119674 h 1959429"/>
+              <a:gd name="connsiteX44" fmla="*/ 6885992 w 7725747"/>
+              <a:gd name="connsiteY44" fmla="*/ 1138335 h 1959429"/>
+              <a:gd name="connsiteX45" fmla="*/ 6941976 w 7725747"/>
+              <a:gd name="connsiteY45" fmla="*/ 1156996 h 1959429"/>
+              <a:gd name="connsiteX46" fmla="*/ 6997959 w 7725747"/>
+              <a:gd name="connsiteY46" fmla="*/ 1194319 h 1959429"/>
+              <a:gd name="connsiteX47" fmla="*/ 7109927 w 7725747"/>
+              <a:gd name="connsiteY47" fmla="*/ 1250302 h 1959429"/>
+              <a:gd name="connsiteX48" fmla="*/ 7147249 w 7725747"/>
+              <a:gd name="connsiteY48" fmla="*/ 1306286 h 1959429"/>
+              <a:gd name="connsiteX49" fmla="*/ 7259216 w 7725747"/>
+              <a:gd name="connsiteY49" fmla="*/ 1399592 h 1959429"/>
+              <a:gd name="connsiteX50" fmla="*/ 7315200 w 7725747"/>
+              <a:gd name="connsiteY50" fmla="*/ 1511559 h 1959429"/>
+              <a:gd name="connsiteX51" fmla="*/ 7333861 w 7725747"/>
+              <a:gd name="connsiteY51" fmla="*/ 1567543 h 1959429"/>
+              <a:gd name="connsiteX52" fmla="*/ 7427167 w 7725747"/>
+              <a:gd name="connsiteY52" fmla="*/ 1642188 h 1959429"/>
+              <a:gd name="connsiteX53" fmla="*/ 7501812 w 7725747"/>
+              <a:gd name="connsiteY53" fmla="*/ 1716833 h 1959429"/>
+              <a:gd name="connsiteX54" fmla="*/ 7539135 w 7725747"/>
+              <a:gd name="connsiteY54" fmla="*/ 1754155 h 1959429"/>
+              <a:gd name="connsiteX55" fmla="*/ 7632441 w 7725747"/>
+              <a:gd name="connsiteY55" fmla="*/ 1884784 h 1959429"/>
+              <a:gd name="connsiteX56" fmla="*/ 7725747 w 7725747"/>
+              <a:gd name="connsiteY56" fmla="*/ 1959429 h 1959429"/>
+            </a:gdLst>
+            <a:ahLst/>
+            <a:cxnLst>
+              <a:cxn ang="0">
+                <a:pos x="connsiteX0" y="connsiteY0"/>
+              </a:cxn>
+              <a:cxn ang="0">
+                <a:pos x="connsiteX1" y="connsiteY1"/>
+              </a:cxn>
+              <a:cxn ang="0">
+                <a:pos x="connsiteX2" y="connsiteY2"/>
+              </a:cxn>
+              <a:cxn ang="0">
+                <a:pos x="connsiteX3" y="connsiteY3"/>
+              </a:cxn>
+              <a:cxn ang="0">
+                <a:pos x="connsiteX4" y="connsiteY4"/>
+              </a:cxn>
+              <a:cxn ang="0">
+                <a:pos x="connsiteX5" y="connsiteY5"/>
+              </a:cxn>
+              <a:cxn ang="0">
+                <a:pos x="connsiteX6" y="connsiteY6"/>
+              </a:cxn>
+              <a:cxn ang="0">
+                <a:pos x="connsiteX7" y="connsiteY7"/>
+              </a:cxn>
+              <a:cxn ang="0">
+                <a:pos x="connsiteX8" y="connsiteY8"/>
+              </a:cxn>
+              <a:cxn ang="0">
+                <a:pos x="connsiteX9" y="connsiteY9"/>
+              </a:cxn>
+              <a:cxn ang="0">
+                <a:pos x="connsiteX10" y="connsiteY10"/>
+              </a:cxn>
+              <a:cxn ang="0">
+                <a:pos x="connsiteX11" y="connsiteY11"/>
+              </a:cxn>
+              <a:cxn ang="0">
+                <a:pos x="connsiteX12" y="connsiteY12"/>
+              </a:cxn>
+              <a:cxn ang="0">
+                <a:pos x="connsiteX13" y="connsiteY13"/>
+              </a:cxn>
+              <a:cxn ang="0">
+                <a:pos x="connsiteX14" y="connsiteY14"/>
+              </a:cxn>
+              <a:cxn ang="0">
+                <a:pos x="connsiteX15" y="connsiteY15"/>
+              </a:cxn>
+              <a:cxn ang="0">
+                <a:pos x="connsiteX16" y="connsiteY16"/>
+              </a:cxn>
+              <a:cxn ang="0">
+                <a:pos x="connsiteX17" y="connsiteY17"/>
+              </a:cxn>
+              <a:cxn ang="0">
+                <a:pos x="connsiteX18" y="connsiteY18"/>
+              </a:cxn>
+              <a:cxn ang="0">
+                <a:pos x="connsiteX19" y="connsiteY19"/>
+              </a:cxn>
+              <a:cxn ang="0">
+                <a:pos x="connsiteX20" y="connsiteY20"/>
+              </a:cxn>
+              <a:cxn ang="0">
+                <a:pos x="connsiteX21" y="connsiteY21"/>
+              </a:cxn>
+              <a:cxn ang="0">
+                <a:pos x="connsiteX22" y="connsiteY22"/>
+              </a:cxn>
+              <a:cxn ang="0">
+                <a:pos x="connsiteX23" y="connsiteY23"/>
+              </a:cxn>
+              <a:cxn ang="0">
+                <a:pos x="connsiteX24" y="connsiteY24"/>
+              </a:cxn>
+              <a:cxn ang="0">
+                <a:pos x="connsiteX25" y="connsiteY25"/>
+              </a:cxn>
+              <a:cxn ang="0">
+                <a:pos x="connsiteX26" y="connsiteY26"/>
+              </a:cxn>
+              <a:cxn ang="0">
+                <a:pos x="connsiteX27" y="connsiteY27"/>
+              </a:cxn>
+              <a:cxn ang="0">
+                <a:pos x="connsiteX28" y="connsiteY28"/>
+              </a:cxn>
+              <a:cxn ang="0">
+                <a:pos x="connsiteX29" y="connsiteY29"/>
+              </a:cxn>
+              <a:cxn ang="0">
+                <a:pos x="connsiteX30" y="connsiteY30"/>
+              </a:cxn>
+              <a:cxn ang="0">
+                <a:pos x="connsiteX31" y="connsiteY31"/>
+              </a:cxn>
+              <a:cxn ang="0">
+                <a:pos x="connsiteX32" y="connsiteY32"/>
+              </a:cxn>
+              <a:cxn ang="0">
+                <a:pos x="connsiteX33" y="connsiteY33"/>
+              </a:cxn>
+              <a:cxn ang="0">
+                <a:pos x="connsiteX34" y="connsiteY34"/>
+              </a:cxn>
+              <a:cxn ang="0">
+                <a:pos x="connsiteX35" y="connsiteY35"/>
+              </a:cxn>
+              <a:cxn ang="0">
+                <a:pos x="connsiteX36" y="connsiteY36"/>
+              </a:cxn>
+              <a:cxn ang="0">
+                <a:pos x="connsiteX37" y="connsiteY37"/>
+              </a:cxn>
+              <a:cxn ang="0">
+                <a:pos x="connsiteX38" y="connsiteY38"/>
+              </a:cxn>
+              <a:cxn ang="0">
+                <a:pos x="connsiteX39" y="connsiteY39"/>
+              </a:cxn>
+              <a:cxn ang="0">
+                <a:pos x="connsiteX40" y="connsiteY40"/>
+              </a:cxn>
+              <a:cxn ang="0">
+                <a:pos x="connsiteX41" y="connsiteY41"/>
+              </a:cxn>
+              <a:cxn ang="0">
+                <a:pos x="connsiteX42" y="connsiteY42"/>
+              </a:cxn>
+              <a:cxn ang="0">
+                <a:pos x="connsiteX43" y="connsiteY43"/>
+              </a:cxn>
+              <a:cxn ang="0">
+                <a:pos x="connsiteX44" y="connsiteY44"/>
+              </a:cxn>
+              <a:cxn ang="0">
+                <a:pos x="connsiteX45" y="connsiteY45"/>
+              </a:cxn>
+              <a:cxn ang="0">
+                <a:pos x="connsiteX46" y="connsiteY46"/>
+              </a:cxn>
+              <a:cxn ang="0">
+                <a:pos x="connsiteX47" y="connsiteY47"/>
+              </a:cxn>
+              <a:cxn ang="0">
+                <a:pos x="connsiteX48" y="connsiteY48"/>
+              </a:cxn>
+              <a:cxn ang="0">
+                <a:pos x="connsiteX49" y="connsiteY49"/>
+              </a:cxn>
+              <a:cxn ang="0">
+                <a:pos x="connsiteX50" y="connsiteY50"/>
+              </a:cxn>
+              <a:cxn ang="0">
+                <a:pos x="connsiteX51" y="connsiteY51"/>
+              </a:cxn>
+              <a:cxn ang="0">
+                <a:pos x="connsiteX52" y="connsiteY52"/>
+              </a:cxn>
+              <a:cxn ang="0">
+                <a:pos x="connsiteX53" y="connsiteY53"/>
+              </a:cxn>
+              <a:cxn ang="0">
+                <a:pos x="connsiteX54" y="connsiteY54"/>
+              </a:cxn>
+              <a:cxn ang="0">
+                <a:pos x="connsiteX55" y="connsiteY55"/>
+              </a:cxn>
+              <a:cxn ang="0">
+                <a:pos x="connsiteX56" y="connsiteY56"/>
+              </a:cxn>
+            </a:cxnLst>
+            <a:rect l="l" t="t" r="r" b="b"/>
+            <a:pathLst>
+              <a:path w="7725747" h="1959429">
+                <a:moveTo>
+                  <a:pt x="0" y="0"/>
+                </a:moveTo>
+                <a:lnTo>
+                  <a:pt x="93306" y="18662"/>
+                </a:lnTo>
+                <a:cubicBezTo>
+                  <a:pt x="130533" y="25431"/>
+                  <a:pt x="168566" y="28146"/>
+                  <a:pt x="205273" y="37323"/>
+                </a:cubicBezTo>
+                <a:cubicBezTo>
+                  <a:pt x="243440" y="46865"/>
+                  <a:pt x="278295" y="69081"/>
+                  <a:pt x="317241" y="74645"/>
+                </a:cubicBezTo>
+                <a:lnTo>
+                  <a:pt x="447869" y="93306"/>
+                </a:lnTo>
+                <a:cubicBezTo>
+                  <a:pt x="497580" y="99934"/>
+                  <a:pt x="547592" y="104342"/>
+                  <a:pt x="597159" y="111968"/>
+                </a:cubicBezTo>
+                <a:cubicBezTo>
+                  <a:pt x="775998" y="139482"/>
+                  <a:pt x="619291" y="117501"/>
+                  <a:pt x="746449" y="149290"/>
+                </a:cubicBezTo>
+                <a:cubicBezTo>
+                  <a:pt x="777220" y="156983"/>
+                  <a:pt x="808984" y="160258"/>
+                  <a:pt x="839755" y="167951"/>
+                </a:cubicBezTo>
+                <a:cubicBezTo>
+                  <a:pt x="858839" y="172722"/>
+                  <a:pt x="876825" y="181209"/>
+                  <a:pt x="895739" y="186613"/>
+                </a:cubicBezTo>
+                <a:cubicBezTo>
+                  <a:pt x="920400" y="193659"/>
+                  <a:pt x="946370" y="196269"/>
+                  <a:pt x="970384" y="205274"/>
+                </a:cubicBezTo>
+                <a:cubicBezTo>
+                  <a:pt x="996431" y="215042"/>
+                  <a:pt x="1019460" y="231638"/>
+                  <a:pt x="1045029" y="242596"/>
+                </a:cubicBezTo>
+                <a:cubicBezTo>
+                  <a:pt x="1063109" y="250345"/>
+                  <a:pt x="1082351" y="255037"/>
+                  <a:pt x="1101012" y="261257"/>
+                </a:cubicBezTo>
+                <a:cubicBezTo>
+                  <a:pt x="1119673" y="273698"/>
+                  <a:pt x="1136381" y="289745"/>
+                  <a:pt x="1156996" y="298580"/>
+                </a:cubicBezTo>
+                <a:cubicBezTo>
+                  <a:pt x="1180570" y="308683"/>
+                  <a:pt x="1206024" y="315991"/>
+                  <a:pt x="1231641" y="317241"/>
+                </a:cubicBezTo>
+                <a:cubicBezTo>
+                  <a:pt x="1461607" y="328459"/>
+                  <a:pt x="1691951" y="329682"/>
+                  <a:pt x="1922106" y="335902"/>
+                </a:cubicBezTo>
+                <a:cubicBezTo>
+                  <a:pt x="1946988" y="342123"/>
+                  <a:pt x="1971602" y="349534"/>
+                  <a:pt x="1996751" y="354564"/>
+                </a:cubicBezTo>
+                <a:cubicBezTo>
+                  <a:pt x="2033853" y="361985"/>
+                  <a:pt x="2071491" y="366457"/>
+                  <a:pt x="2108718" y="373225"/>
+                </a:cubicBezTo>
+                <a:cubicBezTo>
+                  <a:pt x="2161635" y="382846"/>
+                  <a:pt x="2224248" y="395570"/>
+                  <a:pt x="2276669" y="410547"/>
+                </a:cubicBezTo>
+                <a:cubicBezTo>
+                  <a:pt x="2295583" y="415951"/>
+                  <a:pt x="2313739" y="423804"/>
+                  <a:pt x="2332653" y="429208"/>
+                </a:cubicBezTo>
+                <a:cubicBezTo>
+                  <a:pt x="2357314" y="436254"/>
+                  <a:pt x="2382637" y="440824"/>
+                  <a:pt x="2407298" y="447870"/>
+                </a:cubicBezTo>
+                <a:cubicBezTo>
+                  <a:pt x="2483540" y="469654"/>
+                  <a:pt x="2459847" y="473811"/>
+                  <a:pt x="2556588" y="485192"/>
+                </a:cubicBezTo>
+                <a:cubicBezTo>
+                  <a:pt x="2630978" y="493944"/>
+                  <a:pt x="2705990" y="496400"/>
+                  <a:pt x="2780522" y="503853"/>
+                </a:cubicBezTo>
+                <a:cubicBezTo>
+                  <a:pt x="2931539" y="518955"/>
+                  <a:pt x="2907367" y="520497"/>
+                  <a:pt x="3041780" y="541176"/>
+                </a:cubicBezTo>
+                <a:cubicBezTo>
+                  <a:pt x="3085253" y="547864"/>
+                  <a:pt x="3128865" y="553617"/>
+                  <a:pt x="3172408" y="559837"/>
+                </a:cubicBezTo>
+                <a:cubicBezTo>
+                  <a:pt x="3298442" y="601847"/>
+                  <a:pt x="3143293" y="553366"/>
+                  <a:pt x="3340359" y="597159"/>
+                </a:cubicBezTo>
+                <a:cubicBezTo>
+                  <a:pt x="3359561" y="601426"/>
+                  <a:pt x="3376901" y="612830"/>
+                  <a:pt x="3396343" y="615821"/>
+                </a:cubicBezTo>
+                <a:cubicBezTo>
+                  <a:pt x="3458130" y="625327"/>
+                  <a:pt x="3520923" y="626728"/>
+                  <a:pt x="3582955" y="634482"/>
+                </a:cubicBezTo>
+                <a:cubicBezTo>
+                  <a:pt x="3670245" y="645393"/>
+                  <a:pt x="3844212" y="671804"/>
+                  <a:pt x="3844212" y="671804"/>
+                </a:cubicBezTo>
+                <a:cubicBezTo>
+                  <a:pt x="3953163" y="708122"/>
+                  <a:pt x="3847954" y="676286"/>
+                  <a:pt x="4012163" y="709127"/>
+                </a:cubicBezTo>
+                <a:cubicBezTo>
+                  <a:pt x="4037312" y="714157"/>
+                  <a:pt x="4062147" y="720742"/>
+                  <a:pt x="4086808" y="727788"/>
+                </a:cubicBezTo>
+                <a:cubicBezTo>
+                  <a:pt x="4105722" y="733192"/>
+                  <a:pt x="4123256" y="744151"/>
+                  <a:pt x="4142792" y="746449"/>
+                </a:cubicBezTo>
+                <a:cubicBezTo>
+                  <a:pt x="4229502" y="756650"/>
+                  <a:pt x="4317043" y="757859"/>
+                  <a:pt x="4404049" y="765110"/>
+                </a:cubicBezTo>
+                <a:cubicBezTo>
+                  <a:pt x="4466347" y="770302"/>
+                  <a:pt x="4528351" y="778720"/>
+                  <a:pt x="4590661" y="783772"/>
+                </a:cubicBezTo>
+                <a:lnTo>
+                  <a:pt x="5094514" y="821094"/>
+                </a:lnTo>
+                <a:cubicBezTo>
+                  <a:pt x="5287347" y="814874"/>
+                  <a:pt x="5480079" y="802433"/>
+                  <a:pt x="5673012" y="802433"/>
+                </a:cubicBezTo>
+                <a:cubicBezTo>
+                  <a:pt x="5791364" y="802433"/>
+                  <a:pt x="5910067" y="806993"/>
+                  <a:pt x="6027576" y="821094"/>
+                </a:cubicBezTo>
+                <a:cubicBezTo>
+                  <a:pt x="6066637" y="825781"/>
+                  <a:pt x="6102221" y="845976"/>
+                  <a:pt x="6139543" y="858417"/>
+                </a:cubicBezTo>
+                <a:lnTo>
+                  <a:pt x="6195527" y="877078"/>
+                </a:lnTo>
+                <a:cubicBezTo>
+                  <a:pt x="6355960" y="984033"/>
+                  <a:pt x="6152978" y="855804"/>
+                  <a:pt x="6307494" y="933062"/>
+                </a:cubicBezTo>
+                <a:cubicBezTo>
+                  <a:pt x="6327554" y="943092"/>
+                  <a:pt x="6342863" y="961549"/>
+                  <a:pt x="6363478" y="970384"/>
+                </a:cubicBezTo>
+                <a:cubicBezTo>
+                  <a:pt x="6387051" y="980487"/>
+                  <a:pt x="6413557" y="981675"/>
+                  <a:pt x="6438122" y="989045"/>
+                </a:cubicBezTo>
+                <a:cubicBezTo>
+                  <a:pt x="6475804" y="1000350"/>
+                  <a:pt x="6512767" y="1013927"/>
+                  <a:pt x="6550090" y="1026368"/>
+                </a:cubicBezTo>
+                <a:lnTo>
+                  <a:pt x="6662057" y="1063690"/>
+                </a:lnTo>
+                <a:lnTo>
+                  <a:pt x="6830008" y="1119674"/>
+                </a:lnTo>
+                <a:lnTo>
+                  <a:pt x="6885992" y="1138335"/>
+                </a:lnTo>
+                <a:lnTo>
+                  <a:pt x="6941976" y="1156996"/>
+                </a:lnTo>
+                <a:cubicBezTo>
+                  <a:pt x="6960637" y="1169437"/>
+                  <a:pt x="6977899" y="1184289"/>
+                  <a:pt x="6997959" y="1194319"/>
+                </a:cubicBezTo>
+                <a:cubicBezTo>
+                  <a:pt x="7152494" y="1271587"/>
+                  <a:pt x="6949471" y="1143333"/>
+                  <a:pt x="7109927" y="1250302"/>
+                </a:cubicBezTo>
+                <a:cubicBezTo>
+                  <a:pt x="7122368" y="1268963"/>
+                  <a:pt x="7132891" y="1289056"/>
+                  <a:pt x="7147249" y="1306286"/>
+                </a:cubicBezTo>
+                <a:cubicBezTo>
+                  <a:pt x="7192150" y="1360168"/>
+                  <a:pt x="7204170" y="1362895"/>
+                  <a:pt x="7259216" y="1399592"/>
+                </a:cubicBezTo>
+                <a:cubicBezTo>
+                  <a:pt x="7306126" y="1540317"/>
+                  <a:pt x="7242846" y="1366850"/>
+                  <a:pt x="7315200" y="1511559"/>
+                </a:cubicBezTo>
+                <a:cubicBezTo>
+                  <a:pt x="7323997" y="1529153"/>
+                  <a:pt x="7323741" y="1550675"/>
+                  <a:pt x="7333861" y="1567543"/>
+                </a:cubicBezTo>
+                <a:cubicBezTo>
+                  <a:pt x="7356282" y="1604911"/>
+                  <a:pt x="7395757" y="1615265"/>
+                  <a:pt x="7427167" y="1642188"/>
+                </a:cubicBezTo>
+                <a:cubicBezTo>
+                  <a:pt x="7453884" y="1665088"/>
+                  <a:pt x="7476930" y="1691951"/>
+                  <a:pt x="7501812" y="1716833"/>
+                </a:cubicBezTo>
+                <a:lnTo>
+                  <a:pt x="7539135" y="1754155"/>
+                </a:lnTo>
+                <a:cubicBezTo>
+                  <a:pt x="7568923" y="1843521"/>
+                  <a:pt x="7543887" y="1796230"/>
+                  <a:pt x="7632441" y="1884784"/>
+                </a:cubicBezTo>
+                <a:cubicBezTo>
+                  <a:pt x="7698260" y="1950603"/>
+                  <a:pt x="7664820" y="1928966"/>
+                  <a:pt x="7725747" y="1959429"/>
+                </a:cubicBezTo>
+              </a:path>
+            </a:pathLst>
+          </a:custGeom>
+          <a:noFill/>
           <a:ln>
             <a:solidFill>
               <a:schemeClr val="tx1"/>
@@ -33918,385 +35755,34 @@
           </a:ln>
         </p:spPr>
         <p:style>
-          <a:lnRef idx="1">
-            <a:schemeClr val="accent1"/>
-          </a:lnRef>
-          <a:fillRef idx="0">
-            <a:schemeClr val="accent1"/>
-          </a:fillRef>
-          <a:effectRef idx="0">
-            <a:schemeClr val="accent1"/>
-          </a:effectRef>
-          <a:fontRef idx="minor">
-            <a:schemeClr val="tx1"/>
-          </a:fontRef>
-        </p:style>
-      </p:cxnSp>
-      <p:cxnSp>
-        <p:nvCxnSpPr>
-          <p:cNvPr id="35" name="直線コネクタ 34">
-            <a:extLst>
-              <a:ext uri="{FF2B5EF4-FFF2-40B4-BE49-F238E27FC236}">
-                <a16:creationId xmlns:a16="http://schemas.microsoft.com/office/drawing/2014/main" id="{88C78866-85FA-41AB-9F80-7BE394D9E633}"/>
-              </a:ext>
-            </a:extLst>
-          </p:cNvPr>
-          <p:cNvCxnSpPr>
-            <a:cxnSpLocks/>
-          </p:cNvCxnSpPr>
-          <p:nvPr/>
-        </p:nvCxnSpPr>
-        <p:spPr>
-          <a:xfrm flipV="1">
-            <a:off x="3628889" y="882649"/>
-            <a:ext cx="5126917" cy="7634076"/>
-          </a:xfrm>
-          <a:prstGeom prst="line">
-            <a:avLst/>
-          </a:prstGeom>
-          <a:ln>
-            <a:solidFill>
-              <a:schemeClr val="tx1"/>
-            </a:solidFill>
-          </a:ln>
-        </p:spPr>
-        <p:style>
-          <a:lnRef idx="1">
-            <a:schemeClr val="accent1"/>
-          </a:lnRef>
-          <a:fillRef idx="0">
-            <a:schemeClr val="accent1"/>
-          </a:fillRef>
-          <a:effectRef idx="0">
-            <a:schemeClr val="accent1"/>
-          </a:effectRef>
-          <a:fontRef idx="minor">
-            <a:schemeClr val="tx1"/>
-          </a:fontRef>
-        </p:style>
-      </p:cxnSp>
-      <p:sp>
-        <p:nvSpPr>
-          <p:cNvPr id="36" name="テキスト ボックス 35">
-            <a:extLst>
-              <a:ext uri="{FF2B5EF4-FFF2-40B4-BE49-F238E27FC236}">
-                <a16:creationId xmlns:a16="http://schemas.microsoft.com/office/drawing/2014/main" id="{BCEFAB5A-9CE7-4CA7-AC52-5367D7792F1E}"/>
-              </a:ext>
-            </a:extLst>
-          </p:cNvPr>
-          <p:cNvSpPr txBox="1"/>
-          <p:nvPr/>
-        </p:nvSpPr>
-        <p:spPr>
-          <a:xfrm>
-            <a:off x="10533644" y="2953362"/>
-            <a:ext cx="759857" cy="769441"/>
-          </a:xfrm>
-          <a:prstGeom prst="rect">
-            <a:avLst/>
-          </a:prstGeom>
-          <a:noFill/>
-        </p:spPr>
-        <p:txBody>
-          <a:bodyPr wrap="square" rtlCol="0">
-            <a:spAutoFit/>
-          </a:bodyPr>
-          <a:lstStyle/>
-          <a:p>
-            <a:r>
-              <a:rPr kumimoji="1" lang="en-US" altLang="ja-JP" sz="4400" dirty="0"/>
-              <a:t>A</a:t>
-            </a:r>
-            <a:endParaRPr kumimoji="1" lang="ja-JP" altLang="en-US" sz="4400" dirty="0"/>
-          </a:p>
-        </p:txBody>
-      </p:sp>
-      <p:sp>
-        <p:nvSpPr>
-          <p:cNvPr id="37" name="テキスト ボックス 36">
-            <a:extLst>
-              <a:ext uri="{FF2B5EF4-FFF2-40B4-BE49-F238E27FC236}">
-                <a16:creationId xmlns:a16="http://schemas.microsoft.com/office/drawing/2014/main" id="{DB9695FB-5C7D-48F7-B085-530A9E8C41DC}"/>
-              </a:ext>
-            </a:extLst>
-          </p:cNvPr>
-          <p:cNvSpPr txBox="1"/>
-          <p:nvPr/>
-        </p:nvSpPr>
-        <p:spPr>
-          <a:xfrm>
-            <a:off x="7375828" y="1049198"/>
-            <a:ext cx="759857" cy="769441"/>
-          </a:xfrm>
-          <a:prstGeom prst="rect">
-            <a:avLst/>
-          </a:prstGeom>
-          <a:noFill/>
-        </p:spPr>
-        <p:txBody>
-          <a:bodyPr wrap="square" rtlCol="0">
-            <a:spAutoFit/>
-          </a:bodyPr>
-          <a:lstStyle/>
-          <a:p>
-            <a:r>
-              <a:rPr kumimoji="1" lang="en-US" altLang="ja-JP" sz="4400" dirty="0"/>
-              <a:t>B</a:t>
-            </a:r>
-            <a:endParaRPr kumimoji="1" lang="ja-JP" altLang="en-US" sz="4400" dirty="0"/>
-          </a:p>
-        </p:txBody>
-      </p:sp>
-      <p:cxnSp>
-        <p:nvCxnSpPr>
-          <p:cNvPr id="42" name="直線コネクタ 41">
-            <a:extLst>
-              <a:ext uri="{FF2B5EF4-FFF2-40B4-BE49-F238E27FC236}">
-                <a16:creationId xmlns:a16="http://schemas.microsoft.com/office/drawing/2014/main" id="{306D79D2-D31A-437F-83C8-30288C3CA870}"/>
-              </a:ext>
-            </a:extLst>
-          </p:cNvPr>
-          <p:cNvCxnSpPr>
-            <a:cxnSpLocks/>
-          </p:cNvCxnSpPr>
-          <p:nvPr/>
-        </p:nvCxnSpPr>
-        <p:spPr>
-          <a:xfrm>
-            <a:off x="6127033" y="4731648"/>
-            <a:ext cx="0" cy="3859345"/>
-          </a:xfrm>
-          <a:prstGeom prst="line">
-            <a:avLst/>
-          </a:prstGeom>
-          <a:ln>
-            <a:solidFill>
-              <a:schemeClr val="tx1"/>
-            </a:solidFill>
-            <a:prstDash val="dash"/>
-            <a:headEnd type="triangle" w="lg" len="lg"/>
-          </a:ln>
-        </p:spPr>
-        <p:style>
-          <a:lnRef idx="1">
-            <a:schemeClr val="accent1"/>
-          </a:lnRef>
-          <a:fillRef idx="0">
-            <a:schemeClr val="accent1"/>
-          </a:fillRef>
-          <a:effectRef idx="0">
-            <a:schemeClr val="accent1"/>
-          </a:effectRef>
-          <a:fontRef idx="minor">
-            <a:schemeClr val="tx1"/>
-          </a:fontRef>
-        </p:style>
-      </p:cxnSp>
-      <p:cxnSp>
-        <p:nvCxnSpPr>
-          <p:cNvPr id="52" name="直線コネクタ 51">
-            <a:extLst>
-              <a:ext uri="{FF2B5EF4-FFF2-40B4-BE49-F238E27FC236}">
-                <a16:creationId xmlns:a16="http://schemas.microsoft.com/office/drawing/2014/main" id="{D2E3AC65-4336-4A6E-840D-64D9750FCE0E}"/>
-              </a:ext>
-            </a:extLst>
-          </p:cNvPr>
-          <p:cNvCxnSpPr>
-            <a:cxnSpLocks/>
-          </p:cNvCxnSpPr>
-          <p:nvPr/>
-        </p:nvCxnSpPr>
-        <p:spPr>
-          <a:xfrm>
-            <a:off x="3628891" y="4733164"/>
-            <a:ext cx="2498142" cy="0"/>
-          </a:xfrm>
-          <a:prstGeom prst="line">
-            <a:avLst/>
-          </a:prstGeom>
-          <a:ln>
-            <a:solidFill>
-              <a:schemeClr val="tx1"/>
-            </a:solidFill>
-            <a:prstDash val="dash"/>
-            <a:headEnd type="triangle" w="lg" len="lg"/>
-          </a:ln>
-        </p:spPr>
-        <p:style>
-          <a:lnRef idx="1">
-            <a:schemeClr val="accent1"/>
-          </a:lnRef>
-          <a:fillRef idx="0">
-            <a:schemeClr val="accent1"/>
-          </a:fillRef>
-          <a:effectRef idx="0">
-            <a:schemeClr val="accent1"/>
-          </a:effectRef>
-          <a:fontRef idx="minor">
-            <a:schemeClr val="tx1"/>
-          </a:fontRef>
-        </p:style>
-      </p:cxnSp>
-      <p:sp>
-        <p:nvSpPr>
-          <p:cNvPr id="53" name="テキスト ボックス 52">
-            <a:extLst>
-              <a:ext uri="{FF2B5EF4-FFF2-40B4-BE49-F238E27FC236}">
-                <a16:creationId xmlns:a16="http://schemas.microsoft.com/office/drawing/2014/main" id="{2C043853-76C2-4AC4-9940-85787382F030}"/>
-              </a:ext>
-            </a:extLst>
-          </p:cNvPr>
-          <p:cNvSpPr txBox="1"/>
-          <p:nvPr/>
-        </p:nvSpPr>
-        <p:spPr>
-          <a:xfrm>
-            <a:off x="7375828" y="8714637"/>
-            <a:ext cx="1938007" cy="523220"/>
-          </a:xfrm>
-          <a:prstGeom prst="rect">
-            <a:avLst/>
-          </a:prstGeom>
-          <a:noFill/>
-        </p:spPr>
-        <p:txBody>
-          <a:bodyPr wrap="square" rtlCol="0">
-            <a:spAutoFit/>
-          </a:bodyPr>
-          <a:lstStyle/>
-          <a:p>
-            <a:r>
-              <a:rPr kumimoji="1" lang="en-US" altLang="ja-JP" sz="2800" dirty="0"/>
-              <a:t>A</a:t>
-            </a:r>
-            <a:r>
-              <a:rPr kumimoji="1" lang="ja-JP" altLang="en-US" sz="2800" dirty="0"/>
-              <a:t>の予測値</a:t>
-            </a:r>
-          </a:p>
-        </p:txBody>
-      </p:sp>
-      <p:sp>
-        <p:nvSpPr>
-          <p:cNvPr id="54" name="テキスト ボックス 53">
-            <a:extLst>
-              <a:ext uri="{FF2B5EF4-FFF2-40B4-BE49-F238E27FC236}">
-                <a16:creationId xmlns:a16="http://schemas.microsoft.com/office/drawing/2014/main" id="{CDD4CA92-235A-4FDB-A1B0-31852E222B6A}"/>
-              </a:ext>
-            </a:extLst>
-          </p:cNvPr>
-          <p:cNvSpPr txBox="1"/>
-          <p:nvPr/>
-        </p:nvSpPr>
-        <p:spPr>
-          <a:xfrm>
-            <a:off x="5103982" y="8714637"/>
-            <a:ext cx="1938007" cy="523220"/>
-          </a:xfrm>
-          <a:prstGeom prst="rect">
-            <a:avLst/>
-          </a:prstGeom>
-          <a:noFill/>
-        </p:spPr>
-        <p:txBody>
-          <a:bodyPr wrap="square" rtlCol="0">
-            <a:spAutoFit/>
-          </a:bodyPr>
-          <a:lstStyle/>
-          <a:p>
-            <a:r>
-              <a:rPr kumimoji="1" lang="en-US" altLang="ja-JP" sz="2800" dirty="0"/>
-              <a:t>B</a:t>
-            </a:r>
-            <a:r>
-              <a:rPr kumimoji="1" lang="ja-JP" altLang="en-US" sz="2800" dirty="0"/>
-              <a:t>の予測値</a:t>
-            </a:r>
-          </a:p>
-        </p:txBody>
-      </p:sp>
-      <p:sp>
-        <p:nvSpPr>
-          <p:cNvPr id="55" name="テキスト ボックス 54">
-            <a:extLst>
-              <a:ext uri="{FF2B5EF4-FFF2-40B4-BE49-F238E27FC236}">
-                <a16:creationId xmlns:a16="http://schemas.microsoft.com/office/drawing/2014/main" id="{6E1FC0CE-9AEF-47F3-B964-DB77C9E2E35C}"/>
-              </a:ext>
-            </a:extLst>
-          </p:cNvPr>
-          <p:cNvSpPr txBox="1"/>
-          <p:nvPr/>
-        </p:nvSpPr>
-        <p:spPr>
-          <a:xfrm>
-            <a:off x="1392748" y="5841433"/>
-            <a:ext cx="2236140" cy="523205"/>
-          </a:xfrm>
-          <a:prstGeom prst="rect">
-            <a:avLst/>
-          </a:prstGeom>
-          <a:noFill/>
-        </p:spPr>
-        <p:txBody>
-          <a:bodyPr wrap="square" rtlCol="0">
-            <a:spAutoFit/>
-          </a:bodyPr>
-          <a:lstStyle/>
-          <a:p>
-            <a:r>
-              <a:rPr kumimoji="1" lang="en-US" altLang="ja-JP" sz="2800" dirty="0"/>
-              <a:t>A</a:t>
-            </a:r>
-            <a:r>
-              <a:rPr kumimoji="1" lang="ja-JP" altLang="en-US" sz="2800" dirty="0"/>
-              <a:t>の正例割合</a:t>
-            </a:r>
-          </a:p>
-        </p:txBody>
-      </p:sp>
-      <p:sp>
-        <p:nvSpPr>
-          <p:cNvPr id="57" name="テキスト ボックス 56">
-            <a:extLst>
-              <a:ext uri="{FF2B5EF4-FFF2-40B4-BE49-F238E27FC236}">
-                <a16:creationId xmlns:a16="http://schemas.microsoft.com/office/drawing/2014/main" id="{8F6A0EAD-F369-4064-833A-05925C3F3A7D}"/>
-              </a:ext>
-            </a:extLst>
-          </p:cNvPr>
-          <p:cNvSpPr txBox="1"/>
-          <p:nvPr/>
-        </p:nvSpPr>
-        <p:spPr>
-          <a:xfrm>
-            <a:off x="1392748" y="4457372"/>
-            <a:ext cx="2236140" cy="523205"/>
-          </a:xfrm>
-          <a:prstGeom prst="rect">
-            <a:avLst/>
-          </a:prstGeom>
-          <a:noFill/>
-        </p:spPr>
-        <p:txBody>
-          <a:bodyPr wrap="square" rtlCol="0">
-            <a:spAutoFit/>
-          </a:bodyPr>
-          <a:lstStyle/>
-          <a:p>
-            <a:r>
-              <a:rPr kumimoji="1" lang="en-US" altLang="ja-JP" sz="2800" dirty="0"/>
-              <a:t>B</a:t>
-            </a:r>
-            <a:r>
-              <a:rPr kumimoji="1" lang="ja-JP" altLang="en-US" sz="2800" dirty="0"/>
-              <a:t>の正例割合</a:t>
-            </a:r>
+          <a:lnRef idx="2">
+            <a:schemeClr val="accent1">
+              <a:shade val="50000"/>
+            </a:schemeClr>
+          </a:lnRef>
+          <a:fillRef idx="1">
+            <a:schemeClr val="accent1"/>
+          </a:fillRef>
+          <a:effectRef idx="0">
+            <a:schemeClr val="accent1"/>
+          </a:effectRef>
+          <a:fontRef idx="minor">
+            <a:schemeClr val="lt1"/>
+          </a:fontRef>
+        </p:style>
+        <p:txBody>
+          <a:bodyPr rtlCol="0" anchor="ctr"/>
+          <a:lstStyle/>
+          <a:p>
+            <a:pPr algn="ctr"/>
+            <a:endParaRPr kumimoji="1" lang="ja-JP" altLang="en-US"/>
           </a:p>
         </p:txBody>
       </p:sp>
     </p:spTree>
     <p:extLst>
       <p:ext uri="{BB962C8B-B14F-4D97-AF65-F5344CB8AC3E}">
-        <p14:creationId xmlns:p14="http://schemas.microsoft.com/office/powerpoint/2010/main" val="767001429"/>
+        <p14:creationId xmlns:p14="http://schemas.microsoft.com/office/powerpoint/2010/main" val="4007443444"/>
       </p:ext>
     </p:extLst>
   </p:cSld>

--- a/unbalance/images.pptx
+++ b/unbalance/images.pptx
@@ -298,7 +298,7 @@
           <a:p>
             <a:fld id="{FB7CF62E-CE0A-4A24-BF36-7EEB5EF31D49}" type="datetimeFigureOut">
               <a:rPr kumimoji="1" lang="ja-JP" altLang="en-US" smtClean="0"/>
-              <a:t>2020/2/15</a:t>
+              <a:t>2020/2/16</a:t>
             </a:fld>
             <a:endParaRPr kumimoji="1" lang="ja-JP" altLang="en-US"/>
           </a:p>
@@ -500,7 +500,7 @@
           <a:p>
             <a:fld id="{FB7CF62E-CE0A-4A24-BF36-7EEB5EF31D49}" type="datetimeFigureOut">
               <a:rPr kumimoji="1" lang="ja-JP" altLang="en-US" smtClean="0"/>
-              <a:t>2020/2/15</a:t>
+              <a:t>2020/2/16</a:t>
             </a:fld>
             <a:endParaRPr kumimoji="1" lang="ja-JP" altLang="en-US"/>
           </a:p>
@@ -712,7 +712,7 @@
           <a:p>
             <a:fld id="{FB7CF62E-CE0A-4A24-BF36-7EEB5EF31D49}" type="datetimeFigureOut">
               <a:rPr kumimoji="1" lang="ja-JP" altLang="en-US" smtClean="0"/>
-              <a:t>2020/2/15</a:t>
+              <a:t>2020/2/16</a:t>
             </a:fld>
             <a:endParaRPr kumimoji="1" lang="ja-JP" altLang="en-US"/>
           </a:p>
@@ -914,7 +914,7 @@
           <a:p>
             <a:fld id="{FB7CF62E-CE0A-4A24-BF36-7EEB5EF31D49}" type="datetimeFigureOut">
               <a:rPr kumimoji="1" lang="ja-JP" altLang="en-US" smtClean="0"/>
-              <a:t>2020/2/15</a:t>
+              <a:t>2020/2/16</a:t>
             </a:fld>
             <a:endParaRPr kumimoji="1" lang="ja-JP" altLang="en-US"/>
           </a:p>
@@ -1158,7 +1158,7 @@
           <a:p>
             <a:fld id="{FB7CF62E-CE0A-4A24-BF36-7EEB5EF31D49}" type="datetimeFigureOut">
               <a:rPr kumimoji="1" lang="ja-JP" altLang="en-US" smtClean="0"/>
-              <a:t>2020/2/15</a:t>
+              <a:t>2020/2/16</a:t>
             </a:fld>
             <a:endParaRPr kumimoji="1" lang="ja-JP" altLang="en-US"/>
           </a:p>
@@ -1454,7 +1454,7 @@
           <a:p>
             <a:fld id="{FB7CF62E-CE0A-4A24-BF36-7EEB5EF31D49}" type="datetimeFigureOut">
               <a:rPr kumimoji="1" lang="ja-JP" altLang="en-US" smtClean="0"/>
-              <a:t>2020/2/15</a:t>
+              <a:t>2020/2/16</a:t>
             </a:fld>
             <a:endParaRPr kumimoji="1" lang="ja-JP" altLang="en-US"/>
           </a:p>
@@ -1885,7 +1885,7 @@
           <a:p>
             <a:fld id="{FB7CF62E-CE0A-4A24-BF36-7EEB5EF31D49}" type="datetimeFigureOut">
               <a:rPr kumimoji="1" lang="ja-JP" altLang="en-US" smtClean="0"/>
-              <a:t>2020/2/15</a:t>
+              <a:t>2020/2/16</a:t>
             </a:fld>
             <a:endParaRPr kumimoji="1" lang="ja-JP" altLang="en-US"/>
           </a:p>
@@ -2003,7 +2003,7 @@
           <a:p>
             <a:fld id="{FB7CF62E-CE0A-4A24-BF36-7EEB5EF31D49}" type="datetimeFigureOut">
               <a:rPr kumimoji="1" lang="ja-JP" altLang="en-US" smtClean="0"/>
-              <a:t>2020/2/15</a:t>
+              <a:t>2020/2/16</a:t>
             </a:fld>
             <a:endParaRPr kumimoji="1" lang="ja-JP" altLang="en-US"/>
           </a:p>
@@ -2098,7 +2098,7 @@
           <a:p>
             <a:fld id="{FB7CF62E-CE0A-4A24-BF36-7EEB5EF31D49}" type="datetimeFigureOut">
               <a:rPr kumimoji="1" lang="ja-JP" altLang="en-US" smtClean="0"/>
-              <a:t>2020/2/15</a:t>
+              <a:t>2020/2/16</a:t>
             </a:fld>
             <a:endParaRPr kumimoji="1" lang="ja-JP" altLang="en-US"/>
           </a:p>
@@ -2407,7 +2407,7 @@
           <a:p>
             <a:fld id="{FB7CF62E-CE0A-4A24-BF36-7EEB5EF31D49}" type="datetimeFigureOut">
               <a:rPr kumimoji="1" lang="ja-JP" altLang="en-US" smtClean="0"/>
-              <a:t>2020/2/15</a:t>
+              <a:t>2020/2/16</a:t>
             </a:fld>
             <a:endParaRPr kumimoji="1" lang="ja-JP" altLang="en-US"/>
           </a:p>
@@ -2664,7 +2664,7 @@
           <a:p>
             <a:fld id="{FB7CF62E-CE0A-4A24-BF36-7EEB5EF31D49}" type="datetimeFigureOut">
               <a:rPr kumimoji="1" lang="ja-JP" altLang="en-US" smtClean="0"/>
-              <a:t>2020/2/15</a:t>
+              <a:t>2020/2/16</a:t>
             </a:fld>
             <a:endParaRPr kumimoji="1" lang="ja-JP" altLang="en-US"/>
           </a:p>
@@ -2909,7 +2909,7 @@
           <a:p>
             <a:fld id="{FB7CF62E-CE0A-4A24-BF36-7EEB5EF31D49}" type="datetimeFigureOut">
               <a:rPr kumimoji="1" lang="ja-JP" altLang="en-US" smtClean="0"/>
-              <a:t>2020/2/15</a:t>
+              <a:t>2020/2/16</a:t>
             </a:fld>
             <a:endParaRPr kumimoji="1" lang="ja-JP" altLang="en-US"/>
           </a:p>
@@ -31876,8 +31876,8 @@
         </p:nvSpPr>
         <p:spPr>
           <a:xfrm>
-            <a:off x="9009980" y="3445155"/>
-            <a:ext cx="1953807" cy="1925299"/>
+            <a:off x="8868520" y="3445155"/>
+            <a:ext cx="2095268" cy="1925299"/>
           </a:xfrm>
           <a:prstGeom prst="rect">
             <a:avLst/>
@@ -31920,123 +31920,16 @@
                 <a:latin typeface="Meiryo UI" panose="020B0604030504040204" pitchFamily="50" charset="-128"/>
                 <a:ea typeface="Meiryo UI" panose="020B0604030504040204" pitchFamily="50" charset="-128"/>
               </a:rPr>
-              <a:t>１データ当たりの損失</a:t>
-            </a:r>
-          </a:p>
-        </p:txBody>
-      </p:sp>
-      <p:sp>
-        <p:nvSpPr>
-          <p:cNvPr id="31" name="正方形/長方形 30">
-            <a:extLst>
-              <a:ext uri="{FF2B5EF4-FFF2-40B4-BE49-F238E27FC236}">
-                <a16:creationId xmlns:a16="http://schemas.microsoft.com/office/drawing/2014/main" id="{0BD37B1E-4D80-4B6F-82A7-01746F043EB8}"/>
-              </a:ext>
-            </a:extLst>
-          </p:cNvPr>
-          <p:cNvSpPr/>
-          <p:nvPr/>
-        </p:nvSpPr>
-        <p:spPr>
-          <a:xfrm>
-            <a:off x="10963784" y="5370448"/>
-            <a:ext cx="2095267" cy="1814293"/>
-          </a:xfrm>
-          <a:prstGeom prst="rect">
-            <a:avLst/>
-          </a:prstGeom>
-          <a:solidFill>
-            <a:schemeClr val="bg2">
-              <a:lumMod val="25000"/>
-            </a:schemeClr>
-          </a:solidFill>
-          <a:ln>
-            <a:solidFill>
-              <a:schemeClr val="tx1"/>
-            </a:solidFill>
-          </a:ln>
-        </p:spPr>
-        <p:style>
-          <a:lnRef idx="2">
-            <a:schemeClr val="accent1">
-              <a:shade val="50000"/>
-            </a:schemeClr>
-          </a:lnRef>
-          <a:fillRef idx="1">
-            <a:schemeClr val="accent1"/>
-          </a:fillRef>
-          <a:effectRef idx="0">
-            <a:schemeClr val="accent1"/>
-          </a:effectRef>
-          <a:fontRef idx="minor">
-            <a:schemeClr val="lt1"/>
-          </a:fontRef>
-        </p:style>
-        <p:txBody>
-          <a:bodyPr rtlCol="0" anchor="ctr"/>
-          <a:lstStyle/>
-          <a:p>
-            <a:pPr algn="ctr"/>
-            <a:r>
-              <a:rPr lang="ja-JP" altLang="en-US" sz="2835" dirty="0">
-                <a:latin typeface="Meiryo UI" panose="020B0604030504040204" pitchFamily="50" charset="-128"/>
-                <a:ea typeface="Meiryo UI" panose="020B0604030504040204" pitchFamily="50" charset="-128"/>
-              </a:rPr>
-              <a:t>１データ当たりの損失</a:t>
-            </a:r>
-          </a:p>
-        </p:txBody>
-      </p:sp>
-      <p:sp>
-        <p:nvSpPr>
-          <p:cNvPr id="32" name="正方形/長方形 31">
-            <a:extLst>
-              <a:ext uri="{FF2B5EF4-FFF2-40B4-BE49-F238E27FC236}">
-                <a16:creationId xmlns:a16="http://schemas.microsoft.com/office/drawing/2014/main" id="{6065F572-3C02-4DF5-B95A-7542EB543822}"/>
-              </a:ext>
-            </a:extLst>
-          </p:cNvPr>
-          <p:cNvSpPr/>
-          <p:nvPr/>
-        </p:nvSpPr>
-        <p:spPr>
-          <a:xfrm>
-            <a:off x="9009980" y="5374252"/>
-            <a:ext cx="1953806" cy="1814280"/>
-          </a:xfrm>
-          <a:prstGeom prst="rect">
-            <a:avLst/>
-          </a:prstGeom>
-          <a:solidFill>
-            <a:schemeClr val="bg2">
-              <a:lumMod val="90000"/>
-            </a:schemeClr>
-          </a:solidFill>
-          <a:ln>
-            <a:solidFill>
-              <a:schemeClr val="tx1"/>
-            </a:solidFill>
-          </a:ln>
-        </p:spPr>
-        <p:style>
-          <a:lnRef idx="2">
-            <a:schemeClr val="accent1">
-              <a:shade val="50000"/>
-            </a:schemeClr>
-          </a:lnRef>
-          <a:fillRef idx="1">
-            <a:schemeClr val="accent1"/>
-          </a:fillRef>
-          <a:effectRef idx="0">
-            <a:schemeClr val="accent1"/>
-          </a:effectRef>
-          <a:fontRef idx="minor">
-            <a:schemeClr val="lt1"/>
-          </a:fontRef>
-        </p:style>
-        <p:txBody>
-          <a:bodyPr rtlCol="0" anchor="ctr"/>
-          <a:lstStyle/>
+              <a:t>１データ</a:t>
+            </a:r>
+            <a:endParaRPr lang="en-US" altLang="ja-JP" sz="2835" dirty="0">
+              <a:solidFill>
+                <a:schemeClr val="tx1"/>
+              </a:solidFill>
+              <a:latin typeface="Meiryo UI" panose="020B0604030504040204" pitchFamily="50" charset="-128"/>
+              <a:ea typeface="Meiryo UI" panose="020B0604030504040204" pitchFamily="50" charset="-128"/>
+            </a:endParaRPr>
+          </a:p>
           <a:p>
             <a:pPr algn="ctr"/>
             <a:r>
@@ -32047,17 +31940,17 @@
                 <a:latin typeface="Meiryo UI" panose="020B0604030504040204" pitchFamily="50" charset="-128"/>
                 <a:ea typeface="Meiryo UI" panose="020B0604030504040204" pitchFamily="50" charset="-128"/>
               </a:rPr>
-              <a:t>１データ当たりの損失</a:t>
-            </a:r>
-          </a:p>
-        </p:txBody>
-      </p:sp>
-      <p:sp>
-        <p:nvSpPr>
-          <p:cNvPr id="33" name="正方形/長方形 32">
-            <a:extLst>
-              <a:ext uri="{FF2B5EF4-FFF2-40B4-BE49-F238E27FC236}">
-                <a16:creationId xmlns:a16="http://schemas.microsoft.com/office/drawing/2014/main" id="{699B60D8-A6CE-48D8-A4B0-E9915B081B6E}"/>
+              <a:t>当たりの損失</a:t>
+            </a:r>
+          </a:p>
+        </p:txBody>
+      </p:sp>
+      <p:sp>
+        <p:nvSpPr>
+          <p:cNvPr id="31" name="正方形/長方形 30">
+            <a:extLst>
+              <a:ext uri="{FF2B5EF4-FFF2-40B4-BE49-F238E27FC236}">
+                <a16:creationId xmlns:a16="http://schemas.microsoft.com/office/drawing/2014/main" id="{0BD37B1E-4D80-4B6F-82A7-01746F043EB8}"/>
               </a:ext>
             </a:extLst>
           </p:cNvPr>
@@ -32066,8 +31959,84 @@
         </p:nvSpPr>
         <p:spPr>
           <a:xfrm>
-            <a:off x="10963786" y="3445156"/>
-            <a:ext cx="2095266" cy="1925293"/>
+            <a:off x="10963784" y="5370448"/>
+            <a:ext cx="2095267" cy="1814293"/>
+          </a:xfrm>
+          <a:prstGeom prst="rect">
+            <a:avLst/>
+          </a:prstGeom>
+          <a:solidFill>
+            <a:schemeClr val="bg2">
+              <a:lumMod val="25000"/>
+            </a:schemeClr>
+          </a:solidFill>
+          <a:ln>
+            <a:solidFill>
+              <a:schemeClr val="tx1"/>
+            </a:solidFill>
+          </a:ln>
+        </p:spPr>
+        <p:style>
+          <a:lnRef idx="2">
+            <a:schemeClr val="accent1">
+              <a:shade val="50000"/>
+            </a:schemeClr>
+          </a:lnRef>
+          <a:fillRef idx="1">
+            <a:schemeClr val="accent1"/>
+          </a:fillRef>
+          <a:effectRef idx="0">
+            <a:schemeClr val="accent1"/>
+          </a:effectRef>
+          <a:fontRef idx="minor">
+            <a:schemeClr val="lt1"/>
+          </a:fontRef>
+        </p:style>
+        <p:txBody>
+          <a:bodyPr rtlCol="0" anchor="ctr"/>
+          <a:lstStyle/>
+          <a:p>
+            <a:pPr algn="ctr"/>
+            <a:r>
+              <a:rPr lang="ja-JP" altLang="en-US" sz="2835" dirty="0">
+                <a:latin typeface="Meiryo UI" panose="020B0604030504040204" pitchFamily="50" charset="-128"/>
+                <a:ea typeface="Meiryo UI" panose="020B0604030504040204" pitchFamily="50" charset="-128"/>
+              </a:rPr>
+              <a:t>１データ</a:t>
+            </a:r>
+            <a:endParaRPr lang="en-US" altLang="ja-JP" sz="2835" dirty="0">
+              <a:latin typeface="Meiryo UI" panose="020B0604030504040204" pitchFamily="50" charset="-128"/>
+              <a:ea typeface="Meiryo UI" panose="020B0604030504040204" pitchFamily="50" charset="-128"/>
+            </a:endParaRPr>
+          </a:p>
+          <a:p>
+            <a:pPr algn="ctr"/>
+            <a:r>
+              <a:rPr lang="ja-JP" altLang="en-US" sz="2835" dirty="0">
+                <a:latin typeface="Meiryo UI" panose="020B0604030504040204" pitchFamily="50" charset="-128"/>
+                <a:ea typeface="Meiryo UI" panose="020B0604030504040204" pitchFamily="50" charset="-128"/>
+              </a:rPr>
+              <a:t>当たりの損失</a:t>
+            </a:r>
+          </a:p>
+        </p:txBody>
+      </p:sp>
+      <p:sp>
+        <p:nvSpPr>
+          <p:cNvPr id="32" name="正方形/長方形 31">
+            <a:extLst>
+              <a:ext uri="{FF2B5EF4-FFF2-40B4-BE49-F238E27FC236}">
+                <a16:creationId xmlns:a16="http://schemas.microsoft.com/office/drawing/2014/main" id="{6065F572-3C02-4DF5-B95A-7542EB543822}"/>
+              </a:ext>
+            </a:extLst>
+          </p:cNvPr>
+          <p:cNvSpPr/>
+          <p:nvPr/>
+        </p:nvSpPr>
+        <p:spPr>
+          <a:xfrm>
+            <a:off x="8868519" y="5374252"/>
+            <a:ext cx="2095267" cy="1814280"/>
           </a:xfrm>
           <a:prstGeom prst="rect">
             <a:avLst/>
@@ -32105,7 +32074,92 @@
           <a:p>
             <a:pPr algn="ctr"/>
             <a:r>
-              <a:rPr lang="en-US" altLang="ja-JP" sz="2835" b="1" dirty="0">
+              <a:rPr lang="ja-JP" altLang="en-US" sz="2835" dirty="0">
+                <a:solidFill>
+                  <a:schemeClr val="tx1"/>
+                </a:solidFill>
+                <a:latin typeface="Meiryo UI" panose="020B0604030504040204" pitchFamily="50" charset="-128"/>
+                <a:ea typeface="Meiryo UI" panose="020B0604030504040204" pitchFamily="50" charset="-128"/>
+              </a:rPr>
+              <a:t>１データ</a:t>
+            </a:r>
+            <a:endParaRPr lang="en-US" altLang="ja-JP" sz="2835" dirty="0">
+              <a:solidFill>
+                <a:schemeClr val="tx1"/>
+              </a:solidFill>
+              <a:latin typeface="Meiryo UI" panose="020B0604030504040204" pitchFamily="50" charset="-128"/>
+              <a:ea typeface="Meiryo UI" panose="020B0604030504040204" pitchFamily="50" charset="-128"/>
+            </a:endParaRPr>
+          </a:p>
+          <a:p>
+            <a:pPr algn="ctr"/>
+            <a:r>
+              <a:rPr lang="ja-JP" altLang="en-US" sz="2835" dirty="0">
+                <a:solidFill>
+                  <a:schemeClr val="tx1"/>
+                </a:solidFill>
+                <a:latin typeface="Meiryo UI" panose="020B0604030504040204" pitchFamily="50" charset="-128"/>
+                <a:ea typeface="Meiryo UI" panose="020B0604030504040204" pitchFamily="50" charset="-128"/>
+              </a:rPr>
+              <a:t>当たりの損失</a:t>
+            </a:r>
+          </a:p>
+        </p:txBody>
+      </p:sp>
+      <p:sp>
+        <p:nvSpPr>
+          <p:cNvPr id="33" name="正方形/長方形 32">
+            <a:extLst>
+              <a:ext uri="{FF2B5EF4-FFF2-40B4-BE49-F238E27FC236}">
+                <a16:creationId xmlns:a16="http://schemas.microsoft.com/office/drawing/2014/main" id="{699B60D8-A6CE-48D8-A4B0-E9915B081B6E}"/>
+              </a:ext>
+            </a:extLst>
+          </p:cNvPr>
+          <p:cNvSpPr/>
+          <p:nvPr/>
+        </p:nvSpPr>
+        <p:spPr>
+          <a:xfrm>
+            <a:off x="10963786" y="3445156"/>
+            <a:ext cx="2095266" cy="1925293"/>
+          </a:xfrm>
+          <a:prstGeom prst="rect">
+            <a:avLst/>
+          </a:prstGeom>
+          <a:solidFill>
+            <a:schemeClr val="bg2">
+              <a:lumMod val="90000"/>
+            </a:schemeClr>
+          </a:solidFill>
+          <a:ln>
+            <a:solidFill>
+              <a:schemeClr val="tx1"/>
+            </a:solidFill>
+          </a:ln>
+        </p:spPr>
+        <p:style>
+          <a:lnRef idx="2">
+            <a:schemeClr val="accent1">
+              <a:shade val="50000"/>
+            </a:schemeClr>
+          </a:lnRef>
+          <a:fillRef idx="1">
+            <a:schemeClr val="accent1"/>
+          </a:fillRef>
+          <a:effectRef idx="0">
+            <a:schemeClr val="accent1"/>
+          </a:effectRef>
+          <a:fontRef idx="minor">
+            <a:schemeClr val="lt1"/>
+          </a:fontRef>
+        </p:style>
+        <p:txBody>
+          <a:bodyPr rtlCol="0" anchor="ctr"/>
+          <a:lstStyle/>
+          <a:p>
+            <a:pPr algn="ctr"/>
+            <a:r>
+              <a:rPr lang="en-US" altLang="ja-JP" sz="2835" dirty="0">
                 <a:solidFill>
                   <a:schemeClr val="tx1"/>
                 </a:solidFill>
@@ -32115,14 +32169,34 @@
               <a:t>1</a:t>
             </a:r>
             <a:r>
-              <a:rPr lang="ja-JP" altLang="en-US" sz="2835" b="1" dirty="0">
+              <a:rPr lang="ja-JP" altLang="en-US" sz="2835" dirty="0">
                 <a:solidFill>
                   <a:schemeClr val="tx1"/>
                 </a:solidFill>
                 <a:latin typeface="Meiryo UI" panose="020B0604030504040204" pitchFamily="50" charset="-128"/>
                 <a:ea typeface="Meiryo UI" panose="020B0604030504040204" pitchFamily="50" charset="-128"/>
               </a:rPr>
-              <a:t>データ当たりの</a:t>
+              <a:t>データ</a:t>
+            </a:r>
+            <a:endParaRPr lang="en-US" altLang="ja-JP" sz="2835" dirty="0">
+              <a:solidFill>
+                <a:schemeClr val="tx1"/>
+              </a:solidFill>
+              <a:latin typeface="Meiryo UI" panose="020B0604030504040204" pitchFamily="50" charset="-128"/>
+              <a:ea typeface="Meiryo UI" panose="020B0604030504040204" pitchFamily="50" charset="-128"/>
+            </a:endParaRPr>
+          </a:p>
+          <a:p>
+            <a:pPr algn="ctr"/>
+            <a:r>
+              <a:rPr lang="ja-JP" altLang="en-US" sz="2835" dirty="0">
+                <a:solidFill>
+                  <a:schemeClr val="tx1"/>
+                </a:solidFill>
+                <a:latin typeface="Meiryo UI" panose="020B0604030504040204" pitchFamily="50" charset="-128"/>
+                <a:ea typeface="Meiryo UI" panose="020B0604030504040204" pitchFamily="50" charset="-128"/>
+              </a:rPr>
+              <a:t>当たりの損失</a:t>
             </a:r>
           </a:p>
         </p:txBody>
@@ -32141,8 +32215,8 @@
         </p:nvSpPr>
         <p:spPr>
           <a:xfrm>
-            <a:off x="15492732" y="3445155"/>
-            <a:ext cx="1953807" cy="1925299"/>
+            <a:off x="15351270" y="3445155"/>
+            <a:ext cx="2095270" cy="1925299"/>
           </a:xfrm>
           <a:prstGeom prst="rect">
             <a:avLst/>
@@ -32264,7 +32338,21 @@
                 <a:latin typeface="Meiryo UI" panose="020B0604030504040204" pitchFamily="50" charset="-128"/>
                 <a:ea typeface="Meiryo UI" panose="020B0604030504040204" pitchFamily="50" charset="-128"/>
               </a:rPr>
-              <a:t>全体の損失</a:t>
+              <a:t>全体の</a:t>
+            </a:r>
+            <a:endParaRPr lang="en-US" altLang="ja-JP" sz="2835" dirty="0">
+              <a:latin typeface="Meiryo UI" panose="020B0604030504040204" pitchFamily="50" charset="-128"/>
+              <a:ea typeface="Meiryo UI" panose="020B0604030504040204" pitchFamily="50" charset="-128"/>
+            </a:endParaRPr>
+          </a:p>
+          <a:p>
+            <a:pPr algn="ctr"/>
+            <a:r>
+              <a:rPr lang="ja-JP" altLang="en-US" sz="2835" dirty="0">
+                <a:latin typeface="Meiryo UI" panose="020B0604030504040204" pitchFamily="50" charset="-128"/>
+                <a:ea typeface="Meiryo UI" panose="020B0604030504040204" pitchFamily="50" charset="-128"/>
+              </a:rPr>
+              <a:t>損失</a:t>
             </a:r>
           </a:p>
         </p:txBody>
@@ -32283,8 +32371,8 @@
         </p:nvSpPr>
         <p:spPr>
           <a:xfrm>
-            <a:off x="15492733" y="5374252"/>
-            <a:ext cx="1953806" cy="1814280"/>
+            <a:off x="15351270" y="5374252"/>
+            <a:ext cx="2095269" cy="1814280"/>
           </a:xfrm>
           <a:prstGeom prst="rect">
             <a:avLst/>
@@ -32414,7 +32502,27 @@
                 <a:latin typeface="Meiryo UI" panose="020B0604030504040204" pitchFamily="50" charset="-128"/>
                 <a:ea typeface="Meiryo UI" panose="020B0604030504040204" pitchFamily="50" charset="-128"/>
               </a:rPr>
-              <a:t>全体の損失</a:t>
+              <a:t>全体の</a:t>
+            </a:r>
+            <a:endParaRPr lang="en-US" altLang="ja-JP" sz="2835" dirty="0">
+              <a:solidFill>
+                <a:schemeClr val="tx1"/>
+              </a:solidFill>
+              <a:latin typeface="Meiryo UI" panose="020B0604030504040204" pitchFamily="50" charset="-128"/>
+              <a:ea typeface="Meiryo UI" panose="020B0604030504040204" pitchFamily="50" charset="-128"/>
+            </a:endParaRPr>
+          </a:p>
+          <a:p>
+            <a:pPr algn="ctr"/>
+            <a:r>
+              <a:rPr lang="ja-JP" altLang="en-US" sz="2835" dirty="0">
+                <a:solidFill>
+                  <a:schemeClr val="tx1"/>
+                </a:solidFill>
+                <a:latin typeface="Meiryo UI" panose="020B0604030504040204" pitchFamily="50" charset="-128"/>
+                <a:ea typeface="Meiryo UI" panose="020B0604030504040204" pitchFamily="50" charset="-128"/>
+              </a:rPr>
+              <a:t>損失</a:t>
             </a:r>
             <a:endParaRPr lang="ja-JP" altLang="en-US" sz="2835" b="1" dirty="0">
               <a:solidFill>
@@ -32600,8 +32708,8 @@
         </p:nvSpPr>
         <p:spPr>
           <a:xfrm>
-            <a:off x="8770041" y="1905464"/>
-            <a:ext cx="4387486" cy="1323439"/>
+            <a:off x="8658808" y="1905464"/>
+            <a:ext cx="4498719" cy="1323439"/>
           </a:xfrm>
           <a:prstGeom prst="rect">
             <a:avLst/>
@@ -32669,8 +32777,8 @@
         </p:nvCxnSpPr>
         <p:spPr>
           <a:xfrm>
-            <a:off x="9009980" y="3237683"/>
-            <a:ext cx="4049071" cy="0"/>
+            <a:off x="8907327" y="3237683"/>
+            <a:ext cx="4151724" cy="0"/>
           </a:xfrm>
           <a:prstGeom prst="line">
             <a:avLst/>
@@ -32710,8 +32818,8 @@
         </p:nvSpPr>
         <p:spPr>
           <a:xfrm>
-            <a:off x="15865496" y="1967815"/>
-            <a:ext cx="3462275" cy="1323439"/>
+            <a:off x="15793834" y="1967815"/>
+            <a:ext cx="3533937" cy="1323439"/>
           </a:xfrm>
           <a:prstGeom prst="rect">
             <a:avLst/>
@@ -32765,8 +32873,8 @@
         </p:nvCxnSpPr>
         <p:spPr>
           <a:xfrm>
-            <a:off x="15492732" y="3237683"/>
-            <a:ext cx="4049071" cy="0"/>
+            <a:off x="15408925" y="3237683"/>
+            <a:ext cx="4132878" cy="0"/>
           </a:xfrm>
           <a:prstGeom prst="line">
             <a:avLst/>
